--- a/figures/figs.pptx
+++ b/figures/figs.pptx
@@ -5892,7 +5892,7 @@
         </p:blipFill>
         <p:spPr>
           <a:xfrm>
-            <a:off x="4507603" y="85689"/>
+            <a:off x="6072243" y="85689"/>
             <a:ext cx="961141" cy="961141"/>
           </a:xfrm>
           <a:prstGeom prst="rect">
@@ -5908,212 +5908,8 @@
         </p:nvSpPr>
         <p:spPr>
           <a:xfrm>
-            <a:off x="1097023" y="1818677"/>
+            <a:off x="2875023" y="1818677"/>
             <a:ext cx="6218176" cy="670478"/>
-          </a:xfrm>
-          <a:prstGeom prst="rect">
-            <a:avLst/>
-          </a:prstGeom>
-          <a:solidFill>
-            <a:schemeClr val="bg1"/>
-          </a:solidFill>
-          <a:ln w="28575">
-            <a:solidFill>
-              <a:schemeClr val="tx1"/>
-            </a:solidFill>
-          </a:ln>
-        </p:spPr>
-        <p:style>
-          <a:lnRef idx="2">
-            <a:schemeClr val="accent1">
-              <a:shade val="50000"/>
-            </a:schemeClr>
-          </a:lnRef>
-          <a:fillRef idx="1">
-            <a:schemeClr val="accent1"/>
-          </a:fillRef>
-          <a:effectRef idx="0">
-            <a:schemeClr val="accent1"/>
-          </a:effectRef>
-          <a:fontRef idx="minor">
-            <a:schemeClr val="lt1"/>
-          </a:fontRef>
-        </p:style>
-        <p:txBody>
-          <a:bodyPr rtlCol="0" anchor="t"/>
-          <a:lstStyle/>
-          <a:p>
-            <a:pPr algn="ctr"/>
-            <a:endParaRPr lang="en-US" sz="2000" dirty="0" smtClean="0">
-              <a:solidFill>
-                <a:schemeClr val="tx1"/>
-              </a:solidFill>
-              <a:latin typeface="Avenir Book" charset="0"/>
-              <a:ea typeface="Avenir Book" charset="0"/>
-              <a:cs typeface="Avenir Book" charset="0"/>
-            </a:endParaRPr>
-          </a:p>
-        </p:txBody>
-      </p:sp>
-      <p:sp>
-        <p:nvSpPr>
-          <p:cNvPr id="5" name="Rectangle 4"/>
-          <p:cNvSpPr/>
-          <p:nvPr/>
-        </p:nvSpPr>
-        <p:spPr>
-          <a:xfrm>
-            <a:off x="1097022" y="2999377"/>
-            <a:ext cx="6218177" cy="558690"/>
-          </a:xfrm>
-          <a:prstGeom prst="rect">
-            <a:avLst/>
-          </a:prstGeom>
-          <a:solidFill>
-            <a:schemeClr val="bg1"/>
-          </a:solidFill>
-          <a:ln w="28575">
-            <a:solidFill>
-              <a:schemeClr val="tx1"/>
-            </a:solidFill>
-          </a:ln>
-        </p:spPr>
-        <p:style>
-          <a:lnRef idx="2">
-            <a:schemeClr val="accent1">
-              <a:shade val="50000"/>
-            </a:schemeClr>
-          </a:lnRef>
-          <a:fillRef idx="1">
-            <a:schemeClr val="accent1"/>
-          </a:fillRef>
-          <a:effectRef idx="0">
-            <a:schemeClr val="accent1"/>
-          </a:effectRef>
-          <a:fontRef idx="minor">
-            <a:schemeClr val="lt1"/>
-          </a:fontRef>
-        </p:style>
-        <p:txBody>
-          <a:bodyPr rtlCol="0" anchor="t"/>
-          <a:lstStyle/>
-          <a:p>
-            <a:pPr algn="ctr"/>
-            <a:endParaRPr lang="en-US" sz="2000" dirty="0" smtClean="0">
-              <a:solidFill>
-                <a:schemeClr val="tx1"/>
-              </a:solidFill>
-              <a:latin typeface="Avenir Book" charset="0"/>
-              <a:ea typeface="Avenir Book" charset="0"/>
-              <a:cs typeface="Avenir Book" charset="0"/>
-            </a:endParaRPr>
-          </a:p>
-        </p:txBody>
-      </p:sp>
-      <p:sp>
-        <p:nvSpPr>
-          <p:cNvPr id="6" name="Rectangle 5"/>
-          <p:cNvSpPr/>
-          <p:nvPr/>
-        </p:nvSpPr>
-        <p:spPr>
-          <a:xfrm>
-            <a:off x="1097022" y="4013637"/>
-            <a:ext cx="6218177" cy="630668"/>
-          </a:xfrm>
-          <a:prstGeom prst="rect">
-            <a:avLst/>
-          </a:prstGeom>
-          <a:solidFill>
-            <a:schemeClr val="bg1"/>
-          </a:solidFill>
-          <a:ln w="28575">
-            <a:solidFill>
-              <a:schemeClr val="tx1"/>
-            </a:solidFill>
-          </a:ln>
-        </p:spPr>
-        <p:style>
-          <a:lnRef idx="2">
-            <a:schemeClr val="accent1">
-              <a:shade val="50000"/>
-            </a:schemeClr>
-          </a:lnRef>
-          <a:fillRef idx="1">
-            <a:schemeClr val="accent1"/>
-          </a:fillRef>
-          <a:effectRef idx="0">
-            <a:schemeClr val="accent1"/>
-          </a:effectRef>
-          <a:fontRef idx="minor">
-            <a:schemeClr val="lt1"/>
-          </a:fontRef>
-        </p:style>
-        <p:txBody>
-          <a:bodyPr rtlCol="0" anchor="t"/>
-          <a:lstStyle/>
-          <a:p>
-            <a:pPr algn="ctr"/>
-            <a:endParaRPr lang="en-US" sz="2000" dirty="0" smtClean="0">
-              <a:solidFill>
-                <a:schemeClr val="tx1"/>
-              </a:solidFill>
-              <a:latin typeface="Avenir Book" charset="0"/>
-              <a:ea typeface="Avenir Book" charset="0"/>
-              <a:cs typeface="Avenir Book" charset="0"/>
-            </a:endParaRPr>
-          </a:p>
-        </p:txBody>
-      </p:sp>
-      <p:cxnSp>
-        <p:nvCxnSpPr>
-          <p:cNvPr id="7" name="Straight Arrow Connector 6"/>
-          <p:cNvCxnSpPr/>
-          <p:nvPr/>
-        </p:nvCxnSpPr>
-        <p:spPr>
-          <a:xfrm>
-            <a:off x="4927215" y="1046830"/>
-            <a:ext cx="1660" cy="737674"/>
-          </a:xfrm>
-          <a:prstGeom prst="straightConnector1">
-            <a:avLst/>
-          </a:prstGeom>
-          <a:ln w="28575">
-            <a:solidFill>
-              <a:schemeClr val="bg1">
-                <a:lumMod val="50000"/>
-              </a:schemeClr>
-            </a:solidFill>
-            <a:headEnd type="none" w="med" len="med"/>
-            <a:tailEnd type="triangle"/>
-          </a:ln>
-        </p:spPr>
-        <p:style>
-          <a:lnRef idx="1">
-            <a:schemeClr val="accent1"/>
-          </a:lnRef>
-          <a:fillRef idx="0">
-            <a:schemeClr val="accent1"/>
-          </a:fillRef>
-          <a:effectRef idx="0">
-            <a:schemeClr val="accent1"/>
-          </a:effectRef>
-          <a:fontRef idx="minor">
-            <a:schemeClr val="tx1"/>
-          </a:fontRef>
-        </p:style>
-      </p:cxnSp>
-      <p:sp>
-        <p:nvSpPr>
-          <p:cNvPr id="10" name="Rectangle 9"/>
-          <p:cNvSpPr/>
-          <p:nvPr/>
-        </p:nvSpPr>
-        <p:spPr>
-          <a:xfrm>
-            <a:off x="1229360" y="1971776"/>
-            <a:ext cx="2052431" cy="364280"/>
           </a:xfrm>
           <a:prstGeom prst="rect">
             <a:avLst/>
@@ -6146,6 +5942,217 @@
           </a:fontRef>
         </p:style>
         <p:txBody>
+          <a:bodyPr rtlCol="0" anchor="t"/>
+          <a:lstStyle/>
+          <a:p>
+            <a:pPr algn="ctr"/>
+            <a:endParaRPr lang="en-US" sz="2000" dirty="0" smtClean="0">
+              <a:solidFill>
+                <a:schemeClr val="tx1"/>
+              </a:solidFill>
+              <a:latin typeface="Avenir Book" charset="0"/>
+              <a:ea typeface="Avenir Book" charset="0"/>
+              <a:cs typeface="Avenir Book" charset="0"/>
+            </a:endParaRPr>
+          </a:p>
+        </p:txBody>
+      </p:sp>
+      <p:sp>
+        <p:nvSpPr>
+          <p:cNvPr id="5" name="Rectangle 4"/>
+          <p:cNvSpPr/>
+          <p:nvPr/>
+        </p:nvSpPr>
+        <p:spPr>
+          <a:xfrm>
+            <a:off x="2875022" y="2999377"/>
+            <a:ext cx="6218177" cy="558690"/>
+          </a:xfrm>
+          <a:prstGeom prst="rect">
+            <a:avLst/>
+          </a:prstGeom>
+          <a:solidFill>
+            <a:schemeClr val="bg1"/>
+          </a:solidFill>
+          <a:ln w="28575">
+            <a:solidFill>
+              <a:schemeClr val="bg1">
+                <a:lumMod val="50000"/>
+              </a:schemeClr>
+            </a:solidFill>
+          </a:ln>
+        </p:spPr>
+        <p:style>
+          <a:lnRef idx="2">
+            <a:schemeClr val="accent1">
+              <a:shade val="50000"/>
+            </a:schemeClr>
+          </a:lnRef>
+          <a:fillRef idx="1">
+            <a:schemeClr val="accent1"/>
+          </a:fillRef>
+          <a:effectRef idx="0">
+            <a:schemeClr val="accent1"/>
+          </a:effectRef>
+          <a:fontRef idx="minor">
+            <a:schemeClr val="lt1"/>
+          </a:fontRef>
+        </p:style>
+        <p:txBody>
+          <a:bodyPr rtlCol="0" anchor="t"/>
+          <a:lstStyle/>
+          <a:p>
+            <a:pPr algn="ctr"/>
+            <a:endParaRPr lang="en-US" sz="2000" dirty="0" smtClean="0">
+              <a:solidFill>
+                <a:schemeClr val="tx1"/>
+              </a:solidFill>
+              <a:latin typeface="Avenir Book" charset="0"/>
+              <a:ea typeface="Avenir Book" charset="0"/>
+              <a:cs typeface="Avenir Book" charset="0"/>
+            </a:endParaRPr>
+          </a:p>
+        </p:txBody>
+      </p:sp>
+      <p:sp>
+        <p:nvSpPr>
+          <p:cNvPr id="6" name="Rectangle 5"/>
+          <p:cNvSpPr/>
+          <p:nvPr/>
+        </p:nvSpPr>
+        <p:spPr>
+          <a:xfrm>
+            <a:off x="2875022" y="4013637"/>
+            <a:ext cx="6218177" cy="630668"/>
+          </a:xfrm>
+          <a:prstGeom prst="rect">
+            <a:avLst/>
+          </a:prstGeom>
+          <a:solidFill>
+            <a:schemeClr val="bg1"/>
+          </a:solidFill>
+          <a:ln w="28575">
+            <a:solidFill>
+              <a:schemeClr val="bg1">
+                <a:lumMod val="50000"/>
+              </a:schemeClr>
+            </a:solidFill>
+          </a:ln>
+        </p:spPr>
+        <p:style>
+          <a:lnRef idx="2">
+            <a:schemeClr val="accent1">
+              <a:shade val="50000"/>
+            </a:schemeClr>
+          </a:lnRef>
+          <a:fillRef idx="1">
+            <a:schemeClr val="accent1"/>
+          </a:fillRef>
+          <a:effectRef idx="0">
+            <a:schemeClr val="accent1"/>
+          </a:effectRef>
+          <a:fontRef idx="minor">
+            <a:schemeClr val="lt1"/>
+          </a:fontRef>
+        </p:style>
+        <p:txBody>
+          <a:bodyPr rtlCol="0" anchor="t"/>
+          <a:lstStyle/>
+          <a:p>
+            <a:pPr algn="ctr"/>
+            <a:endParaRPr lang="en-US" sz="2000" dirty="0" smtClean="0">
+              <a:solidFill>
+                <a:schemeClr val="tx1"/>
+              </a:solidFill>
+              <a:latin typeface="Avenir Book" charset="0"/>
+              <a:ea typeface="Avenir Book" charset="0"/>
+              <a:cs typeface="Avenir Book" charset="0"/>
+            </a:endParaRPr>
+          </a:p>
+        </p:txBody>
+      </p:sp>
+      <p:cxnSp>
+        <p:nvCxnSpPr>
+          <p:cNvPr id="7" name="Straight Arrow Connector 6"/>
+          <p:cNvCxnSpPr/>
+          <p:nvPr/>
+        </p:nvCxnSpPr>
+        <p:spPr>
+          <a:xfrm>
+            <a:off x="6551983" y="1046830"/>
+            <a:ext cx="1660" cy="737674"/>
+          </a:xfrm>
+          <a:prstGeom prst="straightConnector1">
+            <a:avLst/>
+          </a:prstGeom>
+          <a:ln w="28575">
+            <a:solidFill>
+              <a:schemeClr val="tx1">
+                <a:lumMod val="75000"/>
+                <a:lumOff val="25000"/>
+              </a:schemeClr>
+            </a:solidFill>
+            <a:headEnd type="none" w="med" len="med"/>
+            <a:tailEnd type="triangle"/>
+          </a:ln>
+        </p:spPr>
+        <p:style>
+          <a:lnRef idx="1">
+            <a:schemeClr val="accent1"/>
+          </a:lnRef>
+          <a:fillRef idx="0">
+            <a:schemeClr val="accent1"/>
+          </a:fillRef>
+          <a:effectRef idx="0">
+            <a:schemeClr val="accent1"/>
+          </a:effectRef>
+          <a:fontRef idx="minor">
+            <a:schemeClr val="tx1"/>
+          </a:fontRef>
+        </p:style>
+      </p:cxnSp>
+      <p:sp>
+        <p:nvSpPr>
+          <p:cNvPr id="10" name="Rectangle 9"/>
+          <p:cNvSpPr/>
+          <p:nvPr/>
+        </p:nvSpPr>
+        <p:spPr>
+          <a:xfrm>
+            <a:off x="3007360" y="1971776"/>
+            <a:ext cx="2052431" cy="364280"/>
+          </a:xfrm>
+          <a:prstGeom prst="rect">
+            <a:avLst/>
+          </a:prstGeom>
+          <a:solidFill>
+            <a:schemeClr val="bg1"/>
+          </a:solidFill>
+          <a:ln w="28575">
+            <a:solidFill>
+              <a:schemeClr val="bg1">
+                <a:lumMod val="50000"/>
+              </a:schemeClr>
+            </a:solidFill>
+          </a:ln>
+        </p:spPr>
+        <p:style>
+          <a:lnRef idx="2">
+            <a:schemeClr val="accent1">
+              <a:shade val="50000"/>
+            </a:schemeClr>
+          </a:lnRef>
+          <a:fillRef idx="1">
+            <a:schemeClr val="accent1"/>
+          </a:fillRef>
+          <a:effectRef idx="0">
+            <a:schemeClr val="accent1"/>
+          </a:effectRef>
+          <a:fontRef idx="minor">
+            <a:schemeClr val="lt1"/>
+          </a:fontRef>
+        </p:style>
+        <p:txBody>
           <a:bodyPr rtlCol="0" anchor="ctr"/>
           <a:lstStyle/>
           <a:p>
@@ -6184,7 +6191,7 @@
         </p:nvSpPr>
         <p:spPr>
           <a:xfrm>
-            <a:off x="3449739" y="1971776"/>
+            <a:off x="5227739" y="1971776"/>
             <a:ext cx="2233860" cy="364280"/>
           </a:xfrm>
           <a:prstGeom prst="rect">
@@ -6256,7 +6263,7 @@
         </p:nvSpPr>
         <p:spPr>
           <a:xfrm>
-            <a:off x="5892485" y="1971776"/>
+            <a:off x="7670485" y="1971776"/>
             <a:ext cx="1304397" cy="364280"/>
           </a:xfrm>
           <a:prstGeom prst="rect">
@@ -6328,7 +6335,7 @@
         </p:nvSpPr>
         <p:spPr>
           <a:xfrm rot="16200000">
-            <a:off x="221461" y="1830751"/>
+            <a:off x="1999461" y="1830751"/>
             <a:ext cx="1104790" cy="646331"/>
           </a:xfrm>
           <a:prstGeom prst="rect">
@@ -6344,30 +6351,105 @@
           <a:p>
             <a:pPr algn="ctr"/>
             <a:r>
-              <a:rPr lang="en-US" smtClean="0">
+              <a:rPr lang="en-US" dirty="0" smtClean="0">
+                <a:solidFill>
+                  <a:schemeClr val="bg1">
+                    <a:lumMod val="50000"/>
+                  </a:schemeClr>
+                </a:solidFill>
                 <a:latin typeface="Avenir Next" charset="0"/>
                 <a:ea typeface="Avenir Next" charset="0"/>
                 <a:cs typeface="Avenir Next" charset="0"/>
               </a:rPr>
               <a:t>Spec. </a:t>
             </a:r>
+          </a:p>
+          <a:p>
+            <a:pPr algn="ctr"/>
+            <a:r>
+              <a:rPr lang="en-US" dirty="0" smtClean="0">
+                <a:solidFill>
+                  <a:schemeClr val="bg1">
+                    <a:lumMod val="50000"/>
+                  </a:schemeClr>
+                </a:solidFill>
+                <a:latin typeface="Avenir Next" charset="0"/>
+                <a:ea typeface="Avenir Next" charset="0"/>
+                <a:cs typeface="Avenir Next" charset="0"/>
+              </a:rPr>
+              <a:t>Interface</a:t>
+            </a:r>
             <a:endParaRPr lang="en-US" dirty="0" smtClean="0">
+              <a:solidFill>
+                <a:schemeClr val="bg1">
+                  <a:lumMod val="50000"/>
+                </a:schemeClr>
+              </a:solidFill>
               <a:latin typeface="Avenir Next" charset="0"/>
               <a:ea typeface="Avenir Next" charset="0"/>
               <a:cs typeface="Avenir Next" charset="0"/>
             </a:endParaRPr>
           </a:p>
+        </p:txBody>
+      </p:sp>
+      <p:sp>
+        <p:nvSpPr>
+          <p:cNvPr id="16" name="TextBox 15"/>
+          <p:cNvSpPr txBox="1"/>
+          <p:nvPr/>
+        </p:nvSpPr>
+        <p:spPr>
+          <a:xfrm rot="16200000">
+            <a:off x="2102535" y="2955557"/>
+            <a:ext cx="898644" cy="646331"/>
+          </a:xfrm>
+          <a:prstGeom prst="rect">
+            <a:avLst/>
+          </a:prstGeom>
+          <a:noFill/>
+        </p:spPr>
+        <p:txBody>
+          <a:bodyPr wrap="none" rtlCol="0">
+            <a:spAutoFit/>
+          </a:bodyPr>
+          <a:lstStyle/>
           <a:p>
             <a:pPr algn="ctr"/>
             <a:r>
+              <a:rPr lang="en-US" smtClean="0">
+                <a:solidFill>
+                  <a:schemeClr val="bg1">
+                    <a:lumMod val="50000"/>
+                  </a:schemeClr>
+                </a:solidFill>
+                <a:latin typeface="Avenir Next" charset="0"/>
+                <a:ea typeface="Avenir Next" charset="0"/>
+                <a:cs typeface="Avenir Next" charset="0"/>
+              </a:rPr>
+              <a:t>Tree </a:t>
+            </a:r>
+          </a:p>
+          <a:p>
+            <a:pPr algn="ctr"/>
+            <a:r>
               <a:rPr lang="en-US" dirty="0" smtClean="0">
-                <a:latin typeface="Avenir Next" charset="0"/>
-                <a:ea typeface="Avenir Next" charset="0"/>
-                <a:cs typeface="Avenir Next" charset="0"/>
-              </a:rPr>
-              <a:t>Interface</a:t>
+                <a:solidFill>
+                  <a:schemeClr val="bg1">
+                    <a:lumMod val="50000"/>
+                  </a:schemeClr>
+                </a:solidFill>
+                <a:latin typeface="Avenir Next" charset="0"/>
+                <a:ea typeface="Avenir Next" charset="0"/>
+                <a:cs typeface="Avenir Next" charset="0"/>
+              </a:rPr>
+              <a:t>Search</a:t>
             </a:r>
             <a:endParaRPr lang="en-US" dirty="0" smtClean="0">
+              <a:solidFill>
+                <a:schemeClr val="bg1">
+                  <a:lumMod val="50000"/>
+                </a:schemeClr>
+              </a:solidFill>
               <a:latin typeface="Avenir Next" charset="0"/>
               <a:ea typeface="Avenir Next" charset="0"/>
               <a:cs typeface="Avenir Next" charset="0"/>
@@ -6377,14 +6459,14 @@
       </p:sp>
       <p:sp>
         <p:nvSpPr>
-          <p:cNvPr id="16" name="TextBox 15"/>
+          <p:cNvPr id="17" name="TextBox 16"/>
           <p:cNvSpPr txBox="1"/>
           <p:nvPr/>
         </p:nvSpPr>
         <p:spPr>
           <a:xfrm rot="16200000">
-            <a:off x="324535" y="2955557"/>
-            <a:ext cx="898644" cy="646331"/>
+            <a:off x="1933739" y="4005806"/>
+            <a:ext cx="1236236" cy="646331"/>
           </a:xfrm>
           <a:prstGeom prst="rect">
             <a:avLst/>
@@ -6400,24 +6482,39 @@
             <a:pPr algn="ctr"/>
             <a:r>
               <a:rPr lang="en-US" smtClean="0">
-                <a:latin typeface="Avenir Next" charset="0"/>
-                <a:ea typeface="Avenir Next" charset="0"/>
-                <a:cs typeface="Avenir Next" charset="0"/>
-              </a:rPr>
-              <a:t>Tree </a:t>
+                <a:solidFill>
+                  <a:schemeClr val="bg1">
+                    <a:lumMod val="50000"/>
+                  </a:schemeClr>
+                </a:solidFill>
+                <a:latin typeface="Avenir Next" charset="0"/>
+                <a:ea typeface="Avenir Next" charset="0"/>
+                <a:cs typeface="Avenir Next" charset="0"/>
+              </a:rPr>
+              <a:t>Program</a:t>
             </a:r>
           </a:p>
           <a:p>
             <a:pPr algn="ctr"/>
             <a:r>
               <a:rPr lang="en-US" dirty="0" smtClean="0">
-                <a:latin typeface="Avenir Next" charset="0"/>
-                <a:ea typeface="Avenir Next" charset="0"/>
-                <a:cs typeface="Avenir Next" charset="0"/>
-              </a:rPr>
-              <a:t>Search</a:t>
+                <a:solidFill>
+                  <a:schemeClr val="bg1">
+                    <a:lumMod val="50000"/>
+                  </a:schemeClr>
+                </a:solidFill>
+                <a:latin typeface="Avenir Next" charset="0"/>
+                <a:ea typeface="Avenir Next" charset="0"/>
+                <a:cs typeface="Avenir Next" charset="0"/>
+              </a:rPr>
+              <a:t>Optimizer</a:t>
             </a:r>
             <a:endParaRPr lang="en-US" dirty="0" smtClean="0">
+              <a:solidFill>
+                <a:schemeClr val="bg1">
+                  <a:lumMod val="50000"/>
+                </a:schemeClr>
+              </a:solidFill>
               <a:latin typeface="Avenir Next" charset="0"/>
               <a:ea typeface="Avenir Next" charset="0"/>
               <a:cs typeface="Avenir Next" charset="0"/>
@@ -6427,63 +6524,13 @@
       </p:sp>
       <p:sp>
         <p:nvSpPr>
-          <p:cNvPr id="17" name="TextBox 16"/>
-          <p:cNvSpPr txBox="1"/>
-          <p:nvPr/>
-        </p:nvSpPr>
-        <p:spPr>
-          <a:xfrm rot="16200000">
-            <a:off x="155739" y="4005806"/>
-            <a:ext cx="1236236" cy="646331"/>
-          </a:xfrm>
-          <a:prstGeom prst="rect">
-            <a:avLst/>
-          </a:prstGeom>
-          <a:noFill/>
-        </p:spPr>
-        <p:txBody>
-          <a:bodyPr wrap="none" rtlCol="0">
-            <a:spAutoFit/>
-          </a:bodyPr>
-          <a:lstStyle/>
-          <a:p>
-            <a:pPr algn="ctr"/>
-            <a:r>
-              <a:rPr lang="en-US" smtClean="0">
-                <a:latin typeface="Avenir Next" charset="0"/>
-                <a:ea typeface="Avenir Next" charset="0"/>
-                <a:cs typeface="Avenir Next" charset="0"/>
-              </a:rPr>
-              <a:t>Program</a:t>
-            </a:r>
-          </a:p>
-          <a:p>
-            <a:pPr algn="ctr"/>
-            <a:r>
-              <a:rPr lang="en-US" dirty="0" smtClean="0">
-                <a:latin typeface="Avenir Next" charset="0"/>
-                <a:ea typeface="Avenir Next" charset="0"/>
-                <a:cs typeface="Avenir Next" charset="0"/>
-              </a:rPr>
-              <a:t>Optimizer</a:t>
-            </a:r>
-            <a:endParaRPr lang="en-US" dirty="0" smtClean="0">
-              <a:latin typeface="Avenir Next" charset="0"/>
-              <a:ea typeface="Avenir Next" charset="0"/>
-              <a:cs typeface="Avenir Next" charset="0"/>
-            </a:endParaRPr>
-          </a:p>
-        </p:txBody>
-      </p:sp>
-      <p:sp>
-        <p:nvSpPr>
           <p:cNvPr id="18" name="Rectangle 17"/>
           <p:cNvSpPr/>
           <p:nvPr/>
         </p:nvSpPr>
         <p:spPr>
           <a:xfrm>
-            <a:off x="1229360" y="3090456"/>
+            <a:off x="3007360" y="3090456"/>
             <a:ext cx="1887647" cy="376532"/>
           </a:xfrm>
           <a:prstGeom prst="rect">
@@ -6555,7 +6602,7 @@
         </p:nvCxnSpPr>
         <p:spPr>
           <a:xfrm>
-            <a:off x="403038" y="1491429"/>
+            <a:off x="1998158" y="1521909"/>
             <a:ext cx="8423911" cy="0"/>
           </a:xfrm>
           <a:prstGeom prst="line">
@@ -6587,46 +6634,6 @@
           </a:fontRef>
         </p:style>
       </p:cxnSp>
-      <p:sp>
-        <p:nvSpPr>
-          <p:cNvPr id="30" name="TextBox 29"/>
-          <p:cNvSpPr txBox="1"/>
-          <p:nvPr/>
-        </p:nvSpPr>
-        <p:spPr>
-          <a:xfrm>
-            <a:off x="1575894" y="1239677"/>
-            <a:ext cx="1951175" cy="461665"/>
-          </a:xfrm>
-          <a:prstGeom prst="rect">
-            <a:avLst/>
-          </a:prstGeom>
-          <a:solidFill>
-            <a:schemeClr val="bg1"/>
-          </a:solidFill>
-        </p:spPr>
-        <p:txBody>
-          <a:bodyPr wrap="none" rtlCol="0">
-            <a:spAutoFit/>
-          </a:bodyPr>
-          <a:lstStyle/>
-          <a:p>
-            <a:r>
-              <a:rPr lang="en-US" sz="2400" dirty="0" err="1" smtClean="0">
-                <a:latin typeface="Arvo" charset="0"/>
-                <a:ea typeface="Arvo" charset="0"/>
-                <a:cs typeface="Arvo" charset="0"/>
-              </a:rPr>
-              <a:t>AlphaClean</a:t>
-            </a:r>
-            <a:endParaRPr lang="en-US" sz="2400" dirty="0" smtClean="0">
-              <a:latin typeface="Arvo" charset="0"/>
-              <a:ea typeface="Arvo" charset="0"/>
-              <a:cs typeface="Arvo" charset="0"/>
-            </a:endParaRPr>
-          </a:p>
-        </p:txBody>
-      </p:sp>
       <p:cxnSp>
         <p:nvCxnSpPr>
           <p:cNvPr id="31" name="Straight Arrow Connector 30"/>
@@ -6635,7 +6642,7 @@
         </p:nvCxnSpPr>
         <p:spPr>
           <a:xfrm>
-            <a:off x="2655747" y="2528688"/>
+            <a:off x="6552813" y="2528688"/>
             <a:ext cx="0" cy="410440"/>
           </a:xfrm>
           <a:prstGeom prst="straightConnector1">
@@ -6643,8 +6650,9 @@
           </a:prstGeom>
           <a:ln w="28575">
             <a:solidFill>
-              <a:schemeClr val="bg1">
-                <a:lumMod val="50000"/>
+              <a:schemeClr val="tx1">
+                <a:lumMod val="75000"/>
+                <a:lumOff val="25000"/>
               </a:schemeClr>
             </a:solidFill>
             <a:headEnd type="none" w="med" len="med"/>
@@ -6674,7 +6682,7 @@
         </p:nvSpPr>
         <p:spPr>
           <a:xfrm>
-            <a:off x="2744979" y="2563968"/>
+            <a:off x="3222499" y="2564631"/>
             <a:ext cx="3283206" cy="338554"/>
           </a:xfrm>
           <a:prstGeom prst="rect">
@@ -6688,6 +6696,7 @@
           </a:bodyPr>
           <a:lstStyle/>
           <a:p>
+            <a:pPr algn="r"/>
             <a:r>
               <a:rPr lang="en-US" sz="1600" dirty="0" smtClean="0">
                 <a:solidFill>
@@ -6724,7 +6733,7 @@
         </p:nvSpPr>
         <p:spPr>
           <a:xfrm>
-            <a:off x="5010659" y="1110421"/>
+            <a:off x="4817789" y="1132664"/>
             <a:ext cx="1678665" cy="338554"/>
           </a:xfrm>
           <a:prstGeom prst="rect">
@@ -6738,6 +6747,7 @@
           </a:bodyPr>
           <a:lstStyle/>
           <a:p>
+            <a:pPr algn="r"/>
             <a:r>
               <a:rPr lang="en-US" sz="1600" dirty="0" smtClean="0">
                 <a:solidFill>
@@ -6774,7 +6784,7 @@
         </p:nvSpPr>
         <p:spPr>
           <a:xfrm>
-            <a:off x="3364668" y="3090456"/>
+            <a:off x="5142668" y="3090456"/>
             <a:ext cx="1887647" cy="376532"/>
           </a:xfrm>
           <a:prstGeom prst="rect">
@@ -6846,7 +6856,7 @@
         </p:nvSpPr>
         <p:spPr>
           <a:xfrm>
-            <a:off x="5539354" y="3090456"/>
+            <a:off x="7317354" y="3090456"/>
             <a:ext cx="1657528" cy="376532"/>
           </a:xfrm>
           <a:prstGeom prst="rect">
@@ -6918,7 +6928,7 @@
         </p:nvSpPr>
         <p:spPr>
           <a:xfrm>
-            <a:off x="1278186" y="4130973"/>
+            <a:off x="3056186" y="4130973"/>
             <a:ext cx="1887647" cy="395997"/>
           </a:xfrm>
           <a:prstGeom prst="rect">
@@ -6990,7 +7000,7 @@
         </p:nvSpPr>
         <p:spPr>
           <a:xfrm>
-            <a:off x="3360848" y="4130973"/>
+            <a:off x="5138848" y="4130973"/>
             <a:ext cx="2110071" cy="395997"/>
           </a:xfrm>
           <a:prstGeom prst="rect">
@@ -7075,7 +7085,7 @@
         </p:nvSpPr>
         <p:spPr>
           <a:xfrm>
-            <a:off x="5665934" y="4130973"/>
+            <a:off x="7443934" y="4130973"/>
             <a:ext cx="1530948" cy="395997"/>
           </a:xfrm>
           <a:prstGeom prst="rect">
@@ -7147,7 +7157,7 @@
         </p:nvCxnSpPr>
         <p:spPr>
           <a:xfrm flipH="1">
-            <a:off x="2655747" y="3583454"/>
+            <a:off x="6552605" y="3583454"/>
             <a:ext cx="416" cy="401678"/>
           </a:xfrm>
           <a:prstGeom prst="straightConnector1">
@@ -7155,8 +7165,9 @@
           </a:prstGeom>
           <a:ln w="28575">
             <a:solidFill>
-              <a:schemeClr val="bg1">
-                <a:lumMod val="50000"/>
+              <a:schemeClr val="tx1">
+                <a:lumMod val="75000"/>
+                <a:lumOff val="25000"/>
               </a:schemeClr>
             </a:solidFill>
             <a:headEnd type="none" w="med" len="med"/>
@@ -7186,7 +7197,7 @@
         </p:nvSpPr>
         <p:spPr>
           <a:xfrm>
-            <a:off x="2745395" y="3615800"/>
+            <a:off x="4631474" y="3615800"/>
             <a:ext cx="1874231" cy="338554"/>
           </a:xfrm>
           <a:prstGeom prst="rect">
@@ -7200,6 +7211,7 @@
           </a:bodyPr>
           <a:lstStyle/>
           <a:p>
+            <a:pPr algn="r"/>
             <a:r>
               <a:rPr lang="en-US" sz="1600" dirty="0" smtClean="0">
                 <a:solidFill>
@@ -7233,24 +7245,25 @@
           <p:cNvPr id="49" name="Elbow Connector 48"/>
           <p:cNvCxnSpPr>
             <a:stCxn id="6" idx="3"/>
-            <a:endCxn id="4" idx="3"/>
           </p:cNvCxnSpPr>
           <p:nvPr/>
         </p:nvCxnSpPr>
         <p:spPr>
           <a:xfrm flipH="1" flipV="1">
-            <a:off x="5468744" y="566260"/>
-            <a:ext cx="1846455" cy="3762711"/>
-          </a:xfrm>
-          <a:prstGeom prst="bentConnector3">
+            <a:off x="7036783" y="755592"/>
+            <a:ext cx="2056416" cy="3573379"/>
+          </a:xfrm>
+          <a:prstGeom prst="bentConnector4">
             <a:avLst>
-              <a:gd name="adj1" fmla="val -12380"/>
+              <a:gd name="adj1" fmla="val -11116"/>
+              <a:gd name="adj2" fmla="val 99904"/>
             </a:avLst>
           </a:prstGeom>
           <a:ln w="28575">
             <a:solidFill>
-              <a:schemeClr val="bg1">
-                <a:lumMod val="50000"/>
+              <a:schemeClr val="tx1">
+                <a:lumMod val="75000"/>
+                <a:lumOff val="25000"/>
               </a:schemeClr>
             </a:solidFill>
             <a:headEnd type="none" w="med" len="med"/>
@@ -7280,8 +7293,8 @@
         </p:nvSpPr>
         <p:spPr>
           <a:xfrm>
-            <a:off x="7597125" y="2317747"/>
-            <a:ext cx="1229824" cy="830997"/>
+            <a:off x="7220618" y="424732"/>
+            <a:ext cx="1874231" cy="661720"/>
           </a:xfrm>
           <a:prstGeom prst="rect">
             <a:avLst/>
@@ -7294,6 +7307,11 @@
           </a:bodyPr>
           <a:lstStyle/>
           <a:p>
+            <a:pPr>
+              <a:spcAft>
+                <a:spcPts val="600"/>
+              </a:spcAft>
+            </a:pPr>
             <a:r>
               <a:rPr lang="en-US" sz="1600" dirty="0" smtClean="0">
                 <a:solidFill>
@@ -7310,6 +7328,11 @@
             </a:r>
           </a:p>
           <a:p>
+            <a:pPr>
+              <a:spcAft>
+                <a:spcPts val="600"/>
+              </a:spcAft>
+            </a:pPr>
             <a:r>
               <a:rPr lang="en-US" sz="1600" dirty="0" smtClean="0">
                 <a:solidFill>
@@ -7322,23 +7345,7 @@
                 <a:ea typeface="Avenir Next" charset="0"/>
                 <a:cs typeface="Avenir Next" charset="0"/>
               </a:rPr>
-              <a:t>Cleaning </a:t>
-            </a:r>
-          </a:p>
-          <a:p>
-            <a:r>
-              <a:rPr lang="en-US" sz="1600" dirty="0" smtClean="0">
-                <a:solidFill>
-                  <a:schemeClr val="tx1">
-                    <a:lumMod val="75000"/>
-                    <a:lumOff val="25000"/>
-                  </a:schemeClr>
-                </a:solidFill>
-                <a:latin typeface="Avenir Next" charset="0"/>
-                <a:ea typeface="Avenir Next" charset="0"/>
-                <a:cs typeface="Avenir Next" charset="0"/>
-              </a:rPr>
-              <a:t>Program</a:t>
+              <a:t>Cleaning Program</a:t>
             </a:r>
             <a:endParaRPr lang="en-US" sz="1600" dirty="0" smtClean="0">
               <a:solidFill>

--- a/figures/figs.pptx
+++ b/figures/figs.pptx
@@ -5,8 +5,8 @@
     <p:sldMasterId id="2147483648" r:id="rId1"/>
   </p:sldMasterIdLst>
   <p:sldIdLst>
-    <p:sldId id="256" r:id="rId2"/>
-    <p:sldId id="262" r:id="rId3"/>
+    <p:sldId id="262" r:id="rId2"/>
+    <p:sldId id="263" r:id="rId3"/>
   </p:sldIdLst>
   <p:sldSz cx="12192000" cy="6858000"/>
   <p:notesSz cx="6858000" cy="9144000"/>
@@ -244,7 +244,7 @@
           <a:p>
             <a:fld id="{0D2365CA-5E4B-9146-99C6-9EE280F2DA9A}" type="datetimeFigureOut">
               <a:rPr lang="en-US" smtClean="0"/>
-              <a:t>8/29/17</a:t>
+              <a:t>8/30/17</a:t>
             </a:fld>
             <a:endParaRPr lang="en-US"/>
           </a:p>
@@ -414,7 +414,7 @@
           <a:p>
             <a:fld id="{0D2365CA-5E4B-9146-99C6-9EE280F2DA9A}" type="datetimeFigureOut">
               <a:rPr lang="en-US" smtClean="0"/>
-              <a:t>8/29/17</a:t>
+              <a:t>8/30/17</a:t>
             </a:fld>
             <a:endParaRPr lang="en-US"/>
           </a:p>
@@ -594,7 +594,7 @@
           <a:p>
             <a:fld id="{0D2365CA-5E4B-9146-99C6-9EE280F2DA9A}" type="datetimeFigureOut">
               <a:rPr lang="en-US" smtClean="0"/>
-              <a:t>8/29/17</a:t>
+              <a:t>8/30/17</a:t>
             </a:fld>
             <a:endParaRPr lang="en-US"/>
           </a:p>
@@ -764,7 +764,7 @@
           <a:p>
             <a:fld id="{0D2365CA-5E4B-9146-99C6-9EE280F2DA9A}" type="datetimeFigureOut">
               <a:rPr lang="en-US" smtClean="0"/>
-              <a:t>8/29/17</a:t>
+              <a:t>8/30/17</a:t>
             </a:fld>
             <a:endParaRPr lang="en-US"/>
           </a:p>
@@ -1010,7 +1010,7 @@
           <a:p>
             <a:fld id="{0D2365CA-5E4B-9146-99C6-9EE280F2DA9A}" type="datetimeFigureOut">
               <a:rPr lang="en-US" smtClean="0"/>
-              <a:t>8/29/17</a:t>
+              <a:t>8/30/17</a:t>
             </a:fld>
             <a:endParaRPr lang="en-US"/>
           </a:p>
@@ -1242,7 +1242,7 @@
           <a:p>
             <a:fld id="{0D2365CA-5E4B-9146-99C6-9EE280F2DA9A}" type="datetimeFigureOut">
               <a:rPr lang="en-US" smtClean="0"/>
-              <a:t>8/29/17</a:t>
+              <a:t>8/30/17</a:t>
             </a:fld>
             <a:endParaRPr lang="en-US"/>
           </a:p>
@@ -1609,7 +1609,7 @@
           <a:p>
             <a:fld id="{0D2365CA-5E4B-9146-99C6-9EE280F2DA9A}" type="datetimeFigureOut">
               <a:rPr lang="en-US" smtClean="0"/>
-              <a:t>8/29/17</a:t>
+              <a:t>8/30/17</a:t>
             </a:fld>
             <a:endParaRPr lang="en-US"/>
           </a:p>
@@ -1727,7 +1727,7 @@
           <a:p>
             <a:fld id="{0D2365CA-5E4B-9146-99C6-9EE280F2DA9A}" type="datetimeFigureOut">
               <a:rPr lang="en-US" smtClean="0"/>
-              <a:t>8/29/17</a:t>
+              <a:t>8/30/17</a:t>
             </a:fld>
             <a:endParaRPr lang="en-US"/>
           </a:p>
@@ -1822,7 +1822,7 @@
           <a:p>
             <a:fld id="{0D2365CA-5E4B-9146-99C6-9EE280F2DA9A}" type="datetimeFigureOut">
               <a:rPr lang="en-US" smtClean="0"/>
-              <a:t>8/29/17</a:t>
+              <a:t>8/30/17</a:t>
             </a:fld>
             <a:endParaRPr lang="en-US"/>
           </a:p>
@@ -2099,7 +2099,7 @@
           <a:p>
             <a:fld id="{0D2365CA-5E4B-9146-99C6-9EE280F2DA9A}" type="datetimeFigureOut">
               <a:rPr lang="en-US" smtClean="0"/>
-              <a:t>8/29/17</a:t>
+              <a:t>8/30/17</a:t>
             </a:fld>
             <a:endParaRPr lang="en-US"/>
           </a:p>
@@ -2352,7 +2352,7 @@
           <a:p>
             <a:fld id="{0D2365CA-5E4B-9146-99C6-9EE280F2DA9A}" type="datetimeFigureOut">
               <a:rPr lang="en-US" smtClean="0"/>
-              <a:t>8/29/17</a:t>
+              <a:t>8/30/17</a:t>
             </a:fld>
             <a:endParaRPr lang="en-US"/>
           </a:p>
@@ -2565,7 +2565,7 @@
           <a:p>
             <a:fld id="{0D2365CA-5E4B-9146-99C6-9EE280F2DA9A}" type="datetimeFigureOut">
               <a:rPr lang="en-US" smtClean="0"/>
-              <a:t>8/29/17</a:t>
+              <a:t>8/30/17</a:t>
             </a:fld>
             <a:endParaRPr lang="en-US"/>
           </a:p>
@@ -2970,2912 +2970,6 @@
           <a:chExt cx="0" cy="0"/>
         </a:xfrm>
       </p:grpSpPr>
-      <p:sp>
-        <p:nvSpPr>
-          <p:cNvPr id="4" name="TextBox 3"/>
-          <p:cNvSpPr txBox="1"/>
-          <p:nvPr/>
-        </p:nvSpPr>
-        <p:spPr>
-          <a:xfrm>
-            <a:off x="3015244" y="1712259"/>
-            <a:ext cx="824265" cy="369332"/>
-          </a:xfrm>
-          <a:prstGeom prst="rect">
-            <a:avLst/>
-          </a:prstGeom>
-          <a:noFill/>
-        </p:spPr>
-        <p:txBody>
-          <a:bodyPr wrap="none" rtlCol="0">
-            <a:spAutoFit/>
-          </a:bodyPr>
-          <a:lstStyle/>
-          <a:p>
-            <a:r>
-              <a:rPr lang="en-US" smtClean="0">
-                <a:latin typeface="Avenir Next" charset="0"/>
-                <a:ea typeface="Avenir Next" charset="0"/>
-                <a:cs typeface="Avenir Next" charset="0"/>
-              </a:rPr>
-              <a:t>Select</a:t>
-            </a:r>
-            <a:endParaRPr lang="en-US" dirty="0">
-              <a:latin typeface="Avenir Next" charset="0"/>
-              <a:ea typeface="Avenir Next" charset="0"/>
-              <a:cs typeface="Avenir Next" charset="0"/>
-            </a:endParaRPr>
-          </a:p>
-        </p:txBody>
-      </p:sp>
-      <p:sp>
-        <p:nvSpPr>
-          <p:cNvPr id="5" name="TextBox 4"/>
-          <p:cNvSpPr txBox="1"/>
-          <p:nvPr/>
-        </p:nvSpPr>
-        <p:spPr>
-          <a:xfrm>
-            <a:off x="883010" y="2321859"/>
-            <a:ext cx="906787" cy="369332"/>
-          </a:xfrm>
-          <a:prstGeom prst="rect">
-            <a:avLst/>
-          </a:prstGeom>
-          <a:noFill/>
-        </p:spPr>
-        <p:txBody>
-          <a:bodyPr wrap="none" rtlCol="0">
-            <a:spAutoFit/>
-          </a:bodyPr>
-          <a:lstStyle/>
-          <a:p>
-            <a:r>
-              <a:rPr lang="en-US" dirty="0" smtClean="0">
-                <a:latin typeface="Avenir Next" charset="0"/>
-                <a:ea typeface="Avenir Next" charset="0"/>
-                <a:cs typeface="Avenir Next" charset="0"/>
-              </a:rPr>
-              <a:t>Project</a:t>
-            </a:r>
-            <a:endParaRPr lang="en-US" dirty="0">
-              <a:latin typeface="Avenir Next" charset="0"/>
-              <a:ea typeface="Avenir Next" charset="0"/>
-              <a:cs typeface="Avenir Next" charset="0"/>
-            </a:endParaRPr>
-          </a:p>
-        </p:txBody>
-      </p:sp>
-      <p:sp>
-        <p:nvSpPr>
-          <p:cNvPr id="6" name="TextBox 5"/>
-          <p:cNvSpPr txBox="1"/>
-          <p:nvPr/>
-        </p:nvSpPr>
-        <p:spPr>
-          <a:xfrm>
-            <a:off x="2930" y="3021979"/>
-            <a:ext cx="1302729" cy="615553"/>
-          </a:xfrm>
-          <a:prstGeom prst="rect">
-            <a:avLst/>
-          </a:prstGeom>
-          <a:noFill/>
-        </p:spPr>
-        <p:txBody>
-          <a:bodyPr wrap="none" rtlCol="0">
-            <a:spAutoFit/>
-          </a:bodyPr>
-          <a:lstStyle/>
-          <a:p>
-            <a:r>
-              <a:rPr lang="en-US" dirty="0" err="1" smtClean="0">
-                <a:latin typeface="Avenir Next" charset="0"/>
-                <a:ea typeface="Avenir Next" charset="0"/>
-                <a:cs typeface="Avenir Next" charset="0"/>
-              </a:rPr>
-              <a:t>ProjClause</a:t>
-            </a:r>
-            <a:endParaRPr lang="en-US" dirty="0" smtClean="0">
-              <a:latin typeface="Avenir Next" charset="0"/>
-              <a:ea typeface="Avenir Next" charset="0"/>
-              <a:cs typeface="Avenir Next" charset="0"/>
-            </a:endParaRPr>
-          </a:p>
-          <a:p>
-            <a:r>
-              <a:rPr lang="en-US" sz="1600" dirty="0">
-                <a:solidFill>
-                  <a:schemeClr val="bg1">
-                    <a:lumMod val="50000"/>
-                  </a:schemeClr>
-                </a:solidFill>
-                <a:latin typeface="Avenir Next" charset="0"/>
-                <a:ea typeface="Avenir Next" charset="0"/>
-                <a:cs typeface="Avenir Next" charset="0"/>
-              </a:rPr>
-              <a:t> </a:t>
-            </a:r>
-            <a:r>
-              <a:rPr lang="en-US" sz="1600" dirty="0" smtClean="0">
-                <a:solidFill>
-                  <a:schemeClr val="bg1">
-                    <a:lumMod val="50000"/>
-                  </a:schemeClr>
-                </a:solidFill>
-                <a:latin typeface="Avenir Next" charset="0"/>
-                <a:ea typeface="Avenir Next" charset="0"/>
-                <a:cs typeface="Avenir Next" charset="0"/>
-              </a:rPr>
-              <a:t> alias: x</a:t>
-            </a:r>
-            <a:endParaRPr lang="en-US" sz="1600" dirty="0">
-              <a:solidFill>
-                <a:schemeClr val="bg1">
-                  <a:lumMod val="50000"/>
-                </a:schemeClr>
-              </a:solidFill>
-              <a:latin typeface="Avenir Next" charset="0"/>
-              <a:ea typeface="Avenir Next" charset="0"/>
-              <a:cs typeface="Avenir Next" charset="0"/>
-            </a:endParaRPr>
-          </a:p>
-        </p:txBody>
-      </p:sp>
-      <p:sp>
-        <p:nvSpPr>
-          <p:cNvPr id="7" name="TextBox 6"/>
-          <p:cNvSpPr txBox="1"/>
-          <p:nvPr/>
-        </p:nvSpPr>
-        <p:spPr>
-          <a:xfrm>
-            <a:off x="-45577" y="3935471"/>
-            <a:ext cx="1399742" cy="615553"/>
-          </a:xfrm>
-          <a:prstGeom prst="rect">
-            <a:avLst/>
-          </a:prstGeom>
-          <a:noFill/>
-        </p:spPr>
-        <p:txBody>
-          <a:bodyPr wrap="none" rtlCol="0">
-            <a:spAutoFit/>
-          </a:bodyPr>
-          <a:lstStyle/>
-          <a:p>
-            <a:r>
-              <a:rPr lang="en-US" dirty="0" err="1" smtClean="0">
-                <a:latin typeface="Avenir Next" charset="0"/>
-                <a:ea typeface="Avenir Next" charset="0"/>
-                <a:cs typeface="Avenir Next" charset="0"/>
-              </a:rPr>
-              <a:t>ColExpr</a:t>
-            </a:r>
-            <a:endParaRPr lang="en-US" dirty="0">
-              <a:latin typeface="Avenir Next" charset="0"/>
-              <a:ea typeface="Avenir Next" charset="0"/>
-              <a:cs typeface="Avenir Next" charset="0"/>
-            </a:endParaRPr>
-          </a:p>
-          <a:p>
-            <a:r>
-              <a:rPr lang="en-US" sz="1600" dirty="0" smtClean="0">
-                <a:solidFill>
-                  <a:schemeClr val="bg1">
-                    <a:lumMod val="50000"/>
-                  </a:schemeClr>
-                </a:solidFill>
-                <a:latin typeface="Avenir Next" charset="0"/>
-                <a:ea typeface="Avenir Next" charset="0"/>
-                <a:cs typeface="Avenir Next" charset="0"/>
-              </a:rPr>
-              <a:t>   name: date</a:t>
-            </a:r>
-            <a:endParaRPr lang="en-US" sz="1600" dirty="0">
-              <a:solidFill>
-                <a:schemeClr val="bg1">
-                  <a:lumMod val="50000"/>
-                </a:schemeClr>
-              </a:solidFill>
-              <a:latin typeface="Avenir Next" charset="0"/>
-              <a:ea typeface="Avenir Next" charset="0"/>
-              <a:cs typeface="Avenir Next" charset="0"/>
-            </a:endParaRPr>
-          </a:p>
-        </p:txBody>
-      </p:sp>
-      <p:cxnSp>
-        <p:nvCxnSpPr>
-          <p:cNvPr id="12" name="Straight Arrow Connector 11"/>
-          <p:cNvCxnSpPr>
-            <a:stCxn id="6" idx="2"/>
-            <a:endCxn id="7" idx="0"/>
-          </p:cNvCxnSpPr>
-          <p:nvPr/>
-        </p:nvCxnSpPr>
-        <p:spPr>
-          <a:xfrm flipH="1">
-            <a:off x="654294" y="3637532"/>
-            <a:ext cx="1" cy="297939"/>
-          </a:xfrm>
-          <a:prstGeom prst="straightConnector1">
-            <a:avLst/>
-          </a:prstGeom>
-          <a:ln w="28575">
-            <a:solidFill>
-              <a:schemeClr val="bg1">
-                <a:lumMod val="50000"/>
-              </a:schemeClr>
-            </a:solidFill>
-            <a:headEnd type="none" w="med" len="med"/>
-            <a:tailEnd type="arrow" w="med" len="med"/>
-          </a:ln>
-        </p:spPr>
-        <p:style>
-          <a:lnRef idx="1">
-            <a:schemeClr val="accent1"/>
-          </a:lnRef>
-          <a:fillRef idx="0">
-            <a:schemeClr val="accent1"/>
-          </a:fillRef>
-          <a:effectRef idx="0">
-            <a:schemeClr val="accent1"/>
-          </a:effectRef>
-          <a:fontRef idx="minor">
-            <a:schemeClr val="tx1"/>
-          </a:fontRef>
-        </p:style>
-      </p:cxnSp>
-      <p:cxnSp>
-        <p:nvCxnSpPr>
-          <p:cNvPr id="14" name="Straight Arrow Connector 13"/>
-          <p:cNvCxnSpPr>
-            <a:stCxn id="5" idx="2"/>
-            <a:endCxn id="6" idx="0"/>
-          </p:cNvCxnSpPr>
-          <p:nvPr/>
-        </p:nvCxnSpPr>
-        <p:spPr>
-          <a:xfrm flipH="1">
-            <a:off x="654295" y="2691191"/>
-            <a:ext cx="682109" cy="330788"/>
-          </a:xfrm>
-          <a:prstGeom prst="straightConnector1">
-            <a:avLst/>
-          </a:prstGeom>
-          <a:ln w="28575">
-            <a:solidFill>
-              <a:schemeClr val="bg1">
-                <a:lumMod val="50000"/>
-              </a:schemeClr>
-            </a:solidFill>
-            <a:headEnd type="none" w="med" len="med"/>
-            <a:tailEnd type="arrow" w="med" len="med"/>
-          </a:ln>
-        </p:spPr>
-        <p:style>
-          <a:lnRef idx="1">
-            <a:schemeClr val="accent1"/>
-          </a:lnRef>
-          <a:fillRef idx="0">
-            <a:schemeClr val="accent1"/>
-          </a:fillRef>
-          <a:effectRef idx="0">
-            <a:schemeClr val="accent1"/>
-          </a:effectRef>
-          <a:fontRef idx="minor">
-            <a:schemeClr val="tx1"/>
-          </a:fontRef>
-        </p:style>
-      </p:cxnSp>
-      <p:sp>
-        <p:nvSpPr>
-          <p:cNvPr id="17" name="TextBox 16"/>
-          <p:cNvSpPr txBox="1"/>
-          <p:nvPr/>
-        </p:nvSpPr>
-        <p:spPr>
-          <a:xfrm>
-            <a:off x="1354430" y="3012141"/>
-            <a:ext cx="1302729" cy="615553"/>
-          </a:xfrm>
-          <a:prstGeom prst="rect">
-            <a:avLst/>
-          </a:prstGeom>
-          <a:noFill/>
-        </p:spPr>
-        <p:txBody>
-          <a:bodyPr wrap="none" rtlCol="0">
-            <a:spAutoFit/>
-          </a:bodyPr>
-          <a:lstStyle/>
-          <a:p>
-            <a:r>
-              <a:rPr lang="en-US" dirty="0" err="1" smtClean="0">
-                <a:latin typeface="Avenir Next" charset="0"/>
-                <a:ea typeface="Avenir Next" charset="0"/>
-                <a:cs typeface="Avenir Next" charset="0"/>
-              </a:rPr>
-              <a:t>ProjClause</a:t>
-            </a:r>
-            <a:endParaRPr lang="en-US" dirty="0" smtClean="0">
-              <a:latin typeface="Avenir Next" charset="0"/>
-              <a:ea typeface="Avenir Next" charset="0"/>
-              <a:cs typeface="Avenir Next" charset="0"/>
-            </a:endParaRPr>
-          </a:p>
-          <a:p>
-            <a:r>
-              <a:rPr lang="en-US" sz="1600" dirty="0">
-                <a:solidFill>
-                  <a:schemeClr val="bg1">
-                    <a:lumMod val="50000"/>
-                  </a:schemeClr>
-                </a:solidFill>
-                <a:latin typeface="Avenir Next" charset="0"/>
-                <a:ea typeface="Avenir Next" charset="0"/>
-                <a:cs typeface="Avenir Next" charset="0"/>
-              </a:rPr>
-              <a:t> </a:t>
-            </a:r>
-            <a:r>
-              <a:rPr lang="en-US" sz="1600" dirty="0" smtClean="0">
-                <a:solidFill>
-                  <a:schemeClr val="bg1">
-                    <a:lumMod val="50000"/>
-                  </a:schemeClr>
-                </a:solidFill>
-                <a:latin typeface="Avenir Next" charset="0"/>
-                <a:ea typeface="Avenir Next" charset="0"/>
-                <a:cs typeface="Avenir Next" charset="0"/>
-              </a:rPr>
-              <a:t> alias: y</a:t>
-            </a:r>
-            <a:endParaRPr lang="en-US" sz="1600" dirty="0">
-              <a:solidFill>
-                <a:schemeClr val="bg1">
-                  <a:lumMod val="50000"/>
-                </a:schemeClr>
-              </a:solidFill>
-              <a:latin typeface="Avenir Next" charset="0"/>
-              <a:ea typeface="Avenir Next" charset="0"/>
-              <a:cs typeface="Avenir Next" charset="0"/>
-            </a:endParaRPr>
-          </a:p>
-        </p:txBody>
-      </p:sp>
-      <p:sp>
-        <p:nvSpPr>
-          <p:cNvPr id="18" name="TextBox 17"/>
-          <p:cNvSpPr txBox="1"/>
-          <p:nvPr/>
-        </p:nvSpPr>
-        <p:spPr>
-          <a:xfrm>
-            <a:off x="1287488" y="3925633"/>
-            <a:ext cx="1467068" cy="615553"/>
-          </a:xfrm>
-          <a:prstGeom prst="rect">
-            <a:avLst/>
-          </a:prstGeom>
-          <a:noFill/>
-        </p:spPr>
-        <p:txBody>
-          <a:bodyPr wrap="none" rtlCol="0">
-            <a:spAutoFit/>
-          </a:bodyPr>
-          <a:lstStyle/>
-          <a:p>
-            <a:r>
-              <a:rPr lang="en-US" dirty="0" err="1" smtClean="0">
-                <a:latin typeface="Avenir Next" charset="0"/>
-                <a:ea typeface="Avenir Next" charset="0"/>
-                <a:cs typeface="Avenir Next" charset="0"/>
-              </a:rPr>
-              <a:t>ColExpr</a:t>
-            </a:r>
-            <a:endParaRPr lang="en-US" dirty="0">
-              <a:latin typeface="Avenir Next" charset="0"/>
-              <a:ea typeface="Avenir Next" charset="0"/>
-              <a:cs typeface="Avenir Next" charset="0"/>
-            </a:endParaRPr>
-          </a:p>
-          <a:p>
-            <a:r>
-              <a:rPr lang="en-US" sz="1600" dirty="0" smtClean="0">
-                <a:solidFill>
-                  <a:schemeClr val="bg1">
-                    <a:lumMod val="50000"/>
-                  </a:schemeClr>
-                </a:solidFill>
-                <a:latin typeface="Avenir Next" charset="0"/>
-                <a:ea typeface="Avenir Next" charset="0"/>
-                <a:cs typeface="Avenir Next" charset="0"/>
-              </a:rPr>
-              <a:t>   name: </a:t>
-            </a:r>
-            <a:r>
-              <a:rPr lang="en-US" sz="1600" b="1" dirty="0" smtClean="0">
-                <a:solidFill>
-                  <a:srgbClr val="00B0F0"/>
-                </a:solidFill>
-                <a:latin typeface="Avenir Next" charset="0"/>
-                <a:ea typeface="Avenir Next" charset="0"/>
-                <a:cs typeface="Avenir Next" charset="0"/>
-              </a:rPr>
-              <a:t>sales</a:t>
-            </a:r>
-            <a:endParaRPr lang="en-US" sz="1600" b="1" dirty="0">
-              <a:solidFill>
-                <a:srgbClr val="00B0F0"/>
-              </a:solidFill>
-              <a:latin typeface="Avenir Next" charset="0"/>
-              <a:ea typeface="Avenir Next" charset="0"/>
-              <a:cs typeface="Avenir Next" charset="0"/>
-            </a:endParaRPr>
-          </a:p>
-        </p:txBody>
-      </p:sp>
-      <p:cxnSp>
-        <p:nvCxnSpPr>
-          <p:cNvPr id="19" name="Straight Arrow Connector 18"/>
-          <p:cNvCxnSpPr>
-            <a:stCxn id="17" idx="2"/>
-            <a:endCxn id="18" idx="0"/>
-          </p:cNvCxnSpPr>
-          <p:nvPr/>
-        </p:nvCxnSpPr>
-        <p:spPr>
-          <a:xfrm>
-            <a:off x="2005795" y="3627694"/>
-            <a:ext cx="15227" cy="297939"/>
-          </a:xfrm>
-          <a:prstGeom prst="straightConnector1">
-            <a:avLst/>
-          </a:prstGeom>
-          <a:ln w="28575">
-            <a:solidFill>
-              <a:schemeClr val="bg1">
-                <a:lumMod val="50000"/>
-              </a:schemeClr>
-            </a:solidFill>
-            <a:headEnd type="none" w="med" len="med"/>
-            <a:tailEnd type="arrow" w="med" len="med"/>
-          </a:ln>
-        </p:spPr>
-        <p:style>
-          <a:lnRef idx="1">
-            <a:schemeClr val="accent1"/>
-          </a:lnRef>
-          <a:fillRef idx="0">
-            <a:schemeClr val="accent1"/>
-          </a:fillRef>
-          <a:effectRef idx="0">
-            <a:schemeClr val="accent1"/>
-          </a:effectRef>
-          <a:fontRef idx="minor">
-            <a:schemeClr val="tx1"/>
-          </a:fontRef>
-        </p:style>
-      </p:cxnSp>
-      <p:cxnSp>
-        <p:nvCxnSpPr>
-          <p:cNvPr id="20" name="Straight Arrow Connector 19"/>
-          <p:cNvCxnSpPr>
-            <a:stCxn id="4" idx="2"/>
-            <a:endCxn id="5" idx="0"/>
-          </p:cNvCxnSpPr>
-          <p:nvPr/>
-        </p:nvCxnSpPr>
-        <p:spPr>
-          <a:xfrm flipH="1">
-            <a:off x="1336404" y="2081591"/>
-            <a:ext cx="2090973" cy="240268"/>
-          </a:xfrm>
-          <a:prstGeom prst="straightConnector1">
-            <a:avLst/>
-          </a:prstGeom>
-          <a:ln w="28575">
-            <a:solidFill>
-              <a:schemeClr val="bg1">
-                <a:lumMod val="50000"/>
-              </a:schemeClr>
-            </a:solidFill>
-            <a:headEnd type="none" w="med" len="med"/>
-            <a:tailEnd type="arrow" w="med" len="med"/>
-          </a:ln>
-        </p:spPr>
-        <p:style>
-          <a:lnRef idx="1">
-            <a:schemeClr val="accent1"/>
-          </a:lnRef>
-          <a:fillRef idx="0">
-            <a:schemeClr val="accent1"/>
-          </a:fillRef>
-          <a:effectRef idx="0">
-            <a:schemeClr val="accent1"/>
-          </a:effectRef>
-          <a:fontRef idx="minor">
-            <a:schemeClr val="tx1"/>
-          </a:fontRef>
-        </p:style>
-      </p:cxnSp>
-      <p:cxnSp>
-        <p:nvCxnSpPr>
-          <p:cNvPr id="23" name="Straight Arrow Connector 22"/>
-          <p:cNvCxnSpPr>
-            <a:stCxn id="5" idx="2"/>
-            <a:endCxn id="17" idx="0"/>
-          </p:cNvCxnSpPr>
-          <p:nvPr/>
-        </p:nvCxnSpPr>
-        <p:spPr>
-          <a:xfrm>
-            <a:off x="1336404" y="2691191"/>
-            <a:ext cx="669391" cy="320950"/>
-          </a:xfrm>
-          <a:prstGeom prst="straightConnector1">
-            <a:avLst/>
-          </a:prstGeom>
-          <a:ln w="28575">
-            <a:solidFill>
-              <a:schemeClr val="bg1">
-                <a:lumMod val="50000"/>
-              </a:schemeClr>
-            </a:solidFill>
-            <a:headEnd type="none" w="med" len="med"/>
-            <a:tailEnd type="arrow" w="med" len="med"/>
-          </a:ln>
-        </p:spPr>
-        <p:style>
-          <a:lnRef idx="1">
-            <a:schemeClr val="accent1"/>
-          </a:lnRef>
-          <a:fillRef idx="0">
-            <a:schemeClr val="accent1"/>
-          </a:fillRef>
-          <a:effectRef idx="0">
-            <a:schemeClr val="accent1"/>
-          </a:effectRef>
-          <a:fontRef idx="minor">
-            <a:schemeClr val="tx1"/>
-          </a:fontRef>
-        </p:style>
-      </p:cxnSp>
-      <p:sp>
-        <p:nvSpPr>
-          <p:cNvPr id="362" name="TextBox 361"/>
-          <p:cNvSpPr txBox="1"/>
-          <p:nvPr/>
-        </p:nvSpPr>
-        <p:spPr>
-          <a:xfrm>
-            <a:off x="3063046" y="2321859"/>
-            <a:ext cx="728661" cy="369332"/>
-          </a:xfrm>
-          <a:prstGeom prst="rect">
-            <a:avLst/>
-          </a:prstGeom>
-          <a:noFill/>
-        </p:spPr>
-        <p:txBody>
-          <a:bodyPr wrap="none" rtlCol="0">
-            <a:spAutoFit/>
-          </a:bodyPr>
-          <a:lstStyle/>
-          <a:p>
-            <a:r>
-              <a:rPr lang="en-US" dirty="0" smtClean="0">
-                <a:latin typeface="Avenir Next" charset="0"/>
-                <a:ea typeface="Avenir Next" charset="0"/>
-                <a:cs typeface="Avenir Next" charset="0"/>
-              </a:rPr>
-              <a:t>From</a:t>
-            </a:r>
-          </a:p>
-        </p:txBody>
-      </p:sp>
-      <p:sp>
-        <p:nvSpPr>
-          <p:cNvPr id="363" name="TextBox 362"/>
-          <p:cNvSpPr txBox="1"/>
-          <p:nvPr/>
-        </p:nvSpPr>
-        <p:spPr>
-          <a:xfrm>
-            <a:off x="2722696" y="3012141"/>
-            <a:ext cx="1409360" cy="923330"/>
-          </a:xfrm>
-          <a:prstGeom prst="rect">
-            <a:avLst/>
-          </a:prstGeom>
-          <a:noFill/>
-        </p:spPr>
-        <p:txBody>
-          <a:bodyPr wrap="none" rtlCol="0">
-            <a:spAutoFit/>
-          </a:bodyPr>
-          <a:lstStyle/>
-          <a:p>
-            <a:r>
-              <a:rPr lang="en-US" dirty="0" smtClean="0">
-                <a:latin typeface="Avenir Next" charset="0"/>
-                <a:ea typeface="Avenir Next" charset="0"/>
-                <a:cs typeface="Avenir Next" charset="0"/>
-              </a:rPr>
-              <a:t>Table</a:t>
-            </a:r>
-          </a:p>
-          <a:p>
-            <a:r>
-              <a:rPr lang="en-US" dirty="0">
-                <a:latin typeface="Avenir Next" charset="0"/>
-                <a:ea typeface="Avenir Next" charset="0"/>
-                <a:cs typeface="Avenir Next" charset="0"/>
-              </a:rPr>
-              <a:t> </a:t>
-            </a:r>
-            <a:r>
-              <a:rPr lang="en-US" dirty="0" smtClean="0">
-                <a:latin typeface="Avenir Next" charset="0"/>
-                <a:ea typeface="Avenir Next" charset="0"/>
-                <a:cs typeface="Avenir Next" charset="0"/>
-              </a:rPr>
-              <a:t> </a:t>
-            </a:r>
-            <a:r>
-              <a:rPr lang="en-US" sz="1600" dirty="0" smtClean="0">
-                <a:solidFill>
-                  <a:schemeClr val="bg1">
-                    <a:lumMod val="50000"/>
-                  </a:schemeClr>
-                </a:solidFill>
-                <a:latin typeface="Avenir Next" charset="0"/>
-                <a:ea typeface="Avenir Next" charset="0"/>
-                <a:cs typeface="Avenir Next" charset="0"/>
-              </a:rPr>
-              <a:t>name: sales</a:t>
-            </a:r>
-          </a:p>
-          <a:p>
-            <a:r>
-              <a:rPr lang="en-US" sz="1600" dirty="0">
-                <a:solidFill>
-                  <a:schemeClr val="bg1">
-                    <a:lumMod val="50000"/>
-                  </a:schemeClr>
-                </a:solidFill>
-                <a:latin typeface="Avenir Next" charset="0"/>
-                <a:ea typeface="Avenir Next" charset="0"/>
-                <a:cs typeface="Avenir Next" charset="0"/>
-              </a:rPr>
-              <a:t> </a:t>
-            </a:r>
-            <a:r>
-              <a:rPr lang="en-US" sz="1600" dirty="0" smtClean="0">
-                <a:solidFill>
-                  <a:schemeClr val="bg1">
-                    <a:lumMod val="50000"/>
-                  </a:schemeClr>
-                </a:solidFill>
-                <a:latin typeface="Avenir Next" charset="0"/>
-                <a:ea typeface="Avenir Next" charset="0"/>
-                <a:cs typeface="Avenir Next" charset="0"/>
-              </a:rPr>
-              <a:t> alias: sales</a:t>
-            </a:r>
-          </a:p>
-        </p:txBody>
-      </p:sp>
-      <p:cxnSp>
-        <p:nvCxnSpPr>
-          <p:cNvPr id="364" name="Straight Arrow Connector 363"/>
-          <p:cNvCxnSpPr>
-            <a:stCxn id="362" idx="2"/>
-            <a:endCxn id="363" idx="0"/>
-          </p:cNvCxnSpPr>
-          <p:nvPr/>
-        </p:nvCxnSpPr>
-        <p:spPr>
-          <a:xfrm flipH="1">
-            <a:off x="3427376" y="2691191"/>
-            <a:ext cx="1" cy="320950"/>
-          </a:xfrm>
-          <a:prstGeom prst="straightConnector1">
-            <a:avLst/>
-          </a:prstGeom>
-          <a:ln w="28575">
-            <a:solidFill>
-              <a:schemeClr val="bg1">
-                <a:lumMod val="50000"/>
-              </a:schemeClr>
-            </a:solidFill>
-            <a:headEnd type="none" w="med" len="med"/>
-            <a:tailEnd type="arrow" w="med" len="med"/>
-          </a:ln>
-        </p:spPr>
-        <p:style>
-          <a:lnRef idx="1">
-            <a:schemeClr val="accent1"/>
-          </a:lnRef>
-          <a:fillRef idx="0">
-            <a:schemeClr val="accent1"/>
-          </a:fillRef>
-          <a:effectRef idx="0">
-            <a:schemeClr val="accent1"/>
-          </a:effectRef>
-          <a:fontRef idx="minor">
-            <a:schemeClr val="tx1"/>
-          </a:fontRef>
-        </p:style>
-      </p:cxnSp>
-      <p:cxnSp>
-        <p:nvCxnSpPr>
-          <p:cNvPr id="367" name="Straight Arrow Connector 366"/>
-          <p:cNvCxnSpPr>
-            <a:stCxn id="4" idx="2"/>
-            <a:endCxn id="362" idx="0"/>
-          </p:cNvCxnSpPr>
-          <p:nvPr/>
-        </p:nvCxnSpPr>
-        <p:spPr>
-          <a:xfrm>
-            <a:off x="3427377" y="2081591"/>
-            <a:ext cx="0" cy="240268"/>
-          </a:xfrm>
-          <a:prstGeom prst="straightConnector1">
-            <a:avLst/>
-          </a:prstGeom>
-          <a:ln w="28575">
-            <a:solidFill>
-              <a:schemeClr val="bg1">
-                <a:lumMod val="50000"/>
-              </a:schemeClr>
-            </a:solidFill>
-            <a:headEnd type="none" w="med" len="med"/>
-            <a:tailEnd type="arrow" w="med" len="med"/>
-          </a:ln>
-        </p:spPr>
-        <p:style>
-          <a:lnRef idx="1">
-            <a:schemeClr val="accent1"/>
-          </a:lnRef>
-          <a:fillRef idx="0">
-            <a:schemeClr val="accent1"/>
-          </a:fillRef>
-          <a:effectRef idx="0">
-            <a:schemeClr val="accent1"/>
-          </a:effectRef>
-          <a:fontRef idx="minor">
-            <a:schemeClr val="tx1"/>
-          </a:fontRef>
-        </p:style>
-      </p:cxnSp>
-      <p:cxnSp>
-        <p:nvCxnSpPr>
-          <p:cNvPr id="390" name="Straight Arrow Connector 389"/>
-          <p:cNvCxnSpPr>
-            <a:stCxn id="4" idx="2"/>
-            <a:endCxn id="393" idx="0"/>
-          </p:cNvCxnSpPr>
-          <p:nvPr/>
-        </p:nvCxnSpPr>
-        <p:spPr>
-          <a:xfrm>
-            <a:off x="3427377" y="2081591"/>
-            <a:ext cx="1353716" cy="240268"/>
-          </a:xfrm>
-          <a:prstGeom prst="straightConnector1">
-            <a:avLst/>
-          </a:prstGeom>
-          <a:ln w="28575">
-            <a:solidFill>
-              <a:schemeClr val="bg1">
-                <a:lumMod val="50000"/>
-              </a:schemeClr>
-            </a:solidFill>
-            <a:headEnd type="none" w="med" len="med"/>
-            <a:tailEnd type="arrow" w="med" len="med"/>
-          </a:ln>
-        </p:spPr>
-        <p:style>
-          <a:lnRef idx="1">
-            <a:schemeClr val="accent1"/>
-          </a:lnRef>
-          <a:fillRef idx="0">
-            <a:schemeClr val="accent1"/>
-          </a:fillRef>
-          <a:effectRef idx="0">
-            <a:schemeClr val="accent1"/>
-          </a:effectRef>
-          <a:fontRef idx="minor">
-            <a:schemeClr val="tx1"/>
-          </a:fontRef>
-        </p:style>
-      </p:cxnSp>
-      <p:sp>
-        <p:nvSpPr>
-          <p:cNvPr id="393" name="TextBox 392"/>
-          <p:cNvSpPr txBox="1"/>
-          <p:nvPr/>
-        </p:nvSpPr>
-        <p:spPr>
-          <a:xfrm>
-            <a:off x="4338183" y="2321859"/>
-            <a:ext cx="885820" cy="369332"/>
-          </a:xfrm>
-          <a:prstGeom prst="rect">
-            <a:avLst/>
-          </a:prstGeom>
-          <a:noFill/>
-        </p:spPr>
-        <p:txBody>
-          <a:bodyPr wrap="none" rtlCol="0">
-            <a:spAutoFit/>
-          </a:bodyPr>
-          <a:lstStyle/>
-          <a:p>
-            <a:r>
-              <a:rPr lang="en-US" dirty="0" smtClean="0">
-                <a:latin typeface="Avenir Next" charset="0"/>
-                <a:ea typeface="Avenir Next" charset="0"/>
-                <a:cs typeface="Avenir Next" charset="0"/>
-              </a:rPr>
-              <a:t>Where</a:t>
-            </a:r>
-          </a:p>
-        </p:txBody>
-      </p:sp>
-      <p:sp>
-        <p:nvSpPr>
-          <p:cNvPr id="394" name="TextBox 393"/>
-          <p:cNvSpPr txBox="1"/>
-          <p:nvPr/>
-        </p:nvSpPr>
-        <p:spPr>
-          <a:xfrm>
-            <a:off x="4432280" y="2940424"/>
-            <a:ext cx="697627" cy="369332"/>
-          </a:xfrm>
-          <a:prstGeom prst="rect">
-            <a:avLst/>
-          </a:prstGeom>
-          <a:noFill/>
-        </p:spPr>
-        <p:txBody>
-          <a:bodyPr wrap="none" rtlCol="0">
-            <a:spAutoFit/>
-          </a:bodyPr>
-          <a:lstStyle/>
-          <a:p>
-            <a:r>
-              <a:rPr lang="en-US" dirty="0" smtClean="0">
-                <a:latin typeface="Avenir Next" charset="0"/>
-                <a:ea typeface="Avenir Next" charset="0"/>
-                <a:cs typeface="Avenir Next" charset="0"/>
-              </a:rPr>
-              <a:t>AND</a:t>
-            </a:r>
-          </a:p>
-        </p:txBody>
-      </p:sp>
-      <p:sp>
-        <p:nvSpPr>
-          <p:cNvPr id="395" name="TextBox 394"/>
-          <p:cNvSpPr txBox="1"/>
-          <p:nvPr/>
-        </p:nvSpPr>
-        <p:spPr>
-          <a:xfrm>
-            <a:off x="4347321" y="3541059"/>
-            <a:ext cx="867545" cy="615553"/>
-          </a:xfrm>
-          <a:prstGeom prst="rect">
-            <a:avLst/>
-          </a:prstGeom>
-          <a:noFill/>
-        </p:spPr>
-        <p:txBody>
-          <a:bodyPr wrap="none" rtlCol="0">
-            <a:spAutoFit/>
-          </a:bodyPr>
-          <a:lstStyle/>
-          <a:p>
-            <a:r>
-              <a:rPr lang="en-US" smtClean="0">
-                <a:latin typeface="Avenir Next" charset="0"/>
-                <a:ea typeface="Avenir Next" charset="0"/>
-                <a:cs typeface="Avenir Next" charset="0"/>
-              </a:rPr>
-              <a:t>BiExpr</a:t>
-            </a:r>
-            <a:endParaRPr lang="en-US" dirty="0" smtClean="0">
-              <a:latin typeface="Avenir Next" charset="0"/>
-              <a:ea typeface="Avenir Next" charset="0"/>
-              <a:cs typeface="Avenir Next" charset="0"/>
-            </a:endParaRPr>
-          </a:p>
-          <a:p>
-            <a:r>
-              <a:rPr lang="en-US" sz="1600" dirty="0">
-                <a:solidFill>
-                  <a:schemeClr val="bg1">
-                    <a:lumMod val="50000"/>
-                  </a:schemeClr>
-                </a:solidFill>
-                <a:latin typeface="Avenir Next" charset="0"/>
-                <a:ea typeface="Avenir Next" charset="0"/>
-                <a:cs typeface="Avenir Next" charset="0"/>
-              </a:rPr>
-              <a:t> </a:t>
-            </a:r>
-            <a:r>
-              <a:rPr lang="en-US" sz="1600" dirty="0" smtClean="0">
-                <a:solidFill>
-                  <a:schemeClr val="bg1">
-                    <a:lumMod val="50000"/>
-                  </a:schemeClr>
-                </a:solidFill>
-                <a:latin typeface="Avenir Next" charset="0"/>
-                <a:ea typeface="Avenir Next" charset="0"/>
-                <a:cs typeface="Avenir Next" charset="0"/>
-              </a:rPr>
-              <a:t> op: =</a:t>
-            </a:r>
-          </a:p>
-        </p:txBody>
-      </p:sp>
-      <p:sp>
-        <p:nvSpPr>
-          <p:cNvPr id="396" name="TextBox 395"/>
-          <p:cNvSpPr txBox="1"/>
-          <p:nvPr/>
-        </p:nvSpPr>
-        <p:spPr>
-          <a:xfrm>
-            <a:off x="3500749" y="4329953"/>
-            <a:ext cx="1205779" cy="646331"/>
-          </a:xfrm>
-          <a:prstGeom prst="rect">
-            <a:avLst/>
-          </a:prstGeom>
-          <a:noFill/>
-        </p:spPr>
-        <p:txBody>
-          <a:bodyPr wrap="none" rtlCol="0">
-            <a:spAutoFit/>
-          </a:bodyPr>
-          <a:lstStyle/>
-          <a:p>
-            <a:r>
-              <a:rPr lang="en-US" dirty="0" err="1" smtClean="0">
-                <a:latin typeface="Avenir Next" charset="0"/>
-                <a:ea typeface="Avenir Next" charset="0"/>
-                <a:cs typeface="Avenir Next" charset="0"/>
-              </a:rPr>
-              <a:t>ColExpr</a:t>
-            </a:r>
-            <a:endParaRPr lang="en-US" dirty="0" smtClean="0">
-              <a:latin typeface="Avenir Next" charset="0"/>
-              <a:ea typeface="Avenir Next" charset="0"/>
-              <a:cs typeface="Avenir Next" charset="0"/>
-            </a:endParaRPr>
-          </a:p>
-          <a:p>
-            <a:r>
-              <a:rPr lang="en-US" dirty="0">
-                <a:latin typeface="Avenir Next" charset="0"/>
-                <a:ea typeface="Avenir Next" charset="0"/>
-                <a:cs typeface="Avenir Next" charset="0"/>
-              </a:rPr>
-              <a:t> </a:t>
-            </a:r>
-            <a:r>
-              <a:rPr lang="en-US" dirty="0" smtClean="0">
-                <a:latin typeface="Avenir Next" charset="0"/>
-                <a:ea typeface="Avenir Next" charset="0"/>
-                <a:cs typeface="Avenir Next" charset="0"/>
-              </a:rPr>
-              <a:t> </a:t>
-            </a:r>
-            <a:r>
-              <a:rPr lang="en-US" sz="1600" dirty="0" smtClean="0">
-                <a:solidFill>
-                  <a:schemeClr val="bg1">
-                    <a:lumMod val="50000"/>
-                  </a:schemeClr>
-                </a:solidFill>
-                <a:latin typeface="Avenir Next" charset="0"/>
-                <a:ea typeface="Avenir Next" charset="0"/>
-                <a:cs typeface="Avenir Next" charset="0"/>
-              </a:rPr>
-              <a:t>name: </a:t>
-            </a:r>
-            <a:r>
-              <a:rPr lang="en-US" sz="1600" dirty="0" err="1" smtClean="0">
-                <a:solidFill>
-                  <a:schemeClr val="bg1">
-                    <a:lumMod val="50000"/>
-                  </a:schemeClr>
-                </a:solidFill>
-                <a:latin typeface="Avenir Next" charset="0"/>
-                <a:ea typeface="Avenir Next" charset="0"/>
-                <a:cs typeface="Avenir Next" charset="0"/>
-              </a:rPr>
-              <a:t>cty</a:t>
-            </a:r>
-            <a:endParaRPr lang="en-US" sz="1600" dirty="0" smtClean="0">
-              <a:solidFill>
-                <a:schemeClr val="bg1">
-                  <a:lumMod val="50000"/>
-                </a:schemeClr>
-              </a:solidFill>
-              <a:latin typeface="Avenir Next" charset="0"/>
-              <a:ea typeface="Avenir Next" charset="0"/>
-              <a:cs typeface="Avenir Next" charset="0"/>
-            </a:endParaRPr>
-          </a:p>
-        </p:txBody>
-      </p:sp>
-      <p:sp>
-        <p:nvSpPr>
-          <p:cNvPr id="397" name="TextBox 396"/>
-          <p:cNvSpPr txBox="1"/>
-          <p:nvPr/>
-        </p:nvSpPr>
-        <p:spPr>
-          <a:xfrm>
-            <a:off x="4969849" y="4329953"/>
-            <a:ext cx="1093569" cy="646331"/>
-          </a:xfrm>
-          <a:prstGeom prst="rect">
-            <a:avLst/>
-          </a:prstGeom>
-          <a:noFill/>
-        </p:spPr>
-        <p:txBody>
-          <a:bodyPr wrap="none" rtlCol="0">
-            <a:spAutoFit/>
-          </a:bodyPr>
-          <a:lstStyle/>
-          <a:p>
-            <a:r>
-              <a:rPr lang="en-US" dirty="0" err="1" smtClean="0">
-                <a:latin typeface="Avenir Next" charset="0"/>
-                <a:ea typeface="Avenir Next" charset="0"/>
-                <a:cs typeface="Avenir Next" charset="0"/>
-              </a:rPr>
-              <a:t>StrExpr</a:t>
-            </a:r>
-            <a:endParaRPr lang="en-US" dirty="0" smtClean="0">
-              <a:latin typeface="Avenir Next" charset="0"/>
-              <a:ea typeface="Avenir Next" charset="0"/>
-              <a:cs typeface="Avenir Next" charset="0"/>
-            </a:endParaRPr>
-          </a:p>
-          <a:p>
-            <a:r>
-              <a:rPr lang="en-US" dirty="0">
-                <a:latin typeface="Avenir Next" charset="0"/>
-                <a:ea typeface="Avenir Next" charset="0"/>
-                <a:cs typeface="Avenir Next" charset="0"/>
-              </a:rPr>
-              <a:t> </a:t>
-            </a:r>
-            <a:r>
-              <a:rPr lang="en-US" dirty="0" smtClean="0">
-                <a:latin typeface="Avenir Next" charset="0"/>
-                <a:ea typeface="Avenir Next" charset="0"/>
-                <a:cs typeface="Avenir Next" charset="0"/>
-              </a:rPr>
-              <a:t> </a:t>
-            </a:r>
-            <a:r>
-              <a:rPr lang="en-US" sz="1600" dirty="0" err="1" smtClean="0">
-                <a:solidFill>
-                  <a:schemeClr val="bg1">
-                    <a:lumMod val="50000"/>
-                  </a:schemeClr>
-                </a:solidFill>
-                <a:latin typeface="Avenir Next" charset="0"/>
-                <a:ea typeface="Avenir Next" charset="0"/>
-                <a:cs typeface="Avenir Next" charset="0"/>
-              </a:rPr>
-              <a:t>val</a:t>
-            </a:r>
-            <a:r>
-              <a:rPr lang="en-US" sz="1600" dirty="0" smtClean="0">
-                <a:solidFill>
-                  <a:schemeClr val="bg1">
-                    <a:lumMod val="50000"/>
-                  </a:schemeClr>
-                </a:solidFill>
-                <a:latin typeface="Avenir Next" charset="0"/>
-                <a:ea typeface="Avenir Next" charset="0"/>
-                <a:cs typeface="Avenir Next" charset="0"/>
-              </a:rPr>
-              <a:t>: </a:t>
-            </a:r>
-            <a:r>
-              <a:rPr lang="en-US" sz="1600" b="1" dirty="0" smtClean="0">
-                <a:solidFill>
-                  <a:srgbClr val="FF0000"/>
-                </a:solidFill>
-                <a:latin typeface="Avenir Next" charset="0"/>
-                <a:ea typeface="Avenir Next" charset="0"/>
-                <a:cs typeface="Avenir Next" charset="0"/>
-              </a:rPr>
-              <a:t>USA</a:t>
-            </a:r>
-          </a:p>
-        </p:txBody>
-      </p:sp>
-      <p:cxnSp>
-        <p:nvCxnSpPr>
-          <p:cNvPr id="398" name="Straight Arrow Connector 397"/>
-          <p:cNvCxnSpPr>
-            <a:stCxn id="393" idx="2"/>
-            <a:endCxn id="394" idx="0"/>
-          </p:cNvCxnSpPr>
-          <p:nvPr/>
-        </p:nvCxnSpPr>
-        <p:spPr>
-          <a:xfrm>
-            <a:off x="4781093" y="2691191"/>
-            <a:ext cx="1" cy="249233"/>
-          </a:xfrm>
-          <a:prstGeom prst="straightConnector1">
-            <a:avLst/>
-          </a:prstGeom>
-          <a:ln w="28575">
-            <a:solidFill>
-              <a:schemeClr val="bg1">
-                <a:lumMod val="50000"/>
-              </a:schemeClr>
-            </a:solidFill>
-            <a:headEnd type="none" w="med" len="med"/>
-            <a:tailEnd type="arrow" w="med" len="med"/>
-          </a:ln>
-        </p:spPr>
-        <p:style>
-          <a:lnRef idx="1">
-            <a:schemeClr val="accent1"/>
-          </a:lnRef>
-          <a:fillRef idx="0">
-            <a:schemeClr val="accent1"/>
-          </a:fillRef>
-          <a:effectRef idx="0">
-            <a:schemeClr val="accent1"/>
-          </a:effectRef>
-          <a:fontRef idx="minor">
-            <a:schemeClr val="tx1"/>
-          </a:fontRef>
-        </p:style>
-      </p:cxnSp>
-      <p:cxnSp>
-        <p:nvCxnSpPr>
-          <p:cNvPr id="401" name="Straight Arrow Connector 400"/>
-          <p:cNvCxnSpPr>
-            <a:stCxn id="394" idx="2"/>
-            <a:endCxn id="395" idx="0"/>
-          </p:cNvCxnSpPr>
-          <p:nvPr/>
-        </p:nvCxnSpPr>
-        <p:spPr>
-          <a:xfrm>
-            <a:off x="4781094" y="3309756"/>
-            <a:ext cx="0" cy="231303"/>
-          </a:xfrm>
-          <a:prstGeom prst="straightConnector1">
-            <a:avLst/>
-          </a:prstGeom>
-          <a:ln w="28575">
-            <a:solidFill>
-              <a:schemeClr val="bg1">
-                <a:lumMod val="50000"/>
-              </a:schemeClr>
-            </a:solidFill>
-            <a:headEnd type="none" w="med" len="med"/>
-            <a:tailEnd type="arrow" w="med" len="med"/>
-          </a:ln>
-        </p:spPr>
-        <p:style>
-          <a:lnRef idx="1">
-            <a:schemeClr val="accent1"/>
-          </a:lnRef>
-          <a:fillRef idx="0">
-            <a:schemeClr val="accent1"/>
-          </a:fillRef>
-          <a:effectRef idx="0">
-            <a:schemeClr val="accent1"/>
-          </a:effectRef>
-          <a:fontRef idx="minor">
-            <a:schemeClr val="tx1"/>
-          </a:fontRef>
-        </p:style>
-      </p:cxnSp>
-      <p:cxnSp>
-        <p:nvCxnSpPr>
-          <p:cNvPr id="404" name="Straight Arrow Connector 403"/>
-          <p:cNvCxnSpPr>
-            <a:stCxn id="395" idx="2"/>
-            <a:endCxn id="396" idx="0"/>
-          </p:cNvCxnSpPr>
-          <p:nvPr/>
-        </p:nvCxnSpPr>
-        <p:spPr>
-          <a:xfrm flipH="1">
-            <a:off x="4103639" y="4156612"/>
-            <a:ext cx="677455" cy="173341"/>
-          </a:xfrm>
-          <a:prstGeom prst="straightConnector1">
-            <a:avLst/>
-          </a:prstGeom>
-          <a:ln w="28575">
-            <a:solidFill>
-              <a:schemeClr val="bg1">
-                <a:lumMod val="50000"/>
-              </a:schemeClr>
-            </a:solidFill>
-            <a:headEnd type="none" w="med" len="med"/>
-            <a:tailEnd type="arrow" w="med" len="med"/>
-          </a:ln>
-        </p:spPr>
-        <p:style>
-          <a:lnRef idx="1">
-            <a:schemeClr val="accent1"/>
-          </a:lnRef>
-          <a:fillRef idx="0">
-            <a:schemeClr val="accent1"/>
-          </a:fillRef>
-          <a:effectRef idx="0">
-            <a:schemeClr val="accent1"/>
-          </a:effectRef>
-          <a:fontRef idx="minor">
-            <a:schemeClr val="tx1"/>
-          </a:fontRef>
-        </p:style>
-      </p:cxnSp>
-      <p:cxnSp>
-        <p:nvCxnSpPr>
-          <p:cNvPr id="408" name="Straight Arrow Connector 407"/>
-          <p:cNvCxnSpPr>
-            <a:stCxn id="395" idx="2"/>
-            <a:endCxn id="397" idx="0"/>
-          </p:cNvCxnSpPr>
-          <p:nvPr/>
-        </p:nvCxnSpPr>
-        <p:spPr>
-          <a:xfrm>
-            <a:off x="4781094" y="4156612"/>
-            <a:ext cx="735540" cy="173341"/>
-          </a:xfrm>
-          <a:prstGeom prst="straightConnector1">
-            <a:avLst/>
-          </a:prstGeom>
-          <a:ln w="28575">
-            <a:solidFill>
-              <a:schemeClr val="bg1">
-                <a:lumMod val="50000"/>
-              </a:schemeClr>
-            </a:solidFill>
-            <a:headEnd type="none" w="med" len="med"/>
-            <a:tailEnd type="arrow" w="med" len="med"/>
-          </a:ln>
-        </p:spPr>
-        <p:style>
-          <a:lnRef idx="1">
-            <a:schemeClr val="accent1"/>
-          </a:lnRef>
-          <a:fillRef idx="0">
-            <a:schemeClr val="accent1"/>
-          </a:fillRef>
-          <a:effectRef idx="0">
-            <a:schemeClr val="accent1"/>
-          </a:effectRef>
-          <a:fontRef idx="minor">
-            <a:schemeClr val="tx1"/>
-          </a:fontRef>
-        </p:style>
-      </p:cxnSp>
-      <p:sp>
-        <p:nvSpPr>
-          <p:cNvPr id="434" name="TextBox 433"/>
-          <p:cNvSpPr txBox="1"/>
-          <p:nvPr/>
-        </p:nvSpPr>
-        <p:spPr>
-          <a:xfrm>
-            <a:off x="9273775" y="1712259"/>
-            <a:ext cx="824265" cy="369332"/>
-          </a:xfrm>
-          <a:prstGeom prst="rect">
-            <a:avLst/>
-          </a:prstGeom>
-          <a:noFill/>
-        </p:spPr>
-        <p:txBody>
-          <a:bodyPr wrap="none" rtlCol="0">
-            <a:spAutoFit/>
-          </a:bodyPr>
-          <a:lstStyle/>
-          <a:p>
-            <a:r>
-              <a:rPr lang="en-US" dirty="0" smtClean="0">
-                <a:latin typeface="Avenir Next" charset="0"/>
-                <a:ea typeface="Avenir Next" charset="0"/>
-                <a:cs typeface="Avenir Next" charset="0"/>
-              </a:rPr>
-              <a:t>Select</a:t>
-            </a:r>
-            <a:endParaRPr lang="en-US" dirty="0">
-              <a:latin typeface="Avenir Next" charset="0"/>
-              <a:ea typeface="Avenir Next" charset="0"/>
-              <a:cs typeface="Avenir Next" charset="0"/>
-            </a:endParaRPr>
-          </a:p>
-        </p:txBody>
-      </p:sp>
-      <p:sp>
-        <p:nvSpPr>
-          <p:cNvPr id="435" name="TextBox 434"/>
-          <p:cNvSpPr txBox="1"/>
-          <p:nvPr/>
-        </p:nvSpPr>
-        <p:spPr>
-          <a:xfrm>
-            <a:off x="7129966" y="2321859"/>
-            <a:ext cx="906787" cy="369332"/>
-          </a:xfrm>
-          <a:prstGeom prst="rect">
-            <a:avLst/>
-          </a:prstGeom>
-          <a:noFill/>
-        </p:spPr>
-        <p:txBody>
-          <a:bodyPr wrap="none" rtlCol="0">
-            <a:spAutoFit/>
-          </a:bodyPr>
-          <a:lstStyle/>
-          <a:p>
-            <a:r>
-              <a:rPr lang="en-US" dirty="0" smtClean="0">
-                <a:latin typeface="Avenir Next" charset="0"/>
-                <a:ea typeface="Avenir Next" charset="0"/>
-                <a:cs typeface="Avenir Next" charset="0"/>
-              </a:rPr>
-              <a:t>Project</a:t>
-            </a:r>
-            <a:endParaRPr lang="en-US" dirty="0">
-              <a:latin typeface="Avenir Next" charset="0"/>
-              <a:ea typeface="Avenir Next" charset="0"/>
-              <a:cs typeface="Avenir Next" charset="0"/>
-            </a:endParaRPr>
-          </a:p>
-        </p:txBody>
-      </p:sp>
-      <p:sp>
-        <p:nvSpPr>
-          <p:cNvPr id="436" name="TextBox 435"/>
-          <p:cNvSpPr txBox="1"/>
-          <p:nvPr/>
-        </p:nvSpPr>
-        <p:spPr>
-          <a:xfrm>
-            <a:off x="6261461" y="3021979"/>
-            <a:ext cx="1302729" cy="615553"/>
-          </a:xfrm>
-          <a:prstGeom prst="rect">
-            <a:avLst/>
-          </a:prstGeom>
-          <a:noFill/>
-        </p:spPr>
-        <p:txBody>
-          <a:bodyPr wrap="none" rtlCol="0">
-            <a:spAutoFit/>
-          </a:bodyPr>
-          <a:lstStyle/>
-          <a:p>
-            <a:r>
-              <a:rPr lang="en-US" dirty="0" err="1" smtClean="0">
-                <a:latin typeface="Avenir Next" charset="0"/>
-                <a:ea typeface="Avenir Next" charset="0"/>
-                <a:cs typeface="Avenir Next" charset="0"/>
-              </a:rPr>
-              <a:t>ProjClause</a:t>
-            </a:r>
-            <a:endParaRPr lang="en-US" dirty="0" smtClean="0">
-              <a:latin typeface="Avenir Next" charset="0"/>
-              <a:ea typeface="Avenir Next" charset="0"/>
-              <a:cs typeface="Avenir Next" charset="0"/>
-            </a:endParaRPr>
-          </a:p>
-          <a:p>
-            <a:r>
-              <a:rPr lang="en-US" sz="1600" dirty="0">
-                <a:solidFill>
-                  <a:schemeClr val="bg1">
-                    <a:lumMod val="50000"/>
-                  </a:schemeClr>
-                </a:solidFill>
-                <a:latin typeface="Avenir Next" charset="0"/>
-                <a:ea typeface="Avenir Next" charset="0"/>
-                <a:cs typeface="Avenir Next" charset="0"/>
-              </a:rPr>
-              <a:t> </a:t>
-            </a:r>
-            <a:r>
-              <a:rPr lang="en-US" sz="1600" dirty="0" smtClean="0">
-                <a:solidFill>
-                  <a:schemeClr val="bg1">
-                    <a:lumMod val="50000"/>
-                  </a:schemeClr>
-                </a:solidFill>
-                <a:latin typeface="Avenir Next" charset="0"/>
-                <a:ea typeface="Avenir Next" charset="0"/>
-                <a:cs typeface="Avenir Next" charset="0"/>
-              </a:rPr>
-              <a:t> alias: x</a:t>
-            </a:r>
-            <a:endParaRPr lang="en-US" sz="1600" dirty="0">
-              <a:solidFill>
-                <a:schemeClr val="bg1">
-                  <a:lumMod val="50000"/>
-                </a:schemeClr>
-              </a:solidFill>
-              <a:latin typeface="Avenir Next" charset="0"/>
-              <a:ea typeface="Avenir Next" charset="0"/>
-              <a:cs typeface="Avenir Next" charset="0"/>
-            </a:endParaRPr>
-          </a:p>
-        </p:txBody>
-      </p:sp>
-      <p:sp>
-        <p:nvSpPr>
-          <p:cNvPr id="437" name="TextBox 436"/>
-          <p:cNvSpPr txBox="1"/>
-          <p:nvPr/>
-        </p:nvSpPr>
-        <p:spPr>
-          <a:xfrm>
-            <a:off x="6212954" y="3935471"/>
-            <a:ext cx="1399742" cy="615553"/>
-          </a:xfrm>
-          <a:prstGeom prst="rect">
-            <a:avLst/>
-          </a:prstGeom>
-          <a:noFill/>
-        </p:spPr>
-        <p:txBody>
-          <a:bodyPr wrap="none" rtlCol="0">
-            <a:spAutoFit/>
-          </a:bodyPr>
-          <a:lstStyle/>
-          <a:p>
-            <a:r>
-              <a:rPr lang="en-US" dirty="0" err="1" smtClean="0">
-                <a:latin typeface="Avenir Next" charset="0"/>
-                <a:ea typeface="Avenir Next" charset="0"/>
-                <a:cs typeface="Avenir Next" charset="0"/>
-              </a:rPr>
-              <a:t>ColExpr</a:t>
-            </a:r>
-            <a:endParaRPr lang="en-US" dirty="0">
-              <a:latin typeface="Avenir Next" charset="0"/>
-              <a:ea typeface="Avenir Next" charset="0"/>
-              <a:cs typeface="Avenir Next" charset="0"/>
-            </a:endParaRPr>
-          </a:p>
-          <a:p>
-            <a:r>
-              <a:rPr lang="en-US" sz="1600" dirty="0" smtClean="0">
-                <a:solidFill>
-                  <a:schemeClr val="bg1">
-                    <a:lumMod val="50000"/>
-                  </a:schemeClr>
-                </a:solidFill>
-                <a:latin typeface="Avenir Next" charset="0"/>
-                <a:ea typeface="Avenir Next" charset="0"/>
-                <a:cs typeface="Avenir Next" charset="0"/>
-              </a:rPr>
-              <a:t>   name: date</a:t>
-            </a:r>
-            <a:endParaRPr lang="en-US" sz="1600" dirty="0">
-              <a:solidFill>
-                <a:schemeClr val="bg1">
-                  <a:lumMod val="50000"/>
-                </a:schemeClr>
-              </a:solidFill>
-              <a:latin typeface="Avenir Next" charset="0"/>
-              <a:ea typeface="Avenir Next" charset="0"/>
-              <a:cs typeface="Avenir Next" charset="0"/>
-            </a:endParaRPr>
-          </a:p>
-        </p:txBody>
-      </p:sp>
-      <p:cxnSp>
-        <p:nvCxnSpPr>
-          <p:cNvPr id="438" name="Straight Arrow Connector 437"/>
-          <p:cNvCxnSpPr>
-            <a:stCxn id="438" idx="2"/>
-            <a:endCxn id="439" idx="0"/>
-          </p:cNvCxnSpPr>
-          <p:nvPr/>
-        </p:nvCxnSpPr>
-        <p:spPr>
-          <a:xfrm flipH="1">
-            <a:off x="6912825" y="3637532"/>
-            <a:ext cx="1" cy="297939"/>
-          </a:xfrm>
-          <a:prstGeom prst="straightConnector1">
-            <a:avLst/>
-          </a:prstGeom>
-          <a:ln w="28575">
-            <a:solidFill>
-              <a:schemeClr val="bg1">
-                <a:lumMod val="50000"/>
-              </a:schemeClr>
-            </a:solidFill>
-            <a:headEnd type="none" w="med" len="med"/>
-            <a:tailEnd type="arrow" w="med" len="med"/>
-          </a:ln>
-        </p:spPr>
-        <p:style>
-          <a:lnRef idx="1">
-            <a:schemeClr val="accent1"/>
-          </a:lnRef>
-          <a:fillRef idx="0">
-            <a:schemeClr val="accent1"/>
-          </a:fillRef>
-          <a:effectRef idx="0">
-            <a:schemeClr val="accent1"/>
-          </a:effectRef>
-          <a:fontRef idx="minor">
-            <a:schemeClr val="tx1"/>
-          </a:fontRef>
-        </p:style>
-      </p:cxnSp>
-      <p:cxnSp>
-        <p:nvCxnSpPr>
-          <p:cNvPr id="439" name="Straight Arrow Connector 438"/>
-          <p:cNvCxnSpPr>
-            <a:stCxn id="437" idx="2"/>
-            <a:endCxn id="438" idx="0"/>
-          </p:cNvCxnSpPr>
-          <p:nvPr/>
-        </p:nvCxnSpPr>
-        <p:spPr>
-          <a:xfrm flipH="1">
-            <a:off x="6912826" y="2691191"/>
-            <a:ext cx="686132" cy="330788"/>
-          </a:xfrm>
-          <a:prstGeom prst="straightConnector1">
-            <a:avLst/>
-          </a:prstGeom>
-          <a:ln w="28575">
-            <a:solidFill>
-              <a:schemeClr val="bg1">
-                <a:lumMod val="50000"/>
-              </a:schemeClr>
-            </a:solidFill>
-            <a:headEnd type="none" w="med" len="med"/>
-            <a:tailEnd type="arrow" w="med" len="med"/>
-          </a:ln>
-        </p:spPr>
-        <p:style>
-          <a:lnRef idx="1">
-            <a:schemeClr val="accent1"/>
-          </a:lnRef>
-          <a:fillRef idx="0">
-            <a:schemeClr val="accent1"/>
-          </a:fillRef>
-          <a:effectRef idx="0">
-            <a:schemeClr val="accent1"/>
-          </a:effectRef>
-          <a:fontRef idx="minor">
-            <a:schemeClr val="tx1"/>
-          </a:fontRef>
-        </p:style>
-      </p:cxnSp>
-      <p:sp>
-        <p:nvSpPr>
-          <p:cNvPr id="440" name="TextBox 439"/>
-          <p:cNvSpPr txBox="1"/>
-          <p:nvPr/>
-        </p:nvSpPr>
-        <p:spPr>
-          <a:xfrm>
-            <a:off x="7612961" y="3012141"/>
-            <a:ext cx="1302729" cy="615553"/>
-          </a:xfrm>
-          <a:prstGeom prst="rect">
-            <a:avLst/>
-          </a:prstGeom>
-          <a:noFill/>
-        </p:spPr>
-        <p:txBody>
-          <a:bodyPr wrap="none" rtlCol="0">
-            <a:spAutoFit/>
-          </a:bodyPr>
-          <a:lstStyle/>
-          <a:p>
-            <a:r>
-              <a:rPr lang="en-US" dirty="0" err="1" smtClean="0">
-                <a:latin typeface="Avenir Next" charset="0"/>
-                <a:ea typeface="Avenir Next" charset="0"/>
-                <a:cs typeface="Avenir Next" charset="0"/>
-              </a:rPr>
-              <a:t>ProjClause</a:t>
-            </a:r>
-            <a:endParaRPr lang="en-US" dirty="0" smtClean="0">
-              <a:latin typeface="Avenir Next" charset="0"/>
-              <a:ea typeface="Avenir Next" charset="0"/>
-              <a:cs typeface="Avenir Next" charset="0"/>
-            </a:endParaRPr>
-          </a:p>
-          <a:p>
-            <a:r>
-              <a:rPr lang="en-US" sz="1600" dirty="0">
-                <a:solidFill>
-                  <a:schemeClr val="bg1">
-                    <a:lumMod val="50000"/>
-                  </a:schemeClr>
-                </a:solidFill>
-                <a:latin typeface="Avenir Next" charset="0"/>
-                <a:ea typeface="Avenir Next" charset="0"/>
-                <a:cs typeface="Avenir Next" charset="0"/>
-              </a:rPr>
-              <a:t> </a:t>
-            </a:r>
-            <a:r>
-              <a:rPr lang="en-US" sz="1600" dirty="0" smtClean="0">
-                <a:solidFill>
-                  <a:schemeClr val="bg1">
-                    <a:lumMod val="50000"/>
-                  </a:schemeClr>
-                </a:solidFill>
-                <a:latin typeface="Avenir Next" charset="0"/>
-                <a:ea typeface="Avenir Next" charset="0"/>
-                <a:cs typeface="Avenir Next" charset="0"/>
-              </a:rPr>
-              <a:t> alias: y</a:t>
-            </a:r>
-            <a:endParaRPr lang="en-US" sz="1600" dirty="0">
-              <a:solidFill>
-                <a:schemeClr val="bg1">
-                  <a:lumMod val="50000"/>
-                </a:schemeClr>
-              </a:solidFill>
-              <a:latin typeface="Avenir Next" charset="0"/>
-              <a:ea typeface="Avenir Next" charset="0"/>
-              <a:cs typeface="Avenir Next" charset="0"/>
-            </a:endParaRPr>
-          </a:p>
-        </p:txBody>
-      </p:sp>
-      <p:sp>
-        <p:nvSpPr>
-          <p:cNvPr id="441" name="TextBox 440"/>
-          <p:cNvSpPr txBox="1"/>
-          <p:nvPr/>
-        </p:nvSpPr>
-        <p:spPr>
-          <a:xfrm>
-            <a:off x="7546019" y="3925633"/>
-            <a:ext cx="1478290" cy="615553"/>
-          </a:xfrm>
-          <a:prstGeom prst="rect">
-            <a:avLst/>
-          </a:prstGeom>
-          <a:noFill/>
-        </p:spPr>
-        <p:txBody>
-          <a:bodyPr wrap="none" rtlCol="0">
-            <a:spAutoFit/>
-          </a:bodyPr>
-          <a:lstStyle/>
-          <a:p>
-            <a:r>
-              <a:rPr lang="en-US" dirty="0" err="1" smtClean="0">
-                <a:latin typeface="Avenir Next" charset="0"/>
-                <a:ea typeface="Avenir Next" charset="0"/>
-                <a:cs typeface="Avenir Next" charset="0"/>
-              </a:rPr>
-              <a:t>ColExpr</a:t>
-            </a:r>
-            <a:endParaRPr lang="en-US" dirty="0">
-              <a:latin typeface="Avenir Next" charset="0"/>
-              <a:ea typeface="Avenir Next" charset="0"/>
-              <a:cs typeface="Avenir Next" charset="0"/>
-            </a:endParaRPr>
-          </a:p>
-          <a:p>
-            <a:r>
-              <a:rPr lang="en-US" sz="1600" dirty="0" smtClean="0">
-                <a:solidFill>
-                  <a:schemeClr val="bg1">
-                    <a:lumMod val="50000"/>
-                  </a:schemeClr>
-                </a:solidFill>
-                <a:latin typeface="Avenir Next" charset="0"/>
-                <a:ea typeface="Avenir Next" charset="0"/>
-                <a:cs typeface="Avenir Next" charset="0"/>
-              </a:rPr>
-              <a:t>   name: </a:t>
-            </a:r>
-            <a:r>
-              <a:rPr lang="en-US" sz="1600" b="1" dirty="0" smtClean="0">
-                <a:solidFill>
-                  <a:srgbClr val="00B0F0"/>
-                </a:solidFill>
-                <a:latin typeface="Avenir Next" charset="0"/>
-                <a:ea typeface="Avenir Next" charset="0"/>
-                <a:cs typeface="Avenir Next" charset="0"/>
-              </a:rPr>
-              <a:t>costs</a:t>
-            </a:r>
-            <a:endParaRPr lang="en-US" sz="1600" b="1" dirty="0">
-              <a:solidFill>
-                <a:srgbClr val="00B0F0"/>
-              </a:solidFill>
-              <a:latin typeface="Avenir Next" charset="0"/>
-              <a:ea typeface="Avenir Next" charset="0"/>
-              <a:cs typeface="Avenir Next" charset="0"/>
-            </a:endParaRPr>
-          </a:p>
-        </p:txBody>
-      </p:sp>
-      <p:cxnSp>
-        <p:nvCxnSpPr>
-          <p:cNvPr id="442" name="Straight Arrow Connector 441"/>
-          <p:cNvCxnSpPr>
-            <a:stCxn id="449" idx="2"/>
-          </p:cNvCxnSpPr>
-          <p:nvPr/>
-        </p:nvCxnSpPr>
-        <p:spPr>
-          <a:xfrm flipH="1">
-            <a:off x="8264325" y="3627694"/>
-            <a:ext cx="1" cy="297939"/>
-          </a:xfrm>
-          <a:prstGeom prst="straightConnector1">
-            <a:avLst/>
-          </a:prstGeom>
-          <a:ln w="28575">
-            <a:solidFill>
-              <a:schemeClr val="bg1">
-                <a:lumMod val="50000"/>
-              </a:schemeClr>
-            </a:solidFill>
-            <a:headEnd type="none" w="med" len="med"/>
-            <a:tailEnd type="arrow" w="med" len="med"/>
-          </a:ln>
-        </p:spPr>
-        <p:style>
-          <a:lnRef idx="1">
-            <a:schemeClr val="accent1"/>
-          </a:lnRef>
-          <a:fillRef idx="0">
-            <a:schemeClr val="accent1"/>
-          </a:fillRef>
-          <a:effectRef idx="0">
-            <a:schemeClr val="accent1"/>
-          </a:effectRef>
-          <a:fontRef idx="minor">
-            <a:schemeClr val="tx1"/>
-          </a:fontRef>
-        </p:style>
-      </p:cxnSp>
-      <p:cxnSp>
-        <p:nvCxnSpPr>
-          <p:cNvPr id="443" name="Straight Arrow Connector 442"/>
-          <p:cNvCxnSpPr>
-            <a:stCxn id="436" idx="2"/>
-            <a:endCxn id="437" idx="0"/>
-          </p:cNvCxnSpPr>
-          <p:nvPr/>
-        </p:nvCxnSpPr>
-        <p:spPr>
-          <a:xfrm flipH="1">
-            <a:off x="7598958" y="2081591"/>
-            <a:ext cx="2086950" cy="240268"/>
-          </a:xfrm>
-          <a:prstGeom prst="straightConnector1">
-            <a:avLst/>
-          </a:prstGeom>
-          <a:ln w="28575">
-            <a:solidFill>
-              <a:schemeClr val="bg1">
-                <a:lumMod val="50000"/>
-              </a:schemeClr>
-            </a:solidFill>
-            <a:headEnd type="none" w="med" len="med"/>
-            <a:tailEnd type="arrow" w="med" len="med"/>
-          </a:ln>
-        </p:spPr>
-        <p:style>
-          <a:lnRef idx="1">
-            <a:schemeClr val="accent1"/>
-          </a:lnRef>
-          <a:fillRef idx="0">
-            <a:schemeClr val="accent1"/>
-          </a:fillRef>
-          <a:effectRef idx="0">
-            <a:schemeClr val="accent1"/>
-          </a:effectRef>
-          <a:fontRef idx="minor">
-            <a:schemeClr val="tx1"/>
-          </a:fontRef>
-        </p:style>
-      </p:cxnSp>
-      <p:cxnSp>
-        <p:nvCxnSpPr>
-          <p:cNvPr id="444" name="Straight Arrow Connector 443"/>
-          <p:cNvCxnSpPr>
-            <a:stCxn id="437" idx="2"/>
-            <a:endCxn id="449" idx="0"/>
-          </p:cNvCxnSpPr>
-          <p:nvPr/>
-        </p:nvCxnSpPr>
-        <p:spPr>
-          <a:xfrm>
-            <a:off x="7598958" y="2691191"/>
-            <a:ext cx="665368" cy="320950"/>
-          </a:xfrm>
-          <a:prstGeom prst="straightConnector1">
-            <a:avLst/>
-          </a:prstGeom>
-          <a:ln w="28575">
-            <a:solidFill>
-              <a:schemeClr val="bg1">
-                <a:lumMod val="50000"/>
-              </a:schemeClr>
-            </a:solidFill>
-            <a:headEnd type="none" w="med" len="med"/>
-            <a:tailEnd type="arrow" w="med" len="med"/>
-          </a:ln>
-        </p:spPr>
-        <p:style>
-          <a:lnRef idx="1">
-            <a:schemeClr val="accent1"/>
-          </a:lnRef>
-          <a:fillRef idx="0">
-            <a:schemeClr val="accent1"/>
-          </a:fillRef>
-          <a:effectRef idx="0">
-            <a:schemeClr val="accent1"/>
-          </a:effectRef>
-          <a:fontRef idx="minor">
-            <a:schemeClr val="tx1"/>
-          </a:fontRef>
-        </p:style>
-      </p:cxnSp>
-      <p:sp>
-        <p:nvSpPr>
-          <p:cNvPr id="445" name="TextBox 444"/>
-          <p:cNvSpPr txBox="1"/>
-          <p:nvPr/>
-        </p:nvSpPr>
-        <p:spPr>
-          <a:xfrm>
-            <a:off x="9321577" y="2321859"/>
-            <a:ext cx="728661" cy="369332"/>
-          </a:xfrm>
-          <a:prstGeom prst="rect">
-            <a:avLst/>
-          </a:prstGeom>
-          <a:noFill/>
-        </p:spPr>
-        <p:txBody>
-          <a:bodyPr wrap="none" rtlCol="0">
-            <a:spAutoFit/>
-          </a:bodyPr>
-          <a:lstStyle/>
-          <a:p>
-            <a:r>
-              <a:rPr lang="en-US" dirty="0" smtClean="0">
-                <a:latin typeface="Avenir Next" charset="0"/>
-                <a:ea typeface="Avenir Next" charset="0"/>
-                <a:cs typeface="Avenir Next" charset="0"/>
-              </a:rPr>
-              <a:t>From</a:t>
-            </a:r>
-          </a:p>
-        </p:txBody>
-      </p:sp>
-      <p:sp>
-        <p:nvSpPr>
-          <p:cNvPr id="446" name="TextBox 445"/>
-          <p:cNvSpPr txBox="1"/>
-          <p:nvPr/>
-        </p:nvSpPr>
-        <p:spPr>
-          <a:xfrm>
-            <a:off x="8981227" y="3012141"/>
-            <a:ext cx="1409360" cy="923330"/>
-          </a:xfrm>
-          <a:prstGeom prst="rect">
-            <a:avLst/>
-          </a:prstGeom>
-          <a:noFill/>
-        </p:spPr>
-        <p:txBody>
-          <a:bodyPr wrap="none" rtlCol="0">
-            <a:spAutoFit/>
-          </a:bodyPr>
-          <a:lstStyle/>
-          <a:p>
-            <a:r>
-              <a:rPr lang="en-US" dirty="0" smtClean="0">
-                <a:latin typeface="Avenir Next" charset="0"/>
-                <a:ea typeface="Avenir Next" charset="0"/>
-                <a:cs typeface="Avenir Next" charset="0"/>
-              </a:rPr>
-              <a:t>Table</a:t>
-            </a:r>
-          </a:p>
-          <a:p>
-            <a:r>
-              <a:rPr lang="en-US" dirty="0">
-                <a:latin typeface="Avenir Next" charset="0"/>
-                <a:ea typeface="Avenir Next" charset="0"/>
-                <a:cs typeface="Avenir Next" charset="0"/>
-              </a:rPr>
-              <a:t> </a:t>
-            </a:r>
-            <a:r>
-              <a:rPr lang="en-US" dirty="0" smtClean="0">
-                <a:latin typeface="Avenir Next" charset="0"/>
-                <a:ea typeface="Avenir Next" charset="0"/>
-                <a:cs typeface="Avenir Next" charset="0"/>
-              </a:rPr>
-              <a:t> </a:t>
-            </a:r>
-            <a:r>
-              <a:rPr lang="en-US" sz="1600" dirty="0" smtClean="0">
-                <a:solidFill>
-                  <a:schemeClr val="bg1">
-                    <a:lumMod val="50000"/>
-                  </a:schemeClr>
-                </a:solidFill>
-                <a:latin typeface="Avenir Next" charset="0"/>
-                <a:ea typeface="Avenir Next" charset="0"/>
-                <a:cs typeface="Avenir Next" charset="0"/>
-              </a:rPr>
-              <a:t>name: sales</a:t>
-            </a:r>
-          </a:p>
-          <a:p>
-            <a:r>
-              <a:rPr lang="en-US" sz="1600" dirty="0">
-                <a:solidFill>
-                  <a:schemeClr val="bg1">
-                    <a:lumMod val="50000"/>
-                  </a:schemeClr>
-                </a:solidFill>
-                <a:latin typeface="Avenir Next" charset="0"/>
-                <a:ea typeface="Avenir Next" charset="0"/>
-                <a:cs typeface="Avenir Next" charset="0"/>
-              </a:rPr>
-              <a:t> </a:t>
-            </a:r>
-            <a:r>
-              <a:rPr lang="en-US" sz="1600" dirty="0" smtClean="0">
-                <a:solidFill>
-                  <a:schemeClr val="bg1">
-                    <a:lumMod val="50000"/>
-                  </a:schemeClr>
-                </a:solidFill>
-                <a:latin typeface="Avenir Next" charset="0"/>
-                <a:ea typeface="Avenir Next" charset="0"/>
-                <a:cs typeface="Avenir Next" charset="0"/>
-              </a:rPr>
-              <a:t> alias: sales</a:t>
-            </a:r>
-          </a:p>
-        </p:txBody>
-      </p:sp>
-      <p:cxnSp>
-        <p:nvCxnSpPr>
-          <p:cNvPr id="447" name="Straight Arrow Connector 446"/>
-          <p:cNvCxnSpPr/>
-          <p:nvPr/>
-        </p:nvCxnSpPr>
-        <p:spPr>
-          <a:xfrm flipH="1">
-            <a:off x="9685907" y="2691191"/>
-            <a:ext cx="1" cy="320950"/>
-          </a:xfrm>
-          <a:prstGeom prst="straightConnector1">
-            <a:avLst/>
-          </a:prstGeom>
-          <a:ln w="28575">
-            <a:solidFill>
-              <a:schemeClr val="bg1">
-                <a:lumMod val="50000"/>
-              </a:schemeClr>
-            </a:solidFill>
-            <a:headEnd type="none" w="med" len="med"/>
-            <a:tailEnd type="arrow" w="med" len="med"/>
-          </a:ln>
-        </p:spPr>
-        <p:style>
-          <a:lnRef idx="1">
-            <a:schemeClr val="accent1"/>
-          </a:lnRef>
-          <a:fillRef idx="0">
-            <a:schemeClr val="accent1"/>
-          </a:fillRef>
-          <a:effectRef idx="0">
-            <a:schemeClr val="accent1"/>
-          </a:effectRef>
-          <a:fontRef idx="minor">
-            <a:schemeClr val="tx1"/>
-          </a:fontRef>
-        </p:style>
-      </p:cxnSp>
-      <p:cxnSp>
-        <p:nvCxnSpPr>
-          <p:cNvPr id="448" name="Straight Arrow Connector 447"/>
-          <p:cNvCxnSpPr>
-            <a:stCxn id="436" idx="2"/>
-          </p:cNvCxnSpPr>
-          <p:nvPr/>
-        </p:nvCxnSpPr>
-        <p:spPr>
-          <a:xfrm>
-            <a:off x="9685908" y="2081591"/>
-            <a:ext cx="0" cy="240268"/>
-          </a:xfrm>
-          <a:prstGeom prst="straightConnector1">
-            <a:avLst/>
-          </a:prstGeom>
-          <a:ln w="28575">
-            <a:solidFill>
-              <a:schemeClr val="bg1">
-                <a:lumMod val="50000"/>
-              </a:schemeClr>
-            </a:solidFill>
-            <a:headEnd type="none" w="med" len="med"/>
-            <a:tailEnd type="arrow" w="med" len="med"/>
-          </a:ln>
-        </p:spPr>
-        <p:style>
-          <a:lnRef idx="1">
-            <a:schemeClr val="accent1"/>
-          </a:lnRef>
-          <a:fillRef idx="0">
-            <a:schemeClr val="accent1"/>
-          </a:fillRef>
-          <a:effectRef idx="0">
-            <a:schemeClr val="accent1"/>
-          </a:effectRef>
-          <a:fontRef idx="minor">
-            <a:schemeClr val="tx1"/>
-          </a:fontRef>
-        </p:style>
-      </p:cxnSp>
-      <p:cxnSp>
-        <p:nvCxnSpPr>
-          <p:cNvPr id="449" name="Straight Arrow Connector 448"/>
-          <p:cNvCxnSpPr>
-            <a:stCxn id="436" idx="2"/>
-          </p:cNvCxnSpPr>
-          <p:nvPr/>
-        </p:nvCxnSpPr>
-        <p:spPr>
-          <a:xfrm>
-            <a:off x="9685908" y="2081591"/>
-            <a:ext cx="1381098" cy="240268"/>
-          </a:xfrm>
-          <a:prstGeom prst="straightConnector1">
-            <a:avLst/>
-          </a:prstGeom>
-          <a:ln w="28575">
-            <a:solidFill>
-              <a:schemeClr val="bg1">
-                <a:lumMod val="50000"/>
-              </a:schemeClr>
-            </a:solidFill>
-            <a:headEnd type="none" w="med" len="med"/>
-            <a:tailEnd type="arrow" w="med" len="med"/>
-          </a:ln>
-        </p:spPr>
-        <p:style>
-          <a:lnRef idx="1">
-            <a:schemeClr val="accent1"/>
-          </a:lnRef>
-          <a:fillRef idx="0">
-            <a:schemeClr val="accent1"/>
-          </a:fillRef>
-          <a:effectRef idx="0">
-            <a:schemeClr val="accent1"/>
-          </a:effectRef>
-          <a:fontRef idx="minor">
-            <a:schemeClr val="tx1"/>
-          </a:fontRef>
-        </p:style>
-      </p:cxnSp>
-      <p:sp>
-        <p:nvSpPr>
-          <p:cNvPr id="451" name="TextBox 450"/>
-          <p:cNvSpPr txBox="1"/>
-          <p:nvPr/>
-        </p:nvSpPr>
-        <p:spPr>
-          <a:xfrm>
-            <a:off x="10718192" y="2940424"/>
-            <a:ext cx="697627" cy="369332"/>
-          </a:xfrm>
-          <a:prstGeom prst="rect">
-            <a:avLst/>
-          </a:prstGeom>
-          <a:noFill/>
-        </p:spPr>
-        <p:txBody>
-          <a:bodyPr wrap="none" rtlCol="0">
-            <a:spAutoFit/>
-          </a:bodyPr>
-          <a:lstStyle/>
-          <a:p>
-            <a:r>
-              <a:rPr lang="en-US" dirty="0" smtClean="0">
-                <a:latin typeface="Avenir Next" charset="0"/>
-                <a:ea typeface="Avenir Next" charset="0"/>
-                <a:cs typeface="Avenir Next" charset="0"/>
-              </a:rPr>
-              <a:t>AND</a:t>
-            </a:r>
-          </a:p>
-        </p:txBody>
-      </p:sp>
-      <p:sp>
-        <p:nvSpPr>
-          <p:cNvPr id="452" name="TextBox 451"/>
-          <p:cNvSpPr txBox="1"/>
-          <p:nvPr/>
-        </p:nvSpPr>
-        <p:spPr>
-          <a:xfrm>
-            <a:off x="10636980" y="3541059"/>
-            <a:ext cx="867545" cy="615553"/>
-          </a:xfrm>
-          <a:prstGeom prst="rect">
-            <a:avLst/>
-          </a:prstGeom>
-          <a:noFill/>
-        </p:spPr>
-        <p:txBody>
-          <a:bodyPr wrap="none" rtlCol="0">
-            <a:spAutoFit/>
-          </a:bodyPr>
-          <a:lstStyle/>
-          <a:p>
-            <a:r>
-              <a:rPr lang="en-US" dirty="0" err="1" smtClean="0">
-                <a:latin typeface="Avenir Next" charset="0"/>
-                <a:ea typeface="Avenir Next" charset="0"/>
-                <a:cs typeface="Avenir Next" charset="0"/>
-              </a:rPr>
-              <a:t>BiExpr</a:t>
-            </a:r>
-            <a:endParaRPr lang="en-US" dirty="0" smtClean="0">
-              <a:latin typeface="Avenir Next" charset="0"/>
-              <a:ea typeface="Avenir Next" charset="0"/>
-              <a:cs typeface="Avenir Next" charset="0"/>
-            </a:endParaRPr>
-          </a:p>
-          <a:p>
-            <a:r>
-              <a:rPr lang="en-US" sz="1600" dirty="0">
-                <a:solidFill>
-                  <a:schemeClr val="bg1">
-                    <a:lumMod val="50000"/>
-                  </a:schemeClr>
-                </a:solidFill>
-                <a:latin typeface="Avenir Next" charset="0"/>
-                <a:ea typeface="Avenir Next" charset="0"/>
-                <a:cs typeface="Avenir Next" charset="0"/>
-              </a:rPr>
-              <a:t> </a:t>
-            </a:r>
-            <a:r>
-              <a:rPr lang="en-US" sz="1600" dirty="0" smtClean="0">
-                <a:solidFill>
-                  <a:schemeClr val="bg1">
-                    <a:lumMod val="50000"/>
-                  </a:schemeClr>
-                </a:solidFill>
-                <a:latin typeface="Avenir Next" charset="0"/>
-                <a:ea typeface="Avenir Next" charset="0"/>
-                <a:cs typeface="Avenir Next" charset="0"/>
-              </a:rPr>
-              <a:t> op: =</a:t>
-            </a:r>
-          </a:p>
-        </p:txBody>
-      </p:sp>
-      <p:sp>
-        <p:nvSpPr>
-          <p:cNvPr id="453" name="TextBox 452"/>
-          <p:cNvSpPr txBox="1"/>
-          <p:nvPr/>
-        </p:nvSpPr>
-        <p:spPr>
-          <a:xfrm>
-            <a:off x="9759280" y="4329953"/>
-            <a:ext cx="1205779" cy="646331"/>
-          </a:xfrm>
-          <a:prstGeom prst="rect">
-            <a:avLst/>
-          </a:prstGeom>
-          <a:noFill/>
-        </p:spPr>
-        <p:txBody>
-          <a:bodyPr wrap="none" rtlCol="0">
-            <a:spAutoFit/>
-          </a:bodyPr>
-          <a:lstStyle/>
-          <a:p>
-            <a:r>
-              <a:rPr lang="en-US" dirty="0" err="1" smtClean="0">
-                <a:latin typeface="Avenir Next" charset="0"/>
-                <a:ea typeface="Avenir Next" charset="0"/>
-                <a:cs typeface="Avenir Next" charset="0"/>
-              </a:rPr>
-              <a:t>ColExpr</a:t>
-            </a:r>
-            <a:endParaRPr lang="en-US" dirty="0" smtClean="0">
-              <a:latin typeface="Avenir Next" charset="0"/>
-              <a:ea typeface="Avenir Next" charset="0"/>
-              <a:cs typeface="Avenir Next" charset="0"/>
-            </a:endParaRPr>
-          </a:p>
-          <a:p>
-            <a:r>
-              <a:rPr lang="en-US" dirty="0">
-                <a:latin typeface="Avenir Next" charset="0"/>
-                <a:ea typeface="Avenir Next" charset="0"/>
-                <a:cs typeface="Avenir Next" charset="0"/>
-              </a:rPr>
-              <a:t> </a:t>
-            </a:r>
-            <a:r>
-              <a:rPr lang="en-US" dirty="0" smtClean="0">
-                <a:latin typeface="Avenir Next" charset="0"/>
-                <a:ea typeface="Avenir Next" charset="0"/>
-                <a:cs typeface="Avenir Next" charset="0"/>
-              </a:rPr>
-              <a:t> </a:t>
-            </a:r>
-            <a:r>
-              <a:rPr lang="en-US" sz="1600" dirty="0" smtClean="0">
-                <a:solidFill>
-                  <a:schemeClr val="bg1">
-                    <a:lumMod val="50000"/>
-                  </a:schemeClr>
-                </a:solidFill>
-                <a:latin typeface="Avenir Next" charset="0"/>
-                <a:ea typeface="Avenir Next" charset="0"/>
-                <a:cs typeface="Avenir Next" charset="0"/>
-              </a:rPr>
-              <a:t>name: </a:t>
-            </a:r>
-            <a:r>
-              <a:rPr lang="en-US" sz="1600" dirty="0" err="1" smtClean="0">
-                <a:solidFill>
-                  <a:schemeClr val="bg1">
-                    <a:lumMod val="50000"/>
-                  </a:schemeClr>
-                </a:solidFill>
-                <a:latin typeface="Avenir Next" charset="0"/>
-                <a:ea typeface="Avenir Next" charset="0"/>
-                <a:cs typeface="Avenir Next" charset="0"/>
-              </a:rPr>
-              <a:t>cty</a:t>
-            </a:r>
-            <a:endParaRPr lang="en-US" sz="1600" dirty="0" smtClean="0">
-              <a:solidFill>
-                <a:schemeClr val="bg1">
-                  <a:lumMod val="50000"/>
-                </a:schemeClr>
-              </a:solidFill>
-              <a:latin typeface="Avenir Next" charset="0"/>
-              <a:ea typeface="Avenir Next" charset="0"/>
-              <a:cs typeface="Avenir Next" charset="0"/>
-            </a:endParaRPr>
-          </a:p>
-        </p:txBody>
-      </p:sp>
-      <p:sp>
-        <p:nvSpPr>
-          <p:cNvPr id="454" name="TextBox 453"/>
-          <p:cNvSpPr txBox="1"/>
-          <p:nvPr/>
-        </p:nvSpPr>
-        <p:spPr>
-          <a:xfrm>
-            <a:off x="11228380" y="4329953"/>
-            <a:ext cx="1083951" cy="646331"/>
-          </a:xfrm>
-          <a:prstGeom prst="rect">
-            <a:avLst/>
-          </a:prstGeom>
-          <a:noFill/>
-        </p:spPr>
-        <p:txBody>
-          <a:bodyPr wrap="none" rtlCol="0">
-            <a:spAutoFit/>
-          </a:bodyPr>
-          <a:lstStyle/>
-          <a:p>
-            <a:r>
-              <a:rPr lang="en-US" dirty="0" err="1" smtClean="0">
-                <a:latin typeface="Avenir Next" charset="0"/>
-                <a:ea typeface="Avenir Next" charset="0"/>
-                <a:cs typeface="Avenir Next" charset="0"/>
-              </a:rPr>
-              <a:t>StrExpr</a:t>
-            </a:r>
-            <a:endParaRPr lang="en-US" dirty="0" smtClean="0">
-              <a:latin typeface="Avenir Next" charset="0"/>
-              <a:ea typeface="Avenir Next" charset="0"/>
-              <a:cs typeface="Avenir Next" charset="0"/>
-            </a:endParaRPr>
-          </a:p>
-          <a:p>
-            <a:r>
-              <a:rPr lang="en-US" dirty="0">
-                <a:latin typeface="Avenir Next" charset="0"/>
-                <a:ea typeface="Avenir Next" charset="0"/>
-                <a:cs typeface="Avenir Next" charset="0"/>
-              </a:rPr>
-              <a:t> </a:t>
-            </a:r>
-            <a:r>
-              <a:rPr lang="en-US" dirty="0" smtClean="0">
-                <a:latin typeface="Avenir Next" charset="0"/>
-                <a:ea typeface="Avenir Next" charset="0"/>
-                <a:cs typeface="Avenir Next" charset="0"/>
-              </a:rPr>
-              <a:t> </a:t>
-            </a:r>
-            <a:r>
-              <a:rPr lang="en-US" sz="1600" dirty="0" err="1" smtClean="0">
-                <a:solidFill>
-                  <a:schemeClr val="bg1">
-                    <a:lumMod val="50000"/>
-                  </a:schemeClr>
-                </a:solidFill>
-                <a:latin typeface="Avenir Next" charset="0"/>
-                <a:ea typeface="Avenir Next" charset="0"/>
-                <a:cs typeface="Avenir Next" charset="0"/>
-              </a:rPr>
-              <a:t>val</a:t>
-            </a:r>
-            <a:r>
-              <a:rPr lang="en-US" sz="1600" dirty="0" smtClean="0">
-                <a:solidFill>
-                  <a:schemeClr val="bg1">
-                    <a:lumMod val="50000"/>
-                  </a:schemeClr>
-                </a:solidFill>
-                <a:latin typeface="Avenir Next" charset="0"/>
-                <a:ea typeface="Avenir Next" charset="0"/>
-                <a:cs typeface="Avenir Next" charset="0"/>
-              </a:rPr>
-              <a:t>: </a:t>
-            </a:r>
-            <a:r>
-              <a:rPr lang="en-US" sz="1600" b="1" dirty="0" smtClean="0">
-                <a:solidFill>
-                  <a:srgbClr val="FF0000"/>
-                </a:solidFill>
-                <a:latin typeface="Avenir Next" charset="0"/>
-                <a:ea typeface="Avenir Next" charset="0"/>
-                <a:cs typeface="Avenir Next" charset="0"/>
-              </a:rPr>
-              <a:t>EUR</a:t>
-            </a:r>
-          </a:p>
-        </p:txBody>
-      </p:sp>
-      <p:cxnSp>
-        <p:nvCxnSpPr>
-          <p:cNvPr id="455" name="Straight Arrow Connector 454"/>
-          <p:cNvCxnSpPr/>
-          <p:nvPr/>
-        </p:nvCxnSpPr>
-        <p:spPr>
-          <a:xfrm>
-            <a:off x="11067006" y="2691191"/>
-            <a:ext cx="0" cy="249233"/>
-          </a:xfrm>
-          <a:prstGeom prst="straightConnector1">
-            <a:avLst/>
-          </a:prstGeom>
-          <a:ln w="28575">
-            <a:solidFill>
-              <a:schemeClr val="bg1">
-                <a:lumMod val="50000"/>
-              </a:schemeClr>
-            </a:solidFill>
-            <a:headEnd type="none" w="med" len="med"/>
-            <a:tailEnd type="arrow" w="med" len="med"/>
-          </a:ln>
-        </p:spPr>
-        <p:style>
-          <a:lnRef idx="1">
-            <a:schemeClr val="accent1"/>
-          </a:lnRef>
-          <a:fillRef idx="0">
-            <a:schemeClr val="accent1"/>
-          </a:fillRef>
-          <a:effectRef idx="0">
-            <a:schemeClr val="accent1"/>
-          </a:effectRef>
-          <a:fontRef idx="minor">
-            <a:schemeClr val="tx1"/>
-          </a:fontRef>
-        </p:style>
-      </p:cxnSp>
-      <p:cxnSp>
-        <p:nvCxnSpPr>
-          <p:cNvPr id="456" name="Straight Arrow Connector 455"/>
-          <p:cNvCxnSpPr/>
-          <p:nvPr/>
-        </p:nvCxnSpPr>
-        <p:spPr>
-          <a:xfrm>
-            <a:off x="11067006" y="3309756"/>
-            <a:ext cx="0" cy="231303"/>
-          </a:xfrm>
-          <a:prstGeom prst="straightConnector1">
-            <a:avLst/>
-          </a:prstGeom>
-          <a:ln w="28575">
-            <a:solidFill>
-              <a:schemeClr val="bg1">
-                <a:lumMod val="50000"/>
-              </a:schemeClr>
-            </a:solidFill>
-            <a:headEnd type="none" w="med" len="med"/>
-            <a:tailEnd type="arrow" w="med" len="med"/>
-          </a:ln>
-        </p:spPr>
-        <p:style>
-          <a:lnRef idx="1">
-            <a:schemeClr val="accent1"/>
-          </a:lnRef>
-          <a:fillRef idx="0">
-            <a:schemeClr val="accent1"/>
-          </a:fillRef>
-          <a:effectRef idx="0">
-            <a:schemeClr val="accent1"/>
-          </a:effectRef>
-          <a:fontRef idx="minor">
-            <a:schemeClr val="tx1"/>
-          </a:fontRef>
-        </p:style>
-      </p:cxnSp>
-      <p:cxnSp>
-        <p:nvCxnSpPr>
-          <p:cNvPr id="457" name="Straight Arrow Connector 456"/>
-          <p:cNvCxnSpPr/>
-          <p:nvPr/>
-        </p:nvCxnSpPr>
-        <p:spPr>
-          <a:xfrm flipH="1">
-            <a:off x="10362170" y="4156612"/>
-            <a:ext cx="704836" cy="173341"/>
-          </a:xfrm>
-          <a:prstGeom prst="straightConnector1">
-            <a:avLst/>
-          </a:prstGeom>
-          <a:ln w="28575">
-            <a:solidFill>
-              <a:schemeClr val="bg1">
-                <a:lumMod val="50000"/>
-              </a:schemeClr>
-            </a:solidFill>
-            <a:headEnd type="none" w="med" len="med"/>
-            <a:tailEnd type="arrow" w="med" len="med"/>
-          </a:ln>
-        </p:spPr>
-        <p:style>
-          <a:lnRef idx="1">
-            <a:schemeClr val="accent1"/>
-          </a:lnRef>
-          <a:fillRef idx="0">
-            <a:schemeClr val="accent1"/>
-          </a:fillRef>
-          <a:effectRef idx="0">
-            <a:schemeClr val="accent1"/>
-          </a:effectRef>
-          <a:fontRef idx="minor">
-            <a:schemeClr val="tx1"/>
-          </a:fontRef>
-        </p:style>
-      </p:cxnSp>
-      <p:cxnSp>
-        <p:nvCxnSpPr>
-          <p:cNvPr id="458" name="Straight Arrow Connector 457"/>
-          <p:cNvCxnSpPr/>
-          <p:nvPr/>
-        </p:nvCxnSpPr>
-        <p:spPr>
-          <a:xfrm>
-            <a:off x="11067006" y="4156612"/>
-            <a:ext cx="700144" cy="173341"/>
-          </a:xfrm>
-          <a:prstGeom prst="straightConnector1">
-            <a:avLst/>
-          </a:prstGeom>
-          <a:ln w="28575">
-            <a:solidFill>
-              <a:schemeClr val="bg1">
-                <a:lumMod val="50000"/>
-              </a:schemeClr>
-            </a:solidFill>
-            <a:headEnd type="none" w="med" len="med"/>
-            <a:tailEnd type="arrow" w="med" len="med"/>
-          </a:ln>
-        </p:spPr>
-        <p:style>
-          <a:lnRef idx="1">
-            <a:schemeClr val="accent1"/>
-          </a:lnRef>
-          <a:fillRef idx="0">
-            <a:schemeClr val="accent1"/>
-          </a:fillRef>
-          <a:effectRef idx="0">
-            <a:schemeClr val="accent1"/>
-          </a:effectRef>
-          <a:fontRef idx="minor">
-            <a:schemeClr val="tx1"/>
-          </a:fontRef>
-        </p:style>
-      </p:cxnSp>
-      <p:sp>
-        <p:nvSpPr>
-          <p:cNvPr id="459" name="TextBox 458"/>
-          <p:cNvSpPr txBox="1"/>
-          <p:nvPr/>
-        </p:nvSpPr>
-        <p:spPr>
-          <a:xfrm>
-            <a:off x="1325382" y="609398"/>
-            <a:ext cx="3367076" cy="646331"/>
-          </a:xfrm>
-          <a:prstGeom prst="rect">
-            <a:avLst/>
-          </a:prstGeom>
-          <a:noFill/>
-        </p:spPr>
-        <p:txBody>
-          <a:bodyPr wrap="none" rtlCol="0">
-            <a:spAutoFit/>
-          </a:bodyPr>
-          <a:lstStyle/>
-          <a:p>
-            <a:r>
-              <a:rPr lang="en-US" dirty="0" smtClean="0">
-                <a:latin typeface="Avenir Next" charset="0"/>
-                <a:ea typeface="Avenir Next" charset="0"/>
-                <a:cs typeface="Avenir Next" charset="0"/>
-              </a:rPr>
-              <a:t>SELECT date as x, </a:t>
-            </a:r>
-            <a:r>
-              <a:rPr lang="en-US" b="1" dirty="0" smtClean="0">
-                <a:solidFill>
-                  <a:srgbClr val="00B0F0"/>
-                </a:solidFill>
-                <a:latin typeface="Avenir Next" charset="0"/>
-                <a:ea typeface="Avenir Next" charset="0"/>
-                <a:cs typeface="Avenir Next" charset="0"/>
-              </a:rPr>
-              <a:t>sales</a:t>
-            </a:r>
-            <a:r>
-              <a:rPr lang="en-US" dirty="0" smtClean="0">
-                <a:latin typeface="Avenir Next" charset="0"/>
-                <a:ea typeface="Avenir Next" charset="0"/>
-                <a:cs typeface="Avenir Next" charset="0"/>
-              </a:rPr>
-              <a:t> as y</a:t>
-            </a:r>
-          </a:p>
-          <a:p>
-            <a:r>
-              <a:rPr lang="en-US" dirty="0" smtClean="0">
-                <a:latin typeface="Avenir Next" charset="0"/>
-                <a:ea typeface="Avenir Next" charset="0"/>
-                <a:cs typeface="Avenir Next" charset="0"/>
-              </a:rPr>
-              <a:t>FROM sales WHERE </a:t>
-            </a:r>
-            <a:r>
-              <a:rPr lang="en-US" dirty="0" err="1" smtClean="0">
-                <a:latin typeface="Avenir Next" charset="0"/>
-                <a:ea typeface="Avenir Next" charset="0"/>
-                <a:cs typeface="Avenir Next" charset="0"/>
-              </a:rPr>
-              <a:t>cty</a:t>
-            </a:r>
-            <a:r>
-              <a:rPr lang="en-US" dirty="0" smtClean="0">
-                <a:latin typeface="Avenir Next" charset="0"/>
-                <a:ea typeface="Avenir Next" charset="0"/>
-                <a:cs typeface="Avenir Next" charset="0"/>
-              </a:rPr>
-              <a:t> = </a:t>
-            </a:r>
-            <a:r>
-              <a:rPr lang="en-US" b="1" dirty="0" smtClean="0">
-                <a:solidFill>
-                  <a:srgbClr val="FF0000"/>
-                </a:solidFill>
-                <a:latin typeface="Avenir Next" charset="0"/>
-                <a:ea typeface="Avenir Next" charset="0"/>
-                <a:cs typeface="Avenir Next" charset="0"/>
-              </a:rPr>
-              <a:t>USA</a:t>
-            </a:r>
-          </a:p>
-        </p:txBody>
-      </p:sp>
-      <p:sp>
-        <p:nvSpPr>
-          <p:cNvPr id="460" name="TextBox 459"/>
-          <p:cNvSpPr txBox="1"/>
-          <p:nvPr/>
-        </p:nvSpPr>
-        <p:spPr>
-          <a:xfrm>
-            <a:off x="7587921" y="609398"/>
-            <a:ext cx="3349443" cy="646331"/>
-          </a:xfrm>
-          <a:prstGeom prst="rect">
-            <a:avLst/>
-          </a:prstGeom>
-          <a:noFill/>
-        </p:spPr>
-        <p:txBody>
-          <a:bodyPr wrap="none" rtlCol="0">
-            <a:spAutoFit/>
-          </a:bodyPr>
-          <a:lstStyle/>
-          <a:p>
-            <a:r>
-              <a:rPr lang="en-US" dirty="0" smtClean="0">
-                <a:latin typeface="Avenir Next" charset="0"/>
-                <a:ea typeface="Avenir Next" charset="0"/>
-                <a:cs typeface="Avenir Next" charset="0"/>
-              </a:rPr>
-              <a:t>SELECT date as x, </a:t>
-            </a:r>
-            <a:r>
-              <a:rPr lang="en-US" b="1" dirty="0" smtClean="0">
-                <a:solidFill>
-                  <a:srgbClr val="00B0F0"/>
-                </a:solidFill>
-                <a:latin typeface="Avenir Next" charset="0"/>
-                <a:ea typeface="Avenir Next" charset="0"/>
-                <a:cs typeface="Avenir Next" charset="0"/>
-              </a:rPr>
-              <a:t>costs</a:t>
-            </a:r>
-            <a:r>
-              <a:rPr lang="en-US" dirty="0" smtClean="0">
-                <a:latin typeface="Avenir Next" charset="0"/>
-                <a:ea typeface="Avenir Next" charset="0"/>
-                <a:cs typeface="Avenir Next" charset="0"/>
-              </a:rPr>
-              <a:t> as y</a:t>
-            </a:r>
-          </a:p>
-          <a:p>
-            <a:r>
-              <a:rPr lang="en-US" dirty="0" smtClean="0">
-                <a:latin typeface="Avenir Next" charset="0"/>
-                <a:ea typeface="Avenir Next" charset="0"/>
-                <a:cs typeface="Avenir Next" charset="0"/>
-              </a:rPr>
-              <a:t>FROM sales WHERE </a:t>
-            </a:r>
-            <a:r>
-              <a:rPr lang="en-US" dirty="0" err="1" smtClean="0">
-                <a:latin typeface="Avenir Next" charset="0"/>
-                <a:ea typeface="Avenir Next" charset="0"/>
-                <a:cs typeface="Avenir Next" charset="0"/>
-              </a:rPr>
-              <a:t>cty</a:t>
-            </a:r>
-            <a:r>
-              <a:rPr lang="en-US" dirty="0" smtClean="0">
-                <a:latin typeface="Avenir Next" charset="0"/>
-                <a:ea typeface="Avenir Next" charset="0"/>
-                <a:cs typeface="Avenir Next" charset="0"/>
-              </a:rPr>
-              <a:t> = </a:t>
-            </a:r>
-            <a:r>
-              <a:rPr lang="en-US" b="1" dirty="0" smtClean="0">
-                <a:solidFill>
-                  <a:srgbClr val="FF0000"/>
-                </a:solidFill>
-                <a:latin typeface="Avenir Next" charset="0"/>
-                <a:ea typeface="Avenir Next" charset="0"/>
-                <a:cs typeface="Avenir Next" charset="0"/>
-              </a:rPr>
-              <a:t>EUR</a:t>
-            </a:r>
-          </a:p>
-        </p:txBody>
-      </p:sp>
-      <p:sp>
-        <p:nvSpPr>
-          <p:cNvPr id="463" name="TextBox 462"/>
-          <p:cNvSpPr txBox="1"/>
-          <p:nvPr/>
-        </p:nvSpPr>
-        <p:spPr>
-          <a:xfrm>
-            <a:off x="766231" y="599560"/>
-            <a:ext cx="574196" cy="369332"/>
-          </a:xfrm>
-          <a:prstGeom prst="rect">
-            <a:avLst/>
-          </a:prstGeom>
-          <a:noFill/>
-        </p:spPr>
-        <p:txBody>
-          <a:bodyPr wrap="none" rtlCol="0">
-            <a:spAutoFit/>
-          </a:bodyPr>
-          <a:lstStyle/>
-          <a:p>
-            <a:r>
-              <a:rPr lang="en-US" dirty="0" smtClean="0">
-                <a:latin typeface="Avenir Next" charset="0"/>
-                <a:ea typeface="Avenir Next" charset="0"/>
-                <a:cs typeface="Avenir Next" charset="0"/>
-              </a:rPr>
-              <a:t>p</a:t>
-            </a:r>
-            <a:r>
-              <a:rPr lang="en-US" baseline="-25000" dirty="0" smtClean="0">
-                <a:latin typeface="Avenir Next" charset="0"/>
-                <a:ea typeface="Avenir Next" charset="0"/>
-                <a:cs typeface="Avenir Next" charset="0"/>
-              </a:rPr>
-              <a:t>1</a:t>
-            </a:r>
-            <a:r>
-              <a:rPr lang="en-US" dirty="0" smtClean="0">
-                <a:latin typeface="Avenir Next" charset="0"/>
-                <a:ea typeface="Avenir Next" charset="0"/>
-                <a:cs typeface="Avenir Next" charset="0"/>
-              </a:rPr>
-              <a:t>=</a:t>
-            </a:r>
-          </a:p>
-        </p:txBody>
-      </p:sp>
-      <p:sp>
-        <p:nvSpPr>
-          <p:cNvPr id="464" name="TextBox 463"/>
-          <p:cNvSpPr txBox="1"/>
-          <p:nvPr/>
-        </p:nvSpPr>
-        <p:spPr>
-          <a:xfrm>
-            <a:off x="7013725" y="599560"/>
-            <a:ext cx="574196" cy="369332"/>
-          </a:xfrm>
-          <a:prstGeom prst="rect">
-            <a:avLst/>
-          </a:prstGeom>
-          <a:noFill/>
-        </p:spPr>
-        <p:txBody>
-          <a:bodyPr wrap="none" rtlCol="0">
-            <a:spAutoFit/>
-          </a:bodyPr>
-          <a:lstStyle/>
-          <a:p>
-            <a:r>
-              <a:rPr lang="en-US" dirty="0" smtClean="0">
-                <a:latin typeface="Avenir Next" charset="0"/>
-                <a:ea typeface="Avenir Next" charset="0"/>
-                <a:cs typeface="Avenir Next" charset="0"/>
-              </a:rPr>
-              <a:t>p</a:t>
-            </a:r>
-            <a:r>
-              <a:rPr lang="en-US" baseline="-25000" dirty="0" smtClean="0">
-                <a:latin typeface="Avenir Next" charset="0"/>
-                <a:ea typeface="Avenir Next" charset="0"/>
-                <a:cs typeface="Avenir Next" charset="0"/>
-              </a:rPr>
-              <a:t>2</a:t>
-            </a:r>
-            <a:r>
-              <a:rPr lang="en-US" dirty="0" smtClean="0">
-                <a:latin typeface="Avenir Next" charset="0"/>
-                <a:ea typeface="Avenir Next" charset="0"/>
-                <a:cs typeface="Avenir Next" charset="0"/>
-              </a:rPr>
-              <a:t>=</a:t>
-            </a:r>
-          </a:p>
-        </p:txBody>
-      </p:sp>
-      <p:sp>
-        <p:nvSpPr>
-          <p:cNvPr id="60" name="TextBox 59"/>
-          <p:cNvSpPr txBox="1"/>
-          <p:nvPr/>
-        </p:nvSpPr>
-        <p:spPr>
-          <a:xfrm>
-            <a:off x="10625405" y="2321859"/>
-            <a:ext cx="885820" cy="369332"/>
-          </a:xfrm>
-          <a:prstGeom prst="rect">
-            <a:avLst/>
-          </a:prstGeom>
-          <a:noFill/>
-        </p:spPr>
-        <p:txBody>
-          <a:bodyPr wrap="none" rtlCol="0">
-            <a:spAutoFit/>
-          </a:bodyPr>
-          <a:lstStyle/>
-          <a:p>
-            <a:r>
-              <a:rPr lang="en-US" dirty="0" smtClean="0">
-                <a:latin typeface="Avenir Next" charset="0"/>
-                <a:ea typeface="Avenir Next" charset="0"/>
-                <a:cs typeface="Avenir Next" charset="0"/>
-              </a:rPr>
-              <a:t>Where</a:t>
-            </a:r>
-          </a:p>
-        </p:txBody>
-      </p:sp>
-    </p:spTree>
-    <p:extLst>
-      <p:ext uri="{BB962C8B-B14F-4D97-AF65-F5344CB8AC3E}">
-        <p14:creationId xmlns:p14="http://schemas.microsoft.com/office/powerpoint/2010/main" val="770141204"/>
-      </p:ext>
-    </p:extLst>
-  </p:cSld>
-  <p:clrMapOvr>
-    <a:masterClrMapping/>
-  </p:clrMapOvr>
-</p:sld>
-</file>
-
-<file path=ppt/slides/slide2.xml><?xml version="1.0" encoding="utf-8"?>
-<p:sld xmlns:a="http://schemas.openxmlformats.org/drawingml/2006/main" xmlns:r="http://schemas.openxmlformats.org/officeDocument/2006/relationships" xmlns:p="http://schemas.openxmlformats.org/presentationml/2006/main">
-  <p:cSld>
-    <p:spTree>
-      <p:nvGrpSpPr>
-        <p:cNvPr id="1" name=""/>
-        <p:cNvGrpSpPr/>
-        <p:nvPr/>
-      </p:nvGrpSpPr>
-      <p:grpSpPr>
-        <a:xfrm>
-          <a:off x="0" y="0"/>
-          <a:ext cx="0" cy="0"/>
-          <a:chOff x="0" y="0"/>
-          <a:chExt cx="0" cy="0"/>
-        </a:xfrm>
-      </p:grpSpPr>
       <p:pic>
         <p:nvPicPr>
           <p:cNvPr id="4" name="Picture 3"/>
@@ -6170,16 +3264,6 @@
               </a:rPr>
               <a:t>Data Transform Lib</a:t>
             </a:r>
-            <a:endParaRPr lang="en-US" sz="1700" dirty="0" smtClean="0">
-              <a:solidFill>
-                <a:schemeClr val="bg1">
-                  <a:lumMod val="50000"/>
-                </a:schemeClr>
-              </a:solidFill>
-              <a:latin typeface="Avenir Book" charset="0"/>
-              <a:ea typeface="Avenir Book" charset="0"/>
-              <a:cs typeface="Avenir Book" charset="0"/>
-            </a:endParaRPr>
           </a:p>
         </p:txBody>
       </p:sp>
@@ -6242,16 +3326,6 @@
               </a:rPr>
               <a:t>Quality Function Lib</a:t>
             </a:r>
-            <a:endParaRPr lang="en-US" sz="1700" dirty="0" smtClean="0">
-              <a:solidFill>
-                <a:schemeClr val="bg1">
-                  <a:lumMod val="50000"/>
-                </a:schemeClr>
-              </a:solidFill>
-              <a:latin typeface="Avenir Book" charset="0"/>
-              <a:ea typeface="Avenir Book" charset="0"/>
-              <a:cs typeface="Avenir Book" charset="0"/>
-            </a:endParaRPr>
           </a:p>
         </p:txBody>
       </p:sp>
@@ -6314,16 +3388,6 @@
               </a:rPr>
               <a:t>Feature Lib</a:t>
             </a:r>
-            <a:endParaRPr lang="en-US" sz="1700" dirty="0" smtClean="0">
-              <a:solidFill>
-                <a:schemeClr val="bg1">
-                  <a:lumMod val="50000"/>
-                </a:schemeClr>
-              </a:solidFill>
-              <a:latin typeface="Avenir Book" charset="0"/>
-              <a:ea typeface="Avenir Book" charset="0"/>
-              <a:cs typeface="Avenir Book" charset="0"/>
-            </a:endParaRPr>
           </a:p>
         </p:txBody>
       </p:sp>
@@ -6379,16 +3443,6 @@
               </a:rPr>
               <a:t>Interface</a:t>
             </a:r>
-            <a:endParaRPr lang="en-US" dirty="0" smtClean="0">
-              <a:solidFill>
-                <a:schemeClr val="bg1">
-                  <a:lumMod val="50000"/>
-                </a:schemeClr>
-              </a:solidFill>
-              <a:latin typeface="Avenir Next" charset="0"/>
-              <a:ea typeface="Avenir Next" charset="0"/>
-              <a:cs typeface="Avenir Next" charset="0"/>
-            </a:endParaRPr>
           </a:p>
         </p:txBody>
       </p:sp>
@@ -6444,16 +3498,6 @@
               </a:rPr>
               <a:t>Search</a:t>
             </a:r>
-            <a:endParaRPr lang="en-US" dirty="0" smtClean="0">
-              <a:solidFill>
-                <a:schemeClr val="bg1">
-                  <a:lumMod val="50000"/>
-                </a:schemeClr>
-              </a:solidFill>
-              <a:latin typeface="Avenir Next" charset="0"/>
-              <a:ea typeface="Avenir Next" charset="0"/>
-              <a:cs typeface="Avenir Next" charset="0"/>
-            </a:endParaRPr>
           </a:p>
         </p:txBody>
       </p:sp>
@@ -6509,16 +3553,6 @@
               </a:rPr>
               <a:t>Optimizer</a:t>
             </a:r>
-            <a:endParaRPr lang="en-US" dirty="0" smtClean="0">
-              <a:solidFill>
-                <a:schemeClr val="bg1">
-                  <a:lumMod val="50000"/>
-                </a:schemeClr>
-              </a:solidFill>
-              <a:latin typeface="Avenir Next" charset="0"/>
-              <a:ea typeface="Avenir Next" charset="0"/>
-              <a:cs typeface="Avenir Next" charset="0"/>
-            </a:endParaRPr>
           </a:p>
         </p:txBody>
       </p:sp>
@@ -6581,16 +3615,6 @@
               </a:rPr>
               <a:t>Static Pruners</a:t>
             </a:r>
-            <a:endParaRPr lang="en-US" sz="1700" dirty="0" smtClean="0">
-              <a:solidFill>
-                <a:schemeClr val="bg1">
-                  <a:lumMod val="50000"/>
-                </a:schemeClr>
-              </a:solidFill>
-              <a:latin typeface="Avenir Book" charset="0"/>
-              <a:ea typeface="Avenir Book" charset="0"/>
-              <a:cs typeface="Avenir Book" charset="0"/>
-            </a:endParaRPr>
           </a:p>
         </p:txBody>
       </p:sp>
@@ -6711,17 +3735,6 @@
               </a:rPr>
               <a:t>Data, Quality Function, Language</a:t>
             </a:r>
-            <a:endParaRPr lang="en-US" sz="1600" dirty="0" smtClean="0">
-              <a:solidFill>
-                <a:schemeClr val="tx1">
-                  <a:lumMod val="75000"/>
-                  <a:lumOff val="25000"/>
-                </a:schemeClr>
-              </a:solidFill>
-              <a:latin typeface="Avenir Next" charset="0"/>
-              <a:ea typeface="Avenir Next" charset="0"/>
-              <a:cs typeface="Avenir Next" charset="0"/>
-            </a:endParaRPr>
           </a:p>
         </p:txBody>
       </p:sp>
@@ -6762,17 +3775,6 @@
               </a:rPr>
               <a:t>High level goals</a:t>
             </a:r>
-            <a:endParaRPr lang="en-US" sz="1600" dirty="0" smtClean="0">
-              <a:solidFill>
-                <a:schemeClr val="tx1">
-                  <a:lumMod val="75000"/>
-                  <a:lumOff val="25000"/>
-                </a:schemeClr>
-              </a:solidFill>
-              <a:latin typeface="Avenir Next" charset="0"/>
-              <a:ea typeface="Avenir Next" charset="0"/>
-              <a:cs typeface="Avenir Next" charset="0"/>
-            </a:endParaRPr>
           </a:p>
         </p:txBody>
       </p:sp>
@@ -6835,16 +3837,6 @@
               </a:rPr>
               <a:t>Dynamic Pruners</a:t>
             </a:r>
-            <a:endParaRPr lang="en-US" sz="1700" dirty="0" smtClean="0">
-              <a:solidFill>
-                <a:schemeClr val="bg1">
-                  <a:lumMod val="50000"/>
-                </a:schemeClr>
-              </a:solidFill>
-              <a:latin typeface="Avenir Book" charset="0"/>
-              <a:ea typeface="Avenir Book" charset="0"/>
-              <a:cs typeface="Avenir Book" charset="0"/>
-            </a:endParaRPr>
           </a:p>
         </p:txBody>
       </p:sp>
@@ -6979,16 +3971,6 @@
               </a:rPr>
               <a:t>Loop Fusion</a:t>
             </a:r>
-            <a:endParaRPr lang="en-US" sz="1700" dirty="0" smtClean="0">
-              <a:solidFill>
-                <a:schemeClr val="bg1">
-                  <a:lumMod val="50000"/>
-                </a:schemeClr>
-              </a:solidFill>
-              <a:latin typeface="Avenir Book" charset="0"/>
-              <a:ea typeface="Avenir Book" charset="0"/>
-              <a:cs typeface="Avenir Book" charset="0"/>
-            </a:endParaRPr>
           </a:p>
         </p:txBody>
       </p:sp>
@@ -7226,17 +4208,6 @@
               </a:rPr>
               <a:t>Cleaning Program</a:t>
             </a:r>
-            <a:endParaRPr lang="en-US" sz="1600" dirty="0" smtClean="0">
-              <a:solidFill>
-                <a:schemeClr val="tx1">
-                  <a:lumMod val="75000"/>
-                  <a:lumOff val="25000"/>
-                </a:schemeClr>
-              </a:solidFill>
-              <a:latin typeface="Avenir Next" charset="0"/>
-              <a:ea typeface="Avenir Next" charset="0"/>
-              <a:cs typeface="Avenir Next" charset="0"/>
-            </a:endParaRPr>
           </a:p>
         </p:txBody>
       </p:sp>
@@ -7347,13 +4318,459 @@
               </a:rPr>
               <a:t>Cleaning Program</a:t>
             </a:r>
-            <a:endParaRPr lang="en-US" sz="1600" dirty="0" smtClean="0">
+          </a:p>
+        </p:txBody>
+      </p:sp>
+    </p:spTree>
+    <p:extLst>
+      <p:ext uri="{BB962C8B-B14F-4D97-AF65-F5344CB8AC3E}">
+        <p14:creationId xmlns:p14="http://schemas.microsoft.com/office/powerpoint/2010/main" val="612973346"/>
+      </p:ext>
+    </p:extLst>
+  </p:cSld>
+  <p:clrMapOvr>
+    <a:masterClrMapping/>
+  </p:clrMapOvr>
+</p:sld>
+</file>
+
+<file path=ppt/slides/slide2.xml><?xml version="1.0" encoding="utf-8"?>
+<p:sld xmlns:a="http://schemas.openxmlformats.org/drawingml/2006/main" xmlns:r="http://schemas.openxmlformats.org/officeDocument/2006/relationships" xmlns:p="http://schemas.openxmlformats.org/presentationml/2006/main">
+  <p:cSld>
+    <p:spTree>
+      <p:nvGrpSpPr>
+        <p:cNvPr id="1" name=""/>
+        <p:cNvGrpSpPr/>
+        <p:nvPr/>
+      </p:nvGrpSpPr>
+      <p:grpSpPr>
+        <a:xfrm>
+          <a:off x="0" y="0"/>
+          <a:ext cx="0" cy="0"/>
+          <a:chOff x="0" y="0"/>
+          <a:chExt cx="0" cy="0"/>
+        </a:xfrm>
+      </p:grpSpPr>
+      <p:grpSp>
+        <p:nvGrpSpPr>
+          <p:cNvPr id="166" name="Group 165"/>
+          <p:cNvGrpSpPr/>
+          <p:nvPr/>
+        </p:nvGrpSpPr>
+        <p:grpSpPr>
+          <a:xfrm>
+            <a:off x="1739963" y="3402319"/>
+            <a:ext cx="1331997" cy="369332"/>
+            <a:chOff x="1739963" y="3402319"/>
+            <a:chExt cx="1331997" cy="369332"/>
+          </a:xfrm>
+        </p:grpSpPr>
+        <p:sp>
+          <p:nvSpPr>
+            <p:cNvPr id="11" name="TextBox 10"/>
+            <p:cNvSpPr txBox="1"/>
+            <p:nvPr/>
+          </p:nvSpPr>
+          <p:spPr>
+            <a:xfrm>
+              <a:off x="1739963" y="3402319"/>
+              <a:ext cx="450764" cy="369332"/>
+            </a:xfrm>
+            <a:prstGeom prst="rect">
+              <a:avLst/>
+            </a:prstGeom>
+            <a:noFill/>
+          </p:spPr>
+          <p:txBody>
+            <a:bodyPr wrap="none" rtlCol="0" anchor="ctr">
+              <a:spAutoFit/>
+            </a:bodyPr>
+            <a:lstStyle/>
+            <a:p>
+              <a:r>
+                <a:rPr lang="el-GR" dirty="0" smtClean="0">
+                  <a:latin typeface="Avenir Next" charset="0"/>
+                  <a:ea typeface="Avenir Next" charset="0"/>
+                  <a:cs typeface="Avenir Next" charset="0"/>
+                </a:rPr>
+                <a:t>Σ</a:t>
+              </a:r>
+              <a:r>
+                <a:rPr lang="en-US" dirty="0" smtClean="0">
+                  <a:latin typeface="Avenir Next" charset="0"/>
+                  <a:ea typeface="Avenir Next" charset="0"/>
+                  <a:cs typeface="Avenir Next" charset="0"/>
+                </a:rPr>
+                <a:t>:</a:t>
+              </a:r>
+              <a:r>
+                <a:rPr lang="el-GR" dirty="0" smtClean="0">
+                  <a:latin typeface="Avenir Next" charset="0"/>
+                  <a:ea typeface="Avenir Next" charset="0"/>
+                  <a:cs typeface="Avenir Next" charset="0"/>
+                </a:rPr>
+                <a:t> </a:t>
+              </a:r>
+              <a:endParaRPr lang="el-GR" dirty="0">
+                <a:latin typeface="Avenir Next" charset="0"/>
+                <a:ea typeface="Avenir Next" charset="0"/>
+                <a:cs typeface="Avenir Next" charset="0"/>
+              </a:endParaRPr>
+            </a:p>
+          </p:txBody>
+        </p:sp>
+        <p:sp>
+          <p:nvSpPr>
+            <p:cNvPr id="12" name="Oval 11"/>
+            <p:cNvSpPr/>
+            <p:nvPr/>
+          </p:nvSpPr>
+          <p:spPr>
+            <a:xfrm>
+              <a:off x="2098632" y="3471501"/>
+              <a:ext cx="176105" cy="176105"/>
+            </a:xfrm>
+            <a:prstGeom prst="ellipse">
+              <a:avLst/>
+            </a:prstGeom>
+            <a:solidFill>
+              <a:schemeClr val="bg1">
+                <a:lumMod val="50000"/>
+              </a:schemeClr>
+            </a:solidFill>
+            <a:ln w="28575">
               <a:solidFill>
-                <a:schemeClr val="tx1">
-                  <a:lumMod val="75000"/>
-                  <a:lumOff val="25000"/>
+                <a:schemeClr val="bg1">
+                  <a:lumMod val="50000"/>
                 </a:schemeClr>
               </a:solidFill>
+            </a:ln>
+          </p:spPr>
+          <p:style>
+            <a:lnRef idx="2">
+              <a:schemeClr val="accent1">
+                <a:shade val="50000"/>
+              </a:schemeClr>
+            </a:lnRef>
+            <a:fillRef idx="1">
+              <a:schemeClr val="accent1"/>
+            </a:fillRef>
+            <a:effectRef idx="0">
+              <a:schemeClr val="accent1"/>
+            </a:effectRef>
+            <a:fontRef idx="minor">
+              <a:schemeClr val="lt1"/>
+            </a:fontRef>
+          </p:style>
+          <p:txBody>
+            <a:bodyPr rtlCol="0" anchor="ctr"/>
+            <a:lstStyle/>
+            <a:p>
+              <a:pPr algn="ctr"/>
+              <a:endParaRPr lang="en-US" sz="2400" dirty="0" smtClean="0">
+                <a:solidFill>
+                  <a:schemeClr val="bg1">
+                    <a:lumMod val="50000"/>
+                  </a:schemeClr>
+                </a:solidFill>
+                <a:latin typeface="Avenir Book" charset="0"/>
+                <a:ea typeface="Avenir Book" charset="0"/>
+                <a:cs typeface="Avenir Book" charset="0"/>
+              </a:endParaRPr>
+            </a:p>
+          </p:txBody>
+        </p:sp>
+        <p:sp>
+          <p:nvSpPr>
+            <p:cNvPr id="13" name="Oval 12"/>
+            <p:cNvSpPr/>
+            <p:nvPr/>
+          </p:nvSpPr>
+          <p:spPr>
+            <a:xfrm>
+              <a:off x="2364373" y="3471501"/>
+              <a:ext cx="176105" cy="176105"/>
+            </a:xfrm>
+            <a:prstGeom prst="ellipse">
+              <a:avLst/>
+            </a:prstGeom>
+            <a:solidFill>
+              <a:schemeClr val="accent2"/>
+            </a:solidFill>
+            <a:ln w="28575">
+              <a:solidFill>
+                <a:schemeClr val="accent2"/>
+              </a:solidFill>
+            </a:ln>
+          </p:spPr>
+          <p:style>
+            <a:lnRef idx="2">
+              <a:schemeClr val="accent1">
+                <a:shade val="50000"/>
+              </a:schemeClr>
+            </a:lnRef>
+            <a:fillRef idx="1">
+              <a:schemeClr val="accent1"/>
+            </a:fillRef>
+            <a:effectRef idx="0">
+              <a:schemeClr val="accent1"/>
+            </a:effectRef>
+            <a:fontRef idx="minor">
+              <a:schemeClr val="lt1"/>
+            </a:fontRef>
+          </p:style>
+          <p:txBody>
+            <a:bodyPr rtlCol="0" anchor="ctr"/>
+            <a:lstStyle/>
+            <a:p>
+              <a:pPr algn="ctr"/>
+              <a:endParaRPr lang="en-US" sz="2400" dirty="0" smtClean="0">
+                <a:solidFill>
+                  <a:schemeClr val="bg1">
+                    <a:lumMod val="50000"/>
+                  </a:schemeClr>
+                </a:solidFill>
+                <a:latin typeface="Avenir Book" charset="0"/>
+                <a:ea typeface="Avenir Book" charset="0"/>
+                <a:cs typeface="Avenir Book" charset="0"/>
+              </a:endParaRPr>
+            </a:p>
+          </p:txBody>
+        </p:sp>
+        <p:sp>
+          <p:nvSpPr>
+            <p:cNvPr id="14" name="Oval 13"/>
+            <p:cNvSpPr/>
+            <p:nvPr/>
+          </p:nvSpPr>
+          <p:spPr>
+            <a:xfrm>
+              <a:off x="2630114" y="3471501"/>
+              <a:ext cx="176105" cy="176105"/>
+            </a:xfrm>
+            <a:prstGeom prst="ellipse">
+              <a:avLst/>
+            </a:prstGeom>
+            <a:solidFill>
+              <a:srgbClr val="FF0000"/>
+            </a:solidFill>
+            <a:ln w="28575">
+              <a:solidFill>
+                <a:srgbClr val="FF0000"/>
+              </a:solidFill>
+            </a:ln>
+          </p:spPr>
+          <p:style>
+            <a:lnRef idx="2">
+              <a:schemeClr val="accent1">
+                <a:shade val="50000"/>
+              </a:schemeClr>
+            </a:lnRef>
+            <a:fillRef idx="1">
+              <a:schemeClr val="accent1"/>
+            </a:fillRef>
+            <a:effectRef idx="0">
+              <a:schemeClr val="accent1"/>
+            </a:effectRef>
+            <a:fontRef idx="minor">
+              <a:schemeClr val="lt1"/>
+            </a:fontRef>
+          </p:style>
+          <p:txBody>
+            <a:bodyPr rtlCol="0" anchor="ctr"/>
+            <a:lstStyle/>
+            <a:p>
+              <a:pPr algn="ctr"/>
+              <a:endParaRPr lang="en-US" sz="2400" dirty="0" smtClean="0">
+                <a:solidFill>
+                  <a:schemeClr val="bg1">
+                    <a:lumMod val="50000"/>
+                  </a:schemeClr>
+                </a:solidFill>
+                <a:latin typeface="Avenir Book" charset="0"/>
+                <a:ea typeface="Avenir Book" charset="0"/>
+                <a:cs typeface="Avenir Book" charset="0"/>
+              </a:endParaRPr>
+            </a:p>
+          </p:txBody>
+        </p:sp>
+        <p:sp>
+          <p:nvSpPr>
+            <p:cNvPr id="15" name="Oval 14"/>
+            <p:cNvSpPr/>
+            <p:nvPr/>
+          </p:nvSpPr>
+          <p:spPr>
+            <a:xfrm>
+              <a:off x="2895855" y="3471501"/>
+              <a:ext cx="176105" cy="176105"/>
+            </a:xfrm>
+            <a:prstGeom prst="ellipse">
+              <a:avLst/>
+            </a:prstGeom>
+            <a:solidFill>
+              <a:schemeClr val="accent5"/>
+            </a:solidFill>
+            <a:ln w="28575">
+              <a:solidFill>
+                <a:schemeClr val="accent5"/>
+              </a:solidFill>
+            </a:ln>
+          </p:spPr>
+          <p:style>
+            <a:lnRef idx="2">
+              <a:schemeClr val="accent1">
+                <a:shade val="50000"/>
+              </a:schemeClr>
+            </a:lnRef>
+            <a:fillRef idx="1">
+              <a:schemeClr val="accent1"/>
+            </a:fillRef>
+            <a:effectRef idx="0">
+              <a:schemeClr val="accent1"/>
+            </a:effectRef>
+            <a:fontRef idx="minor">
+              <a:schemeClr val="lt1"/>
+            </a:fontRef>
+          </p:style>
+          <p:txBody>
+            <a:bodyPr rtlCol="0" anchor="ctr"/>
+            <a:lstStyle/>
+            <a:p>
+              <a:pPr algn="ctr"/>
+              <a:endParaRPr lang="en-US" sz="2400" dirty="0" smtClean="0">
+                <a:solidFill>
+                  <a:schemeClr val="bg1">
+                    <a:lumMod val="50000"/>
+                  </a:schemeClr>
+                </a:solidFill>
+                <a:latin typeface="Avenir Book" charset="0"/>
+                <a:ea typeface="Avenir Book" charset="0"/>
+                <a:cs typeface="Avenir Book" charset="0"/>
+              </a:endParaRPr>
+            </a:p>
+          </p:txBody>
+        </p:sp>
+      </p:grpSp>
+      <p:sp>
+        <p:nvSpPr>
+          <p:cNvPr id="17" name="TextBox 16"/>
+          <p:cNvSpPr txBox="1"/>
+          <p:nvPr/>
+        </p:nvSpPr>
+        <p:spPr>
+          <a:xfrm>
+            <a:off x="438435" y="2771381"/>
+            <a:ext cx="1253869" cy="369332"/>
+          </a:xfrm>
+          <a:prstGeom prst="rect">
+            <a:avLst/>
+          </a:prstGeom>
+          <a:noFill/>
+        </p:spPr>
+        <p:txBody>
+          <a:bodyPr wrap="none" rtlCol="0">
+            <a:spAutoFit/>
+          </a:bodyPr>
+          <a:lstStyle/>
+          <a:p>
+            <a:r>
+              <a:rPr lang="en-US" smtClean="0">
+                <a:latin typeface="Arvo" charset="0"/>
+                <a:ea typeface="Arvo" charset="0"/>
+                <a:cs typeface="Arvo" charset="0"/>
+              </a:rPr>
+              <a:t>Worker 1</a:t>
+            </a:r>
+            <a:endParaRPr lang="en-US" dirty="0" smtClean="0">
+              <a:latin typeface="Arvo" charset="0"/>
+              <a:ea typeface="Arvo" charset="0"/>
+              <a:cs typeface="Arvo" charset="0"/>
+            </a:endParaRPr>
+          </a:p>
+        </p:txBody>
+      </p:sp>
+      <p:sp>
+        <p:nvSpPr>
+          <p:cNvPr id="18" name="TextBox 17"/>
+          <p:cNvSpPr txBox="1"/>
+          <p:nvPr/>
+        </p:nvSpPr>
+        <p:spPr>
+          <a:xfrm>
+            <a:off x="438435" y="4095644"/>
+            <a:ext cx="1281120" cy="369332"/>
+          </a:xfrm>
+          <a:prstGeom prst="rect">
+            <a:avLst/>
+          </a:prstGeom>
+          <a:noFill/>
+        </p:spPr>
+        <p:txBody>
+          <a:bodyPr wrap="none" rtlCol="0">
+            <a:spAutoFit/>
+          </a:bodyPr>
+          <a:lstStyle/>
+          <a:p>
+            <a:r>
+              <a:rPr lang="en-US" dirty="0" smtClean="0">
+                <a:latin typeface="Arvo" charset="0"/>
+                <a:ea typeface="Arvo" charset="0"/>
+                <a:cs typeface="Arvo" charset="0"/>
+              </a:rPr>
+              <a:t>Worker 2</a:t>
+            </a:r>
+            <a:endParaRPr lang="en-US" dirty="0" smtClean="0">
+              <a:latin typeface="Arvo" charset="0"/>
+              <a:ea typeface="Arvo" charset="0"/>
+              <a:cs typeface="Arvo" charset="0"/>
+            </a:endParaRPr>
+          </a:p>
+        </p:txBody>
+      </p:sp>
+      <p:sp>
+        <p:nvSpPr>
+          <p:cNvPr id="52" name="TextBox 51"/>
+          <p:cNvSpPr txBox="1"/>
+          <p:nvPr/>
+        </p:nvSpPr>
+        <p:spPr>
+          <a:xfrm>
+            <a:off x="1995367" y="1786302"/>
+            <a:ext cx="975075" cy="646331"/>
+          </a:xfrm>
+          <a:prstGeom prst="rect">
+            <a:avLst/>
+          </a:prstGeom>
+          <a:noFill/>
+        </p:spPr>
+        <p:txBody>
+          <a:bodyPr wrap="none" rtlCol="0">
+            <a:spAutoFit/>
+          </a:bodyPr>
+          <a:lstStyle/>
+          <a:p>
+            <a:pPr algn="ctr"/>
+            <a:r>
+              <a:rPr lang="en-US" smtClean="0">
+                <a:latin typeface="Avenir Next" charset="0"/>
+                <a:ea typeface="Avenir Next" charset="0"/>
+                <a:cs typeface="Avenir Next" charset="0"/>
+              </a:rPr>
+              <a:t>Priority </a:t>
+            </a:r>
+          </a:p>
+          <a:p>
+            <a:pPr algn="ctr"/>
+            <a:r>
+              <a:rPr lang="en-US" dirty="0" smtClean="0">
+                <a:latin typeface="Avenir Next" charset="0"/>
+                <a:ea typeface="Avenir Next" charset="0"/>
+                <a:cs typeface="Avenir Next" charset="0"/>
+              </a:rPr>
+              <a:t>Queue</a:t>
+            </a:r>
+            <a:endParaRPr lang="en-US" dirty="0" smtClean="0">
               <a:latin typeface="Avenir Next" charset="0"/>
               <a:ea typeface="Avenir Next" charset="0"/>
               <a:cs typeface="Avenir Next" charset="0"/>
@@ -7361,10 +4778,3619 @@
           </a:p>
         </p:txBody>
       </p:sp>
+      <p:sp>
+        <p:nvSpPr>
+          <p:cNvPr id="54" name="TextBox 53"/>
+          <p:cNvSpPr txBox="1"/>
+          <p:nvPr/>
+        </p:nvSpPr>
+        <p:spPr>
+          <a:xfrm>
+            <a:off x="3388251" y="1790528"/>
+            <a:ext cx="1389162" cy="646331"/>
+          </a:xfrm>
+          <a:prstGeom prst="rect">
+            <a:avLst/>
+          </a:prstGeom>
+          <a:noFill/>
+        </p:spPr>
+        <p:txBody>
+          <a:bodyPr wrap="none" rtlCol="0">
+            <a:spAutoFit/>
+          </a:bodyPr>
+          <a:lstStyle/>
+          <a:p>
+            <a:pPr algn="ctr"/>
+            <a:r>
+              <a:rPr lang="en-US" smtClean="0">
+                <a:latin typeface="Avenir Next" charset="0"/>
+                <a:ea typeface="Avenir Next" charset="0"/>
+                <a:cs typeface="Avenir Next" charset="0"/>
+              </a:rPr>
+              <a:t>Expanded</a:t>
+            </a:r>
+          </a:p>
+          <a:p>
+            <a:pPr algn="ctr"/>
+            <a:r>
+              <a:rPr lang="en-US" dirty="0" smtClean="0">
+                <a:latin typeface="Avenir Next" charset="0"/>
+                <a:ea typeface="Avenir Next" charset="0"/>
+                <a:cs typeface="Avenir Next" charset="0"/>
+              </a:rPr>
+              <a:t>Candidates</a:t>
+            </a:r>
+            <a:endParaRPr lang="en-US" dirty="0" smtClean="0">
+              <a:latin typeface="Avenir Next" charset="0"/>
+              <a:ea typeface="Avenir Next" charset="0"/>
+              <a:cs typeface="Avenir Next" charset="0"/>
+            </a:endParaRPr>
+          </a:p>
+        </p:txBody>
+      </p:sp>
+      <p:sp>
+        <p:nvSpPr>
+          <p:cNvPr id="72" name="TextBox 71"/>
+          <p:cNvSpPr txBox="1"/>
+          <p:nvPr/>
+        </p:nvSpPr>
+        <p:spPr>
+          <a:xfrm>
+            <a:off x="5158790" y="2063301"/>
+            <a:ext cx="1372492" cy="369332"/>
+          </a:xfrm>
+          <a:prstGeom prst="rect">
+            <a:avLst/>
+          </a:prstGeom>
+          <a:noFill/>
+        </p:spPr>
+        <p:txBody>
+          <a:bodyPr wrap="none" rtlCol="0">
+            <a:spAutoFit/>
+          </a:bodyPr>
+          <a:lstStyle/>
+          <a:p>
+            <a:pPr algn="ctr"/>
+            <a:r>
+              <a:rPr lang="el-GR" dirty="0" smtClean="0">
+                <a:latin typeface="Avenir Next" charset="0"/>
+                <a:ea typeface="Avenir Next" charset="0"/>
+                <a:cs typeface="Avenir Next" charset="0"/>
+              </a:rPr>
+              <a:t>γ </a:t>
+            </a:r>
+            <a:r>
+              <a:rPr lang="en-US" dirty="0" smtClean="0">
+                <a:latin typeface="Avenir Next" charset="0"/>
+                <a:ea typeface="Avenir Next" charset="0"/>
+                <a:cs typeface="Avenir Next" charset="0"/>
+              </a:rPr>
+              <a:t>local best</a:t>
+            </a:r>
+            <a:endParaRPr lang="en-US" dirty="0" smtClean="0">
+              <a:latin typeface="Avenir Next" charset="0"/>
+              <a:ea typeface="Avenir Next" charset="0"/>
+              <a:cs typeface="Avenir Next" charset="0"/>
+            </a:endParaRPr>
+          </a:p>
+        </p:txBody>
+      </p:sp>
+      <p:sp>
+        <p:nvSpPr>
+          <p:cNvPr id="73" name="TextBox 72"/>
+          <p:cNvSpPr txBox="1"/>
+          <p:nvPr/>
+        </p:nvSpPr>
+        <p:spPr>
+          <a:xfrm>
+            <a:off x="756149" y="3397468"/>
+            <a:ext cx="902811" cy="369332"/>
+          </a:xfrm>
+          <a:prstGeom prst="rect">
+            <a:avLst/>
+          </a:prstGeom>
+          <a:noFill/>
+        </p:spPr>
+        <p:txBody>
+          <a:bodyPr wrap="none" rtlCol="0">
+            <a:spAutoFit/>
+          </a:bodyPr>
+          <a:lstStyle/>
+          <a:p>
+            <a:r>
+              <a:rPr lang="en-US" dirty="0" smtClean="0">
+                <a:latin typeface="Arvo" charset="0"/>
+                <a:ea typeface="Arvo" charset="0"/>
+                <a:cs typeface="Arvo" charset="0"/>
+              </a:rPr>
+              <a:t>Driver</a:t>
+            </a:r>
+            <a:endParaRPr lang="en-US" dirty="0" smtClean="0">
+              <a:latin typeface="Arvo" charset="0"/>
+              <a:ea typeface="Arvo" charset="0"/>
+              <a:cs typeface="Arvo" charset="0"/>
+            </a:endParaRPr>
+          </a:p>
+        </p:txBody>
+      </p:sp>
+      <p:cxnSp>
+        <p:nvCxnSpPr>
+          <p:cNvPr id="77" name="Straight Connector 76"/>
+          <p:cNvCxnSpPr/>
+          <p:nvPr/>
+        </p:nvCxnSpPr>
+        <p:spPr>
+          <a:xfrm flipH="1">
+            <a:off x="1712531" y="3317216"/>
+            <a:ext cx="9460574" cy="0"/>
+          </a:xfrm>
+          <a:prstGeom prst="line">
+            <a:avLst/>
+          </a:prstGeom>
+          <a:ln w="28575">
+            <a:solidFill>
+              <a:schemeClr val="bg1">
+                <a:lumMod val="75000"/>
+              </a:schemeClr>
+            </a:solidFill>
+            <a:prstDash val="sysDot"/>
+            <a:headEnd type="none" w="med" len="med"/>
+            <a:tailEnd type="none" w="med" len="med"/>
+          </a:ln>
+        </p:spPr>
+        <p:style>
+          <a:lnRef idx="1">
+            <a:schemeClr val="accent1"/>
+          </a:lnRef>
+          <a:fillRef idx="0">
+            <a:schemeClr val="accent1"/>
+          </a:fillRef>
+          <a:effectRef idx="0">
+            <a:schemeClr val="accent1"/>
+          </a:effectRef>
+          <a:fontRef idx="minor">
+            <a:schemeClr val="tx1"/>
+          </a:fontRef>
+        </p:style>
+      </p:cxnSp>
+      <p:cxnSp>
+        <p:nvCxnSpPr>
+          <p:cNvPr id="78" name="Straight Connector 77"/>
+          <p:cNvCxnSpPr/>
+          <p:nvPr/>
+        </p:nvCxnSpPr>
+        <p:spPr>
+          <a:xfrm flipH="1">
+            <a:off x="1712531" y="3839552"/>
+            <a:ext cx="9460574" cy="0"/>
+          </a:xfrm>
+          <a:prstGeom prst="line">
+            <a:avLst/>
+          </a:prstGeom>
+          <a:ln w="28575">
+            <a:solidFill>
+              <a:schemeClr val="bg1">
+                <a:lumMod val="75000"/>
+              </a:schemeClr>
+            </a:solidFill>
+            <a:prstDash val="sysDot"/>
+            <a:headEnd type="none" w="med" len="med"/>
+            <a:tailEnd type="none" w="med" len="med"/>
+          </a:ln>
+        </p:spPr>
+        <p:style>
+          <a:lnRef idx="1">
+            <a:schemeClr val="accent1"/>
+          </a:lnRef>
+          <a:fillRef idx="0">
+            <a:schemeClr val="accent1"/>
+          </a:fillRef>
+          <a:effectRef idx="0">
+            <a:schemeClr val="accent1"/>
+          </a:effectRef>
+          <a:fontRef idx="minor">
+            <a:schemeClr val="tx1"/>
+          </a:fontRef>
+        </p:style>
+      </p:cxnSp>
+      <p:sp>
+        <p:nvSpPr>
+          <p:cNvPr id="87" name="TextBox 86"/>
+          <p:cNvSpPr txBox="1"/>
+          <p:nvPr/>
+        </p:nvSpPr>
+        <p:spPr>
+          <a:xfrm>
+            <a:off x="7435261" y="2063301"/>
+            <a:ext cx="1550424" cy="369332"/>
+          </a:xfrm>
+          <a:prstGeom prst="rect">
+            <a:avLst/>
+          </a:prstGeom>
+          <a:noFill/>
+        </p:spPr>
+        <p:txBody>
+          <a:bodyPr wrap="none" rtlCol="0">
+            <a:spAutoFit/>
+          </a:bodyPr>
+          <a:lstStyle/>
+          <a:p>
+            <a:pPr algn="ctr"/>
+            <a:r>
+              <a:rPr lang="el-GR" dirty="0" smtClean="0">
+                <a:latin typeface="Avenir Next" charset="0"/>
+                <a:ea typeface="Avenir Next" charset="0"/>
+                <a:cs typeface="Avenir Next" charset="0"/>
+              </a:rPr>
+              <a:t>γ </a:t>
+            </a:r>
+            <a:r>
+              <a:rPr lang="en-US" dirty="0" smtClean="0">
+                <a:latin typeface="Avenir Next" charset="0"/>
+                <a:ea typeface="Avenir Next" charset="0"/>
+                <a:cs typeface="Avenir Next" charset="0"/>
+              </a:rPr>
+              <a:t>global best</a:t>
+            </a:r>
+            <a:endParaRPr lang="en-US" dirty="0" smtClean="0">
+              <a:latin typeface="Avenir Next" charset="0"/>
+              <a:ea typeface="Avenir Next" charset="0"/>
+              <a:cs typeface="Avenir Next" charset="0"/>
+            </a:endParaRPr>
+          </a:p>
+        </p:txBody>
+      </p:sp>
+      <p:sp>
+        <p:nvSpPr>
+          <p:cNvPr id="93" name="TextBox 92"/>
+          <p:cNvSpPr txBox="1"/>
+          <p:nvPr/>
+        </p:nvSpPr>
+        <p:spPr>
+          <a:xfrm>
+            <a:off x="6277437" y="3397468"/>
+            <a:ext cx="1404552" cy="369332"/>
+          </a:xfrm>
+          <a:prstGeom prst="rect">
+            <a:avLst/>
+          </a:prstGeom>
+          <a:noFill/>
+        </p:spPr>
+        <p:txBody>
+          <a:bodyPr wrap="none" rtlCol="0">
+            <a:spAutoFit/>
+          </a:bodyPr>
+          <a:lstStyle/>
+          <a:p>
+            <a:r>
+              <a:rPr lang="en-US" dirty="0" smtClean="0">
+                <a:latin typeface="Avenir Next" charset="0"/>
+                <a:ea typeface="Avenir Next" charset="0"/>
+                <a:cs typeface="Avenir Next" charset="0"/>
+              </a:rPr>
+              <a:t>Global best</a:t>
+            </a:r>
+            <a:endParaRPr lang="en-US" dirty="0" smtClean="0">
+              <a:latin typeface="Avenir Next" charset="0"/>
+              <a:ea typeface="Avenir Next" charset="0"/>
+              <a:cs typeface="Avenir Next" charset="0"/>
+            </a:endParaRPr>
+          </a:p>
+        </p:txBody>
+      </p:sp>
+      <p:grpSp>
+        <p:nvGrpSpPr>
+          <p:cNvPr id="141" name="Group 140"/>
+          <p:cNvGrpSpPr/>
+          <p:nvPr/>
+        </p:nvGrpSpPr>
+        <p:grpSpPr>
+          <a:xfrm>
+            <a:off x="6605609" y="2882345"/>
+            <a:ext cx="748209" cy="415490"/>
+            <a:chOff x="6621222" y="2711960"/>
+            <a:chExt cx="748209" cy="585875"/>
+          </a:xfrm>
+        </p:grpSpPr>
+        <p:cxnSp>
+          <p:nvCxnSpPr>
+            <p:cNvPr id="89" name="Straight Arrow Connector 88"/>
+            <p:cNvCxnSpPr/>
+            <p:nvPr/>
+          </p:nvCxnSpPr>
+          <p:spPr>
+            <a:xfrm>
+              <a:off x="6621222" y="2723350"/>
+              <a:ext cx="358491" cy="574485"/>
+            </a:xfrm>
+            <a:prstGeom prst="straightConnector1">
+              <a:avLst/>
+            </a:prstGeom>
+            <a:ln w="28575">
+              <a:solidFill>
+                <a:schemeClr val="bg1">
+                  <a:lumMod val="50000"/>
+                </a:schemeClr>
+              </a:solidFill>
+              <a:headEnd type="none" w="med" len="med"/>
+              <a:tailEnd type="triangle"/>
+            </a:ln>
+          </p:spPr>
+          <p:style>
+            <a:lnRef idx="1">
+              <a:schemeClr val="accent1"/>
+            </a:lnRef>
+            <a:fillRef idx="0">
+              <a:schemeClr val="accent1"/>
+            </a:fillRef>
+            <a:effectRef idx="0">
+              <a:schemeClr val="accent1"/>
+            </a:effectRef>
+            <a:fontRef idx="minor">
+              <a:schemeClr val="tx1"/>
+            </a:fontRef>
+          </p:style>
+        </p:cxnSp>
+        <p:cxnSp>
+          <p:nvCxnSpPr>
+            <p:cNvPr id="96" name="Straight Arrow Connector 95"/>
+            <p:cNvCxnSpPr/>
+            <p:nvPr/>
+          </p:nvCxnSpPr>
+          <p:spPr>
+            <a:xfrm flipV="1">
+              <a:off x="7010940" y="2711960"/>
+              <a:ext cx="358491" cy="574485"/>
+            </a:xfrm>
+            <a:prstGeom prst="straightConnector1">
+              <a:avLst/>
+            </a:prstGeom>
+            <a:ln w="28575">
+              <a:solidFill>
+                <a:schemeClr val="bg1">
+                  <a:lumMod val="50000"/>
+                </a:schemeClr>
+              </a:solidFill>
+              <a:headEnd type="none" w="med" len="med"/>
+              <a:tailEnd type="triangle"/>
+            </a:ln>
+          </p:spPr>
+          <p:style>
+            <a:lnRef idx="1">
+              <a:schemeClr val="accent1"/>
+            </a:lnRef>
+            <a:fillRef idx="0">
+              <a:schemeClr val="accent1"/>
+            </a:fillRef>
+            <a:effectRef idx="0">
+              <a:schemeClr val="accent1"/>
+            </a:effectRef>
+            <a:fontRef idx="minor">
+              <a:schemeClr val="tx1"/>
+            </a:fontRef>
+          </p:style>
+        </p:cxnSp>
+      </p:grpSp>
+      <p:sp>
+        <p:nvSpPr>
+          <p:cNvPr id="115" name="TextBox 114"/>
+          <p:cNvSpPr txBox="1"/>
+          <p:nvPr/>
+        </p:nvSpPr>
+        <p:spPr>
+          <a:xfrm>
+            <a:off x="8727521" y="3397468"/>
+            <a:ext cx="1284775" cy="369332"/>
+          </a:xfrm>
+          <a:prstGeom prst="rect">
+            <a:avLst/>
+          </a:prstGeom>
+          <a:noFill/>
+        </p:spPr>
+        <p:txBody>
+          <a:bodyPr wrap="none" rtlCol="0">
+            <a:spAutoFit/>
+          </a:bodyPr>
+          <a:lstStyle/>
+          <a:p>
+            <a:r>
+              <a:rPr lang="en-US" smtClean="0">
+                <a:latin typeface="Avenir Next" charset="0"/>
+                <a:ea typeface="Avenir Next" charset="0"/>
+                <a:cs typeface="Avenir Next" charset="0"/>
+              </a:rPr>
+              <a:t>Rebalance</a:t>
+            </a:r>
+            <a:endParaRPr lang="en-US" dirty="0" smtClean="0">
+              <a:latin typeface="Avenir Next" charset="0"/>
+              <a:ea typeface="Avenir Next" charset="0"/>
+              <a:cs typeface="Avenir Next" charset="0"/>
+            </a:endParaRPr>
+          </a:p>
+        </p:txBody>
+      </p:sp>
+      <p:sp>
+        <p:nvSpPr>
+          <p:cNvPr id="122" name="TextBox 121"/>
+          <p:cNvSpPr txBox="1"/>
+          <p:nvPr/>
+        </p:nvSpPr>
+        <p:spPr>
+          <a:xfrm>
+            <a:off x="9746191" y="2063301"/>
+            <a:ext cx="1550424" cy="369332"/>
+          </a:xfrm>
+          <a:prstGeom prst="rect">
+            <a:avLst/>
+          </a:prstGeom>
+          <a:noFill/>
+        </p:spPr>
+        <p:txBody>
+          <a:bodyPr wrap="none" rtlCol="0">
+            <a:spAutoFit/>
+          </a:bodyPr>
+          <a:lstStyle/>
+          <a:p>
+            <a:pPr algn="ctr"/>
+            <a:r>
+              <a:rPr lang="el-GR" dirty="0" smtClean="0">
+                <a:latin typeface="Avenir Next" charset="0"/>
+                <a:ea typeface="Avenir Next" charset="0"/>
+                <a:cs typeface="Avenir Next" charset="0"/>
+              </a:rPr>
+              <a:t>γ </a:t>
+            </a:r>
+            <a:r>
+              <a:rPr lang="en-US" dirty="0" smtClean="0">
+                <a:latin typeface="Avenir Next" charset="0"/>
+                <a:ea typeface="Avenir Next" charset="0"/>
+                <a:cs typeface="Avenir Next" charset="0"/>
+              </a:rPr>
+              <a:t>global best</a:t>
+            </a:r>
+            <a:endParaRPr lang="en-US" dirty="0" smtClean="0">
+              <a:latin typeface="Avenir Next" charset="0"/>
+              <a:ea typeface="Avenir Next" charset="0"/>
+              <a:cs typeface="Avenir Next" charset="0"/>
+            </a:endParaRPr>
+          </a:p>
+        </p:txBody>
+      </p:sp>
+      <p:grpSp>
+        <p:nvGrpSpPr>
+          <p:cNvPr id="139" name="Group 138"/>
+          <p:cNvGrpSpPr/>
+          <p:nvPr/>
+        </p:nvGrpSpPr>
+        <p:grpSpPr>
+          <a:xfrm>
+            <a:off x="2223353" y="3930502"/>
+            <a:ext cx="8177517" cy="516737"/>
+            <a:chOff x="2223353" y="4021942"/>
+            <a:chExt cx="8177517" cy="516737"/>
+          </a:xfrm>
+        </p:grpSpPr>
+        <p:sp>
+          <p:nvSpPr>
+            <p:cNvPr id="27" name="Rectangle 26"/>
+            <p:cNvSpPr/>
+            <p:nvPr/>
+          </p:nvSpPr>
+          <p:spPr>
+            <a:xfrm>
+              <a:off x="3519427" y="4049213"/>
+              <a:ext cx="203200" cy="203200"/>
+            </a:xfrm>
+            <a:prstGeom prst="rect">
+              <a:avLst/>
+            </a:prstGeom>
+            <a:solidFill>
+              <a:srgbClr val="00B0F0"/>
+            </a:solidFill>
+            <a:ln w="28575">
+              <a:solidFill>
+                <a:schemeClr val="bg1"/>
+              </a:solidFill>
+            </a:ln>
+          </p:spPr>
+          <p:style>
+            <a:lnRef idx="2">
+              <a:schemeClr val="accent1">
+                <a:shade val="50000"/>
+              </a:schemeClr>
+            </a:lnRef>
+            <a:fillRef idx="1">
+              <a:schemeClr val="accent1"/>
+            </a:fillRef>
+            <a:effectRef idx="0">
+              <a:schemeClr val="accent1"/>
+            </a:effectRef>
+            <a:fontRef idx="minor">
+              <a:schemeClr val="lt1"/>
+            </a:fontRef>
+          </p:style>
+          <p:txBody>
+            <a:bodyPr rtlCol="0" anchor="ctr"/>
+            <a:lstStyle/>
+            <a:p>
+              <a:pPr algn="ctr"/>
+              <a:endParaRPr lang="en-US" sz="2400" dirty="0" smtClean="0">
+                <a:solidFill>
+                  <a:schemeClr val="bg1">
+                    <a:lumMod val="50000"/>
+                  </a:schemeClr>
+                </a:solidFill>
+                <a:latin typeface="Avenir Book" charset="0"/>
+                <a:ea typeface="Avenir Book" charset="0"/>
+                <a:cs typeface="Avenir Book" charset="0"/>
+              </a:endParaRPr>
+            </a:p>
+          </p:txBody>
+        </p:sp>
+        <p:sp>
+          <p:nvSpPr>
+            <p:cNvPr id="28" name="Oval 27"/>
+            <p:cNvSpPr/>
+            <p:nvPr/>
+          </p:nvSpPr>
+          <p:spPr>
+            <a:xfrm>
+              <a:off x="3769242" y="4057774"/>
+              <a:ext cx="176105" cy="176105"/>
+            </a:xfrm>
+            <a:prstGeom prst="ellipse">
+              <a:avLst/>
+            </a:prstGeom>
+            <a:solidFill>
+              <a:srgbClr val="FF0000"/>
+            </a:solidFill>
+            <a:ln w="28575">
+              <a:solidFill>
+                <a:srgbClr val="FF0000"/>
+              </a:solidFill>
+            </a:ln>
+          </p:spPr>
+          <p:style>
+            <a:lnRef idx="2">
+              <a:schemeClr val="accent1">
+                <a:shade val="50000"/>
+              </a:schemeClr>
+            </a:lnRef>
+            <a:fillRef idx="1">
+              <a:schemeClr val="accent1"/>
+            </a:fillRef>
+            <a:effectRef idx="0">
+              <a:schemeClr val="accent1"/>
+            </a:effectRef>
+            <a:fontRef idx="minor">
+              <a:schemeClr val="lt1"/>
+            </a:fontRef>
+          </p:style>
+          <p:txBody>
+            <a:bodyPr rtlCol="0" anchor="ctr"/>
+            <a:lstStyle/>
+            <a:p>
+              <a:pPr algn="ctr"/>
+              <a:endParaRPr lang="en-US" sz="2400" dirty="0" smtClean="0">
+                <a:solidFill>
+                  <a:schemeClr val="bg1">
+                    <a:lumMod val="50000"/>
+                  </a:schemeClr>
+                </a:solidFill>
+                <a:latin typeface="Avenir Book" charset="0"/>
+                <a:ea typeface="Avenir Book" charset="0"/>
+                <a:cs typeface="Avenir Book" charset="0"/>
+              </a:endParaRPr>
+            </a:p>
+          </p:txBody>
+        </p:sp>
+        <p:sp>
+          <p:nvSpPr>
+            <p:cNvPr id="29" name="Oval 28"/>
+            <p:cNvSpPr/>
+            <p:nvPr/>
+          </p:nvSpPr>
+          <p:spPr>
+            <a:xfrm>
+              <a:off x="3769242" y="4335479"/>
+              <a:ext cx="176105" cy="176105"/>
+            </a:xfrm>
+            <a:prstGeom prst="ellipse">
+              <a:avLst/>
+            </a:prstGeom>
+            <a:solidFill>
+              <a:schemeClr val="accent5"/>
+            </a:solidFill>
+            <a:ln w="28575">
+              <a:solidFill>
+                <a:schemeClr val="accent5"/>
+              </a:solidFill>
+            </a:ln>
+          </p:spPr>
+          <p:style>
+            <a:lnRef idx="2">
+              <a:schemeClr val="accent1">
+                <a:shade val="50000"/>
+              </a:schemeClr>
+            </a:lnRef>
+            <a:fillRef idx="1">
+              <a:schemeClr val="accent1"/>
+            </a:fillRef>
+            <a:effectRef idx="0">
+              <a:schemeClr val="accent1"/>
+            </a:effectRef>
+            <a:fontRef idx="minor">
+              <a:schemeClr val="lt1"/>
+            </a:fontRef>
+          </p:style>
+          <p:txBody>
+            <a:bodyPr rtlCol="0" anchor="ctr"/>
+            <a:lstStyle/>
+            <a:p>
+              <a:pPr algn="ctr"/>
+              <a:endParaRPr lang="en-US" sz="2400" dirty="0" smtClean="0">
+                <a:solidFill>
+                  <a:schemeClr val="bg1">
+                    <a:lumMod val="50000"/>
+                  </a:schemeClr>
+                </a:solidFill>
+                <a:latin typeface="Avenir Book" charset="0"/>
+                <a:ea typeface="Avenir Book" charset="0"/>
+                <a:cs typeface="Avenir Book" charset="0"/>
+              </a:endParaRPr>
+            </a:p>
+          </p:txBody>
+        </p:sp>
+        <p:sp>
+          <p:nvSpPr>
+            <p:cNvPr id="30" name="Rectangle 29"/>
+            <p:cNvSpPr/>
+            <p:nvPr/>
+          </p:nvSpPr>
+          <p:spPr>
+            <a:xfrm>
+              <a:off x="3519427" y="4335479"/>
+              <a:ext cx="203200" cy="203200"/>
+            </a:xfrm>
+            <a:prstGeom prst="rect">
+              <a:avLst/>
+            </a:prstGeom>
+            <a:solidFill>
+              <a:srgbClr val="00B0F0"/>
+            </a:solidFill>
+            <a:ln w="28575">
+              <a:solidFill>
+                <a:schemeClr val="bg1"/>
+              </a:solidFill>
+            </a:ln>
+          </p:spPr>
+          <p:style>
+            <a:lnRef idx="2">
+              <a:schemeClr val="accent1">
+                <a:shade val="50000"/>
+              </a:schemeClr>
+            </a:lnRef>
+            <a:fillRef idx="1">
+              <a:schemeClr val="accent1"/>
+            </a:fillRef>
+            <a:effectRef idx="0">
+              <a:schemeClr val="accent1"/>
+            </a:effectRef>
+            <a:fontRef idx="minor">
+              <a:schemeClr val="lt1"/>
+            </a:fontRef>
+          </p:style>
+          <p:txBody>
+            <a:bodyPr rtlCol="0" anchor="ctr"/>
+            <a:lstStyle/>
+            <a:p>
+              <a:pPr algn="ctr"/>
+              <a:endParaRPr lang="en-US" sz="2400" dirty="0" smtClean="0">
+                <a:solidFill>
+                  <a:schemeClr val="bg1">
+                    <a:lumMod val="50000"/>
+                  </a:schemeClr>
+                </a:solidFill>
+                <a:latin typeface="Avenir Book" charset="0"/>
+                <a:ea typeface="Avenir Book" charset="0"/>
+                <a:cs typeface="Avenir Book" charset="0"/>
+              </a:endParaRPr>
+            </a:p>
+          </p:txBody>
+        </p:sp>
+        <p:sp>
+          <p:nvSpPr>
+            <p:cNvPr id="48" name="Rectangle 47"/>
+            <p:cNvSpPr/>
+            <p:nvPr/>
+          </p:nvSpPr>
+          <p:spPr>
+            <a:xfrm>
+              <a:off x="4188697" y="4030503"/>
+              <a:ext cx="203200" cy="203200"/>
+            </a:xfrm>
+            <a:prstGeom prst="rect">
+              <a:avLst/>
+            </a:prstGeom>
+            <a:solidFill>
+              <a:schemeClr val="bg1">
+                <a:lumMod val="65000"/>
+              </a:schemeClr>
+            </a:solidFill>
+            <a:ln w="28575">
+              <a:solidFill>
+                <a:schemeClr val="bg1"/>
+              </a:solidFill>
+            </a:ln>
+          </p:spPr>
+          <p:style>
+            <a:lnRef idx="2">
+              <a:schemeClr val="accent1">
+                <a:shade val="50000"/>
+              </a:schemeClr>
+            </a:lnRef>
+            <a:fillRef idx="1">
+              <a:schemeClr val="accent1"/>
+            </a:fillRef>
+            <a:effectRef idx="0">
+              <a:schemeClr val="accent1"/>
+            </a:effectRef>
+            <a:fontRef idx="minor">
+              <a:schemeClr val="lt1"/>
+            </a:fontRef>
+          </p:style>
+          <p:txBody>
+            <a:bodyPr rtlCol="0" anchor="ctr"/>
+            <a:lstStyle/>
+            <a:p>
+              <a:pPr algn="ctr"/>
+              <a:endParaRPr lang="en-US" sz="2400" dirty="0" smtClean="0">
+                <a:solidFill>
+                  <a:schemeClr val="bg1">
+                    <a:lumMod val="50000"/>
+                  </a:schemeClr>
+                </a:solidFill>
+                <a:latin typeface="Avenir Book" charset="0"/>
+                <a:ea typeface="Avenir Book" charset="0"/>
+                <a:cs typeface="Avenir Book" charset="0"/>
+              </a:endParaRPr>
+            </a:p>
+          </p:txBody>
+        </p:sp>
+        <p:sp>
+          <p:nvSpPr>
+            <p:cNvPr id="49" name="Oval 48"/>
+            <p:cNvSpPr/>
+            <p:nvPr/>
+          </p:nvSpPr>
+          <p:spPr>
+            <a:xfrm>
+              <a:off x="4438512" y="4039064"/>
+              <a:ext cx="176105" cy="176105"/>
+            </a:xfrm>
+            <a:prstGeom prst="ellipse">
+              <a:avLst/>
+            </a:prstGeom>
+            <a:solidFill>
+              <a:srgbClr val="FF0000"/>
+            </a:solidFill>
+            <a:ln w="28575">
+              <a:solidFill>
+                <a:srgbClr val="FF0000"/>
+              </a:solidFill>
+            </a:ln>
+          </p:spPr>
+          <p:style>
+            <a:lnRef idx="2">
+              <a:schemeClr val="accent1">
+                <a:shade val="50000"/>
+              </a:schemeClr>
+            </a:lnRef>
+            <a:fillRef idx="1">
+              <a:schemeClr val="accent1"/>
+            </a:fillRef>
+            <a:effectRef idx="0">
+              <a:schemeClr val="accent1"/>
+            </a:effectRef>
+            <a:fontRef idx="minor">
+              <a:schemeClr val="lt1"/>
+            </a:fontRef>
+          </p:style>
+          <p:txBody>
+            <a:bodyPr rtlCol="0" anchor="ctr"/>
+            <a:lstStyle/>
+            <a:p>
+              <a:pPr algn="ctr"/>
+              <a:endParaRPr lang="en-US" sz="2400" dirty="0" smtClean="0">
+                <a:solidFill>
+                  <a:schemeClr val="bg1">
+                    <a:lumMod val="50000"/>
+                  </a:schemeClr>
+                </a:solidFill>
+                <a:latin typeface="Avenir Book" charset="0"/>
+                <a:ea typeface="Avenir Book" charset="0"/>
+                <a:cs typeface="Avenir Book" charset="0"/>
+              </a:endParaRPr>
+            </a:p>
+          </p:txBody>
+        </p:sp>
+        <p:sp>
+          <p:nvSpPr>
+            <p:cNvPr id="50" name="Oval 49"/>
+            <p:cNvSpPr/>
+            <p:nvPr/>
+          </p:nvSpPr>
+          <p:spPr>
+            <a:xfrm>
+              <a:off x="4438512" y="4316769"/>
+              <a:ext cx="176105" cy="176105"/>
+            </a:xfrm>
+            <a:prstGeom prst="ellipse">
+              <a:avLst/>
+            </a:prstGeom>
+            <a:solidFill>
+              <a:schemeClr val="accent5"/>
+            </a:solidFill>
+            <a:ln w="28575">
+              <a:solidFill>
+                <a:schemeClr val="accent5"/>
+              </a:solidFill>
+            </a:ln>
+          </p:spPr>
+          <p:style>
+            <a:lnRef idx="2">
+              <a:schemeClr val="accent1">
+                <a:shade val="50000"/>
+              </a:schemeClr>
+            </a:lnRef>
+            <a:fillRef idx="1">
+              <a:schemeClr val="accent1"/>
+            </a:fillRef>
+            <a:effectRef idx="0">
+              <a:schemeClr val="accent1"/>
+            </a:effectRef>
+            <a:fontRef idx="minor">
+              <a:schemeClr val="lt1"/>
+            </a:fontRef>
+          </p:style>
+          <p:txBody>
+            <a:bodyPr rtlCol="0" anchor="ctr"/>
+            <a:lstStyle/>
+            <a:p>
+              <a:pPr algn="ctr"/>
+              <a:endParaRPr lang="en-US" sz="2400" dirty="0" smtClean="0">
+                <a:solidFill>
+                  <a:schemeClr val="bg1">
+                    <a:lumMod val="50000"/>
+                  </a:schemeClr>
+                </a:solidFill>
+                <a:latin typeface="Avenir Book" charset="0"/>
+                <a:ea typeface="Avenir Book" charset="0"/>
+                <a:cs typeface="Avenir Book" charset="0"/>
+              </a:endParaRPr>
+            </a:p>
+          </p:txBody>
+        </p:sp>
+        <p:sp>
+          <p:nvSpPr>
+            <p:cNvPr id="51" name="Rectangle 50"/>
+            <p:cNvSpPr/>
+            <p:nvPr/>
+          </p:nvSpPr>
+          <p:spPr>
+            <a:xfrm>
+              <a:off x="4188697" y="4316769"/>
+              <a:ext cx="203200" cy="203200"/>
+            </a:xfrm>
+            <a:prstGeom prst="rect">
+              <a:avLst/>
+            </a:prstGeom>
+            <a:solidFill>
+              <a:schemeClr val="bg1">
+                <a:lumMod val="65000"/>
+              </a:schemeClr>
+            </a:solidFill>
+            <a:ln w="28575">
+              <a:solidFill>
+                <a:schemeClr val="bg1"/>
+              </a:solidFill>
+            </a:ln>
+          </p:spPr>
+          <p:style>
+            <a:lnRef idx="2">
+              <a:schemeClr val="accent1">
+                <a:shade val="50000"/>
+              </a:schemeClr>
+            </a:lnRef>
+            <a:fillRef idx="1">
+              <a:schemeClr val="accent1"/>
+            </a:fillRef>
+            <a:effectRef idx="0">
+              <a:schemeClr val="accent1"/>
+            </a:effectRef>
+            <a:fontRef idx="minor">
+              <a:schemeClr val="lt1"/>
+            </a:fontRef>
+          </p:style>
+          <p:txBody>
+            <a:bodyPr rtlCol="0" anchor="ctr"/>
+            <a:lstStyle/>
+            <a:p>
+              <a:pPr algn="ctr"/>
+              <a:endParaRPr lang="en-US" sz="2400" dirty="0" smtClean="0">
+                <a:solidFill>
+                  <a:schemeClr val="bg1">
+                    <a:lumMod val="50000"/>
+                  </a:schemeClr>
+                </a:solidFill>
+                <a:latin typeface="Avenir Book" charset="0"/>
+                <a:ea typeface="Avenir Book" charset="0"/>
+                <a:cs typeface="Avenir Book" charset="0"/>
+              </a:endParaRPr>
+            </a:p>
+          </p:txBody>
+        </p:sp>
+        <p:sp>
+          <p:nvSpPr>
+            <p:cNvPr id="62" name="Oval 61"/>
+            <p:cNvSpPr/>
+            <p:nvPr/>
+          </p:nvSpPr>
+          <p:spPr>
+            <a:xfrm>
+              <a:off x="5547579" y="4326918"/>
+              <a:ext cx="176105" cy="176105"/>
+            </a:xfrm>
+            <a:prstGeom prst="ellipse">
+              <a:avLst/>
+            </a:prstGeom>
+            <a:solidFill>
+              <a:schemeClr val="accent5"/>
+            </a:solidFill>
+            <a:ln w="28575">
+              <a:solidFill>
+                <a:schemeClr val="accent5"/>
+              </a:solidFill>
+            </a:ln>
+          </p:spPr>
+          <p:style>
+            <a:lnRef idx="2">
+              <a:schemeClr val="accent1">
+                <a:shade val="50000"/>
+              </a:schemeClr>
+            </a:lnRef>
+            <a:fillRef idx="1">
+              <a:schemeClr val="accent1"/>
+            </a:fillRef>
+            <a:effectRef idx="0">
+              <a:schemeClr val="accent1"/>
+            </a:effectRef>
+            <a:fontRef idx="minor">
+              <a:schemeClr val="lt1"/>
+            </a:fontRef>
+          </p:style>
+          <p:txBody>
+            <a:bodyPr rtlCol="0" anchor="ctr"/>
+            <a:lstStyle/>
+            <a:p>
+              <a:pPr algn="ctr"/>
+              <a:endParaRPr lang="en-US" sz="2400" dirty="0" smtClean="0">
+                <a:solidFill>
+                  <a:schemeClr val="bg1">
+                    <a:lumMod val="50000"/>
+                  </a:schemeClr>
+                </a:solidFill>
+                <a:latin typeface="Avenir Book" charset="0"/>
+                <a:ea typeface="Avenir Book" charset="0"/>
+                <a:cs typeface="Avenir Book" charset="0"/>
+              </a:endParaRPr>
+            </a:p>
+          </p:txBody>
+        </p:sp>
+        <p:sp>
+          <p:nvSpPr>
+            <p:cNvPr id="63" name="Rectangle 62"/>
+            <p:cNvSpPr/>
+            <p:nvPr/>
+          </p:nvSpPr>
+          <p:spPr>
+            <a:xfrm>
+              <a:off x="5297764" y="4326918"/>
+              <a:ext cx="203200" cy="203200"/>
+            </a:xfrm>
+            <a:prstGeom prst="rect">
+              <a:avLst/>
+            </a:prstGeom>
+            <a:solidFill>
+              <a:srgbClr val="00B0F0"/>
+            </a:solidFill>
+            <a:ln w="28575">
+              <a:solidFill>
+                <a:schemeClr val="bg1"/>
+              </a:solidFill>
+            </a:ln>
+          </p:spPr>
+          <p:style>
+            <a:lnRef idx="2">
+              <a:schemeClr val="accent1">
+                <a:shade val="50000"/>
+              </a:schemeClr>
+            </a:lnRef>
+            <a:fillRef idx="1">
+              <a:schemeClr val="accent1"/>
+            </a:fillRef>
+            <a:effectRef idx="0">
+              <a:schemeClr val="accent1"/>
+            </a:effectRef>
+            <a:fontRef idx="minor">
+              <a:schemeClr val="lt1"/>
+            </a:fontRef>
+          </p:style>
+          <p:txBody>
+            <a:bodyPr rtlCol="0" anchor="ctr"/>
+            <a:lstStyle/>
+            <a:p>
+              <a:pPr algn="ctr"/>
+              <a:endParaRPr lang="en-US" sz="2400" dirty="0" smtClean="0">
+                <a:solidFill>
+                  <a:schemeClr val="bg1">
+                    <a:lumMod val="50000"/>
+                  </a:schemeClr>
+                </a:solidFill>
+                <a:latin typeface="Avenir Book" charset="0"/>
+                <a:ea typeface="Avenir Book" charset="0"/>
+                <a:cs typeface="Avenir Book" charset="0"/>
+              </a:endParaRPr>
+            </a:p>
+          </p:txBody>
+        </p:sp>
+        <p:sp>
+          <p:nvSpPr>
+            <p:cNvPr id="68" name="Rectangle 67"/>
+            <p:cNvSpPr/>
+            <p:nvPr/>
+          </p:nvSpPr>
+          <p:spPr>
+            <a:xfrm>
+              <a:off x="5967034" y="4021942"/>
+              <a:ext cx="203200" cy="203200"/>
+            </a:xfrm>
+            <a:prstGeom prst="rect">
+              <a:avLst/>
+            </a:prstGeom>
+            <a:solidFill>
+              <a:schemeClr val="bg1">
+                <a:lumMod val="65000"/>
+              </a:schemeClr>
+            </a:solidFill>
+            <a:ln w="28575">
+              <a:solidFill>
+                <a:schemeClr val="bg1"/>
+              </a:solidFill>
+            </a:ln>
+          </p:spPr>
+          <p:style>
+            <a:lnRef idx="2">
+              <a:schemeClr val="accent1">
+                <a:shade val="50000"/>
+              </a:schemeClr>
+            </a:lnRef>
+            <a:fillRef idx="1">
+              <a:schemeClr val="accent1"/>
+            </a:fillRef>
+            <a:effectRef idx="0">
+              <a:schemeClr val="accent1"/>
+            </a:effectRef>
+            <a:fontRef idx="minor">
+              <a:schemeClr val="lt1"/>
+            </a:fontRef>
+          </p:style>
+          <p:txBody>
+            <a:bodyPr rtlCol="0" anchor="ctr"/>
+            <a:lstStyle/>
+            <a:p>
+              <a:pPr algn="ctr"/>
+              <a:endParaRPr lang="en-US" sz="2400" dirty="0" smtClean="0">
+                <a:solidFill>
+                  <a:schemeClr val="bg1">
+                    <a:lumMod val="50000"/>
+                  </a:schemeClr>
+                </a:solidFill>
+                <a:latin typeface="Avenir Book" charset="0"/>
+                <a:ea typeface="Avenir Book" charset="0"/>
+                <a:cs typeface="Avenir Book" charset="0"/>
+              </a:endParaRPr>
+            </a:p>
+          </p:txBody>
+        </p:sp>
+        <p:sp>
+          <p:nvSpPr>
+            <p:cNvPr id="69" name="Oval 68"/>
+            <p:cNvSpPr/>
+            <p:nvPr/>
+          </p:nvSpPr>
+          <p:spPr>
+            <a:xfrm>
+              <a:off x="6216849" y="4030503"/>
+              <a:ext cx="176105" cy="176105"/>
+            </a:xfrm>
+            <a:prstGeom prst="ellipse">
+              <a:avLst/>
+            </a:prstGeom>
+            <a:solidFill>
+              <a:srgbClr val="FF0000"/>
+            </a:solidFill>
+            <a:ln w="28575">
+              <a:solidFill>
+                <a:srgbClr val="FF0000"/>
+              </a:solidFill>
+            </a:ln>
+          </p:spPr>
+          <p:style>
+            <a:lnRef idx="2">
+              <a:schemeClr val="accent1">
+                <a:shade val="50000"/>
+              </a:schemeClr>
+            </a:lnRef>
+            <a:fillRef idx="1">
+              <a:schemeClr val="accent1"/>
+            </a:fillRef>
+            <a:effectRef idx="0">
+              <a:schemeClr val="accent1"/>
+            </a:effectRef>
+            <a:fontRef idx="minor">
+              <a:schemeClr val="lt1"/>
+            </a:fontRef>
+          </p:style>
+          <p:txBody>
+            <a:bodyPr rtlCol="0" anchor="ctr"/>
+            <a:lstStyle/>
+            <a:p>
+              <a:pPr algn="ctr"/>
+              <a:endParaRPr lang="en-US" sz="2400" dirty="0" smtClean="0">
+                <a:solidFill>
+                  <a:schemeClr val="bg1">
+                    <a:lumMod val="50000"/>
+                  </a:schemeClr>
+                </a:solidFill>
+                <a:latin typeface="Avenir Book" charset="0"/>
+                <a:ea typeface="Avenir Book" charset="0"/>
+                <a:cs typeface="Avenir Book" charset="0"/>
+              </a:endParaRPr>
+            </a:p>
+          </p:txBody>
+        </p:sp>
+        <p:sp>
+          <p:nvSpPr>
+            <p:cNvPr id="100" name="Rectangle 99"/>
+            <p:cNvSpPr/>
+            <p:nvPr/>
+          </p:nvSpPr>
+          <p:spPr>
+            <a:xfrm>
+              <a:off x="5297119" y="4021942"/>
+              <a:ext cx="203200" cy="203200"/>
+            </a:xfrm>
+            <a:prstGeom prst="rect">
+              <a:avLst/>
+            </a:prstGeom>
+            <a:solidFill>
+              <a:srgbClr val="00B0F0"/>
+            </a:solidFill>
+            <a:ln w="28575">
+              <a:solidFill>
+                <a:schemeClr val="bg1"/>
+              </a:solidFill>
+            </a:ln>
+          </p:spPr>
+          <p:style>
+            <a:lnRef idx="2">
+              <a:schemeClr val="accent1">
+                <a:shade val="50000"/>
+              </a:schemeClr>
+            </a:lnRef>
+            <a:fillRef idx="1">
+              <a:schemeClr val="accent1"/>
+            </a:fillRef>
+            <a:effectRef idx="0">
+              <a:schemeClr val="accent1"/>
+            </a:effectRef>
+            <a:fontRef idx="minor">
+              <a:schemeClr val="lt1"/>
+            </a:fontRef>
+          </p:style>
+          <p:txBody>
+            <a:bodyPr rtlCol="0" anchor="ctr"/>
+            <a:lstStyle/>
+            <a:p>
+              <a:pPr algn="ctr"/>
+              <a:endParaRPr lang="en-US" sz="2400" dirty="0" smtClean="0">
+                <a:solidFill>
+                  <a:schemeClr val="bg1">
+                    <a:lumMod val="50000"/>
+                  </a:schemeClr>
+                </a:solidFill>
+                <a:latin typeface="Avenir Book" charset="0"/>
+                <a:ea typeface="Avenir Book" charset="0"/>
+                <a:cs typeface="Avenir Book" charset="0"/>
+              </a:endParaRPr>
+            </a:p>
+          </p:txBody>
+        </p:sp>
+        <p:sp>
+          <p:nvSpPr>
+            <p:cNvPr id="101" name="Oval 100"/>
+            <p:cNvSpPr/>
+            <p:nvPr/>
+          </p:nvSpPr>
+          <p:spPr>
+            <a:xfrm>
+              <a:off x="5546934" y="4030503"/>
+              <a:ext cx="176105" cy="176105"/>
+            </a:xfrm>
+            <a:prstGeom prst="ellipse">
+              <a:avLst/>
+            </a:prstGeom>
+            <a:solidFill>
+              <a:srgbClr val="FF0000"/>
+            </a:solidFill>
+            <a:ln w="28575">
+              <a:solidFill>
+                <a:srgbClr val="FF0000"/>
+              </a:solidFill>
+            </a:ln>
+          </p:spPr>
+          <p:style>
+            <a:lnRef idx="2">
+              <a:schemeClr val="accent1">
+                <a:shade val="50000"/>
+              </a:schemeClr>
+            </a:lnRef>
+            <a:fillRef idx="1">
+              <a:schemeClr val="accent1"/>
+            </a:fillRef>
+            <a:effectRef idx="0">
+              <a:schemeClr val="accent1"/>
+            </a:effectRef>
+            <a:fontRef idx="minor">
+              <a:schemeClr val="lt1"/>
+            </a:fontRef>
+          </p:style>
+          <p:txBody>
+            <a:bodyPr rtlCol="0" anchor="ctr"/>
+            <a:lstStyle/>
+            <a:p>
+              <a:pPr algn="ctr"/>
+              <a:endParaRPr lang="en-US" sz="2400" dirty="0" smtClean="0">
+                <a:solidFill>
+                  <a:schemeClr val="bg1">
+                    <a:lumMod val="50000"/>
+                  </a:schemeClr>
+                </a:solidFill>
+                <a:latin typeface="Avenir Book" charset="0"/>
+                <a:ea typeface="Avenir Book" charset="0"/>
+                <a:cs typeface="Avenir Book" charset="0"/>
+              </a:endParaRPr>
+            </a:p>
+          </p:txBody>
+        </p:sp>
+        <p:sp>
+          <p:nvSpPr>
+            <p:cNvPr id="85" name="Rectangle 84"/>
+            <p:cNvSpPr/>
+            <p:nvPr/>
+          </p:nvSpPr>
+          <p:spPr>
+            <a:xfrm>
+              <a:off x="8334598" y="4021942"/>
+              <a:ext cx="203200" cy="203200"/>
+            </a:xfrm>
+            <a:prstGeom prst="rect">
+              <a:avLst/>
+            </a:prstGeom>
+            <a:solidFill>
+              <a:schemeClr val="bg1">
+                <a:lumMod val="65000"/>
+              </a:schemeClr>
+            </a:solidFill>
+            <a:ln w="28575">
+              <a:solidFill>
+                <a:schemeClr val="bg1"/>
+              </a:solidFill>
+            </a:ln>
+          </p:spPr>
+          <p:style>
+            <a:lnRef idx="2">
+              <a:schemeClr val="accent1">
+                <a:shade val="50000"/>
+              </a:schemeClr>
+            </a:lnRef>
+            <a:fillRef idx="1">
+              <a:schemeClr val="accent1"/>
+            </a:fillRef>
+            <a:effectRef idx="0">
+              <a:schemeClr val="accent1"/>
+            </a:effectRef>
+            <a:fontRef idx="minor">
+              <a:schemeClr val="lt1"/>
+            </a:fontRef>
+          </p:style>
+          <p:txBody>
+            <a:bodyPr rtlCol="0" anchor="ctr"/>
+            <a:lstStyle/>
+            <a:p>
+              <a:pPr algn="ctr"/>
+              <a:endParaRPr lang="en-US" sz="2400" dirty="0" smtClean="0">
+                <a:solidFill>
+                  <a:schemeClr val="bg1">
+                    <a:lumMod val="50000"/>
+                  </a:schemeClr>
+                </a:solidFill>
+                <a:latin typeface="Avenir Book" charset="0"/>
+                <a:ea typeface="Avenir Book" charset="0"/>
+                <a:cs typeface="Avenir Book" charset="0"/>
+              </a:endParaRPr>
+            </a:p>
+          </p:txBody>
+        </p:sp>
+        <p:sp>
+          <p:nvSpPr>
+            <p:cNvPr id="86" name="Oval 85"/>
+            <p:cNvSpPr/>
+            <p:nvPr/>
+          </p:nvSpPr>
+          <p:spPr>
+            <a:xfrm>
+              <a:off x="8584413" y="4030503"/>
+              <a:ext cx="176105" cy="176105"/>
+            </a:xfrm>
+            <a:prstGeom prst="ellipse">
+              <a:avLst/>
+            </a:prstGeom>
+            <a:solidFill>
+              <a:srgbClr val="FF0000"/>
+            </a:solidFill>
+            <a:ln w="28575">
+              <a:solidFill>
+                <a:srgbClr val="FF0000"/>
+              </a:solidFill>
+            </a:ln>
+          </p:spPr>
+          <p:style>
+            <a:lnRef idx="2">
+              <a:schemeClr val="accent1">
+                <a:shade val="50000"/>
+              </a:schemeClr>
+            </a:lnRef>
+            <a:fillRef idx="1">
+              <a:schemeClr val="accent1"/>
+            </a:fillRef>
+            <a:effectRef idx="0">
+              <a:schemeClr val="accent1"/>
+            </a:effectRef>
+            <a:fontRef idx="minor">
+              <a:schemeClr val="lt1"/>
+            </a:fontRef>
+          </p:style>
+          <p:txBody>
+            <a:bodyPr rtlCol="0" anchor="ctr"/>
+            <a:lstStyle/>
+            <a:p>
+              <a:pPr algn="ctr"/>
+              <a:endParaRPr lang="en-US" sz="2400" dirty="0" smtClean="0">
+                <a:solidFill>
+                  <a:schemeClr val="bg1">
+                    <a:lumMod val="50000"/>
+                  </a:schemeClr>
+                </a:solidFill>
+                <a:latin typeface="Avenir Book" charset="0"/>
+                <a:ea typeface="Avenir Book" charset="0"/>
+                <a:cs typeface="Avenir Book" charset="0"/>
+              </a:endParaRPr>
+            </a:p>
+          </p:txBody>
+        </p:sp>
+        <p:sp>
+          <p:nvSpPr>
+            <p:cNvPr id="102" name="Oval 101"/>
+            <p:cNvSpPr/>
+            <p:nvPr/>
+          </p:nvSpPr>
+          <p:spPr>
+            <a:xfrm>
+              <a:off x="7910889" y="4331751"/>
+              <a:ext cx="176105" cy="176105"/>
+            </a:xfrm>
+            <a:prstGeom prst="ellipse">
+              <a:avLst/>
+            </a:prstGeom>
+            <a:solidFill>
+              <a:schemeClr val="accent5"/>
+            </a:solidFill>
+            <a:ln w="28575">
+              <a:solidFill>
+                <a:schemeClr val="accent5"/>
+              </a:solidFill>
+            </a:ln>
+          </p:spPr>
+          <p:style>
+            <a:lnRef idx="2">
+              <a:schemeClr val="accent1">
+                <a:shade val="50000"/>
+              </a:schemeClr>
+            </a:lnRef>
+            <a:fillRef idx="1">
+              <a:schemeClr val="accent1"/>
+            </a:fillRef>
+            <a:effectRef idx="0">
+              <a:schemeClr val="accent1"/>
+            </a:effectRef>
+            <a:fontRef idx="minor">
+              <a:schemeClr val="lt1"/>
+            </a:fontRef>
+          </p:style>
+          <p:txBody>
+            <a:bodyPr rtlCol="0" anchor="ctr"/>
+            <a:lstStyle/>
+            <a:p>
+              <a:pPr algn="ctr"/>
+              <a:endParaRPr lang="en-US" sz="2400" dirty="0" smtClean="0">
+                <a:solidFill>
+                  <a:schemeClr val="bg1">
+                    <a:lumMod val="50000"/>
+                  </a:schemeClr>
+                </a:solidFill>
+                <a:latin typeface="Avenir Book" charset="0"/>
+                <a:ea typeface="Avenir Book" charset="0"/>
+                <a:cs typeface="Avenir Book" charset="0"/>
+              </a:endParaRPr>
+            </a:p>
+          </p:txBody>
+        </p:sp>
+        <p:sp>
+          <p:nvSpPr>
+            <p:cNvPr id="103" name="Rectangle 102"/>
+            <p:cNvSpPr/>
+            <p:nvPr/>
+          </p:nvSpPr>
+          <p:spPr>
+            <a:xfrm>
+              <a:off x="7661074" y="4331751"/>
+              <a:ext cx="203200" cy="203200"/>
+            </a:xfrm>
+            <a:prstGeom prst="rect">
+              <a:avLst/>
+            </a:prstGeom>
+            <a:solidFill>
+              <a:srgbClr val="00B0F0"/>
+            </a:solidFill>
+            <a:ln w="28575">
+              <a:solidFill>
+                <a:schemeClr val="bg1"/>
+              </a:solidFill>
+            </a:ln>
+          </p:spPr>
+          <p:style>
+            <a:lnRef idx="2">
+              <a:schemeClr val="accent1">
+                <a:shade val="50000"/>
+              </a:schemeClr>
+            </a:lnRef>
+            <a:fillRef idx="1">
+              <a:schemeClr val="accent1"/>
+            </a:fillRef>
+            <a:effectRef idx="0">
+              <a:schemeClr val="accent1"/>
+            </a:effectRef>
+            <a:fontRef idx="minor">
+              <a:schemeClr val="lt1"/>
+            </a:fontRef>
+          </p:style>
+          <p:txBody>
+            <a:bodyPr rtlCol="0" anchor="ctr"/>
+            <a:lstStyle/>
+            <a:p>
+              <a:pPr algn="ctr"/>
+              <a:endParaRPr lang="en-US" sz="2400" dirty="0" smtClean="0">
+                <a:solidFill>
+                  <a:schemeClr val="bg1">
+                    <a:lumMod val="50000"/>
+                  </a:schemeClr>
+                </a:solidFill>
+                <a:latin typeface="Avenir Book" charset="0"/>
+                <a:ea typeface="Avenir Book" charset="0"/>
+                <a:cs typeface="Avenir Book" charset="0"/>
+              </a:endParaRPr>
+            </a:p>
+          </p:txBody>
+        </p:sp>
+        <p:sp>
+          <p:nvSpPr>
+            <p:cNvPr id="106" name="Rectangle 105"/>
+            <p:cNvSpPr/>
+            <p:nvPr/>
+          </p:nvSpPr>
+          <p:spPr>
+            <a:xfrm>
+              <a:off x="7660429" y="4026775"/>
+              <a:ext cx="203200" cy="203200"/>
+            </a:xfrm>
+            <a:prstGeom prst="rect">
+              <a:avLst/>
+            </a:prstGeom>
+            <a:solidFill>
+              <a:srgbClr val="00B0F0"/>
+            </a:solidFill>
+            <a:ln w="28575">
+              <a:solidFill>
+                <a:schemeClr val="bg1"/>
+              </a:solidFill>
+            </a:ln>
+          </p:spPr>
+          <p:style>
+            <a:lnRef idx="2">
+              <a:schemeClr val="accent1">
+                <a:shade val="50000"/>
+              </a:schemeClr>
+            </a:lnRef>
+            <a:fillRef idx="1">
+              <a:schemeClr val="accent1"/>
+            </a:fillRef>
+            <a:effectRef idx="0">
+              <a:schemeClr val="accent1"/>
+            </a:effectRef>
+            <a:fontRef idx="minor">
+              <a:schemeClr val="lt1"/>
+            </a:fontRef>
+          </p:style>
+          <p:txBody>
+            <a:bodyPr rtlCol="0" anchor="ctr"/>
+            <a:lstStyle/>
+            <a:p>
+              <a:pPr algn="ctr"/>
+              <a:endParaRPr lang="en-US" sz="2400" dirty="0" smtClean="0">
+                <a:solidFill>
+                  <a:schemeClr val="bg1">
+                    <a:lumMod val="50000"/>
+                  </a:schemeClr>
+                </a:solidFill>
+                <a:latin typeface="Avenir Book" charset="0"/>
+                <a:ea typeface="Avenir Book" charset="0"/>
+                <a:cs typeface="Avenir Book" charset="0"/>
+              </a:endParaRPr>
+            </a:p>
+          </p:txBody>
+        </p:sp>
+        <p:sp>
+          <p:nvSpPr>
+            <p:cNvPr id="107" name="Oval 106"/>
+            <p:cNvSpPr/>
+            <p:nvPr/>
+          </p:nvSpPr>
+          <p:spPr>
+            <a:xfrm>
+              <a:off x="7910244" y="4035336"/>
+              <a:ext cx="176105" cy="176105"/>
+            </a:xfrm>
+            <a:prstGeom prst="ellipse">
+              <a:avLst/>
+            </a:prstGeom>
+            <a:solidFill>
+              <a:srgbClr val="FF0000"/>
+            </a:solidFill>
+            <a:ln w="28575">
+              <a:solidFill>
+                <a:srgbClr val="FF0000"/>
+              </a:solidFill>
+            </a:ln>
+          </p:spPr>
+          <p:style>
+            <a:lnRef idx="2">
+              <a:schemeClr val="accent1">
+                <a:shade val="50000"/>
+              </a:schemeClr>
+            </a:lnRef>
+            <a:fillRef idx="1">
+              <a:schemeClr val="accent1"/>
+            </a:fillRef>
+            <a:effectRef idx="0">
+              <a:schemeClr val="accent1"/>
+            </a:effectRef>
+            <a:fontRef idx="minor">
+              <a:schemeClr val="lt1"/>
+            </a:fontRef>
+          </p:style>
+          <p:txBody>
+            <a:bodyPr rtlCol="0" anchor="ctr"/>
+            <a:lstStyle/>
+            <a:p>
+              <a:pPr algn="ctr"/>
+              <a:endParaRPr lang="en-US" sz="2400" dirty="0" smtClean="0">
+                <a:solidFill>
+                  <a:schemeClr val="bg1">
+                    <a:lumMod val="50000"/>
+                  </a:schemeClr>
+                </a:solidFill>
+                <a:latin typeface="Avenir Book" charset="0"/>
+                <a:ea typeface="Avenir Book" charset="0"/>
+                <a:cs typeface="Avenir Book" charset="0"/>
+              </a:endParaRPr>
+            </a:p>
+          </p:txBody>
+        </p:sp>
+        <p:cxnSp>
+          <p:nvCxnSpPr>
+            <p:cNvPr id="112" name="Straight Arrow Connector 111"/>
+            <p:cNvCxnSpPr/>
+            <p:nvPr/>
+          </p:nvCxnSpPr>
+          <p:spPr>
+            <a:xfrm flipV="1">
+              <a:off x="4786133" y="4275448"/>
+              <a:ext cx="342838" cy="1"/>
+            </a:xfrm>
+            <a:prstGeom prst="straightConnector1">
+              <a:avLst/>
+            </a:prstGeom>
+            <a:ln w="28575">
+              <a:solidFill>
+                <a:schemeClr val="bg1">
+                  <a:lumMod val="50000"/>
+                </a:schemeClr>
+              </a:solidFill>
+              <a:headEnd type="none" w="med" len="med"/>
+              <a:tailEnd type="triangle"/>
+            </a:ln>
+          </p:spPr>
+          <p:style>
+            <a:lnRef idx="1">
+              <a:schemeClr val="accent1"/>
+            </a:lnRef>
+            <a:fillRef idx="0">
+              <a:schemeClr val="accent1"/>
+            </a:fillRef>
+            <a:effectRef idx="0">
+              <a:schemeClr val="accent1"/>
+            </a:effectRef>
+            <a:fontRef idx="minor">
+              <a:schemeClr val="tx1"/>
+            </a:fontRef>
+          </p:style>
+        </p:cxnSp>
+        <p:sp>
+          <p:nvSpPr>
+            <p:cNvPr id="127" name="Rectangle 126"/>
+            <p:cNvSpPr/>
+            <p:nvPr/>
+          </p:nvSpPr>
+          <p:spPr>
+            <a:xfrm>
+              <a:off x="2223353" y="4048771"/>
+              <a:ext cx="203200" cy="203200"/>
+            </a:xfrm>
+            <a:prstGeom prst="rect">
+              <a:avLst/>
+            </a:prstGeom>
+            <a:solidFill>
+              <a:srgbClr val="00B0F0"/>
+            </a:solidFill>
+            <a:ln w="28575">
+              <a:solidFill>
+                <a:schemeClr val="bg1"/>
+              </a:solidFill>
+            </a:ln>
+          </p:spPr>
+          <p:style>
+            <a:lnRef idx="2">
+              <a:schemeClr val="accent1">
+                <a:shade val="50000"/>
+              </a:schemeClr>
+            </a:lnRef>
+            <a:fillRef idx="1">
+              <a:schemeClr val="accent1"/>
+            </a:fillRef>
+            <a:effectRef idx="0">
+              <a:schemeClr val="accent1"/>
+            </a:effectRef>
+            <a:fontRef idx="minor">
+              <a:schemeClr val="lt1"/>
+            </a:fontRef>
+          </p:style>
+          <p:txBody>
+            <a:bodyPr rtlCol="0" anchor="ctr"/>
+            <a:lstStyle/>
+            <a:p>
+              <a:pPr algn="ctr"/>
+              <a:endParaRPr lang="en-US" sz="2400" dirty="0" smtClean="0">
+                <a:solidFill>
+                  <a:schemeClr val="bg1">
+                    <a:lumMod val="50000"/>
+                  </a:schemeClr>
+                </a:solidFill>
+                <a:latin typeface="Avenir Book" charset="0"/>
+                <a:ea typeface="Avenir Book" charset="0"/>
+                <a:cs typeface="Avenir Book" charset="0"/>
+              </a:endParaRPr>
+            </a:p>
+          </p:txBody>
+        </p:sp>
+        <p:sp>
+          <p:nvSpPr>
+            <p:cNvPr id="128" name="Rectangle 127"/>
+            <p:cNvSpPr/>
+            <p:nvPr/>
+          </p:nvSpPr>
+          <p:spPr>
+            <a:xfrm>
+              <a:off x="2516863" y="4048771"/>
+              <a:ext cx="203200" cy="203200"/>
+            </a:xfrm>
+            <a:prstGeom prst="rect">
+              <a:avLst/>
+            </a:prstGeom>
+            <a:solidFill>
+              <a:schemeClr val="bg1">
+                <a:lumMod val="65000"/>
+              </a:schemeClr>
+            </a:solidFill>
+            <a:ln w="28575">
+              <a:solidFill>
+                <a:schemeClr val="bg1"/>
+              </a:solidFill>
+            </a:ln>
+          </p:spPr>
+          <p:style>
+            <a:lnRef idx="2">
+              <a:schemeClr val="accent1">
+                <a:shade val="50000"/>
+              </a:schemeClr>
+            </a:lnRef>
+            <a:fillRef idx="1">
+              <a:schemeClr val="accent1"/>
+            </a:fillRef>
+            <a:effectRef idx="0">
+              <a:schemeClr val="accent1"/>
+            </a:effectRef>
+            <a:fontRef idx="minor">
+              <a:schemeClr val="lt1"/>
+            </a:fontRef>
+          </p:style>
+          <p:txBody>
+            <a:bodyPr rtlCol="0" anchor="ctr"/>
+            <a:lstStyle/>
+            <a:p>
+              <a:pPr algn="ctr"/>
+              <a:endParaRPr lang="en-US" sz="2400" dirty="0" smtClean="0">
+                <a:solidFill>
+                  <a:schemeClr val="bg1">
+                    <a:lumMod val="50000"/>
+                  </a:schemeClr>
+                </a:solidFill>
+                <a:latin typeface="Avenir Book" charset="0"/>
+                <a:ea typeface="Avenir Book" charset="0"/>
+                <a:cs typeface="Avenir Book" charset="0"/>
+              </a:endParaRPr>
+            </a:p>
+          </p:txBody>
+        </p:sp>
+        <p:sp>
+          <p:nvSpPr>
+            <p:cNvPr id="123" name="Oval 122"/>
+            <p:cNvSpPr/>
+            <p:nvPr/>
+          </p:nvSpPr>
+          <p:spPr>
+            <a:xfrm>
+              <a:off x="10224765" y="4331751"/>
+              <a:ext cx="176105" cy="176105"/>
+            </a:xfrm>
+            <a:prstGeom prst="ellipse">
+              <a:avLst/>
+            </a:prstGeom>
+            <a:solidFill>
+              <a:schemeClr val="accent5"/>
+            </a:solidFill>
+            <a:ln w="28575">
+              <a:solidFill>
+                <a:schemeClr val="accent5"/>
+              </a:solidFill>
+            </a:ln>
+          </p:spPr>
+          <p:style>
+            <a:lnRef idx="2">
+              <a:schemeClr val="accent1">
+                <a:shade val="50000"/>
+              </a:schemeClr>
+            </a:lnRef>
+            <a:fillRef idx="1">
+              <a:schemeClr val="accent1"/>
+            </a:fillRef>
+            <a:effectRef idx="0">
+              <a:schemeClr val="accent1"/>
+            </a:effectRef>
+            <a:fontRef idx="minor">
+              <a:schemeClr val="lt1"/>
+            </a:fontRef>
+          </p:style>
+          <p:txBody>
+            <a:bodyPr rtlCol="0" anchor="ctr"/>
+            <a:lstStyle/>
+            <a:p>
+              <a:pPr algn="ctr"/>
+              <a:endParaRPr lang="en-US" sz="2400" dirty="0" smtClean="0">
+                <a:solidFill>
+                  <a:schemeClr val="bg1">
+                    <a:lumMod val="50000"/>
+                  </a:schemeClr>
+                </a:solidFill>
+                <a:latin typeface="Avenir Book" charset="0"/>
+                <a:ea typeface="Avenir Book" charset="0"/>
+                <a:cs typeface="Avenir Book" charset="0"/>
+              </a:endParaRPr>
+            </a:p>
+          </p:txBody>
+        </p:sp>
+        <p:sp>
+          <p:nvSpPr>
+            <p:cNvPr id="124" name="Rectangle 123"/>
+            <p:cNvSpPr/>
+            <p:nvPr/>
+          </p:nvSpPr>
+          <p:spPr>
+            <a:xfrm>
+              <a:off x="9974950" y="4331751"/>
+              <a:ext cx="203200" cy="203200"/>
+            </a:xfrm>
+            <a:prstGeom prst="rect">
+              <a:avLst/>
+            </a:prstGeom>
+            <a:solidFill>
+              <a:srgbClr val="00B0F0"/>
+            </a:solidFill>
+            <a:ln w="28575">
+              <a:solidFill>
+                <a:schemeClr val="bg1"/>
+              </a:solidFill>
+            </a:ln>
+          </p:spPr>
+          <p:style>
+            <a:lnRef idx="2">
+              <a:schemeClr val="accent1">
+                <a:shade val="50000"/>
+              </a:schemeClr>
+            </a:lnRef>
+            <a:fillRef idx="1">
+              <a:schemeClr val="accent1"/>
+            </a:fillRef>
+            <a:effectRef idx="0">
+              <a:schemeClr val="accent1"/>
+            </a:effectRef>
+            <a:fontRef idx="minor">
+              <a:schemeClr val="lt1"/>
+            </a:fontRef>
+          </p:style>
+          <p:txBody>
+            <a:bodyPr rtlCol="0" anchor="ctr"/>
+            <a:lstStyle/>
+            <a:p>
+              <a:pPr algn="ctr"/>
+              <a:endParaRPr lang="en-US" sz="2400" dirty="0" smtClean="0">
+                <a:solidFill>
+                  <a:schemeClr val="bg1">
+                    <a:lumMod val="50000"/>
+                  </a:schemeClr>
+                </a:solidFill>
+                <a:latin typeface="Avenir Book" charset="0"/>
+                <a:ea typeface="Avenir Book" charset="0"/>
+                <a:cs typeface="Avenir Book" charset="0"/>
+              </a:endParaRPr>
+            </a:p>
+          </p:txBody>
+        </p:sp>
+        <p:sp>
+          <p:nvSpPr>
+            <p:cNvPr id="125" name="Rectangle 124"/>
+            <p:cNvSpPr/>
+            <p:nvPr/>
+          </p:nvSpPr>
+          <p:spPr>
+            <a:xfrm>
+              <a:off x="9974305" y="4026775"/>
+              <a:ext cx="203200" cy="203200"/>
+            </a:xfrm>
+            <a:prstGeom prst="rect">
+              <a:avLst/>
+            </a:prstGeom>
+            <a:solidFill>
+              <a:srgbClr val="00B0F0"/>
+            </a:solidFill>
+            <a:ln w="28575">
+              <a:solidFill>
+                <a:schemeClr val="bg1"/>
+              </a:solidFill>
+            </a:ln>
+          </p:spPr>
+          <p:style>
+            <a:lnRef idx="2">
+              <a:schemeClr val="accent1">
+                <a:shade val="50000"/>
+              </a:schemeClr>
+            </a:lnRef>
+            <a:fillRef idx="1">
+              <a:schemeClr val="accent1"/>
+            </a:fillRef>
+            <a:effectRef idx="0">
+              <a:schemeClr val="accent1"/>
+            </a:effectRef>
+            <a:fontRef idx="minor">
+              <a:schemeClr val="lt1"/>
+            </a:fontRef>
+          </p:style>
+          <p:txBody>
+            <a:bodyPr rtlCol="0" anchor="ctr"/>
+            <a:lstStyle/>
+            <a:p>
+              <a:pPr algn="ctr"/>
+              <a:endParaRPr lang="en-US" sz="2400" dirty="0" smtClean="0">
+                <a:solidFill>
+                  <a:schemeClr val="bg1">
+                    <a:lumMod val="50000"/>
+                  </a:schemeClr>
+                </a:solidFill>
+                <a:latin typeface="Avenir Book" charset="0"/>
+                <a:ea typeface="Avenir Book" charset="0"/>
+                <a:cs typeface="Avenir Book" charset="0"/>
+              </a:endParaRPr>
+            </a:p>
+          </p:txBody>
+        </p:sp>
+        <p:sp>
+          <p:nvSpPr>
+            <p:cNvPr id="126" name="Oval 125"/>
+            <p:cNvSpPr/>
+            <p:nvPr/>
+          </p:nvSpPr>
+          <p:spPr>
+            <a:xfrm>
+              <a:off x="10224120" y="4035336"/>
+              <a:ext cx="176105" cy="176105"/>
+            </a:xfrm>
+            <a:prstGeom prst="ellipse">
+              <a:avLst/>
+            </a:prstGeom>
+            <a:solidFill>
+              <a:srgbClr val="FF0000"/>
+            </a:solidFill>
+            <a:ln w="28575">
+              <a:solidFill>
+                <a:srgbClr val="FF0000"/>
+              </a:solidFill>
+            </a:ln>
+          </p:spPr>
+          <p:style>
+            <a:lnRef idx="2">
+              <a:schemeClr val="accent1">
+                <a:shade val="50000"/>
+              </a:schemeClr>
+            </a:lnRef>
+            <a:fillRef idx="1">
+              <a:schemeClr val="accent1"/>
+            </a:fillRef>
+            <a:effectRef idx="0">
+              <a:schemeClr val="accent1"/>
+            </a:effectRef>
+            <a:fontRef idx="minor">
+              <a:schemeClr val="lt1"/>
+            </a:fontRef>
+          </p:style>
+          <p:txBody>
+            <a:bodyPr rtlCol="0" anchor="ctr"/>
+            <a:lstStyle/>
+            <a:p>
+              <a:pPr algn="ctr"/>
+              <a:endParaRPr lang="en-US" sz="2400" dirty="0" smtClean="0">
+                <a:solidFill>
+                  <a:schemeClr val="bg1">
+                    <a:lumMod val="50000"/>
+                  </a:schemeClr>
+                </a:solidFill>
+                <a:latin typeface="Avenir Book" charset="0"/>
+                <a:ea typeface="Avenir Book" charset="0"/>
+                <a:cs typeface="Avenir Book" charset="0"/>
+              </a:endParaRPr>
+            </a:p>
+          </p:txBody>
+        </p:sp>
+      </p:grpSp>
+      <p:grpSp>
+        <p:nvGrpSpPr>
+          <p:cNvPr id="140" name="Group 139"/>
+          <p:cNvGrpSpPr/>
+          <p:nvPr/>
+        </p:nvGrpSpPr>
+        <p:grpSpPr>
+          <a:xfrm>
+            <a:off x="2223353" y="2697679"/>
+            <a:ext cx="8845148" cy="516737"/>
+            <a:chOff x="2223353" y="2643614"/>
+            <a:chExt cx="8845148" cy="516737"/>
+          </a:xfrm>
+        </p:grpSpPr>
+        <p:sp>
+          <p:nvSpPr>
+            <p:cNvPr id="20" name="Rectangle 19"/>
+            <p:cNvSpPr/>
+            <p:nvPr/>
+          </p:nvSpPr>
+          <p:spPr>
+            <a:xfrm>
+              <a:off x="3518782" y="2670885"/>
+              <a:ext cx="203200" cy="203200"/>
+            </a:xfrm>
+            <a:prstGeom prst="rect">
+              <a:avLst/>
+            </a:prstGeom>
+            <a:solidFill>
+              <a:srgbClr val="00B0F0"/>
+            </a:solidFill>
+            <a:ln w="28575">
+              <a:solidFill>
+                <a:schemeClr val="bg1"/>
+              </a:solidFill>
+            </a:ln>
+          </p:spPr>
+          <p:style>
+            <a:lnRef idx="2">
+              <a:schemeClr val="accent1">
+                <a:shade val="50000"/>
+              </a:schemeClr>
+            </a:lnRef>
+            <a:fillRef idx="1">
+              <a:schemeClr val="accent1"/>
+            </a:fillRef>
+            <a:effectRef idx="0">
+              <a:schemeClr val="accent1"/>
+            </a:effectRef>
+            <a:fontRef idx="minor">
+              <a:schemeClr val="lt1"/>
+            </a:fontRef>
+          </p:style>
+          <p:txBody>
+            <a:bodyPr rtlCol="0" anchor="ctr"/>
+            <a:lstStyle/>
+            <a:p>
+              <a:pPr algn="ctr"/>
+              <a:endParaRPr lang="en-US" sz="2400" dirty="0" smtClean="0">
+                <a:solidFill>
+                  <a:schemeClr val="bg1">
+                    <a:lumMod val="50000"/>
+                  </a:schemeClr>
+                </a:solidFill>
+                <a:latin typeface="Avenir Book" charset="0"/>
+                <a:ea typeface="Avenir Book" charset="0"/>
+                <a:cs typeface="Avenir Book" charset="0"/>
+              </a:endParaRPr>
+            </a:p>
+          </p:txBody>
+        </p:sp>
+        <p:sp>
+          <p:nvSpPr>
+            <p:cNvPr id="22" name="Oval 21"/>
+            <p:cNvSpPr/>
+            <p:nvPr/>
+          </p:nvSpPr>
+          <p:spPr>
+            <a:xfrm>
+              <a:off x="3768597" y="2679446"/>
+              <a:ext cx="176105" cy="176105"/>
+            </a:xfrm>
+            <a:prstGeom prst="ellipse">
+              <a:avLst/>
+            </a:prstGeom>
+            <a:solidFill>
+              <a:schemeClr val="bg1">
+                <a:lumMod val="50000"/>
+              </a:schemeClr>
+            </a:solidFill>
+            <a:ln w="28575">
+              <a:solidFill>
+                <a:schemeClr val="bg1">
+                  <a:lumMod val="50000"/>
+                </a:schemeClr>
+              </a:solidFill>
+            </a:ln>
+          </p:spPr>
+          <p:style>
+            <a:lnRef idx="2">
+              <a:schemeClr val="accent1">
+                <a:shade val="50000"/>
+              </a:schemeClr>
+            </a:lnRef>
+            <a:fillRef idx="1">
+              <a:schemeClr val="accent1"/>
+            </a:fillRef>
+            <a:effectRef idx="0">
+              <a:schemeClr val="accent1"/>
+            </a:effectRef>
+            <a:fontRef idx="minor">
+              <a:schemeClr val="lt1"/>
+            </a:fontRef>
+          </p:style>
+          <p:txBody>
+            <a:bodyPr rtlCol="0" anchor="ctr"/>
+            <a:lstStyle/>
+            <a:p>
+              <a:pPr algn="ctr"/>
+              <a:endParaRPr lang="en-US" sz="2400" dirty="0" smtClean="0">
+                <a:solidFill>
+                  <a:schemeClr val="bg1">
+                    <a:lumMod val="50000"/>
+                  </a:schemeClr>
+                </a:solidFill>
+                <a:latin typeface="Avenir Book" charset="0"/>
+                <a:ea typeface="Avenir Book" charset="0"/>
+                <a:cs typeface="Avenir Book" charset="0"/>
+              </a:endParaRPr>
+            </a:p>
+          </p:txBody>
+        </p:sp>
+        <p:sp>
+          <p:nvSpPr>
+            <p:cNvPr id="23" name="Oval 22"/>
+            <p:cNvSpPr/>
+            <p:nvPr/>
+          </p:nvSpPr>
+          <p:spPr>
+            <a:xfrm>
+              <a:off x="3768597" y="2957151"/>
+              <a:ext cx="176105" cy="176105"/>
+            </a:xfrm>
+            <a:prstGeom prst="ellipse">
+              <a:avLst/>
+            </a:prstGeom>
+            <a:solidFill>
+              <a:schemeClr val="accent2"/>
+            </a:solidFill>
+            <a:ln w="28575">
+              <a:solidFill>
+                <a:schemeClr val="accent2"/>
+              </a:solidFill>
+            </a:ln>
+          </p:spPr>
+          <p:style>
+            <a:lnRef idx="2">
+              <a:schemeClr val="accent1">
+                <a:shade val="50000"/>
+              </a:schemeClr>
+            </a:lnRef>
+            <a:fillRef idx="1">
+              <a:schemeClr val="accent1"/>
+            </a:fillRef>
+            <a:effectRef idx="0">
+              <a:schemeClr val="accent1"/>
+            </a:effectRef>
+            <a:fontRef idx="minor">
+              <a:schemeClr val="lt1"/>
+            </a:fontRef>
+          </p:style>
+          <p:txBody>
+            <a:bodyPr rtlCol="0" anchor="ctr"/>
+            <a:lstStyle/>
+            <a:p>
+              <a:pPr algn="ctr"/>
+              <a:endParaRPr lang="en-US" sz="2400" dirty="0" smtClean="0">
+                <a:solidFill>
+                  <a:schemeClr val="bg1">
+                    <a:lumMod val="50000"/>
+                  </a:schemeClr>
+                </a:solidFill>
+                <a:latin typeface="Avenir Book" charset="0"/>
+                <a:ea typeface="Avenir Book" charset="0"/>
+                <a:cs typeface="Avenir Book" charset="0"/>
+              </a:endParaRPr>
+            </a:p>
+          </p:txBody>
+        </p:sp>
+        <p:sp>
+          <p:nvSpPr>
+            <p:cNvPr id="26" name="Rectangle 25"/>
+            <p:cNvSpPr/>
+            <p:nvPr/>
+          </p:nvSpPr>
+          <p:spPr>
+            <a:xfrm>
+              <a:off x="3518782" y="2957151"/>
+              <a:ext cx="203200" cy="203200"/>
+            </a:xfrm>
+            <a:prstGeom prst="rect">
+              <a:avLst/>
+            </a:prstGeom>
+            <a:solidFill>
+              <a:srgbClr val="00B0F0"/>
+            </a:solidFill>
+            <a:ln w="28575">
+              <a:solidFill>
+                <a:schemeClr val="bg1"/>
+              </a:solidFill>
+            </a:ln>
+          </p:spPr>
+          <p:style>
+            <a:lnRef idx="2">
+              <a:schemeClr val="accent1">
+                <a:shade val="50000"/>
+              </a:schemeClr>
+            </a:lnRef>
+            <a:fillRef idx="1">
+              <a:schemeClr val="accent1"/>
+            </a:fillRef>
+            <a:effectRef idx="0">
+              <a:schemeClr val="accent1"/>
+            </a:effectRef>
+            <a:fontRef idx="minor">
+              <a:schemeClr val="lt1"/>
+            </a:fontRef>
+          </p:style>
+          <p:txBody>
+            <a:bodyPr rtlCol="0" anchor="ctr"/>
+            <a:lstStyle/>
+            <a:p>
+              <a:pPr algn="ctr"/>
+              <a:endParaRPr lang="en-US" sz="2400" dirty="0" smtClean="0">
+                <a:solidFill>
+                  <a:schemeClr val="bg1">
+                    <a:lumMod val="50000"/>
+                  </a:schemeClr>
+                </a:solidFill>
+                <a:latin typeface="Avenir Book" charset="0"/>
+                <a:ea typeface="Avenir Book" charset="0"/>
+                <a:cs typeface="Avenir Book" charset="0"/>
+              </a:endParaRPr>
+            </a:p>
+          </p:txBody>
+        </p:sp>
+        <p:sp>
+          <p:nvSpPr>
+            <p:cNvPr id="44" name="Rectangle 43"/>
+            <p:cNvSpPr/>
+            <p:nvPr/>
+          </p:nvSpPr>
+          <p:spPr>
+            <a:xfrm>
+              <a:off x="4188052" y="2652175"/>
+              <a:ext cx="203200" cy="203200"/>
+            </a:xfrm>
+            <a:prstGeom prst="rect">
+              <a:avLst/>
+            </a:prstGeom>
+            <a:solidFill>
+              <a:schemeClr val="bg1">
+                <a:lumMod val="65000"/>
+              </a:schemeClr>
+            </a:solidFill>
+            <a:ln w="28575">
+              <a:solidFill>
+                <a:schemeClr val="bg1"/>
+              </a:solidFill>
+            </a:ln>
+          </p:spPr>
+          <p:style>
+            <a:lnRef idx="2">
+              <a:schemeClr val="accent1">
+                <a:shade val="50000"/>
+              </a:schemeClr>
+            </a:lnRef>
+            <a:fillRef idx="1">
+              <a:schemeClr val="accent1"/>
+            </a:fillRef>
+            <a:effectRef idx="0">
+              <a:schemeClr val="accent1"/>
+            </a:effectRef>
+            <a:fontRef idx="minor">
+              <a:schemeClr val="lt1"/>
+            </a:fontRef>
+          </p:style>
+          <p:txBody>
+            <a:bodyPr rtlCol="0" anchor="ctr"/>
+            <a:lstStyle/>
+            <a:p>
+              <a:pPr algn="ctr"/>
+              <a:endParaRPr lang="en-US" sz="2400" dirty="0" smtClean="0">
+                <a:solidFill>
+                  <a:schemeClr val="bg1">
+                    <a:lumMod val="50000"/>
+                  </a:schemeClr>
+                </a:solidFill>
+                <a:latin typeface="Avenir Book" charset="0"/>
+                <a:ea typeface="Avenir Book" charset="0"/>
+                <a:cs typeface="Avenir Book" charset="0"/>
+              </a:endParaRPr>
+            </a:p>
+          </p:txBody>
+        </p:sp>
+        <p:sp>
+          <p:nvSpPr>
+            <p:cNvPr id="45" name="Oval 44"/>
+            <p:cNvSpPr/>
+            <p:nvPr/>
+          </p:nvSpPr>
+          <p:spPr>
+            <a:xfrm>
+              <a:off x="4437867" y="2660736"/>
+              <a:ext cx="176105" cy="176105"/>
+            </a:xfrm>
+            <a:prstGeom prst="ellipse">
+              <a:avLst/>
+            </a:prstGeom>
+            <a:solidFill>
+              <a:schemeClr val="bg1">
+                <a:lumMod val="50000"/>
+              </a:schemeClr>
+            </a:solidFill>
+            <a:ln w="28575">
+              <a:solidFill>
+                <a:schemeClr val="bg1">
+                  <a:lumMod val="50000"/>
+                </a:schemeClr>
+              </a:solidFill>
+            </a:ln>
+          </p:spPr>
+          <p:style>
+            <a:lnRef idx="2">
+              <a:schemeClr val="accent1">
+                <a:shade val="50000"/>
+              </a:schemeClr>
+            </a:lnRef>
+            <a:fillRef idx="1">
+              <a:schemeClr val="accent1"/>
+            </a:fillRef>
+            <a:effectRef idx="0">
+              <a:schemeClr val="accent1"/>
+            </a:effectRef>
+            <a:fontRef idx="minor">
+              <a:schemeClr val="lt1"/>
+            </a:fontRef>
+          </p:style>
+          <p:txBody>
+            <a:bodyPr rtlCol="0" anchor="ctr"/>
+            <a:lstStyle/>
+            <a:p>
+              <a:pPr algn="ctr"/>
+              <a:endParaRPr lang="en-US" sz="2400" dirty="0" smtClean="0">
+                <a:solidFill>
+                  <a:schemeClr val="bg1">
+                    <a:lumMod val="50000"/>
+                  </a:schemeClr>
+                </a:solidFill>
+                <a:latin typeface="Avenir Book" charset="0"/>
+                <a:ea typeface="Avenir Book" charset="0"/>
+                <a:cs typeface="Avenir Book" charset="0"/>
+              </a:endParaRPr>
+            </a:p>
+          </p:txBody>
+        </p:sp>
+        <p:sp>
+          <p:nvSpPr>
+            <p:cNvPr id="46" name="Oval 45"/>
+            <p:cNvSpPr/>
+            <p:nvPr/>
+          </p:nvSpPr>
+          <p:spPr>
+            <a:xfrm>
+              <a:off x="4437867" y="2938441"/>
+              <a:ext cx="176105" cy="176105"/>
+            </a:xfrm>
+            <a:prstGeom prst="ellipse">
+              <a:avLst/>
+            </a:prstGeom>
+            <a:solidFill>
+              <a:schemeClr val="accent2"/>
+            </a:solidFill>
+            <a:ln w="28575">
+              <a:solidFill>
+                <a:schemeClr val="accent2"/>
+              </a:solidFill>
+            </a:ln>
+          </p:spPr>
+          <p:style>
+            <a:lnRef idx="2">
+              <a:schemeClr val="accent1">
+                <a:shade val="50000"/>
+              </a:schemeClr>
+            </a:lnRef>
+            <a:fillRef idx="1">
+              <a:schemeClr val="accent1"/>
+            </a:fillRef>
+            <a:effectRef idx="0">
+              <a:schemeClr val="accent1"/>
+            </a:effectRef>
+            <a:fontRef idx="minor">
+              <a:schemeClr val="lt1"/>
+            </a:fontRef>
+          </p:style>
+          <p:txBody>
+            <a:bodyPr rtlCol="0" anchor="ctr"/>
+            <a:lstStyle/>
+            <a:p>
+              <a:pPr algn="ctr"/>
+              <a:endParaRPr lang="en-US" sz="2400" dirty="0" smtClean="0">
+                <a:solidFill>
+                  <a:schemeClr val="bg1">
+                    <a:lumMod val="50000"/>
+                  </a:schemeClr>
+                </a:solidFill>
+                <a:latin typeface="Avenir Book" charset="0"/>
+                <a:ea typeface="Avenir Book" charset="0"/>
+                <a:cs typeface="Avenir Book" charset="0"/>
+              </a:endParaRPr>
+            </a:p>
+          </p:txBody>
+        </p:sp>
+        <p:sp>
+          <p:nvSpPr>
+            <p:cNvPr id="47" name="Rectangle 46"/>
+            <p:cNvSpPr/>
+            <p:nvPr/>
+          </p:nvSpPr>
+          <p:spPr>
+            <a:xfrm>
+              <a:off x="4188052" y="2938441"/>
+              <a:ext cx="203200" cy="203200"/>
+            </a:xfrm>
+            <a:prstGeom prst="rect">
+              <a:avLst/>
+            </a:prstGeom>
+            <a:solidFill>
+              <a:schemeClr val="bg1">
+                <a:lumMod val="65000"/>
+              </a:schemeClr>
+            </a:solidFill>
+            <a:ln w="28575">
+              <a:solidFill>
+                <a:schemeClr val="bg1"/>
+              </a:solidFill>
+            </a:ln>
+          </p:spPr>
+          <p:style>
+            <a:lnRef idx="2">
+              <a:schemeClr val="accent1">
+                <a:shade val="50000"/>
+              </a:schemeClr>
+            </a:lnRef>
+            <a:fillRef idx="1">
+              <a:schemeClr val="accent1"/>
+            </a:fillRef>
+            <a:effectRef idx="0">
+              <a:schemeClr val="accent1"/>
+            </a:effectRef>
+            <a:fontRef idx="minor">
+              <a:schemeClr val="lt1"/>
+            </a:fontRef>
+          </p:style>
+          <p:txBody>
+            <a:bodyPr rtlCol="0" anchor="ctr"/>
+            <a:lstStyle/>
+            <a:p>
+              <a:pPr algn="ctr"/>
+              <a:endParaRPr lang="en-US" sz="2400" dirty="0" smtClean="0">
+                <a:solidFill>
+                  <a:schemeClr val="bg1">
+                    <a:lumMod val="50000"/>
+                  </a:schemeClr>
+                </a:solidFill>
+                <a:latin typeface="Avenir Book" charset="0"/>
+                <a:ea typeface="Avenir Book" charset="0"/>
+                <a:cs typeface="Avenir Book" charset="0"/>
+              </a:endParaRPr>
+            </a:p>
+          </p:txBody>
+        </p:sp>
+        <p:sp>
+          <p:nvSpPr>
+            <p:cNvPr id="56" name="Rectangle 55"/>
+            <p:cNvSpPr/>
+            <p:nvPr/>
+          </p:nvSpPr>
+          <p:spPr>
+            <a:xfrm>
+              <a:off x="5297119" y="2662324"/>
+              <a:ext cx="203200" cy="203200"/>
+            </a:xfrm>
+            <a:prstGeom prst="rect">
+              <a:avLst/>
+            </a:prstGeom>
+            <a:solidFill>
+              <a:srgbClr val="00B0F0"/>
+            </a:solidFill>
+            <a:ln w="28575">
+              <a:solidFill>
+                <a:schemeClr val="bg1"/>
+              </a:solidFill>
+            </a:ln>
+          </p:spPr>
+          <p:style>
+            <a:lnRef idx="2">
+              <a:schemeClr val="accent1">
+                <a:shade val="50000"/>
+              </a:schemeClr>
+            </a:lnRef>
+            <a:fillRef idx="1">
+              <a:schemeClr val="accent1"/>
+            </a:fillRef>
+            <a:effectRef idx="0">
+              <a:schemeClr val="accent1"/>
+            </a:effectRef>
+            <a:fontRef idx="minor">
+              <a:schemeClr val="lt1"/>
+            </a:fontRef>
+          </p:style>
+          <p:txBody>
+            <a:bodyPr rtlCol="0" anchor="ctr"/>
+            <a:lstStyle/>
+            <a:p>
+              <a:pPr algn="ctr"/>
+              <a:endParaRPr lang="en-US" sz="2400" dirty="0" smtClean="0">
+                <a:solidFill>
+                  <a:schemeClr val="bg1">
+                    <a:lumMod val="50000"/>
+                  </a:schemeClr>
+                </a:solidFill>
+                <a:latin typeface="Avenir Book" charset="0"/>
+                <a:ea typeface="Avenir Book" charset="0"/>
+                <a:cs typeface="Avenir Book" charset="0"/>
+              </a:endParaRPr>
+            </a:p>
+          </p:txBody>
+        </p:sp>
+        <p:sp>
+          <p:nvSpPr>
+            <p:cNvPr id="57" name="Oval 56"/>
+            <p:cNvSpPr/>
+            <p:nvPr/>
+          </p:nvSpPr>
+          <p:spPr>
+            <a:xfrm>
+              <a:off x="5546934" y="2670885"/>
+              <a:ext cx="176105" cy="176105"/>
+            </a:xfrm>
+            <a:prstGeom prst="ellipse">
+              <a:avLst/>
+            </a:prstGeom>
+            <a:solidFill>
+              <a:schemeClr val="bg1">
+                <a:lumMod val="50000"/>
+              </a:schemeClr>
+            </a:solidFill>
+            <a:ln w="28575">
+              <a:solidFill>
+                <a:schemeClr val="bg1">
+                  <a:lumMod val="50000"/>
+                </a:schemeClr>
+              </a:solidFill>
+            </a:ln>
+          </p:spPr>
+          <p:style>
+            <a:lnRef idx="2">
+              <a:schemeClr val="accent1">
+                <a:shade val="50000"/>
+              </a:schemeClr>
+            </a:lnRef>
+            <a:fillRef idx="1">
+              <a:schemeClr val="accent1"/>
+            </a:fillRef>
+            <a:effectRef idx="0">
+              <a:schemeClr val="accent1"/>
+            </a:effectRef>
+            <a:fontRef idx="minor">
+              <a:schemeClr val="lt1"/>
+            </a:fontRef>
+          </p:style>
+          <p:txBody>
+            <a:bodyPr rtlCol="0" anchor="ctr"/>
+            <a:lstStyle/>
+            <a:p>
+              <a:pPr algn="ctr"/>
+              <a:endParaRPr lang="en-US" sz="2400" dirty="0" smtClean="0">
+                <a:solidFill>
+                  <a:schemeClr val="bg1">
+                    <a:lumMod val="50000"/>
+                  </a:schemeClr>
+                </a:solidFill>
+                <a:latin typeface="Avenir Book" charset="0"/>
+                <a:ea typeface="Avenir Book" charset="0"/>
+                <a:cs typeface="Avenir Book" charset="0"/>
+              </a:endParaRPr>
+            </a:p>
+          </p:txBody>
+        </p:sp>
+        <p:sp>
+          <p:nvSpPr>
+            <p:cNvPr id="64" name="Rectangle 63"/>
+            <p:cNvSpPr/>
+            <p:nvPr/>
+          </p:nvSpPr>
+          <p:spPr>
+            <a:xfrm>
+              <a:off x="5966389" y="2643614"/>
+              <a:ext cx="203200" cy="203200"/>
+            </a:xfrm>
+            <a:prstGeom prst="rect">
+              <a:avLst/>
+            </a:prstGeom>
+            <a:solidFill>
+              <a:schemeClr val="bg1">
+                <a:lumMod val="65000"/>
+              </a:schemeClr>
+            </a:solidFill>
+            <a:ln w="28575">
+              <a:solidFill>
+                <a:schemeClr val="bg1"/>
+              </a:solidFill>
+            </a:ln>
+          </p:spPr>
+          <p:style>
+            <a:lnRef idx="2">
+              <a:schemeClr val="accent1">
+                <a:shade val="50000"/>
+              </a:schemeClr>
+            </a:lnRef>
+            <a:fillRef idx="1">
+              <a:schemeClr val="accent1"/>
+            </a:fillRef>
+            <a:effectRef idx="0">
+              <a:schemeClr val="accent1"/>
+            </a:effectRef>
+            <a:fontRef idx="minor">
+              <a:schemeClr val="lt1"/>
+            </a:fontRef>
+          </p:style>
+          <p:txBody>
+            <a:bodyPr rtlCol="0" anchor="ctr"/>
+            <a:lstStyle/>
+            <a:p>
+              <a:pPr algn="ctr"/>
+              <a:endParaRPr lang="en-US" sz="2400" dirty="0" smtClean="0">
+                <a:solidFill>
+                  <a:schemeClr val="bg1">
+                    <a:lumMod val="50000"/>
+                  </a:schemeClr>
+                </a:solidFill>
+                <a:latin typeface="Avenir Book" charset="0"/>
+                <a:ea typeface="Avenir Book" charset="0"/>
+                <a:cs typeface="Avenir Book" charset="0"/>
+              </a:endParaRPr>
+            </a:p>
+          </p:txBody>
+        </p:sp>
+        <p:sp>
+          <p:nvSpPr>
+            <p:cNvPr id="65" name="Oval 64"/>
+            <p:cNvSpPr/>
+            <p:nvPr/>
+          </p:nvSpPr>
+          <p:spPr>
+            <a:xfrm>
+              <a:off x="6216204" y="2652175"/>
+              <a:ext cx="176105" cy="176105"/>
+            </a:xfrm>
+            <a:prstGeom prst="ellipse">
+              <a:avLst/>
+            </a:prstGeom>
+            <a:solidFill>
+              <a:schemeClr val="bg1">
+                <a:lumMod val="50000"/>
+              </a:schemeClr>
+            </a:solidFill>
+            <a:ln w="28575">
+              <a:solidFill>
+                <a:schemeClr val="bg1">
+                  <a:lumMod val="50000"/>
+                </a:schemeClr>
+              </a:solidFill>
+            </a:ln>
+          </p:spPr>
+          <p:style>
+            <a:lnRef idx="2">
+              <a:schemeClr val="accent1">
+                <a:shade val="50000"/>
+              </a:schemeClr>
+            </a:lnRef>
+            <a:fillRef idx="1">
+              <a:schemeClr val="accent1"/>
+            </a:fillRef>
+            <a:effectRef idx="0">
+              <a:schemeClr val="accent1"/>
+            </a:effectRef>
+            <a:fontRef idx="minor">
+              <a:schemeClr val="lt1"/>
+            </a:fontRef>
+          </p:style>
+          <p:txBody>
+            <a:bodyPr rtlCol="0" anchor="ctr"/>
+            <a:lstStyle/>
+            <a:p>
+              <a:pPr algn="ctr"/>
+              <a:endParaRPr lang="en-US" sz="2400" dirty="0" smtClean="0">
+                <a:solidFill>
+                  <a:schemeClr val="bg1">
+                    <a:lumMod val="50000"/>
+                  </a:schemeClr>
+                </a:solidFill>
+                <a:latin typeface="Avenir Book" charset="0"/>
+                <a:ea typeface="Avenir Book" charset="0"/>
+                <a:cs typeface="Avenir Book" charset="0"/>
+              </a:endParaRPr>
+            </a:p>
+          </p:txBody>
+        </p:sp>
+        <p:sp>
+          <p:nvSpPr>
+            <p:cNvPr id="79" name="Rectangle 78"/>
+            <p:cNvSpPr/>
+            <p:nvPr/>
+          </p:nvSpPr>
+          <p:spPr>
+            <a:xfrm>
+              <a:off x="7664683" y="2662324"/>
+              <a:ext cx="203200" cy="203200"/>
+            </a:xfrm>
+            <a:prstGeom prst="rect">
+              <a:avLst/>
+            </a:prstGeom>
+            <a:solidFill>
+              <a:srgbClr val="00B0F0"/>
+            </a:solidFill>
+            <a:ln w="28575">
+              <a:solidFill>
+                <a:schemeClr val="bg1"/>
+              </a:solidFill>
+            </a:ln>
+          </p:spPr>
+          <p:style>
+            <a:lnRef idx="2">
+              <a:schemeClr val="accent1">
+                <a:shade val="50000"/>
+              </a:schemeClr>
+            </a:lnRef>
+            <a:fillRef idx="1">
+              <a:schemeClr val="accent1"/>
+            </a:fillRef>
+            <a:effectRef idx="0">
+              <a:schemeClr val="accent1"/>
+            </a:effectRef>
+            <a:fontRef idx="minor">
+              <a:schemeClr val="lt1"/>
+            </a:fontRef>
+          </p:style>
+          <p:txBody>
+            <a:bodyPr rtlCol="0" anchor="ctr"/>
+            <a:lstStyle/>
+            <a:p>
+              <a:pPr algn="ctr"/>
+              <a:endParaRPr lang="en-US" sz="2400" dirty="0" smtClean="0">
+                <a:solidFill>
+                  <a:schemeClr val="bg1">
+                    <a:lumMod val="50000"/>
+                  </a:schemeClr>
+                </a:solidFill>
+                <a:latin typeface="Avenir Book" charset="0"/>
+                <a:ea typeface="Avenir Book" charset="0"/>
+                <a:cs typeface="Avenir Book" charset="0"/>
+              </a:endParaRPr>
+            </a:p>
+          </p:txBody>
+        </p:sp>
+        <p:sp>
+          <p:nvSpPr>
+            <p:cNvPr id="80" name="Oval 79"/>
+            <p:cNvSpPr/>
+            <p:nvPr/>
+          </p:nvSpPr>
+          <p:spPr>
+            <a:xfrm>
+              <a:off x="7914498" y="2670885"/>
+              <a:ext cx="176105" cy="176105"/>
+            </a:xfrm>
+            <a:prstGeom prst="ellipse">
+              <a:avLst/>
+            </a:prstGeom>
+            <a:solidFill>
+              <a:schemeClr val="bg1">
+                <a:lumMod val="50000"/>
+              </a:schemeClr>
+            </a:solidFill>
+            <a:ln w="28575">
+              <a:solidFill>
+                <a:schemeClr val="bg1">
+                  <a:lumMod val="50000"/>
+                </a:schemeClr>
+              </a:solidFill>
+            </a:ln>
+          </p:spPr>
+          <p:style>
+            <a:lnRef idx="2">
+              <a:schemeClr val="accent1">
+                <a:shade val="50000"/>
+              </a:schemeClr>
+            </a:lnRef>
+            <a:fillRef idx="1">
+              <a:schemeClr val="accent1"/>
+            </a:fillRef>
+            <a:effectRef idx="0">
+              <a:schemeClr val="accent1"/>
+            </a:effectRef>
+            <a:fontRef idx="minor">
+              <a:schemeClr val="lt1"/>
+            </a:fontRef>
+          </p:style>
+          <p:txBody>
+            <a:bodyPr rtlCol="0" anchor="ctr"/>
+            <a:lstStyle/>
+            <a:p>
+              <a:pPr algn="ctr"/>
+              <a:endParaRPr lang="en-US" sz="2400" dirty="0" smtClean="0">
+                <a:solidFill>
+                  <a:schemeClr val="bg1">
+                    <a:lumMod val="50000"/>
+                  </a:schemeClr>
+                </a:solidFill>
+                <a:latin typeface="Avenir Book" charset="0"/>
+                <a:ea typeface="Avenir Book" charset="0"/>
+                <a:cs typeface="Avenir Book" charset="0"/>
+              </a:endParaRPr>
+            </a:p>
+          </p:txBody>
+        </p:sp>
+        <p:cxnSp>
+          <p:nvCxnSpPr>
+            <p:cNvPr id="108" name="Straight Arrow Connector 107"/>
+            <p:cNvCxnSpPr/>
+            <p:nvPr/>
+          </p:nvCxnSpPr>
+          <p:spPr>
+            <a:xfrm flipV="1">
+              <a:off x="4786133" y="2874085"/>
+              <a:ext cx="342838" cy="1"/>
+            </a:xfrm>
+            <a:prstGeom prst="straightConnector1">
+              <a:avLst/>
+            </a:prstGeom>
+            <a:ln w="28575">
+              <a:solidFill>
+                <a:schemeClr val="bg1">
+                  <a:lumMod val="50000"/>
+                </a:schemeClr>
+              </a:solidFill>
+              <a:headEnd type="none" w="med" len="med"/>
+              <a:tailEnd type="triangle"/>
+            </a:ln>
+          </p:spPr>
+          <p:style>
+            <a:lnRef idx="1">
+              <a:schemeClr val="accent1"/>
+            </a:lnRef>
+            <a:fillRef idx="0">
+              <a:schemeClr val="accent1"/>
+            </a:fillRef>
+            <a:effectRef idx="0">
+              <a:schemeClr val="accent1"/>
+            </a:effectRef>
+            <a:fontRef idx="minor">
+              <a:schemeClr val="tx1"/>
+            </a:fontRef>
+          </p:style>
+        </p:cxnSp>
+        <p:sp>
+          <p:nvSpPr>
+            <p:cNvPr id="6" name="Rectangle 5"/>
+            <p:cNvSpPr/>
+            <p:nvPr/>
+          </p:nvSpPr>
+          <p:spPr>
+            <a:xfrm>
+              <a:off x="2223353" y="2670885"/>
+              <a:ext cx="203200" cy="203200"/>
+            </a:xfrm>
+            <a:prstGeom prst="rect">
+              <a:avLst/>
+            </a:prstGeom>
+            <a:solidFill>
+              <a:srgbClr val="00B0F0"/>
+            </a:solidFill>
+            <a:ln w="28575">
+              <a:solidFill>
+                <a:schemeClr val="bg1"/>
+              </a:solidFill>
+            </a:ln>
+          </p:spPr>
+          <p:style>
+            <a:lnRef idx="2">
+              <a:schemeClr val="accent1">
+                <a:shade val="50000"/>
+              </a:schemeClr>
+            </a:lnRef>
+            <a:fillRef idx="1">
+              <a:schemeClr val="accent1"/>
+            </a:fillRef>
+            <a:effectRef idx="0">
+              <a:schemeClr val="accent1"/>
+            </a:effectRef>
+            <a:fontRef idx="minor">
+              <a:schemeClr val="lt1"/>
+            </a:fontRef>
+          </p:style>
+          <p:txBody>
+            <a:bodyPr rtlCol="0" anchor="ctr"/>
+            <a:lstStyle/>
+            <a:p>
+              <a:pPr algn="ctr"/>
+              <a:endParaRPr lang="en-US" sz="2400" dirty="0" smtClean="0">
+                <a:solidFill>
+                  <a:schemeClr val="bg1">
+                    <a:lumMod val="50000"/>
+                  </a:schemeClr>
+                </a:solidFill>
+                <a:latin typeface="Avenir Book" charset="0"/>
+                <a:ea typeface="Avenir Book" charset="0"/>
+                <a:cs typeface="Avenir Book" charset="0"/>
+              </a:endParaRPr>
+            </a:p>
+          </p:txBody>
+        </p:sp>
+        <p:sp>
+          <p:nvSpPr>
+            <p:cNvPr id="31" name="Rectangle 30"/>
+            <p:cNvSpPr/>
+            <p:nvPr/>
+          </p:nvSpPr>
+          <p:spPr>
+            <a:xfrm>
+              <a:off x="2516863" y="2670885"/>
+              <a:ext cx="203200" cy="203200"/>
+            </a:xfrm>
+            <a:prstGeom prst="rect">
+              <a:avLst/>
+            </a:prstGeom>
+            <a:solidFill>
+              <a:schemeClr val="bg1">
+                <a:lumMod val="65000"/>
+              </a:schemeClr>
+            </a:solidFill>
+            <a:ln w="28575">
+              <a:solidFill>
+                <a:schemeClr val="bg1"/>
+              </a:solidFill>
+            </a:ln>
+          </p:spPr>
+          <p:style>
+            <a:lnRef idx="2">
+              <a:schemeClr val="accent1">
+                <a:shade val="50000"/>
+              </a:schemeClr>
+            </a:lnRef>
+            <a:fillRef idx="1">
+              <a:schemeClr val="accent1"/>
+            </a:fillRef>
+            <a:effectRef idx="0">
+              <a:schemeClr val="accent1"/>
+            </a:effectRef>
+            <a:fontRef idx="minor">
+              <a:schemeClr val="lt1"/>
+            </a:fontRef>
+          </p:style>
+          <p:txBody>
+            <a:bodyPr rtlCol="0" anchor="ctr"/>
+            <a:lstStyle/>
+            <a:p>
+              <a:pPr algn="ctr"/>
+              <a:endParaRPr lang="en-US" sz="2400" dirty="0" smtClean="0">
+                <a:solidFill>
+                  <a:schemeClr val="bg1">
+                    <a:lumMod val="50000"/>
+                  </a:schemeClr>
+                </a:solidFill>
+                <a:latin typeface="Avenir Book" charset="0"/>
+                <a:ea typeface="Avenir Book" charset="0"/>
+                <a:cs typeface="Avenir Book" charset="0"/>
+              </a:endParaRPr>
+            </a:p>
+          </p:txBody>
+        </p:sp>
+        <p:sp>
+          <p:nvSpPr>
+            <p:cNvPr id="118" name="Rectangle 117"/>
+            <p:cNvSpPr/>
+            <p:nvPr/>
+          </p:nvSpPr>
+          <p:spPr>
+            <a:xfrm>
+              <a:off x="9978559" y="2662324"/>
+              <a:ext cx="203200" cy="203200"/>
+            </a:xfrm>
+            <a:prstGeom prst="rect">
+              <a:avLst/>
+            </a:prstGeom>
+            <a:solidFill>
+              <a:srgbClr val="00B0F0"/>
+            </a:solidFill>
+            <a:ln w="28575">
+              <a:solidFill>
+                <a:schemeClr val="bg1"/>
+              </a:solidFill>
+            </a:ln>
+          </p:spPr>
+          <p:style>
+            <a:lnRef idx="2">
+              <a:schemeClr val="accent1">
+                <a:shade val="50000"/>
+              </a:schemeClr>
+            </a:lnRef>
+            <a:fillRef idx="1">
+              <a:schemeClr val="accent1"/>
+            </a:fillRef>
+            <a:effectRef idx="0">
+              <a:schemeClr val="accent1"/>
+            </a:effectRef>
+            <a:fontRef idx="minor">
+              <a:schemeClr val="lt1"/>
+            </a:fontRef>
+          </p:style>
+          <p:txBody>
+            <a:bodyPr rtlCol="0" anchor="ctr"/>
+            <a:lstStyle/>
+            <a:p>
+              <a:pPr algn="ctr"/>
+              <a:endParaRPr lang="en-US" sz="2400" dirty="0" smtClean="0">
+                <a:solidFill>
+                  <a:schemeClr val="bg1">
+                    <a:lumMod val="50000"/>
+                  </a:schemeClr>
+                </a:solidFill>
+                <a:latin typeface="Avenir Book" charset="0"/>
+                <a:ea typeface="Avenir Book" charset="0"/>
+                <a:cs typeface="Avenir Book" charset="0"/>
+              </a:endParaRPr>
+            </a:p>
+          </p:txBody>
+        </p:sp>
+        <p:sp>
+          <p:nvSpPr>
+            <p:cNvPr id="119" name="Oval 118"/>
+            <p:cNvSpPr/>
+            <p:nvPr/>
+          </p:nvSpPr>
+          <p:spPr>
+            <a:xfrm>
+              <a:off x="10228374" y="2670885"/>
+              <a:ext cx="176105" cy="176105"/>
+            </a:xfrm>
+            <a:prstGeom prst="ellipse">
+              <a:avLst/>
+            </a:prstGeom>
+            <a:solidFill>
+              <a:schemeClr val="bg1">
+                <a:lumMod val="50000"/>
+              </a:schemeClr>
+            </a:solidFill>
+            <a:ln w="28575">
+              <a:solidFill>
+                <a:schemeClr val="bg1">
+                  <a:lumMod val="50000"/>
+                </a:schemeClr>
+              </a:solidFill>
+            </a:ln>
+          </p:spPr>
+          <p:style>
+            <a:lnRef idx="2">
+              <a:schemeClr val="accent1">
+                <a:shade val="50000"/>
+              </a:schemeClr>
+            </a:lnRef>
+            <a:fillRef idx="1">
+              <a:schemeClr val="accent1"/>
+            </a:fillRef>
+            <a:effectRef idx="0">
+              <a:schemeClr val="accent1"/>
+            </a:effectRef>
+            <a:fontRef idx="minor">
+              <a:schemeClr val="lt1"/>
+            </a:fontRef>
+          </p:style>
+          <p:txBody>
+            <a:bodyPr rtlCol="0" anchor="ctr"/>
+            <a:lstStyle/>
+            <a:p>
+              <a:pPr algn="ctr"/>
+              <a:endParaRPr lang="en-US" sz="2400" dirty="0" smtClean="0">
+                <a:solidFill>
+                  <a:schemeClr val="bg1">
+                    <a:lumMod val="50000"/>
+                  </a:schemeClr>
+                </a:solidFill>
+                <a:latin typeface="Avenir Book" charset="0"/>
+                <a:ea typeface="Avenir Book" charset="0"/>
+                <a:cs typeface="Avenir Book" charset="0"/>
+              </a:endParaRPr>
+            </a:p>
+          </p:txBody>
+        </p:sp>
+        <p:sp>
+          <p:nvSpPr>
+            <p:cNvPr id="129" name="Rectangle 128"/>
+            <p:cNvSpPr/>
+            <p:nvPr/>
+          </p:nvSpPr>
+          <p:spPr>
+            <a:xfrm>
+              <a:off x="10642581" y="2670872"/>
+              <a:ext cx="203200" cy="203200"/>
+            </a:xfrm>
+            <a:prstGeom prst="rect">
+              <a:avLst/>
+            </a:prstGeom>
+            <a:solidFill>
+              <a:schemeClr val="bg1">
+                <a:lumMod val="65000"/>
+              </a:schemeClr>
+            </a:solidFill>
+            <a:ln w="28575">
+              <a:solidFill>
+                <a:schemeClr val="bg1"/>
+              </a:solidFill>
+            </a:ln>
+          </p:spPr>
+          <p:style>
+            <a:lnRef idx="2">
+              <a:schemeClr val="accent1">
+                <a:shade val="50000"/>
+              </a:schemeClr>
+            </a:lnRef>
+            <a:fillRef idx="1">
+              <a:schemeClr val="accent1"/>
+            </a:fillRef>
+            <a:effectRef idx="0">
+              <a:schemeClr val="accent1"/>
+            </a:effectRef>
+            <a:fontRef idx="minor">
+              <a:schemeClr val="lt1"/>
+            </a:fontRef>
+          </p:style>
+          <p:txBody>
+            <a:bodyPr rtlCol="0" anchor="ctr"/>
+            <a:lstStyle/>
+            <a:p>
+              <a:pPr algn="ctr"/>
+              <a:endParaRPr lang="en-US" sz="2400" dirty="0" smtClean="0">
+                <a:solidFill>
+                  <a:schemeClr val="bg1">
+                    <a:lumMod val="50000"/>
+                  </a:schemeClr>
+                </a:solidFill>
+                <a:latin typeface="Avenir Book" charset="0"/>
+                <a:ea typeface="Avenir Book" charset="0"/>
+                <a:cs typeface="Avenir Book" charset="0"/>
+              </a:endParaRPr>
+            </a:p>
+          </p:txBody>
+        </p:sp>
+        <p:sp>
+          <p:nvSpPr>
+            <p:cNvPr id="130" name="Oval 129"/>
+            <p:cNvSpPr/>
+            <p:nvPr/>
+          </p:nvSpPr>
+          <p:spPr>
+            <a:xfrm>
+              <a:off x="10892396" y="2679433"/>
+              <a:ext cx="176105" cy="176105"/>
+            </a:xfrm>
+            <a:prstGeom prst="ellipse">
+              <a:avLst/>
+            </a:prstGeom>
+            <a:solidFill>
+              <a:srgbClr val="FF0000"/>
+            </a:solidFill>
+            <a:ln w="28575">
+              <a:solidFill>
+                <a:srgbClr val="FF0000"/>
+              </a:solidFill>
+            </a:ln>
+          </p:spPr>
+          <p:style>
+            <a:lnRef idx="2">
+              <a:schemeClr val="accent1">
+                <a:shade val="50000"/>
+              </a:schemeClr>
+            </a:lnRef>
+            <a:fillRef idx="1">
+              <a:schemeClr val="accent1"/>
+            </a:fillRef>
+            <a:effectRef idx="0">
+              <a:schemeClr val="accent1"/>
+            </a:effectRef>
+            <a:fontRef idx="minor">
+              <a:schemeClr val="lt1"/>
+            </a:fontRef>
+          </p:style>
+          <p:txBody>
+            <a:bodyPr rtlCol="0" anchor="ctr"/>
+            <a:lstStyle/>
+            <a:p>
+              <a:pPr algn="ctr"/>
+              <a:endParaRPr lang="en-US" sz="2400" dirty="0" smtClean="0">
+                <a:solidFill>
+                  <a:schemeClr val="bg1">
+                    <a:lumMod val="50000"/>
+                  </a:schemeClr>
+                </a:solidFill>
+                <a:latin typeface="Avenir Book" charset="0"/>
+                <a:ea typeface="Avenir Book" charset="0"/>
+                <a:cs typeface="Avenir Book" charset="0"/>
+              </a:endParaRPr>
+            </a:p>
+          </p:txBody>
+        </p:sp>
+      </p:grpSp>
+      <p:grpSp>
+        <p:nvGrpSpPr>
+          <p:cNvPr id="143" name="Group 142"/>
+          <p:cNvGrpSpPr/>
+          <p:nvPr/>
+        </p:nvGrpSpPr>
+        <p:grpSpPr>
+          <a:xfrm flipV="1">
+            <a:off x="6605609" y="3864523"/>
+            <a:ext cx="748209" cy="415490"/>
+            <a:chOff x="6621222" y="2711960"/>
+            <a:chExt cx="748209" cy="585875"/>
+          </a:xfrm>
+        </p:grpSpPr>
+        <p:cxnSp>
+          <p:nvCxnSpPr>
+            <p:cNvPr id="144" name="Straight Arrow Connector 143"/>
+            <p:cNvCxnSpPr/>
+            <p:nvPr/>
+          </p:nvCxnSpPr>
+          <p:spPr>
+            <a:xfrm>
+              <a:off x="6621222" y="2723350"/>
+              <a:ext cx="358491" cy="574485"/>
+            </a:xfrm>
+            <a:prstGeom prst="straightConnector1">
+              <a:avLst/>
+            </a:prstGeom>
+            <a:ln w="28575">
+              <a:solidFill>
+                <a:schemeClr val="bg1">
+                  <a:lumMod val="50000"/>
+                </a:schemeClr>
+              </a:solidFill>
+              <a:headEnd type="none" w="med" len="med"/>
+              <a:tailEnd type="triangle"/>
+            </a:ln>
+          </p:spPr>
+          <p:style>
+            <a:lnRef idx="1">
+              <a:schemeClr val="accent1"/>
+            </a:lnRef>
+            <a:fillRef idx="0">
+              <a:schemeClr val="accent1"/>
+            </a:fillRef>
+            <a:effectRef idx="0">
+              <a:schemeClr val="accent1"/>
+            </a:effectRef>
+            <a:fontRef idx="minor">
+              <a:schemeClr val="tx1"/>
+            </a:fontRef>
+          </p:style>
+        </p:cxnSp>
+        <p:cxnSp>
+          <p:nvCxnSpPr>
+            <p:cNvPr id="145" name="Straight Arrow Connector 144"/>
+            <p:cNvCxnSpPr/>
+            <p:nvPr/>
+          </p:nvCxnSpPr>
+          <p:spPr>
+            <a:xfrm flipV="1">
+              <a:off x="7010940" y="2711960"/>
+              <a:ext cx="358491" cy="574485"/>
+            </a:xfrm>
+            <a:prstGeom prst="straightConnector1">
+              <a:avLst/>
+            </a:prstGeom>
+            <a:ln w="28575">
+              <a:solidFill>
+                <a:schemeClr val="bg1">
+                  <a:lumMod val="50000"/>
+                </a:schemeClr>
+              </a:solidFill>
+              <a:headEnd type="none" w="med" len="med"/>
+              <a:tailEnd type="triangle"/>
+            </a:ln>
+          </p:spPr>
+          <p:style>
+            <a:lnRef idx="1">
+              <a:schemeClr val="accent1"/>
+            </a:lnRef>
+            <a:fillRef idx="0">
+              <a:schemeClr val="accent1"/>
+            </a:fillRef>
+            <a:effectRef idx="0">
+              <a:schemeClr val="accent1"/>
+            </a:effectRef>
+            <a:fontRef idx="minor">
+              <a:schemeClr val="tx1"/>
+            </a:fontRef>
+          </p:style>
+        </p:cxnSp>
+      </p:grpSp>
+      <p:grpSp>
+        <p:nvGrpSpPr>
+          <p:cNvPr id="146" name="Group 145"/>
+          <p:cNvGrpSpPr/>
+          <p:nvPr/>
+        </p:nvGrpSpPr>
+        <p:grpSpPr>
+          <a:xfrm>
+            <a:off x="8852056" y="2874267"/>
+            <a:ext cx="748209" cy="415490"/>
+            <a:chOff x="6621222" y="2711960"/>
+            <a:chExt cx="748209" cy="585875"/>
+          </a:xfrm>
+        </p:grpSpPr>
+        <p:cxnSp>
+          <p:nvCxnSpPr>
+            <p:cNvPr id="147" name="Straight Arrow Connector 146"/>
+            <p:cNvCxnSpPr/>
+            <p:nvPr/>
+          </p:nvCxnSpPr>
+          <p:spPr>
+            <a:xfrm>
+              <a:off x="6621222" y="2723350"/>
+              <a:ext cx="358491" cy="574485"/>
+            </a:xfrm>
+            <a:prstGeom prst="straightConnector1">
+              <a:avLst/>
+            </a:prstGeom>
+            <a:ln w="28575">
+              <a:solidFill>
+                <a:schemeClr val="bg1">
+                  <a:lumMod val="50000"/>
+                </a:schemeClr>
+              </a:solidFill>
+              <a:headEnd type="none" w="med" len="med"/>
+              <a:tailEnd type="triangle"/>
+            </a:ln>
+          </p:spPr>
+          <p:style>
+            <a:lnRef idx="1">
+              <a:schemeClr val="accent1"/>
+            </a:lnRef>
+            <a:fillRef idx="0">
+              <a:schemeClr val="accent1"/>
+            </a:fillRef>
+            <a:effectRef idx="0">
+              <a:schemeClr val="accent1"/>
+            </a:effectRef>
+            <a:fontRef idx="minor">
+              <a:schemeClr val="tx1"/>
+            </a:fontRef>
+          </p:style>
+        </p:cxnSp>
+        <p:cxnSp>
+          <p:nvCxnSpPr>
+            <p:cNvPr id="148" name="Straight Arrow Connector 147"/>
+            <p:cNvCxnSpPr/>
+            <p:nvPr/>
+          </p:nvCxnSpPr>
+          <p:spPr>
+            <a:xfrm flipV="1">
+              <a:off x="7010940" y="2711960"/>
+              <a:ext cx="358491" cy="574485"/>
+            </a:xfrm>
+            <a:prstGeom prst="straightConnector1">
+              <a:avLst/>
+            </a:prstGeom>
+            <a:ln w="28575">
+              <a:solidFill>
+                <a:schemeClr val="bg1">
+                  <a:lumMod val="50000"/>
+                </a:schemeClr>
+              </a:solidFill>
+              <a:headEnd type="none" w="med" len="med"/>
+              <a:tailEnd type="triangle"/>
+            </a:ln>
+          </p:spPr>
+          <p:style>
+            <a:lnRef idx="1">
+              <a:schemeClr val="accent1"/>
+            </a:lnRef>
+            <a:fillRef idx="0">
+              <a:schemeClr val="accent1"/>
+            </a:fillRef>
+            <a:effectRef idx="0">
+              <a:schemeClr val="accent1"/>
+            </a:effectRef>
+            <a:fontRef idx="minor">
+              <a:schemeClr val="tx1"/>
+            </a:fontRef>
+          </p:style>
+        </p:cxnSp>
+      </p:grpSp>
+      <p:grpSp>
+        <p:nvGrpSpPr>
+          <p:cNvPr id="149" name="Group 148"/>
+          <p:cNvGrpSpPr/>
+          <p:nvPr/>
+        </p:nvGrpSpPr>
+        <p:grpSpPr>
+          <a:xfrm flipV="1">
+            <a:off x="8852056" y="3864523"/>
+            <a:ext cx="748209" cy="415490"/>
+            <a:chOff x="6621222" y="2711960"/>
+            <a:chExt cx="748209" cy="585875"/>
+          </a:xfrm>
+        </p:grpSpPr>
+        <p:cxnSp>
+          <p:nvCxnSpPr>
+            <p:cNvPr id="150" name="Straight Arrow Connector 149"/>
+            <p:cNvCxnSpPr/>
+            <p:nvPr/>
+          </p:nvCxnSpPr>
+          <p:spPr>
+            <a:xfrm>
+              <a:off x="6621222" y="2723350"/>
+              <a:ext cx="358491" cy="574485"/>
+            </a:xfrm>
+            <a:prstGeom prst="straightConnector1">
+              <a:avLst/>
+            </a:prstGeom>
+            <a:ln w="28575">
+              <a:solidFill>
+                <a:schemeClr val="bg1">
+                  <a:lumMod val="50000"/>
+                </a:schemeClr>
+              </a:solidFill>
+              <a:headEnd type="none" w="med" len="med"/>
+              <a:tailEnd type="triangle"/>
+            </a:ln>
+          </p:spPr>
+          <p:style>
+            <a:lnRef idx="1">
+              <a:schemeClr val="accent1"/>
+            </a:lnRef>
+            <a:fillRef idx="0">
+              <a:schemeClr val="accent1"/>
+            </a:fillRef>
+            <a:effectRef idx="0">
+              <a:schemeClr val="accent1"/>
+            </a:effectRef>
+            <a:fontRef idx="minor">
+              <a:schemeClr val="tx1"/>
+            </a:fontRef>
+          </p:style>
+        </p:cxnSp>
+        <p:cxnSp>
+          <p:nvCxnSpPr>
+            <p:cNvPr id="151" name="Straight Arrow Connector 150"/>
+            <p:cNvCxnSpPr/>
+            <p:nvPr/>
+          </p:nvCxnSpPr>
+          <p:spPr>
+            <a:xfrm flipV="1">
+              <a:off x="7010940" y="2711960"/>
+              <a:ext cx="358491" cy="574485"/>
+            </a:xfrm>
+            <a:prstGeom prst="straightConnector1">
+              <a:avLst/>
+            </a:prstGeom>
+            <a:ln w="28575">
+              <a:solidFill>
+                <a:schemeClr val="bg1">
+                  <a:lumMod val="50000"/>
+                </a:schemeClr>
+              </a:solidFill>
+              <a:headEnd type="none" w="med" len="med"/>
+              <a:tailEnd type="triangle"/>
+            </a:ln>
+          </p:spPr>
+          <p:style>
+            <a:lnRef idx="1">
+              <a:schemeClr val="accent1"/>
+            </a:lnRef>
+            <a:fillRef idx="0">
+              <a:schemeClr val="accent1"/>
+            </a:fillRef>
+            <a:effectRef idx="0">
+              <a:schemeClr val="accent1"/>
+            </a:effectRef>
+            <a:fontRef idx="minor">
+              <a:schemeClr val="tx1"/>
+            </a:fontRef>
+          </p:style>
+        </p:cxnSp>
+      </p:grpSp>
+      <p:cxnSp>
+        <p:nvCxnSpPr>
+          <p:cNvPr id="153" name="Straight Arrow Connector 152"/>
+          <p:cNvCxnSpPr/>
+          <p:nvPr/>
+        </p:nvCxnSpPr>
+        <p:spPr>
+          <a:xfrm flipV="1">
+            <a:off x="3226728" y="3011216"/>
+            <a:ext cx="174416" cy="458194"/>
+          </a:xfrm>
+          <a:prstGeom prst="straightConnector1">
+            <a:avLst/>
+          </a:prstGeom>
+          <a:ln w="28575">
+            <a:solidFill>
+              <a:schemeClr val="bg1">
+                <a:lumMod val="50000"/>
+              </a:schemeClr>
+            </a:solidFill>
+            <a:headEnd type="none" w="med" len="med"/>
+            <a:tailEnd type="triangle"/>
+          </a:ln>
+        </p:spPr>
+        <p:style>
+          <a:lnRef idx="1">
+            <a:schemeClr val="accent1"/>
+          </a:lnRef>
+          <a:fillRef idx="0">
+            <a:schemeClr val="accent1"/>
+          </a:fillRef>
+          <a:effectRef idx="0">
+            <a:schemeClr val="accent1"/>
+          </a:effectRef>
+          <a:fontRef idx="minor">
+            <a:schemeClr val="tx1"/>
+          </a:fontRef>
+        </p:style>
+      </p:cxnSp>
+      <p:cxnSp>
+        <p:nvCxnSpPr>
+          <p:cNvPr id="155" name="Straight Arrow Connector 154"/>
+          <p:cNvCxnSpPr/>
+          <p:nvPr/>
+        </p:nvCxnSpPr>
+        <p:spPr>
+          <a:xfrm>
+            <a:off x="3249836" y="3714844"/>
+            <a:ext cx="151308" cy="529195"/>
+          </a:xfrm>
+          <a:prstGeom prst="straightConnector1">
+            <a:avLst/>
+          </a:prstGeom>
+          <a:ln w="28575">
+            <a:solidFill>
+              <a:schemeClr val="bg1">
+                <a:lumMod val="50000"/>
+              </a:schemeClr>
+            </a:solidFill>
+            <a:headEnd type="none" w="med" len="med"/>
+            <a:tailEnd type="triangle"/>
+          </a:ln>
+        </p:spPr>
+        <p:style>
+          <a:lnRef idx="1">
+            <a:schemeClr val="accent1"/>
+          </a:lnRef>
+          <a:fillRef idx="0">
+            <a:schemeClr val="accent1"/>
+          </a:fillRef>
+          <a:effectRef idx="0">
+            <a:schemeClr val="accent1"/>
+          </a:effectRef>
+          <a:fontRef idx="minor">
+            <a:schemeClr val="tx1"/>
+          </a:fontRef>
+        </p:style>
+      </p:cxnSp>
     </p:spTree>
     <p:extLst>
       <p:ext uri="{BB962C8B-B14F-4D97-AF65-F5344CB8AC3E}">
-        <p14:creationId xmlns:p14="http://schemas.microsoft.com/office/powerpoint/2010/main" val="612973346"/>
+        <p14:creationId xmlns:p14="http://schemas.microsoft.com/office/powerpoint/2010/main" val="1302155349"/>
       </p:ext>
     </p:extLst>
   </p:cSld>

--- a/figures/figs.pptx
+++ b/figures/figs.pptx
@@ -4351,307 +4351,6 @@
           <a:chExt cx="0" cy="0"/>
         </a:xfrm>
       </p:grpSpPr>
-      <p:grpSp>
-        <p:nvGrpSpPr>
-          <p:cNvPr id="166" name="Group 165"/>
-          <p:cNvGrpSpPr/>
-          <p:nvPr/>
-        </p:nvGrpSpPr>
-        <p:grpSpPr>
-          <a:xfrm>
-            <a:off x="1739963" y="3402319"/>
-            <a:ext cx="1331997" cy="369332"/>
-            <a:chOff x="1739963" y="3402319"/>
-            <a:chExt cx="1331997" cy="369332"/>
-          </a:xfrm>
-        </p:grpSpPr>
-        <p:sp>
-          <p:nvSpPr>
-            <p:cNvPr id="11" name="TextBox 10"/>
-            <p:cNvSpPr txBox="1"/>
-            <p:nvPr/>
-          </p:nvSpPr>
-          <p:spPr>
-            <a:xfrm>
-              <a:off x="1739963" y="3402319"/>
-              <a:ext cx="450764" cy="369332"/>
-            </a:xfrm>
-            <a:prstGeom prst="rect">
-              <a:avLst/>
-            </a:prstGeom>
-            <a:noFill/>
-          </p:spPr>
-          <p:txBody>
-            <a:bodyPr wrap="none" rtlCol="0" anchor="ctr">
-              <a:spAutoFit/>
-            </a:bodyPr>
-            <a:lstStyle/>
-            <a:p>
-              <a:r>
-                <a:rPr lang="el-GR" dirty="0" smtClean="0">
-                  <a:latin typeface="Avenir Next" charset="0"/>
-                  <a:ea typeface="Avenir Next" charset="0"/>
-                  <a:cs typeface="Avenir Next" charset="0"/>
-                </a:rPr>
-                <a:t>Σ</a:t>
-              </a:r>
-              <a:r>
-                <a:rPr lang="en-US" dirty="0" smtClean="0">
-                  <a:latin typeface="Avenir Next" charset="0"/>
-                  <a:ea typeface="Avenir Next" charset="0"/>
-                  <a:cs typeface="Avenir Next" charset="0"/>
-                </a:rPr>
-                <a:t>:</a:t>
-              </a:r>
-              <a:r>
-                <a:rPr lang="el-GR" dirty="0" smtClean="0">
-                  <a:latin typeface="Avenir Next" charset="0"/>
-                  <a:ea typeface="Avenir Next" charset="0"/>
-                  <a:cs typeface="Avenir Next" charset="0"/>
-                </a:rPr>
-                <a:t> </a:t>
-              </a:r>
-              <a:endParaRPr lang="el-GR" dirty="0">
-                <a:latin typeface="Avenir Next" charset="0"/>
-                <a:ea typeface="Avenir Next" charset="0"/>
-                <a:cs typeface="Avenir Next" charset="0"/>
-              </a:endParaRPr>
-            </a:p>
-          </p:txBody>
-        </p:sp>
-        <p:sp>
-          <p:nvSpPr>
-            <p:cNvPr id="12" name="Oval 11"/>
-            <p:cNvSpPr/>
-            <p:nvPr/>
-          </p:nvSpPr>
-          <p:spPr>
-            <a:xfrm>
-              <a:off x="2098632" y="3471501"/>
-              <a:ext cx="176105" cy="176105"/>
-            </a:xfrm>
-            <a:prstGeom prst="ellipse">
-              <a:avLst/>
-            </a:prstGeom>
-            <a:solidFill>
-              <a:schemeClr val="bg1">
-                <a:lumMod val="50000"/>
-              </a:schemeClr>
-            </a:solidFill>
-            <a:ln w="28575">
-              <a:solidFill>
-                <a:schemeClr val="bg1">
-                  <a:lumMod val="50000"/>
-                </a:schemeClr>
-              </a:solidFill>
-            </a:ln>
-          </p:spPr>
-          <p:style>
-            <a:lnRef idx="2">
-              <a:schemeClr val="accent1">
-                <a:shade val="50000"/>
-              </a:schemeClr>
-            </a:lnRef>
-            <a:fillRef idx="1">
-              <a:schemeClr val="accent1"/>
-            </a:fillRef>
-            <a:effectRef idx="0">
-              <a:schemeClr val="accent1"/>
-            </a:effectRef>
-            <a:fontRef idx="minor">
-              <a:schemeClr val="lt1"/>
-            </a:fontRef>
-          </p:style>
-          <p:txBody>
-            <a:bodyPr rtlCol="0" anchor="ctr"/>
-            <a:lstStyle/>
-            <a:p>
-              <a:pPr algn="ctr"/>
-              <a:endParaRPr lang="en-US" sz="2400" dirty="0" smtClean="0">
-                <a:solidFill>
-                  <a:schemeClr val="bg1">
-                    <a:lumMod val="50000"/>
-                  </a:schemeClr>
-                </a:solidFill>
-                <a:latin typeface="Avenir Book" charset="0"/>
-                <a:ea typeface="Avenir Book" charset="0"/>
-                <a:cs typeface="Avenir Book" charset="0"/>
-              </a:endParaRPr>
-            </a:p>
-          </p:txBody>
-        </p:sp>
-        <p:sp>
-          <p:nvSpPr>
-            <p:cNvPr id="13" name="Oval 12"/>
-            <p:cNvSpPr/>
-            <p:nvPr/>
-          </p:nvSpPr>
-          <p:spPr>
-            <a:xfrm>
-              <a:off x="2364373" y="3471501"/>
-              <a:ext cx="176105" cy="176105"/>
-            </a:xfrm>
-            <a:prstGeom prst="ellipse">
-              <a:avLst/>
-            </a:prstGeom>
-            <a:solidFill>
-              <a:schemeClr val="accent2"/>
-            </a:solidFill>
-            <a:ln w="28575">
-              <a:solidFill>
-                <a:schemeClr val="accent2"/>
-              </a:solidFill>
-            </a:ln>
-          </p:spPr>
-          <p:style>
-            <a:lnRef idx="2">
-              <a:schemeClr val="accent1">
-                <a:shade val="50000"/>
-              </a:schemeClr>
-            </a:lnRef>
-            <a:fillRef idx="1">
-              <a:schemeClr val="accent1"/>
-            </a:fillRef>
-            <a:effectRef idx="0">
-              <a:schemeClr val="accent1"/>
-            </a:effectRef>
-            <a:fontRef idx="minor">
-              <a:schemeClr val="lt1"/>
-            </a:fontRef>
-          </p:style>
-          <p:txBody>
-            <a:bodyPr rtlCol="0" anchor="ctr"/>
-            <a:lstStyle/>
-            <a:p>
-              <a:pPr algn="ctr"/>
-              <a:endParaRPr lang="en-US" sz="2400" dirty="0" smtClean="0">
-                <a:solidFill>
-                  <a:schemeClr val="bg1">
-                    <a:lumMod val="50000"/>
-                  </a:schemeClr>
-                </a:solidFill>
-                <a:latin typeface="Avenir Book" charset="0"/>
-                <a:ea typeface="Avenir Book" charset="0"/>
-                <a:cs typeface="Avenir Book" charset="0"/>
-              </a:endParaRPr>
-            </a:p>
-          </p:txBody>
-        </p:sp>
-        <p:sp>
-          <p:nvSpPr>
-            <p:cNvPr id="14" name="Oval 13"/>
-            <p:cNvSpPr/>
-            <p:nvPr/>
-          </p:nvSpPr>
-          <p:spPr>
-            <a:xfrm>
-              <a:off x="2630114" y="3471501"/>
-              <a:ext cx="176105" cy="176105"/>
-            </a:xfrm>
-            <a:prstGeom prst="ellipse">
-              <a:avLst/>
-            </a:prstGeom>
-            <a:solidFill>
-              <a:srgbClr val="FF0000"/>
-            </a:solidFill>
-            <a:ln w="28575">
-              <a:solidFill>
-                <a:srgbClr val="FF0000"/>
-              </a:solidFill>
-            </a:ln>
-          </p:spPr>
-          <p:style>
-            <a:lnRef idx="2">
-              <a:schemeClr val="accent1">
-                <a:shade val="50000"/>
-              </a:schemeClr>
-            </a:lnRef>
-            <a:fillRef idx="1">
-              <a:schemeClr val="accent1"/>
-            </a:fillRef>
-            <a:effectRef idx="0">
-              <a:schemeClr val="accent1"/>
-            </a:effectRef>
-            <a:fontRef idx="minor">
-              <a:schemeClr val="lt1"/>
-            </a:fontRef>
-          </p:style>
-          <p:txBody>
-            <a:bodyPr rtlCol="0" anchor="ctr"/>
-            <a:lstStyle/>
-            <a:p>
-              <a:pPr algn="ctr"/>
-              <a:endParaRPr lang="en-US" sz="2400" dirty="0" smtClean="0">
-                <a:solidFill>
-                  <a:schemeClr val="bg1">
-                    <a:lumMod val="50000"/>
-                  </a:schemeClr>
-                </a:solidFill>
-                <a:latin typeface="Avenir Book" charset="0"/>
-                <a:ea typeface="Avenir Book" charset="0"/>
-                <a:cs typeface="Avenir Book" charset="0"/>
-              </a:endParaRPr>
-            </a:p>
-          </p:txBody>
-        </p:sp>
-        <p:sp>
-          <p:nvSpPr>
-            <p:cNvPr id="15" name="Oval 14"/>
-            <p:cNvSpPr/>
-            <p:nvPr/>
-          </p:nvSpPr>
-          <p:spPr>
-            <a:xfrm>
-              <a:off x="2895855" y="3471501"/>
-              <a:ext cx="176105" cy="176105"/>
-            </a:xfrm>
-            <a:prstGeom prst="ellipse">
-              <a:avLst/>
-            </a:prstGeom>
-            <a:solidFill>
-              <a:schemeClr val="accent5"/>
-            </a:solidFill>
-            <a:ln w="28575">
-              <a:solidFill>
-                <a:schemeClr val="accent5"/>
-              </a:solidFill>
-            </a:ln>
-          </p:spPr>
-          <p:style>
-            <a:lnRef idx="2">
-              <a:schemeClr val="accent1">
-                <a:shade val="50000"/>
-              </a:schemeClr>
-            </a:lnRef>
-            <a:fillRef idx="1">
-              <a:schemeClr val="accent1"/>
-            </a:fillRef>
-            <a:effectRef idx="0">
-              <a:schemeClr val="accent1"/>
-            </a:effectRef>
-            <a:fontRef idx="minor">
-              <a:schemeClr val="lt1"/>
-            </a:fontRef>
-          </p:style>
-          <p:txBody>
-            <a:bodyPr rtlCol="0" anchor="ctr"/>
-            <a:lstStyle/>
-            <a:p>
-              <a:pPr algn="ctr"/>
-              <a:endParaRPr lang="en-US" sz="2400" dirty="0" smtClean="0">
-                <a:solidFill>
-                  <a:schemeClr val="bg1">
-                    <a:lumMod val="50000"/>
-                  </a:schemeClr>
-                </a:solidFill>
-                <a:latin typeface="Avenir Book" charset="0"/>
-                <a:ea typeface="Avenir Book" charset="0"/>
-                <a:cs typeface="Avenir Book" charset="0"/>
-              </a:endParaRPr>
-            </a:p>
-          </p:txBody>
-        </p:sp>
-      </p:grpSp>
       <p:sp>
         <p:nvSpPr>
           <p:cNvPr id="17" name="TextBox 16"/>
@@ -4730,153 +4429,6 @@
       </p:sp>
       <p:sp>
         <p:nvSpPr>
-          <p:cNvPr id="52" name="TextBox 51"/>
-          <p:cNvSpPr txBox="1"/>
-          <p:nvPr/>
-        </p:nvSpPr>
-        <p:spPr>
-          <a:xfrm>
-            <a:off x="1995367" y="1786302"/>
-            <a:ext cx="975075" cy="646331"/>
-          </a:xfrm>
-          <a:prstGeom prst="rect">
-            <a:avLst/>
-          </a:prstGeom>
-          <a:noFill/>
-        </p:spPr>
-        <p:txBody>
-          <a:bodyPr wrap="none" rtlCol="0">
-            <a:spAutoFit/>
-          </a:bodyPr>
-          <a:lstStyle/>
-          <a:p>
-            <a:pPr algn="ctr"/>
-            <a:r>
-              <a:rPr lang="en-US" smtClean="0">
-                <a:latin typeface="Avenir Next" charset="0"/>
-                <a:ea typeface="Avenir Next" charset="0"/>
-                <a:cs typeface="Avenir Next" charset="0"/>
-              </a:rPr>
-              <a:t>Priority </a:t>
-            </a:r>
-          </a:p>
-          <a:p>
-            <a:pPr algn="ctr"/>
-            <a:r>
-              <a:rPr lang="en-US" dirty="0" smtClean="0">
-                <a:latin typeface="Avenir Next" charset="0"/>
-                <a:ea typeface="Avenir Next" charset="0"/>
-                <a:cs typeface="Avenir Next" charset="0"/>
-              </a:rPr>
-              <a:t>Queue</a:t>
-            </a:r>
-            <a:endParaRPr lang="en-US" dirty="0" smtClean="0">
-              <a:latin typeface="Avenir Next" charset="0"/>
-              <a:ea typeface="Avenir Next" charset="0"/>
-              <a:cs typeface="Avenir Next" charset="0"/>
-            </a:endParaRPr>
-          </a:p>
-        </p:txBody>
-      </p:sp>
-      <p:sp>
-        <p:nvSpPr>
-          <p:cNvPr id="54" name="TextBox 53"/>
-          <p:cNvSpPr txBox="1"/>
-          <p:nvPr/>
-        </p:nvSpPr>
-        <p:spPr>
-          <a:xfrm>
-            <a:off x="3388251" y="1790528"/>
-            <a:ext cx="1389162" cy="646331"/>
-          </a:xfrm>
-          <a:prstGeom prst="rect">
-            <a:avLst/>
-          </a:prstGeom>
-          <a:noFill/>
-        </p:spPr>
-        <p:txBody>
-          <a:bodyPr wrap="none" rtlCol="0">
-            <a:spAutoFit/>
-          </a:bodyPr>
-          <a:lstStyle/>
-          <a:p>
-            <a:pPr algn="ctr"/>
-            <a:r>
-              <a:rPr lang="en-US" smtClean="0">
-                <a:latin typeface="Avenir Next" charset="0"/>
-                <a:ea typeface="Avenir Next" charset="0"/>
-                <a:cs typeface="Avenir Next" charset="0"/>
-              </a:rPr>
-              <a:t>Expanded</a:t>
-            </a:r>
-          </a:p>
-          <a:p>
-            <a:pPr algn="ctr"/>
-            <a:r>
-              <a:rPr lang="en-US" dirty="0" smtClean="0">
-                <a:latin typeface="Avenir Next" charset="0"/>
-                <a:ea typeface="Avenir Next" charset="0"/>
-                <a:cs typeface="Avenir Next" charset="0"/>
-              </a:rPr>
-              <a:t>Candidates</a:t>
-            </a:r>
-            <a:endParaRPr lang="en-US" dirty="0" smtClean="0">
-              <a:latin typeface="Avenir Next" charset="0"/>
-              <a:ea typeface="Avenir Next" charset="0"/>
-              <a:cs typeface="Avenir Next" charset="0"/>
-            </a:endParaRPr>
-          </a:p>
-        </p:txBody>
-      </p:sp>
-      <p:sp>
-        <p:nvSpPr>
-          <p:cNvPr id="72" name="TextBox 71"/>
-          <p:cNvSpPr txBox="1"/>
-          <p:nvPr/>
-        </p:nvSpPr>
-        <p:spPr>
-          <a:xfrm>
-            <a:off x="5158790" y="2063301"/>
-            <a:ext cx="1372492" cy="369332"/>
-          </a:xfrm>
-          <a:prstGeom prst="rect">
-            <a:avLst/>
-          </a:prstGeom>
-          <a:noFill/>
-        </p:spPr>
-        <p:txBody>
-          <a:bodyPr wrap="none" rtlCol="0">
-            <a:spAutoFit/>
-          </a:bodyPr>
-          <a:lstStyle/>
-          <a:p>
-            <a:pPr algn="ctr"/>
-            <a:r>
-              <a:rPr lang="el-GR" dirty="0" smtClean="0">
-                <a:latin typeface="Avenir Next" charset="0"/>
-                <a:ea typeface="Avenir Next" charset="0"/>
-                <a:cs typeface="Avenir Next" charset="0"/>
-              </a:rPr>
-              <a:t>γ </a:t>
-            </a:r>
-            <a:r>
-              <a:rPr lang="en-US" dirty="0" smtClean="0">
-                <a:latin typeface="Avenir Next" charset="0"/>
-                <a:ea typeface="Avenir Next" charset="0"/>
-                <a:cs typeface="Avenir Next" charset="0"/>
-              </a:rPr>
-              <a:t>local best</a:t>
-            </a:r>
-            <a:endParaRPr lang="en-US" dirty="0" smtClean="0">
-              <a:latin typeface="Avenir Next" charset="0"/>
-              <a:ea typeface="Avenir Next" charset="0"/>
-              <a:cs typeface="Avenir Next" charset="0"/>
-            </a:endParaRPr>
-          </a:p>
-        </p:txBody>
-      </p:sp>
-      <p:sp>
-        <p:nvSpPr>
           <p:cNvPr id="73" name="TextBox 72"/>
           <p:cNvSpPr txBox="1"/>
           <p:nvPr/>
@@ -4913,195 +4465,3874 @@
           </a:p>
         </p:txBody>
       </p:sp>
-      <p:cxnSp>
-        <p:nvCxnSpPr>
-          <p:cNvPr id="77" name="Straight Connector 76"/>
-          <p:cNvCxnSpPr/>
-          <p:nvPr/>
-        </p:nvCxnSpPr>
-        <p:spPr>
-          <a:xfrm flipH="1">
-            <a:off x="1712531" y="3317216"/>
-            <a:ext cx="9460574" cy="0"/>
-          </a:xfrm>
-          <a:prstGeom prst="line">
-            <a:avLst/>
-          </a:prstGeom>
-          <a:ln w="28575">
-            <a:solidFill>
-              <a:schemeClr val="bg1">
-                <a:lumMod val="75000"/>
-              </a:schemeClr>
-            </a:solidFill>
-            <a:prstDash val="sysDot"/>
-            <a:headEnd type="none" w="med" len="med"/>
-            <a:tailEnd type="none" w="med" len="med"/>
-          </a:ln>
-        </p:spPr>
-        <p:style>
-          <a:lnRef idx="1">
-            <a:schemeClr val="accent1"/>
-          </a:lnRef>
-          <a:fillRef idx="0">
-            <a:schemeClr val="accent1"/>
-          </a:fillRef>
-          <a:effectRef idx="0">
-            <a:schemeClr val="accent1"/>
-          </a:effectRef>
-          <a:fontRef idx="minor">
-            <a:schemeClr val="tx1"/>
-          </a:fontRef>
-        </p:style>
-      </p:cxnSp>
-      <p:cxnSp>
-        <p:nvCxnSpPr>
-          <p:cNvPr id="78" name="Straight Connector 77"/>
-          <p:cNvCxnSpPr/>
-          <p:nvPr/>
-        </p:nvCxnSpPr>
-        <p:spPr>
-          <a:xfrm flipH="1">
-            <a:off x="1712531" y="3839552"/>
-            <a:ext cx="9460574" cy="0"/>
-          </a:xfrm>
-          <a:prstGeom prst="line">
-            <a:avLst/>
-          </a:prstGeom>
-          <a:ln w="28575">
-            <a:solidFill>
-              <a:schemeClr val="bg1">
-                <a:lumMod val="75000"/>
-              </a:schemeClr>
-            </a:solidFill>
-            <a:prstDash val="sysDot"/>
-            <a:headEnd type="none" w="med" len="med"/>
-            <a:tailEnd type="none" w="med" len="med"/>
-          </a:ln>
-        </p:spPr>
-        <p:style>
-          <a:lnRef idx="1">
-            <a:schemeClr val="accent1"/>
-          </a:lnRef>
-          <a:fillRef idx="0">
-            <a:schemeClr val="accent1"/>
-          </a:fillRef>
-          <a:effectRef idx="0">
-            <a:schemeClr val="accent1"/>
-          </a:effectRef>
-          <a:fontRef idx="minor">
-            <a:schemeClr val="tx1"/>
-          </a:fontRef>
-        </p:style>
-      </p:cxnSp>
-      <p:sp>
-        <p:nvSpPr>
-          <p:cNvPr id="87" name="TextBox 86"/>
-          <p:cNvSpPr txBox="1"/>
-          <p:nvPr/>
-        </p:nvSpPr>
-        <p:spPr>
-          <a:xfrm>
-            <a:off x="7435261" y="2063301"/>
-            <a:ext cx="1550424" cy="369332"/>
-          </a:xfrm>
-          <a:prstGeom prst="rect">
-            <a:avLst/>
-          </a:prstGeom>
-          <a:noFill/>
-        </p:spPr>
-        <p:txBody>
-          <a:bodyPr wrap="none" rtlCol="0">
-            <a:spAutoFit/>
-          </a:bodyPr>
-          <a:lstStyle/>
-          <a:p>
-            <a:pPr algn="ctr"/>
-            <a:r>
-              <a:rPr lang="el-GR" dirty="0" smtClean="0">
-                <a:latin typeface="Avenir Next" charset="0"/>
-                <a:ea typeface="Avenir Next" charset="0"/>
-                <a:cs typeface="Avenir Next" charset="0"/>
-              </a:rPr>
-              <a:t>γ </a:t>
-            </a:r>
-            <a:r>
-              <a:rPr lang="en-US" dirty="0" smtClean="0">
-                <a:latin typeface="Avenir Next" charset="0"/>
-                <a:ea typeface="Avenir Next" charset="0"/>
-                <a:cs typeface="Avenir Next" charset="0"/>
-              </a:rPr>
-              <a:t>global best</a:t>
-            </a:r>
-            <a:endParaRPr lang="en-US" dirty="0" smtClean="0">
-              <a:latin typeface="Avenir Next" charset="0"/>
-              <a:ea typeface="Avenir Next" charset="0"/>
-              <a:cs typeface="Avenir Next" charset="0"/>
-            </a:endParaRPr>
-          </a:p>
-        </p:txBody>
-      </p:sp>
-      <p:sp>
-        <p:nvSpPr>
-          <p:cNvPr id="93" name="TextBox 92"/>
-          <p:cNvSpPr txBox="1"/>
-          <p:nvPr/>
-        </p:nvSpPr>
-        <p:spPr>
-          <a:xfrm>
-            <a:off x="6277437" y="3397468"/>
-            <a:ext cx="1404552" cy="369332"/>
-          </a:xfrm>
-          <a:prstGeom prst="rect">
-            <a:avLst/>
-          </a:prstGeom>
-          <a:noFill/>
-        </p:spPr>
-        <p:txBody>
-          <a:bodyPr wrap="none" rtlCol="0">
-            <a:spAutoFit/>
-          </a:bodyPr>
-          <a:lstStyle/>
-          <a:p>
-            <a:r>
-              <a:rPr lang="en-US" dirty="0" smtClean="0">
-                <a:latin typeface="Avenir Next" charset="0"/>
-                <a:ea typeface="Avenir Next" charset="0"/>
-                <a:cs typeface="Avenir Next" charset="0"/>
-              </a:rPr>
-              <a:t>Global best</a:t>
-            </a:r>
-            <a:endParaRPr lang="en-US" dirty="0" smtClean="0">
-              <a:latin typeface="Avenir Next" charset="0"/>
-              <a:ea typeface="Avenir Next" charset="0"/>
-              <a:cs typeface="Avenir Next" charset="0"/>
-            </a:endParaRPr>
-          </a:p>
-        </p:txBody>
-      </p:sp>
       <p:grpSp>
         <p:nvGrpSpPr>
-          <p:cNvPr id="141" name="Group 140"/>
+          <p:cNvPr id="168" name="Group 167"/>
           <p:cNvGrpSpPr/>
           <p:nvPr/>
         </p:nvGrpSpPr>
         <p:grpSpPr>
           <a:xfrm>
-            <a:off x="6605609" y="2882345"/>
-            <a:ext cx="748209" cy="415490"/>
-            <a:chOff x="6621222" y="2711960"/>
-            <a:chExt cx="748209" cy="585875"/>
+            <a:off x="1712531" y="1786302"/>
+            <a:ext cx="9553628" cy="2660937"/>
+            <a:chOff x="1712531" y="1786302"/>
+            <a:chExt cx="9553628" cy="2660937"/>
           </a:xfrm>
         </p:grpSpPr>
+        <p:grpSp>
+          <p:nvGrpSpPr>
+            <p:cNvPr id="166" name="Group 165"/>
+            <p:cNvGrpSpPr/>
+            <p:nvPr/>
+          </p:nvGrpSpPr>
+          <p:grpSpPr>
+            <a:xfrm>
+              <a:off x="1739963" y="3402319"/>
+              <a:ext cx="1331997" cy="369332"/>
+              <a:chOff x="1739963" y="3402319"/>
+              <a:chExt cx="1331997" cy="369332"/>
+            </a:xfrm>
+          </p:grpSpPr>
+          <p:sp>
+            <p:nvSpPr>
+              <p:cNvPr id="11" name="TextBox 10"/>
+              <p:cNvSpPr txBox="1"/>
+              <p:nvPr/>
+            </p:nvSpPr>
+            <p:spPr>
+              <a:xfrm>
+                <a:off x="1739963" y="3402319"/>
+                <a:ext cx="450764" cy="369332"/>
+              </a:xfrm>
+              <a:prstGeom prst="rect">
+                <a:avLst/>
+              </a:prstGeom>
+              <a:noFill/>
+            </p:spPr>
+            <p:txBody>
+              <a:bodyPr wrap="none" rtlCol="0" anchor="ctr">
+                <a:spAutoFit/>
+              </a:bodyPr>
+              <a:lstStyle/>
+              <a:p>
+                <a:r>
+                  <a:rPr lang="el-GR" dirty="0" smtClean="0">
+                    <a:latin typeface="Avenir Next" charset="0"/>
+                    <a:ea typeface="Avenir Next" charset="0"/>
+                    <a:cs typeface="Avenir Next" charset="0"/>
+                  </a:rPr>
+                  <a:t>Σ</a:t>
+                </a:r>
+                <a:r>
+                  <a:rPr lang="en-US" dirty="0" smtClean="0">
+                    <a:latin typeface="Avenir Next" charset="0"/>
+                    <a:ea typeface="Avenir Next" charset="0"/>
+                    <a:cs typeface="Avenir Next" charset="0"/>
+                  </a:rPr>
+                  <a:t>:</a:t>
+                </a:r>
+                <a:r>
+                  <a:rPr lang="el-GR" dirty="0" smtClean="0">
+                    <a:latin typeface="Avenir Next" charset="0"/>
+                    <a:ea typeface="Avenir Next" charset="0"/>
+                    <a:cs typeface="Avenir Next" charset="0"/>
+                  </a:rPr>
+                  <a:t> </a:t>
+                </a:r>
+                <a:endParaRPr lang="el-GR" dirty="0">
+                  <a:latin typeface="Avenir Next" charset="0"/>
+                  <a:ea typeface="Avenir Next" charset="0"/>
+                  <a:cs typeface="Avenir Next" charset="0"/>
+                </a:endParaRPr>
+              </a:p>
+            </p:txBody>
+          </p:sp>
+          <p:sp>
+            <p:nvSpPr>
+              <p:cNvPr id="12" name="Oval 11"/>
+              <p:cNvSpPr/>
+              <p:nvPr/>
+            </p:nvSpPr>
+            <p:spPr>
+              <a:xfrm>
+                <a:off x="2098632" y="3471501"/>
+                <a:ext cx="176105" cy="176105"/>
+              </a:xfrm>
+              <a:prstGeom prst="ellipse">
+                <a:avLst/>
+              </a:prstGeom>
+              <a:solidFill>
+                <a:schemeClr val="bg1">
+                  <a:lumMod val="50000"/>
+                </a:schemeClr>
+              </a:solidFill>
+              <a:ln w="28575">
+                <a:solidFill>
+                  <a:schemeClr val="bg1">
+                    <a:lumMod val="50000"/>
+                  </a:schemeClr>
+                </a:solidFill>
+              </a:ln>
+            </p:spPr>
+            <p:style>
+              <a:lnRef idx="2">
+                <a:schemeClr val="accent1">
+                  <a:shade val="50000"/>
+                </a:schemeClr>
+              </a:lnRef>
+              <a:fillRef idx="1">
+                <a:schemeClr val="accent1"/>
+              </a:fillRef>
+              <a:effectRef idx="0">
+                <a:schemeClr val="accent1"/>
+              </a:effectRef>
+              <a:fontRef idx="minor">
+                <a:schemeClr val="lt1"/>
+              </a:fontRef>
+            </p:style>
+            <p:txBody>
+              <a:bodyPr rtlCol="0" anchor="ctr"/>
+              <a:lstStyle/>
+              <a:p>
+                <a:pPr algn="ctr"/>
+                <a:endParaRPr lang="en-US" sz="2400" dirty="0" smtClean="0">
+                  <a:solidFill>
+                    <a:schemeClr val="bg1">
+                      <a:lumMod val="50000"/>
+                    </a:schemeClr>
+                  </a:solidFill>
+                  <a:latin typeface="Avenir Book" charset="0"/>
+                  <a:ea typeface="Avenir Book" charset="0"/>
+                  <a:cs typeface="Avenir Book" charset="0"/>
+                </a:endParaRPr>
+              </a:p>
+            </p:txBody>
+          </p:sp>
+          <p:sp>
+            <p:nvSpPr>
+              <p:cNvPr id="13" name="Oval 12"/>
+              <p:cNvSpPr/>
+              <p:nvPr/>
+            </p:nvSpPr>
+            <p:spPr>
+              <a:xfrm>
+                <a:off x="2364373" y="3471501"/>
+                <a:ext cx="176105" cy="176105"/>
+              </a:xfrm>
+              <a:prstGeom prst="ellipse">
+                <a:avLst/>
+              </a:prstGeom>
+              <a:solidFill>
+                <a:schemeClr val="accent2"/>
+              </a:solidFill>
+              <a:ln w="28575">
+                <a:solidFill>
+                  <a:schemeClr val="accent2"/>
+                </a:solidFill>
+              </a:ln>
+            </p:spPr>
+            <p:style>
+              <a:lnRef idx="2">
+                <a:schemeClr val="accent1">
+                  <a:shade val="50000"/>
+                </a:schemeClr>
+              </a:lnRef>
+              <a:fillRef idx="1">
+                <a:schemeClr val="accent1"/>
+              </a:fillRef>
+              <a:effectRef idx="0">
+                <a:schemeClr val="accent1"/>
+              </a:effectRef>
+              <a:fontRef idx="minor">
+                <a:schemeClr val="lt1"/>
+              </a:fontRef>
+            </p:style>
+            <p:txBody>
+              <a:bodyPr rtlCol="0" anchor="ctr"/>
+              <a:lstStyle/>
+              <a:p>
+                <a:pPr algn="ctr"/>
+                <a:endParaRPr lang="en-US" sz="2400" dirty="0" smtClean="0">
+                  <a:solidFill>
+                    <a:schemeClr val="bg1">
+                      <a:lumMod val="50000"/>
+                    </a:schemeClr>
+                  </a:solidFill>
+                  <a:latin typeface="Avenir Book" charset="0"/>
+                  <a:ea typeface="Avenir Book" charset="0"/>
+                  <a:cs typeface="Avenir Book" charset="0"/>
+                </a:endParaRPr>
+              </a:p>
+            </p:txBody>
+          </p:sp>
+          <p:sp>
+            <p:nvSpPr>
+              <p:cNvPr id="14" name="Oval 13"/>
+              <p:cNvSpPr/>
+              <p:nvPr/>
+            </p:nvSpPr>
+            <p:spPr>
+              <a:xfrm>
+                <a:off x="2630114" y="3471501"/>
+                <a:ext cx="176105" cy="176105"/>
+              </a:xfrm>
+              <a:prstGeom prst="ellipse">
+                <a:avLst/>
+              </a:prstGeom>
+              <a:solidFill>
+                <a:srgbClr val="FF0000"/>
+              </a:solidFill>
+              <a:ln w="28575">
+                <a:solidFill>
+                  <a:srgbClr val="FF0000"/>
+                </a:solidFill>
+              </a:ln>
+            </p:spPr>
+            <p:style>
+              <a:lnRef idx="2">
+                <a:schemeClr val="accent1">
+                  <a:shade val="50000"/>
+                </a:schemeClr>
+              </a:lnRef>
+              <a:fillRef idx="1">
+                <a:schemeClr val="accent1"/>
+              </a:fillRef>
+              <a:effectRef idx="0">
+                <a:schemeClr val="accent1"/>
+              </a:effectRef>
+              <a:fontRef idx="minor">
+                <a:schemeClr val="lt1"/>
+              </a:fontRef>
+            </p:style>
+            <p:txBody>
+              <a:bodyPr rtlCol="0" anchor="ctr"/>
+              <a:lstStyle/>
+              <a:p>
+                <a:pPr algn="ctr"/>
+                <a:endParaRPr lang="en-US" sz="2400" dirty="0" smtClean="0">
+                  <a:solidFill>
+                    <a:schemeClr val="bg1">
+                      <a:lumMod val="50000"/>
+                    </a:schemeClr>
+                  </a:solidFill>
+                  <a:latin typeface="Avenir Book" charset="0"/>
+                  <a:ea typeface="Avenir Book" charset="0"/>
+                  <a:cs typeface="Avenir Book" charset="0"/>
+                </a:endParaRPr>
+              </a:p>
+            </p:txBody>
+          </p:sp>
+          <p:sp>
+            <p:nvSpPr>
+              <p:cNvPr id="15" name="Oval 14"/>
+              <p:cNvSpPr/>
+              <p:nvPr/>
+            </p:nvSpPr>
+            <p:spPr>
+              <a:xfrm>
+                <a:off x="2895855" y="3471501"/>
+                <a:ext cx="176105" cy="176105"/>
+              </a:xfrm>
+              <a:prstGeom prst="ellipse">
+                <a:avLst/>
+              </a:prstGeom>
+              <a:solidFill>
+                <a:schemeClr val="accent5"/>
+              </a:solidFill>
+              <a:ln w="28575">
+                <a:solidFill>
+                  <a:schemeClr val="accent5"/>
+                </a:solidFill>
+              </a:ln>
+            </p:spPr>
+            <p:style>
+              <a:lnRef idx="2">
+                <a:schemeClr val="accent1">
+                  <a:shade val="50000"/>
+                </a:schemeClr>
+              </a:lnRef>
+              <a:fillRef idx="1">
+                <a:schemeClr val="accent1"/>
+              </a:fillRef>
+              <a:effectRef idx="0">
+                <a:schemeClr val="accent1"/>
+              </a:effectRef>
+              <a:fontRef idx="minor">
+                <a:schemeClr val="lt1"/>
+              </a:fontRef>
+            </p:style>
+            <p:txBody>
+              <a:bodyPr rtlCol="0" anchor="ctr"/>
+              <a:lstStyle/>
+              <a:p>
+                <a:pPr algn="ctr"/>
+                <a:endParaRPr lang="en-US" sz="2400" dirty="0" smtClean="0">
+                  <a:solidFill>
+                    <a:schemeClr val="bg1">
+                      <a:lumMod val="50000"/>
+                    </a:schemeClr>
+                  </a:solidFill>
+                  <a:latin typeface="Avenir Book" charset="0"/>
+                  <a:ea typeface="Avenir Book" charset="0"/>
+                  <a:cs typeface="Avenir Book" charset="0"/>
+                </a:endParaRPr>
+              </a:p>
+            </p:txBody>
+          </p:sp>
+        </p:grpSp>
+        <p:sp>
+          <p:nvSpPr>
+            <p:cNvPr id="52" name="TextBox 51"/>
+            <p:cNvSpPr txBox="1"/>
+            <p:nvPr/>
+          </p:nvSpPr>
+          <p:spPr>
+            <a:xfrm>
+              <a:off x="1995367" y="1786302"/>
+              <a:ext cx="975075" cy="646331"/>
+            </a:xfrm>
+            <a:prstGeom prst="rect">
+              <a:avLst/>
+            </a:prstGeom>
+            <a:noFill/>
+          </p:spPr>
+          <p:txBody>
+            <a:bodyPr wrap="none" rtlCol="0">
+              <a:spAutoFit/>
+            </a:bodyPr>
+            <a:lstStyle/>
+            <a:p>
+              <a:pPr algn="ctr"/>
+              <a:r>
+                <a:rPr lang="en-US" dirty="0" smtClean="0">
+                  <a:latin typeface="Avenir Next" charset="0"/>
+                  <a:ea typeface="Avenir Next" charset="0"/>
+                  <a:cs typeface="Avenir Next" charset="0"/>
+                </a:rPr>
+                <a:t>Priority </a:t>
+              </a:r>
+            </a:p>
+            <a:p>
+              <a:pPr algn="ctr"/>
+              <a:r>
+                <a:rPr lang="en-US" dirty="0" smtClean="0">
+                  <a:latin typeface="Avenir Next" charset="0"/>
+                  <a:ea typeface="Avenir Next" charset="0"/>
+                  <a:cs typeface="Avenir Next" charset="0"/>
+                </a:rPr>
+                <a:t>Queue</a:t>
+              </a:r>
+              <a:endParaRPr lang="en-US" dirty="0" smtClean="0">
+                <a:latin typeface="Avenir Next" charset="0"/>
+                <a:ea typeface="Avenir Next" charset="0"/>
+                <a:cs typeface="Avenir Next" charset="0"/>
+              </a:endParaRPr>
+            </a:p>
+          </p:txBody>
+        </p:sp>
+        <p:sp>
+          <p:nvSpPr>
+            <p:cNvPr id="54" name="TextBox 53"/>
+            <p:cNvSpPr txBox="1"/>
+            <p:nvPr/>
+          </p:nvSpPr>
+          <p:spPr>
+            <a:xfrm>
+              <a:off x="3439548" y="1790528"/>
+              <a:ext cx="1286570" cy="646331"/>
+            </a:xfrm>
+            <a:prstGeom prst="rect">
+              <a:avLst/>
+            </a:prstGeom>
+            <a:noFill/>
+          </p:spPr>
+          <p:txBody>
+            <a:bodyPr wrap="none" rtlCol="0">
+              <a:spAutoFit/>
+            </a:bodyPr>
+            <a:lstStyle/>
+            <a:p>
+              <a:pPr algn="ctr"/>
+              <a:r>
+                <a:rPr lang="en-US" dirty="0" smtClean="0">
+                  <a:latin typeface="Avenir Next" charset="0"/>
+                  <a:ea typeface="Avenir Next" charset="0"/>
+                  <a:cs typeface="Avenir Next" charset="0"/>
+                </a:rPr>
+                <a:t>Candidate</a:t>
+              </a:r>
+            </a:p>
+            <a:p>
+              <a:pPr algn="ctr"/>
+              <a:r>
+                <a:rPr lang="en-US" dirty="0" smtClean="0">
+                  <a:latin typeface="Avenir Next" charset="0"/>
+                  <a:ea typeface="Avenir Next" charset="0"/>
+                  <a:cs typeface="Avenir Next" charset="0"/>
+                </a:rPr>
+                <a:t>Programs</a:t>
+              </a:r>
+              <a:endParaRPr lang="en-US" dirty="0" smtClean="0">
+                <a:latin typeface="Avenir Next" charset="0"/>
+                <a:ea typeface="Avenir Next" charset="0"/>
+                <a:cs typeface="Avenir Next" charset="0"/>
+              </a:endParaRPr>
+            </a:p>
+          </p:txBody>
+        </p:sp>
+        <p:sp>
+          <p:nvSpPr>
+            <p:cNvPr id="72" name="TextBox 71"/>
+            <p:cNvSpPr txBox="1"/>
+            <p:nvPr/>
+          </p:nvSpPr>
+          <p:spPr>
+            <a:xfrm>
+              <a:off x="5178510" y="2063301"/>
+              <a:ext cx="1333057" cy="369332"/>
+            </a:xfrm>
+            <a:prstGeom prst="rect">
+              <a:avLst/>
+            </a:prstGeom>
+            <a:noFill/>
+          </p:spPr>
+          <p:txBody>
+            <a:bodyPr wrap="none" rtlCol="0">
+              <a:spAutoFit/>
+            </a:bodyPr>
+            <a:lstStyle/>
+            <a:p>
+              <a:pPr algn="ctr"/>
+              <a:r>
+                <a:rPr lang="en-US" dirty="0" smtClean="0">
+                  <a:latin typeface="Avenir Next" charset="0"/>
+                  <a:ea typeface="Avenir Next" charset="0"/>
+                  <a:cs typeface="Avenir Next" charset="0"/>
+                </a:rPr>
+                <a:t>Local top </a:t>
+              </a:r>
+              <a:r>
+                <a:rPr lang="el-GR" dirty="0" smtClean="0">
+                  <a:latin typeface="Avenir Next" charset="0"/>
+                  <a:ea typeface="Avenir Next" charset="0"/>
+                  <a:cs typeface="Avenir Next" charset="0"/>
+                </a:rPr>
+                <a:t>γ</a:t>
+              </a:r>
+              <a:endParaRPr lang="en-US" dirty="0" smtClean="0">
+                <a:latin typeface="Avenir Next" charset="0"/>
+                <a:ea typeface="Avenir Next" charset="0"/>
+                <a:cs typeface="Avenir Next" charset="0"/>
+              </a:endParaRPr>
+            </a:p>
+          </p:txBody>
+        </p:sp>
         <p:cxnSp>
           <p:nvCxnSpPr>
-            <p:cNvPr id="89" name="Straight Arrow Connector 88"/>
+            <p:cNvPr id="77" name="Straight Connector 76"/>
             <p:cNvCxnSpPr/>
             <p:nvPr/>
           </p:nvCxnSpPr>
           <p:spPr>
+            <a:xfrm flipH="1">
+              <a:off x="1712531" y="3317216"/>
+              <a:ext cx="9464040" cy="0"/>
+            </a:xfrm>
+            <a:prstGeom prst="line">
+              <a:avLst/>
+            </a:prstGeom>
+            <a:ln w="28575">
+              <a:solidFill>
+                <a:schemeClr val="bg1">
+                  <a:lumMod val="75000"/>
+                </a:schemeClr>
+              </a:solidFill>
+              <a:prstDash val="sysDot"/>
+              <a:headEnd type="none" w="med" len="med"/>
+              <a:tailEnd type="none" w="med" len="med"/>
+            </a:ln>
+          </p:spPr>
+          <p:style>
+            <a:lnRef idx="1">
+              <a:schemeClr val="accent1"/>
+            </a:lnRef>
+            <a:fillRef idx="0">
+              <a:schemeClr val="accent1"/>
+            </a:fillRef>
+            <a:effectRef idx="0">
+              <a:schemeClr val="accent1"/>
+            </a:effectRef>
+            <a:fontRef idx="minor">
+              <a:schemeClr val="tx1"/>
+            </a:fontRef>
+          </p:style>
+        </p:cxnSp>
+        <p:cxnSp>
+          <p:nvCxnSpPr>
+            <p:cNvPr id="78" name="Straight Connector 77"/>
+            <p:cNvCxnSpPr/>
+            <p:nvPr/>
+          </p:nvCxnSpPr>
+          <p:spPr>
+            <a:xfrm flipH="1">
+              <a:off x="1712531" y="3839552"/>
+              <a:ext cx="9464040" cy="0"/>
+            </a:xfrm>
+            <a:prstGeom prst="line">
+              <a:avLst/>
+            </a:prstGeom>
+            <a:ln w="28575">
+              <a:solidFill>
+                <a:schemeClr val="bg1">
+                  <a:lumMod val="75000"/>
+                </a:schemeClr>
+              </a:solidFill>
+              <a:prstDash val="sysDot"/>
+              <a:headEnd type="none" w="med" len="med"/>
+              <a:tailEnd type="none" w="med" len="med"/>
+            </a:ln>
+          </p:spPr>
+          <p:style>
+            <a:lnRef idx="1">
+              <a:schemeClr val="accent1"/>
+            </a:lnRef>
+            <a:fillRef idx="0">
+              <a:schemeClr val="accent1"/>
+            </a:fillRef>
+            <a:effectRef idx="0">
+              <a:schemeClr val="accent1"/>
+            </a:effectRef>
+            <a:fontRef idx="minor">
+              <a:schemeClr val="tx1"/>
+            </a:fontRef>
+          </p:style>
+        </p:cxnSp>
+        <p:sp>
+          <p:nvSpPr>
+            <p:cNvPr id="87" name="TextBox 86"/>
+            <p:cNvSpPr txBox="1"/>
+            <p:nvPr/>
+          </p:nvSpPr>
+          <p:spPr>
             <a:xfrm>
-              <a:off x="6621222" y="2723350"/>
-              <a:ext cx="358491" cy="574485"/>
+              <a:off x="7465721" y="2063301"/>
+              <a:ext cx="1489510" cy="369332"/>
+            </a:xfrm>
+            <a:prstGeom prst="rect">
+              <a:avLst/>
+            </a:prstGeom>
+            <a:noFill/>
+          </p:spPr>
+          <p:txBody>
+            <a:bodyPr wrap="none" rtlCol="0">
+              <a:spAutoFit/>
+            </a:bodyPr>
+            <a:lstStyle/>
+            <a:p>
+              <a:pPr algn="ctr"/>
+              <a:r>
+                <a:rPr lang="en-US" dirty="0" smtClean="0">
+                  <a:latin typeface="Avenir Next" charset="0"/>
+                  <a:ea typeface="Avenir Next" charset="0"/>
+                  <a:cs typeface="Avenir Next" charset="0"/>
+                </a:rPr>
+                <a:t>Global top </a:t>
+              </a:r>
+              <a:r>
+                <a:rPr lang="el-GR" dirty="0" smtClean="0">
+                  <a:latin typeface="Avenir Next" charset="0"/>
+                  <a:ea typeface="Avenir Next" charset="0"/>
+                  <a:cs typeface="Avenir Next" charset="0"/>
+                </a:rPr>
+                <a:t>γ</a:t>
+              </a:r>
+              <a:endParaRPr lang="en-US" dirty="0" smtClean="0">
+                <a:latin typeface="Avenir Next" charset="0"/>
+                <a:ea typeface="Avenir Next" charset="0"/>
+                <a:cs typeface="Avenir Next" charset="0"/>
+              </a:endParaRPr>
+            </a:p>
+          </p:txBody>
+        </p:sp>
+        <p:sp>
+          <p:nvSpPr>
+            <p:cNvPr id="93" name="TextBox 92"/>
+            <p:cNvSpPr txBox="1"/>
+            <p:nvPr/>
+          </p:nvSpPr>
+          <p:spPr>
+            <a:xfrm>
+              <a:off x="6277437" y="3397468"/>
+              <a:ext cx="1404552" cy="369332"/>
+            </a:xfrm>
+            <a:prstGeom prst="rect">
+              <a:avLst/>
+            </a:prstGeom>
+            <a:noFill/>
+          </p:spPr>
+          <p:txBody>
+            <a:bodyPr wrap="none" rtlCol="0">
+              <a:spAutoFit/>
+            </a:bodyPr>
+            <a:lstStyle/>
+            <a:p>
+              <a:r>
+                <a:rPr lang="en-US" dirty="0" smtClean="0">
+                  <a:latin typeface="Avenir Next" charset="0"/>
+                  <a:ea typeface="Avenir Next" charset="0"/>
+                  <a:cs typeface="Avenir Next" charset="0"/>
+                </a:rPr>
+                <a:t>Global best</a:t>
+              </a:r>
+              <a:endParaRPr lang="en-US" dirty="0" smtClean="0">
+                <a:latin typeface="Avenir Next" charset="0"/>
+                <a:ea typeface="Avenir Next" charset="0"/>
+                <a:cs typeface="Avenir Next" charset="0"/>
+              </a:endParaRPr>
+            </a:p>
+          </p:txBody>
+        </p:sp>
+        <p:grpSp>
+          <p:nvGrpSpPr>
+            <p:cNvPr id="141" name="Group 140"/>
+            <p:cNvGrpSpPr/>
+            <p:nvPr/>
+          </p:nvGrpSpPr>
+          <p:grpSpPr>
+            <a:xfrm>
+              <a:off x="6605609" y="2882345"/>
+              <a:ext cx="748209" cy="415490"/>
+              <a:chOff x="6621222" y="2711960"/>
+              <a:chExt cx="748209" cy="585875"/>
+            </a:xfrm>
+          </p:grpSpPr>
+          <p:cxnSp>
+            <p:nvCxnSpPr>
+              <p:cNvPr id="89" name="Straight Arrow Connector 88"/>
+              <p:cNvCxnSpPr/>
+              <p:nvPr/>
+            </p:nvCxnSpPr>
+            <p:spPr>
+              <a:xfrm>
+                <a:off x="6621222" y="2723350"/>
+                <a:ext cx="358491" cy="574485"/>
+              </a:xfrm>
+              <a:prstGeom prst="straightConnector1">
+                <a:avLst/>
+              </a:prstGeom>
+              <a:ln w="28575">
+                <a:solidFill>
+                  <a:schemeClr val="bg1">
+                    <a:lumMod val="50000"/>
+                  </a:schemeClr>
+                </a:solidFill>
+                <a:headEnd type="none" w="med" len="med"/>
+                <a:tailEnd type="triangle"/>
+              </a:ln>
+            </p:spPr>
+            <p:style>
+              <a:lnRef idx="1">
+                <a:schemeClr val="accent1"/>
+              </a:lnRef>
+              <a:fillRef idx="0">
+                <a:schemeClr val="accent1"/>
+              </a:fillRef>
+              <a:effectRef idx="0">
+                <a:schemeClr val="accent1"/>
+              </a:effectRef>
+              <a:fontRef idx="minor">
+                <a:schemeClr val="tx1"/>
+              </a:fontRef>
+            </p:style>
+          </p:cxnSp>
+          <p:cxnSp>
+            <p:nvCxnSpPr>
+              <p:cNvPr id="96" name="Straight Arrow Connector 95"/>
+              <p:cNvCxnSpPr/>
+              <p:nvPr/>
+            </p:nvCxnSpPr>
+            <p:spPr>
+              <a:xfrm flipV="1">
+                <a:off x="7010940" y="2711960"/>
+                <a:ext cx="358491" cy="574485"/>
+              </a:xfrm>
+              <a:prstGeom prst="straightConnector1">
+                <a:avLst/>
+              </a:prstGeom>
+              <a:ln w="28575">
+                <a:solidFill>
+                  <a:schemeClr val="bg1">
+                    <a:lumMod val="50000"/>
+                  </a:schemeClr>
+                </a:solidFill>
+                <a:headEnd type="none" w="med" len="med"/>
+                <a:tailEnd type="triangle"/>
+              </a:ln>
+            </p:spPr>
+            <p:style>
+              <a:lnRef idx="1">
+                <a:schemeClr val="accent1"/>
+              </a:lnRef>
+              <a:fillRef idx="0">
+                <a:schemeClr val="accent1"/>
+              </a:fillRef>
+              <a:effectRef idx="0">
+                <a:schemeClr val="accent1"/>
+              </a:effectRef>
+              <a:fontRef idx="minor">
+                <a:schemeClr val="tx1"/>
+              </a:fontRef>
+            </p:style>
+          </p:cxnSp>
+        </p:grpSp>
+        <p:sp>
+          <p:nvSpPr>
+            <p:cNvPr id="115" name="TextBox 114"/>
+            <p:cNvSpPr txBox="1"/>
+            <p:nvPr/>
+          </p:nvSpPr>
+          <p:spPr>
+            <a:xfrm>
+              <a:off x="8727521" y="3397468"/>
+              <a:ext cx="1284775" cy="369332"/>
+            </a:xfrm>
+            <a:prstGeom prst="rect">
+              <a:avLst/>
+            </a:prstGeom>
+            <a:noFill/>
+          </p:spPr>
+          <p:txBody>
+            <a:bodyPr wrap="none" rtlCol="0">
+              <a:spAutoFit/>
+            </a:bodyPr>
+            <a:lstStyle/>
+            <a:p>
+              <a:r>
+                <a:rPr lang="en-US" smtClean="0">
+                  <a:latin typeface="Avenir Next" charset="0"/>
+                  <a:ea typeface="Avenir Next" charset="0"/>
+                  <a:cs typeface="Avenir Next" charset="0"/>
+                </a:rPr>
+                <a:t>Rebalance</a:t>
+              </a:r>
+              <a:endParaRPr lang="en-US" dirty="0" smtClean="0">
+                <a:latin typeface="Avenir Next" charset="0"/>
+                <a:ea typeface="Avenir Next" charset="0"/>
+                <a:cs typeface="Avenir Next" charset="0"/>
+              </a:endParaRPr>
+            </a:p>
+          </p:txBody>
+        </p:sp>
+        <p:sp>
+          <p:nvSpPr>
+            <p:cNvPr id="122" name="TextBox 121"/>
+            <p:cNvSpPr txBox="1"/>
+            <p:nvPr/>
+          </p:nvSpPr>
+          <p:spPr>
+            <a:xfrm>
+              <a:off x="9776649" y="2063301"/>
+              <a:ext cx="1489510" cy="369332"/>
+            </a:xfrm>
+            <a:prstGeom prst="rect">
+              <a:avLst/>
+            </a:prstGeom>
+            <a:noFill/>
+          </p:spPr>
+          <p:txBody>
+            <a:bodyPr wrap="none" rtlCol="0">
+              <a:spAutoFit/>
+            </a:bodyPr>
+            <a:lstStyle/>
+            <a:p>
+              <a:pPr algn="ctr"/>
+              <a:r>
+                <a:rPr lang="en-US" dirty="0" smtClean="0">
+                  <a:latin typeface="Avenir Next" charset="0"/>
+                  <a:ea typeface="Avenir Next" charset="0"/>
+                  <a:cs typeface="Avenir Next" charset="0"/>
+                </a:rPr>
+                <a:t>Global top </a:t>
+              </a:r>
+              <a:r>
+                <a:rPr lang="el-GR" dirty="0" smtClean="0">
+                  <a:latin typeface="Avenir Next" charset="0"/>
+                  <a:ea typeface="Avenir Next" charset="0"/>
+                  <a:cs typeface="Avenir Next" charset="0"/>
+                </a:rPr>
+                <a:t>γ</a:t>
+              </a:r>
+              <a:endParaRPr lang="en-US" dirty="0" smtClean="0">
+                <a:latin typeface="Avenir Next" charset="0"/>
+                <a:ea typeface="Avenir Next" charset="0"/>
+                <a:cs typeface="Avenir Next" charset="0"/>
+              </a:endParaRPr>
+            </a:p>
+          </p:txBody>
+        </p:sp>
+        <p:grpSp>
+          <p:nvGrpSpPr>
+            <p:cNvPr id="139" name="Group 138"/>
+            <p:cNvGrpSpPr/>
+            <p:nvPr/>
+          </p:nvGrpSpPr>
+          <p:grpSpPr>
+            <a:xfrm>
+              <a:off x="2223353" y="3930502"/>
+              <a:ext cx="8177517" cy="516737"/>
+              <a:chOff x="2223353" y="4021942"/>
+              <a:chExt cx="8177517" cy="516737"/>
+            </a:xfrm>
+          </p:grpSpPr>
+          <p:sp>
+            <p:nvSpPr>
+              <p:cNvPr id="27" name="Rectangle 26"/>
+              <p:cNvSpPr/>
+              <p:nvPr/>
+            </p:nvSpPr>
+            <p:spPr>
+              <a:xfrm>
+                <a:off x="3519427" y="4049213"/>
+                <a:ext cx="203200" cy="203200"/>
+              </a:xfrm>
+              <a:prstGeom prst="rect">
+                <a:avLst/>
+              </a:prstGeom>
+              <a:solidFill>
+                <a:srgbClr val="00B0F0"/>
+              </a:solidFill>
+              <a:ln w="28575">
+                <a:solidFill>
+                  <a:schemeClr val="bg1"/>
+                </a:solidFill>
+              </a:ln>
+            </p:spPr>
+            <p:style>
+              <a:lnRef idx="2">
+                <a:schemeClr val="accent1">
+                  <a:shade val="50000"/>
+                </a:schemeClr>
+              </a:lnRef>
+              <a:fillRef idx="1">
+                <a:schemeClr val="accent1"/>
+              </a:fillRef>
+              <a:effectRef idx="0">
+                <a:schemeClr val="accent1"/>
+              </a:effectRef>
+              <a:fontRef idx="minor">
+                <a:schemeClr val="lt1"/>
+              </a:fontRef>
+            </p:style>
+            <p:txBody>
+              <a:bodyPr rtlCol="0" anchor="ctr"/>
+              <a:lstStyle/>
+              <a:p>
+                <a:pPr algn="ctr"/>
+                <a:endParaRPr lang="en-US" sz="2400" dirty="0" smtClean="0">
+                  <a:solidFill>
+                    <a:schemeClr val="bg1">
+                      <a:lumMod val="50000"/>
+                    </a:schemeClr>
+                  </a:solidFill>
+                  <a:latin typeface="Avenir Book" charset="0"/>
+                  <a:ea typeface="Avenir Book" charset="0"/>
+                  <a:cs typeface="Avenir Book" charset="0"/>
+                </a:endParaRPr>
+              </a:p>
+            </p:txBody>
+          </p:sp>
+          <p:sp>
+            <p:nvSpPr>
+              <p:cNvPr id="28" name="Oval 27"/>
+              <p:cNvSpPr/>
+              <p:nvPr/>
+            </p:nvSpPr>
+            <p:spPr>
+              <a:xfrm>
+                <a:off x="3769242" y="4057774"/>
+                <a:ext cx="176105" cy="176105"/>
+              </a:xfrm>
+              <a:prstGeom prst="ellipse">
+                <a:avLst/>
+              </a:prstGeom>
+              <a:solidFill>
+                <a:srgbClr val="FF0000"/>
+              </a:solidFill>
+              <a:ln w="28575">
+                <a:solidFill>
+                  <a:srgbClr val="FF0000"/>
+                </a:solidFill>
+              </a:ln>
+            </p:spPr>
+            <p:style>
+              <a:lnRef idx="2">
+                <a:schemeClr val="accent1">
+                  <a:shade val="50000"/>
+                </a:schemeClr>
+              </a:lnRef>
+              <a:fillRef idx="1">
+                <a:schemeClr val="accent1"/>
+              </a:fillRef>
+              <a:effectRef idx="0">
+                <a:schemeClr val="accent1"/>
+              </a:effectRef>
+              <a:fontRef idx="minor">
+                <a:schemeClr val="lt1"/>
+              </a:fontRef>
+            </p:style>
+            <p:txBody>
+              <a:bodyPr rtlCol="0" anchor="ctr"/>
+              <a:lstStyle/>
+              <a:p>
+                <a:pPr algn="ctr"/>
+                <a:endParaRPr lang="en-US" sz="2400" dirty="0" smtClean="0">
+                  <a:solidFill>
+                    <a:schemeClr val="bg1">
+                      <a:lumMod val="50000"/>
+                    </a:schemeClr>
+                  </a:solidFill>
+                  <a:latin typeface="Avenir Book" charset="0"/>
+                  <a:ea typeface="Avenir Book" charset="0"/>
+                  <a:cs typeface="Avenir Book" charset="0"/>
+                </a:endParaRPr>
+              </a:p>
+            </p:txBody>
+          </p:sp>
+          <p:sp>
+            <p:nvSpPr>
+              <p:cNvPr id="29" name="Oval 28"/>
+              <p:cNvSpPr/>
+              <p:nvPr/>
+            </p:nvSpPr>
+            <p:spPr>
+              <a:xfrm>
+                <a:off x="3769242" y="4335479"/>
+                <a:ext cx="176105" cy="176105"/>
+              </a:xfrm>
+              <a:prstGeom prst="ellipse">
+                <a:avLst/>
+              </a:prstGeom>
+              <a:solidFill>
+                <a:schemeClr val="accent5"/>
+              </a:solidFill>
+              <a:ln w="28575">
+                <a:solidFill>
+                  <a:schemeClr val="accent5"/>
+                </a:solidFill>
+              </a:ln>
+            </p:spPr>
+            <p:style>
+              <a:lnRef idx="2">
+                <a:schemeClr val="accent1">
+                  <a:shade val="50000"/>
+                </a:schemeClr>
+              </a:lnRef>
+              <a:fillRef idx="1">
+                <a:schemeClr val="accent1"/>
+              </a:fillRef>
+              <a:effectRef idx="0">
+                <a:schemeClr val="accent1"/>
+              </a:effectRef>
+              <a:fontRef idx="minor">
+                <a:schemeClr val="lt1"/>
+              </a:fontRef>
+            </p:style>
+            <p:txBody>
+              <a:bodyPr rtlCol="0" anchor="ctr"/>
+              <a:lstStyle/>
+              <a:p>
+                <a:pPr algn="ctr"/>
+                <a:endParaRPr lang="en-US" sz="2400" dirty="0" smtClean="0">
+                  <a:solidFill>
+                    <a:schemeClr val="bg1">
+                      <a:lumMod val="50000"/>
+                    </a:schemeClr>
+                  </a:solidFill>
+                  <a:latin typeface="Avenir Book" charset="0"/>
+                  <a:ea typeface="Avenir Book" charset="0"/>
+                  <a:cs typeface="Avenir Book" charset="0"/>
+                </a:endParaRPr>
+              </a:p>
+            </p:txBody>
+          </p:sp>
+          <p:sp>
+            <p:nvSpPr>
+              <p:cNvPr id="30" name="Rectangle 29"/>
+              <p:cNvSpPr/>
+              <p:nvPr/>
+            </p:nvSpPr>
+            <p:spPr>
+              <a:xfrm>
+                <a:off x="3519427" y="4335479"/>
+                <a:ext cx="203200" cy="203200"/>
+              </a:xfrm>
+              <a:prstGeom prst="rect">
+                <a:avLst/>
+              </a:prstGeom>
+              <a:solidFill>
+                <a:srgbClr val="00B0F0"/>
+              </a:solidFill>
+              <a:ln w="28575">
+                <a:solidFill>
+                  <a:schemeClr val="bg1"/>
+                </a:solidFill>
+              </a:ln>
+            </p:spPr>
+            <p:style>
+              <a:lnRef idx="2">
+                <a:schemeClr val="accent1">
+                  <a:shade val="50000"/>
+                </a:schemeClr>
+              </a:lnRef>
+              <a:fillRef idx="1">
+                <a:schemeClr val="accent1"/>
+              </a:fillRef>
+              <a:effectRef idx="0">
+                <a:schemeClr val="accent1"/>
+              </a:effectRef>
+              <a:fontRef idx="minor">
+                <a:schemeClr val="lt1"/>
+              </a:fontRef>
+            </p:style>
+            <p:txBody>
+              <a:bodyPr rtlCol="0" anchor="ctr"/>
+              <a:lstStyle/>
+              <a:p>
+                <a:pPr algn="ctr"/>
+                <a:endParaRPr lang="en-US" sz="2400" dirty="0" smtClean="0">
+                  <a:solidFill>
+                    <a:schemeClr val="bg1">
+                      <a:lumMod val="50000"/>
+                    </a:schemeClr>
+                  </a:solidFill>
+                  <a:latin typeface="Avenir Book" charset="0"/>
+                  <a:ea typeface="Avenir Book" charset="0"/>
+                  <a:cs typeface="Avenir Book" charset="0"/>
+                </a:endParaRPr>
+              </a:p>
+            </p:txBody>
+          </p:sp>
+          <p:sp>
+            <p:nvSpPr>
+              <p:cNvPr id="48" name="Rectangle 47"/>
+              <p:cNvSpPr/>
+              <p:nvPr/>
+            </p:nvSpPr>
+            <p:spPr>
+              <a:xfrm>
+                <a:off x="4188697" y="4030503"/>
+                <a:ext cx="203200" cy="203200"/>
+              </a:xfrm>
+              <a:prstGeom prst="rect">
+                <a:avLst/>
+              </a:prstGeom>
+              <a:solidFill>
+                <a:schemeClr val="bg1">
+                  <a:lumMod val="65000"/>
+                </a:schemeClr>
+              </a:solidFill>
+              <a:ln w="28575">
+                <a:solidFill>
+                  <a:schemeClr val="bg1"/>
+                </a:solidFill>
+              </a:ln>
+            </p:spPr>
+            <p:style>
+              <a:lnRef idx="2">
+                <a:schemeClr val="accent1">
+                  <a:shade val="50000"/>
+                </a:schemeClr>
+              </a:lnRef>
+              <a:fillRef idx="1">
+                <a:schemeClr val="accent1"/>
+              </a:fillRef>
+              <a:effectRef idx="0">
+                <a:schemeClr val="accent1"/>
+              </a:effectRef>
+              <a:fontRef idx="minor">
+                <a:schemeClr val="lt1"/>
+              </a:fontRef>
+            </p:style>
+            <p:txBody>
+              <a:bodyPr rtlCol="0" anchor="ctr"/>
+              <a:lstStyle/>
+              <a:p>
+                <a:pPr algn="ctr"/>
+                <a:endParaRPr lang="en-US" sz="2400" dirty="0" smtClean="0">
+                  <a:solidFill>
+                    <a:schemeClr val="bg1">
+                      <a:lumMod val="50000"/>
+                    </a:schemeClr>
+                  </a:solidFill>
+                  <a:latin typeface="Avenir Book" charset="0"/>
+                  <a:ea typeface="Avenir Book" charset="0"/>
+                  <a:cs typeface="Avenir Book" charset="0"/>
+                </a:endParaRPr>
+              </a:p>
+            </p:txBody>
+          </p:sp>
+          <p:sp>
+            <p:nvSpPr>
+              <p:cNvPr id="49" name="Oval 48"/>
+              <p:cNvSpPr/>
+              <p:nvPr/>
+            </p:nvSpPr>
+            <p:spPr>
+              <a:xfrm>
+                <a:off x="4438512" y="4039064"/>
+                <a:ext cx="176105" cy="176105"/>
+              </a:xfrm>
+              <a:prstGeom prst="ellipse">
+                <a:avLst/>
+              </a:prstGeom>
+              <a:solidFill>
+                <a:srgbClr val="FF0000"/>
+              </a:solidFill>
+              <a:ln w="28575">
+                <a:solidFill>
+                  <a:srgbClr val="FF0000"/>
+                </a:solidFill>
+              </a:ln>
+            </p:spPr>
+            <p:style>
+              <a:lnRef idx="2">
+                <a:schemeClr val="accent1">
+                  <a:shade val="50000"/>
+                </a:schemeClr>
+              </a:lnRef>
+              <a:fillRef idx="1">
+                <a:schemeClr val="accent1"/>
+              </a:fillRef>
+              <a:effectRef idx="0">
+                <a:schemeClr val="accent1"/>
+              </a:effectRef>
+              <a:fontRef idx="minor">
+                <a:schemeClr val="lt1"/>
+              </a:fontRef>
+            </p:style>
+            <p:txBody>
+              <a:bodyPr rtlCol="0" anchor="ctr"/>
+              <a:lstStyle/>
+              <a:p>
+                <a:pPr algn="ctr"/>
+                <a:endParaRPr lang="en-US" sz="2400" dirty="0" smtClean="0">
+                  <a:solidFill>
+                    <a:schemeClr val="bg1">
+                      <a:lumMod val="50000"/>
+                    </a:schemeClr>
+                  </a:solidFill>
+                  <a:latin typeface="Avenir Book" charset="0"/>
+                  <a:ea typeface="Avenir Book" charset="0"/>
+                  <a:cs typeface="Avenir Book" charset="0"/>
+                </a:endParaRPr>
+              </a:p>
+            </p:txBody>
+          </p:sp>
+          <p:sp>
+            <p:nvSpPr>
+              <p:cNvPr id="50" name="Oval 49"/>
+              <p:cNvSpPr/>
+              <p:nvPr/>
+            </p:nvSpPr>
+            <p:spPr>
+              <a:xfrm>
+                <a:off x="4438512" y="4316769"/>
+                <a:ext cx="176105" cy="176105"/>
+              </a:xfrm>
+              <a:prstGeom prst="ellipse">
+                <a:avLst/>
+              </a:prstGeom>
+              <a:solidFill>
+                <a:schemeClr val="accent5"/>
+              </a:solidFill>
+              <a:ln w="28575">
+                <a:solidFill>
+                  <a:schemeClr val="accent5"/>
+                </a:solidFill>
+              </a:ln>
+            </p:spPr>
+            <p:style>
+              <a:lnRef idx="2">
+                <a:schemeClr val="accent1">
+                  <a:shade val="50000"/>
+                </a:schemeClr>
+              </a:lnRef>
+              <a:fillRef idx="1">
+                <a:schemeClr val="accent1"/>
+              </a:fillRef>
+              <a:effectRef idx="0">
+                <a:schemeClr val="accent1"/>
+              </a:effectRef>
+              <a:fontRef idx="minor">
+                <a:schemeClr val="lt1"/>
+              </a:fontRef>
+            </p:style>
+            <p:txBody>
+              <a:bodyPr rtlCol="0" anchor="ctr"/>
+              <a:lstStyle/>
+              <a:p>
+                <a:pPr algn="ctr"/>
+                <a:endParaRPr lang="en-US" sz="2400" dirty="0" smtClean="0">
+                  <a:solidFill>
+                    <a:schemeClr val="bg1">
+                      <a:lumMod val="50000"/>
+                    </a:schemeClr>
+                  </a:solidFill>
+                  <a:latin typeface="Avenir Book" charset="0"/>
+                  <a:ea typeface="Avenir Book" charset="0"/>
+                  <a:cs typeface="Avenir Book" charset="0"/>
+                </a:endParaRPr>
+              </a:p>
+            </p:txBody>
+          </p:sp>
+          <p:sp>
+            <p:nvSpPr>
+              <p:cNvPr id="51" name="Rectangle 50"/>
+              <p:cNvSpPr/>
+              <p:nvPr/>
+            </p:nvSpPr>
+            <p:spPr>
+              <a:xfrm>
+                <a:off x="4188697" y="4316769"/>
+                <a:ext cx="203200" cy="203200"/>
+              </a:xfrm>
+              <a:prstGeom prst="rect">
+                <a:avLst/>
+              </a:prstGeom>
+              <a:solidFill>
+                <a:schemeClr val="bg1">
+                  <a:lumMod val="65000"/>
+                </a:schemeClr>
+              </a:solidFill>
+              <a:ln w="28575">
+                <a:solidFill>
+                  <a:schemeClr val="bg1"/>
+                </a:solidFill>
+              </a:ln>
+            </p:spPr>
+            <p:style>
+              <a:lnRef idx="2">
+                <a:schemeClr val="accent1">
+                  <a:shade val="50000"/>
+                </a:schemeClr>
+              </a:lnRef>
+              <a:fillRef idx="1">
+                <a:schemeClr val="accent1"/>
+              </a:fillRef>
+              <a:effectRef idx="0">
+                <a:schemeClr val="accent1"/>
+              </a:effectRef>
+              <a:fontRef idx="minor">
+                <a:schemeClr val="lt1"/>
+              </a:fontRef>
+            </p:style>
+            <p:txBody>
+              <a:bodyPr rtlCol="0" anchor="ctr"/>
+              <a:lstStyle/>
+              <a:p>
+                <a:pPr algn="ctr"/>
+                <a:endParaRPr lang="en-US" sz="2400" dirty="0" smtClean="0">
+                  <a:solidFill>
+                    <a:schemeClr val="bg1">
+                      <a:lumMod val="50000"/>
+                    </a:schemeClr>
+                  </a:solidFill>
+                  <a:latin typeface="Avenir Book" charset="0"/>
+                  <a:ea typeface="Avenir Book" charset="0"/>
+                  <a:cs typeface="Avenir Book" charset="0"/>
+                </a:endParaRPr>
+              </a:p>
+            </p:txBody>
+          </p:sp>
+          <p:sp>
+            <p:nvSpPr>
+              <p:cNvPr id="62" name="Oval 61"/>
+              <p:cNvSpPr/>
+              <p:nvPr/>
+            </p:nvSpPr>
+            <p:spPr>
+              <a:xfrm>
+                <a:off x="5547579" y="4326918"/>
+                <a:ext cx="176105" cy="176105"/>
+              </a:xfrm>
+              <a:prstGeom prst="ellipse">
+                <a:avLst/>
+              </a:prstGeom>
+              <a:solidFill>
+                <a:schemeClr val="accent5"/>
+              </a:solidFill>
+              <a:ln w="28575">
+                <a:solidFill>
+                  <a:schemeClr val="accent5"/>
+                </a:solidFill>
+              </a:ln>
+            </p:spPr>
+            <p:style>
+              <a:lnRef idx="2">
+                <a:schemeClr val="accent1">
+                  <a:shade val="50000"/>
+                </a:schemeClr>
+              </a:lnRef>
+              <a:fillRef idx="1">
+                <a:schemeClr val="accent1"/>
+              </a:fillRef>
+              <a:effectRef idx="0">
+                <a:schemeClr val="accent1"/>
+              </a:effectRef>
+              <a:fontRef idx="minor">
+                <a:schemeClr val="lt1"/>
+              </a:fontRef>
+            </p:style>
+            <p:txBody>
+              <a:bodyPr rtlCol="0" anchor="ctr"/>
+              <a:lstStyle/>
+              <a:p>
+                <a:pPr algn="ctr"/>
+                <a:endParaRPr lang="en-US" sz="2400" dirty="0" smtClean="0">
+                  <a:solidFill>
+                    <a:schemeClr val="bg1">
+                      <a:lumMod val="50000"/>
+                    </a:schemeClr>
+                  </a:solidFill>
+                  <a:latin typeface="Avenir Book" charset="0"/>
+                  <a:ea typeface="Avenir Book" charset="0"/>
+                  <a:cs typeface="Avenir Book" charset="0"/>
+                </a:endParaRPr>
+              </a:p>
+            </p:txBody>
+          </p:sp>
+          <p:sp>
+            <p:nvSpPr>
+              <p:cNvPr id="63" name="Rectangle 62"/>
+              <p:cNvSpPr/>
+              <p:nvPr/>
+            </p:nvSpPr>
+            <p:spPr>
+              <a:xfrm>
+                <a:off x="5297764" y="4326918"/>
+                <a:ext cx="203200" cy="203200"/>
+              </a:xfrm>
+              <a:prstGeom prst="rect">
+                <a:avLst/>
+              </a:prstGeom>
+              <a:solidFill>
+                <a:srgbClr val="00B0F0"/>
+              </a:solidFill>
+              <a:ln w="28575">
+                <a:solidFill>
+                  <a:schemeClr val="bg1"/>
+                </a:solidFill>
+              </a:ln>
+            </p:spPr>
+            <p:style>
+              <a:lnRef idx="2">
+                <a:schemeClr val="accent1">
+                  <a:shade val="50000"/>
+                </a:schemeClr>
+              </a:lnRef>
+              <a:fillRef idx="1">
+                <a:schemeClr val="accent1"/>
+              </a:fillRef>
+              <a:effectRef idx="0">
+                <a:schemeClr val="accent1"/>
+              </a:effectRef>
+              <a:fontRef idx="minor">
+                <a:schemeClr val="lt1"/>
+              </a:fontRef>
+            </p:style>
+            <p:txBody>
+              <a:bodyPr rtlCol="0" anchor="ctr"/>
+              <a:lstStyle/>
+              <a:p>
+                <a:pPr algn="ctr"/>
+                <a:endParaRPr lang="en-US" sz="2400" dirty="0" smtClean="0">
+                  <a:solidFill>
+                    <a:schemeClr val="bg1">
+                      <a:lumMod val="50000"/>
+                    </a:schemeClr>
+                  </a:solidFill>
+                  <a:latin typeface="Avenir Book" charset="0"/>
+                  <a:ea typeface="Avenir Book" charset="0"/>
+                  <a:cs typeface="Avenir Book" charset="0"/>
+                </a:endParaRPr>
+              </a:p>
+            </p:txBody>
+          </p:sp>
+          <p:sp>
+            <p:nvSpPr>
+              <p:cNvPr id="68" name="Rectangle 67"/>
+              <p:cNvSpPr/>
+              <p:nvPr/>
+            </p:nvSpPr>
+            <p:spPr>
+              <a:xfrm>
+                <a:off x="5967034" y="4021942"/>
+                <a:ext cx="203200" cy="203200"/>
+              </a:xfrm>
+              <a:prstGeom prst="rect">
+                <a:avLst/>
+              </a:prstGeom>
+              <a:solidFill>
+                <a:schemeClr val="bg1">
+                  <a:lumMod val="65000"/>
+                </a:schemeClr>
+              </a:solidFill>
+              <a:ln w="28575">
+                <a:solidFill>
+                  <a:schemeClr val="bg1"/>
+                </a:solidFill>
+              </a:ln>
+            </p:spPr>
+            <p:style>
+              <a:lnRef idx="2">
+                <a:schemeClr val="accent1">
+                  <a:shade val="50000"/>
+                </a:schemeClr>
+              </a:lnRef>
+              <a:fillRef idx="1">
+                <a:schemeClr val="accent1"/>
+              </a:fillRef>
+              <a:effectRef idx="0">
+                <a:schemeClr val="accent1"/>
+              </a:effectRef>
+              <a:fontRef idx="minor">
+                <a:schemeClr val="lt1"/>
+              </a:fontRef>
+            </p:style>
+            <p:txBody>
+              <a:bodyPr rtlCol="0" anchor="ctr"/>
+              <a:lstStyle/>
+              <a:p>
+                <a:pPr algn="ctr"/>
+                <a:endParaRPr lang="en-US" sz="2400" dirty="0" smtClean="0">
+                  <a:solidFill>
+                    <a:schemeClr val="bg1">
+                      <a:lumMod val="50000"/>
+                    </a:schemeClr>
+                  </a:solidFill>
+                  <a:latin typeface="Avenir Book" charset="0"/>
+                  <a:ea typeface="Avenir Book" charset="0"/>
+                  <a:cs typeface="Avenir Book" charset="0"/>
+                </a:endParaRPr>
+              </a:p>
+            </p:txBody>
+          </p:sp>
+          <p:sp>
+            <p:nvSpPr>
+              <p:cNvPr id="69" name="Oval 68"/>
+              <p:cNvSpPr/>
+              <p:nvPr/>
+            </p:nvSpPr>
+            <p:spPr>
+              <a:xfrm>
+                <a:off x="6216849" y="4030503"/>
+                <a:ext cx="176105" cy="176105"/>
+              </a:xfrm>
+              <a:prstGeom prst="ellipse">
+                <a:avLst/>
+              </a:prstGeom>
+              <a:solidFill>
+                <a:srgbClr val="FF0000"/>
+              </a:solidFill>
+              <a:ln w="28575">
+                <a:solidFill>
+                  <a:srgbClr val="FF0000"/>
+                </a:solidFill>
+              </a:ln>
+            </p:spPr>
+            <p:style>
+              <a:lnRef idx="2">
+                <a:schemeClr val="accent1">
+                  <a:shade val="50000"/>
+                </a:schemeClr>
+              </a:lnRef>
+              <a:fillRef idx="1">
+                <a:schemeClr val="accent1"/>
+              </a:fillRef>
+              <a:effectRef idx="0">
+                <a:schemeClr val="accent1"/>
+              </a:effectRef>
+              <a:fontRef idx="minor">
+                <a:schemeClr val="lt1"/>
+              </a:fontRef>
+            </p:style>
+            <p:txBody>
+              <a:bodyPr rtlCol="0" anchor="ctr"/>
+              <a:lstStyle/>
+              <a:p>
+                <a:pPr algn="ctr"/>
+                <a:endParaRPr lang="en-US" sz="2400" dirty="0" smtClean="0">
+                  <a:solidFill>
+                    <a:schemeClr val="bg1">
+                      <a:lumMod val="50000"/>
+                    </a:schemeClr>
+                  </a:solidFill>
+                  <a:latin typeface="Avenir Book" charset="0"/>
+                  <a:ea typeface="Avenir Book" charset="0"/>
+                  <a:cs typeface="Avenir Book" charset="0"/>
+                </a:endParaRPr>
+              </a:p>
+            </p:txBody>
+          </p:sp>
+          <p:sp>
+            <p:nvSpPr>
+              <p:cNvPr id="100" name="Rectangle 99"/>
+              <p:cNvSpPr/>
+              <p:nvPr/>
+            </p:nvSpPr>
+            <p:spPr>
+              <a:xfrm>
+                <a:off x="5297119" y="4021942"/>
+                <a:ext cx="203200" cy="203200"/>
+              </a:xfrm>
+              <a:prstGeom prst="rect">
+                <a:avLst/>
+              </a:prstGeom>
+              <a:solidFill>
+                <a:srgbClr val="00B0F0"/>
+              </a:solidFill>
+              <a:ln w="28575">
+                <a:solidFill>
+                  <a:schemeClr val="bg1"/>
+                </a:solidFill>
+              </a:ln>
+            </p:spPr>
+            <p:style>
+              <a:lnRef idx="2">
+                <a:schemeClr val="accent1">
+                  <a:shade val="50000"/>
+                </a:schemeClr>
+              </a:lnRef>
+              <a:fillRef idx="1">
+                <a:schemeClr val="accent1"/>
+              </a:fillRef>
+              <a:effectRef idx="0">
+                <a:schemeClr val="accent1"/>
+              </a:effectRef>
+              <a:fontRef idx="minor">
+                <a:schemeClr val="lt1"/>
+              </a:fontRef>
+            </p:style>
+            <p:txBody>
+              <a:bodyPr rtlCol="0" anchor="ctr"/>
+              <a:lstStyle/>
+              <a:p>
+                <a:pPr algn="ctr"/>
+                <a:endParaRPr lang="en-US" sz="2400" dirty="0" smtClean="0">
+                  <a:solidFill>
+                    <a:schemeClr val="bg1">
+                      <a:lumMod val="50000"/>
+                    </a:schemeClr>
+                  </a:solidFill>
+                  <a:latin typeface="Avenir Book" charset="0"/>
+                  <a:ea typeface="Avenir Book" charset="0"/>
+                  <a:cs typeface="Avenir Book" charset="0"/>
+                </a:endParaRPr>
+              </a:p>
+            </p:txBody>
+          </p:sp>
+          <p:sp>
+            <p:nvSpPr>
+              <p:cNvPr id="101" name="Oval 100"/>
+              <p:cNvSpPr/>
+              <p:nvPr/>
+            </p:nvSpPr>
+            <p:spPr>
+              <a:xfrm>
+                <a:off x="5546934" y="4030503"/>
+                <a:ext cx="176105" cy="176105"/>
+              </a:xfrm>
+              <a:prstGeom prst="ellipse">
+                <a:avLst/>
+              </a:prstGeom>
+              <a:solidFill>
+                <a:srgbClr val="FF0000"/>
+              </a:solidFill>
+              <a:ln w="28575">
+                <a:solidFill>
+                  <a:srgbClr val="FF0000"/>
+                </a:solidFill>
+              </a:ln>
+            </p:spPr>
+            <p:style>
+              <a:lnRef idx="2">
+                <a:schemeClr val="accent1">
+                  <a:shade val="50000"/>
+                </a:schemeClr>
+              </a:lnRef>
+              <a:fillRef idx="1">
+                <a:schemeClr val="accent1"/>
+              </a:fillRef>
+              <a:effectRef idx="0">
+                <a:schemeClr val="accent1"/>
+              </a:effectRef>
+              <a:fontRef idx="minor">
+                <a:schemeClr val="lt1"/>
+              </a:fontRef>
+            </p:style>
+            <p:txBody>
+              <a:bodyPr rtlCol="0" anchor="ctr"/>
+              <a:lstStyle/>
+              <a:p>
+                <a:pPr algn="ctr"/>
+                <a:endParaRPr lang="en-US" sz="2400" dirty="0" smtClean="0">
+                  <a:solidFill>
+                    <a:schemeClr val="bg1">
+                      <a:lumMod val="50000"/>
+                    </a:schemeClr>
+                  </a:solidFill>
+                  <a:latin typeface="Avenir Book" charset="0"/>
+                  <a:ea typeface="Avenir Book" charset="0"/>
+                  <a:cs typeface="Avenir Book" charset="0"/>
+                </a:endParaRPr>
+              </a:p>
+            </p:txBody>
+          </p:sp>
+          <p:sp>
+            <p:nvSpPr>
+              <p:cNvPr id="85" name="Rectangle 84"/>
+              <p:cNvSpPr/>
+              <p:nvPr/>
+            </p:nvSpPr>
+            <p:spPr>
+              <a:xfrm>
+                <a:off x="8334598" y="4021942"/>
+                <a:ext cx="203200" cy="203200"/>
+              </a:xfrm>
+              <a:prstGeom prst="rect">
+                <a:avLst/>
+              </a:prstGeom>
+              <a:solidFill>
+                <a:schemeClr val="bg1">
+                  <a:lumMod val="65000"/>
+                </a:schemeClr>
+              </a:solidFill>
+              <a:ln w="28575">
+                <a:solidFill>
+                  <a:schemeClr val="bg1"/>
+                </a:solidFill>
+              </a:ln>
+            </p:spPr>
+            <p:style>
+              <a:lnRef idx="2">
+                <a:schemeClr val="accent1">
+                  <a:shade val="50000"/>
+                </a:schemeClr>
+              </a:lnRef>
+              <a:fillRef idx="1">
+                <a:schemeClr val="accent1"/>
+              </a:fillRef>
+              <a:effectRef idx="0">
+                <a:schemeClr val="accent1"/>
+              </a:effectRef>
+              <a:fontRef idx="minor">
+                <a:schemeClr val="lt1"/>
+              </a:fontRef>
+            </p:style>
+            <p:txBody>
+              <a:bodyPr rtlCol="0" anchor="ctr"/>
+              <a:lstStyle/>
+              <a:p>
+                <a:pPr algn="ctr"/>
+                <a:endParaRPr lang="en-US" sz="2400" dirty="0" smtClean="0">
+                  <a:solidFill>
+                    <a:schemeClr val="bg1">
+                      <a:lumMod val="50000"/>
+                    </a:schemeClr>
+                  </a:solidFill>
+                  <a:latin typeface="Avenir Book" charset="0"/>
+                  <a:ea typeface="Avenir Book" charset="0"/>
+                  <a:cs typeface="Avenir Book" charset="0"/>
+                </a:endParaRPr>
+              </a:p>
+            </p:txBody>
+          </p:sp>
+          <p:sp>
+            <p:nvSpPr>
+              <p:cNvPr id="86" name="Oval 85"/>
+              <p:cNvSpPr/>
+              <p:nvPr/>
+            </p:nvSpPr>
+            <p:spPr>
+              <a:xfrm>
+                <a:off x="8584413" y="4030503"/>
+                <a:ext cx="176105" cy="176105"/>
+              </a:xfrm>
+              <a:prstGeom prst="ellipse">
+                <a:avLst/>
+              </a:prstGeom>
+              <a:solidFill>
+                <a:srgbClr val="FF0000"/>
+              </a:solidFill>
+              <a:ln w="28575">
+                <a:solidFill>
+                  <a:srgbClr val="FF0000"/>
+                </a:solidFill>
+              </a:ln>
+            </p:spPr>
+            <p:style>
+              <a:lnRef idx="2">
+                <a:schemeClr val="accent1">
+                  <a:shade val="50000"/>
+                </a:schemeClr>
+              </a:lnRef>
+              <a:fillRef idx="1">
+                <a:schemeClr val="accent1"/>
+              </a:fillRef>
+              <a:effectRef idx="0">
+                <a:schemeClr val="accent1"/>
+              </a:effectRef>
+              <a:fontRef idx="minor">
+                <a:schemeClr val="lt1"/>
+              </a:fontRef>
+            </p:style>
+            <p:txBody>
+              <a:bodyPr rtlCol="0" anchor="ctr"/>
+              <a:lstStyle/>
+              <a:p>
+                <a:pPr algn="ctr"/>
+                <a:endParaRPr lang="en-US" sz="2400" dirty="0" smtClean="0">
+                  <a:solidFill>
+                    <a:schemeClr val="bg1">
+                      <a:lumMod val="50000"/>
+                    </a:schemeClr>
+                  </a:solidFill>
+                  <a:latin typeface="Avenir Book" charset="0"/>
+                  <a:ea typeface="Avenir Book" charset="0"/>
+                  <a:cs typeface="Avenir Book" charset="0"/>
+                </a:endParaRPr>
+              </a:p>
+            </p:txBody>
+          </p:sp>
+          <p:sp>
+            <p:nvSpPr>
+              <p:cNvPr id="102" name="Oval 101"/>
+              <p:cNvSpPr/>
+              <p:nvPr/>
+            </p:nvSpPr>
+            <p:spPr>
+              <a:xfrm>
+                <a:off x="7910889" y="4331751"/>
+                <a:ext cx="176105" cy="176105"/>
+              </a:xfrm>
+              <a:prstGeom prst="ellipse">
+                <a:avLst/>
+              </a:prstGeom>
+              <a:solidFill>
+                <a:schemeClr val="accent5"/>
+              </a:solidFill>
+              <a:ln w="28575">
+                <a:solidFill>
+                  <a:schemeClr val="accent5"/>
+                </a:solidFill>
+              </a:ln>
+            </p:spPr>
+            <p:style>
+              <a:lnRef idx="2">
+                <a:schemeClr val="accent1">
+                  <a:shade val="50000"/>
+                </a:schemeClr>
+              </a:lnRef>
+              <a:fillRef idx="1">
+                <a:schemeClr val="accent1"/>
+              </a:fillRef>
+              <a:effectRef idx="0">
+                <a:schemeClr val="accent1"/>
+              </a:effectRef>
+              <a:fontRef idx="minor">
+                <a:schemeClr val="lt1"/>
+              </a:fontRef>
+            </p:style>
+            <p:txBody>
+              <a:bodyPr rtlCol="0" anchor="ctr"/>
+              <a:lstStyle/>
+              <a:p>
+                <a:pPr algn="ctr"/>
+                <a:endParaRPr lang="en-US" sz="2400" dirty="0" smtClean="0">
+                  <a:solidFill>
+                    <a:schemeClr val="bg1">
+                      <a:lumMod val="50000"/>
+                    </a:schemeClr>
+                  </a:solidFill>
+                  <a:latin typeface="Avenir Book" charset="0"/>
+                  <a:ea typeface="Avenir Book" charset="0"/>
+                  <a:cs typeface="Avenir Book" charset="0"/>
+                </a:endParaRPr>
+              </a:p>
+            </p:txBody>
+          </p:sp>
+          <p:sp>
+            <p:nvSpPr>
+              <p:cNvPr id="103" name="Rectangle 102"/>
+              <p:cNvSpPr/>
+              <p:nvPr/>
+            </p:nvSpPr>
+            <p:spPr>
+              <a:xfrm>
+                <a:off x="7661074" y="4331751"/>
+                <a:ext cx="203200" cy="203200"/>
+              </a:xfrm>
+              <a:prstGeom prst="rect">
+                <a:avLst/>
+              </a:prstGeom>
+              <a:solidFill>
+                <a:srgbClr val="00B0F0"/>
+              </a:solidFill>
+              <a:ln w="28575">
+                <a:solidFill>
+                  <a:schemeClr val="bg1"/>
+                </a:solidFill>
+              </a:ln>
+            </p:spPr>
+            <p:style>
+              <a:lnRef idx="2">
+                <a:schemeClr val="accent1">
+                  <a:shade val="50000"/>
+                </a:schemeClr>
+              </a:lnRef>
+              <a:fillRef idx="1">
+                <a:schemeClr val="accent1"/>
+              </a:fillRef>
+              <a:effectRef idx="0">
+                <a:schemeClr val="accent1"/>
+              </a:effectRef>
+              <a:fontRef idx="minor">
+                <a:schemeClr val="lt1"/>
+              </a:fontRef>
+            </p:style>
+            <p:txBody>
+              <a:bodyPr rtlCol="0" anchor="ctr"/>
+              <a:lstStyle/>
+              <a:p>
+                <a:pPr algn="ctr"/>
+                <a:endParaRPr lang="en-US" sz="2400" dirty="0" smtClean="0">
+                  <a:solidFill>
+                    <a:schemeClr val="bg1">
+                      <a:lumMod val="50000"/>
+                    </a:schemeClr>
+                  </a:solidFill>
+                  <a:latin typeface="Avenir Book" charset="0"/>
+                  <a:ea typeface="Avenir Book" charset="0"/>
+                  <a:cs typeface="Avenir Book" charset="0"/>
+                </a:endParaRPr>
+              </a:p>
+            </p:txBody>
+          </p:sp>
+          <p:sp>
+            <p:nvSpPr>
+              <p:cNvPr id="106" name="Rectangle 105"/>
+              <p:cNvSpPr/>
+              <p:nvPr/>
+            </p:nvSpPr>
+            <p:spPr>
+              <a:xfrm>
+                <a:off x="7660429" y="4026775"/>
+                <a:ext cx="203200" cy="203200"/>
+              </a:xfrm>
+              <a:prstGeom prst="rect">
+                <a:avLst/>
+              </a:prstGeom>
+              <a:solidFill>
+                <a:srgbClr val="00B0F0"/>
+              </a:solidFill>
+              <a:ln w="28575">
+                <a:solidFill>
+                  <a:schemeClr val="bg1"/>
+                </a:solidFill>
+              </a:ln>
+            </p:spPr>
+            <p:style>
+              <a:lnRef idx="2">
+                <a:schemeClr val="accent1">
+                  <a:shade val="50000"/>
+                </a:schemeClr>
+              </a:lnRef>
+              <a:fillRef idx="1">
+                <a:schemeClr val="accent1"/>
+              </a:fillRef>
+              <a:effectRef idx="0">
+                <a:schemeClr val="accent1"/>
+              </a:effectRef>
+              <a:fontRef idx="minor">
+                <a:schemeClr val="lt1"/>
+              </a:fontRef>
+            </p:style>
+            <p:txBody>
+              <a:bodyPr rtlCol="0" anchor="ctr"/>
+              <a:lstStyle/>
+              <a:p>
+                <a:pPr algn="ctr"/>
+                <a:endParaRPr lang="en-US" sz="2400" dirty="0" smtClean="0">
+                  <a:solidFill>
+                    <a:schemeClr val="bg1">
+                      <a:lumMod val="50000"/>
+                    </a:schemeClr>
+                  </a:solidFill>
+                  <a:latin typeface="Avenir Book" charset="0"/>
+                  <a:ea typeface="Avenir Book" charset="0"/>
+                  <a:cs typeface="Avenir Book" charset="0"/>
+                </a:endParaRPr>
+              </a:p>
+            </p:txBody>
+          </p:sp>
+          <p:sp>
+            <p:nvSpPr>
+              <p:cNvPr id="107" name="Oval 106"/>
+              <p:cNvSpPr/>
+              <p:nvPr/>
+            </p:nvSpPr>
+            <p:spPr>
+              <a:xfrm>
+                <a:off x="7910244" y="4035336"/>
+                <a:ext cx="176105" cy="176105"/>
+              </a:xfrm>
+              <a:prstGeom prst="ellipse">
+                <a:avLst/>
+              </a:prstGeom>
+              <a:solidFill>
+                <a:srgbClr val="FF0000"/>
+              </a:solidFill>
+              <a:ln w="28575">
+                <a:solidFill>
+                  <a:srgbClr val="FF0000"/>
+                </a:solidFill>
+              </a:ln>
+            </p:spPr>
+            <p:style>
+              <a:lnRef idx="2">
+                <a:schemeClr val="accent1">
+                  <a:shade val="50000"/>
+                </a:schemeClr>
+              </a:lnRef>
+              <a:fillRef idx="1">
+                <a:schemeClr val="accent1"/>
+              </a:fillRef>
+              <a:effectRef idx="0">
+                <a:schemeClr val="accent1"/>
+              </a:effectRef>
+              <a:fontRef idx="minor">
+                <a:schemeClr val="lt1"/>
+              </a:fontRef>
+            </p:style>
+            <p:txBody>
+              <a:bodyPr rtlCol="0" anchor="ctr"/>
+              <a:lstStyle/>
+              <a:p>
+                <a:pPr algn="ctr"/>
+                <a:endParaRPr lang="en-US" sz="2400" dirty="0" smtClean="0">
+                  <a:solidFill>
+                    <a:schemeClr val="bg1">
+                      <a:lumMod val="50000"/>
+                    </a:schemeClr>
+                  </a:solidFill>
+                  <a:latin typeface="Avenir Book" charset="0"/>
+                  <a:ea typeface="Avenir Book" charset="0"/>
+                  <a:cs typeface="Avenir Book" charset="0"/>
+                </a:endParaRPr>
+              </a:p>
+            </p:txBody>
+          </p:sp>
+          <p:cxnSp>
+            <p:nvCxnSpPr>
+              <p:cNvPr id="112" name="Straight Arrow Connector 111"/>
+              <p:cNvCxnSpPr/>
+              <p:nvPr/>
+            </p:nvCxnSpPr>
+            <p:spPr>
+              <a:xfrm flipV="1">
+                <a:off x="4786133" y="4275448"/>
+                <a:ext cx="342838" cy="1"/>
+              </a:xfrm>
+              <a:prstGeom prst="straightConnector1">
+                <a:avLst/>
+              </a:prstGeom>
+              <a:ln w="28575">
+                <a:solidFill>
+                  <a:schemeClr val="bg1">
+                    <a:lumMod val="50000"/>
+                  </a:schemeClr>
+                </a:solidFill>
+                <a:headEnd type="none" w="med" len="med"/>
+                <a:tailEnd type="triangle"/>
+              </a:ln>
+            </p:spPr>
+            <p:style>
+              <a:lnRef idx="1">
+                <a:schemeClr val="accent1"/>
+              </a:lnRef>
+              <a:fillRef idx="0">
+                <a:schemeClr val="accent1"/>
+              </a:fillRef>
+              <a:effectRef idx="0">
+                <a:schemeClr val="accent1"/>
+              </a:effectRef>
+              <a:fontRef idx="minor">
+                <a:schemeClr val="tx1"/>
+              </a:fontRef>
+            </p:style>
+          </p:cxnSp>
+          <p:sp>
+            <p:nvSpPr>
+              <p:cNvPr id="127" name="Rectangle 126"/>
+              <p:cNvSpPr/>
+              <p:nvPr/>
+            </p:nvSpPr>
+            <p:spPr>
+              <a:xfrm>
+                <a:off x="2223353" y="4048771"/>
+                <a:ext cx="203200" cy="203200"/>
+              </a:xfrm>
+              <a:prstGeom prst="rect">
+                <a:avLst/>
+              </a:prstGeom>
+              <a:solidFill>
+                <a:srgbClr val="00B0F0"/>
+              </a:solidFill>
+              <a:ln w="28575">
+                <a:solidFill>
+                  <a:schemeClr val="bg1"/>
+                </a:solidFill>
+              </a:ln>
+            </p:spPr>
+            <p:style>
+              <a:lnRef idx="2">
+                <a:schemeClr val="accent1">
+                  <a:shade val="50000"/>
+                </a:schemeClr>
+              </a:lnRef>
+              <a:fillRef idx="1">
+                <a:schemeClr val="accent1"/>
+              </a:fillRef>
+              <a:effectRef idx="0">
+                <a:schemeClr val="accent1"/>
+              </a:effectRef>
+              <a:fontRef idx="minor">
+                <a:schemeClr val="lt1"/>
+              </a:fontRef>
+            </p:style>
+            <p:txBody>
+              <a:bodyPr rtlCol="0" anchor="ctr"/>
+              <a:lstStyle/>
+              <a:p>
+                <a:pPr algn="ctr"/>
+                <a:endParaRPr lang="en-US" sz="2400" dirty="0" smtClean="0">
+                  <a:solidFill>
+                    <a:schemeClr val="bg1">
+                      <a:lumMod val="50000"/>
+                    </a:schemeClr>
+                  </a:solidFill>
+                  <a:latin typeface="Avenir Book" charset="0"/>
+                  <a:ea typeface="Avenir Book" charset="0"/>
+                  <a:cs typeface="Avenir Book" charset="0"/>
+                </a:endParaRPr>
+              </a:p>
+            </p:txBody>
+          </p:sp>
+          <p:sp>
+            <p:nvSpPr>
+              <p:cNvPr id="128" name="Rectangle 127"/>
+              <p:cNvSpPr/>
+              <p:nvPr/>
+            </p:nvSpPr>
+            <p:spPr>
+              <a:xfrm>
+                <a:off x="2516863" y="4048771"/>
+                <a:ext cx="203200" cy="203200"/>
+              </a:xfrm>
+              <a:prstGeom prst="rect">
+                <a:avLst/>
+              </a:prstGeom>
+              <a:solidFill>
+                <a:schemeClr val="bg1">
+                  <a:lumMod val="65000"/>
+                </a:schemeClr>
+              </a:solidFill>
+              <a:ln w="28575">
+                <a:solidFill>
+                  <a:schemeClr val="bg1"/>
+                </a:solidFill>
+              </a:ln>
+            </p:spPr>
+            <p:style>
+              <a:lnRef idx="2">
+                <a:schemeClr val="accent1">
+                  <a:shade val="50000"/>
+                </a:schemeClr>
+              </a:lnRef>
+              <a:fillRef idx="1">
+                <a:schemeClr val="accent1"/>
+              </a:fillRef>
+              <a:effectRef idx="0">
+                <a:schemeClr val="accent1"/>
+              </a:effectRef>
+              <a:fontRef idx="minor">
+                <a:schemeClr val="lt1"/>
+              </a:fontRef>
+            </p:style>
+            <p:txBody>
+              <a:bodyPr rtlCol="0" anchor="ctr"/>
+              <a:lstStyle/>
+              <a:p>
+                <a:pPr algn="ctr"/>
+                <a:endParaRPr lang="en-US" sz="2400" dirty="0" smtClean="0">
+                  <a:solidFill>
+                    <a:schemeClr val="bg1">
+                      <a:lumMod val="50000"/>
+                    </a:schemeClr>
+                  </a:solidFill>
+                  <a:latin typeface="Avenir Book" charset="0"/>
+                  <a:ea typeface="Avenir Book" charset="0"/>
+                  <a:cs typeface="Avenir Book" charset="0"/>
+                </a:endParaRPr>
+              </a:p>
+            </p:txBody>
+          </p:sp>
+          <p:sp>
+            <p:nvSpPr>
+              <p:cNvPr id="123" name="Oval 122"/>
+              <p:cNvSpPr/>
+              <p:nvPr/>
+            </p:nvSpPr>
+            <p:spPr>
+              <a:xfrm>
+                <a:off x="10224765" y="4331751"/>
+                <a:ext cx="176105" cy="176105"/>
+              </a:xfrm>
+              <a:prstGeom prst="ellipse">
+                <a:avLst/>
+              </a:prstGeom>
+              <a:solidFill>
+                <a:schemeClr val="accent5"/>
+              </a:solidFill>
+              <a:ln w="28575">
+                <a:solidFill>
+                  <a:schemeClr val="accent5"/>
+                </a:solidFill>
+              </a:ln>
+            </p:spPr>
+            <p:style>
+              <a:lnRef idx="2">
+                <a:schemeClr val="accent1">
+                  <a:shade val="50000"/>
+                </a:schemeClr>
+              </a:lnRef>
+              <a:fillRef idx="1">
+                <a:schemeClr val="accent1"/>
+              </a:fillRef>
+              <a:effectRef idx="0">
+                <a:schemeClr val="accent1"/>
+              </a:effectRef>
+              <a:fontRef idx="minor">
+                <a:schemeClr val="lt1"/>
+              </a:fontRef>
+            </p:style>
+            <p:txBody>
+              <a:bodyPr rtlCol="0" anchor="ctr"/>
+              <a:lstStyle/>
+              <a:p>
+                <a:pPr algn="ctr"/>
+                <a:endParaRPr lang="en-US" sz="2400" dirty="0" smtClean="0">
+                  <a:solidFill>
+                    <a:schemeClr val="bg1">
+                      <a:lumMod val="50000"/>
+                    </a:schemeClr>
+                  </a:solidFill>
+                  <a:latin typeface="Avenir Book" charset="0"/>
+                  <a:ea typeface="Avenir Book" charset="0"/>
+                  <a:cs typeface="Avenir Book" charset="0"/>
+                </a:endParaRPr>
+              </a:p>
+            </p:txBody>
+          </p:sp>
+          <p:sp>
+            <p:nvSpPr>
+              <p:cNvPr id="124" name="Rectangle 123"/>
+              <p:cNvSpPr/>
+              <p:nvPr/>
+            </p:nvSpPr>
+            <p:spPr>
+              <a:xfrm>
+                <a:off x="9974950" y="4331751"/>
+                <a:ext cx="203200" cy="203200"/>
+              </a:xfrm>
+              <a:prstGeom prst="rect">
+                <a:avLst/>
+              </a:prstGeom>
+              <a:solidFill>
+                <a:srgbClr val="00B0F0"/>
+              </a:solidFill>
+              <a:ln w="28575">
+                <a:solidFill>
+                  <a:schemeClr val="bg1"/>
+                </a:solidFill>
+              </a:ln>
+            </p:spPr>
+            <p:style>
+              <a:lnRef idx="2">
+                <a:schemeClr val="accent1">
+                  <a:shade val="50000"/>
+                </a:schemeClr>
+              </a:lnRef>
+              <a:fillRef idx="1">
+                <a:schemeClr val="accent1"/>
+              </a:fillRef>
+              <a:effectRef idx="0">
+                <a:schemeClr val="accent1"/>
+              </a:effectRef>
+              <a:fontRef idx="minor">
+                <a:schemeClr val="lt1"/>
+              </a:fontRef>
+            </p:style>
+            <p:txBody>
+              <a:bodyPr rtlCol="0" anchor="ctr"/>
+              <a:lstStyle/>
+              <a:p>
+                <a:pPr algn="ctr"/>
+                <a:endParaRPr lang="en-US" sz="2400" dirty="0" smtClean="0">
+                  <a:solidFill>
+                    <a:schemeClr val="bg1">
+                      <a:lumMod val="50000"/>
+                    </a:schemeClr>
+                  </a:solidFill>
+                  <a:latin typeface="Avenir Book" charset="0"/>
+                  <a:ea typeface="Avenir Book" charset="0"/>
+                  <a:cs typeface="Avenir Book" charset="0"/>
+                </a:endParaRPr>
+              </a:p>
+            </p:txBody>
+          </p:sp>
+          <p:sp>
+            <p:nvSpPr>
+              <p:cNvPr id="125" name="Rectangle 124"/>
+              <p:cNvSpPr/>
+              <p:nvPr/>
+            </p:nvSpPr>
+            <p:spPr>
+              <a:xfrm>
+                <a:off x="9974305" y="4026775"/>
+                <a:ext cx="203200" cy="203200"/>
+              </a:xfrm>
+              <a:prstGeom prst="rect">
+                <a:avLst/>
+              </a:prstGeom>
+              <a:solidFill>
+                <a:srgbClr val="00B0F0"/>
+              </a:solidFill>
+              <a:ln w="28575">
+                <a:solidFill>
+                  <a:schemeClr val="bg1"/>
+                </a:solidFill>
+              </a:ln>
+            </p:spPr>
+            <p:style>
+              <a:lnRef idx="2">
+                <a:schemeClr val="accent1">
+                  <a:shade val="50000"/>
+                </a:schemeClr>
+              </a:lnRef>
+              <a:fillRef idx="1">
+                <a:schemeClr val="accent1"/>
+              </a:fillRef>
+              <a:effectRef idx="0">
+                <a:schemeClr val="accent1"/>
+              </a:effectRef>
+              <a:fontRef idx="minor">
+                <a:schemeClr val="lt1"/>
+              </a:fontRef>
+            </p:style>
+            <p:txBody>
+              <a:bodyPr rtlCol="0" anchor="ctr"/>
+              <a:lstStyle/>
+              <a:p>
+                <a:pPr algn="ctr"/>
+                <a:endParaRPr lang="en-US" sz="2400" dirty="0" smtClean="0">
+                  <a:solidFill>
+                    <a:schemeClr val="bg1">
+                      <a:lumMod val="50000"/>
+                    </a:schemeClr>
+                  </a:solidFill>
+                  <a:latin typeface="Avenir Book" charset="0"/>
+                  <a:ea typeface="Avenir Book" charset="0"/>
+                  <a:cs typeface="Avenir Book" charset="0"/>
+                </a:endParaRPr>
+              </a:p>
+            </p:txBody>
+          </p:sp>
+          <p:sp>
+            <p:nvSpPr>
+              <p:cNvPr id="126" name="Oval 125"/>
+              <p:cNvSpPr/>
+              <p:nvPr/>
+            </p:nvSpPr>
+            <p:spPr>
+              <a:xfrm>
+                <a:off x="10224120" y="4035336"/>
+                <a:ext cx="176105" cy="176105"/>
+              </a:xfrm>
+              <a:prstGeom prst="ellipse">
+                <a:avLst/>
+              </a:prstGeom>
+              <a:solidFill>
+                <a:srgbClr val="FF0000"/>
+              </a:solidFill>
+              <a:ln w="28575">
+                <a:solidFill>
+                  <a:srgbClr val="FF0000"/>
+                </a:solidFill>
+              </a:ln>
+            </p:spPr>
+            <p:style>
+              <a:lnRef idx="2">
+                <a:schemeClr val="accent1">
+                  <a:shade val="50000"/>
+                </a:schemeClr>
+              </a:lnRef>
+              <a:fillRef idx="1">
+                <a:schemeClr val="accent1"/>
+              </a:fillRef>
+              <a:effectRef idx="0">
+                <a:schemeClr val="accent1"/>
+              </a:effectRef>
+              <a:fontRef idx="minor">
+                <a:schemeClr val="lt1"/>
+              </a:fontRef>
+            </p:style>
+            <p:txBody>
+              <a:bodyPr rtlCol="0" anchor="ctr"/>
+              <a:lstStyle/>
+              <a:p>
+                <a:pPr algn="ctr"/>
+                <a:endParaRPr lang="en-US" sz="2400" dirty="0" smtClean="0">
+                  <a:solidFill>
+                    <a:schemeClr val="bg1">
+                      <a:lumMod val="50000"/>
+                    </a:schemeClr>
+                  </a:solidFill>
+                  <a:latin typeface="Avenir Book" charset="0"/>
+                  <a:ea typeface="Avenir Book" charset="0"/>
+                  <a:cs typeface="Avenir Book" charset="0"/>
+                </a:endParaRPr>
+              </a:p>
+            </p:txBody>
+          </p:sp>
+        </p:grpSp>
+        <p:grpSp>
+          <p:nvGrpSpPr>
+            <p:cNvPr id="140" name="Group 139"/>
+            <p:cNvGrpSpPr/>
+            <p:nvPr/>
+          </p:nvGrpSpPr>
+          <p:grpSpPr>
+            <a:xfrm>
+              <a:off x="2223353" y="2697679"/>
+              <a:ext cx="8845148" cy="516737"/>
+              <a:chOff x="2223353" y="2643614"/>
+              <a:chExt cx="8845148" cy="516737"/>
+            </a:xfrm>
+          </p:grpSpPr>
+          <p:sp>
+            <p:nvSpPr>
+              <p:cNvPr id="20" name="Rectangle 19"/>
+              <p:cNvSpPr/>
+              <p:nvPr/>
+            </p:nvSpPr>
+            <p:spPr>
+              <a:xfrm>
+                <a:off x="3518782" y="2670885"/>
+                <a:ext cx="203200" cy="203200"/>
+              </a:xfrm>
+              <a:prstGeom prst="rect">
+                <a:avLst/>
+              </a:prstGeom>
+              <a:solidFill>
+                <a:srgbClr val="00B0F0"/>
+              </a:solidFill>
+              <a:ln w="28575">
+                <a:solidFill>
+                  <a:schemeClr val="bg1"/>
+                </a:solidFill>
+              </a:ln>
+            </p:spPr>
+            <p:style>
+              <a:lnRef idx="2">
+                <a:schemeClr val="accent1">
+                  <a:shade val="50000"/>
+                </a:schemeClr>
+              </a:lnRef>
+              <a:fillRef idx="1">
+                <a:schemeClr val="accent1"/>
+              </a:fillRef>
+              <a:effectRef idx="0">
+                <a:schemeClr val="accent1"/>
+              </a:effectRef>
+              <a:fontRef idx="minor">
+                <a:schemeClr val="lt1"/>
+              </a:fontRef>
+            </p:style>
+            <p:txBody>
+              <a:bodyPr rtlCol="0" anchor="ctr"/>
+              <a:lstStyle/>
+              <a:p>
+                <a:pPr algn="ctr"/>
+                <a:endParaRPr lang="en-US" sz="2400" dirty="0" smtClean="0">
+                  <a:solidFill>
+                    <a:schemeClr val="bg1">
+                      <a:lumMod val="50000"/>
+                    </a:schemeClr>
+                  </a:solidFill>
+                  <a:latin typeface="Avenir Book" charset="0"/>
+                  <a:ea typeface="Avenir Book" charset="0"/>
+                  <a:cs typeface="Avenir Book" charset="0"/>
+                </a:endParaRPr>
+              </a:p>
+            </p:txBody>
+          </p:sp>
+          <p:sp>
+            <p:nvSpPr>
+              <p:cNvPr id="22" name="Oval 21"/>
+              <p:cNvSpPr/>
+              <p:nvPr/>
+            </p:nvSpPr>
+            <p:spPr>
+              <a:xfrm>
+                <a:off x="3768597" y="2679446"/>
+                <a:ext cx="176105" cy="176105"/>
+              </a:xfrm>
+              <a:prstGeom prst="ellipse">
+                <a:avLst/>
+              </a:prstGeom>
+              <a:solidFill>
+                <a:schemeClr val="bg1">
+                  <a:lumMod val="50000"/>
+                </a:schemeClr>
+              </a:solidFill>
+              <a:ln w="28575">
+                <a:solidFill>
+                  <a:schemeClr val="bg1">
+                    <a:lumMod val="50000"/>
+                  </a:schemeClr>
+                </a:solidFill>
+              </a:ln>
+            </p:spPr>
+            <p:style>
+              <a:lnRef idx="2">
+                <a:schemeClr val="accent1">
+                  <a:shade val="50000"/>
+                </a:schemeClr>
+              </a:lnRef>
+              <a:fillRef idx="1">
+                <a:schemeClr val="accent1"/>
+              </a:fillRef>
+              <a:effectRef idx="0">
+                <a:schemeClr val="accent1"/>
+              </a:effectRef>
+              <a:fontRef idx="minor">
+                <a:schemeClr val="lt1"/>
+              </a:fontRef>
+            </p:style>
+            <p:txBody>
+              <a:bodyPr rtlCol="0" anchor="ctr"/>
+              <a:lstStyle/>
+              <a:p>
+                <a:pPr algn="ctr"/>
+                <a:endParaRPr lang="en-US" sz="2400" dirty="0" smtClean="0">
+                  <a:solidFill>
+                    <a:schemeClr val="bg1">
+                      <a:lumMod val="50000"/>
+                    </a:schemeClr>
+                  </a:solidFill>
+                  <a:latin typeface="Avenir Book" charset="0"/>
+                  <a:ea typeface="Avenir Book" charset="0"/>
+                  <a:cs typeface="Avenir Book" charset="0"/>
+                </a:endParaRPr>
+              </a:p>
+            </p:txBody>
+          </p:sp>
+          <p:sp>
+            <p:nvSpPr>
+              <p:cNvPr id="23" name="Oval 22"/>
+              <p:cNvSpPr/>
+              <p:nvPr/>
+            </p:nvSpPr>
+            <p:spPr>
+              <a:xfrm>
+                <a:off x="3768597" y="2957151"/>
+                <a:ext cx="176105" cy="176105"/>
+              </a:xfrm>
+              <a:prstGeom prst="ellipse">
+                <a:avLst/>
+              </a:prstGeom>
+              <a:solidFill>
+                <a:schemeClr val="accent2"/>
+              </a:solidFill>
+              <a:ln w="28575">
+                <a:solidFill>
+                  <a:schemeClr val="accent2"/>
+                </a:solidFill>
+              </a:ln>
+            </p:spPr>
+            <p:style>
+              <a:lnRef idx="2">
+                <a:schemeClr val="accent1">
+                  <a:shade val="50000"/>
+                </a:schemeClr>
+              </a:lnRef>
+              <a:fillRef idx="1">
+                <a:schemeClr val="accent1"/>
+              </a:fillRef>
+              <a:effectRef idx="0">
+                <a:schemeClr val="accent1"/>
+              </a:effectRef>
+              <a:fontRef idx="minor">
+                <a:schemeClr val="lt1"/>
+              </a:fontRef>
+            </p:style>
+            <p:txBody>
+              <a:bodyPr rtlCol="0" anchor="ctr"/>
+              <a:lstStyle/>
+              <a:p>
+                <a:pPr algn="ctr"/>
+                <a:endParaRPr lang="en-US" sz="2400" dirty="0" smtClean="0">
+                  <a:solidFill>
+                    <a:schemeClr val="bg1">
+                      <a:lumMod val="50000"/>
+                    </a:schemeClr>
+                  </a:solidFill>
+                  <a:latin typeface="Avenir Book" charset="0"/>
+                  <a:ea typeface="Avenir Book" charset="0"/>
+                  <a:cs typeface="Avenir Book" charset="0"/>
+                </a:endParaRPr>
+              </a:p>
+            </p:txBody>
+          </p:sp>
+          <p:sp>
+            <p:nvSpPr>
+              <p:cNvPr id="26" name="Rectangle 25"/>
+              <p:cNvSpPr/>
+              <p:nvPr/>
+            </p:nvSpPr>
+            <p:spPr>
+              <a:xfrm>
+                <a:off x="3518782" y="2957151"/>
+                <a:ext cx="203200" cy="203200"/>
+              </a:xfrm>
+              <a:prstGeom prst="rect">
+                <a:avLst/>
+              </a:prstGeom>
+              <a:solidFill>
+                <a:srgbClr val="00B0F0"/>
+              </a:solidFill>
+              <a:ln w="28575">
+                <a:solidFill>
+                  <a:schemeClr val="bg1"/>
+                </a:solidFill>
+              </a:ln>
+            </p:spPr>
+            <p:style>
+              <a:lnRef idx="2">
+                <a:schemeClr val="accent1">
+                  <a:shade val="50000"/>
+                </a:schemeClr>
+              </a:lnRef>
+              <a:fillRef idx="1">
+                <a:schemeClr val="accent1"/>
+              </a:fillRef>
+              <a:effectRef idx="0">
+                <a:schemeClr val="accent1"/>
+              </a:effectRef>
+              <a:fontRef idx="minor">
+                <a:schemeClr val="lt1"/>
+              </a:fontRef>
+            </p:style>
+            <p:txBody>
+              <a:bodyPr rtlCol="0" anchor="ctr"/>
+              <a:lstStyle/>
+              <a:p>
+                <a:pPr algn="ctr"/>
+                <a:endParaRPr lang="en-US" sz="2400" dirty="0" smtClean="0">
+                  <a:solidFill>
+                    <a:schemeClr val="bg1">
+                      <a:lumMod val="50000"/>
+                    </a:schemeClr>
+                  </a:solidFill>
+                  <a:latin typeface="Avenir Book" charset="0"/>
+                  <a:ea typeface="Avenir Book" charset="0"/>
+                  <a:cs typeface="Avenir Book" charset="0"/>
+                </a:endParaRPr>
+              </a:p>
+            </p:txBody>
+          </p:sp>
+          <p:sp>
+            <p:nvSpPr>
+              <p:cNvPr id="44" name="Rectangle 43"/>
+              <p:cNvSpPr/>
+              <p:nvPr/>
+            </p:nvSpPr>
+            <p:spPr>
+              <a:xfrm>
+                <a:off x="4188052" y="2652175"/>
+                <a:ext cx="203200" cy="203200"/>
+              </a:xfrm>
+              <a:prstGeom prst="rect">
+                <a:avLst/>
+              </a:prstGeom>
+              <a:solidFill>
+                <a:schemeClr val="bg1">
+                  <a:lumMod val="65000"/>
+                </a:schemeClr>
+              </a:solidFill>
+              <a:ln w="28575">
+                <a:solidFill>
+                  <a:schemeClr val="bg1"/>
+                </a:solidFill>
+              </a:ln>
+            </p:spPr>
+            <p:style>
+              <a:lnRef idx="2">
+                <a:schemeClr val="accent1">
+                  <a:shade val="50000"/>
+                </a:schemeClr>
+              </a:lnRef>
+              <a:fillRef idx="1">
+                <a:schemeClr val="accent1"/>
+              </a:fillRef>
+              <a:effectRef idx="0">
+                <a:schemeClr val="accent1"/>
+              </a:effectRef>
+              <a:fontRef idx="minor">
+                <a:schemeClr val="lt1"/>
+              </a:fontRef>
+            </p:style>
+            <p:txBody>
+              <a:bodyPr rtlCol="0" anchor="ctr"/>
+              <a:lstStyle/>
+              <a:p>
+                <a:pPr algn="ctr"/>
+                <a:endParaRPr lang="en-US" sz="2400" dirty="0" smtClean="0">
+                  <a:solidFill>
+                    <a:schemeClr val="bg1">
+                      <a:lumMod val="50000"/>
+                    </a:schemeClr>
+                  </a:solidFill>
+                  <a:latin typeface="Avenir Book" charset="0"/>
+                  <a:ea typeface="Avenir Book" charset="0"/>
+                  <a:cs typeface="Avenir Book" charset="0"/>
+                </a:endParaRPr>
+              </a:p>
+            </p:txBody>
+          </p:sp>
+          <p:sp>
+            <p:nvSpPr>
+              <p:cNvPr id="45" name="Oval 44"/>
+              <p:cNvSpPr/>
+              <p:nvPr/>
+            </p:nvSpPr>
+            <p:spPr>
+              <a:xfrm>
+                <a:off x="4437867" y="2660736"/>
+                <a:ext cx="176105" cy="176105"/>
+              </a:xfrm>
+              <a:prstGeom prst="ellipse">
+                <a:avLst/>
+              </a:prstGeom>
+              <a:solidFill>
+                <a:schemeClr val="bg1">
+                  <a:lumMod val="50000"/>
+                </a:schemeClr>
+              </a:solidFill>
+              <a:ln w="28575">
+                <a:solidFill>
+                  <a:schemeClr val="bg1">
+                    <a:lumMod val="50000"/>
+                  </a:schemeClr>
+                </a:solidFill>
+              </a:ln>
+            </p:spPr>
+            <p:style>
+              <a:lnRef idx="2">
+                <a:schemeClr val="accent1">
+                  <a:shade val="50000"/>
+                </a:schemeClr>
+              </a:lnRef>
+              <a:fillRef idx="1">
+                <a:schemeClr val="accent1"/>
+              </a:fillRef>
+              <a:effectRef idx="0">
+                <a:schemeClr val="accent1"/>
+              </a:effectRef>
+              <a:fontRef idx="minor">
+                <a:schemeClr val="lt1"/>
+              </a:fontRef>
+            </p:style>
+            <p:txBody>
+              <a:bodyPr rtlCol="0" anchor="ctr"/>
+              <a:lstStyle/>
+              <a:p>
+                <a:pPr algn="ctr"/>
+                <a:endParaRPr lang="en-US" sz="2400" dirty="0" smtClean="0">
+                  <a:solidFill>
+                    <a:schemeClr val="bg1">
+                      <a:lumMod val="50000"/>
+                    </a:schemeClr>
+                  </a:solidFill>
+                  <a:latin typeface="Avenir Book" charset="0"/>
+                  <a:ea typeface="Avenir Book" charset="0"/>
+                  <a:cs typeface="Avenir Book" charset="0"/>
+                </a:endParaRPr>
+              </a:p>
+            </p:txBody>
+          </p:sp>
+          <p:sp>
+            <p:nvSpPr>
+              <p:cNvPr id="46" name="Oval 45"/>
+              <p:cNvSpPr/>
+              <p:nvPr/>
+            </p:nvSpPr>
+            <p:spPr>
+              <a:xfrm>
+                <a:off x="4437867" y="2938441"/>
+                <a:ext cx="176105" cy="176105"/>
+              </a:xfrm>
+              <a:prstGeom prst="ellipse">
+                <a:avLst/>
+              </a:prstGeom>
+              <a:solidFill>
+                <a:schemeClr val="accent2"/>
+              </a:solidFill>
+              <a:ln w="28575">
+                <a:solidFill>
+                  <a:schemeClr val="accent2"/>
+                </a:solidFill>
+              </a:ln>
+            </p:spPr>
+            <p:style>
+              <a:lnRef idx="2">
+                <a:schemeClr val="accent1">
+                  <a:shade val="50000"/>
+                </a:schemeClr>
+              </a:lnRef>
+              <a:fillRef idx="1">
+                <a:schemeClr val="accent1"/>
+              </a:fillRef>
+              <a:effectRef idx="0">
+                <a:schemeClr val="accent1"/>
+              </a:effectRef>
+              <a:fontRef idx="minor">
+                <a:schemeClr val="lt1"/>
+              </a:fontRef>
+            </p:style>
+            <p:txBody>
+              <a:bodyPr rtlCol="0" anchor="ctr"/>
+              <a:lstStyle/>
+              <a:p>
+                <a:pPr algn="ctr"/>
+                <a:endParaRPr lang="en-US" sz="2400" dirty="0" smtClean="0">
+                  <a:solidFill>
+                    <a:schemeClr val="bg1">
+                      <a:lumMod val="50000"/>
+                    </a:schemeClr>
+                  </a:solidFill>
+                  <a:latin typeface="Avenir Book" charset="0"/>
+                  <a:ea typeface="Avenir Book" charset="0"/>
+                  <a:cs typeface="Avenir Book" charset="0"/>
+                </a:endParaRPr>
+              </a:p>
+            </p:txBody>
+          </p:sp>
+          <p:sp>
+            <p:nvSpPr>
+              <p:cNvPr id="47" name="Rectangle 46"/>
+              <p:cNvSpPr/>
+              <p:nvPr/>
+            </p:nvSpPr>
+            <p:spPr>
+              <a:xfrm>
+                <a:off x="4188052" y="2938441"/>
+                <a:ext cx="203200" cy="203200"/>
+              </a:xfrm>
+              <a:prstGeom prst="rect">
+                <a:avLst/>
+              </a:prstGeom>
+              <a:solidFill>
+                <a:schemeClr val="bg1">
+                  <a:lumMod val="65000"/>
+                </a:schemeClr>
+              </a:solidFill>
+              <a:ln w="28575">
+                <a:solidFill>
+                  <a:schemeClr val="bg1"/>
+                </a:solidFill>
+              </a:ln>
+            </p:spPr>
+            <p:style>
+              <a:lnRef idx="2">
+                <a:schemeClr val="accent1">
+                  <a:shade val="50000"/>
+                </a:schemeClr>
+              </a:lnRef>
+              <a:fillRef idx="1">
+                <a:schemeClr val="accent1"/>
+              </a:fillRef>
+              <a:effectRef idx="0">
+                <a:schemeClr val="accent1"/>
+              </a:effectRef>
+              <a:fontRef idx="minor">
+                <a:schemeClr val="lt1"/>
+              </a:fontRef>
+            </p:style>
+            <p:txBody>
+              <a:bodyPr rtlCol="0" anchor="ctr"/>
+              <a:lstStyle/>
+              <a:p>
+                <a:pPr algn="ctr"/>
+                <a:endParaRPr lang="en-US" sz="2400" dirty="0" smtClean="0">
+                  <a:solidFill>
+                    <a:schemeClr val="bg1">
+                      <a:lumMod val="50000"/>
+                    </a:schemeClr>
+                  </a:solidFill>
+                  <a:latin typeface="Avenir Book" charset="0"/>
+                  <a:ea typeface="Avenir Book" charset="0"/>
+                  <a:cs typeface="Avenir Book" charset="0"/>
+                </a:endParaRPr>
+              </a:p>
+            </p:txBody>
+          </p:sp>
+          <p:sp>
+            <p:nvSpPr>
+              <p:cNvPr id="56" name="Rectangle 55"/>
+              <p:cNvSpPr/>
+              <p:nvPr/>
+            </p:nvSpPr>
+            <p:spPr>
+              <a:xfrm>
+                <a:off x="5297119" y="2662324"/>
+                <a:ext cx="203200" cy="203200"/>
+              </a:xfrm>
+              <a:prstGeom prst="rect">
+                <a:avLst/>
+              </a:prstGeom>
+              <a:solidFill>
+                <a:srgbClr val="00B0F0"/>
+              </a:solidFill>
+              <a:ln w="28575">
+                <a:solidFill>
+                  <a:schemeClr val="bg1"/>
+                </a:solidFill>
+              </a:ln>
+            </p:spPr>
+            <p:style>
+              <a:lnRef idx="2">
+                <a:schemeClr val="accent1">
+                  <a:shade val="50000"/>
+                </a:schemeClr>
+              </a:lnRef>
+              <a:fillRef idx="1">
+                <a:schemeClr val="accent1"/>
+              </a:fillRef>
+              <a:effectRef idx="0">
+                <a:schemeClr val="accent1"/>
+              </a:effectRef>
+              <a:fontRef idx="minor">
+                <a:schemeClr val="lt1"/>
+              </a:fontRef>
+            </p:style>
+            <p:txBody>
+              <a:bodyPr rtlCol="0" anchor="ctr"/>
+              <a:lstStyle/>
+              <a:p>
+                <a:pPr algn="ctr"/>
+                <a:endParaRPr lang="en-US" sz="2400" dirty="0" smtClean="0">
+                  <a:solidFill>
+                    <a:schemeClr val="bg1">
+                      <a:lumMod val="50000"/>
+                    </a:schemeClr>
+                  </a:solidFill>
+                  <a:latin typeface="Avenir Book" charset="0"/>
+                  <a:ea typeface="Avenir Book" charset="0"/>
+                  <a:cs typeface="Avenir Book" charset="0"/>
+                </a:endParaRPr>
+              </a:p>
+            </p:txBody>
+          </p:sp>
+          <p:sp>
+            <p:nvSpPr>
+              <p:cNvPr id="57" name="Oval 56"/>
+              <p:cNvSpPr/>
+              <p:nvPr/>
+            </p:nvSpPr>
+            <p:spPr>
+              <a:xfrm>
+                <a:off x="5546934" y="2670885"/>
+                <a:ext cx="176105" cy="176105"/>
+              </a:xfrm>
+              <a:prstGeom prst="ellipse">
+                <a:avLst/>
+              </a:prstGeom>
+              <a:solidFill>
+                <a:schemeClr val="bg1">
+                  <a:lumMod val="50000"/>
+                </a:schemeClr>
+              </a:solidFill>
+              <a:ln w="28575">
+                <a:solidFill>
+                  <a:schemeClr val="bg1">
+                    <a:lumMod val="50000"/>
+                  </a:schemeClr>
+                </a:solidFill>
+              </a:ln>
+            </p:spPr>
+            <p:style>
+              <a:lnRef idx="2">
+                <a:schemeClr val="accent1">
+                  <a:shade val="50000"/>
+                </a:schemeClr>
+              </a:lnRef>
+              <a:fillRef idx="1">
+                <a:schemeClr val="accent1"/>
+              </a:fillRef>
+              <a:effectRef idx="0">
+                <a:schemeClr val="accent1"/>
+              </a:effectRef>
+              <a:fontRef idx="minor">
+                <a:schemeClr val="lt1"/>
+              </a:fontRef>
+            </p:style>
+            <p:txBody>
+              <a:bodyPr rtlCol="0" anchor="ctr"/>
+              <a:lstStyle/>
+              <a:p>
+                <a:pPr algn="ctr"/>
+                <a:endParaRPr lang="en-US" sz="2400" dirty="0" smtClean="0">
+                  <a:solidFill>
+                    <a:schemeClr val="bg1">
+                      <a:lumMod val="50000"/>
+                    </a:schemeClr>
+                  </a:solidFill>
+                  <a:latin typeface="Avenir Book" charset="0"/>
+                  <a:ea typeface="Avenir Book" charset="0"/>
+                  <a:cs typeface="Avenir Book" charset="0"/>
+                </a:endParaRPr>
+              </a:p>
+            </p:txBody>
+          </p:sp>
+          <p:sp>
+            <p:nvSpPr>
+              <p:cNvPr id="64" name="Rectangle 63"/>
+              <p:cNvSpPr/>
+              <p:nvPr/>
+            </p:nvSpPr>
+            <p:spPr>
+              <a:xfrm>
+                <a:off x="5966389" y="2643614"/>
+                <a:ext cx="203200" cy="203200"/>
+              </a:xfrm>
+              <a:prstGeom prst="rect">
+                <a:avLst/>
+              </a:prstGeom>
+              <a:solidFill>
+                <a:schemeClr val="bg1">
+                  <a:lumMod val="65000"/>
+                </a:schemeClr>
+              </a:solidFill>
+              <a:ln w="28575">
+                <a:solidFill>
+                  <a:schemeClr val="bg1"/>
+                </a:solidFill>
+              </a:ln>
+            </p:spPr>
+            <p:style>
+              <a:lnRef idx="2">
+                <a:schemeClr val="accent1">
+                  <a:shade val="50000"/>
+                </a:schemeClr>
+              </a:lnRef>
+              <a:fillRef idx="1">
+                <a:schemeClr val="accent1"/>
+              </a:fillRef>
+              <a:effectRef idx="0">
+                <a:schemeClr val="accent1"/>
+              </a:effectRef>
+              <a:fontRef idx="minor">
+                <a:schemeClr val="lt1"/>
+              </a:fontRef>
+            </p:style>
+            <p:txBody>
+              <a:bodyPr rtlCol="0" anchor="ctr"/>
+              <a:lstStyle/>
+              <a:p>
+                <a:pPr algn="ctr"/>
+                <a:endParaRPr lang="en-US" sz="2400" dirty="0" smtClean="0">
+                  <a:solidFill>
+                    <a:schemeClr val="bg1">
+                      <a:lumMod val="50000"/>
+                    </a:schemeClr>
+                  </a:solidFill>
+                  <a:latin typeface="Avenir Book" charset="0"/>
+                  <a:ea typeface="Avenir Book" charset="0"/>
+                  <a:cs typeface="Avenir Book" charset="0"/>
+                </a:endParaRPr>
+              </a:p>
+            </p:txBody>
+          </p:sp>
+          <p:sp>
+            <p:nvSpPr>
+              <p:cNvPr id="65" name="Oval 64"/>
+              <p:cNvSpPr/>
+              <p:nvPr/>
+            </p:nvSpPr>
+            <p:spPr>
+              <a:xfrm>
+                <a:off x="6216204" y="2652175"/>
+                <a:ext cx="176105" cy="176105"/>
+              </a:xfrm>
+              <a:prstGeom prst="ellipse">
+                <a:avLst/>
+              </a:prstGeom>
+              <a:solidFill>
+                <a:schemeClr val="bg1">
+                  <a:lumMod val="50000"/>
+                </a:schemeClr>
+              </a:solidFill>
+              <a:ln w="28575">
+                <a:solidFill>
+                  <a:schemeClr val="bg1">
+                    <a:lumMod val="50000"/>
+                  </a:schemeClr>
+                </a:solidFill>
+              </a:ln>
+            </p:spPr>
+            <p:style>
+              <a:lnRef idx="2">
+                <a:schemeClr val="accent1">
+                  <a:shade val="50000"/>
+                </a:schemeClr>
+              </a:lnRef>
+              <a:fillRef idx="1">
+                <a:schemeClr val="accent1"/>
+              </a:fillRef>
+              <a:effectRef idx="0">
+                <a:schemeClr val="accent1"/>
+              </a:effectRef>
+              <a:fontRef idx="minor">
+                <a:schemeClr val="lt1"/>
+              </a:fontRef>
+            </p:style>
+            <p:txBody>
+              <a:bodyPr rtlCol="0" anchor="ctr"/>
+              <a:lstStyle/>
+              <a:p>
+                <a:pPr algn="ctr"/>
+                <a:endParaRPr lang="en-US" sz="2400" dirty="0" smtClean="0">
+                  <a:solidFill>
+                    <a:schemeClr val="bg1">
+                      <a:lumMod val="50000"/>
+                    </a:schemeClr>
+                  </a:solidFill>
+                  <a:latin typeface="Avenir Book" charset="0"/>
+                  <a:ea typeface="Avenir Book" charset="0"/>
+                  <a:cs typeface="Avenir Book" charset="0"/>
+                </a:endParaRPr>
+              </a:p>
+            </p:txBody>
+          </p:sp>
+          <p:sp>
+            <p:nvSpPr>
+              <p:cNvPr id="79" name="Rectangle 78"/>
+              <p:cNvSpPr/>
+              <p:nvPr/>
+            </p:nvSpPr>
+            <p:spPr>
+              <a:xfrm>
+                <a:off x="7664683" y="2662324"/>
+                <a:ext cx="203200" cy="203200"/>
+              </a:xfrm>
+              <a:prstGeom prst="rect">
+                <a:avLst/>
+              </a:prstGeom>
+              <a:solidFill>
+                <a:srgbClr val="00B0F0"/>
+              </a:solidFill>
+              <a:ln w="28575">
+                <a:solidFill>
+                  <a:schemeClr val="bg1"/>
+                </a:solidFill>
+              </a:ln>
+            </p:spPr>
+            <p:style>
+              <a:lnRef idx="2">
+                <a:schemeClr val="accent1">
+                  <a:shade val="50000"/>
+                </a:schemeClr>
+              </a:lnRef>
+              <a:fillRef idx="1">
+                <a:schemeClr val="accent1"/>
+              </a:fillRef>
+              <a:effectRef idx="0">
+                <a:schemeClr val="accent1"/>
+              </a:effectRef>
+              <a:fontRef idx="minor">
+                <a:schemeClr val="lt1"/>
+              </a:fontRef>
+            </p:style>
+            <p:txBody>
+              <a:bodyPr rtlCol="0" anchor="ctr"/>
+              <a:lstStyle/>
+              <a:p>
+                <a:pPr algn="ctr"/>
+                <a:endParaRPr lang="en-US" sz="2400" dirty="0" smtClean="0">
+                  <a:solidFill>
+                    <a:schemeClr val="bg1">
+                      <a:lumMod val="50000"/>
+                    </a:schemeClr>
+                  </a:solidFill>
+                  <a:latin typeface="Avenir Book" charset="0"/>
+                  <a:ea typeface="Avenir Book" charset="0"/>
+                  <a:cs typeface="Avenir Book" charset="0"/>
+                </a:endParaRPr>
+              </a:p>
+            </p:txBody>
+          </p:sp>
+          <p:sp>
+            <p:nvSpPr>
+              <p:cNvPr id="80" name="Oval 79"/>
+              <p:cNvSpPr/>
+              <p:nvPr/>
+            </p:nvSpPr>
+            <p:spPr>
+              <a:xfrm>
+                <a:off x="7914498" y="2670885"/>
+                <a:ext cx="176105" cy="176105"/>
+              </a:xfrm>
+              <a:prstGeom prst="ellipse">
+                <a:avLst/>
+              </a:prstGeom>
+              <a:solidFill>
+                <a:schemeClr val="bg1">
+                  <a:lumMod val="50000"/>
+                </a:schemeClr>
+              </a:solidFill>
+              <a:ln w="28575">
+                <a:solidFill>
+                  <a:schemeClr val="bg1">
+                    <a:lumMod val="50000"/>
+                  </a:schemeClr>
+                </a:solidFill>
+              </a:ln>
+            </p:spPr>
+            <p:style>
+              <a:lnRef idx="2">
+                <a:schemeClr val="accent1">
+                  <a:shade val="50000"/>
+                </a:schemeClr>
+              </a:lnRef>
+              <a:fillRef idx="1">
+                <a:schemeClr val="accent1"/>
+              </a:fillRef>
+              <a:effectRef idx="0">
+                <a:schemeClr val="accent1"/>
+              </a:effectRef>
+              <a:fontRef idx="minor">
+                <a:schemeClr val="lt1"/>
+              </a:fontRef>
+            </p:style>
+            <p:txBody>
+              <a:bodyPr rtlCol="0" anchor="ctr"/>
+              <a:lstStyle/>
+              <a:p>
+                <a:pPr algn="ctr"/>
+                <a:endParaRPr lang="en-US" sz="2400" dirty="0" smtClean="0">
+                  <a:solidFill>
+                    <a:schemeClr val="bg1">
+                      <a:lumMod val="50000"/>
+                    </a:schemeClr>
+                  </a:solidFill>
+                  <a:latin typeface="Avenir Book" charset="0"/>
+                  <a:ea typeface="Avenir Book" charset="0"/>
+                  <a:cs typeface="Avenir Book" charset="0"/>
+                </a:endParaRPr>
+              </a:p>
+            </p:txBody>
+          </p:sp>
+          <p:cxnSp>
+            <p:nvCxnSpPr>
+              <p:cNvPr id="108" name="Straight Arrow Connector 107"/>
+              <p:cNvCxnSpPr/>
+              <p:nvPr/>
+            </p:nvCxnSpPr>
+            <p:spPr>
+              <a:xfrm flipV="1">
+                <a:off x="4786133" y="2874085"/>
+                <a:ext cx="342838" cy="1"/>
+              </a:xfrm>
+              <a:prstGeom prst="straightConnector1">
+                <a:avLst/>
+              </a:prstGeom>
+              <a:ln w="28575">
+                <a:solidFill>
+                  <a:schemeClr val="bg1">
+                    <a:lumMod val="50000"/>
+                  </a:schemeClr>
+                </a:solidFill>
+                <a:headEnd type="none" w="med" len="med"/>
+                <a:tailEnd type="triangle"/>
+              </a:ln>
+            </p:spPr>
+            <p:style>
+              <a:lnRef idx="1">
+                <a:schemeClr val="accent1"/>
+              </a:lnRef>
+              <a:fillRef idx="0">
+                <a:schemeClr val="accent1"/>
+              </a:fillRef>
+              <a:effectRef idx="0">
+                <a:schemeClr val="accent1"/>
+              </a:effectRef>
+              <a:fontRef idx="minor">
+                <a:schemeClr val="tx1"/>
+              </a:fontRef>
+            </p:style>
+          </p:cxnSp>
+          <p:sp>
+            <p:nvSpPr>
+              <p:cNvPr id="6" name="Rectangle 5"/>
+              <p:cNvSpPr/>
+              <p:nvPr/>
+            </p:nvSpPr>
+            <p:spPr>
+              <a:xfrm>
+                <a:off x="2223353" y="2670885"/>
+                <a:ext cx="203200" cy="203200"/>
+              </a:xfrm>
+              <a:prstGeom prst="rect">
+                <a:avLst/>
+              </a:prstGeom>
+              <a:solidFill>
+                <a:srgbClr val="00B0F0"/>
+              </a:solidFill>
+              <a:ln w="28575">
+                <a:solidFill>
+                  <a:schemeClr val="bg1"/>
+                </a:solidFill>
+              </a:ln>
+            </p:spPr>
+            <p:style>
+              <a:lnRef idx="2">
+                <a:schemeClr val="accent1">
+                  <a:shade val="50000"/>
+                </a:schemeClr>
+              </a:lnRef>
+              <a:fillRef idx="1">
+                <a:schemeClr val="accent1"/>
+              </a:fillRef>
+              <a:effectRef idx="0">
+                <a:schemeClr val="accent1"/>
+              </a:effectRef>
+              <a:fontRef idx="minor">
+                <a:schemeClr val="lt1"/>
+              </a:fontRef>
+            </p:style>
+            <p:txBody>
+              <a:bodyPr rtlCol="0" anchor="ctr"/>
+              <a:lstStyle/>
+              <a:p>
+                <a:pPr algn="ctr"/>
+                <a:endParaRPr lang="en-US" sz="2400" dirty="0" smtClean="0">
+                  <a:solidFill>
+                    <a:schemeClr val="bg1">
+                      <a:lumMod val="50000"/>
+                    </a:schemeClr>
+                  </a:solidFill>
+                  <a:latin typeface="Avenir Book" charset="0"/>
+                  <a:ea typeface="Avenir Book" charset="0"/>
+                  <a:cs typeface="Avenir Book" charset="0"/>
+                </a:endParaRPr>
+              </a:p>
+            </p:txBody>
+          </p:sp>
+          <p:sp>
+            <p:nvSpPr>
+              <p:cNvPr id="31" name="Rectangle 30"/>
+              <p:cNvSpPr/>
+              <p:nvPr/>
+            </p:nvSpPr>
+            <p:spPr>
+              <a:xfrm>
+                <a:off x="2516863" y="2670885"/>
+                <a:ext cx="203200" cy="203200"/>
+              </a:xfrm>
+              <a:prstGeom prst="rect">
+                <a:avLst/>
+              </a:prstGeom>
+              <a:solidFill>
+                <a:schemeClr val="bg1">
+                  <a:lumMod val="65000"/>
+                </a:schemeClr>
+              </a:solidFill>
+              <a:ln w="28575">
+                <a:solidFill>
+                  <a:schemeClr val="bg1"/>
+                </a:solidFill>
+              </a:ln>
+            </p:spPr>
+            <p:style>
+              <a:lnRef idx="2">
+                <a:schemeClr val="accent1">
+                  <a:shade val="50000"/>
+                </a:schemeClr>
+              </a:lnRef>
+              <a:fillRef idx="1">
+                <a:schemeClr val="accent1"/>
+              </a:fillRef>
+              <a:effectRef idx="0">
+                <a:schemeClr val="accent1"/>
+              </a:effectRef>
+              <a:fontRef idx="minor">
+                <a:schemeClr val="lt1"/>
+              </a:fontRef>
+            </p:style>
+            <p:txBody>
+              <a:bodyPr rtlCol="0" anchor="ctr"/>
+              <a:lstStyle/>
+              <a:p>
+                <a:pPr algn="ctr"/>
+                <a:endParaRPr lang="en-US" sz="2400" dirty="0" smtClean="0">
+                  <a:solidFill>
+                    <a:schemeClr val="bg1">
+                      <a:lumMod val="50000"/>
+                    </a:schemeClr>
+                  </a:solidFill>
+                  <a:latin typeface="Avenir Book" charset="0"/>
+                  <a:ea typeface="Avenir Book" charset="0"/>
+                  <a:cs typeface="Avenir Book" charset="0"/>
+                </a:endParaRPr>
+              </a:p>
+            </p:txBody>
+          </p:sp>
+          <p:sp>
+            <p:nvSpPr>
+              <p:cNvPr id="118" name="Rectangle 117"/>
+              <p:cNvSpPr/>
+              <p:nvPr/>
+            </p:nvSpPr>
+            <p:spPr>
+              <a:xfrm>
+                <a:off x="9978559" y="2662324"/>
+                <a:ext cx="203200" cy="203200"/>
+              </a:xfrm>
+              <a:prstGeom prst="rect">
+                <a:avLst/>
+              </a:prstGeom>
+              <a:solidFill>
+                <a:srgbClr val="00B0F0"/>
+              </a:solidFill>
+              <a:ln w="28575">
+                <a:solidFill>
+                  <a:schemeClr val="bg1"/>
+                </a:solidFill>
+              </a:ln>
+            </p:spPr>
+            <p:style>
+              <a:lnRef idx="2">
+                <a:schemeClr val="accent1">
+                  <a:shade val="50000"/>
+                </a:schemeClr>
+              </a:lnRef>
+              <a:fillRef idx="1">
+                <a:schemeClr val="accent1"/>
+              </a:fillRef>
+              <a:effectRef idx="0">
+                <a:schemeClr val="accent1"/>
+              </a:effectRef>
+              <a:fontRef idx="minor">
+                <a:schemeClr val="lt1"/>
+              </a:fontRef>
+            </p:style>
+            <p:txBody>
+              <a:bodyPr rtlCol="0" anchor="ctr"/>
+              <a:lstStyle/>
+              <a:p>
+                <a:pPr algn="ctr"/>
+                <a:endParaRPr lang="en-US" sz="2400" dirty="0" smtClean="0">
+                  <a:solidFill>
+                    <a:schemeClr val="bg1">
+                      <a:lumMod val="50000"/>
+                    </a:schemeClr>
+                  </a:solidFill>
+                  <a:latin typeface="Avenir Book" charset="0"/>
+                  <a:ea typeface="Avenir Book" charset="0"/>
+                  <a:cs typeface="Avenir Book" charset="0"/>
+                </a:endParaRPr>
+              </a:p>
+            </p:txBody>
+          </p:sp>
+          <p:sp>
+            <p:nvSpPr>
+              <p:cNvPr id="119" name="Oval 118"/>
+              <p:cNvSpPr/>
+              <p:nvPr/>
+            </p:nvSpPr>
+            <p:spPr>
+              <a:xfrm>
+                <a:off x="10228374" y="2670885"/>
+                <a:ext cx="176105" cy="176105"/>
+              </a:xfrm>
+              <a:prstGeom prst="ellipse">
+                <a:avLst/>
+              </a:prstGeom>
+              <a:solidFill>
+                <a:schemeClr val="bg1">
+                  <a:lumMod val="50000"/>
+                </a:schemeClr>
+              </a:solidFill>
+              <a:ln w="28575">
+                <a:solidFill>
+                  <a:schemeClr val="bg1">
+                    <a:lumMod val="50000"/>
+                  </a:schemeClr>
+                </a:solidFill>
+              </a:ln>
+            </p:spPr>
+            <p:style>
+              <a:lnRef idx="2">
+                <a:schemeClr val="accent1">
+                  <a:shade val="50000"/>
+                </a:schemeClr>
+              </a:lnRef>
+              <a:fillRef idx="1">
+                <a:schemeClr val="accent1"/>
+              </a:fillRef>
+              <a:effectRef idx="0">
+                <a:schemeClr val="accent1"/>
+              </a:effectRef>
+              <a:fontRef idx="minor">
+                <a:schemeClr val="lt1"/>
+              </a:fontRef>
+            </p:style>
+            <p:txBody>
+              <a:bodyPr rtlCol="0" anchor="ctr"/>
+              <a:lstStyle/>
+              <a:p>
+                <a:pPr algn="ctr"/>
+                <a:endParaRPr lang="en-US" sz="2400" dirty="0" smtClean="0">
+                  <a:solidFill>
+                    <a:schemeClr val="bg1">
+                      <a:lumMod val="50000"/>
+                    </a:schemeClr>
+                  </a:solidFill>
+                  <a:latin typeface="Avenir Book" charset="0"/>
+                  <a:ea typeface="Avenir Book" charset="0"/>
+                  <a:cs typeface="Avenir Book" charset="0"/>
+                </a:endParaRPr>
+              </a:p>
+            </p:txBody>
+          </p:sp>
+          <p:sp>
+            <p:nvSpPr>
+              <p:cNvPr id="129" name="Rectangle 128"/>
+              <p:cNvSpPr/>
+              <p:nvPr/>
+            </p:nvSpPr>
+            <p:spPr>
+              <a:xfrm>
+                <a:off x="10642581" y="2670872"/>
+                <a:ext cx="203200" cy="203200"/>
+              </a:xfrm>
+              <a:prstGeom prst="rect">
+                <a:avLst/>
+              </a:prstGeom>
+              <a:solidFill>
+                <a:schemeClr val="bg1">
+                  <a:lumMod val="65000"/>
+                </a:schemeClr>
+              </a:solidFill>
+              <a:ln w="28575">
+                <a:solidFill>
+                  <a:schemeClr val="bg1"/>
+                </a:solidFill>
+              </a:ln>
+            </p:spPr>
+            <p:style>
+              <a:lnRef idx="2">
+                <a:schemeClr val="accent1">
+                  <a:shade val="50000"/>
+                </a:schemeClr>
+              </a:lnRef>
+              <a:fillRef idx="1">
+                <a:schemeClr val="accent1"/>
+              </a:fillRef>
+              <a:effectRef idx="0">
+                <a:schemeClr val="accent1"/>
+              </a:effectRef>
+              <a:fontRef idx="minor">
+                <a:schemeClr val="lt1"/>
+              </a:fontRef>
+            </p:style>
+            <p:txBody>
+              <a:bodyPr rtlCol="0" anchor="ctr"/>
+              <a:lstStyle/>
+              <a:p>
+                <a:pPr algn="ctr"/>
+                <a:endParaRPr lang="en-US" sz="2400" dirty="0" smtClean="0">
+                  <a:solidFill>
+                    <a:schemeClr val="bg1">
+                      <a:lumMod val="50000"/>
+                    </a:schemeClr>
+                  </a:solidFill>
+                  <a:latin typeface="Avenir Book" charset="0"/>
+                  <a:ea typeface="Avenir Book" charset="0"/>
+                  <a:cs typeface="Avenir Book" charset="0"/>
+                </a:endParaRPr>
+              </a:p>
+            </p:txBody>
+          </p:sp>
+          <p:sp>
+            <p:nvSpPr>
+              <p:cNvPr id="130" name="Oval 129"/>
+              <p:cNvSpPr/>
+              <p:nvPr/>
+            </p:nvSpPr>
+            <p:spPr>
+              <a:xfrm>
+                <a:off x="10892396" y="2679433"/>
+                <a:ext cx="176105" cy="176105"/>
+              </a:xfrm>
+              <a:prstGeom prst="ellipse">
+                <a:avLst/>
+              </a:prstGeom>
+              <a:solidFill>
+                <a:srgbClr val="FF0000"/>
+              </a:solidFill>
+              <a:ln w="28575">
+                <a:solidFill>
+                  <a:srgbClr val="FF0000"/>
+                </a:solidFill>
+              </a:ln>
+            </p:spPr>
+            <p:style>
+              <a:lnRef idx="2">
+                <a:schemeClr val="accent1">
+                  <a:shade val="50000"/>
+                </a:schemeClr>
+              </a:lnRef>
+              <a:fillRef idx="1">
+                <a:schemeClr val="accent1"/>
+              </a:fillRef>
+              <a:effectRef idx="0">
+                <a:schemeClr val="accent1"/>
+              </a:effectRef>
+              <a:fontRef idx="minor">
+                <a:schemeClr val="lt1"/>
+              </a:fontRef>
+            </p:style>
+            <p:txBody>
+              <a:bodyPr rtlCol="0" anchor="ctr"/>
+              <a:lstStyle/>
+              <a:p>
+                <a:pPr algn="ctr"/>
+                <a:endParaRPr lang="en-US" sz="2400" dirty="0" smtClean="0">
+                  <a:solidFill>
+                    <a:schemeClr val="bg1">
+                      <a:lumMod val="50000"/>
+                    </a:schemeClr>
+                  </a:solidFill>
+                  <a:latin typeface="Avenir Book" charset="0"/>
+                  <a:ea typeface="Avenir Book" charset="0"/>
+                  <a:cs typeface="Avenir Book" charset="0"/>
+                </a:endParaRPr>
+              </a:p>
+            </p:txBody>
+          </p:sp>
+        </p:grpSp>
+        <p:grpSp>
+          <p:nvGrpSpPr>
+            <p:cNvPr id="143" name="Group 142"/>
+            <p:cNvGrpSpPr/>
+            <p:nvPr/>
+          </p:nvGrpSpPr>
+          <p:grpSpPr>
+            <a:xfrm flipV="1">
+              <a:off x="6605609" y="3864523"/>
+              <a:ext cx="748209" cy="415490"/>
+              <a:chOff x="6621222" y="2711960"/>
+              <a:chExt cx="748209" cy="585875"/>
+            </a:xfrm>
+          </p:grpSpPr>
+          <p:cxnSp>
+            <p:nvCxnSpPr>
+              <p:cNvPr id="144" name="Straight Arrow Connector 143"/>
+              <p:cNvCxnSpPr/>
+              <p:nvPr/>
+            </p:nvCxnSpPr>
+            <p:spPr>
+              <a:xfrm>
+                <a:off x="6621222" y="2723350"/>
+                <a:ext cx="358491" cy="574485"/>
+              </a:xfrm>
+              <a:prstGeom prst="straightConnector1">
+                <a:avLst/>
+              </a:prstGeom>
+              <a:ln w="28575">
+                <a:solidFill>
+                  <a:schemeClr val="bg1">
+                    <a:lumMod val="50000"/>
+                  </a:schemeClr>
+                </a:solidFill>
+                <a:headEnd type="none" w="med" len="med"/>
+                <a:tailEnd type="triangle"/>
+              </a:ln>
+            </p:spPr>
+            <p:style>
+              <a:lnRef idx="1">
+                <a:schemeClr val="accent1"/>
+              </a:lnRef>
+              <a:fillRef idx="0">
+                <a:schemeClr val="accent1"/>
+              </a:fillRef>
+              <a:effectRef idx="0">
+                <a:schemeClr val="accent1"/>
+              </a:effectRef>
+              <a:fontRef idx="minor">
+                <a:schemeClr val="tx1"/>
+              </a:fontRef>
+            </p:style>
+          </p:cxnSp>
+          <p:cxnSp>
+            <p:nvCxnSpPr>
+              <p:cNvPr id="145" name="Straight Arrow Connector 144"/>
+              <p:cNvCxnSpPr/>
+              <p:nvPr/>
+            </p:nvCxnSpPr>
+            <p:spPr>
+              <a:xfrm flipV="1">
+                <a:off x="7010940" y="2711960"/>
+                <a:ext cx="358491" cy="574485"/>
+              </a:xfrm>
+              <a:prstGeom prst="straightConnector1">
+                <a:avLst/>
+              </a:prstGeom>
+              <a:ln w="28575">
+                <a:solidFill>
+                  <a:schemeClr val="bg1">
+                    <a:lumMod val="50000"/>
+                  </a:schemeClr>
+                </a:solidFill>
+                <a:headEnd type="none" w="med" len="med"/>
+                <a:tailEnd type="triangle"/>
+              </a:ln>
+            </p:spPr>
+            <p:style>
+              <a:lnRef idx="1">
+                <a:schemeClr val="accent1"/>
+              </a:lnRef>
+              <a:fillRef idx="0">
+                <a:schemeClr val="accent1"/>
+              </a:fillRef>
+              <a:effectRef idx="0">
+                <a:schemeClr val="accent1"/>
+              </a:effectRef>
+              <a:fontRef idx="minor">
+                <a:schemeClr val="tx1"/>
+              </a:fontRef>
+            </p:style>
+          </p:cxnSp>
+        </p:grpSp>
+        <p:grpSp>
+          <p:nvGrpSpPr>
+            <p:cNvPr id="146" name="Group 145"/>
+            <p:cNvGrpSpPr/>
+            <p:nvPr/>
+          </p:nvGrpSpPr>
+          <p:grpSpPr>
+            <a:xfrm>
+              <a:off x="8852056" y="2874267"/>
+              <a:ext cx="748209" cy="415490"/>
+              <a:chOff x="6621222" y="2711960"/>
+              <a:chExt cx="748209" cy="585875"/>
+            </a:xfrm>
+          </p:grpSpPr>
+          <p:cxnSp>
+            <p:nvCxnSpPr>
+              <p:cNvPr id="147" name="Straight Arrow Connector 146"/>
+              <p:cNvCxnSpPr/>
+              <p:nvPr/>
+            </p:nvCxnSpPr>
+            <p:spPr>
+              <a:xfrm>
+                <a:off x="6621222" y="2723350"/>
+                <a:ext cx="358491" cy="574485"/>
+              </a:xfrm>
+              <a:prstGeom prst="straightConnector1">
+                <a:avLst/>
+              </a:prstGeom>
+              <a:ln w="28575">
+                <a:solidFill>
+                  <a:schemeClr val="bg1">
+                    <a:lumMod val="50000"/>
+                  </a:schemeClr>
+                </a:solidFill>
+                <a:headEnd type="none" w="med" len="med"/>
+                <a:tailEnd type="triangle"/>
+              </a:ln>
+            </p:spPr>
+            <p:style>
+              <a:lnRef idx="1">
+                <a:schemeClr val="accent1"/>
+              </a:lnRef>
+              <a:fillRef idx="0">
+                <a:schemeClr val="accent1"/>
+              </a:fillRef>
+              <a:effectRef idx="0">
+                <a:schemeClr val="accent1"/>
+              </a:effectRef>
+              <a:fontRef idx="minor">
+                <a:schemeClr val="tx1"/>
+              </a:fontRef>
+            </p:style>
+          </p:cxnSp>
+          <p:cxnSp>
+            <p:nvCxnSpPr>
+              <p:cNvPr id="148" name="Straight Arrow Connector 147"/>
+              <p:cNvCxnSpPr/>
+              <p:nvPr/>
+            </p:nvCxnSpPr>
+            <p:spPr>
+              <a:xfrm flipV="1">
+                <a:off x="7010940" y="2711960"/>
+                <a:ext cx="358491" cy="574485"/>
+              </a:xfrm>
+              <a:prstGeom prst="straightConnector1">
+                <a:avLst/>
+              </a:prstGeom>
+              <a:ln w="28575">
+                <a:solidFill>
+                  <a:schemeClr val="bg1">
+                    <a:lumMod val="50000"/>
+                  </a:schemeClr>
+                </a:solidFill>
+                <a:headEnd type="none" w="med" len="med"/>
+                <a:tailEnd type="triangle"/>
+              </a:ln>
+            </p:spPr>
+            <p:style>
+              <a:lnRef idx="1">
+                <a:schemeClr val="accent1"/>
+              </a:lnRef>
+              <a:fillRef idx="0">
+                <a:schemeClr val="accent1"/>
+              </a:fillRef>
+              <a:effectRef idx="0">
+                <a:schemeClr val="accent1"/>
+              </a:effectRef>
+              <a:fontRef idx="minor">
+                <a:schemeClr val="tx1"/>
+              </a:fontRef>
+            </p:style>
+          </p:cxnSp>
+        </p:grpSp>
+        <p:grpSp>
+          <p:nvGrpSpPr>
+            <p:cNvPr id="149" name="Group 148"/>
+            <p:cNvGrpSpPr/>
+            <p:nvPr/>
+          </p:nvGrpSpPr>
+          <p:grpSpPr>
+            <a:xfrm flipV="1">
+              <a:off x="8852056" y="3864523"/>
+              <a:ext cx="748209" cy="415490"/>
+              <a:chOff x="6621222" y="2711960"/>
+              <a:chExt cx="748209" cy="585875"/>
+            </a:xfrm>
+          </p:grpSpPr>
+          <p:cxnSp>
+            <p:nvCxnSpPr>
+              <p:cNvPr id="150" name="Straight Arrow Connector 149"/>
+              <p:cNvCxnSpPr/>
+              <p:nvPr/>
+            </p:nvCxnSpPr>
+            <p:spPr>
+              <a:xfrm>
+                <a:off x="6621222" y="2723350"/>
+                <a:ext cx="358491" cy="574485"/>
+              </a:xfrm>
+              <a:prstGeom prst="straightConnector1">
+                <a:avLst/>
+              </a:prstGeom>
+              <a:ln w="28575">
+                <a:solidFill>
+                  <a:schemeClr val="bg1">
+                    <a:lumMod val="50000"/>
+                  </a:schemeClr>
+                </a:solidFill>
+                <a:headEnd type="none" w="med" len="med"/>
+                <a:tailEnd type="triangle"/>
+              </a:ln>
+            </p:spPr>
+            <p:style>
+              <a:lnRef idx="1">
+                <a:schemeClr val="accent1"/>
+              </a:lnRef>
+              <a:fillRef idx="0">
+                <a:schemeClr val="accent1"/>
+              </a:fillRef>
+              <a:effectRef idx="0">
+                <a:schemeClr val="accent1"/>
+              </a:effectRef>
+              <a:fontRef idx="minor">
+                <a:schemeClr val="tx1"/>
+              </a:fontRef>
+            </p:style>
+          </p:cxnSp>
+          <p:cxnSp>
+            <p:nvCxnSpPr>
+              <p:cNvPr id="151" name="Straight Arrow Connector 150"/>
+              <p:cNvCxnSpPr/>
+              <p:nvPr/>
+            </p:nvCxnSpPr>
+            <p:spPr>
+              <a:xfrm flipV="1">
+                <a:off x="7010940" y="2711960"/>
+                <a:ext cx="358491" cy="574485"/>
+              </a:xfrm>
+              <a:prstGeom prst="straightConnector1">
+                <a:avLst/>
+              </a:prstGeom>
+              <a:ln w="28575">
+                <a:solidFill>
+                  <a:schemeClr val="bg1">
+                    <a:lumMod val="50000"/>
+                  </a:schemeClr>
+                </a:solidFill>
+                <a:headEnd type="none" w="med" len="med"/>
+                <a:tailEnd type="triangle"/>
+              </a:ln>
+            </p:spPr>
+            <p:style>
+              <a:lnRef idx="1">
+                <a:schemeClr val="accent1"/>
+              </a:lnRef>
+              <a:fillRef idx="0">
+                <a:schemeClr val="accent1"/>
+              </a:fillRef>
+              <a:effectRef idx="0">
+                <a:schemeClr val="accent1"/>
+              </a:effectRef>
+              <a:fontRef idx="minor">
+                <a:schemeClr val="tx1"/>
+              </a:fontRef>
+            </p:style>
+          </p:cxnSp>
+        </p:grpSp>
+        <p:cxnSp>
+          <p:nvCxnSpPr>
+            <p:cNvPr id="153" name="Straight Arrow Connector 152"/>
+            <p:cNvCxnSpPr/>
+            <p:nvPr/>
+          </p:nvCxnSpPr>
+          <p:spPr>
+            <a:xfrm flipV="1">
+              <a:off x="3226728" y="3011216"/>
+              <a:ext cx="174416" cy="458194"/>
             </a:xfrm>
             <a:prstGeom prst="straightConnector1">
               <a:avLst/>
@@ -5133,14 +8364,14 @@
         </p:cxnSp>
         <p:cxnSp>
           <p:nvCxnSpPr>
-            <p:cNvPr id="96" name="Straight Arrow Connector 95"/>
+            <p:cNvPr id="155" name="Straight Arrow Connector 154"/>
             <p:cNvCxnSpPr/>
             <p:nvPr/>
           </p:nvCxnSpPr>
           <p:spPr>
-            <a:xfrm flipV="1">
-              <a:off x="7010940" y="2711960"/>
-              <a:ext cx="358491" cy="574485"/>
+            <a:xfrm>
+              <a:off x="3249836" y="3714844"/>
+              <a:ext cx="151308" cy="529195"/>
             </a:xfrm>
             <a:prstGeom prst="straightConnector1">
               <a:avLst/>
@@ -5173,14 +8404,14 @@
       </p:grpSp>
       <p:sp>
         <p:nvSpPr>
-          <p:cNvPr id="115" name="TextBox 114"/>
+          <p:cNvPr id="167" name="TextBox 166"/>
           <p:cNvSpPr txBox="1"/>
           <p:nvPr/>
         </p:nvSpPr>
         <p:spPr>
           <a:xfrm>
-            <a:off x="8727521" y="3397468"/>
-            <a:ext cx="1284775" cy="369332"/>
+            <a:off x="5274910" y="1104199"/>
+            <a:ext cx="2428870" cy="584775"/>
           </a:xfrm>
           <a:prstGeom prst="rect">
             <a:avLst/>
@@ -5194,3199 +8425,37 @@
           <a:lstStyle/>
           <a:p>
             <a:r>
-              <a:rPr lang="en-US" smtClean="0">
-                <a:latin typeface="Avenir Next" charset="0"/>
-                <a:ea typeface="Avenir Next" charset="0"/>
-                <a:cs typeface="Avenir Next" charset="0"/>
+              <a:rPr lang="en-US" sz="3200" dirty="0" err="1" smtClean="0">
+                <a:latin typeface="Arvo" charset="0"/>
+                <a:ea typeface="Arvo" charset="0"/>
+                <a:cs typeface="Arvo" charset="0"/>
               </a:rPr>
-              <a:t>Rebalance</a:t>
+              <a:t>i</a:t>
             </a:r>
-            <a:endParaRPr lang="en-US" dirty="0" smtClean="0">
-              <a:latin typeface="Avenir Next" charset="0"/>
-              <a:ea typeface="Avenir Next" charset="0"/>
-              <a:cs typeface="Avenir Next" charset="0"/>
+            <a:r>
+              <a:rPr lang="en-US" sz="3200" baseline="30000" dirty="0" err="1" smtClean="0">
+                <a:latin typeface="Arvo" charset="0"/>
+                <a:ea typeface="Arvo" charset="0"/>
+                <a:cs typeface="Arvo" charset="0"/>
+              </a:rPr>
+              <a:t>th</a:t>
+            </a:r>
+            <a:r>
+              <a:rPr lang="en-US" sz="3200" dirty="0" smtClean="0">
+                <a:latin typeface="Arvo" charset="0"/>
+                <a:ea typeface="Arvo" charset="0"/>
+                <a:cs typeface="Arvo" charset="0"/>
+              </a:rPr>
+              <a:t> iteration</a:t>
+            </a:r>
+            <a:endParaRPr lang="en-US" sz="3200" dirty="0" smtClean="0">
+              <a:latin typeface="Arvo" charset="0"/>
+              <a:ea typeface="Arvo" charset="0"/>
+              <a:cs typeface="Arvo" charset="0"/>
             </a:endParaRPr>
           </a:p>
         </p:txBody>
       </p:sp>
-      <p:sp>
-        <p:nvSpPr>
-          <p:cNvPr id="122" name="TextBox 121"/>
-          <p:cNvSpPr txBox="1"/>
-          <p:nvPr/>
-        </p:nvSpPr>
-        <p:spPr>
-          <a:xfrm>
-            <a:off x="9746191" y="2063301"/>
-            <a:ext cx="1550424" cy="369332"/>
-          </a:xfrm>
-          <a:prstGeom prst="rect">
-            <a:avLst/>
-          </a:prstGeom>
-          <a:noFill/>
-        </p:spPr>
-        <p:txBody>
-          <a:bodyPr wrap="none" rtlCol="0">
-            <a:spAutoFit/>
-          </a:bodyPr>
-          <a:lstStyle/>
-          <a:p>
-            <a:pPr algn="ctr"/>
-            <a:r>
-              <a:rPr lang="el-GR" dirty="0" smtClean="0">
-                <a:latin typeface="Avenir Next" charset="0"/>
-                <a:ea typeface="Avenir Next" charset="0"/>
-                <a:cs typeface="Avenir Next" charset="0"/>
-              </a:rPr>
-              <a:t>γ </a:t>
-            </a:r>
-            <a:r>
-              <a:rPr lang="en-US" dirty="0" smtClean="0">
-                <a:latin typeface="Avenir Next" charset="0"/>
-                <a:ea typeface="Avenir Next" charset="0"/>
-                <a:cs typeface="Avenir Next" charset="0"/>
-              </a:rPr>
-              <a:t>global best</a:t>
-            </a:r>
-            <a:endParaRPr lang="en-US" dirty="0" smtClean="0">
-              <a:latin typeface="Avenir Next" charset="0"/>
-              <a:ea typeface="Avenir Next" charset="0"/>
-              <a:cs typeface="Avenir Next" charset="0"/>
-            </a:endParaRPr>
-          </a:p>
-        </p:txBody>
-      </p:sp>
-      <p:grpSp>
-        <p:nvGrpSpPr>
-          <p:cNvPr id="139" name="Group 138"/>
-          <p:cNvGrpSpPr/>
-          <p:nvPr/>
-        </p:nvGrpSpPr>
-        <p:grpSpPr>
-          <a:xfrm>
-            <a:off x="2223353" y="3930502"/>
-            <a:ext cx="8177517" cy="516737"/>
-            <a:chOff x="2223353" y="4021942"/>
-            <a:chExt cx="8177517" cy="516737"/>
-          </a:xfrm>
-        </p:grpSpPr>
-        <p:sp>
-          <p:nvSpPr>
-            <p:cNvPr id="27" name="Rectangle 26"/>
-            <p:cNvSpPr/>
-            <p:nvPr/>
-          </p:nvSpPr>
-          <p:spPr>
-            <a:xfrm>
-              <a:off x="3519427" y="4049213"/>
-              <a:ext cx="203200" cy="203200"/>
-            </a:xfrm>
-            <a:prstGeom prst="rect">
-              <a:avLst/>
-            </a:prstGeom>
-            <a:solidFill>
-              <a:srgbClr val="00B0F0"/>
-            </a:solidFill>
-            <a:ln w="28575">
-              <a:solidFill>
-                <a:schemeClr val="bg1"/>
-              </a:solidFill>
-            </a:ln>
-          </p:spPr>
-          <p:style>
-            <a:lnRef idx="2">
-              <a:schemeClr val="accent1">
-                <a:shade val="50000"/>
-              </a:schemeClr>
-            </a:lnRef>
-            <a:fillRef idx="1">
-              <a:schemeClr val="accent1"/>
-            </a:fillRef>
-            <a:effectRef idx="0">
-              <a:schemeClr val="accent1"/>
-            </a:effectRef>
-            <a:fontRef idx="minor">
-              <a:schemeClr val="lt1"/>
-            </a:fontRef>
-          </p:style>
-          <p:txBody>
-            <a:bodyPr rtlCol="0" anchor="ctr"/>
-            <a:lstStyle/>
-            <a:p>
-              <a:pPr algn="ctr"/>
-              <a:endParaRPr lang="en-US" sz="2400" dirty="0" smtClean="0">
-                <a:solidFill>
-                  <a:schemeClr val="bg1">
-                    <a:lumMod val="50000"/>
-                  </a:schemeClr>
-                </a:solidFill>
-                <a:latin typeface="Avenir Book" charset="0"/>
-                <a:ea typeface="Avenir Book" charset="0"/>
-                <a:cs typeface="Avenir Book" charset="0"/>
-              </a:endParaRPr>
-            </a:p>
-          </p:txBody>
-        </p:sp>
-        <p:sp>
-          <p:nvSpPr>
-            <p:cNvPr id="28" name="Oval 27"/>
-            <p:cNvSpPr/>
-            <p:nvPr/>
-          </p:nvSpPr>
-          <p:spPr>
-            <a:xfrm>
-              <a:off x="3769242" y="4057774"/>
-              <a:ext cx="176105" cy="176105"/>
-            </a:xfrm>
-            <a:prstGeom prst="ellipse">
-              <a:avLst/>
-            </a:prstGeom>
-            <a:solidFill>
-              <a:srgbClr val="FF0000"/>
-            </a:solidFill>
-            <a:ln w="28575">
-              <a:solidFill>
-                <a:srgbClr val="FF0000"/>
-              </a:solidFill>
-            </a:ln>
-          </p:spPr>
-          <p:style>
-            <a:lnRef idx="2">
-              <a:schemeClr val="accent1">
-                <a:shade val="50000"/>
-              </a:schemeClr>
-            </a:lnRef>
-            <a:fillRef idx="1">
-              <a:schemeClr val="accent1"/>
-            </a:fillRef>
-            <a:effectRef idx="0">
-              <a:schemeClr val="accent1"/>
-            </a:effectRef>
-            <a:fontRef idx="minor">
-              <a:schemeClr val="lt1"/>
-            </a:fontRef>
-          </p:style>
-          <p:txBody>
-            <a:bodyPr rtlCol="0" anchor="ctr"/>
-            <a:lstStyle/>
-            <a:p>
-              <a:pPr algn="ctr"/>
-              <a:endParaRPr lang="en-US" sz="2400" dirty="0" smtClean="0">
-                <a:solidFill>
-                  <a:schemeClr val="bg1">
-                    <a:lumMod val="50000"/>
-                  </a:schemeClr>
-                </a:solidFill>
-                <a:latin typeface="Avenir Book" charset="0"/>
-                <a:ea typeface="Avenir Book" charset="0"/>
-                <a:cs typeface="Avenir Book" charset="0"/>
-              </a:endParaRPr>
-            </a:p>
-          </p:txBody>
-        </p:sp>
-        <p:sp>
-          <p:nvSpPr>
-            <p:cNvPr id="29" name="Oval 28"/>
-            <p:cNvSpPr/>
-            <p:nvPr/>
-          </p:nvSpPr>
-          <p:spPr>
-            <a:xfrm>
-              <a:off x="3769242" y="4335479"/>
-              <a:ext cx="176105" cy="176105"/>
-            </a:xfrm>
-            <a:prstGeom prst="ellipse">
-              <a:avLst/>
-            </a:prstGeom>
-            <a:solidFill>
-              <a:schemeClr val="accent5"/>
-            </a:solidFill>
-            <a:ln w="28575">
-              <a:solidFill>
-                <a:schemeClr val="accent5"/>
-              </a:solidFill>
-            </a:ln>
-          </p:spPr>
-          <p:style>
-            <a:lnRef idx="2">
-              <a:schemeClr val="accent1">
-                <a:shade val="50000"/>
-              </a:schemeClr>
-            </a:lnRef>
-            <a:fillRef idx="1">
-              <a:schemeClr val="accent1"/>
-            </a:fillRef>
-            <a:effectRef idx="0">
-              <a:schemeClr val="accent1"/>
-            </a:effectRef>
-            <a:fontRef idx="minor">
-              <a:schemeClr val="lt1"/>
-            </a:fontRef>
-          </p:style>
-          <p:txBody>
-            <a:bodyPr rtlCol="0" anchor="ctr"/>
-            <a:lstStyle/>
-            <a:p>
-              <a:pPr algn="ctr"/>
-              <a:endParaRPr lang="en-US" sz="2400" dirty="0" smtClean="0">
-                <a:solidFill>
-                  <a:schemeClr val="bg1">
-                    <a:lumMod val="50000"/>
-                  </a:schemeClr>
-                </a:solidFill>
-                <a:latin typeface="Avenir Book" charset="0"/>
-                <a:ea typeface="Avenir Book" charset="0"/>
-                <a:cs typeface="Avenir Book" charset="0"/>
-              </a:endParaRPr>
-            </a:p>
-          </p:txBody>
-        </p:sp>
-        <p:sp>
-          <p:nvSpPr>
-            <p:cNvPr id="30" name="Rectangle 29"/>
-            <p:cNvSpPr/>
-            <p:nvPr/>
-          </p:nvSpPr>
-          <p:spPr>
-            <a:xfrm>
-              <a:off x="3519427" y="4335479"/>
-              <a:ext cx="203200" cy="203200"/>
-            </a:xfrm>
-            <a:prstGeom prst="rect">
-              <a:avLst/>
-            </a:prstGeom>
-            <a:solidFill>
-              <a:srgbClr val="00B0F0"/>
-            </a:solidFill>
-            <a:ln w="28575">
-              <a:solidFill>
-                <a:schemeClr val="bg1"/>
-              </a:solidFill>
-            </a:ln>
-          </p:spPr>
-          <p:style>
-            <a:lnRef idx="2">
-              <a:schemeClr val="accent1">
-                <a:shade val="50000"/>
-              </a:schemeClr>
-            </a:lnRef>
-            <a:fillRef idx="1">
-              <a:schemeClr val="accent1"/>
-            </a:fillRef>
-            <a:effectRef idx="0">
-              <a:schemeClr val="accent1"/>
-            </a:effectRef>
-            <a:fontRef idx="minor">
-              <a:schemeClr val="lt1"/>
-            </a:fontRef>
-          </p:style>
-          <p:txBody>
-            <a:bodyPr rtlCol="0" anchor="ctr"/>
-            <a:lstStyle/>
-            <a:p>
-              <a:pPr algn="ctr"/>
-              <a:endParaRPr lang="en-US" sz="2400" dirty="0" smtClean="0">
-                <a:solidFill>
-                  <a:schemeClr val="bg1">
-                    <a:lumMod val="50000"/>
-                  </a:schemeClr>
-                </a:solidFill>
-                <a:latin typeface="Avenir Book" charset="0"/>
-                <a:ea typeface="Avenir Book" charset="0"/>
-                <a:cs typeface="Avenir Book" charset="0"/>
-              </a:endParaRPr>
-            </a:p>
-          </p:txBody>
-        </p:sp>
-        <p:sp>
-          <p:nvSpPr>
-            <p:cNvPr id="48" name="Rectangle 47"/>
-            <p:cNvSpPr/>
-            <p:nvPr/>
-          </p:nvSpPr>
-          <p:spPr>
-            <a:xfrm>
-              <a:off x="4188697" y="4030503"/>
-              <a:ext cx="203200" cy="203200"/>
-            </a:xfrm>
-            <a:prstGeom prst="rect">
-              <a:avLst/>
-            </a:prstGeom>
-            <a:solidFill>
-              <a:schemeClr val="bg1">
-                <a:lumMod val="65000"/>
-              </a:schemeClr>
-            </a:solidFill>
-            <a:ln w="28575">
-              <a:solidFill>
-                <a:schemeClr val="bg1"/>
-              </a:solidFill>
-            </a:ln>
-          </p:spPr>
-          <p:style>
-            <a:lnRef idx="2">
-              <a:schemeClr val="accent1">
-                <a:shade val="50000"/>
-              </a:schemeClr>
-            </a:lnRef>
-            <a:fillRef idx="1">
-              <a:schemeClr val="accent1"/>
-            </a:fillRef>
-            <a:effectRef idx="0">
-              <a:schemeClr val="accent1"/>
-            </a:effectRef>
-            <a:fontRef idx="minor">
-              <a:schemeClr val="lt1"/>
-            </a:fontRef>
-          </p:style>
-          <p:txBody>
-            <a:bodyPr rtlCol="0" anchor="ctr"/>
-            <a:lstStyle/>
-            <a:p>
-              <a:pPr algn="ctr"/>
-              <a:endParaRPr lang="en-US" sz="2400" dirty="0" smtClean="0">
-                <a:solidFill>
-                  <a:schemeClr val="bg1">
-                    <a:lumMod val="50000"/>
-                  </a:schemeClr>
-                </a:solidFill>
-                <a:latin typeface="Avenir Book" charset="0"/>
-                <a:ea typeface="Avenir Book" charset="0"/>
-                <a:cs typeface="Avenir Book" charset="0"/>
-              </a:endParaRPr>
-            </a:p>
-          </p:txBody>
-        </p:sp>
-        <p:sp>
-          <p:nvSpPr>
-            <p:cNvPr id="49" name="Oval 48"/>
-            <p:cNvSpPr/>
-            <p:nvPr/>
-          </p:nvSpPr>
-          <p:spPr>
-            <a:xfrm>
-              <a:off x="4438512" y="4039064"/>
-              <a:ext cx="176105" cy="176105"/>
-            </a:xfrm>
-            <a:prstGeom prst="ellipse">
-              <a:avLst/>
-            </a:prstGeom>
-            <a:solidFill>
-              <a:srgbClr val="FF0000"/>
-            </a:solidFill>
-            <a:ln w="28575">
-              <a:solidFill>
-                <a:srgbClr val="FF0000"/>
-              </a:solidFill>
-            </a:ln>
-          </p:spPr>
-          <p:style>
-            <a:lnRef idx="2">
-              <a:schemeClr val="accent1">
-                <a:shade val="50000"/>
-              </a:schemeClr>
-            </a:lnRef>
-            <a:fillRef idx="1">
-              <a:schemeClr val="accent1"/>
-            </a:fillRef>
-            <a:effectRef idx="0">
-              <a:schemeClr val="accent1"/>
-            </a:effectRef>
-            <a:fontRef idx="minor">
-              <a:schemeClr val="lt1"/>
-            </a:fontRef>
-          </p:style>
-          <p:txBody>
-            <a:bodyPr rtlCol="0" anchor="ctr"/>
-            <a:lstStyle/>
-            <a:p>
-              <a:pPr algn="ctr"/>
-              <a:endParaRPr lang="en-US" sz="2400" dirty="0" smtClean="0">
-                <a:solidFill>
-                  <a:schemeClr val="bg1">
-                    <a:lumMod val="50000"/>
-                  </a:schemeClr>
-                </a:solidFill>
-                <a:latin typeface="Avenir Book" charset="0"/>
-                <a:ea typeface="Avenir Book" charset="0"/>
-                <a:cs typeface="Avenir Book" charset="0"/>
-              </a:endParaRPr>
-            </a:p>
-          </p:txBody>
-        </p:sp>
-        <p:sp>
-          <p:nvSpPr>
-            <p:cNvPr id="50" name="Oval 49"/>
-            <p:cNvSpPr/>
-            <p:nvPr/>
-          </p:nvSpPr>
-          <p:spPr>
-            <a:xfrm>
-              <a:off x="4438512" y="4316769"/>
-              <a:ext cx="176105" cy="176105"/>
-            </a:xfrm>
-            <a:prstGeom prst="ellipse">
-              <a:avLst/>
-            </a:prstGeom>
-            <a:solidFill>
-              <a:schemeClr val="accent5"/>
-            </a:solidFill>
-            <a:ln w="28575">
-              <a:solidFill>
-                <a:schemeClr val="accent5"/>
-              </a:solidFill>
-            </a:ln>
-          </p:spPr>
-          <p:style>
-            <a:lnRef idx="2">
-              <a:schemeClr val="accent1">
-                <a:shade val="50000"/>
-              </a:schemeClr>
-            </a:lnRef>
-            <a:fillRef idx="1">
-              <a:schemeClr val="accent1"/>
-            </a:fillRef>
-            <a:effectRef idx="0">
-              <a:schemeClr val="accent1"/>
-            </a:effectRef>
-            <a:fontRef idx="minor">
-              <a:schemeClr val="lt1"/>
-            </a:fontRef>
-          </p:style>
-          <p:txBody>
-            <a:bodyPr rtlCol="0" anchor="ctr"/>
-            <a:lstStyle/>
-            <a:p>
-              <a:pPr algn="ctr"/>
-              <a:endParaRPr lang="en-US" sz="2400" dirty="0" smtClean="0">
-                <a:solidFill>
-                  <a:schemeClr val="bg1">
-                    <a:lumMod val="50000"/>
-                  </a:schemeClr>
-                </a:solidFill>
-                <a:latin typeface="Avenir Book" charset="0"/>
-                <a:ea typeface="Avenir Book" charset="0"/>
-                <a:cs typeface="Avenir Book" charset="0"/>
-              </a:endParaRPr>
-            </a:p>
-          </p:txBody>
-        </p:sp>
-        <p:sp>
-          <p:nvSpPr>
-            <p:cNvPr id="51" name="Rectangle 50"/>
-            <p:cNvSpPr/>
-            <p:nvPr/>
-          </p:nvSpPr>
-          <p:spPr>
-            <a:xfrm>
-              <a:off x="4188697" y="4316769"/>
-              <a:ext cx="203200" cy="203200"/>
-            </a:xfrm>
-            <a:prstGeom prst="rect">
-              <a:avLst/>
-            </a:prstGeom>
-            <a:solidFill>
-              <a:schemeClr val="bg1">
-                <a:lumMod val="65000"/>
-              </a:schemeClr>
-            </a:solidFill>
-            <a:ln w="28575">
-              <a:solidFill>
-                <a:schemeClr val="bg1"/>
-              </a:solidFill>
-            </a:ln>
-          </p:spPr>
-          <p:style>
-            <a:lnRef idx="2">
-              <a:schemeClr val="accent1">
-                <a:shade val="50000"/>
-              </a:schemeClr>
-            </a:lnRef>
-            <a:fillRef idx="1">
-              <a:schemeClr val="accent1"/>
-            </a:fillRef>
-            <a:effectRef idx="0">
-              <a:schemeClr val="accent1"/>
-            </a:effectRef>
-            <a:fontRef idx="minor">
-              <a:schemeClr val="lt1"/>
-            </a:fontRef>
-          </p:style>
-          <p:txBody>
-            <a:bodyPr rtlCol="0" anchor="ctr"/>
-            <a:lstStyle/>
-            <a:p>
-              <a:pPr algn="ctr"/>
-              <a:endParaRPr lang="en-US" sz="2400" dirty="0" smtClean="0">
-                <a:solidFill>
-                  <a:schemeClr val="bg1">
-                    <a:lumMod val="50000"/>
-                  </a:schemeClr>
-                </a:solidFill>
-                <a:latin typeface="Avenir Book" charset="0"/>
-                <a:ea typeface="Avenir Book" charset="0"/>
-                <a:cs typeface="Avenir Book" charset="0"/>
-              </a:endParaRPr>
-            </a:p>
-          </p:txBody>
-        </p:sp>
-        <p:sp>
-          <p:nvSpPr>
-            <p:cNvPr id="62" name="Oval 61"/>
-            <p:cNvSpPr/>
-            <p:nvPr/>
-          </p:nvSpPr>
-          <p:spPr>
-            <a:xfrm>
-              <a:off x="5547579" y="4326918"/>
-              <a:ext cx="176105" cy="176105"/>
-            </a:xfrm>
-            <a:prstGeom prst="ellipse">
-              <a:avLst/>
-            </a:prstGeom>
-            <a:solidFill>
-              <a:schemeClr val="accent5"/>
-            </a:solidFill>
-            <a:ln w="28575">
-              <a:solidFill>
-                <a:schemeClr val="accent5"/>
-              </a:solidFill>
-            </a:ln>
-          </p:spPr>
-          <p:style>
-            <a:lnRef idx="2">
-              <a:schemeClr val="accent1">
-                <a:shade val="50000"/>
-              </a:schemeClr>
-            </a:lnRef>
-            <a:fillRef idx="1">
-              <a:schemeClr val="accent1"/>
-            </a:fillRef>
-            <a:effectRef idx="0">
-              <a:schemeClr val="accent1"/>
-            </a:effectRef>
-            <a:fontRef idx="minor">
-              <a:schemeClr val="lt1"/>
-            </a:fontRef>
-          </p:style>
-          <p:txBody>
-            <a:bodyPr rtlCol="0" anchor="ctr"/>
-            <a:lstStyle/>
-            <a:p>
-              <a:pPr algn="ctr"/>
-              <a:endParaRPr lang="en-US" sz="2400" dirty="0" smtClean="0">
-                <a:solidFill>
-                  <a:schemeClr val="bg1">
-                    <a:lumMod val="50000"/>
-                  </a:schemeClr>
-                </a:solidFill>
-                <a:latin typeface="Avenir Book" charset="0"/>
-                <a:ea typeface="Avenir Book" charset="0"/>
-                <a:cs typeface="Avenir Book" charset="0"/>
-              </a:endParaRPr>
-            </a:p>
-          </p:txBody>
-        </p:sp>
-        <p:sp>
-          <p:nvSpPr>
-            <p:cNvPr id="63" name="Rectangle 62"/>
-            <p:cNvSpPr/>
-            <p:nvPr/>
-          </p:nvSpPr>
-          <p:spPr>
-            <a:xfrm>
-              <a:off x="5297764" y="4326918"/>
-              <a:ext cx="203200" cy="203200"/>
-            </a:xfrm>
-            <a:prstGeom prst="rect">
-              <a:avLst/>
-            </a:prstGeom>
-            <a:solidFill>
-              <a:srgbClr val="00B0F0"/>
-            </a:solidFill>
-            <a:ln w="28575">
-              <a:solidFill>
-                <a:schemeClr val="bg1"/>
-              </a:solidFill>
-            </a:ln>
-          </p:spPr>
-          <p:style>
-            <a:lnRef idx="2">
-              <a:schemeClr val="accent1">
-                <a:shade val="50000"/>
-              </a:schemeClr>
-            </a:lnRef>
-            <a:fillRef idx="1">
-              <a:schemeClr val="accent1"/>
-            </a:fillRef>
-            <a:effectRef idx="0">
-              <a:schemeClr val="accent1"/>
-            </a:effectRef>
-            <a:fontRef idx="minor">
-              <a:schemeClr val="lt1"/>
-            </a:fontRef>
-          </p:style>
-          <p:txBody>
-            <a:bodyPr rtlCol="0" anchor="ctr"/>
-            <a:lstStyle/>
-            <a:p>
-              <a:pPr algn="ctr"/>
-              <a:endParaRPr lang="en-US" sz="2400" dirty="0" smtClean="0">
-                <a:solidFill>
-                  <a:schemeClr val="bg1">
-                    <a:lumMod val="50000"/>
-                  </a:schemeClr>
-                </a:solidFill>
-                <a:latin typeface="Avenir Book" charset="0"/>
-                <a:ea typeface="Avenir Book" charset="0"/>
-                <a:cs typeface="Avenir Book" charset="0"/>
-              </a:endParaRPr>
-            </a:p>
-          </p:txBody>
-        </p:sp>
-        <p:sp>
-          <p:nvSpPr>
-            <p:cNvPr id="68" name="Rectangle 67"/>
-            <p:cNvSpPr/>
-            <p:nvPr/>
-          </p:nvSpPr>
-          <p:spPr>
-            <a:xfrm>
-              <a:off x="5967034" y="4021942"/>
-              <a:ext cx="203200" cy="203200"/>
-            </a:xfrm>
-            <a:prstGeom prst="rect">
-              <a:avLst/>
-            </a:prstGeom>
-            <a:solidFill>
-              <a:schemeClr val="bg1">
-                <a:lumMod val="65000"/>
-              </a:schemeClr>
-            </a:solidFill>
-            <a:ln w="28575">
-              <a:solidFill>
-                <a:schemeClr val="bg1"/>
-              </a:solidFill>
-            </a:ln>
-          </p:spPr>
-          <p:style>
-            <a:lnRef idx="2">
-              <a:schemeClr val="accent1">
-                <a:shade val="50000"/>
-              </a:schemeClr>
-            </a:lnRef>
-            <a:fillRef idx="1">
-              <a:schemeClr val="accent1"/>
-            </a:fillRef>
-            <a:effectRef idx="0">
-              <a:schemeClr val="accent1"/>
-            </a:effectRef>
-            <a:fontRef idx="minor">
-              <a:schemeClr val="lt1"/>
-            </a:fontRef>
-          </p:style>
-          <p:txBody>
-            <a:bodyPr rtlCol="0" anchor="ctr"/>
-            <a:lstStyle/>
-            <a:p>
-              <a:pPr algn="ctr"/>
-              <a:endParaRPr lang="en-US" sz="2400" dirty="0" smtClean="0">
-                <a:solidFill>
-                  <a:schemeClr val="bg1">
-                    <a:lumMod val="50000"/>
-                  </a:schemeClr>
-                </a:solidFill>
-                <a:latin typeface="Avenir Book" charset="0"/>
-                <a:ea typeface="Avenir Book" charset="0"/>
-                <a:cs typeface="Avenir Book" charset="0"/>
-              </a:endParaRPr>
-            </a:p>
-          </p:txBody>
-        </p:sp>
-        <p:sp>
-          <p:nvSpPr>
-            <p:cNvPr id="69" name="Oval 68"/>
-            <p:cNvSpPr/>
-            <p:nvPr/>
-          </p:nvSpPr>
-          <p:spPr>
-            <a:xfrm>
-              <a:off x="6216849" y="4030503"/>
-              <a:ext cx="176105" cy="176105"/>
-            </a:xfrm>
-            <a:prstGeom prst="ellipse">
-              <a:avLst/>
-            </a:prstGeom>
-            <a:solidFill>
-              <a:srgbClr val="FF0000"/>
-            </a:solidFill>
-            <a:ln w="28575">
-              <a:solidFill>
-                <a:srgbClr val="FF0000"/>
-              </a:solidFill>
-            </a:ln>
-          </p:spPr>
-          <p:style>
-            <a:lnRef idx="2">
-              <a:schemeClr val="accent1">
-                <a:shade val="50000"/>
-              </a:schemeClr>
-            </a:lnRef>
-            <a:fillRef idx="1">
-              <a:schemeClr val="accent1"/>
-            </a:fillRef>
-            <a:effectRef idx="0">
-              <a:schemeClr val="accent1"/>
-            </a:effectRef>
-            <a:fontRef idx="minor">
-              <a:schemeClr val="lt1"/>
-            </a:fontRef>
-          </p:style>
-          <p:txBody>
-            <a:bodyPr rtlCol="0" anchor="ctr"/>
-            <a:lstStyle/>
-            <a:p>
-              <a:pPr algn="ctr"/>
-              <a:endParaRPr lang="en-US" sz="2400" dirty="0" smtClean="0">
-                <a:solidFill>
-                  <a:schemeClr val="bg1">
-                    <a:lumMod val="50000"/>
-                  </a:schemeClr>
-                </a:solidFill>
-                <a:latin typeface="Avenir Book" charset="0"/>
-                <a:ea typeface="Avenir Book" charset="0"/>
-                <a:cs typeface="Avenir Book" charset="0"/>
-              </a:endParaRPr>
-            </a:p>
-          </p:txBody>
-        </p:sp>
-        <p:sp>
-          <p:nvSpPr>
-            <p:cNvPr id="100" name="Rectangle 99"/>
-            <p:cNvSpPr/>
-            <p:nvPr/>
-          </p:nvSpPr>
-          <p:spPr>
-            <a:xfrm>
-              <a:off x="5297119" y="4021942"/>
-              <a:ext cx="203200" cy="203200"/>
-            </a:xfrm>
-            <a:prstGeom prst="rect">
-              <a:avLst/>
-            </a:prstGeom>
-            <a:solidFill>
-              <a:srgbClr val="00B0F0"/>
-            </a:solidFill>
-            <a:ln w="28575">
-              <a:solidFill>
-                <a:schemeClr val="bg1"/>
-              </a:solidFill>
-            </a:ln>
-          </p:spPr>
-          <p:style>
-            <a:lnRef idx="2">
-              <a:schemeClr val="accent1">
-                <a:shade val="50000"/>
-              </a:schemeClr>
-            </a:lnRef>
-            <a:fillRef idx="1">
-              <a:schemeClr val="accent1"/>
-            </a:fillRef>
-            <a:effectRef idx="0">
-              <a:schemeClr val="accent1"/>
-            </a:effectRef>
-            <a:fontRef idx="minor">
-              <a:schemeClr val="lt1"/>
-            </a:fontRef>
-          </p:style>
-          <p:txBody>
-            <a:bodyPr rtlCol="0" anchor="ctr"/>
-            <a:lstStyle/>
-            <a:p>
-              <a:pPr algn="ctr"/>
-              <a:endParaRPr lang="en-US" sz="2400" dirty="0" smtClean="0">
-                <a:solidFill>
-                  <a:schemeClr val="bg1">
-                    <a:lumMod val="50000"/>
-                  </a:schemeClr>
-                </a:solidFill>
-                <a:latin typeface="Avenir Book" charset="0"/>
-                <a:ea typeface="Avenir Book" charset="0"/>
-                <a:cs typeface="Avenir Book" charset="0"/>
-              </a:endParaRPr>
-            </a:p>
-          </p:txBody>
-        </p:sp>
-        <p:sp>
-          <p:nvSpPr>
-            <p:cNvPr id="101" name="Oval 100"/>
-            <p:cNvSpPr/>
-            <p:nvPr/>
-          </p:nvSpPr>
-          <p:spPr>
-            <a:xfrm>
-              <a:off x="5546934" y="4030503"/>
-              <a:ext cx="176105" cy="176105"/>
-            </a:xfrm>
-            <a:prstGeom prst="ellipse">
-              <a:avLst/>
-            </a:prstGeom>
-            <a:solidFill>
-              <a:srgbClr val="FF0000"/>
-            </a:solidFill>
-            <a:ln w="28575">
-              <a:solidFill>
-                <a:srgbClr val="FF0000"/>
-              </a:solidFill>
-            </a:ln>
-          </p:spPr>
-          <p:style>
-            <a:lnRef idx="2">
-              <a:schemeClr val="accent1">
-                <a:shade val="50000"/>
-              </a:schemeClr>
-            </a:lnRef>
-            <a:fillRef idx="1">
-              <a:schemeClr val="accent1"/>
-            </a:fillRef>
-            <a:effectRef idx="0">
-              <a:schemeClr val="accent1"/>
-            </a:effectRef>
-            <a:fontRef idx="minor">
-              <a:schemeClr val="lt1"/>
-            </a:fontRef>
-          </p:style>
-          <p:txBody>
-            <a:bodyPr rtlCol="0" anchor="ctr"/>
-            <a:lstStyle/>
-            <a:p>
-              <a:pPr algn="ctr"/>
-              <a:endParaRPr lang="en-US" sz="2400" dirty="0" smtClean="0">
-                <a:solidFill>
-                  <a:schemeClr val="bg1">
-                    <a:lumMod val="50000"/>
-                  </a:schemeClr>
-                </a:solidFill>
-                <a:latin typeface="Avenir Book" charset="0"/>
-                <a:ea typeface="Avenir Book" charset="0"/>
-                <a:cs typeface="Avenir Book" charset="0"/>
-              </a:endParaRPr>
-            </a:p>
-          </p:txBody>
-        </p:sp>
-        <p:sp>
-          <p:nvSpPr>
-            <p:cNvPr id="85" name="Rectangle 84"/>
-            <p:cNvSpPr/>
-            <p:nvPr/>
-          </p:nvSpPr>
-          <p:spPr>
-            <a:xfrm>
-              <a:off x="8334598" y="4021942"/>
-              <a:ext cx="203200" cy="203200"/>
-            </a:xfrm>
-            <a:prstGeom prst="rect">
-              <a:avLst/>
-            </a:prstGeom>
-            <a:solidFill>
-              <a:schemeClr val="bg1">
-                <a:lumMod val="65000"/>
-              </a:schemeClr>
-            </a:solidFill>
-            <a:ln w="28575">
-              <a:solidFill>
-                <a:schemeClr val="bg1"/>
-              </a:solidFill>
-            </a:ln>
-          </p:spPr>
-          <p:style>
-            <a:lnRef idx="2">
-              <a:schemeClr val="accent1">
-                <a:shade val="50000"/>
-              </a:schemeClr>
-            </a:lnRef>
-            <a:fillRef idx="1">
-              <a:schemeClr val="accent1"/>
-            </a:fillRef>
-            <a:effectRef idx="0">
-              <a:schemeClr val="accent1"/>
-            </a:effectRef>
-            <a:fontRef idx="minor">
-              <a:schemeClr val="lt1"/>
-            </a:fontRef>
-          </p:style>
-          <p:txBody>
-            <a:bodyPr rtlCol="0" anchor="ctr"/>
-            <a:lstStyle/>
-            <a:p>
-              <a:pPr algn="ctr"/>
-              <a:endParaRPr lang="en-US" sz="2400" dirty="0" smtClean="0">
-                <a:solidFill>
-                  <a:schemeClr val="bg1">
-                    <a:lumMod val="50000"/>
-                  </a:schemeClr>
-                </a:solidFill>
-                <a:latin typeface="Avenir Book" charset="0"/>
-                <a:ea typeface="Avenir Book" charset="0"/>
-                <a:cs typeface="Avenir Book" charset="0"/>
-              </a:endParaRPr>
-            </a:p>
-          </p:txBody>
-        </p:sp>
-        <p:sp>
-          <p:nvSpPr>
-            <p:cNvPr id="86" name="Oval 85"/>
-            <p:cNvSpPr/>
-            <p:nvPr/>
-          </p:nvSpPr>
-          <p:spPr>
-            <a:xfrm>
-              <a:off x="8584413" y="4030503"/>
-              <a:ext cx="176105" cy="176105"/>
-            </a:xfrm>
-            <a:prstGeom prst="ellipse">
-              <a:avLst/>
-            </a:prstGeom>
-            <a:solidFill>
-              <a:srgbClr val="FF0000"/>
-            </a:solidFill>
-            <a:ln w="28575">
-              <a:solidFill>
-                <a:srgbClr val="FF0000"/>
-              </a:solidFill>
-            </a:ln>
-          </p:spPr>
-          <p:style>
-            <a:lnRef idx="2">
-              <a:schemeClr val="accent1">
-                <a:shade val="50000"/>
-              </a:schemeClr>
-            </a:lnRef>
-            <a:fillRef idx="1">
-              <a:schemeClr val="accent1"/>
-            </a:fillRef>
-            <a:effectRef idx="0">
-              <a:schemeClr val="accent1"/>
-            </a:effectRef>
-            <a:fontRef idx="minor">
-              <a:schemeClr val="lt1"/>
-            </a:fontRef>
-          </p:style>
-          <p:txBody>
-            <a:bodyPr rtlCol="0" anchor="ctr"/>
-            <a:lstStyle/>
-            <a:p>
-              <a:pPr algn="ctr"/>
-              <a:endParaRPr lang="en-US" sz="2400" dirty="0" smtClean="0">
-                <a:solidFill>
-                  <a:schemeClr val="bg1">
-                    <a:lumMod val="50000"/>
-                  </a:schemeClr>
-                </a:solidFill>
-                <a:latin typeface="Avenir Book" charset="0"/>
-                <a:ea typeface="Avenir Book" charset="0"/>
-                <a:cs typeface="Avenir Book" charset="0"/>
-              </a:endParaRPr>
-            </a:p>
-          </p:txBody>
-        </p:sp>
-        <p:sp>
-          <p:nvSpPr>
-            <p:cNvPr id="102" name="Oval 101"/>
-            <p:cNvSpPr/>
-            <p:nvPr/>
-          </p:nvSpPr>
-          <p:spPr>
-            <a:xfrm>
-              <a:off x="7910889" y="4331751"/>
-              <a:ext cx="176105" cy="176105"/>
-            </a:xfrm>
-            <a:prstGeom prst="ellipse">
-              <a:avLst/>
-            </a:prstGeom>
-            <a:solidFill>
-              <a:schemeClr val="accent5"/>
-            </a:solidFill>
-            <a:ln w="28575">
-              <a:solidFill>
-                <a:schemeClr val="accent5"/>
-              </a:solidFill>
-            </a:ln>
-          </p:spPr>
-          <p:style>
-            <a:lnRef idx="2">
-              <a:schemeClr val="accent1">
-                <a:shade val="50000"/>
-              </a:schemeClr>
-            </a:lnRef>
-            <a:fillRef idx="1">
-              <a:schemeClr val="accent1"/>
-            </a:fillRef>
-            <a:effectRef idx="0">
-              <a:schemeClr val="accent1"/>
-            </a:effectRef>
-            <a:fontRef idx="minor">
-              <a:schemeClr val="lt1"/>
-            </a:fontRef>
-          </p:style>
-          <p:txBody>
-            <a:bodyPr rtlCol="0" anchor="ctr"/>
-            <a:lstStyle/>
-            <a:p>
-              <a:pPr algn="ctr"/>
-              <a:endParaRPr lang="en-US" sz="2400" dirty="0" smtClean="0">
-                <a:solidFill>
-                  <a:schemeClr val="bg1">
-                    <a:lumMod val="50000"/>
-                  </a:schemeClr>
-                </a:solidFill>
-                <a:latin typeface="Avenir Book" charset="0"/>
-                <a:ea typeface="Avenir Book" charset="0"/>
-                <a:cs typeface="Avenir Book" charset="0"/>
-              </a:endParaRPr>
-            </a:p>
-          </p:txBody>
-        </p:sp>
-        <p:sp>
-          <p:nvSpPr>
-            <p:cNvPr id="103" name="Rectangle 102"/>
-            <p:cNvSpPr/>
-            <p:nvPr/>
-          </p:nvSpPr>
-          <p:spPr>
-            <a:xfrm>
-              <a:off x="7661074" y="4331751"/>
-              <a:ext cx="203200" cy="203200"/>
-            </a:xfrm>
-            <a:prstGeom prst="rect">
-              <a:avLst/>
-            </a:prstGeom>
-            <a:solidFill>
-              <a:srgbClr val="00B0F0"/>
-            </a:solidFill>
-            <a:ln w="28575">
-              <a:solidFill>
-                <a:schemeClr val="bg1"/>
-              </a:solidFill>
-            </a:ln>
-          </p:spPr>
-          <p:style>
-            <a:lnRef idx="2">
-              <a:schemeClr val="accent1">
-                <a:shade val="50000"/>
-              </a:schemeClr>
-            </a:lnRef>
-            <a:fillRef idx="1">
-              <a:schemeClr val="accent1"/>
-            </a:fillRef>
-            <a:effectRef idx="0">
-              <a:schemeClr val="accent1"/>
-            </a:effectRef>
-            <a:fontRef idx="minor">
-              <a:schemeClr val="lt1"/>
-            </a:fontRef>
-          </p:style>
-          <p:txBody>
-            <a:bodyPr rtlCol="0" anchor="ctr"/>
-            <a:lstStyle/>
-            <a:p>
-              <a:pPr algn="ctr"/>
-              <a:endParaRPr lang="en-US" sz="2400" dirty="0" smtClean="0">
-                <a:solidFill>
-                  <a:schemeClr val="bg1">
-                    <a:lumMod val="50000"/>
-                  </a:schemeClr>
-                </a:solidFill>
-                <a:latin typeface="Avenir Book" charset="0"/>
-                <a:ea typeface="Avenir Book" charset="0"/>
-                <a:cs typeface="Avenir Book" charset="0"/>
-              </a:endParaRPr>
-            </a:p>
-          </p:txBody>
-        </p:sp>
-        <p:sp>
-          <p:nvSpPr>
-            <p:cNvPr id="106" name="Rectangle 105"/>
-            <p:cNvSpPr/>
-            <p:nvPr/>
-          </p:nvSpPr>
-          <p:spPr>
-            <a:xfrm>
-              <a:off x="7660429" y="4026775"/>
-              <a:ext cx="203200" cy="203200"/>
-            </a:xfrm>
-            <a:prstGeom prst="rect">
-              <a:avLst/>
-            </a:prstGeom>
-            <a:solidFill>
-              <a:srgbClr val="00B0F0"/>
-            </a:solidFill>
-            <a:ln w="28575">
-              <a:solidFill>
-                <a:schemeClr val="bg1"/>
-              </a:solidFill>
-            </a:ln>
-          </p:spPr>
-          <p:style>
-            <a:lnRef idx="2">
-              <a:schemeClr val="accent1">
-                <a:shade val="50000"/>
-              </a:schemeClr>
-            </a:lnRef>
-            <a:fillRef idx="1">
-              <a:schemeClr val="accent1"/>
-            </a:fillRef>
-            <a:effectRef idx="0">
-              <a:schemeClr val="accent1"/>
-            </a:effectRef>
-            <a:fontRef idx="minor">
-              <a:schemeClr val="lt1"/>
-            </a:fontRef>
-          </p:style>
-          <p:txBody>
-            <a:bodyPr rtlCol="0" anchor="ctr"/>
-            <a:lstStyle/>
-            <a:p>
-              <a:pPr algn="ctr"/>
-              <a:endParaRPr lang="en-US" sz="2400" dirty="0" smtClean="0">
-                <a:solidFill>
-                  <a:schemeClr val="bg1">
-                    <a:lumMod val="50000"/>
-                  </a:schemeClr>
-                </a:solidFill>
-                <a:latin typeface="Avenir Book" charset="0"/>
-                <a:ea typeface="Avenir Book" charset="0"/>
-                <a:cs typeface="Avenir Book" charset="0"/>
-              </a:endParaRPr>
-            </a:p>
-          </p:txBody>
-        </p:sp>
-        <p:sp>
-          <p:nvSpPr>
-            <p:cNvPr id="107" name="Oval 106"/>
-            <p:cNvSpPr/>
-            <p:nvPr/>
-          </p:nvSpPr>
-          <p:spPr>
-            <a:xfrm>
-              <a:off x="7910244" y="4035336"/>
-              <a:ext cx="176105" cy="176105"/>
-            </a:xfrm>
-            <a:prstGeom prst="ellipse">
-              <a:avLst/>
-            </a:prstGeom>
-            <a:solidFill>
-              <a:srgbClr val="FF0000"/>
-            </a:solidFill>
-            <a:ln w="28575">
-              <a:solidFill>
-                <a:srgbClr val="FF0000"/>
-              </a:solidFill>
-            </a:ln>
-          </p:spPr>
-          <p:style>
-            <a:lnRef idx="2">
-              <a:schemeClr val="accent1">
-                <a:shade val="50000"/>
-              </a:schemeClr>
-            </a:lnRef>
-            <a:fillRef idx="1">
-              <a:schemeClr val="accent1"/>
-            </a:fillRef>
-            <a:effectRef idx="0">
-              <a:schemeClr val="accent1"/>
-            </a:effectRef>
-            <a:fontRef idx="minor">
-              <a:schemeClr val="lt1"/>
-            </a:fontRef>
-          </p:style>
-          <p:txBody>
-            <a:bodyPr rtlCol="0" anchor="ctr"/>
-            <a:lstStyle/>
-            <a:p>
-              <a:pPr algn="ctr"/>
-              <a:endParaRPr lang="en-US" sz="2400" dirty="0" smtClean="0">
-                <a:solidFill>
-                  <a:schemeClr val="bg1">
-                    <a:lumMod val="50000"/>
-                  </a:schemeClr>
-                </a:solidFill>
-                <a:latin typeface="Avenir Book" charset="0"/>
-                <a:ea typeface="Avenir Book" charset="0"/>
-                <a:cs typeface="Avenir Book" charset="0"/>
-              </a:endParaRPr>
-            </a:p>
-          </p:txBody>
-        </p:sp>
-        <p:cxnSp>
-          <p:nvCxnSpPr>
-            <p:cNvPr id="112" name="Straight Arrow Connector 111"/>
-            <p:cNvCxnSpPr/>
-            <p:nvPr/>
-          </p:nvCxnSpPr>
-          <p:spPr>
-            <a:xfrm flipV="1">
-              <a:off x="4786133" y="4275448"/>
-              <a:ext cx="342838" cy="1"/>
-            </a:xfrm>
-            <a:prstGeom prst="straightConnector1">
-              <a:avLst/>
-            </a:prstGeom>
-            <a:ln w="28575">
-              <a:solidFill>
-                <a:schemeClr val="bg1">
-                  <a:lumMod val="50000"/>
-                </a:schemeClr>
-              </a:solidFill>
-              <a:headEnd type="none" w="med" len="med"/>
-              <a:tailEnd type="triangle"/>
-            </a:ln>
-          </p:spPr>
-          <p:style>
-            <a:lnRef idx="1">
-              <a:schemeClr val="accent1"/>
-            </a:lnRef>
-            <a:fillRef idx="0">
-              <a:schemeClr val="accent1"/>
-            </a:fillRef>
-            <a:effectRef idx="0">
-              <a:schemeClr val="accent1"/>
-            </a:effectRef>
-            <a:fontRef idx="minor">
-              <a:schemeClr val="tx1"/>
-            </a:fontRef>
-          </p:style>
-        </p:cxnSp>
-        <p:sp>
-          <p:nvSpPr>
-            <p:cNvPr id="127" name="Rectangle 126"/>
-            <p:cNvSpPr/>
-            <p:nvPr/>
-          </p:nvSpPr>
-          <p:spPr>
-            <a:xfrm>
-              <a:off x="2223353" y="4048771"/>
-              <a:ext cx="203200" cy="203200"/>
-            </a:xfrm>
-            <a:prstGeom prst="rect">
-              <a:avLst/>
-            </a:prstGeom>
-            <a:solidFill>
-              <a:srgbClr val="00B0F0"/>
-            </a:solidFill>
-            <a:ln w="28575">
-              <a:solidFill>
-                <a:schemeClr val="bg1"/>
-              </a:solidFill>
-            </a:ln>
-          </p:spPr>
-          <p:style>
-            <a:lnRef idx="2">
-              <a:schemeClr val="accent1">
-                <a:shade val="50000"/>
-              </a:schemeClr>
-            </a:lnRef>
-            <a:fillRef idx="1">
-              <a:schemeClr val="accent1"/>
-            </a:fillRef>
-            <a:effectRef idx="0">
-              <a:schemeClr val="accent1"/>
-            </a:effectRef>
-            <a:fontRef idx="minor">
-              <a:schemeClr val="lt1"/>
-            </a:fontRef>
-          </p:style>
-          <p:txBody>
-            <a:bodyPr rtlCol="0" anchor="ctr"/>
-            <a:lstStyle/>
-            <a:p>
-              <a:pPr algn="ctr"/>
-              <a:endParaRPr lang="en-US" sz="2400" dirty="0" smtClean="0">
-                <a:solidFill>
-                  <a:schemeClr val="bg1">
-                    <a:lumMod val="50000"/>
-                  </a:schemeClr>
-                </a:solidFill>
-                <a:latin typeface="Avenir Book" charset="0"/>
-                <a:ea typeface="Avenir Book" charset="0"/>
-                <a:cs typeface="Avenir Book" charset="0"/>
-              </a:endParaRPr>
-            </a:p>
-          </p:txBody>
-        </p:sp>
-        <p:sp>
-          <p:nvSpPr>
-            <p:cNvPr id="128" name="Rectangle 127"/>
-            <p:cNvSpPr/>
-            <p:nvPr/>
-          </p:nvSpPr>
-          <p:spPr>
-            <a:xfrm>
-              <a:off x="2516863" y="4048771"/>
-              <a:ext cx="203200" cy="203200"/>
-            </a:xfrm>
-            <a:prstGeom prst="rect">
-              <a:avLst/>
-            </a:prstGeom>
-            <a:solidFill>
-              <a:schemeClr val="bg1">
-                <a:lumMod val="65000"/>
-              </a:schemeClr>
-            </a:solidFill>
-            <a:ln w="28575">
-              <a:solidFill>
-                <a:schemeClr val="bg1"/>
-              </a:solidFill>
-            </a:ln>
-          </p:spPr>
-          <p:style>
-            <a:lnRef idx="2">
-              <a:schemeClr val="accent1">
-                <a:shade val="50000"/>
-              </a:schemeClr>
-            </a:lnRef>
-            <a:fillRef idx="1">
-              <a:schemeClr val="accent1"/>
-            </a:fillRef>
-            <a:effectRef idx="0">
-              <a:schemeClr val="accent1"/>
-            </a:effectRef>
-            <a:fontRef idx="minor">
-              <a:schemeClr val="lt1"/>
-            </a:fontRef>
-          </p:style>
-          <p:txBody>
-            <a:bodyPr rtlCol="0" anchor="ctr"/>
-            <a:lstStyle/>
-            <a:p>
-              <a:pPr algn="ctr"/>
-              <a:endParaRPr lang="en-US" sz="2400" dirty="0" smtClean="0">
-                <a:solidFill>
-                  <a:schemeClr val="bg1">
-                    <a:lumMod val="50000"/>
-                  </a:schemeClr>
-                </a:solidFill>
-                <a:latin typeface="Avenir Book" charset="0"/>
-                <a:ea typeface="Avenir Book" charset="0"/>
-                <a:cs typeface="Avenir Book" charset="0"/>
-              </a:endParaRPr>
-            </a:p>
-          </p:txBody>
-        </p:sp>
-        <p:sp>
-          <p:nvSpPr>
-            <p:cNvPr id="123" name="Oval 122"/>
-            <p:cNvSpPr/>
-            <p:nvPr/>
-          </p:nvSpPr>
-          <p:spPr>
-            <a:xfrm>
-              <a:off x="10224765" y="4331751"/>
-              <a:ext cx="176105" cy="176105"/>
-            </a:xfrm>
-            <a:prstGeom prst="ellipse">
-              <a:avLst/>
-            </a:prstGeom>
-            <a:solidFill>
-              <a:schemeClr val="accent5"/>
-            </a:solidFill>
-            <a:ln w="28575">
-              <a:solidFill>
-                <a:schemeClr val="accent5"/>
-              </a:solidFill>
-            </a:ln>
-          </p:spPr>
-          <p:style>
-            <a:lnRef idx="2">
-              <a:schemeClr val="accent1">
-                <a:shade val="50000"/>
-              </a:schemeClr>
-            </a:lnRef>
-            <a:fillRef idx="1">
-              <a:schemeClr val="accent1"/>
-            </a:fillRef>
-            <a:effectRef idx="0">
-              <a:schemeClr val="accent1"/>
-            </a:effectRef>
-            <a:fontRef idx="minor">
-              <a:schemeClr val="lt1"/>
-            </a:fontRef>
-          </p:style>
-          <p:txBody>
-            <a:bodyPr rtlCol="0" anchor="ctr"/>
-            <a:lstStyle/>
-            <a:p>
-              <a:pPr algn="ctr"/>
-              <a:endParaRPr lang="en-US" sz="2400" dirty="0" smtClean="0">
-                <a:solidFill>
-                  <a:schemeClr val="bg1">
-                    <a:lumMod val="50000"/>
-                  </a:schemeClr>
-                </a:solidFill>
-                <a:latin typeface="Avenir Book" charset="0"/>
-                <a:ea typeface="Avenir Book" charset="0"/>
-                <a:cs typeface="Avenir Book" charset="0"/>
-              </a:endParaRPr>
-            </a:p>
-          </p:txBody>
-        </p:sp>
-        <p:sp>
-          <p:nvSpPr>
-            <p:cNvPr id="124" name="Rectangle 123"/>
-            <p:cNvSpPr/>
-            <p:nvPr/>
-          </p:nvSpPr>
-          <p:spPr>
-            <a:xfrm>
-              <a:off x="9974950" y="4331751"/>
-              <a:ext cx="203200" cy="203200"/>
-            </a:xfrm>
-            <a:prstGeom prst="rect">
-              <a:avLst/>
-            </a:prstGeom>
-            <a:solidFill>
-              <a:srgbClr val="00B0F0"/>
-            </a:solidFill>
-            <a:ln w="28575">
-              <a:solidFill>
-                <a:schemeClr val="bg1"/>
-              </a:solidFill>
-            </a:ln>
-          </p:spPr>
-          <p:style>
-            <a:lnRef idx="2">
-              <a:schemeClr val="accent1">
-                <a:shade val="50000"/>
-              </a:schemeClr>
-            </a:lnRef>
-            <a:fillRef idx="1">
-              <a:schemeClr val="accent1"/>
-            </a:fillRef>
-            <a:effectRef idx="0">
-              <a:schemeClr val="accent1"/>
-            </a:effectRef>
-            <a:fontRef idx="minor">
-              <a:schemeClr val="lt1"/>
-            </a:fontRef>
-          </p:style>
-          <p:txBody>
-            <a:bodyPr rtlCol="0" anchor="ctr"/>
-            <a:lstStyle/>
-            <a:p>
-              <a:pPr algn="ctr"/>
-              <a:endParaRPr lang="en-US" sz="2400" dirty="0" smtClean="0">
-                <a:solidFill>
-                  <a:schemeClr val="bg1">
-                    <a:lumMod val="50000"/>
-                  </a:schemeClr>
-                </a:solidFill>
-                <a:latin typeface="Avenir Book" charset="0"/>
-                <a:ea typeface="Avenir Book" charset="0"/>
-                <a:cs typeface="Avenir Book" charset="0"/>
-              </a:endParaRPr>
-            </a:p>
-          </p:txBody>
-        </p:sp>
-        <p:sp>
-          <p:nvSpPr>
-            <p:cNvPr id="125" name="Rectangle 124"/>
-            <p:cNvSpPr/>
-            <p:nvPr/>
-          </p:nvSpPr>
-          <p:spPr>
-            <a:xfrm>
-              <a:off x="9974305" y="4026775"/>
-              <a:ext cx="203200" cy="203200"/>
-            </a:xfrm>
-            <a:prstGeom prst="rect">
-              <a:avLst/>
-            </a:prstGeom>
-            <a:solidFill>
-              <a:srgbClr val="00B0F0"/>
-            </a:solidFill>
-            <a:ln w="28575">
-              <a:solidFill>
-                <a:schemeClr val="bg1"/>
-              </a:solidFill>
-            </a:ln>
-          </p:spPr>
-          <p:style>
-            <a:lnRef idx="2">
-              <a:schemeClr val="accent1">
-                <a:shade val="50000"/>
-              </a:schemeClr>
-            </a:lnRef>
-            <a:fillRef idx="1">
-              <a:schemeClr val="accent1"/>
-            </a:fillRef>
-            <a:effectRef idx="0">
-              <a:schemeClr val="accent1"/>
-            </a:effectRef>
-            <a:fontRef idx="minor">
-              <a:schemeClr val="lt1"/>
-            </a:fontRef>
-          </p:style>
-          <p:txBody>
-            <a:bodyPr rtlCol="0" anchor="ctr"/>
-            <a:lstStyle/>
-            <a:p>
-              <a:pPr algn="ctr"/>
-              <a:endParaRPr lang="en-US" sz="2400" dirty="0" smtClean="0">
-                <a:solidFill>
-                  <a:schemeClr val="bg1">
-                    <a:lumMod val="50000"/>
-                  </a:schemeClr>
-                </a:solidFill>
-                <a:latin typeface="Avenir Book" charset="0"/>
-                <a:ea typeface="Avenir Book" charset="0"/>
-                <a:cs typeface="Avenir Book" charset="0"/>
-              </a:endParaRPr>
-            </a:p>
-          </p:txBody>
-        </p:sp>
-        <p:sp>
-          <p:nvSpPr>
-            <p:cNvPr id="126" name="Oval 125"/>
-            <p:cNvSpPr/>
-            <p:nvPr/>
-          </p:nvSpPr>
-          <p:spPr>
-            <a:xfrm>
-              <a:off x="10224120" y="4035336"/>
-              <a:ext cx="176105" cy="176105"/>
-            </a:xfrm>
-            <a:prstGeom prst="ellipse">
-              <a:avLst/>
-            </a:prstGeom>
-            <a:solidFill>
-              <a:srgbClr val="FF0000"/>
-            </a:solidFill>
-            <a:ln w="28575">
-              <a:solidFill>
-                <a:srgbClr val="FF0000"/>
-              </a:solidFill>
-            </a:ln>
-          </p:spPr>
-          <p:style>
-            <a:lnRef idx="2">
-              <a:schemeClr val="accent1">
-                <a:shade val="50000"/>
-              </a:schemeClr>
-            </a:lnRef>
-            <a:fillRef idx="1">
-              <a:schemeClr val="accent1"/>
-            </a:fillRef>
-            <a:effectRef idx="0">
-              <a:schemeClr val="accent1"/>
-            </a:effectRef>
-            <a:fontRef idx="minor">
-              <a:schemeClr val="lt1"/>
-            </a:fontRef>
-          </p:style>
-          <p:txBody>
-            <a:bodyPr rtlCol="0" anchor="ctr"/>
-            <a:lstStyle/>
-            <a:p>
-              <a:pPr algn="ctr"/>
-              <a:endParaRPr lang="en-US" sz="2400" dirty="0" smtClean="0">
-                <a:solidFill>
-                  <a:schemeClr val="bg1">
-                    <a:lumMod val="50000"/>
-                  </a:schemeClr>
-                </a:solidFill>
-                <a:latin typeface="Avenir Book" charset="0"/>
-                <a:ea typeface="Avenir Book" charset="0"/>
-                <a:cs typeface="Avenir Book" charset="0"/>
-              </a:endParaRPr>
-            </a:p>
-          </p:txBody>
-        </p:sp>
-      </p:grpSp>
-      <p:grpSp>
-        <p:nvGrpSpPr>
-          <p:cNvPr id="140" name="Group 139"/>
-          <p:cNvGrpSpPr/>
-          <p:nvPr/>
-        </p:nvGrpSpPr>
-        <p:grpSpPr>
-          <a:xfrm>
-            <a:off x="2223353" y="2697679"/>
-            <a:ext cx="8845148" cy="516737"/>
-            <a:chOff x="2223353" y="2643614"/>
-            <a:chExt cx="8845148" cy="516737"/>
-          </a:xfrm>
-        </p:grpSpPr>
-        <p:sp>
-          <p:nvSpPr>
-            <p:cNvPr id="20" name="Rectangle 19"/>
-            <p:cNvSpPr/>
-            <p:nvPr/>
-          </p:nvSpPr>
-          <p:spPr>
-            <a:xfrm>
-              <a:off x="3518782" y="2670885"/>
-              <a:ext cx="203200" cy="203200"/>
-            </a:xfrm>
-            <a:prstGeom prst="rect">
-              <a:avLst/>
-            </a:prstGeom>
-            <a:solidFill>
-              <a:srgbClr val="00B0F0"/>
-            </a:solidFill>
-            <a:ln w="28575">
-              <a:solidFill>
-                <a:schemeClr val="bg1"/>
-              </a:solidFill>
-            </a:ln>
-          </p:spPr>
-          <p:style>
-            <a:lnRef idx="2">
-              <a:schemeClr val="accent1">
-                <a:shade val="50000"/>
-              </a:schemeClr>
-            </a:lnRef>
-            <a:fillRef idx="1">
-              <a:schemeClr val="accent1"/>
-            </a:fillRef>
-            <a:effectRef idx="0">
-              <a:schemeClr val="accent1"/>
-            </a:effectRef>
-            <a:fontRef idx="minor">
-              <a:schemeClr val="lt1"/>
-            </a:fontRef>
-          </p:style>
-          <p:txBody>
-            <a:bodyPr rtlCol="0" anchor="ctr"/>
-            <a:lstStyle/>
-            <a:p>
-              <a:pPr algn="ctr"/>
-              <a:endParaRPr lang="en-US" sz="2400" dirty="0" smtClean="0">
-                <a:solidFill>
-                  <a:schemeClr val="bg1">
-                    <a:lumMod val="50000"/>
-                  </a:schemeClr>
-                </a:solidFill>
-                <a:latin typeface="Avenir Book" charset="0"/>
-                <a:ea typeface="Avenir Book" charset="0"/>
-                <a:cs typeface="Avenir Book" charset="0"/>
-              </a:endParaRPr>
-            </a:p>
-          </p:txBody>
-        </p:sp>
-        <p:sp>
-          <p:nvSpPr>
-            <p:cNvPr id="22" name="Oval 21"/>
-            <p:cNvSpPr/>
-            <p:nvPr/>
-          </p:nvSpPr>
-          <p:spPr>
-            <a:xfrm>
-              <a:off x="3768597" y="2679446"/>
-              <a:ext cx="176105" cy="176105"/>
-            </a:xfrm>
-            <a:prstGeom prst="ellipse">
-              <a:avLst/>
-            </a:prstGeom>
-            <a:solidFill>
-              <a:schemeClr val="bg1">
-                <a:lumMod val="50000"/>
-              </a:schemeClr>
-            </a:solidFill>
-            <a:ln w="28575">
-              <a:solidFill>
-                <a:schemeClr val="bg1">
-                  <a:lumMod val="50000"/>
-                </a:schemeClr>
-              </a:solidFill>
-            </a:ln>
-          </p:spPr>
-          <p:style>
-            <a:lnRef idx="2">
-              <a:schemeClr val="accent1">
-                <a:shade val="50000"/>
-              </a:schemeClr>
-            </a:lnRef>
-            <a:fillRef idx="1">
-              <a:schemeClr val="accent1"/>
-            </a:fillRef>
-            <a:effectRef idx="0">
-              <a:schemeClr val="accent1"/>
-            </a:effectRef>
-            <a:fontRef idx="minor">
-              <a:schemeClr val="lt1"/>
-            </a:fontRef>
-          </p:style>
-          <p:txBody>
-            <a:bodyPr rtlCol="0" anchor="ctr"/>
-            <a:lstStyle/>
-            <a:p>
-              <a:pPr algn="ctr"/>
-              <a:endParaRPr lang="en-US" sz="2400" dirty="0" smtClean="0">
-                <a:solidFill>
-                  <a:schemeClr val="bg1">
-                    <a:lumMod val="50000"/>
-                  </a:schemeClr>
-                </a:solidFill>
-                <a:latin typeface="Avenir Book" charset="0"/>
-                <a:ea typeface="Avenir Book" charset="0"/>
-                <a:cs typeface="Avenir Book" charset="0"/>
-              </a:endParaRPr>
-            </a:p>
-          </p:txBody>
-        </p:sp>
-        <p:sp>
-          <p:nvSpPr>
-            <p:cNvPr id="23" name="Oval 22"/>
-            <p:cNvSpPr/>
-            <p:nvPr/>
-          </p:nvSpPr>
-          <p:spPr>
-            <a:xfrm>
-              <a:off x="3768597" y="2957151"/>
-              <a:ext cx="176105" cy="176105"/>
-            </a:xfrm>
-            <a:prstGeom prst="ellipse">
-              <a:avLst/>
-            </a:prstGeom>
-            <a:solidFill>
-              <a:schemeClr val="accent2"/>
-            </a:solidFill>
-            <a:ln w="28575">
-              <a:solidFill>
-                <a:schemeClr val="accent2"/>
-              </a:solidFill>
-            </a:ln>
-          </p:spPr>
-          <p:style>
-            <a:lnRef idx="2">
-              <a:schemeClr val="accent1">
-                <a:shade val="50000"/>
-              </a:schemeClr>
-            </a:lnRef>
-            <a:fillRef idx="1">
-              <a:schemeClr val="accent1"/>
-            </a:fillRef>
-            <a:effectRef idx="0">
-              <a:schemeClr val="accent1"/>
-            </a:effectRef>
-            <a:fontRef idx="minor">
-              <a:schemeClr val="lt1"/>
-            </a:fontRef>
-          </p:style>
-          <p:txBody>
-            <a:bodyPr rtlCol="0" anchor="ctr"/>
-            <a:lstStyle/>
-            <a:p>
-              <a:pPr algn="ctr"/>
-              <a:endParaRPr lang="en-US" sz="2400" dirty="0" smtClean="0">
-                <a:solidFill>
-                  <a:schemeClr val="bg1">
-                    <a:lumMod val="50000"/>
-                  </a:schemeClr>
-                </a:solidFill>
-                <a:latin typeface="Avenir Book" charset="0"/>
-                <a:ea typeface="Avenir Book" charset="0"/>
-                <a:cs typeface="Avenir Book" charset="0"/>
-              </a:endParaRPr>
-            </a:p>
-          </p:txBody>
-        </p:sp>
-        <p:sp>
-          <p:nvSpPr>
-            <p:cNvPr id="26" name="Rectangle 25"/>
-            <p:cNvSpPr/>
-            <p:nvPr/>
-          </p:nvSpPr>
-          <p:spPr>
-            <a:xfrm>
-              <a:off x="3518782" y="2957151"/>
-              <a:ext cx="203200" cy="203200"/>
-            </a:xfrm>
-            <a:prstGeom prst="rect">
-              <a:avLst/>
-            </a:prstGeom>
-            <a:solidFill>
-              <a:srgbClr val="00B0F0"/>
-            </a:solidFill>
-            <a:ln w="28575">
-              <a:solidFill>
-                <a:schemeClr val="bg1"/>
-              </a:solidFill>
-            </a:ln>
-          </p:spPr>
-          <p:style>
-            <a:lnRef idx="2">
-              <a:schemeClr val="accent1">
-                <a:shade val="50000"/>
-              </a:schemeClr>
-            </a:lnRef>
-            <a:fillRef idx="1">
-              <a:schemeClr val="accent1"/>
-            </a:fillRef>
-            <a:effectRef idx="0">
-              <a:schemeClr val="accent1"/>
-            </a:effectRef>
-            <a:fontRef idx="minor">
-              <a:schemeClr val="lt1"/>
-            </a:fontRef>
-          </p:style>
-          <p:txBody>
-            <a:bodyPr rtlCol="0" anchor="ctr"/>
-            <a:lstStyle/>
-            <a:p>
-              <a:pPr algn="ctr"/>
-              <a:endParaRPr lang="en-US" sz="2400" dirty="0" smtClean="0">
-                <a:solidFill>
-                  <a:schemeClr val="bg1">
-                    <a:lumMod val="50000"/>
-                  </a:schemeClr>
-                </a:solidFill>
-                <a:latin typeface="Avenir Book" charset="0"/>
-                <a:ea typeface="Avenir Book" charset="0"/>
-                <a:cs typeface="Avenir Book" charset="0"/>
-              </a:endParaRPr>
-            </a:p>
-          </p:txBody>
-        </p:sp>
-        <p:sp>
-          <p:nvSpPr>
-            <p:cNvPr id="44" name="Rectangle 43"/>
-            <p:cNvSpPr/>
-            <p:nvPr/>
-          </p:nvSpPr>
-          <p:spPr>
-            <a:xfrm>
-              <a:off x="4188052" y="2652175"/>
-              <a:ext cx="203200" cy="203200"/>
-            </a:xfrm>
-            <a:prstGeom prst="rect">
-              <a:avLst/>
-            </a:prstGeom>
-            <a:solidFill>
-              <a:schemeClr val="bg1">
-                <a:lumMod val="65000"/>
-              </a:schemeClr>
-            </a:solidFill>
-            <a:ln w="28575">
-              <a:solidFill>
-                <a:schemeClr val="bg1"/>
-              </a:solidFill>
-            </a:ln>
-          </p:spPr>
-          <p:style>
-            <a:lnRef idx="2">
-              <a:schemeClr val="accent1">
-                <a:shade val="50000"/>
-              </a:schemeClr>
-            </a:lnRef>
-            <a:fillRef idx="1">
-              <a:schemeClr val="accent1"/>
-            </a:fillRef>
-            <a:effectRef idx="0">
-              <a:schemeClr val="accent1"/>
-            </a:effectRef>
-            <a:fontRef idx="minor">
-              <a:schemeClr val="lt1"/>
-            </a:fontRef>
-          </p:style>
-          <p:txBody>
-            <a:bodyPr rtlCol="0" anchor="ctr"/>
-            <a:lstStyle/>
-            <a:p>
-              <a:pPr algn="ctr"/>
-              <a:endParaRPr lang="en-US" sz="2400" dirty="0" smtClean="0">
-                <a:solidFill>
-                  <a:schemeClr val="bg1">
-                    <a:lumMod val="50000"/>
-                  </a:schemeClr>
-                </a:solidFill>
-                <a:latin typeface="Avenir Book" charset="0"/>
-                <a:ea typeface="Avenir Book" charset="0"/>
-                <a:cs typeface="Avenir Book" charset="0"/>
-              </a:endParaRPr>
-            </a:p>
-          </p:txBody>
-        </p:sp>
-        <p:sp>
-          <p:nvSpPr>
-            <p:cNvPr id="45" name="Oval 44"/>
-            <p:cNvSpPr/>
-            <p:nvPr/>
-          </p:nvSpPr>
-          <p:spPr>
-            <a:xfrm>
-              <a:off x="4437867" y="2660736"/>
-              <a:ext cx="176105" cy="176105"/>
-            </a:xfrm>
-            <a:prstGeom prst="ellipse">
-              <a:avLst/>
-            </a:prstGeom>
-            <a:solidFill>
-              <a:schemeClr val="bg1">
-                <a:lumMod val="50000"/>
-              </a:schemeClr>
-            </a:solidFill>
-            <a:ln w="28575">
-              <a:solidFill>
-                <a:schemeClr val="bg1">
-                  <a:lumMod val="50000"/>
-                </a:schemeClr>
-              </a:solidFill>
-            </a:ln>
-          </p:spPr>
-          <p:style>
-            <a:lnRef idx="2">
-              <a:schemeClr val="accent1">
-                <a:shade val="50000"/>
-              </a:schemeClr>
-            </a:lnRef>
-            <a:fillRef idx="1">
-              <a:schemeClr val="accent1"/>
-            </a:fillRef>
-            <a:effectRef idx="0">
-              <a:schemeClr val="accent1"/>
-            </a:effectRef>
-            <a:fontRef idx="minor">
-              <a:schemeClr val="lt1"/>
-            </a:fontRef>
-          </p:style>
-          <p:txBody>
-            <a:bodyPr rtlCol="0" anchor="ctr"/>
-            <a:lstStyle/>
-            <a:p>
-              <a:pPr algn="ctr"/>
-              <a:endParaRPr lang="en-US" sz="2400" dirty="0" smtClean="0">
-                <a:solidFill>
-                  <a:schemeClr val="bg1">
-                    <a:lumMod val="50000"/>
-                  </a:schemeClr>
-                </a:solidFill>
-                <a:latin typeface="Avenir Book" charset="0"/>
-                <a:ea typeface="Avenir Book" charset="0"/>
-                <a:cs typeface="Avenir Book" charset="0"/>
-              </a:endParaRPr>
-            </a:p>
-          </p:txBody>
-        </p:sp>
-        <p:sp>
-          <p:nvSpPr>
-            <p:cNvPr id="46" name="Oval 45"/>
-            <p:cNvSpPr/>
-            <p:nvPr/>
-          </p:nvSpPr>
-          <p:spPr>
-            <a:xfrm>
-              <a:off x="4437867" y="2938441"/>
-              <a:ext cx="176105" cy="176105"/>
-            </a:xfrm>
-            <a:prstGeom prst="ellipse">
-              <a:avLst/>
-            </a:prstGeom>
-            <a:solidFill>
-              <a:schemeClr val="accent2"/>
-            </a:solidFill>
-            <a:ln w="28575">
-              <a:solidFill>
-                <a:schemeClr val="accent2"/>
-              </a:solidFill>
-            </a:ln>
-          </p:spPr>
-          <p:style>
-            <a:lnRef idx="2">
-              <a:schemeClr val="accent1">
-                <a:shade val="50000"/>
-              </a:schemeClr>
-            </a:lnRef>
-            <a:fillRef idx="1">
-              <a:schemeClr val="accent1"/>
-            </a:fillRef>
-            <a:effectRef idx="0">
-              <a:schemeClr val="accent1"/>
-            </a:effectRef>
-            <a:fontRef idx="minor">
-              <a:schemeClr val="lt1"/>
-            </a:fontRef>
-          </p:style>
-          <p:txBody>
-            <a:bodyPr rtlCol="0" anchor="ctr"/>
-            <a:lstStyle/>
-            <a:p>
-              <a:pPr algn="ctr"/>
-              <a:endParaRPr lang="en-US" sz="2400" dirty="0" smtClean="0">
-                <a:solidFill>
-                  <a:schemeClr val="bg1">
-                    <a:lumMod val="50000"/>
-                  </a:schemeClr>
-                </a:solidFill>
-                <a:latin typeface="Avenir Book" charset="0"/>
-                <a:ea typeface="Avenir Book" charset="0"/>
-                <a:cs typeface="Avenir Book" charset="0"/>
-              </a:endParaRPr>
-            </a:p>
-          </p:txBody>
-        </p:sp>
-        <p:sp>
-          <p:nvSpPr>
-            <p:cNvPr id="47" name="Rectangle 46"/>
-            <p:cNvSpPr/>
-            <p:nvPr/>
-          </p:nvSpPr>
-          <p:spPr>
-            <a:xfrm>
-              <a:off x="4188052" y="2938441"/>
-              <a:ext cx="203200" cy="203200"/>
-            </a:xfrm>
-            <a:prstGeom prst="rect">
-              <a:avLst/>
-            </a:prstGeom>
-            <a:solidFill>
-              <a:schemeClr val="bg1">
-                <a:lumMod val="65000"/>
-              </a:schemeClr>
-            </a:solidFill>
-            <a:ln w="28575">
-              <a:solidFill>
-                <a:schemeClr val="bg1"/>
-              </a:solidFill>
-            </a:ln>
-          </p:spPr>
-          <p:style>
-            <a:lnRef idx="2">
-              <a:schemeClr val="accent1">
-                <a:shade val="50000"/>
-              </a:schemeClr>
-            </a:lnRef>
-            <a:fillRef idx="1">
-              <a:schemeClr val="accent1"/>
-            </a:fillRef>
-            <a:effectRef idx="0">
-              <a:schemeClr val="accent1"/>
-            </a:effectRef>
-            <a:fontRef idx="minor">
-              <a:schemeClr val="lt1"/>
-            </a:fontRef>
-          </p:style>
-          <p:txBody>
-            <a:bodyPr rtlCol="0" anchor="ctr"/>
-            <a:lstStyle/>
-            <a:p>
-              <a:pPr algn="ctr"/>
-              <a:endParaRPr lang="en-US" sz="2400" dirty="0" smtClean="0">
-                <a:solidFill>
-                  <a:schemeClr val="bg1">
-                    <a:lumMod val="50000"/>
-                  </a:schemeClr>
-                </a:solidFill>
-                <a:latin typeface="Avenir Book" charset="0"/>
-                <a:ea typeface="Avenir Book" charset="0"/>
-                <a:cs typeface="Avenir Book" charset="0"/>
-              </a:endParaRPr>
-            </a:p>
-          </p:txBody>
-        </p:sp>
-        <p:sp>
-          <p:nvSpPr>
-            <p:cNvPr id="56" name="Rectangle 55"/>
-            <p:cNvSpPr/>
-            <p:nvPr/>
-          </p:nvSpPr>
-          <p:spPr>
-            <a:xfrm>
-              <a:off x="5297119" y="2662324"/>
-              <a:ext cx="203200" cy="203200"/>
-            </a:xfrm>
-            <a:prstGeom prst="rect">
-              <a:avLst/>
-            </a:prstGeom>
-            <a:solidFill>
-              <a:srgbClr val="00B0F0"/>
-            </a:solidFill>
-            <a:ln w="28575">
-              <a:solidFill>
-                <a:schemeClr val="bg1"/>
-              </a:solidFill>
-            </a:ln>
-          </p:spPr>
-          <p:style>
-            <a:lnRef idx="2">
-              <a:schemeClr val="accent1">
-                <a:shade val="50000"/>
-              </a:schemeClr>
-            </a:lnRef>
-            <a:fillRef idx="1">
-              <a:schemeClr val="accent1"/>
-            </a:fillRef>
-            <a:effectRef idx="0">
-              <a:schemeClr val="accent1"/>
-            </a:effectRef>
-            <a:fontRef idx="minor">
-              <a:schemeClr val="lt1"/>
-            </a:fontRef>
-          </p:style>
-          <p:txBody>
-            <a:bodyPr rtlCol="0" anchor="ctr"/>
-            <a:lstStyle/>
-            <a:p>
-              <a:pPr algn="ctr"/>
-              <a:endParaRPr lang="en-US" sz="2400" dirty="0" smtClean="0">
-                <a:solidFill>
-                  <a:schemeClr val="bg1">
-                    <a:lumMod val="50000"/>
-                  </a:schemeClr>
-                </a:solidFill>
-                <a:latin typeface="Avenir Book" charset="0"/>
-                <a:ea typeface="Avenir Book" charset="0"/>
-                <a:cs typeface="Avenir Book" charset="0"/>
-              </a:endParaRPr>
-            </a:p>
-          </p:txBody>
-        </p:sp>
-        <p:sp>
-          <p:nvSpPr>
-            <p:cNvPr id="57" name="Oval 56"/>
-            <p:cNvSpPr/>
-            <p:nvPr/>
-          </p:nvSpPr>
-          <p:spPr>
-            <a:xfrm>
-              <a:off x="5546934" y="2670885"/>
-              <a:ext cx="176105" cy="176105"/>
-            </a:xfrm>
-            <a:prstGeom prst="ellipse">
-              <a:avLst/>
-            </a:prstGeom>
-            <a:solidFill>
-              <a:schemeClr val="bg1">
-                <a:lumMod val="50000"/>
-              </a:schemeClr>
-            </a:solidFill>
-            <a:ln w="28575">
-              <a:solidFill>
-                <a:schemeClr val="bg1">
-                  <a:lumMod val="50000"/>
-                </a:schemeClr>
-              </a:solidFill>
-            </a:ln>
-          </p:spPr>
-          <p:style>
-            <a:lnRef idx="2">
-              <a:schemeClr val="accent1">
-                <a:shade val="50000"/>
-              </a:schemeClr>
-            </a:lnRef>
-            <a:fillRef idx="1">
-              <a:schemeClr val="accent1"/>
-            </a:fillRef>
-            <a:effectRef idx="0">
-              <a:schemeClr val="accent1"/>
-            </a:effectRef>
-            <a:fontRef idx="minor">
-              <a:schemeClr val="lt1"/>
-            </a:fontRef>
-          </p:style>
-          <p:txBody>
-            <a:bodyPr rtlCol="0" anchor="ctr"/>
-            <a:lstStyle/>
-            <a:p>
-              <a:pPr algn="ctr"/>
-              <a:endParaRPr lang="en-US" sz="2400" dirty="0" smtClean="0">
-                <a:solidFill>
-                  <a:schemeClr val="bg1">
-                    <a:lumMod val="50000"/>
-                  </a:schemeClr>
-                </a:solidFill>
-                <a:latin typeface="Avenir Book" charset="0"/>
-                <a:ea typeface="Avenir Book" charset="0"/>
-                <a:cs typeface="Avenir Book" charset="0"/>
-              </a:endParaRPr>
-            </a:p>
-          </p:txBody>
-        </p:sp>
-        <p:sp>
-          <p:nvSpPr>
-            <p:cNvPr id="64" name="Rectangle 63"/>
-            <p:cNvSpPr/>
-            <p:nvPr/>
-          </p:nvSpPr>
-          <p:spPr>
-            <a:xfrm>
-              <a:off x="5966389" y="2643614"/>
-              <a:ext cx="203200" cy="203200"/>
-            </a:xfrm>
-            <a:prstGeom prst="rect">
-              <a:avLst/>
-            </a:prstGeom>
-            <a:solidFill>
-              <a:schemeClr val="bg1">
-                <a:lumMod val="65000"/>
-              </a:schemeClr>
-            </a:solidFill>
-            <a:ln w="28575">
-              <a:solidFill>
-                <a:schemeClr val="bg1"/>
-              </a:solidFill>
-            </a:ln>
-          </p:spPr>
-          <p:style>
-            <a:lnRef idx="2">
-              <a:schemeClr val="accent1">
-                <a:shade val="50000"/>
-              </a:schemeClr>
-            </a:lnRef>
-            <a:fillRef idx="1">
-              <a:schemeClr val="accent1"/>
-            </a:fillRef>
-            <a:effectRef idx="0">
-              <a:schemeClr val="accent1"/>
-            </a:effectRef>
-            <a:fontRef idx="minor">
-              <a:schemeClr val="lt1"/>
-            </a:fontRef>
-          </p:style>
-          <p:txBody>
-            <a:bodyPr rtlCol="0" anchor="ctr"/>
-            <a:lstStyle/>
-            <a:p>
-              <a:pPr algn="ctr"/>
-              <a:endParaRPr lang="en-US" sz="2400" dirty="0" smtClean="0">
-                <a:solidFill>
-                  <a:schemeClr val="bg1">
-                    <a:lumMod val="50000"/>
-                  </a:schemeClr>
-                </a:solidFill>
-                <a:latin typeface="Avenir Book" charset="0"/>
-                <a:ea typeface="Avenir Book" charset="0"/>
-                <a:cs typeface="Avenir Book" charset="0"/>
-              </a:endParaRPr>
-            </a:p>
-          </p:txBody>
-        </p:sp>
-        <p:sp>
-          <p:nvSpPr>
-            <p:cNvPr id="65" name="Oval 64"/>
-            <p:cNvSpPr/>
-            <p:nvPr/>
-          </p:nvSpPr>
-          <p:spPr>
-            <a:xfrm>
-              <a:off x="6216204" y="2652175"/>
-              <a:ext cx="176105" cy="176105"/>
-            </a:xfrm>
-            <a:prstGeom prst="ellipse">
-              <a:avLst/>
-            </a:prstGeom>
-            <a:solidFill>
-              <a:schemeClr val="bg1">
-                <a:lumMod val="50000"/>
-              </a:schemeClr>
-            </a:solidFill>
-            <a:ln w="28575">
-              <a:solidFill>
-                <a:schemeClr val="bg1">
-                  <a:lumMod val="50000"/>
-                </a:schemeClr>
-              </a:solidFill>
-            </a:ln>
-          </p:spPr>
-          <p:style>
-            <a:lnRef idx="2">
-              <a:schemeClr val="accent1">
-                <a:shade val="50000"/>
-              </a:schemeClr>
-            </a:lnRef>
-            <a:fillRef idx="1">
-              <a:schemeClr val="accent1"/>
-            </a:fillRef>
-            <a:effectRef idx="0">
-              <a:schemeClr val="accent1"/>
-            </a:effectRef>
-            <a:fontRef idx="minor">
-              <a:schemeClr val="lt1"/>
-            </a:fontRef>
-          </p:style>
-          <p:txBody>
-            <a:bodyPr rtlCol="0" anchor="ctr"/>
-            <a:lstStyle/>
-            <a:p>
-              <a:pPr algn="ctr"/>
-              <a:endParaRPr lang="en-US" sz="2400" dirty="0" smtClean="0">
-                <a:solidFill>
-                  <a:schemeClr val="bg1">
-                    <a:lumMod val="50000"/>
-                  </a:schemeClr>
-                </a:solidFill>
-                <a:latin typeface="Avenir Book" charset="0"/>
-                <a:ea typeface="Avenir Book" charset="0"/>
-                <a:cs typeface="Avenir Book" charset="0"/>
-              </a:endParaRPr>
-            </a:p>
-          </p:txBody>
-        </p:sp>
-        <p:sp>
-          <p:nvSpPr>
-            <p:cNvPr id="79" name="Rectangle 78"/>
-            <p:cNvSpPr/>
-            <p:nvPr/>
-          </p:nvSpPr>
-          <p:spPr>
-            <a:xfrm>
-              <a:off x="7664683" y="2662324"/>
-              <a:ext cx="203200" cy="203200"/>
-            </a:xfrm>
-            <a:prstGeom prst="rect">
-              <a:avLst/>
-            </a:prstGeom>
-            <a:solidFill>
-              <a:srgbClr val="00B0F0"/>
-            </a:solidFill>
-            <a:ln w="28575">
-              <a:solidFill>
-                <a:schemeClr val="bg1"/>
-              </a:solidFill>
-            </a:ln>
-          </p:spPr>
-          <p:style>
-            <a:lnRef idx="2">
-              <a:schemeClr val="accent1">
-                <a:shade val="50000"/>
-              </a:schemeClr>
-            </a:lnRef>
-            <a:fillRef idx="1">
-              <a:schemeClr val="accent1"/>
-            </a:fillRef>
-            <a:effectRef idx="0">
-              <a:schemeClr val="accent1"/>
-            </a:effectRef>
-            <a:fontRef idx="minor">
-              <a:schemeClr val="lt1"/>
-            </a:fontRef>
-          </p:style>
-          <p:txBody>
-            <a:bodyPr rtlCol="0" anchor="ctr"/>
-            <a:lstStyle/>
-            <a:p>
-              <a:pPr algn="ctr"/>
-              <a:endParaRPr lang="en-US" sz="2400" dirty="0" smtClean="0">
-                <a:solidFill>
-                  <a:schemeClr val="bg1">
-                    <a:lumMod val="50000"/>
-                  </a:schemeClr>
-                </a:solidFill>
-                <a:latin typeface="Avenir Book" charset="0"/>
-                <a:ea typeface="Avenir Book" charset="0"/>
-                <a:cs typeface="Avenir Book" charset="0"/>
-              </a:endParaRPr>
-            </a:p>
-          </p:txBody>
-        </p:sp>
-        <p:sp>
-          <p:nvSpPr>
-            <p:cNvPr id="80" name="Oval 79"/>
-            <p:cNvSpPr/>
-            <p:nvPr/>
-          </p:nvSpPr>
-          <p:spPr>
-            <a:xfrm>
-              <a:off x="7914498" y="2670885"/>
-              <a:ext cx="176105" cy="176105"/>
-            </a:xfrm>
-            <a:prstGeom prst="ellipse">
-              <a:avLst/>
-            </a:prstGeom>
-            <a:solidFill>
-              <a:schemeClr val="bg1">
-                <a:lumMod val="50000"/>
-              </a:schemeClr>
-            </a:solidFill>
-            <a:ln w="28575">
-              <a:solidFill>
-                <a:schemeClr val="bg1">
-                  <a:lumMod val="50000"/>
-                </a:schemeClr>
-              </a:solidFill>
-            </a:ln>
-          </p:spPr>
-          <p:style>
-            <a:lnRef idx="2">
-              <a:schemeClr val="accent1">
-                <a:shade val="50000"/>
-              </a:schemeClr>
-            </a:lnRef>
-            <a:fillRef idx="1">
-              <a:schemeClr val="accent1"/>
-            </a:fillRef>
-            <a:effectRef idx="0">
-              <a:schemeClr val="accent1"/>
-            </a:effectRef>
-            <a:fontRef idx="minor">
-              <a:schemeClr val="lt1"/>
-            </a:fontRef>
-          </p:style>
-          <p:txBody>
-            <a:bodyPr rtlCol="0" anchor="ctr"/>
-            <a:lstStyle/>
-            <a:p>
-              <a:pPr algn="ctr"/>
-              <a:endParaRPr lang="en-US" sz="2400" dirty="0" smtClean="0">
-                <a:solidFill>
-                  <a:schemeClr val="bg1">
-                    <a:lumMod val="50000"/>
-                  </a:schemeClr>
-                </a:solidFill>
-                <a:latin typeface="Avenir Book" charset="0"/>
-                <a:ea typeface="Avenir Book" charset="0"/>
-                <a:cs typeface="Avenir Book" charset="0"/>
-              </a:endParaRPr>
-            </a:p>
-          </p:txBody>
-        </p:sp>
-        <p:cxnSp>
-          <p:nvCxnSpPr>
-            <p:cNvPr id="108" name="Straight Arrow Connector 107"/>
-            <p:cNvCxnSpPr/>
-            <p:nvPr/>
-          </p:nvCxnSpPr>
-          <p:spPr>
-            <a:xfrm flipV="1">
-              <a:off x="4786133" y="2874085"/>
-              <a:ext cx="342838" cy="1"/>
-            </a:xfrm>
-            <a:prstGeom prst="straightConnector1">
-              <a:avLst/>
-            </a:prstGeom>
-            <a:ln w="28575">
-              <a:solidFill>
-                <a:schemeClr val="bg1">
-                  <a:lumMod val="50000"/>
-                </a:schemeClr>
-              </a:solidFill>
-              <a:headEnd type="none" w="med" len="med"/>
-              <a:tailEnd type="triangle"/>
-            </a:ln>
-          </p:spPr>
-          <p:style>
-            <a:lnRef idx="1">
-              <a:schemeClr val="accent1"/>
-            </a:lnRef>
-            <a:fillRef idx="0">
-              <a:schemeClr val="accent1"/>
-            </a:fillRef>
-            <a:effectRef idx="0">
-              <a:schemeClr val="accent1"/>
-            </a:effectRef>
-            <a:fontRef idx="minor">
-              <a:schemeClr val="tx1"/>
-            </a:fontRef>
-          </p:style>
-        </p:cxnSp>
-        <p:sp>
-          <p:nvSpPr>
-            <p:cNvPr id="6" name="Rectangle 5"/>
-            <p:cNvSpPr/>
-            <p:nvPr/>
-          </p:nvSpPr>
-          <p:spPr>
-            <a:xfrm>
-              <a:off x="2223353" y="2670885"/>
-              <a:ext cx="203200" cy="203200"/>
-            </a:xfrm>
-            <a:prstGeom prst="rect">
-              <a:avLst/>
-            </a:prstGeom>
-            <a:solidFill>
-              <a:srgbClr val="00B0F0"/>
-            </a:solidFill>
-            <a:ln w="28575">
-              <a:solidFill>
-                <a:schemeClr val="bg1"/>
-              </a:solidFill>
-            </a:ln>
-          </p:spPr>
-          <p:style>
-            <a:lnRef idx="2">
-              <a:schemeClr val="accent1">
-                <a:shade val="50000"/>
-              </a:schemeClr>
-            </a:lnRef>
-            <a:fillRef idx="1">
-              <a:schemeClr val="accent1"/>
-            </a:fillRef>
-            <a:effectRef idx="0">
-              <a:schemeClr val="accent1"/>
-            </a:effectRef>
-            <a:fontRef idx="minor">
-              <a:schemeClr val="lt1"/>
-            </a:fontRef>
-          </p:style>
-          <p:txBody>
-            <a:bodyPr rtlCol="0" anchor="ctr"/>
-            <a:lstStyle/>
-            <a:p>
-              <a:pPr algn="ctr"/>
-              <a:endParaRPr lang="en-US" sz="2400" dirty="0" smtClean="0">
-                <a:solidFill>
-                  <a:schemeClr val="bg1">
-                    <a:lumMod val="50000"/>
-                  </a:schemeClr>
-                </a:solidFill>
-                <a:latin typeface="Avenir Book" charset="0"/>
-                <a:ea typeface="Avenir Book" charset="0"/>
-                <a:cs typeface="Avenir Book" charset="0"/>
-              </a:endParaRPr>
-            </a:p>
-          </p:txBody>
-        </p:sp>
-        <p:sp>
-          <p:nvSpPr>
-            <p:cNvPr id="31" name="Rectangle 30"/>
-            <p:cNvSpPr/>
-            <p:nvPr/>
-          </p:nvSpPr>
-          <p:spPr>
-            <a:xfrm>
-              <a:off x="2516863" y="2670885"/>
-              <a:ext cx="203200" cy="203200"/>
-            </a:xfrm>
-            <a:prstGeom prst="rect">
-              <a:avLst/>
-            </a:prstGeom>
-            <a:solidFill>
-              <a:schemeClr val="bg1">
-                <a:lumMod val="65000"/>
-              </a:schemeClr>
-            </a:solidFill>
-            <a:ln w="28575">
-              <a:solidFill>
-                <a:schemeClr val="bg1"/>
-              </a:solidFill>
-            </a:ln>
-          </p:spPr>
-          <p:style>
-            <a:lnRef idx="2">
-              <a:schemeClr val="accent1">
-                <a:shade val="50000"/>
-              </a:schemeClr>
-            </a:lnRef>
-            <a:fillRef idx="1">
-              <a:schemeClr val="accent1"/>
-            </a:fillRef>
-            <a:effectRef idx="0">
-              <a:schemeClr val="accent1"/>
-            </a:effectRef>
-            <a:fontRef idx="minor">
-              <a:schemeClr val="lt1"/>
-            </a:fontRef>
-          </p:style>
-          <p:txBody>
-            <a:bodyPr rtlCol="0" anchor="ctr"/>
-            <a:lstStyle/>
-            <a:p>
-              <a:pPr algn="ctr"/>
-              <a:endParaRPr lang="en-US" sz="2400" dirty="0" smtClean="0">
-                <a:solidFill>
-                  <a:schemeClr val="bg1">
-                    <a:lumMod val="50000"/>
-                  </a:schemeClr>
-                </a:solidFill>
-                <a:latin typeface="Avenir Book" charset="0"/>
-                <a:ea typeface="Avenir Book" charset="0"/>
-                <a:cs typeface="Avenir Book" charset="0"/>
-              </a:endParaRPr>
-            </a:p>
-          </p:txBody>
-        </p:sp>
-        <p:sp>
-          <p:nvSpPr>
-            <p:cNvPr id="118" name="Rectangle 117"/>
-            <p:cNvSpPr/>
-            <p:nvPr/>
-          </p:nvSpPr>
-          <p:spPr>
-            <a:xfrm>
-              <a:off x="9978559" y="2662324"/>
-              <a:ext cx="203200" cy="203200"/>
-            </a:xfrm>
-            <a:prstGeom prst="rect">
-              <a:avLst/>
-            </a:prstGeom>
-            <a:solidFill>
-              <a:srgbClr val="00B0F0"/>
-            </a:solidFill>
-            <a:ln w="28575">
-              <a:solidFill>
-                <a:schemeClr val="bg1"/>
-              </a:solidFill>
-            </a:ln>
-          </p:spPr>
-          <p:style>
-            <a:lnRef idx="2">
-              <a:schemeClr val="accent1">
-                <a:shade val="50000"/>
-              </a:schemeClr>
-            </a:lnRef>
-            <a:fillRef idx="1">
-              <a:schemeClr val="accent1"/>
-            </a:fillRef>
-            <a:effectRef idx="0">
-              <a:schemeClr val="accent1"/>
-            </a:effectRef>
-            <a:fontRef idx="minor">
-              <a:schemeClr val="lt1"/>
-            </a:fontRef>
-          </p:style>
-          <p:txBody>
-            <a:bodyPr rtlCol="0" anchor="ctr"/>
-            <a:lstStyle/>
-            <a:p>
-              <a:pPr algn="ctr"/>
-              <a:endParaRPr lang="en-US" sz="2400" dirty="0" smtClean="0">
-                <a:solidFill>
-                  <a:schemeClr val="bg1">
-                    <a:lumMod val="50000"/>
-                  </a:schemeClr>
-                </a:solidFill>
-                <a:latin typeface="Avenir Book" charset="0"/>
-                <a:ea typeface="Avenir Book" charset="0"/>
-                <a:cs typeface="Avenir Book" charset="0"/>
-              </a:endParaRPr>
-            </a:p>
-          </p:txBody>
-        </p:sp>
-        <p:sp>
-          <p:nvSpPr>
-            <p:cNvPr id="119" name="Oval 118"/>
-            <p:cNvSpPr/>
-            <p:nvPr/>
-          </p:nvSpPr>
-          <p:spPr>
-            <a:xfrm>
-              <a:off x="10228374" y="2670885"/>
-              <a:ext cx="176105" cy="176105"/>
-            </a:xfrm>
-            <a:prstGeom prst="ellipse">
-              <a:avLst/>
-            </a:prstGeom>
-            <a:solidFill>
-              <a:schemeClr val="bg1">
-                <a:lumMod val="50000"/>
-              </a:schemeClr>
-            </a:solidFill>
-            <a:ln w="28575">
-              <a:solidFill>
-                <a:schemeClr val="bg1">
-                  <a:lumMod val="50000"/>
-                </a:schemeClr>
-              </a:solidFill>
-            </a:ln>
-          </p:spPr>
-          <p:style>
-            <a:lnRef idx="2">
-              <a:schemeClr val="accent1">
-                <a:shade val="50000"/>
-              </a:schemeClr>
-            </a:lnRef>
-            <a:fillRef idx="1">
-              <a:schemeClr val="accent1"/>
-            </a:fillRef>
-            <a:effectRef idx="0">
-              <a:schemeClr val="accent1"/>
-            </a:effectRef>
-            <a:fontRef idx="minor">
-              <a:schemeClr val="lt1"/>
-            </a:fontRef>
-          </p:style>
-          <p:txBody>
-            <a:bodyPr rtlCol="0" anchor="ctr"/>
-            <a:lstStyle/>
-            <a:p>
-              <a:pPr algn="ctr"/>
-              <a:endParaRPr lang="en-US" sz="2400" dirty="0" smtClean="0">
-                <a:solidFill>
-                  <a:schemeClr val="bg1">
-                    <a:lumMod val="50000"/>
-                  </a:schemeClr>
-                </a:solidFill>
-                <a:latin typeface="Avenir Book" charset="0"/>
-                <a:ea typeface="Avenir Book" charset="0"/>
-                <a:cs typeface="Avenir Book" charset="0"/>
-              </a:endParaRPr>
-            </a:p>
-          </p:txBody>
-        </p:sp>
-        <p:sp>
-          <p:nvSpPr>
-            <p:cNvPr id="129" name="Rectangle 128"/>
-            <p:cNvSpPr/>
-            <p:nvPr/>
-          </p:nvSpPr>
-          <p:spPr>
-            <a:xfrm>
-              <a:off x="10642581" y="2670872"/>
-              <a:ext cx="203200" cy="203200"/>
-            </a:xfrm>
-            <a:prstGeom prst="rect">
-              <a:avLst/>
-            </a:prstGeom>
-            <a:solidFill>
-              <a:schemeClr val="bg1">
-                <a:lumMod val="65000"/>
-              </a:schemeClr>
-            </a:solidFill>
-            <a:ln w="28575">
-              <a:solidFill>
-                <a:schemeClr val="bg1"/>
-              </a:solidFill>
-            </a:ln>
-          </p:spPr>
-          <p:style>
-            <a:lnRef idx="2">
-              <a:schemeClr val="accent1">
-                <a:shade val="50000"/>
-              </a:schemeClr>
-            </a:lnRef>
-            <a:fillRef idx="1">
-              <a:schemeClr val="accent1"/>
-            </a:fillRef>
-            <a:effectRef idx="0">
-              <a:schemeClr val="accent1"/>
-            </a:effectRef>
-            <a:fontRef idx="minor">
-              <a:schemeClr val="lt1"/>
-            </a:fontRef>
-          </p:style>
-          <p:txBody>
-            <a:bodyPr rtlCol="0" anchor="ctr"/>
-            <a:lstStyle/>
-            <a:p>
-              <a:pPr algn="ctr"/>
-              <a:endParaRPr lang="en-US" sz="2400" dirty="0" smtClean="0">
-                <a:solidFill>
-                  <a:schemeClr val="bg1">
-                    <a:lumMod val="50000"/>
-                  </a:schemeClr>
-                </a:solidFill>
-                <a:latin typeface="Avenir Book" charset="0"/>
-                <a:ea typeface="Avenir Book" charset="0"/>
-                <a:cs typeface="Avenir Book" charset="0"/>
-              </a:endParaRPr>
-            </a:p>
-          </p:txBody>
-        </p:sp>
-        <p:sp>
-          <p:nvSpPr>
-            <p:cNvPr id="130" name="Oval 129"/>
-            <p:cNvSpPr/>
-            <p:nvPr/>
-          </p:nvSpPr>
-          <p:spPr>
-            <a:xfrm>
-              <a:off x="10892396" y="2679433"/>
-              <a:ext cx="176105" cy="176105"/>
-            </a:xfrm>
-            <a:prstGeom prst="ellipse">
-              <a:avLst/>
-            </a:prstGeom>
-            <a:solidFill>
-              <a:srgbClr val="FF0000"/>
-            </a:solidFill>
-            <a:ln w="28575">
-              <a:solidFill>
-                <a:srgbClr val="FF0000"/>
-              </a:solidFill>
-            </a:ln>
-          </p:spPr>
-          <p:style>
-            <a:lnRef idx="2">
-              <a:schemeClr val="accent1">
-                <a:shade val="50000"/>
-              </a:schemeClr>
-            </a:lnRef>
-            <a:fillRef idx="1">
-              <a:schemeClr val="accent1"/>
-            </a:fillRef>
-            <a:effectRef idx="0">
-              <a:schemeClr val="accent1"/>
-            </a:effectRef>
-            <a:fontRef idx="minor">
-              <a:schemeClr val="lt1"/>
-            </a:fontRef>
-          </p:style>
-          <p:txBody>
-            <a:bodyPr rtlCol="0" anchor="ctr"/>
-            <a:lstStyle/>
-            <a:p>
-              <a:pPr algn="ctr"/>
-              <a:endParaRPr lang="en-US" sz="2400" dirty="0" smtClean="0">
-                <a:solidFill>
-                  <a:schemeClr val="bg1">
-                    <a:lumMod val="50000"/>
-                  </a:schemeClr>
-                </a:solidFill>
-                <a:latin typeface="Avenir Book" charset="0"/>
-                <a:ea typeface="Avenir Book" charset="0"/>
-                <a:cs typeface="Avenir Book" charset="0"/>
-              </a:endParaRPr>
-            </a:p>
-          </p:txBody>
-        </p:sp>
-      </p:grpSp>
-      <p:grpSp>
-        <p:nvGrpSpPr>
-          <p:cNvPr id="143" name="Group 142"/>
-          <p:cNvGrpSpPr/>
-          <p:nvPr/>
-        </p:nvGrpSpPr>
-        <p:grpSpPr>
-          <a:xfrm flipV="1">
-            <a:off x="6605609" y="3864523"/>
-            <a:ext cx="748209" cy="415490"/>
-            <a:chOff x="6621222" y="2711960"/>
-            <a:chExt cx="748209" cy="585875"/>
-          </a:xfrm>
-        </p:grpSpPr>
-        <p:cxnSp>
-          <p:nvCxnSpPr>
-            <p:cNvPr id="144" name="Straight Arrow Connector 143"/>
-            <p:cNvCxnSpPr/>
-            <p:nvPr/>
-          </p:nvCxnSpPr>
-          <p:spPr>
-            <a:xfrm>
-              <a:off x="6621222" y="2723350"/>
-              <a:ext cx="358491" cy="574485"/>
-            </a:xfrm>
-            <a:prstGeom prst="straightConnector1">
-              <a:avLst/>
-            </a:prstGeom>
-            <a:ln w="28575">
-              <a:solidFill>
-                <a:schemeClr val="bg1">
-                  <a:lumMod val="50000"/>
-                </a:schemeClr>
-              </a:solidFill>
-              <a:headEnd type="none" w="med" len="med"/>
-              <a:tailEnd type="triangle"/>
-            </a:ln>
-          </p:spPr>
-          <p:style>
-            <a:lnRef idx="1">
-              <a:schemeClr val="accent1"/>
-            </a:lnRef>
-            <a:fillRef idx="0">
-              <a:schemeClr val="accent1"/>
-            </a:fillRef>
-            <a:effectRef idx="0">
-              <a:schemeClr val="accent1"/>
-            </a:effectRef>
-            <a:fontRef idx="minor">
-              <a:schemeClr val="tx1"/>
-            </a:fontRef>
-          </p:style>
-        </p:cxnSp>
-        <p:cxnSp>
-          <p:nvCxnSpPr>
-            <p:cNvPr id="145" name="Straight Arrow Connector 144"/>
-            <p:cNvCxnSpPr/>
-            <p:nvPr/>
-          </p:nvCxnSpPr>
-          <p:spPr>
-            <a:xfrm flipV="1">
-              <a:off x="7010940" y="2711960"/>
-              <a:ext cx="358491" cy="574485"/>
-            </a:xfrm>
-            <a:prstGeom prst="straightConnector1">
-              <a:avLst/>
-            </a:prstGeom>
-            <a:ln w="28575">
-              <a:solidFill>
-                <a:schemeClr val="bg1">
-                  <a:lumMod val="50000"/>
-                </a:schemeClr>
-              </a:solidFill>
-              <a:headEnd type="none" w="med" len="med"/>
-              <a:tailEnd type="triangle"/>
-            </a:ln>
-          </p:spPr>
-          <p:style>
-            <a:lnRef idx="1">
-              <a:schemeClr val="accent1"/>
-            </a:lnRef>
-            <a:fillRef idx="0">
-              <a:schemeClr val="accent1"/>
-            </a:fillRef>
-            <a:effectRef idx="0">
-              <a:schemeClr val="accent1"/>
-            </a:effectRef>
-            <a:fontRef idx="minor">
-              <a:schemeClr val="tx1"/>
-            </a:fontRef>
-          </p:style>
-        </p:cxnSp>
-      </p:grpSp>
-      <p:grpSp>
-        <p:nvGrpSpPr>
-          <p:cNvPr id="146" name="Group 145"/>
-          <p:cNvGrpSpPr/>
-          <p:nvPr/>
-        </p:nvGrpSpPr>
-        <p:grpSpPr>
-          <a:xfrm>
-            <a:off x="8852056" y="2874267"/>
-            <a:ext cx="748209" cy="415490"/>
-            <a:chOff x="6621222" y="2711960"/>
-            <a:chExt cx="748209" cy="585875"/>
-          </a:xfrm>
-        </p:grpSpPr>
-        <p:cxnSp>
-          <p:nvCxnSpPr>
-            <p:cNvPr id="147" name="Straight Arrow Connector 146"/>
-            <p:cNvCxnSpPr/>
-            <p:nvPr/>
-          </p:nvCxnSpPr>
-          <p:spPr>
-            <a:xfrm>
-              <a:off x="6621222" y="2723350"/>
-              <a:ext cx="358491" cy="574485"/>
-            </a:xfrm>
-            <a:prstGeom prst="straightConnector1">
-              <a:avLst/>
-            </a:prstGeom>
-            <a:ln w="28575">
-              <a:solidFill>
-                <a:schemeClr val="bg1">
-                  <a:lumMod val="50000"/>
-                </a:schemeClr>
-              </a:solidFill>
-              <a:headEnd type="none" w="med" len="med"/>
-              <a:tailEnd type="triangle"/>
-            </a:ln>
-          </p:spPr>
-          <p:style>
-            <a:lnRef idx="1">
-              <a:schemeClr val="accent1"/>
-            </a:lnRef>
-            <a:fillRef idx="0">
-              <a:schemeClr val="accent1"/>
-            </a:fillRef>
-            <a:effectRef idx="0">
-              <a:schemeClr val="accent1"/>
-            </a:effectRef>
-            <a:fontRef idx="minor">
-              <a:schemeClr val="tx1"/>
-            </a:fontRef>
-          </p:style>
-        </p:cxnSp>
-        <p:cxnSp>
-          <p:nvCxnSpPr>
-            <p:cNvPr id="148" name="Straight Arrow Connector 147"/>
-            <p:cNvCxnSpPr/>
-            <p:nvPr/>
-          </p:nvCxnSpPr>
-          <p:spPr>
-            <a:xfrm flipV="1">
-              <a:off x="7010940" y="2711960"/>
-              <a:ext cx="358491" cy="574485"/>
-            </a:xfrm>
-            <a:prstGeom prst="straightConnector1">
-              <a:avLst/>
-            </a:prstGeom>
-            <a:ln w="28575">
-              <a:solidFill>
-                <a:schemeClr val="bg1">
-                  <a:lumMod val="50000"/>
-                </a:schemeClr>
-              </a:solidFill>
-              <a:headEnd type="none" w="med" len="med"/>
-              <a:tailEnd type="triangle"/>
-            </a:ln>
-          </p:spPr>
-          <p:style>
-            <a:lnRef idx="1">
-              <a:schemeClr val="accent1"/>
-            </a:lnRef>
-            <a:fillRef idx="0">
-              <a:schemeClr val="accent1"/>
-            </a:fillRef>
-            <a:effectRef idx="0">
-              <a:schemeClr val="accent1"/>
-            </a:effectRef>
-            <a:fontRef idx="minor">
-              <a:schemeClr val="tx1"/>
-            </a:fontRef>
-          </p:style>
-        </p:cxnSp>
-      </p:grpSp>
-      <p:grpSp>
-        <p:nvGrpSpPr>
-          <p:cNvPr id="149" name="Group 148"/>
-          <p:cNvGrpSpPr/>
-          <p:nvPr/>
-        </p:nvGrpSpPr>
-        <p:grpSpPr>
-          <a:xfrm flipV="1">
-            <a:off x="8852056" y="3864523"/>
-            <a:ext cx="748209" cy="415490"/>
-            <a:chOff x="6621222" y="2711960"/>
-            <a:chExt cx="748209" cy="585875"/>
-          </a:xfrm>
-        </p:grpSpPr>
-        <p:cxnSp>
-          <p:nvCxnSpPr>
-            <p:cNvPr id="150" name="Straight Arrow Connector 149"/>
-            <p:cNvCxnSpPr/>
-            <p:nvPr/>
-          </p:nvCxnSpPr>
-          <p:spPr>
-            <a:xfrm>
-              <a:off x="6621222" y="2723350"/>
-              <a:ext cx="358491" cy="574485"/>
-            </a:xfrm>
-            <a:prstGeom prst="straightConnector1">
-              <a:avLst/>
-            </a:prstGeom>
-            <a:ln w="28575">
-              <a:solidFill>
-                <a:schemeClr val="bg1">
-                  <a:lumMod val="50000"/>
-                </a:schemeClr>
-              </a:solidFill>
-              <a:headEnd type="none" w="med" len="med"/>
-              <a:tailEnd type="triangle"/>
-            </a:ln>
-          </p:spPr>
-          <p:style>
-            <a:lnRef idx="1">
-              <a:schemeClr val="accent1"/>
-            </a:lnRef>
-            <a:fillRef idx="0">
-              <a:schemeClr val="accent1"/>
-            </a:fillRef>
-            <a:effectRef idx="0">
-              <a:schemeClr val="accent1"/>
-            </a:effectRef>
-            <a:fontRef idx="minor">
-              <a:schemeClr val="tx1"/>
-            </a:fontRef>
-          </p:style>
-        </p:cxnSp>
-        <p:cxnSp>
-          <p:nvCxnSpPr>
-            <p:cNvPr id="151" name="Straight Arrow Connector 150"/>
-            <p:cNvCxnSpPr/>
-            <p:nvPr/>
-          </p:nvCxnSpPr>
-          <p:spPr>
-            <a:xfrm flipV="1">
-              <a:off x="7010940" y="2711960"/>
-              <a:ext cx="358491" cy="574485"/>
-            </a:xfrm>
-            <a:prstGeom prst="straightConnector1">
-              <a:avLst/>
-            </a:prstGeom>
-            <a:ln w="28575">
-              <a:solidFill>
-                <a:schemeClr val="bg1">
-                  <a:lumMod val="50000"/>
-                </a:schemeClr>
-              </a:solidFill>
-              <a:headEnd type="none" w="med" len="med"/>
-              <a:tailEnd type="triangle"/>
-            </a:ln>
-          </p:spPr>
-          <p:style>
-            <a:lnRef idx="1">
-              <a:schemeClr val="accent1"/>
-            </a:lnRef>
-            <a:fillRef idx="0">
-              <a:schemeClr val="accent1"/>
-            </a:fillRef>
-            <a:effectRef idx="0">
-              <a:schemeClr val="accent1"/>
-            </a:effectRef>
-            <a:fontRef idx="minor">
-              <a:schemeClr val="tx1"/>
-            </a:fontRef>
-          </p:style>
-        </p:cxnSp>
-      </p:grpSp>
-      <p:cxnSp>
-        <p:nvCxnSpPr>
-          <p:cNvPr id="153" name="Straight Arrow Connector 152"/>
-          <p:cNvCxnSpPr/>
-          <p:nvPr/>
-        </p:nvCxnSpPr>
-        <p:spPr>
-          <a:xfrm flipV="1">
-            <a:off x="3226728" y="3011216"/>
-            <a:ext cx="174416" cy="458194"/>
-          </a:xfrm>
-          <a:prstGeom prst="straightConnector1">
-            <a:avLst/>
-          </a:prstGeom>
-          <a:ln w="28575">
-            <a:solidFill>
-              <a:schemeClr val="bg1">
-                <a:lumMod val="50000"/>
-              </a:schemeClr>
-            </a:solidFill>
-            <a:headEnd type="none" w="med" len="med"/>
-            <a:tailEnd type="triangle"/>
-          </a:ln>
-        </p:spPr>
-        <p:style>
-          <a:lnRef idx="1">
-            <a:schemeClr val="accent1"/>
-          </a:lnRef>
-          <a:fillRef idx="0">
-            <a:schemeClr val="accent1"/>
-          </a:fillRef>
-          <a:effectRef idx="0">
-            <a:schemeClr val="accent1"/>
-          </a:effectRef>
-          <a:fontRef idx="minor">
-            <a:schemeClr val="tx1"/>
-          </a:fontRef>
-        </p:style>
-      </p:cxnSp>
-      <p:cxnSp>
-        <p:nvCxnSpPr>
-          <p:cNvPr id="155" name="Straight Arrow Connector 154"/>
-          <p:cNvCxnSpPr/>
-          <p:nvPr/>
-        </p:nvCxnSpPr>
-        <p:spPr>
-          <a:xfrm>
-            <a:off x="3249836" y="3714844"/>
-            <a:ext cx="151308" cy="529195"/>
-          </a:xfrm>
-          <a:prstGeom prst="straightConnector1">
-            <a:avLst/>
-          </a:prstGeom>
-          <a:ln w="28575">
-            <a:solidFill>
-              <a:schemeClr val="bg1">
-                <a:lumMod val="50000"/>
-              </a:schemeClr>
-            </a:solidFill>
-            <a:headEnd type="none" w="med" len="med"/>
-            <a:tailEnd type="triangle"/>
-          </a:ln>
-        </p:spPr>
-        <p:style>
-          <a:lnRef idx="1">
-            <a:schemeClr val="accent1"/>
-          </a:lnRef>
-          <a:fillRef idx="0">
-            <a:schemeClr val="accent1"/>
-          </a:fillRef>
-          <a:effectRef idx="0">
-            <a:schemeClr val="accent1"/>
-          </a:effectRef>
-          <a:fontRef idx="minor">
-            <a:schemeClr val="tx1"/>
-          </a:fontRef>
-        </p:style>
-      </p:cxnSp>
     </p:spTree>
     <p:extLst>
       <p:ext uri="{BB962C8B-B14F-4D97-AF65-F5344CB8AC3E}">

--- a/figures/figs.pptx
+++ b/figures/figs.pptx
@@ -4359,7 +4359,7 @@
         </p:nvSpPr>
         <p:spPr>
           <a:xfrm>
-            <a:off x="438435" y="2771381"/>
+            <a:off x="539019" y="2771381"/>
             <a:ext cx="1253869" cy="369332"/>
           </a:xfrm>
           <a:prstGeom prst="rect">
@@ -4397,7 +4397,7 @@
         </p:nvSpPr>
         <p:spPr>
           <a:xfrm>
-            <a:off x="438435" y="4095644"/>
+            <a:off x="539019" y="4095644"/>
             <a:ext cx="1281120" cy="369332"/>
           </a:xfrm>
           <a:prstGeom prst="rect">
@@ -4435,7 +4435,7 @@
         </p:nvSpPr>
         <p:spPr>
           <a:xfrm>
-            <a:off x="756149" y="3397468"/>
+            <a:off x="856733" y="3397468"/>
             <a:ext cx="902811" cy="369332"/>
           </a:xfrm>
           <a:prstGeom prst="rect">
@@ -4465,3943 +4465,3823 @@
           </a:p>
         </p:txBody>
       </p:sp>
-      <p:grpSp>
-        <p:nvGrpSpPr>
-          <p:cNvPr id="168" name="Group 167"/>
-          <p:cNvGrpSpPr/>
-          <p:nvPr/>
-        </p:nvGrpSpPr>
-        <p:grpSpPr>
-          <a:xfrm>
-            <a:off x="1712531" y="1786302"/>
-            <a:ext cx="9553628" cy="2660937"/>
-            <a:chOff x="1712531" y="1786302"/>
-            <a:chExt cx="9553628" cy="2660937"/>
-          </a:xfrm>
-        </p:grpSpPr>
-        <p:grpSp>
-          <p:nvGrpSpPr>
-            <p:cNvPr id="166" name="Group 165"/>
-            <p:cNvGrpSpPr/>
-            <p:nvPr/>
-          </p:nvGrpSpPr>
-          <p:grpSpPr>
-            <a:xfrm>
-              <a:off x="1739963" y="3402319"/>
-              <a:ext cx="1331997" cy="369332"/>
-              <a:chOff x="1739963" y="3402319"/>
-              <a:chExt cx="1331997" cy="369332"/>
-            </a:xfrm>
-          </p:grpSpPr>
-          <p:sp>
-            <p:nvSpPr>
-              <p:cNvPr id="11" name="TextBox 10"/>
-              <p:cNvSpPr txBox="1"/>
-              <p:nvPr/>
-            </p:nvSpPr>
-            <p:spPr>
-              <a:xfrm>
-                <a:off x="1739963" y="3402319"/>
-                <a:ext cx="450764" cy="369332"/>
-              </a:xfrm>
-              <a:prstGeom prst="rect">
-                <a:avLst/>
-              </a:prstGeom>
-              <a:noFill/>
-            </p:spPr>
-            <p:txBody>
-              <a:bodyPr wrap="none" rtlCol="0" anchor="ctr">
-                <a:spAutoFit/>
-              </a:bodyPr>
-              <a:lstStyle/>
-              <a:p>
-                <a:r>
-                  <a:rPr lang="el-GR" dirty="0" smtClean="0">
-                    <a:latin typeface="Avenir Next" charset="0"/>
-                    <a:ea typeface="Avenir Next" charset="0"/>
-                    <a:cs typeface="Avenir Next" charset="0"/>
-                  </a:rPr>
-                  <a:t>Σ</a:t>
-                </a:r>
-                <a:r>
-                  <a:rPr lang="en-US" dirty="0" smtClean="0">
-                    <a:latin typeface="Avenir Next" charset="0"/>
-                    <a:ea typeface="Avenir Next" charset="0"/>
-                    <a:cs typeface="Avenir Next" charset="0"/>
-                  </a:rPr>
-                  <a:t>:</a:t>
-                </a:r>
-                <a:r>
-                  <a:rPr lang="el-GR" dirty="0" smtClean="0">
-                    <a:latin typeface="Avenir Next" charset="0"/>
-                    <a:ea typeface="Avenir Next" charset="0"/>
-                    <a:cs typeface="Avenir Next" charset="0"/>
-                  </a:rPr>
-                  <a:t> </a:t>
-                </a:r>
-                <a:endParaRPr lang="el-GR" dirty="0">
-                  <a:latin typeface="Avenir Next" charset="0"/>
-                  <a:ea typeface="Avenir Next" charset="0"/>
-                  <a:cs typeface="Avenir Next" charset="0"/>
-                </a:endParaRPr>
-              </a:p>
-            </p:txBody>
-          </p:sp>
-          <p:sp>
-            <p:nvSpPr>
-              <p:cNvPr id="12" name="Oval 11"/>
-              <p:cNvSpPr/>
-              <p:nvPr/>
-            </p:nvSpPr>
-            <p:spPr>
-              <a:xfrm>
-                <a:off x="2098632" y="3471501"/>
-                <a:ext cx="176105" cy="176105"/>
-              </a:xfrm>
-              <a:prstGeom prst="ellipse">
-                <a:avLst/>
-              </a:prstGeom>
+      <p:sp>
+        <p:nvSpPr>
+          <p:cNvPr id="11" name="TextBox 10"/>
+          <p:cNvSpPr txBox="1"/>
+          <p:nvPr/>
+        </p:nvSpPr>
+        <p:spPr>
+          <a:xfrm>
+            <a:off x="1776539" y="3402319"/>
+            <a:ext cx="450764" cy="369332"/>
+          </a:xfrm>
+          <a:prstGeom prst="rect">
+            <a:avLst/>
+          </a:prstGeom>
+          <a:noFill/>
+        </p:spPr>
+        <p:txBody>
+          <a:bodyPr wrap="none" rtlCol="0" anchor="ctr">
+            <a:spAutoFit/>
+          </a:bodyPr>
+          <a:lstStyle/>
+          <a:p>
+            <a:r>
+              <a:rPr lang="el-GR" dirty="0" smtClean="0">
+                <a:latin typeface="Avenir Next" charset="0"/>
+                <a:ea typeface="Avenir Next" charset="0"/>
+                <a:cs typeface="Avenir Next" charset="0"/>
+              </a:rPr>
+              <a:t>Σ</a:t>
+            </a:r>
+            <a:r>
+              <a:rPr lang="en-US" dirty="0" smtClean="0">
+                <a:latin typeface="Avenir Next" charset="0"/>
+                <a:ea typeface="Avenir Next" charset="0"/>
+                <a:cs typeface="Avenir Next" charset="0"/>
+              </a:rPr>
+              <a:t>:</a:t>
+            </a:r>
+            <a:r>
+              <a:rPr lang="el-GR" dirty="0" smtClean="0">
+                <a:latin typeface="Avenir Next" charset="0"/>
+                <a:ea typeface="Avenir Next" charset="0"/>
+                <a:cs typeface="Avenir Next" charset="0"/>
+              </a:rPr>
+              <a:t> </a:t>
+            </a:r>
+            <a:endParaRPr lang="el-GR" dirty="0">
+              <a:latin typeface="Avenir Next" charset="0"/>
+              <a:ea typeface="Avenir Next" charset="0"/>
+              <a:cs typeface="Avenir Next" charset="0"/>
+            </a:endParaRPr>
+          </a:p>
+        </p:txBody>
+      </p:sp>
+      <p:sp>
+        <p:nvSpPr>
+          <p:cNvPr id="12" name="Oval 11"/>
+          <p:cNvSpPr/>
+          <p:nvPr/>
+        </p:nvSpPr>
+        <p:spPr>
+          <a:xfrm>
+            <a:off x="2135208" y="3471501"/>
+            <a:ext cx="176105" cy="176105"/>
+          </a:xfrm>
+          <a:prstGeom prst="ellipse">
+            <a:avLst/>
+          </a:prstGeom>
+          <a:solidFill>
+            <a:schemeClr val="bg1">
+              <a:lumMod val="50000"/>
+            </a:schemeClr>
+          </a:solidFill>
+          <a:ln w="28575">
+            <a:solidFill>
+              <a:schemeClr val="bg1">
+                <a:lumMod val="50000"/>
+              </a:schemeClr>
+            </a:solidFill>
+          </a:ln>
+        </p:spPr>
+        <p:style>
+          <a:lnRef idx="2">
+            <a:schemeClr val="accent1">
+              <a:shade val="50000"/>
+            </a:schemeClr>
+          </a:lnRef>
+          <a:fillRef idx="1">
+            <a:schemeClr val="accent1"/>
+          </a:fillRef>
+          <a:effectRef idx="0">
+            <a:schemeClr val="accent1"/>
+          </a:effectRef>
+          <a:fontRef idx="minor">
+            <a:schemeClr val="lt1"/>
+          </a:fontRef>
+        </p:style>
+        <p:txBody>
+          <a:bodyPr rtlCol="0" anchor="ctr"/>
+          <a:lstStyle/>
+          <a:p>
+            <a:pPr algn="ctr"/>
+            <a:endParaRPr lang="en-US" sz="2400" dirty="0" smtClean="0">
               <a:solidFill>
                 <a:schemeClr val="bg1">
                   <a:lumMod val="50000"/>
                 </a:schemeClr>
               </a:solidFill>
-              <a:ln w="28575">
-                <a:solidFill>
-                  <a:schemeClr val="bg1">
-                    <a:lumMod val="50000"/>
-                  </a:schemeClr>
-                </a:solidFill>
-              </a:ln>
-            </p:spPr>
-            <p:style>
-              <a:lnRef idx="2">
-                <a:schemeClr val="accent1">
-                  <a:shade val="50000"/>
-                </a:schemeClr>
-              </a:lnRef>
-              <a:fillRef idx="1">
-                <a:schemeClr val="accent1"/>
-              </a:fillRef>
-              <a:effectRef idx="0">
-                <a:schemeClr val="accent1"/>
-              </a:effectRef>
-              <a:fontRef idx="minor">
-                <a:schemeClr val="lt1"/>
-              </a:fontRef>
-            </p:style>
-            <p:txBody>
-              <a:bodyPr rtlCol="0" anchor="ctr"/>
-              <a:lstStyle/>
-              <a:p>
-                <a:pPr algn="ctr"/>
-                <a:endParaRPr lang="en-US" sz="2400" dirty="0" smtClean="0">
-                  <a:solidFill>
-                    <a:schemeClr val="bg1">
-                      <a:lumMod val="50000"/>
-                    </a:schemeClr>
-                  </a:solidFill>
-                  <a:latin typeface="Avenir Book" charset="0"/>
-                  <a:ea typeface="Avenir Book" charset="0"/>
-                  <a:cs typeface="Avenir Book" charset="0"/>
-                </a:endParaRPr>
-              </a:p>
-            </p:txBody>
-          </p:sp>
-          <p:sp>
-            <p:nvSpPr>
-              <p:cNvPr id="13" name="Oval 12"/>
-              <p:cNvSpPr/>
-              <p:nvPr/>
-            </p:nvSpPr>
-            <p:spPr>
-              <a:xfrm>
-                <a:off x="2364373" y="3471501"/>
-                <a:ext cx="176105" cy="176105"/>
-              </a:xfrm>
-              <a:prstGeom prst="ellipse">
-                <a:avLst/>
-              </a:prstGeom>
-              <a:solidFill>
-                <a:schemeClr val="accent2"/>
-              </a:solidFill>
-              <a:ln w="28575">
-                <a:solidFill>
-                  <a:schemeClr val="accent2"/>
-                </a:solidFill>
-              </a:ln>
-            </p:spPr>
-            <p:style>
-              <a:lnRef idx="2">
-                <a:schemeClr val="accent1">
-                  <a:shade val="50000"/>
-                </a:schemeClr>
-              </a:lnRef>
-              <a:fillRef idx="1">
-                <a:schemeClr val="accent1"/>
-              </a:fillRef>
-              <a:effectRef idx="0">
-                <a:schemeClr val="accent1"/>
-              </a:effectRef>
-              <a:fontRef idx="minor">
-                <a:schemeClr val="lt1"/>
-              </a:fontRef>
-            </p:style>
-            <p:txBody>
-              <a:bodyPr rtlCol="0" anchor="ctr"/>
-              <a:lstStyle/>
-              <a:p>
-                <a:pPr algn="ctr"/>
-                <a:endParaRPr lang="en-US" sz="2400" dirty="0" smtClean="0">
-                  <a:solidFill>
-                    <a:schemeClr val="bg1">
-                      <a:lumMod val="50000"/>
-                    </a:schemeClr>
-                  </a:solidFill>
-                  <a:latin typeface="Avenir Book" charset="0"/>
-                  <a:ea typeface="Avenir Book" charset="0"/>
-                  <a:cs typeface="Avenir Book" charset="0"/>
-                </a:endParaRPr>
-              </a:p>
-            </p:txBody>
-          </p:sp>
-          <p:sp>
-            <p:nvSpPr>
-              <p:cNvPr id="14" name="Oval 13"/>
-              <p:cNvSpPr/>
-              <p:nvPr/>
-            </p:nvSpPr>
-            <p:spPr>
-              <a:xfrm>
-                <a:off x="2630114" y="3471501"/>
-                <a:ext cx="176105" cy="176105"/>
-              </a:xfrm>
-              <a:prstGeom prst="ellipse">
-                <a:avLst/>
-              </a:prstGeom>
-              <a:solidFill>
-                <a:srgbClr val="FF0000"/>
-              </a:solidFill>
-              <a:ln w="28575">
-                <a:solidFill>
-                  <a:srgbClr val="FF0000"/>
-                </a:solidFill>
-              </a:ln>
-            </p:spPr>
-            <p:style>
-              <a:lnRef idx="2">
-                <a:schemeClr val="accent1">
-                  <a:shade val="50000"/>
-                </a:schemeClr>
-              </a:lnRef>
-              <a:fillRef idx="1">
-                <a:schemeClr val="accent1"/>
-              </a:fillRef>
-              <a:effectRef idx="0">
-                <a:schemeClr val="accent1"/>
-              </a:effectRef>
-              <a:fontRef idx="minor">
-                <a:schemeClr val="lt1"/>
-              </a:fontRef>
-            </p:style>
-            <p:txBody>
-              <a:bodyPr rtlCol="0" anchor="ctr"/>
-              <a:lstStyle/>
-              <a:p>
-                <a:pPr algn="ctr"/>
-                <a:endParaRPr lang="en-US" sz="2400" dirty="0" smtClean="0">
-                  <a:solidFill>
-                    <a:schemeClr val="bg1">
-                      <a:lumMod val="50000"/>
-                    </a:schemeClr>
-                  </a:solidFill>
-                  <a:latin typeface="Avenir Book" charset="0"/>
-                  <a:ea typeface="Avenir Book" charset="0"/>
-                  <a:cs typeface="Avenir Book" charset="0"/>
-                </a:endParaRPr>
-              </a:p>
-            </p:txBody>
-          </p:sp>
-          <p:sp>
-            <p:nvSpPr>
-              <p:cNvPr id="15" name="Oval 14"/>
-              <p:cNvSpPr/>
-              <p:nvPr/>
-            </p:nvSpPr>
-            <p:spPr>
-              <a:xfrm>
-                <a:off x="2895855" y="3471501"/>
-                <a:ext cx="176105" cy="176105"/>
-              </a:xfrm>
-              <a:prstGeom prst="ellipse">
-                <a:avLst/>
-              </a:prstGeom>
-              <a:solidFill>
-                <a:schemeClr val="accent5"/>
-              </a:solidFill>
-              <a:ln w="28575">
-                <a:solidFill>
-                  <a:schemeClr val="accent5"/>
-                </a:solidFill>
-              </a:ln>
-            </p:spPr>
-            <p:style>
-              <a:lnRef idx="2">
-                <a:schemeClr val="accent1">
-                  <a:shade val="50000"/>
-                </a:schemeClr>
-              </a:lnRef>
-              <a:fillRef idx="1">
-                <a:schemeClr val="accent1"/>
-              </a:fillRef>
-              <a:effectRef idx="0">
-                <a:schemeClr val="accent1"/>
-              </a:effectRef>
-              <a:fontRef idx="minor">
-                <a:schemeClr val="lt1"/>
-              </a:fontRef>
-            </p:style>
-            <p:txBody>
-              <a:bodyPr rtlCol="0" anchor="ctr"/>
-              <a:lstStyle/>
-              <a:p>
-                <a:pPr algn="ctr"/>
-                <a:endParaRPr lang="en-US" sz="2400" dirty="0" smtClean="0">
-                  <a:solidFill>
-                    <a:schemeClr val="bg1">
-                      <a:lumMod val="50000"/>
-                    </a:schemeClr>
-                  </a:solidFill>
-                  <a:latin typeface="Avenir Book" charset="0"/>
-                  <a:ea typeface="Avenir Book" charset="0"/>
-                  <a:cs typeface="Avenir Book" charset="0"/>
-                </a:endParaRPr>
-              </a:p>
-            </p:txBody>
-          </p:sp>
-        </p:grpSp>
-        <p:sp>
-          <p:nvSpPr>
-            <p:cNvPr id="52" name="TextBox 51"/>
-            <p:cNvSpPr txBox="1"/>
-            <p:nvPr/>
-          </p:nvSpPr>
-          <p:spPr>
-            <a:xfrm>
-              <a:off x="1995367" y="1786302"/>
-              <a:ext cx="975075" cy="646331"/>
-            </a:xfrm>
-            <a:prstGeom prst="rect">
-              <a:avLst/>
-            </a:prstGeom>
-            <a:noFill/>
-          </p:spPr>
-          <p:txBody>
-            <a:bodyPr wrap="none" rtlCol="0">
-              <a:spAutoFit/>
-            </a:bodyPr>
-            <a:lstStyle/>
-            <a:p>
-              <a:pPr algn="ctr"/>
-              <a:r>
-                <a:rPr lang="en-US" dirty="0" smtClean="0">
-                  <a:latin typeface="Avenir Next" charset="0"/>
-                  <a:ea typeface="Avenir Next" charset="0"/>
-                  <a:cs typeface="Avenir Next" charset="0"/>
-                </a:rPr>
-                <a:t>Priority </a:t>
-              </a:r>
-            </a:p>
-            <a:p>
-              <a:pPr algn="ctr"/>
-              <a:r>
-                <a:rPr lang="en-US" dirty="0" smtClean="0">
-                  <a:latin typeface="Avenir Next" charset="0"/>
-                  <a:ea typeface="Avenir Next" charset="0"/>
-                  <a:cs typeface="Avenir Next" charset="0"/>
-                </a:rPr>
-                <a:t>Queue</a:t>
-              </a:r>
-              <a:endParaRPr lang="en-US" dirty="0" smtClean="0">
-                <a:latin typeface="Avenir Next" charset="0"/>
-                <a:ea typeface="Avenir Next" charset="0"/>
-                <a:cs typeface="Avenir Next" charset="0"/>
-              </a:endParaRPr>
-            </a:p>
-          </p:txBody>
-        </p:sp>
-        <p:sp>
-          <p:nvSpPr>
-            <p:cNvPr id="54" name="TextBox 53"/>
-            <p:cNvSpPr txBox="1"/>
-            <p:nvPr/>
-          </p:nvSpPr>
-          <p:spPr>
-            <a:xfrm>
-              <a:off x="3439548" y="1790528"/>
-              <a:ext cx="1286570" cy="646331"/>
-            </a:xfrm>
-            <a:prstGeom prst="rect">
-              <a:avLst/>
-            </a:prstGeom>
-            <a:noFill/>
-          </p:spPr>
-          <p:txBody>
-            <a:bodyPr wrap="none" rtlCol="0">
-              <a:spAutoFit/>
-            </a:bodyPr>
-            <a:lstStyle/>
-            <a:p>
-              <a:pPr algn="ctr"/>
-              <a:r>
-                <a:rPr lang="en-US" dirty="0" smtClean="0">
-                  <a:latin typeface="Avenir Next" charset="0"/>
-                  <a:ea typeface="Avenir Next" charset="0"/>
-                  <a:cs typeface="Avenir Next" charset="0"/>
-                </a:rPr>
-                <a:t>Candidate</a:t>
-              </a:r>
-            </a:p>
-            <a:p>
-              <a:pPr algn="ctr"/>
-              <a:r>
-                <a:rPr lang="en-US" dirty="0" smtClean="0">
-                  <a:latin typeface="Avenir Next" charset="0"/>
-                  <a:ea typeface="Avenir Next" charset="0"/>
-                  <a:cs typeface="Avenir Next" charset="0"/>
-                </a:rPr>
-                <a:t>Programs</a:t>
-              </a:r>
-              <a:endParaRPr lang="en-US" dirty="0" smtClean="0">
-                <a:latin typeface="Avenir Next" charset="0"/>
-                <a:ea typeface="Avenir Next" charset="0"/>
-                <a:cs typeface="Avenir Next" charset="0"/>
-              </a:endParaRPr>
-            </a:p>
-          </p:txBody>
-        </p:sp>
-        <p:sp>
-          <p:nvSpPr>
-            <p:cNvPr id="72" name="TextBox 71"/>
-            <p:cNvSpPr txBox="1"/>
-            <p:nvPr/>
-          </p:nvSpPr>
-          <p:spPr>
-            <a:xfrm>
-              <a:off x="5178510" y="2063301"/>
-              <a:ext cx="1333057" cy="369332"/>
-            </a:xfrm>
-            <a:prstGeom prst="rect">
-              <a:avLst/>
-            </a:prstGeom>
-            <a:noFill/>
-          </p:spPr>
-          <p:txBody>
-            <a:bodyPr wrap="none" rtlCol="0">
-              <a:spAutoFit/>
-            </a:bodyPr>
-            <a:lstStyle/>
-            <a:p>
-              <a:pPr algn="ctr"/>
-              <a:r>
-                <a:rPr lang="en-US" dirty="0" smtClean="0">
-                  <a:latin typeface="Avenir Next" charset="0"/>
-                  <a:ea typeface="Avenir Next" charset="0"/>
-                  <a:cs typeface="Avenir Next" charset="0"/>
-                </a:rPr>
-                <a:t>Local top </a:t>
-              </a:r>
-              <a:r>
-                <a:rPr lang="el-GR" dirty="0" smtClean="0">
-                  <a:latin typeface="Avenir Next" charset="0"/>
-                  <a:ea typeface="Avenir Next" charset="0"/>
-                  <a:cs typeface="Avenir Next" charset="0"/>
-                </a:rPr>
-                <a:t>γ</a:t>
-              </a:r>
-              <a:endParaRPr lang="en-US" dirty="0" smtClean="0">
-                <a:latin typeface="Avenir Next" charset="0"/>
-                <a:ea typeface="Avenir Next" charset="0"/>
-                <a:cs typeface="Avenir Next" charset="0"/>
-              </a:endParaRPr>
-            </a:p>
-          </p:txBody>
-        </p:sp>
-        <p:cxnSp>
-          <p:nvCxnSpPr>
-            <p:cNvPr id="77" name="Straight Connector 76"/>
-            <p:cNvCxnSpPr/>
-            <p:nvPr/>
-          </p:nvCxnSpPr>
-          <p:spPr>
-            <a:xfrm flipH="1">
-              <a:off x="1712531" y="3317216"/>
-              <a:ext cx="9464040" cy="0"/>
-            </a:xfrm>
-            <a:prstGeom prst="line">
-              <a:avLst/>
-            </a:prstGeom>
-            <a:ln w="28575">
-              <a:solidFill>
-                <a:schemeClr val="bg1">
-                  <a:lumMod val="75000"/>
-                </a:schemeClr>
-              </a:solidFill>
-              <a:prstDash val="sysDot"/>
-              <a:headEnd type="none" w="med" len="med"/>
-              <a:tailEnd type="none" w="med" len="med"/>
-            </a:ln>
-          </p:spPr>
-          <p:style>
-            <a:lnRef idx="1">
-              <a:schemeClr val="accent1"/>
-            </a:lnRef>
-            <a:fillRef idx="0">
-              <a:schemeClr val="accent1"/>
-            </a:fillRef>
-            <a:effectRef idx="0">
-              <a:schemeClr val="accent1"/>
-            </a:effectRef>
-            <a:fontRef idx="minor">
-              <a:schemeClr val="tx1"/>
-            </a:fontRef>
-          </p:style>
-        </p:cxnSp>
-        <p:cxnSp>
-          <p:nvCxnSpPr>
-            <p:cNvPr id="78" name="Straight Connector 77"/>
-            <p:cNvCxnSpPr/>
-            <p:nvPr/>
-          </p:nvCxnSpPr>
-          <p:spPr>
-            <a:xfrm flipH="1">
-              <a:off x="1712531" y="3839552"/>
-              <a:ext cx="9464040" cy="0"/>
-            </a:xfrm>
-            <a:prstGeom prst="line">
-              <a:avLst/>
-            </a:prstGeom>
-            <a:ln w="28575">
-              <a:solidFill>
-                <a:schemeClr val="bg1">
-                  <a:lumMod val="75000"/>
-                </a:schemeClr>
-              </a:solidFill>
-              <a:prstDash val="sysDot"/>
-              <a:headEnd type="none" w="med" len="med"/>
-              <a:tailEnd type="none" w="med" len="med"/>
-            </a:ln>
-          </p:spPr>
-          <p:style>
-            <a:lnRef idx="1">
-              <a:schemeClr val="accent1"/>
-            </a:lnRef>
-            <a:fillRef idx="0">
-              <a:schemeClr val="accent1"/>
-            </a:fillRef>
-            <a:effectRef idx="0">
-              <a:schemeClr val="accent1"/>
-            </a:effectRef>
-            <a:fontRef idx="minor">
-              <a:schemeClr val="tx1"/>
-            </a:fontRef>
-          </p:style>
-        </p:cxnSp>
-        <p:sp>
-          <p:nvSpPr>
-            <p:cNvPr id="87" name="TextBox 86"/>
-            <p:cNvSpPr txBox="1"/>
-            <p:nvPr/>
-          </p:nvSpPr>
-          <p:spPr>
-            <a:xfrm>
-              <a:off x="7465721" y="2063301"/>
-              <a:ext cx="1489510" cy="369332"/>
-            </a:xfrm>
-            <a:prstGeom prst="rect">
-              <a:avLst/>
-            </a:prstGeom>
-            <a:noFill/>
-          </p:spPr>
-          <p:txBody>
-            <a:bodyPr wrap="none" rtlCol="0">
-              <a:spAutoFit/>
-            </a:bodyPr>
-            <a:lstStyle/>
-            <a:p>
-              <a:pPr algn="ctr"/>
-              <a:r>
-                <a:rPr lang="en-US" dirty="0" smtClean="0">
-                  <a:latin typeface="Avenir Next" charset="0"/>
-                  <a:ea typeface="Avenir Next" charset="0"/>
-                  <a:cs typeface="Avenir Next" charset="0"/>
-                </a:rPr>
-                <a:t>Global top </a:t>
-              </a:r>
-              <a:r>
-                <a:rPr lang="el-GR" dirty="0" smtClean="0">
-                  <a:latin typeface="Avenir Next" charset="0"/>
-                  <a:ea typeface="Avenir Next" charset="0"/>
-                  <a:cs typeface="Avenir Next" charset="0"/>
-                </a:rPr>
-                <a:t>γ</a:t>
-              </a:r>
-              <a:endParaRPr lang="en-US" dirty="0" smtClean="0">
-                <a:latin typeface="Avenir Next" charset="0"/>
-                <a:ea typeface="Avenir Next" charset="0"/>
-                <a:cs typeface="Avenir Next" charset="0"/>
-              </a:endParaRPr>
-            </a:p>
-          </p:txBody>
-        </p:sp>
-        <p:sp>
-          <p:nvSpPr>
-            <p:cNvPr id="93" name="TextBox 92"/>
-            <p:cNvSpPr txBox="1"/>
-            <p:nvPr/>
-          </p:nvSpPr>
-          <p:spPr>
-            <a:xfrm>
-              <a:off x="6277437" y="3397468"/>
-              <a:ext cx="1404552" cy="369332"/>
-            </a:xfrm>
-            <a:prstGeom prst="rect">
-              <a:avLst/>
-            </a:prstGeom>
-            <a:noFill/>
-          </p:spPr>
-          <p:txBody>
-            <a:bodyPr wrap="none" rtlCol="0">
-              <a:spAutoFit/>
-            </a:bodyPr>
-            <a:lstStyle/>
-            <a:p>
-              <a:r>
-                <a:rPr lang="en-US" dirty="0" smtClean="0">
-                  <a:latin typeface="Avenir Next" charset="0"/>
-                  <a:ea typeface="Avenir Next" charset="0"/>
-                  <a:cs typeface="Avenir Next" charset="0"/>
-                </a:rPr>
-                <a:t>Global best</a:t>
-              </a:r>
-              <a:endParaRPr lang="en-US" dirty="0" smtClean="0">
-                <a:latin typeface="Avenir Next" charset="0"/>
-                <a:ea typeface="Avenir Next" charset="0"/>
-                <a:cs typeface="Avenir Next" charset="0"/>
-              </a:endParaRPr>
-            </a:p>
-          </p:txBody>
-        </p:sp>
-        <p:grpSp>
-          <p:nvGrpSpPr>
-            <p:cNvPr id="141" name="Group 140"/>
-            <p:cNvGrpSpPr/>
-            <p:nvPr/>
-          </p:nvGrpSpPr>
-          <p:grpSpPr>
-            <a:xfrm>
-              <a:off x="6605609" y="2882345"/>
-              <a:ext cx="748209" cy="415490"/>
-              <a:chOff x="6621222" y="2711960"/>
-              <a:chExt cx="748209" cy="585875"/>
-            </a:xfrm>
-          </p:grpSpPr>
-          <p:cxnSp>
-            <p:nvCxnSpPr>
-              <p:cNvPr id="89" name="Straight Arrow Connector 88"/>
-              <p:cNvCxnSpPr/>
-              <p:nvPr/>
-            </p:nvCxnSpPr>
-            <p:spPr>
-              <a:xfrm>
-                <a:off x="6621222" y="2723350"/>
-                <a:ext cx="358491" cy="574485"/>
-              </a:xfrm>
-              <a:prstGeom prst="straightConnector1">
-                <a:avLst/>
-              </a:prstGeom>
-              <a:ln w="28575">
-                <a:solidFill>
-                  <a:schemeClr val="bg1">
-                    <a:lumMod val="50000"/>
-                  </a:schemeClr>
-                </a:solidFill>
-                <a:headEnd type="none" w="med" len="med"/>
-                <a:tailEnd type="triangle"/>
-              </a:ln>
-            </p:spPr>
-            <p:style>
-              <a:lnRef idx="1">
-                <a:schemeClr val="accent1"/>
-              </a:lnRef>
-              <a:fillRef idx="0">
-                <a:schemeClr val="accent1"/>
-              </a:fillRef>
-              <a:effectRef idx="0">
-                <a:schemeClr val="accent1"/>
-              </a:effectRef>
-              <a:fontRef idx="minor">
-                <a:schemeClr val="tx1"/>
-              </a:fontRef>
-            </p:style>
-          </p:cxnSp>
-          <p:cxnSp>
-            <p:nvCxnSpPr>
-              <p:cNvPr id="96" name="Straight Arrow Connector 95"/>
-              <p:cNvCxnSpPr/>
-              <p:nvPr/>
-            </p:nvCxnSpPr>
-            <p:spPr>
-              <a:xfrm flipV="1">
-                <a:off x="7010940" y="2711960"/>
-                <a:ext cx="358491" cy="574485"/>
-              </a:xfrm>
-              <a:prstGeom prst="straightConnector1">
-                <a:avLst/>
-              </a:prstGeom>
-              <a:ln w="28575">
-                <a:solidFill>
-                  <a:schemeClr val="bg1">
-                    <a:lumMod val="50000"/>
-                  </a:schemeClr>
-                </a:solidFill>
-                <a:headEnd type="none" w="med" len="med"/>
-                <a:tailEnd type="triangle"/>
-              </a:ln>
-            </p:spPr>
-            <p:style>
-              <a:lnRef idx="1">
-                <a:schemeClr val="accent1"/>
-              </a:lnRef>
-              <a:fillRef idx="0">
-                <a:schemeClr val="accent1"/>
-              </a:fillRef>
-              <a:effectRef idx="0">
-                <a:schemeClr val="accent1"/>
-              </a:effectRef>
-              <a:fontRef idx="minor">
-                <a:schemeClr val="tx1"/>
-              </a:fontRef>
-            </p:style>
-          </p:cxnSp>
-        </p:grpSp>
-        <p:sp>
-          <p:nvSpPr>
-            <p:cNvPr id="115" name="TextBox 114"/>
-            <p:cNvSpPr txBox="1"/>
-            <p:nvPr/>
-          </p:nvSpPr>
-          <p:spPr>
-            <a:xfrm>
-              <a:off x="8727521" y="3397468"/>
-              <a:ext cx="1284775" cy="369332"/>
-            </a:xfrm>
-            <a:prstGeom prst="rect">
-              <a:avLst/>
-            </a:prstGeom>
-            <a:noFill/>
-          </p:spPr>
-          <p:txBody>
-            <a:bodyPr wrap="none" rtlCol="0">
-              <a:spAutoFit/>
-            </a:bodyPr>
-            <a:lstStyle/>
-            <a:p>
-              <a:r>
-                <a:rPr lang="en-US" smtClean="0">
-                  <a:latin typeface="Avenir Next" charset="0"/>
-                  <a:ea typeface="Avenir Next" charset="0"/>
-                  <a:cs typeface="Avenir Next" charset="0"/>
-                </a:rPr>
-                <a:t>Rebalance</a:t>
-              </a:r>
-              <a:endParaRPr lang="en-US" dirty="0" smtClean="0">
-                <a:latin typeface="Avenir Next" charset="0"/>
-                <a:ea typeface="Avenir Next" charset="0"/>
-                <a:cs typeface="Avenir Next" charset="0"/>
-              </a:endParaRPr>
-            </a:p>
-          </p:txBody>
-        </p:sp>
-        <p:sp>
-          <p:nvSpPr>
-            <p:cNvPr id="122" name="TextBox 121"/>
-            <p:cNvSpPr txBox="1"/>
-            <p:nvPr/>
-          </p:nvSpPr>
-          <p:spPr>
-            <a:xfrm>
-              <a:off x="9776649" y="2063301"/>
-              <a:ext cx="1489510" cy="369332"/>
-            </a:xfrm>
-            <a:prstGeom prst="rect">
-              <a:avLst/>
-            </a:prstGeom>
-            <a:noFill/>
-          </p:spPr>
-          <p:txBody>
-            <a:bodyPr wrap="none" rtlCol="0">
-              <a:spAutoFit/>
-            </a:bodyPr>
-            <a:lstStyle/>
-            <a:p>
-              <a:pPr algn="ctr"/>
-              <a:r>
-                <a:rPr lang="en-US" dirty="0" smtClean="0">
-                  <a:latin typeface="Avenir Next" charset="0"/>
-                  <a:ea typeface="Avenir Next" charset="0"/>
-                  <a:cs typeface="Avenir Next" charset="0"/>
-                </a:rPr>
-                <a:t>Global top </a:t>
-              </a:r>
-              <a:r>
-                <a:rPr lang="el-GR" dirty="0" smtClean="0">
-                  <a:latin typeface="Avenir Next" charset="0"/>
-                  <a:ea typeface="Avenir Next" charset="0"/>
-                  <a:cs typeface="Avenir Next" charset="0"/>
-                </a:rPr>
-                <a:t>γ</a:t>
-              </a:r>
-              <a:endParaRPr lang="en-US" dirty="0" smtClean="0">
-                <a:latin typeface="Avenir Next" charset="0"/>
-                <a:ea typeface="Avenir Next" charset="0"/>
-                <a:cs typeface="Avenir Next" charset="0"/>
-              </a:endParaRPr>
-            </a:p>
-          </p:txBody>
-        </p:sp>
-        <p:grpSp>
-          <p:nvGrpSpPr>
-            <p:cNvPr id="139" name="Group 138"/>
-            <p:cNvGrpSpPr/>
-            <p:nvPr/>
-          </p:nvGrpSpPr>
-          <p:grpSpPr>
-            <a:xfrm>
-              <a:off x="2223353" y="3930502"/>
-              <a:ext cx="8177517" cy="516737"/>
-              <a:chOff x="2223353" y="4021942"/>
-              <a:chExt cx="8177517" cy="516737"/>
-            </a:xfrm>
-          </p:grpSpPr>
-          <p:sp>
-            <p:nvSpPr>
-              <p:cNvPr id="27" name="Rectangle 26"/>
-              <p:cNvSpPr/>
-              <p:nvPr/>
-            </p:nvSpPr>
-            <p:spPr>
-              <a:xfrm>
-                <a:off x="3519427" y="4049213"/>
-                <a:ext cx="203200" cy="203200"/>
-              </a:xfrm>
-              <a:prstGeom prst="rect">
-                <a:avLst/>
-              </a:prstGeom>
-              <a:solidFill>
-                <a:srgbClr val="00B0F0"/>
-              </a:solidFill>
-              <a:ln w="28575">
-                <a:solidFill>
-                  <a:schemeClr val="bg1"/>
-                </a:solidFill>
-              </a:ln>
-            </p:spPr>
-            <p:style>
-              <a:lnRef idx="2">
-                <a:schemeClr val="accent1">
-                  <a:shade val="50000"/>
-                </a:schemeClr>
-              </a:lnRef>
-              <a:fillRef idx="1">
-                <a:schemeClr val="accent1"/>
-              </a:fillRef>
-              <a:effectRef idx="0">
-                <a:schemeClr val="accent1"/>
-              </a:effectRef>
-              <a:fontRef idx="minor">
-                <a:schemeClr val="lt1"/>
-              </a:fontRef>
-            </p:style>
-            <p:txBody>
-              <a:bodyPr rtlCol="0" anchor="ctr"/>
-              <a:lstStyle/>
-              <a:p>
-                <a:pPr algn="ctr"/>
-                <a:endParaRPr lang="en-US" sz="2400" dirty="0" smtClean="0">
-                  <a:solidFill>
-                    <a:schemeClr val="bg1">
-                      <a:lumMod val="50000"/>
-                    </a:schemeClr>
-                  </a:solidFill>
-                  <a:latin typeface="Avenir Book" charset="0"/>
-                  <a:ea typeface="Avenir Book" charset="0"/>
-                  <a:cs typeface="Avenir Book" charset="0"/>
-                </a:endParaRPr>
-              </a:p>
-            </p:txBody>
-          </p:sp>
-          <p:sp>
-            <p:nvSpPr>
-              <p:cNvPr id="28" name="Oval 27"/>
-              <p:cNvSpPr/>
-              <p:nvPr/>
-            </p:nvSpPr>
-            <p:spPr>
-              <a:xfrm>
-                <a:off x="3769242" y="4057774"/>
-                <a:ext cx="176105" cy="176105"/>
-              </a:xfrm>
-              <a:prstGeom prst="ellipse">
-                <a:avLst/>
-              </a:prstGeom>
-              <a:solidFill>
-                <a:srgbClr val="FF0000"/>
-              </a:solidFill>
-              <a:ln w="28575">
-                <a:solidFill>
-                  <a:srgbClr val="FF0000"/>
-                </a:solidFill>
-              </a:ln>
-            </p:spPr>
-            <p:style>
-              <a:lnRef idx="2">
-                <a:schemeClr val="accent1">
-                  <a:shade val="50000"/>
-                </a:schemeClr>
-              </a:lnRef>
-              <a:fillRef idx="1">
-                <a:schemeClr val="accent1"/>
-              </a:fillRef>
-              <a:effectRef idx="0">
-                <a:schemeClr val="accent1"/>
-              </a:effectRef>
-              <a:fontRef idx="minor">
-                <a:schemeClr val="lt1"/>
-              </a:fontRef>
-            </p:style>
-            <p:txBody>
-              <a:bodyPr rtlCol="0" anchor="ctr"/>
-              <a:lstStyle/>
-              <a:p>
-                <a:pPr algn="ctr"/>
-                <a:endParaRPr lang="en-US" sz="2400" dirty="0" smtClean="0">
-                  <a:solidFill>
-                    <a:schemeClr val="bg1">
-                      <a:lumMod val="50000"/>
-                    </a:schemeClr>
-                  </a:solidFill>
-                  <a:latin typeface="Avenir Book" charset="0"/>
-                  <a:ea typeface="Avenir Book" charset="0"/>
-                  <a:cs typeface="Avenir Book" charset="0"/>
-                </a:endParaRPr>
-              </a:p>
-            </p:txBody>
-          </p:sp>
-          <p:sp>
-            <p:nvSpPr>
-              <p:cNvPr id="29" name="Oval 28"/>
-              <p:cNvSpPr/>
-              <p:nvPr/>
-            </p:nvSpPr>
-            <p:spPr>
-              <a:xfrm>
-                <a:off x="3769242" y="4335479"/>
-                <a:ext cx="176105" cy="176105"/>
-              </a:xfrm>
-              <a:prstGeom prst="ellipse">
-                <a:avLst/>
-              </a:prstGeom>
-              <a:solidFill>
-                <a:schemeClr val="accent5"/>
-              </a:solidFill>
-              <a:ln w="28575">
-                <a:solidFill>
-                  <a:schemeClr val="accent5"/>
-                </a:solidFill>
-              </a:ln>
-            </p:spPr>
-            <p:style>
-              <a:lnRef idx="2">
-                <a:schemeClr val="accent1">
-                  <a:shade val="50000"/>
-                </a:schemeClr>
-              </a:lnRef>
-              <a:fillRef idx="1">
-                <a:schemeClr val="accent1"/>
-              </a:fillRef>
-              <a:effectRef idx="0">
-                <a:schemeClr val="accent1"/>
-              </a:effectRef>
-              <a:fontRef idx="minor">
-                <a:schemeClr val="lt1"/>
-              </a:fontRef>
-            </p:style>
-            <p:txBody>
-              <a:bodyPr rtlCol="0" anchor="ctr"/>
-              <a:lstStyle/>
-              <a:p>
-                <a:pPr algn="ctr"/>
-                <a:endParaRPr lang="en-US" sz="2400" dirty="0" smtClean="0">
-                  <a:solidFill>
-                    <a:schemeClr val="bg1">
-                      <a:lumMod val="50000"/>
-                    </a:schemeClr>
-                  </a:solidFill>
-                  <a:latin typeface="Avenir Book" charset="0"/>
-                  <a:ea typeface="Avenir Book" charset="0"/>
-                  <a:cs typeface="Avenir Book" charset="0"/>
-                </a:endParaRPr>
-              </a:p>
-            </p:txBody>
-          </p:sp>
-          <p:sp>
-            <p:nvSpPr>
-              <p:cNvPr id="30" name="Rectangle 29"/>
-              <p:cNvSpPr/>
-              <p:nvPr/>
-            </p:nvSpPr>
-            <p:spPr>
-              <a:xfrm>
-                <a:off x="3519427" y="4335479"/>
-                <a:ext cx="203200" cy="203200"/>
-              </a:xfrm>
-              <a:prstGeom prst="rect">
-                <a:avLst/>
-              </a:prstGeom>
-              <a:solidFill>
-                <a:srgbClr val="00B0F0"/>
-              </a:solidFill>
-              <a:ln w="28575">
-                <a:solidFill>
-                  <a:schemeClr val="bg1"/>
-                </a:solidFill>
-              </a:ln>
-            </p:spPr>
-            <p:style>
-              <a:lnRef idx="2">
-                <a:schemeClr val="accent1">
-                  <a:shade val="50000"/>
-                </a:schemeClr>
-              </a:lnRef>
-              <a:fillRef idx="1">
-                <a:schemeClr val="accent1"/>
-              </a:fillRef>
-              <a:effectRef idx="0">
-                <a:schemeClr val="accent1"/>
-              </a:effectRef>
-              <a:fontRef idx="minor">
-                <a:schemeClr val="lt1"/>
-              </a:fontRef>
-            </p:style>
-            <p:txBody>
-              <a:bodyPr rtlCol="0" anchor="ctr"/>
-              <a:lstStyle/>
-              <a:p>
-                <a:pPr algn="ctr"/>
-                <a:endParaRPr lang="en-US" sz="2400" dirty="0" smtClean="0">
-                  <a:solidFill>
-                    <a:schemeClr val="bg1">
-                      <a:lumMod val="50000"/>
-                    </a:schemeClr>
-                  </a:solidFill>
-                  <a:latin typeface="Avenir Book" charset="0"/>
-                  <a:ea typeface="Avenir Book" charset="0"/>
-                  <a:cs typeface="Avenir Book" charset="0"/>
-                </a:endParaRPr>
-              </a:p>
-            </p:txBody>
-          </p:sp>
-          <p:sp>
-            <p:nvSpPr>
-              <p:cNvPr id="48" name="Rectangle 47"/>
-              <p:cNvSpPr/>
-              <p:nvPr/>
-            </p:nvSpPr>
-            <p:spPr>
-              <a:xfrm>
-                <a:off x="4188697" y="4030503"/>
-                <a:ext cx="203200" cy="203200"/>
-              </a:xfrm>
-              <a:prstGeom prst="rect">
-                <a:avLst/>
-              </a:prstGeom>
-              <a:solidFill>
-                <a:schemeClr val="bg1">
-                  <a:lumMod val="65000"/>
-                </a:schemeClr>
-              </a:solidFill>
-              <a:ln w="28575">
-                <a:solidFill>
-                  <a:schemeClr val="bg1"/>
-                </a:solidFill>
-              </a:ln>
-            </p:spPr>
-            <p:style>
-              <a:lnRef idx="2">
-                <a:schemeClr val="accent1">
-                  <a:shade val="50000"/>
-                </a:schemeClr>
-              </a:lnRef>
-              <a:fillRef idx="1">
-                <a:schemeClr val="accent1"/>
-              </a:fillRef>
-              <a:effectRef idx="0">
-                <a:schemeClr val="accent1"/>
-              </a:effectRef>
-              <a:fontRef idx="minor">
-                <a:schemeClr val="lt1"/>
-              </a:fontRef>
-            </p:style>
-            <p:txBody>
-              <a:bodyPr rtlCol="0" anchor="ctr"/>
-              <a:lstStyle/>
-              <a:p>
-                <a:pPr algn="ctr"/>
-                <a:endParaRPr lang="en-US" sz="2400" dirty="0" smtClean="0">
-                  <a:solidFill>
-                    <a:schemeClr val="bg1">
-                      <a:lumMod val="50000"/>
-                    </a:schemeClr>
-                  </a:solidFill>
-                  <a:latin typeface="Avenir Book" charset="0"/>
-                  <a:ea typeface="Avenir Book" charset="0"/>
-                  <a:cs typeface="Avenir Book" charset="0"/>
-                </a:endParaRPr>
-              </a:p>
-            </p:txBody>
-          </p:sp>
-          <p:sp>
-            <p:nvSpPr>
-              <p:cNvPr id="49" name="Oval 48"/>
-              <p:cNvSpPr/>
-              <p:nvPr/>
-            </p:nvSpPr>
-            <p:spPr>
-              <a:xfrm>
-                <a:off x="4438512" y="4039064"/>
-                <a:ext cx="176105" cy="176105"/>
-              </a:xfrm>
-              <a:prstGeom prst="ellipse">
-                <a:avLst/>
-              </a:prstGeom>
-              <a:solidFill>
-                <a:srgbClr val="FF0000"/>
-              </a:solidFill>
-              <a:ln w="28575">
-                <a:solidFill>
-                  <a:srgbClr val="FF0000"/>
-                </a:solidFill>
-              </a:ln>
-            </p:spPr>
-            <p:style>
-              <a:lnRef idx="2">
-                <a:schemeClr val="accent1">
-                  <a:shade val="50000"/>
-                </a:schemeClr>
-              </a:lnRef>
-              <a:fillRef idx="1">
-                <a:schemeClr val="accent1"/>
-              </a:fillRef>
-              <a:effectRef idx="0">
-                <a:schemeClr val="accent1"/>
-              </a:effectRef>
-              <a:fontRef idx="minor">
-                <a:schemeClr val="lt1"/>
-              </a:fontRef>
-            </p:style>
-            <p:txBody>
-              <a:bodyPr rtlCol="0" anchor="ctr"/>
-              <a:lstStyle/>
-              <a:p>
-                <a:pPr algn="ctr"/>
-                <a:endParaRPr lang="en-US" sz="2400" dirty="0" smtClean="0">
-                  <a:solidFill>
-                    <a:schemeClr val="bg1">
-                      <a:lumMod val="50000"/>
-                    </a:schemeClr>
-                  </a:solidFill>
-                  <a:latin typeface="Avenir Book" charset="0"/>
-                  <a:ea typeface="Avenir Book" charset="0"/>
-                  <a:cs typeface="Avenir Book" charset="0"/>
-                </a:endParaRPr>
-              </a:p>
-            </p:txBody>
-          </p:sp>
-          <p:sp>
-            <p:nvSpPr>
-              <p:cNvPr id="50" name="Oval 49"/>
-              <p:cNvSpPr/>
-              <p:nvPr/>
-            </p:nvSpPr>
-            <p:spPr>
-              <a:xfrm>
-                <a:off x="4438512" y="4316769"/>
-                <a:ext cx="176105" cy="176105"/>
-              </a:xfrm>
-              <a:prstGeom prst="ellipse">
-                <a:avLst/>
-              </a:prstGeom>
-              <a:solidFill>
-                <a:schemeClr val="accent5"/>
-              </a:solidFill>
-              <a:ln w="28575">
-                <a:solidFill>
-                  <a:schemeClr val="accent5"/>
-                </a:solidFill>
-              </a:ln>
-            </p:spPr>
-            <p:style>
-              <a:lnRef idx="2">
-                <a:schemeClr val="accent1">
-                  <a:shade val="50000"/>
-                </a:schemeClr>
-              </a:lnRef>
-              <a:fillRef idx="1">
-                <a:schemeClr val="accent1"/>
-              </a:fillRef>
-              <a:effectRef idx="0">
-                <a:schemeClr val="accent1"/>
-              </a:effectRef>
-              <a:fontRef idx="minor">
-                <a:schemeClr val="lt1"/>
-              </a:fontRef>
-            </p:style>
-            <p:txBody>
-              <a:bodyPr rtlCol="0" anchor="ctr"/>
-              <a:lstStyle/>
-              <a:p>
-                <a:pPr algn="ctr"/>
-                <a:endParaRPr lang="en-US" sz="2400" dirty="0" smtClean="0">
-                  <a:solidFill>
-                    <a:schemeClr val="bg1">
-                      <a:lumMod val="50000"/>
-                    </a:schemeClr>
-                  </a:solidFill>
-                  <a:latin typeface="Avenir Book" charset="0"/>
-                  <a:ea typeface="Avenir Book" charset="0"/>
-                  <a:cs typeface="Avenir Book" charset="0"/>
-                </a:endParaRPr>
-              </a:p>
-            </p:txBody>
-          </p:sp>
-          <p:sp>
-            <p:nvSpPr>
-              <p:cNvPr id="51" name="Rectangle 50"/>
-              <p:cNvSpPr/>
-              <p:nvPr/>
-            </p:nvSpPr>
-            <p:spPr>
-              <a:xfrm>
-                <a:off x="4188697" y="4316769"/>
-                <a:ext cx="203200" cy="203200"/>
-              </a:xfrm>
-              <a:prstGeom prst="rect">
-                <a:avLst/>
-              </a:prstGeom>
-              <a:solidFill>
-                <a:schemeClr val="bg1">
-                  <a:lumMod val="65000"/>
-                </a:schemeClr>
-              </a:solidFill>
-              <a:ln w="28575">
-                <a:solidFill>
-                  <a:schemeClr val="bg1"/>
-                </a:solidFill>
-              </a:ln>
-            </p:spPr>
-            <p:style>
-              <a:lnRef idx="2">
-                <a:schemeClr val="accent1">
-                  <a:shade val="50000"/>
-                </a:schemeClr>
-              </a:lnRef>
-              <a:fillRef idx="1">
-                <a:schemeClr val="accent1"/>
-              </a:fillRef>
-              <a:effectRef idx="0">
-                <a:schemeClr val="accent1"/>
-              </a:effectRef>
-              <a:fontRef idx="minor">
-                <a:schemeClr val="lt1"/>
-              </a:fontRef>
-            </p:style>
-            <p:txBody>
-              <a:bodyPr rtlCol="0" anchor="ctr"/>
-              <a:lstStyle/>
-              <a:p>
-                <a:pPr algn="ctr"/>
-                <a:endParaRPr lang="en-US" sz="2400" dirty="0" smtClean="0">
-                  <a:solidFill>
-                    <a:schemeClr val="bg1">
-                      <a:lumMod val="50000"/>
-                    </a:schemeClr>
-                  </a:solidFill>
-                  <a:latin typeface="Avenir Book" charset="0"/>
-                  <a:ea typeface="Avenir Book" charset="0"/>
-                  <a:cs typeface="Avenir Book" charset="0"/>
-                </a:endParaRPr>
-              </a:p>
-            </p:txBody>
-          </p:sp>
-          <p:sp>
-            <p:nvSpPr>
-              <p:cNvPr id="62" name="Oval 61"/>
-              <p:cNvSpPr/>
-              <p:nvPr/>
-            </p:nvSpPr>
-            <p:spPr>
-              <a:xfrm>
-                <a:off x="5547579" y="4326918"/>
-                <a:ext cx="176105" cy="176105"/>
-              </a:xfrm>
-              <a:prstGeom prst="ellipse">
-                <a:avLst/>
-              </a:prstGeom>
-              <a:solidFill>
-                <a:schemeClr val="accent5"/>
-              </a:solidFill>
-              <a:ln w="28575">
-                <a:solidFill>
-                  <a:schemeClr val="accent5"/>
-                </a:solidFill>
-              </a:ln>
-            </p:spPr>
-            <p:style>
-              <a:lnRef idx="2">
-                <a:schemeClr val="accent1">
-                  <a:shade val="50000"/>
-                </a:schemeClr>
-              </a:lnRef>
-              <a:fillRef idx="1">
-                <a:schemeClr val="accent1"/>
-              </a:fillRef>
-              <a:effectRef idx="0">
-                <a:schemeClr val="accent1"/>
-              </a:effectRef>
-              <a:fontRef idx="minor">
-                <a:schemeClr val="lt1"/>
-              </a:fontRef>
-            </p:style>
-            <p:txBody>
-              <a:bodyPr rtlCol="0" anchor="ctr"/>
-              <a:lstStyle/>
-              <a:p>
-                <a:pPr algn="ctr"/>
-                <a:endParaRPr lang="en-US" sz="2400" dirty="0" smtClean="0">
-                  <a:solidFill>
-                    <a:schemeClr val="bg1">
-                      <a:lumMod val="50000"/>
-                    </a:schemeClr>
-                  </a:solidFill>
-                  <a:latin typeface="Avenir Book" charset="0"/>
-                  <a:ea typeface="Avenir Book" charset="0"/>
-                  <a:cs typeface="Avenir Book" charset="0"/>
-                </a:endParaRPr>
-              </a:p>
-            </p:txBody>
-          </p:sp>
-          <p:sp>
-            <p:nvSpPr>
-              <p:cNvPr id="63" name="Rectangle 62"/>
-              <p:cNvSpPr/>
-              <p:nvPr/>
-            </p:nvSpPr>
-            <p:spPr>
-              <a:xfrm>
-                <a:off x="5297764" y="4326918"/>
-                <a:ext cx="203200" cy="203200"/>
-              </a:xfrm>
-              <a:prstGeom prst="rect">
-                <a:avLst/>
-              </a:prstGeom>
-              <a:solidFill>
-                <a:srgbClr val="00B0F0"/>
-              </a:solidFill>
-              <a:ln w="28575">
-                <a:solidFill>
-                  <a:schemeClr val="bg1"/>
-                </a:solidFill>
-              </a:ln>
-            </p:spPr>
-            <p:style>
-              <a:lnRef idx="2">
-                <a:schemeClr val="accent1">
-                  <a:shade val="50000"/>
-                </a:schemeClr>
-              </a:lnRef>
-              <a:fillRef idx="1">
-                <a:schemeClr val="accent1"/>
-              </a:fillRef>
-              <a:effectRef idx="0">
-                <a:schemeClr val="accent1"/>
-              </a:effectRef>
-              <a:fontRef idx="minor">
-                <a:schemeClr val="lt1"/>
-              </a:fontRef>
-            </p:style>
-            <p:txBody>
-              <a:bodyPr rtlCol="0" anchor="ctr"/>
-              <a:lstStyle/>
-              <a:p>
-                <a:pPr algn="ctr"/>
-                <a:endParaRPr lang="en-US" sz="2400" dirty="0" smtClean="0">
-                  <a:solidFill>
-                    <a:schemeClr val="bg1">
-                      <a:lumMod val="50000"/>
-                    </a:schemeClr>
-                  </a:solidFill>
-                  <a:latin typeface="Avenir Book" charset="0"/>
-                  <a:ea typeface="Avenir Book" charset="0"/>
-                  <a:cs typeface="Avenir Book" charset="0"/>
-                </a:endParaRPr>
-              </a:p>
-            </p:txBody>
-          </p:sp>
-          <p:sp>
-            <p:nvSpPr>
-              <p:cNvPr id="68" name="Rectangle 67"/>
-              <p:cNvSpPr/>
-              <p:nvPr/>
-            </p:nvSpPr>
-            <p:spPr>
-              <a:xfrm>
-                <a:off x="5967034" y="4021942"/>
-                <a:ext cx="203200" cy="203200"/>
-              </a:xfrm>
-              <a:prstGeom prst="rect">
-                <a:avLst/>
-              </a:prstGeom>
-              <a:solidFill>
-                <a:schemeClr val="bg1">
-                  <a:lumMod val="65000"/>
-                </a:schemeClr>
-              </a:solidFill>
-              <a:ln w="28575">
-                <a:solidFill>
-                  <a:schemeClr val="bg1"/>
-                </a:solidFill>
-              </a:ln>
-            </p:spPr>
-            <p:style>
-              <a:lnRef idx="2">
-                <a:schemeClr val="accent1">
-                  <a:shade val="50000"/>
-                </a:schemeClr>
-              </a:lnRef>
-              <a:fillRef idx="1">
-                <a:schemeClr val="accent1"/>
-              </a:fillRef>
-              <a:effectRef idx="0">
-                <a:schemeClr val="accent1"/>
-              </a:effectRef>
-              <a:fontRef idx="minor">
-                <a:schemeClr val="lt1"/>
-              </a:fontRef>
-            </p:style>
-            <p:txBody>
-              <a:bodyPr rtlCol="0" anchor="ctr"/>
-              <a:lstStyle/>
-              <a:p>
-                <a:pPr algn="ctr"/>
-                <a:endParaRPr lang="en-US" sz="2400" dirty="0" smtClean="0">
-                  <a:solidFill>
-                    <a:schemeClr val="bg1">
-                      <a:lumMod val="50000"/>
-                    </a:schemeClr>
-                  </a:solidFill>
-                  <a:latin typeface="Avenir Book" charset="0"/>
-                  <a:ea typeface="Avenir Book" charset="0"/>
-                  <a:cs typeface="Avenir Book" charset="0"/>
-                </a:endParaRPr>
-              </a:p>
-            </p:txBody>
-          </p:sp>
-          <p:sp>
-            <p:nvSpPr>
-              <p:cNvPr id="69" name="Oval 68"/>
-              <p:cNvSpPr/>
-              <p:nvPr/>
-            </p:nvSpPr>
-            <p:spPr>
-              <a:xfrm>
-                <a:off x="6216849" y="4030503"/>
-                <a:ext cx="176105" cy="176105"/>
-              </a:xfrm>
-              <a:prstGeom prst="ellipse">
-                <a:avLst/>
-              </a:prstGeom>
-              <a:solidFill>
-                <a:srgbClr val="FF0000"/>
-              </a:solidFill>
-              <a:ln w="28575">
-                <a:solidFill>
-                  <a:srgbClr val="FF0000"/>
-                </a:solidFill>
-              </a:ln>
-            </p:spPr>
-            <p:style>
-              <a:lnRef idx="2">
-                <a:schemeClr val="accent1">
-                  <a:shade val="50000"/>
-                </a:schemeClr>
-              </a:lnRef>
-              <a:fillRef idx="1">
-                <a:schemeClr val="accent1"/>
-              </a:fillRef>
-              <a:effectRef idx="0">
-                <a:schemeClr val="accent1"/>
-              </a:effectRef>
-              <a:fontRef idx="minor">
-                <a:schemeClr val="lt1"/>
-              </a:fontRef>
-            </p:style>
-            <p:txBody>
-              <a:bodyPr rtlCol="0" anchor="ctr"/>
-              <a:lstStyle/>
-              <a:p>
-                <a:pPr algn="ctr"/>
-                <a:endParaRPr lang="en-US" sz="2400" dirty="0" smtClean="0">
-                  <a:solidFill>
-                    <a:schemeClr val="bg1">
-                      <a:lumMod val="50000"/>
-                    </a:schemeClr>
-                  </a:solidFill>
-                  <a:latin typeface="Avenir Book" charset="0"/>
-                  <a:ea typeface="Avenir Book" charset="0"/>
-                  <a:cs typeface="Avenir Book" charset="0"/>
-                </a:endParaRPr>
-              </a:p>
-            </p:txBody>
-          </p:sp>
-          <p:sp>
-            <p:nvSpPr>
-              <p:cNvPr id="100" name="Rectangle 99"/>
-              <p:cNvSpPr/>
-              <p:nvPr/>
-            </p:nvSpPr>
-            <p:spPr>
-              <a:xfrm>
-                <a:off x="5297119" y="4021942"/>
-                <a:ext cx="203200" cy="203200"/>
-              </a:xfrm>
-              <a:prstGeom prst="rect">
-                <a:avLst/>
-              </a:prstGeom>
-              <a:solidFill>
-                <a:srgbClr val="00B0F0"/>
-              </a:solidFill>
-              <a:ln w="28575">
-                <a:solidFill>
-                  <a:schemeClr val="bg1"/>
-                </a:solidFill>
-              </a:ln>
-            </p:spPr>
-            <p:style>
-              <a:lnRef idx="2">
-                <a:schemeClr val="accent1">
-                  <a:shade val="50000"/>
-                </a:schemeClr>
-              </a:lnRef>
-              <a:fillRef idx="1">
-                <a:schemeClr val="accent1"/>
-              </a:fillRef>
-              <a:effectRef idx="0">
-                <a:schemeClr val="accent1"/>
-              </a:effectRef>
-              <a:fontRef idx="minor">
-                <a:schemeClr val="lt1"/>
-              </a:fontRef>
-            </p:style>
-            <p:txBody>
-              <a:bodyPr rtlCol="0" anchor="ctr"/>
-              <a:lstStyle/>
-              <a:p>
-                <a:pPr algn="ctr"/>
-                <a:endParaRPr lang="en-US" sz="2400" dirty="0" smtClean="0">
-                  <a:solidFill>
-                    <a:schemeClr val="bg1">
-                      <a:lumMod val="50000"/>
-                    </a:schemeClr>
-                  </a:solidFill>
-                  <a:latin typeface="Avenir Book" charset="0"/>
-                  <a:ea typeface="Avenir Book" charset="0"/>
-                  <a:cs typeface="Avenir Book" charset="0"/>
-                </a:endParaRPr>
-              </a:p>
-            </p:txBody>
-          </p:sp>
-          <p:sp>
-            <p:nvSpPr>
-              <p:cNvPr id="101" name="Oval 100"/>
-              <p:cNvSpPr/>
-              <p:nvPr/>
-            </p:nvSpPr>
-            <p:spPr>
-              <a:xfrm>
-                <a:off x="5546934" y="4030503"/>
-                <a:ext cx="176105" cy="176105"/>
-              </a:xfrm>
-              <a:prstGeom prst="ellipse">
-                <a:avLst/>
-              </a:prstGeom>
-              <a:solidFill>
-                <a:srgbClr val="FF0000"/>
-              </a:solidFill>
-              <a:ln w="28575">
-                <a:solidFill>
-                  <a:srgbClr val="FF0000"/>
-                </a:solidFill>
-              </a:ln>
-            </p:spPr>
-            <p:style>
-              <a:lnRef idx="2">
-                <a:schemeClr val="accent1">
-                  <a:shade val="50000"/>
-                </a:schemeClr>
-              </a:lnRef>
-              <a:fillRef idx="1">
-                <a:schemeClr val="accent1"/>
-              </a:fillRef>
-              <a:effectRef idx="0">
-                <a:schemeClr val="accent1"/>
-              </a:effectRef>
-              <a:fontRef idx="minor">
-                <a:schemeClr val="lt1"/>
-              </a:fontRef>
-            </p:style>
-            <p:txBody>
-              <a:bodyPr rtlCol="0" anchor="ctr"/>
-              <a:lstStyle/>
-              <a:p>
-                <a:pPr algn="ctr"/>
-                <a:endParaRPr lang="en-US" sz="2400" dirty="0" smtClean="0">
-                  <a:solidFill>
-                    <a:schemeClr val="bg1">
-                      <a:lumMod val="50000"/>
-                    </a:schemeClr>
-                  </a:solidFill>
-                  <a:latin typeface="Avenir Book" charset="0"/>
-                  <a:ea typeface="Avenir Book" charset="0"/>
-                  <a:cs typeface="Avenir Book" charset="0"/>
-                </a:endParaRPr>
-              </a:p>
-            </p:txBody>
-          </p:sp>
-          <p:sp>
-            <p:nvSpPr>
-              <p:cNvPr id="85" name="Rectangle 84"/>
-              <p:cNvSpPr/>
-              <p:nvPr/>
-            </p:nvSpPr>
-            <p:spPr>
-              <a:xfrm>
-                <a:off x="8334598" y="4021942"/>
-                <a:ext cx="203200" cy="203200"/>
-              </a:xfrm>
-              <a:prstGeom prst="rect">
-                <a:avLst/>
-              </a:prstGeom>
-              <a:solidFill>
-                <a:schemeClr val="bg1">
-                  <a:lumMod val="65000"/>
-                </a:schemeClr>
-              </a:solidFill>
-              <a:ln w="28575">
-                <a:solidFill>
-                  <a:schemeClr val="bg1"/>
-                </a:solidFill>
-              </a:ln>
-            </p:spPr>
-            <p:style>
-              <a:lnRef idx="2">
-                <a:schemeClr val="accent1">
-                  <a:shade val="50000"/>
-                </a:schemeClr>
-              </a:lnRef>
-              <a:fillRef idx="1">
-                <a:schemeClr val="accent1"/>
-              </a:fillRef>
-              <a:effectRef idx="0">
-                <a:schemeClr val="accent1"/>
-              </a:effectRef>
-              <a:fontRef idx="minor">
-                <a:schemeClr val="lt1"/>
-              </a:fontRef>
-            </p:style>
-            <p:txBody>
-              <a:bodyPr rtlCol="0" anchor="ctr"/>
-              <a:lstStyle/>
-              <a:p>
-                <a:pPr algn="ctr"/>
-                <a:endParaRPr lang="en-US" sz="2400" dirty="0" smtClean="0">
-                  <a:solidFill>
-                    <a:schemeClr val="bg1">
-                      <a:lumMod val="50000"/>
-                    </a:schemeClr>
-                  </a:solidFill>
-                  <a:latin typeface="Avenir Book" charset="0"/>
-                  <a:ea typeface="Avenir Book" charset="0"/>
-                  <a:cs typeface="Avenir Book" charset="0"/>
-                </a:endParaRPr>
-              </a:p>
-            </p:txBody>
-          </p:sp>
-          <p:sp>
-            <p:nvSpPr>
-              <p:cNvPr id="86" name="Oval 85"/>
-              <p:cNvSpPr/>
-              <p:nvPr/>
-            </p:nvSpPr>
-            <p:spPr>
-              <a:xfrm>
-                <a:off x="8584413" y="4030503"/>
-                <a:ext cx="176105" cy="176105"/>
-              </a:xfrm>
-              <a:prstGeom prst="ellipse">
-                <a:avLst/>
-              </a:prstGeom>
-              <a:solidFill>
-                <a:srgbClr val="FF0000"/>
-              </a:solidFill>
-              <a:ln w="28575">
-                <a:solidFill>
-                  <a:srgbClr val="FF0000"/>
-                </a:solidFill>
-              </a:ln>
-            </p:spPr>
-            <p:style>
-              <a:lnRef idx="2">
-                <a:schemeClr val="accent1">
-                  <a:shade val="50000"/>
-                </a:schemeClr>
-              </a:lnRef>
-              <a:fillRef idx="1">
-                <a:schemeClr val="accent1"/>
-              </a:fillRef>
-              <a:effectRef idx="0">
-                <a:schemeClr val="accent1"/>
-              </a:effectRef>
-              <a:fontRef idx="minor">
-                <a:schemeClr val="lt1"/>
-              </a:fontRef>
-            </p:style>
-            <p:txBody>
-              <a:bodyPr rtlCol="0" anchor="ctr"/>
-              <a:lstStyle/>
-              <a:p>
-                <a:pPr algn="ctr"/>
-                <a:endParaRPr lang="en-US" sz="2400" dirty="0" smtClean="0">
-                  <a:solidFill>
-                    <a:schemeClr val="bg1">
-                      <a:lumMod val="50000"/>
-                    </a:schemeClr>
-                  </a:solidFill>
-                  <a:latin typeface="Avenir Book" charset="0"/>
-                  <a:ea typeface="Avenir Book" charset="0"/>
-                  <a:cs typeface="Avenir Book" charset="0"/>
-                </a:endParaRPr>
-              </a:p>
-            </p:txBody>
-          </p:sp>
-          <p:sp>
-            <p:nvSpPr>
-              <p:cNvPr id="102" name="Oval 101"/>
-              <p:cNvSpPr/>
-              <p:nvPr/>
-            </p:nvSpPr>
-            <p:spPr>
-              <a:xfrm>
-                <a:off x="7910889" y="4331751"/>
-                <a:ext cx="176105" cy="176105"/>
-              </a:xfrm>
-              <a:prstGeom prst="ellipse">
-                <a:avLst/>
-              </a:prstGeom>
-              <a:solidFill>
-                <a:schemeClr val="accent5"/>
-              </a:solidFill>
-              <a:ln w="28575">
-                <a:solidFill>
-                  <a:schemeClr val="accent5"/>
-                </a:solidFill>
-              </a:ln>
-            </p:spPr>
-            <p:style>
-              <a:lnRef idx="2">
-                <a:schemeClr val="accent1">
-                  <a:shade val="50000"/>
-                </a:schemeClr>
-              </a:lnRef>
-              <a:fillRef idx="1">
-                <a:schemeClr val="accent1"/>
-              </a:fillRef>
-              <a:effectRef idx="0">
-                <a:schemeClr val="accent1"/>
-              </a:effectRef>
-              <a:fontRef idx="minor">
-                <a:schemeClr val="lt1"/>
-              </a:fontRef>
-            </p:style>
-            <p:txBody>
-              <a:bodyPr rtlCol="0" anchor="ctr"/>
-              <a:lstStyle/>
-              <a:p>
-                <a:pPr algn="ctr"/>
-                <a:endParaRPr lang="en-US" sz="2400" dirty="0" smtClean="0">
-                  <a:solidFill>
-                    <a:schemeClr val="bg1">
-                      <a:lumMod val="50000"/>
-                    </a:schemeClr>
-                  </a:solidFill>
-                  <a:latin typeface="Avenir Book" charset="0"/>
-                  <a:ea typeface="Avenir Book" charset="0"/>
-                  <a:cs typeface="Avenir Book" charset="0"/>
-                </a:endParaRPr>
-              </a:p>
-            </p:txBody>
-          </p:sp>
-          <p:sp>
-            <p:nvSpPr>
-              <p:cNvPr id="103" name="Rectangle 102"/>
-              <p:cNvSpPr/>
-              <p:nvPr/>
-            </p:nvSpPr>
-            <p:spPr>
-              <a:xfrm>
-                <a:off x="7661074" y="4331751"/>
-                <a:ext cx="203200" cy="203200"/>
-              </a:xfrm>
-              <a:prstGeom prst="rect">
-                <a:avLst/>
-              </a:prstGeom>
-              <a:solidFill>
-                <a:srgbClr val="00B0F0"/>
-              </a:solidFill>
-              <a:ln w="28575">
-                <a:solidFill>
-                  <a:schemeClr val="bg1"/>
-                </a:solidFill>
-              </a:ln>
-            </p:spPr>
-            <p:style>
-              <a:lnRef idx="2">
-                <a:schemeClr val="accent1">
-                  <a:shade val="50000"/>
-                </a:schemeClr>
-              </a:lnRef>
-              <a:fillRef idx="1">
-                <a:schemeClr val="accent1"/>
-              </a:fillRef>
-              <a:effectRef idx="0">
-                <a:schemeClr val="accent1"/>
-              </a:effectRef>
-              <a:fontRef idx="minor">
-                <a:schemeClr val="lt1"/>
-              </a:fontRef>
-            </p:style>
-            <p:txBody>
-              <a:bodyPr rtlCol="0" anchor="ctr"/>
-              <a:lstStyle/>
-              <a:p>
-                <a:pPr algn="ctr"/>
-                <a:endParaRPr lang="en-US" sz="2400" dirty="0" smtClean="0">
-                  <a:solidFill>
-                    <a:schemeClr val="bg1">
-                      <a:lumMod val="50000"/>
-                    </a:schemeClr>
-                  </a:solidFill>
-                  <a:latin typeface="Avenir Book" charset="0"/>
-                  <a:ea typeface="Avenir Book" charset="0"/>
-                  <a:cs typeface="Avenir Book" charset="0"/>
-                </a:endParaRPr>
-              </a:p>
-            </p:txBody>
-          </p:sp>
-          <p:sp>
-            <p:nvSpPr>
-              <p:cNvPr id="106" name="Rectangle 105"/>
-              <p:cNvSpPr/>
-              <p:nvPr/>
-            </p:nvSpPr>
-            <p:spPr>
-              <a:xfrm>
-                <a:off x="7660429" y="4026775"/>
-                <a:ext cx="203200" cy="203200"/>
-              </a:xfrm>
-              <a:prstGeom prst="rect">
-                <a:avLst/>
-              </a:prstGeom>
-              <a:solidFill>
-                <a:srgbClr val="00B0F0"/>
-              </a:solidFill>
-              <a:ln w="28575">
-                <a:solidFill>
-                  <a:schemeClr val="bg1"/>
-                </a:solidFill>
-              </a:ln>
-            </p:spPr>
-            <p:style>
-              <a:lnRef idx="2">
-                <a:schemeClr val="accent1">
-                  <a:shade val="50000"/>
-                </a:schemeClr>
-              </a:lnRef>
-              <a:fillRef idx="1">
-                <a:schemeClr val="accent1"/>
-              </a:fillRef>
-              <a:effectRef idx="0">
-                <a:schemeClr val="accent1"/>
-              </a:effectRef>
-              <a:fontRef idx="minor">
-                <a:schemeClr val="lt1"/>
-              </a:fontRef>
-            </p:style>
-            <p:txBody>
-              <a:bodyPr rtlCol="0" anchor="ctr"/>
-              <a:lstStyle/>
-              <a:p>
-                <a:pPr algn="ctr"/>
-                <a:endParaRPr lang="en-US" sz="2400" dirty="0" smtClean="0">
-                  <a:solidFill>
-                    <a:schemeClr val="bg1">
-                      <a:lumMod val="50000"/>
-                    </a:schemeClr>
-                  </a:solidFill>
-                  <a:latin typeface="Avenir Book" charset="0"/>
-                  <a:ea typeface="Avenir Book" charset="0"/>
-                  <a:cs typeface="Avenir Book" charset="0"/>
-                </a:endParaRPr>
-              </a:p>
-            </p:txBody>
-          </p:sp>
-          <p:sp>
-            <p:nvSpPr>
-              <p:cNvPr id="107" name="Oval 106"/>
-              <p:cNvSpPr/>
-              <p:nvPr/>
-            </p:nvSpPr>
-            <p:spPr>
-              <a:xfrm>
-                <a:off x="7910244" y="4035336"/>
-                <a:ext cx="176105" cy="176105"/>
-              </a:xfrm>
-              <a:prstGeom prst="ellipse">
-                <a:avLst/>
-              </a:prstGeom>
-              <a:solidFill>
-                <a:srgbClr val="FF0000"/>
-              </a:solidFill>
-              <a:ln w="28575">
-                <a:solidFill>
-                  <a:srgbClr val="FF0000"/>
-                </a:solidFill>
-              </a:ln>
-            </p:spPr>
-            <p:style>
-              <a:lnRef idx="2">
-                <a:schemeClr val="accent1">
-                  <a:shade val="50000"/>
-                </a:schemeClr>
-              </a:lnRef>
-              <a:fillRef idx="1">
-                <a:schemeClr val="accent1"/>
-              </a:fillRef>
-              <a:effectRef idx="0">
-                <a:schemeClr val="accent1"/>
-              </a:effectRef>
-              <a:fontRef idx="minor">
-                <a:schemeClr val="lt1"/>
-              </a:fontRef>
-            </p:style>
-            <p:txBody>
-              <a:bodyPr rtlCol="0" anchor="ctr"/>
-              <a:lstStyle/>
-              <a:p>
-                <a:pPr algn="ctr"/>
-                <a:endParaRPr lang="en-US" sz="2400" dirty="0" smtClean="0">
-                  <a:solidFill>
-                    <a:schemeClr val="bg1">
-                      <a:lumMod val="50000"/>
-                    </a:schemeClr>
-                  </a:solidFill>
-                  <a:latin typeface="Avenir Book" charset="0"/>
-                  <a:ea typeface="Avenir Book" charset="0"/>
-                  <a:cs typeface="Avenir Book" charset="0"/>
-                </a:endParaRPr>
-              </a:p>
-            </p:txBody>
-          </p:sp>
-          <p:cxnSp>
-            <p:nvCxnSpPr>
-              <p:cNvPr id="112" name="Straight Arrow Connector 111"/>
-              <p:cNvCxnSpPr/>
-              <p:nvPr/>
-            </p:nvCxnSpPr>
-            <p:spPr>
-              <a:xfrm flipV="1">
-                <a:off x="4786133" y="4275448"/>
-                <a:ext cx="342838" cy="1"/>
-              </a:xfrm>
-              <a:prstGeom prst="straightConnector1">
-                <a:avLst/>
-              </a:prstGeom>
-              <a:ln w="28575">
-                <a:solidFill>
-                  <a:schemeClr val="bg1">
-                    <a:lumMod val="50000"/>
-                  </a:schemeClr>
-                </a:solidFill>
-                <a:headEnd type="none" w="med" len="med"/>
-                <a:tailEnd type="triangle"/>
-              </a:ln>
-            </p:spPr>
-            <p:style>
-              <a:lnRef idx="1">
-                <a:schemeClr val="accent1"/>
-              </a:lnRef>
-              <a:fillRef idx="0">
-                <a:schemeClr val="accent1"/>
-              </a:fillRef>
-              <a:effectRef idx="0">
-                <a:schemeClr val="accent1"/>
-              </a:effectRef>
-              <a:fontRef idx="minor">
-                <a:schemeClr val="tx1"/>
-              </a:fontRef>
-            </p:style>
-          </p:cxnSp>
-          <p:sp>
-            <p:nvSpPr>
-              <p:cNvPr id="127" name="Rectangle 126"/>
-              <p:cNvSpPr/>
-              <p:nvPr/>
-            </p:nvSpPr>
-            <p:spPr>
-              <a:xfrm>
-                <a:off x="2223353" y="4048771"/>
-                <a:ext cx="203200" cy="203200"/>
-              </a:xfrm>
-              <a:prstGeom prst="rect">
-                <a:avLst/>
-              </a:prstGeom>
-              <a:solidFill>
-                <a:srgbClr val="00B0F0"/>
-              </a:solidFill>
-              <a:ln w="28575">
-                <a:solidFill>
-                  <a:schemeClr val="bg1"/>
-                </a:solidFill>
-              </a:ln>
-            </p:spPr>
-            <p:style>
-              <a:lnRef idx="2">
-                <a:schemeClr val="accent1">
-                  <a:shade val="50000"/>
-                </a:schemeClr>
-              </a:lnRef>
-              <a:fillRef idx="1">
-                <a:schemeClr val="accent1"/>
-              </a:fillRef>
-              <a:effectRef idx="0">
-                <a:schemeClr val="accent1"/>
-              </a:effectRef>
-              <a:fontRef idx="minor">
-                <a:schemeClr val="lt1"/>
-              </a:fontRef>
-            </p:style>
-            <p:txBody>
-              <a:bodyPr rtlCol="0" anchor="ctr"/>
-              <a:lstStyle/>
-              <a:p>
-                <a:pPr algn="ctr"/>
-                <a:endParaRPr lang="en-US" sz="2400" dirty="0" smtClean="0">
-                  <a:solidFill>
-                    <a:schemeClr val="bg1">
-                      <a:lumMod val="50000"/>
-                    </a:schemeClr>
-                  </a:solidFill>
-                  <a:latin typeface="Avenir Book" charset="0"/>
-                  <a:ea typeface="Avenir Book" charset="0"/>
-                  <a:cs typeface="Avenir Book" charset="0"/>
-                </a:endParaRPr>
-              </a:p>
-            </p:txBody>
-          </p:sp>
-          <p:sp>
-            <p:nvSpPr>
-              <p:cNvPr id="128" name="Rectangle 127"/>
-              <p:cNvSpPr/>
-              <p:nvPr/>
-            </p:nvSpPr>
-            <p:spPr>
-              <a:xfrm>
-                <a:off x="2516863" y="4048771"/>
-                <a:ext cx="203200" cy="203200"/>
-              </a:xfrm>
-              <a:prstGeom prst="rect">
-                <a:avLst/>
-              </a:prstGeom>
-              <a:solidFill>
-                <a:schemeClr val="bg1">
-                  <a:lumMod val="65000"/>
-                </a:schemeClr>
-              </a:solidFill>
-              <a:ln w="28575">
-                <a:solidFill>
-                  <a:schemeClr val="bg1"/>
-                </a:solidFill>
-              </a:ln>
-            </p:spPr>
-            <p:style>
-              <a:lnRef idx="2">
-                <a:schemeClr val="accent1">
-                  <a:shade val="50000"/>
-                </a:schemeClr>
-              </a:lnRef>
-              <a:fillRef idx="1">
-                <a:schemeClr val="accent1"/>
-              </a:fillRef>
-              <a:effectRef idx="0">
-                <a:schemeClr val="accent1"/>
-              </a:effectRef>
-              <a:fontRef idx="minor">
-                <a:schemeClr val="lt1"/>
-              </a:fontRef>
-            </p:style>
-            <p:txBody>
-              <a:bodyPr rtlCol="0" anchor="ctr"/>
-              <a:lstStyle/>
-              <a:p>
-                <a:pPr algn="ctr"/>
-                <a:endParaRPr lang="en-US" sz="2400" dirty="0" smtClean="0">
-                  <a:solidFill>
-                    <a:schemeClr val="bg1">
-                      <a:lumMod val="50000"/>
-                    </a:schemeClr>
-                  </a:solidFill>
-                  <a:latin typeface="Avenir Book" charset="0"/>
-                  <a:ea typeface="Avenir Book" charset="0"/>
-                  <a:cs typeface="Avenir Book" charset="0"/>
-                </a:endParaRPr>
-              </a:p>
-            </p:txBody>
-          </p:sp>
-          <p:sp>
-            <p:nvSpPr>
-              <p:cNvPr id="123" name="Oval 122"/>
-              <p:cNvSpPr/>
-              <p:nvPr/>
-            </p:nvSpPr>
-            <p:spPr>
-              <a:xfrm>
-                <a:off x="10224765" y="4331751"/>
-                <a:ext cx="176105" cy="176105"/>
-              </a:xfrm>
-              <a:prstGeom prst="ellipse">
-                <a:avLst/>
-              </a:prstGeom>
-              <a:solidFill>
-                <a:schemeClr val="accent5"/>
-              </a:solidFill>
-              <a:ln w="28575">
-                <a:solidFill>
-                  <a:schemeClr val="accent5"/>
-                </a:solidFill>
-              </a:ln>
-            </p:spPr>
-            <p:style>
-              <a:lnRef idx="2">
-                <a:schemeClr val="accent1">
-                  <a:shade val="50000"/>
-                </a:schemeClr>
-              </a:lnRef>
-              <a:fillRef idx="1">
-                <a:schemeClr val="accent1"/>
-              </a:fillRef>
-              <a:effectRef idx="0">
-                <a:schemeClr val="accent1"/>
-              </a:effectRef>
-              <a:fontRef idx="minor">
-                <a:schemeClr val="lt1"/>
-              </a:fontRef>
-            </p:style>
-            <p:txBody>
-              <a:bodyPr rtlCol="0" anchor="ctr"/>
-              <a:lstStyle/>
-              <a:p>
-                <a:pPr algn="ctr"/>
-                <a:endParaRPr lang="en-US" sz="2400" dirty="0" smtClean="0">
-                  <a:solidFill>
-                    <a:schemeClr val="bg1">
-                      <a:lumMod val="50000"/>
-                    </a:schemeClr>
-                  </a:solidFill>
-                  <a:latin typeface="Avenir Book" charset="0"/>
-                  <a:ea typeface="Avenir Book" charset="0"/>
-                  <a:cs typeface="Avenir Book" charset="0"/>
-                </a:endParaRPr>
-              </a:p>
-            </p:txBody>
-          </p:sp>
-          <p:sp>
-            <p:nvSpPr>
-              <p:cNvPr id="124" name="Rectangle 123"/>
-              <p:cNvSpPr/>
-              <p:nvPr/>
-            </p:nvSpPr>
-            <p:spPr>
-              <a:xfrm>
-                <a:off x="9974950" y="4331751"/>
-                <a:ext cx="203200" cy="203200"/>
-              </a:xfrm>
-              <a:prstGeom prst="rect">
-                <a:avLst/>
-              </a:prstGeom>
-              <a:solidFill>
-                <a:srgbClr val="00B0F0"/>
-              </a:solidFill>
-              <a:ln w="28575">
-                <a:solidFill>
-                  <a:schemeClr val="bg1"/>
-                </a:solidFill>
-              </a:ln>
-            </p:spPr>
-            <p:style>
-              <a:lnRef idx="2">
-                <a:schemeClr val="accent1">
-                  <a:shade val="50000"/>
-                </a:schemeClr>
-              </a:lnRef>
-              <a:fillRef idx="1">
-                <a:schemeClr val="accent1"/>
-              </a:fillRef>
-              <a:effectRef idx="0">
-                <a:schemeClr val="accent1"/>
-              </a:effectRef>
-              <a:fontRef idx="minor">
-                <a:schemeClr val="lt1"/>
-              </a:fontRef>
-            </p:style>
-            <p:txBody>
-              <a:bodyPr rtlCol="0" anchor="ctr"/>
-              <a:lstStyle/>
-              <a:p>
-                <a:pPr algn="ctr"/>
-                <a:endParaRPr lang="en-US" sz="2400" dirty="0" smtClean="0">
-                  <a:solidFill>
-                    <a:schemeClr val="bg1">
-                      <a:lumMod val="50000"/>
-                    </a:schemeClr>
-                  </a:solidFill>
-                  <a:latin typeface="Avenir Book" charset="0"/>
-                  <a:ea typeface="Avenir Book" charset="0"/>
-                  <a:cs typeface="Avenir Book" charset="0"/>
-                </a:endParaRPr>
-              </a:p>
-            </p:txBody>
-          </p:sp>
-          <p:sp>
-            <p:nvSpPr>
-              <p:cNvPr id="125" name="Rectangle 124"/>
-              <p:cNvSpPr/>
-              <p:nvPr/>
-            </p:nvSpPr>
-            <p:spPr>
-              <a:xfrm>
-                <a:off x="9974305" y="4026775"/>
-                <a:ext cx="203200" cy="203200"/>
-              </a:xfrm>
-              <a:prstGeom prst="rect">
-                <a:avLst/>
-              </a:prstGeom>
-              <a:solidFill>
-                <a:srgbClr val="00B0F0"/>
-              </a:solidFill>
-              <a:ln w="28575">
-                <a:solidFill>
-                  <a:schemeClr val="bg1"/>
-                </a:solidFill>
-              </a:ln>
-            </p:spPr>
-            <p:style>
-              <a:lnRef idx="2">
-                <a:schemeClr val="accent1">
-                  <a:shade val="50000"/>
-                </a:schemeClr>
-              </a:lnRef>
-              <a:fillRef idx="1">
-                <a:schemeClr val="accent1"/>
-              </a:fillRef>
-              <a:effectRef idx="0">
-                <a:schemeClr val="accent1"/>
-              </a:effectRef>
-              <a:fontRef idx="minor">
-                <a:schemeClr val="lt1"/>
-              </a:fontRef>
-            </p:style>
-            <p:txBody>
-              <a:bodyPr rtlCol="0" anchor="ctr"/>
-              <a:lstStyle/>
-              <a:p>
-                <a:pPr algn="ctr"/>
-                <a:endParaRPr lang="en-US" sz="2400" dirty="0" smtClean="0">
-                  <a:solidFill>
-                    <a:schemeClr val="bg1">
-                      <a:lumMod val="50000"/>
-                    </a:schemeClr>
-                  </a:solidFill>
-                  <a:latin typeface="Avenir Book" charset="0"/>
-                  <a:ea typeface="Avenir Book" charset="0"/>
-                  <a:cs typeface="Avenir Book" charset="0"/>
-                </a:endParaRPr>
-              </a:p>
-            </p:txBody>
-          </p:sp>
-          <p:sp>
-            <p:nvSpPr>
-              <p:cNvPr id="126" name="Oval 125"/>
-              <p:cNvSpPr/>
-              <p:nvPr/>
-            </p:nvSpPr>
-            <p:spPr>
-              <a:xfrm>
-                <a:off x="10224120" y="4035336"/>
-                <a:ext cx="176105" cy="176105"/>
-              </a:xfrm>
-              <a:prstGeom prst="ellipse">
-                <a:avLst/>
-              </a:prstGeom>
-              <a:solidFill>
-                <a:srgbClr val="FF0000"/>
-              </a:solidFill>
-              <a:ln w="28575">
-                <a:solidFill>
-                  <a:srgbClr val="FF0000"/>
-                </a:solidFill>
-              </a:ln>
-            </p:spPr>
-            <p:style>
-              <a:lnRef idx="2">
-                <a:schemeClr val="accent1">
-                  <a:shade val="50000"/>
-                </a:schemeClr>
-              </a:lnRef>
-              <a:fillRef idx="1">
-                <a:schemeClr val="accent1"/>
-              </a:fillRef>
-              <a:effectRef idx="0">
-                <a:schemeClr val="accent1"/>
-              </a:effectRef>
-              <a:fontRef idx="minor">
-                <a:schemeClr val="lt1"/>
-              </a:fontRef>
-            </p:style>
-            <p:txBody>
-              <a:bodyPr rtlCol="0" anchor="ctr"/>
-              <a:lstStyle/>
-              <a:p>
-                <a:pPr algn="ctr"/>
-                <a:endParaRPr lang="en-US" sz="2400" dirty="0" smtClean="0">
-                  <a:solidFill>
-                    <a:schemeClr val="bg1">
-                      <a:lumMod val="50000"/>
-                    </a:schemeClr>
-                  </a:solidFill>
-                  <a:latin typeface="Avenir Book" charset="0"/>
-                  <a:ea typeface="Avenir Book" charset="0"/>
-                  <a:cs typeface="Avenir Book" charset="0"/>
-                </a:endParaRPr>
-              </a:p>
-            </p:txBody>
-          </p:sp>
-        </p:grpSp>
-        <p:grpSp>
-          <p:nvGrpSpPr>
-            <p:cNvPr id="140" name="Group 139"/>
-            <p:cNvGrpSpPr/>
-            <p:nvPr/>
-          </p:nvGrpSpPr>
-          <p:grpSpPr>
-            <a:xfrm>
-              <a:off x="2223353" y="2697679"/>
-              <a:ext cx="8845148" cy="516737"/>
-              <a:chOff x="2223353" y="2643614"/>
-              <a:chExt cx="8845148" cy="516737"/>
-            </a:xfrm>
-          </p:grpSpPr>
-          <p:sp>
-            <p:nvSpPr>
-              <p:cNvPr id="20" name="Rectangle 19"/>
-              <p:cNvSpPr/>
-              <p:nvPr/>
-            </p:nvSpPr>
-            <p:spPr>
-              <a:xfrm>
-                <a:off x="3518782" y="2670885"/>
-                <a:ext cx="203200" cy="203200"/>
-              </a:xfrm>
-              <a:prstGeom prst="rect">
-                <a:avLst/>
-              </a:prstGeom>
-              <a:solidFill>
-                <a:srgbClr val="00B0F0"/>
-              </a:solidFill>
-              <a:ln w="28575">
-                <a:solidFill>
-                  <a:schemeClr val="bg1"/>
-                </a:solidFill>
-              </a:ln>
-            </p:spPr>
-            <p:style>
-              <a:lnRef idx="2">
-                <a:schemeClr val="accent1">
-                  <a:shade val="50000"/>
-                </a:schemeClr>
-              </a:lnRef>
-              <a:fillRef idx="1">
-                <a:schemeClr val="accent1"/>
-              </a:fillRef>
-              <a:effectRef idx="0">
-                <a:schemeClr val="accent1"/>
-              </a:effectRef>
-              <a:fontRef idx="minor">
-                <a:schemeClr val="lt1"/>
-              </a:fontRef>
-            </p:style>
-            <p:txBody>
-              <a:bodyPr rtlCol="0" anchor="ctr"/>
-              <a:lstStyle/>
-              <a:p>
-                <a:pPr algn="ctr"/>
-                <a:endParaRPr lang="en-US" sz="2400" dirty="0" smtClean="0">
-                  <a:solidFill>
-                    <a:schemeClr val="bg1">
-                      <a:lumMod val="50000"/>
-                    </a:schemeClr>
-                  </a:solidFill>
-                  <a:latin typeface="Avenir Book" charset="0"/>
-                  <a:ea typeface="Avenir Book" charset="0"/>
-                  <a:cs typeface="Avenir Book" charset="0"/>
-                </a:endParaRPr>
-              </a:p>
-            </p:txBody>
-          </p:sp>
-          <p:sp>
-            <p:nvSpPr>
-              <p:cNvPr id="22" name="Oval 21"/>
-              <p:cNvSpPr/>
-              <p:nvPr/>
-            </p:nvSpPr>
-            <p:spPr>
-              <a:xfrm>
-                <a:off x="3768597" y="2679446"/>
-                <a:ext cx="176105" cy="176105"/>
-              </a:xfrm>
-              <a:prstGeom prst="ellipse">
-                <a:avLst/>
-              </a:prstGeom>
+              <a:latin typeface="Avenir Book" charset="0"/>
+              <a:ea typeface="Avenir Book" charset="0"/>
+              <a:cs typeface="Avenir Book" charset="0"/>
+            </a:endParaRPr>
+          </a:p>
+        </p:txBody>
+      </p:sp>
+      <p:sp>
+        <p:nvSpPr>
+          <p:cNvPr id="13" name="Oval 12"/>
+          <p:cNvSpPr/>
+          <p:nvPr/>
+        </p:nvSpPr>
+        <p:spPr>
+          <a:xfrm>
+            <a:off x="2382661" y="3471501"/>
+            <a:ext cx="176105" cy="176105"/>
+          </a:xfrm>
+          <a:prstGeom prst="ellipse">
+            <a:avLst/>
+          </a:prstGeom>
+          <a:solidFill>
+            <a:schemeClr val="accent2"/>
+          </a:solidFill>
+          <a:ln w="28575">
+            <a:solidFill>
+              <a:schemeClr val="accent2"/>
+            </a:solidFill>
+          </a:ln>
+        </p:spPr>
+        <p:style>
+          <a:lnRef idx="2">
+            <a:schemeClr val="accent1">
+              <a:shade val="50000"/>
+            </a:schemeClr>
+          </a:lnRef>
+          <a:fillRef idx="1">
+            <a:schemeClr val="accent1"/>
+          </a:fillRef>
+          <a:effectRef idx="0">
+            <a:schemeClr val="accent1"/>
+          </a:effectRef>
+          <a:fontRef idx="minor">
+            <a:schemeClr val="lt1"/>
+          </a:fontRef>
+        </p:style>
+        <p:txBody>
+          <a:bodyPr rtlCol="0" anchor="ctr"/>
+          <a:lstStyle/>
+          <a:p>
+            <a:pPr algn="ctr"/>
+            <a:endParaRPr lang="en-US" sz="2400" dirty="0" smtClean="0">
               <a:solidFill>
                 <a:schemeClr val="bg1">
                   <a:lumMod val="50000"/>
                 </a:schemeClr>
               </a:solidFill>
-              <a:ln w="28575">
-                <a:solidFill>
-                  <a:schemeClr val="bg1">
-                    <a:lumMod val="50000"/>
-                  </a:schemeClr>
-                </a:solidFill>
-              </a:ln>
-            </p:spPr>
-            <p:style>
-              <a:lnRef idx="2">
-                <a:schemeClr val="accent1">
-                  <a:shade val="50000"/>
-                </a:schemeClr>
-              </a:lnRef>
-              <a:fillRef idx="1">
-                <a:schemeClr val="accent1"/>
-              </a:fillRef>
-              <a:effectRef idx="0">
-                <a:schemeClr val="accent1"/>
-              </a:effectRef>
-              <a:fontRef idx="minor">
-                <a:schemeClr val="lt1"/>
-              </a:fontRef>
-            </p:style>
-            <p:txBody>
-              <a:bodyPr rtlCol="0" anchor="ctr"/>
-              <a:lstStyle/>
-              <a:p>
-                <a:pPr algn="ctr"/>
-                <a:endParaRPr lang="en-US" sz="2400" dirty="0" smtClean="0">
-                  <a:solidFill>
-                    <a:schemeClr val="bg1">
-                      <a:lumMod val="50000"/>
-                    </a:schemeClr>
-                  </a:solidFill>
-                  <a:latin typeface="Avenir Book" charset="0"/>
-                  <a:ea typeface="Avenir Book" charset="0"/>
-                  <a:cs typeface="Avenir Book" charset="0"/>
-                </a:endParaRPr>
-              </a:p>
-            </p:txBody>
-          </p:sp>
-          <p:sp>
-            <p:nvSpPr>
-              <p:cNvPr id="23" name="Oval 22"/>
-              <p:cNvSpPr/>
-              <p:nvPr/>
-            </p:nvSpPr>
-            <p:spPr>
-              <a:xfrm>
-                <a:off x="3768597" y="2957151"/>
-                <a:ext cx="176105" cy="176105"/>
-              </a:xfrm>
-              <a:prstGeom prst="ellipse">
-                <a:avLst/>
-              </a:prstGeom>
-              <a:solidFill>
-                <a:schemeClr val="accent2"/>
-              </a:solidFill>
-              <a:ln w="28575">
-                <a:solidFill>
-                  <a:schemeClr val="accent2"/>
-                </a:solidFill>
-              </a:ln>
-            </p:spPr>
-            <p:style>
-              <a:lnRef idx="2">
-                <a:schemeClr val="accent1">
-                  <a:shade val="50000"/>
-                </a:schemeClr>
-              </a:lnRef>
-              <a:fillRef idx="1">
-                <a:schemeClr val="accent1"/>
-              </a:fillRef>
-              <a:effectRef idx="0">
-                <a:schemeClr val="accent1"/>
-              </a:effectRef>
-              <a:fontRef idx="minor">
-                <a:schemeClr val="lt1"/>
-              </a:fontRef>
-            </p:style>
-            <p:txBody>
-              <a:bodyPr rtlCol="0" anchor="ctr"/>
-              <a:lstStyle/>
-              <a:p>
-                <a:pPr algn="ctr"/>
-                <a:endParaRPr lang="en-US" sz="2400" dirty="0" smtClean="0">
-                  <a:solidFill>
-                    <a:schemeClr val="bg1">
-                      <a:lumMod val="50000"/>
-                    </a:schemeClr>
-                  </a:solidFill>
-                  <a:latin typeface="Avenir Book" charset="0"/>
-                  <a:ea typeface="Avenir Book" charset="0"/>
-                  <a:cs typeface="Avenir Book" charset="0"/>
-                </a:endParaRPr>
-              </a:p>
-            </p:txBody>
-          </p:sp>
-          <p:sp>
-            <p:nvSpPr>
-              <p:cNvPr id="26" name="Rectangle 25"/>
-              <p:cNvSpPr/>
-              <p:nvPr/>
-            </p:nvSpPr>
-            <p:spPr>
-              <a:xfrm>
-                <a:off x="3518782" y="2957151"/>
-                <a:ext cx="203200" cy="203200"/>
-              </a:xfrm>
-              <a:prstGeom prst="rect">
-                <a:avLst/>
-              </a:prstGeom>
-              <a:solidFill>
-                <a:srgbClr val="00B0F0"/>
-              </a:solidFill>
-              <a:ln w="28575">
-                <a:solidFill>
-                  <a:schemeClr val="bg1"/>
-                </a:solidFill>
-              </a:ln>
-            </p:spPr>
-            <p:style>
-              <a:lnRef idx="2">
-                <a:schemeClr val="accent1">
-                  <a:shade val="50000"/>
-                </a:schemeClr>
-              </a:lnRef>
-              <a:fillRef idx="1">
-                <a:schemeClr val="accent1"/>
-              </a:fillRef>
-              <a:effectRef idx="0">
-                <a:schemeClr val="accent1"/>
-              </a:effectRef>
-              <a:fontRef idx="minor">
-                <a:schemeClr val="lt1"/>
-              </a:fontRef>
-            </p:style>
-            <p:txBody>
-              <a:bodyPr rtlCol="0" anchor="ctr"/>
-              <a:lstStyle/>
-              <a:p>
-                <a:pPr algn="ctr"/>
-                <a:endParaRPr lang="en-US" sz="2400" dirty="0" smtClean="0">
-                  <a:solidFill>
-                    <a:schemeClr val="bg1">
-                      <a:lumMod val="50000"/>
-                    </a:schemeClr>
-                  </a:solidFill>
-                  <a:latin typeface="Avenir Book" charset="0"/>
-                  <a:ea typeface="Avenir Book" charset="0"/>
-                  <a:cs typeface="Avenir Book" charset="0"/>
-                </a:endParaRPr>
-              </a:p>
-            </p:txBody>
-          </p:sp>
-          <p:sp>
-            <p:nvSpPr>
-              <p:cNvPr id="44" name="Rectangle 43"/>
-              <p:cNvSpPr/>
-              <p:nvPr/>
-            </p:nvSpPr>
-            <p:spPr>
-              <a:xfrm>
-                <a:off x="4188052" y="2652175"/>
-                <a:ext cx="203200" cy="203200"/>
-              </a:xfrm>
-              <a:prstGeom prst="rect">
-                <a:avLst/>
-              </a:prstGeom>
-              <a:solidFill>
-                <a:schemeClr val="bg1">
-                  <a:lumMod val="65000"/>
-                </a:schemeClr>
-              </a:solidFill>
-              <a:ln w="28575">
-                <a:solidFill>
-                  <a:schemeClr val="bg1"/>
-                </a:solidFill>
-              </a:ln>
-            </p:spPr>
-            <p:style>
-              <a:lnRef idx="2">
-                <a:schemeClr val="accent1">
-                  <a:shade val="50000"/>
-                </a:schemeClr>
-              </a:lnRef>
-              <a:fillRef idx="1">
-                <a:schemeClr val="accent1"/>
-              </a:fillRef>
-              <a:effectRef idx="0">
-                <a:schemeClr val="accent1"/>
-              </a:effectRef>
-              <a:fontRef idx="minor">
-                <a:schemeClr val="lt1"/>
-              </a:fontRef>
-            </p:style>
-            <p:txBody>
-              <a:bodyPr rtlCol="0" anchor="ctr"/>
-              <a:lstStyle/>
-              <a:p>
-                <a:pPr algn="ctr"/>
-                <a:endParaRPr lang="en-US" sz="2400" dirty="0" smtClean="0">
-                  <a:solidFill>
-                    <a:schemeClr val="bg1">
-                      <a:lumMod val="50000"/>
-                    </a:schemeClr>
-                  </a:solidFill>
-                  <a:latin typeface="Avenir Book" charset="0"/>
-                  <a:ea typeface="Avenir Book" charset="0"/>
-                  <a:cs typeface="Avenir Book" charset="0"/>
-                </a:endParaRPr>
-              </a:p>
-            </p:txBody>
-          </p:sp>
-          <p:sp>
-            <p:nvSpPr>
-              <p:cNvPr id="45" name="Oval 44"/>
-              <p:cNvSpPr/>
-              <p:nvPr/>
-            </p:nvSpPr>
-            <p:spPr>
-              <a:xfrm>
-                <a:off x="4437867" y="2660736"/>
-                <a:ext cx="176105" cy="176105"/>
-              </a:xfrm>
-              <a:prstGeom prst="ellipse">
-                <a:avLst/>
-              </a:prstGeom>
+              <a:latin typeface="Avenir Book" charset="0"/>
+              <a:ea typeface="Avenir Book" charset="0"/>
+              <a:cs typeface="Avenir Book" charset="0"/>
+            </a:endParaRPr>
+          </a:p>
+        </p:txBody>
+      </p:sp>
+      <p:sp>
+        <p:nvSpPr>
+          <p:cNvPr id="14" name="Oval 13"/>
+          <p:cNvSpPr/>
+          <p:nvPr/>
+        </p:nvSpPr>
+        <p:spPr>
+          <a:xfrm>
+            <a:off x="2630114" y="3471501"/>
+            <a:ext cx="176105" cy="176105"/>
+          </a:xfrm>
+          <a:prstGeom prst="ellipse">
+            <a:avLst/>
+          </a:prstGeom>
+          <a:solidFill>
+            <a:srgbClr val="FF0000"/>
+          </a:solidFill>
+          <a:ln w="28575">
+            <a:solidFill>
+              <a:srgbClr val="FF0000"/>
+            </a:solidFill>
+          </a:ln>
+        </p:spPr>
+        <p:style>
+          <a:lnRef idx="2">
+            <a:schemeClr val="accent1">
+              <a:shade val="50000"/>
+            </a:schemeClr>
+          </a:lnRef>
+          <a:fillRef idx="1">
+            <a:schemeClr val="accent1"/>
+          </a:fillRef>
+          <a:effectRef idx="0">
+            <a:schemeClr val="accent1"/>
+          </a:effectRef>
+          <a:fontRef idx="minor">
+            <a:schemeClr val="lt1"/>
+          </a:fontRef>
+        </p:style>
+        <p:txBody>
+          <a:bodyPr rtlCol="0" anchor="ctr"/>
+          <a:lstStyle/>
+          <a:p>
+            <a:pPr algn="ctr"/>
+            <a:endParaRPr lang="en-US" sz="2400" dirty="0" smtClean="0">
               <a:solidFill>
                 <a:schemeClr val="bg1">
                   <a:lumMod val="50000"/>
                 </a:schemeClr>
               </a:solidFill>
-              <a:ln w="28575">
-                <a:solidFill>
-                  <a:schemeClr val="bg1">
-                    <a:lumMod val="50000"/>
-                  </a:schemeClr>
-                </a:solidFill>
-              </a:ln>
-            </p:spPr>
-            <p:style>
-              <a:lnRef idx="2">
-                <a:schemeClr val="accent1">
-                  <a:shade val="50000"/>
-                </a:schemeClr>
-              </a:lnRef>
-              <a:fillRef idx="1">
-                <a:schemeClr val="accent1"/>
-              </a:fillRef>
-              <a:effectRef idx="0">
-                <a:schemeClr val="accent1"/>
-              </a:effectRef>
-              <a:fontRef idx="minor">
-                <a:schemeClr val="lt1"/>
-              </a:fontRef>
-            </p:style>
-            <p:txBody>
-              <a:bodyPr rtlCol="0" anchor="ctr"/>
-              <a:lstStyle/>
-              <a:p>
-                <a:pPr algn="ctr"/>
-                <a:endParaRPr lang="en-US" sz="2400" dirty="0" smtClean="0">
-                  <a:solidFill>
-                    <a:schemeClr val="bg1">
-                      <a:lumMod val="50000"/>
-                    </a:schemeClr>
-                  </a:solidFill>
-                  <a:latin typeface="Avenir Book" charset="0"/>
-                  <a:ea typeface="Avenir Book" charset="0"/>
-                  <a:cs typeface="Avenir Book" charset="0"/>
-                </a:endParaRPr>
-              </a:p>
-            </p:txBody>
-          </p:sp>
-          <p:sp>
-            <p:nvSpPr>
-              <p:cNvPr id="46" name="Oval 45"/>
-              <p:cNvSpPr/>
-              <p:nvPr/>
-            </p:nvSpPr>
-            <p:spPr>
-              <a:xfrm>
-                <a:off x="4437867" y="2938441"/>
-                <a:ext cx="176105" cy="176105"/>
-              </a:xfrm>
-              <a:prstGeom prst="ellipse">
-                <a:avLst/>
-              </a:prstGeom>
-              <a:solidFill>
-                <a:schemeClr val="accent2"/>
-              </a:solidFill>
-              <a:ln w="28575">
-                <a:solidFill>
-                  <a:schemeClr val="accent2"/>
-                </a:solidFill>
-              </a:ln>
-            </p:spPr>
-            <p:style>
-              <a:lnRef idx="2">
-                <a:schemeClr val="accent1">
-                  <a:shade val="50000"/>
-                </a:schemeClr>
-              </a:lnRef>
-              <a:fillRef idx="1">
-                <a:schemeClr val="accent1"/>
-              </a:fillRef>
-              <a:effectRef idx="0">
-                <a:schemeClr val="accent1"/>
-              </a:effectRef>
-              <a:fontRef idx="minor">
-                <a:schemeClr val="lt1"/>
-              </a:fontRef>
-            </p:style>
-            <p:txBody>
-              <a:bodyPr rtlCol="0" anchor="ctr"/>
-              <a:lstStyle/>
-              <a:p>
-                <a:pPr algn="ctr"/>
-                <a:endParaRPr lang="en-US" sz="2400" dirty="0" smtClean="0">
-                  <a:solidFill>
-                    <a:schemeClr val="bg1">
-                      <a:lumMod val="50000"/>
-                    </a:schemeClr>
-                  </a:solidFill>
-                  <a:latin typeface="Avenir Book" charset="0"/>
-                  <a:ea typeface="Avenir Book" charset="0"/>
-                  <a:cs typeface="Avenir Book" charset="0"/>
-                </a:endParaRPr>
-              </a:p>
-            </p:txBody>
-          </p:sp>
-          <p:sp>
-            <p:nvSpPr>
-              <p:cNvPr id="47" name="Rectangle 46"/>
-              <p:cNvSpPr/>
-              <p:nvPr/>
-            </p:nvSpPr>
-            <p:spPr>
-              <a:xfrm>
-                <a:off x="4188052" y="2938441"/>
-                <a:ext cx="203200" cy="203200"/>
-              </a:xfrm>
-              <a:prstGeom prst="rect">
-                <a:avLst/>
-              </a:prstGeom>
-              <a:solidFill>
-                <a:schemeClr val="bg1">
-                  <a:lumMod val="65000"/>
-                </a:schemeClr>
-              </a:solidFill>
-              <a:ln w="28575">
-                <a:solidFill>
-                  <a:schemeClr val="bg1"/>
-                </a:solidFill>
-              </a:ln>
-            </p:spPr>
-            <p:style>
-              <a:lnRef idx="2">
-                <a:schemeClr val="accent1">
-                  <a:shade val="50000"/>
-                </a:schemeClr>
-              </a:lnRef>
-              <a:fillRef idx="1">
-                <a:schemeClr val="accent1"/>
-              </a:fillRef>
-              <a:effectRef idx="0">
-                <a:schemeClr val="accent1"/>
-              </a:effectRef>
-              <a:fontRef idx="minor">
-                <a:schemeClr val="lt1"/>
-              </a:fontRef>
-            </p:style>
-            <p:txBody>
-              <a:bodyPr rtlCol="0" anchor="ctr"/>
-              <a:lstStyle/>
-              <a:p>
-                <a:pPr algn="ctr"/>
-                <a:endParaRPr lang="en-US" sz="2400" dirty="0" smtClean="0">
-                  <a:solidFill>
-                    <a:schemeClr val="bg1">
-                      <a:lumMod val="50000"/>
-                    </a:schemeClr>
-                  </a:solidFill>
-                  <a:latin typeface="Avenir Book" charset="0"/>
-                  <a:ea typeface="Avenir Book" charset="0"/>
-                  <a:cs typeface="Avenir Book" charset="0"/>
-                </a:endParaRPr>
-              </a:p>
-            </p:txBody>
-          </p:sp>
-          <p:sp>
-            <p:nvSpPr>
-              <p:cNvPr id="56" name="Rectangle 55"/>
-              <p:cNvSpPr/>
-              <p:nvPr/>
-            </p:nvSpPr>
-            <p:spPr>
-              <a:xfrm>
-                <a:off x="5297119" y="2662324"/>
-                <a:ext cx="203200" cy="203200"/>
-              </a:xfrm>
-              <a:prstGeom prst="rect">
-                <a:avLst/>
-              </a:prstGeom>
-              <a:solidFill>
-                <a:srgbClr val="00B0F0"/>
-              </a:solidFill>
-              <a:ln w="28575">
-                <a:solidFill>
-                  <a:schemeClr val="bg1"/>
-                </a:solidFill>
-              </a:ln>
-            </p:spPr>
-            <p:style>
-              <a:lnRef idx="2">
-                <a:schemeClr val="accent1">
-                  <a:shade val="50000"/>
-                </a:schemeClr>
-              </a:lnRef>
-              <a:fillRef idx="1">
-                <a:schemeClr val="accent1"/>
-              </a:fillRef>
-              <a:effectRef idx="0">
-                <a:schemeClr val="accent1"/>
-              </a:effectRef>
-              <a:fontRef idx="minor">
-                <a:schemeClr val="lt1"/>
-              </a:fontRef>
-            </p:style>
-            <p:txBody>
-              <a:bodyPr rtlCol="0" anchor="ctr"/>
-              <a:lstStyle/>
-              <a:p>
-                <a:pPr algn="ctr"/>
-                <a:endParaRPr lang="en-US" sz="2400" dirty="0" smtClean="0">
-                  <a:solidFill>
-                    <a:schemeClr val="bg1">
-                      <a:lumMod val="50000"/>
-                    </a:schemeClr>
-                  </a:solidFill>
-                  <a:latin typeface="Avenir Book" charset="0"/>
-                  <a:ea typeface="Avenir Book" charset="0"/>
-                  <a:cs typeface="Avenir Book" charset="0"/>
-                </a:endParaRPr>
-              </a:p>
-            </p:txBody>
-          </p:sp>
-          <p:sp>
-            <p:nvSpPr>
-              <p:cNvPr id="57" name="Oval 56"/>
-              <p:cNvSpPr/>
-              <p:nvPr/>
-            </p:nvSpPr>
-            <p:spPr>
-              <a:xfrm>
-                <a:off x="5546934" y="2670885"/>
-                <a:ext cx="176105" cy="176105"/>
-              </a:xfrm>
-              <a:prstGeom prst="ellipse">
-                <a:avLst/>
-              </a:prstGeom>
+              <a:latin typeface="Avenir Book" charset="0"/>
+              <a:ea typeface="Avenir Book" charset="0"/>
+              <a:cs typeface="Avenir Book" charset="0"/>
+            </a:endParaRPr>
+          </a:p>
+        </p:txBody>
+      </p:sp>
+      <p:sp>
+        <p:nvSpPr>
+          <p:cNvPr id="15" name="Oval 14"/>
+          <p:cNvSpPr/>
+          <p:nvPr/>
+        </p:nvSpPr>
+        <p:spPr>
+          <a:xfrm>
+            <a:off x="2877567" y="3471501"/>
+            <a:ext cx="176105" cy="176105"/>
+          </a:xfrm>
+          <a:prstGeom prst="ellipse">
+            <a:avLst/>
+          </a:prstGeom>
+          <a:solidFill>
+            <a:schemeClr val="accent5"/>
+          </a:solidFill>
+          <a:ln w="28575">
+            <a:solidFill>
+              <a:schemeClr val="accent5"/>
+            </a:solidFill>
+          </a:ln>
+        </p:spPr>
+        <p:style>
+          <a:lnRef idx="2">
+            <a:schemeClr val="accent1">
+              <a:shade val="50000"/>
+            </a:schemeClr>
+          </a:lnRef>
+          <a:fillRef idx="1">
+            <a:schemeClr val="accent1"/>
+          </a:fillRef>
+          <a:effectRef idx="0">
+            <a:schemeClr val="accent1"/>
+          </a:effectRef>
+          <a:fontRef idx="minor">
+            <a:schemeClr val="lt1"/>
+          </a:fontRef>
+        </p:style>
+        <p:txBody>
+          <a:bodyPr rtlCol="0" anchor="ctr"/>
+          <a:lstStyle/>
+          <a:p>
+            <a:pPr algn="ctr"/>
+            <a:endParaRPr lang="en-US" sz="2400" dirty="0" smtClean="0">
               <a:solidFill>
                 <a:schemeClr val="bg1">
                   <a:lumMod val="50000"/>
                 </a:schemeClr>
               </a:solidFill>
-              <a:ln w="28575">
-                <a:solidFill>
-                  <a:schemeClr val="bg1">
-                    <a:lumMod val="50000"/>
-                  </a:schemeClr>
-                </a:solidFill>
-              </a:ln>
-            </p:spPr>
-            <p:style>
-              <a:lnRef idx="2">
-                <a:schemeClr val="accent1">
-                  <a:shade val="50000"/>
-                </a:schemeClr>
-              </a:lnRef>
-              <a:fillRef idx="1">
-                <a:schemeClr val="accent1"/>
-              </a:fillRef>
-              <a:effectRef idx="0">
-                <a:schemeClr val="accent1"/>
-              </a:effectRef>
-              <a:fontRef idx="minor">
-                <a:schemeClr val="lt1"/>
-              </a:fontRef>
-            </p:style>
-            <p:txBody>
-              <a:bodyPr rtlCol="0" anchor="ctr"/>
-              <a:lstStyle/>
-              <a:p>
-                <a:pPr algn="ctr"/>
-                <a:endParaRPr lang="en-US" sz="2400" dirty="0" smtClean="0">
-                  <a:solidFill>
-                    <a:schemeClr val="bg1">
-                      <a:lumMod val="50000"/>
-                    </a:schemeClr>
-                  </a:solidFill>
-                  <a:latin typeface="Avenir Book" charset="0"/>
-                  <a:ea typeface="Avenir Book" charset="0"/>
-                  <a:cs typeface="Avenir Book" charset="0"/>
-                </a:endParaRPr>
-              </a:p>
-            </p:txBody>
-          </p:sp>
-          <p:sp>
-            <p:nvSpPr>
-              <p:cNvPr id="64" name="Rectangle 63"/>
-              <p:cNvSpPr/>
-              <p:nvPr/>
-            </p:nvSpPr>
-            <p:spPr>
-              <a:xfrm>
-                <a:off x="5966389" y="2643614"/>
-                <a:ext cx="203200" cy="203200"/>
-              </a:xfrm>
-              <a:prstGeom prst="rect">
-                <a:avLst/>
-              </a:prstGeom>
-              <a:solidFill>
-                <a:schemeClr val="bg1">
-                  <a:lumMod val="65000"/>
-                </a:schemeClr>
-              </a:solidFill>
-              <a:ln w="28575">
-                <a:solidFill>
-                  <a:schemeClr val="bg1"/>
-                </a:solidFill>
-              </a:ln>
-            </p:spPr>
-            <p:style>
-              <a:lnRef idx="2">
-                <a:schemeClr val="accent1">
-                  <a:shade val="50000"/>
-                </a:schemeClr>
-              </a:lnRef>
-              <a:fillRef idx="1">
-                <a:schemeClr val="accent1"/>
-              </a:fillRef>
-              <a:effectRef idx="0">
-                <a:schemeClr val="accent1"/>
-              </a:effectRef>
-              <a:fontRef idx="minor">
-                <a:schemeClr val="lt1"/>
-              </a:fontRef>
-            </p:style>
-            <p:txBody>
-              <a:bodyPr rtlCol="0" anchor="ctr"/>
-              <a:lstStyle/>
-              <a:p>
-                <a:pPr algn="ctr"/>
-                <a:endParaRPr lang="en-US" sz="2400" dirty="0" smtClean="0">
-                  <a:solidFill>
-                    <a:schemeClr val="bg1">
-                      <a:lumMod val="50000"/>
-                    </a:schemeClr>
-                  </a:solidFill>
-                  <a:latin typeface="Avenir Book" charset="0"/>
-                  <a:ea typeface="Avenir Book" charset="0"/>
-                  <a:cs typeface="Avenir Book" charset="0"/>
-                </a:endParaRPr>
-              </a:p>
-            </p:txBody>
-          </p:sp>
-          <p:sp>
-            <p:nvSpPr>
-              <p:cNvPr id="65" name="Oval 64"/>
-              <p:cNvSpPr/>
-              <p:nvPr/>
-            </p:nvSpPr>
-            <p:spPr>
-              <a:xfrm>
-                <a:off x="6216204" y="2652175"/>
-                <a:ext cx="176105" cy="176105"/>
-              </a:xfrm>
-              <a:prstGeom prst="ellipse">
-                <a:avLst/>
-              </a:prstGeom>
+              <a:latin typeface="Avenir Book" charset="0"/>
+              <a:ea typeface="Avenir Book" charset="0"/>
+              <a:cs typeface="Avenir Book" charset="0"/>
+            </a:endParaRPr>
+          </a:p>
+        </p:txBody>
+      </p:sp>
+      <p:sp>
+        <p:nvSpPr>
+          <p:cNvPr id="52" name="TextBox 51"/>
+          <p:cNvSpPr txBox="1"/>
+          <p:nvPr/>
+        </p:nvSpPr>
+        <p:spPr>
+          <a:xfrm>
+            <a:off x="1995367" y="1786302"/>
+            <a:ext cx="975075" cy="646331"/>
+          </a:xfrm>
+          <a:prstGeom prst="rect">
+            <a:avLst/>
+          </a:prstGeom>
+          <a:noFill/>
+        </p:spPr>
+        <p:txBody>
+          <a:bodyPr wrap="none" rtlCol="0">
+            <a:spAutoFit/>
+          </a:bodyPr>
+          <a:lstStyle/>
+          <a:p>
+            <a:pPr algn="ctr"/>
+            <a:r>
+              <a:rPr lang="en-US" dirty="0" smtClean="0">
+                <a:latin typeface="Avenir Next" charset="0"/>
+                <a:ea typeface="Avenir Next" charset="0"/>
+                <a:cs typeface="Avenir Next" charset="0"/>
+              </a:rPr>
+              <a:t>Priority </a:t>
+            </a:r>
+          </a:p>
+          <a:p>
+            <a:pPr algn="ctr"/>
+            <a:r>
+              <a:rPr lang="en-US" dirty="0" smtClean="0">
+                <a:latin typeface="Avenir Next" charset="0"/>
+                <a:ea typeface="Avenir Next" charset="0"/>
+                <a:cs typeface="Avenir Next" charset="0"/>
+              </a:rPr>
+              <a:t>Queue</a:t>
+            </a:r>
+            <a:endParaRPr lang="en-US" dirty="0" smtClean="0">
+              <a:latin typeface="Avenir Next" charset="0"/>
+              <a:ea typeface="Avenir Next" charset="0"/>
+              <a:cs typeface="Avenir Next" charset="0"/>
+            </a:endParaRPr>
+          </a:p>
+        </p:txBody>
+      </p:sp>
+      <p:sp>
+        <p:nvSpPr>
+          <p:cNvPr id="54" name="TextBox 53"/>
+          <p:cNvSpPr txBox="1"/>
+          <p:nvPr/>
+        </p:nvSpPr>
+        <p:spPr>
+          <a:xfrm>
+            <a:off x="3439548" y="1790528"/>
+            <a:ext cx="1286570" cy="646331"/>
+          </a:xfrm>
+          <a:prstGeom prst="rect">
+            <a:avLst/>
+          </a:prstGeom>
+          <a:noFill/>
+        </p:spPr>
+        <p:txBody>
+          <a:bodyPr wrap="none" rtlCol="0">
+            <a:spAutoFit/>
+          </a:bodyPr>
+          <a:lstStyle/>
+          <a:p>
+            <a:pPr algn="ctr"/>
+            <a:r>
+              <a:rPr lang="en-US" dirty="0" smtClean="0">
+                <a:latin typeface="Avenir Next" charset="0"/>
+                <a:ea typeface="Avenir Next" charset="0"/>
+                <a:cs typeface="Avenir Next" charset="0"/>
+              </a:rPr>
+              <a:t>Candidate</a:t>
+            </a:r>
+          </a:p>
+          <a:p>
+            <a:pPr algn="ctr"/>
+            <a:r>
+              <a:rPr lang="en-US" dirty="0" smtClean="0">
+                <a:latin typeface="Avenir Next" charset="0"/>
+                <a:ea typeface="Avenir Next" charset="0"/>
+                <a:cs typeface="Avenir Next" charset="0"/>
+              </a:rPr>
+              <a:t>Programs</a:t>
+            </a:r>
+            <a:endParaRPr lang="en-US" dirty="0" smtClean="0">
+              <a:latin typeface="Avenir Next" charset="0"/>
+              <a:ea typeface="Avenir Next" charset="0"/>
+              <a:cs typeface="Avenir Next" charset="0"/>
+            </a:endParaRPr>
+          </a:p>
+        </p:txBody>
+      </p:sp>
+      <p:sp>
+        <p:nvSpPr>
+          <p:cNvPr id="72" name="TextBox 71"/>
+          <p:cNvSpPr txBox="1"/>
+          <p:nvPr/>
+        </p:nvSpPr>
+        <p:spPr>
+          <a:xfrm>
+            <a:off x="5059638" y="2063301"/>
+            <a:ext cx="1333057" cy="369332"/>
+          </a:xfrm>
+          <a:prstGeom prst="rect">
+            <a:avLst/>
+          </a:prstGeom>
+          <a:noFill/>
+        </p:spPr>
+        <p:txBody>
+          <a:bodyPr wrap="none" rtlCol="0">
+            <a:spAutoFit/>
+          </a:bodyPr>
+          <a:lstStyle/>
+          <a:p>
+            <a:pPr algn="ctr"/>
+            <a:r>
+              <a:rPr lang="en-US" dirty="0" smtClean="0">
+                <a:latin typeface="Avenir Next" charset="0"/>
+                <a:ea typeface="Avenir Next" charset="0"/>
+                <a:cs typeface="Avenir Next" charset="0"/>
+              </a:rPr>
+              <a:t>Local top </a:t>
+            </a:r>
+            <a:r>
+              <a:rPr lang="el-GR" dirty="0" smtClean="0">
+                <a:latin typeface="Avenir Next" charset="0"/>
+                <a:ea typeface="Avenir Next" charset="0"/>
+                <a:cs typeface="Avenir Next" charset="0"/>
+              </a:rPr>
+              <a:t>γ</a:t>
+            </a:r>
+            <a:endParaRPr lang="en-US" dirty="0" smtClean="0">
+              <a:latin typeface="Avenir Next" charset="0"/>
+              <a:ea typeface="Avenir Next" charset="0"/>
+              <a:cs typeface="Avenir Next" charset="0"/>
+            </a:endParaRPr>
+          </a:p>
+        </p:txBody>
+      </p:sp>
+      <p:cxnSp>
+        <p:nvCxnSpPr>
+          <p:cNvPr id="77" name="Straight Connector 76"/>
+          <p:cNvCxnSpPr/>
+          <p:nvPr/>
+        </p:nvCxnSpPr>
+        <p:spPr>
+          <a:xfrm flipH="1">
+            <a:off x="1794826" y="3297835"/>
+            <a:ext cx="8897112" cy="0"/>
+          </a:xfrm>
+          <a:prstGeom prst="line">
+            <a:avLst/>
+          </a:prstGeom>
+          <a:ln w="28575">
+            <a:solidFill>
+              <a:schemeClr val="bg1">
+                <a:lumMod val="75000"/>
+              </a:schemeClr>
+            </a:solidFill>
+            <a:prstDash val="sysDot"/>
+            <a:headEnd type="none" w="med" len="med"/>
+            <a:tailEnd type="none" w="med" len="med"/>
+          </a:ln>
+        </p:spPr>
+        <p:style>
+          <a:lnRef idx="1">
+            <a:schemeClr val="accent1"/>
+          </a:lnRef>
+          <a:fillRef idx="0">
+            <a:schemeClr val="accent1"/>
+          </a:fillRef>
+          <a:effectRef idx="0">
+            <a:schemeClr val="accent1"/>
+          </a:effectRef>
+          <a:fontRef idx="minor">
+            <a:schemeClr val="tx1"/>
+          </a:fontRef>
+        </p:style>
+      </p:cxnSp>
+      <p:cxnSp>
+        <p:nvCxnSpPr>
+          <p:cNvPr id="78" name="Straight Connector 77"/>
+          <p:cNvCxnSpPr/>
+          <p:nvPr/>
+        </p:nvCxnSpPr>
+        <p:spPr>
+          <a:xfrm flipH="1">
+            <a:off x="1794827" y="3839552"/>
+            <a:ext cx="8897112" cy="0"/>
+          </a:xfrm>
+          <a:prstGeom prst="line">
+            <a:avLst/>
+          </a:prstGeom>
+          <a:ln w="28575">
+            <a:solidFill>
+              <a:schemeClr val="bg1">
+                <a:lumMod val="75000"/>
+              </a:schemeClr>
+            </a:solidFill>
+            <a:prstDash val="sysDot"/>
+            <a:headEnd type="none" w="med" len="med"/>
+            <a:tailEnd type="none" w="med" len="med"/>
+          </a:ln>
+        </p:spPr>
+        <p:style>
+          <a:lnRef idx="1">
+            <a:schemeClr val="accent1"/>
+          </a:lnRef>
+          <a:fillRef idx="0">
+            <a:schemeClr val="accent1"/>
+          </a:fillRef>
+          <a:effectRef idx="0">
+            <a:schemeClr val="accent1"/>
+          </a:effectRef>
+          <a:fontRef idx="minor">
+            <a:schemeClr val="tx1"/>
+          </a:fontRef>
+        </p:style>
+      </p:cxnSp>
+      <p:sp>
+        <p:nvSpPr>
+          <p:cNvPr id="87" name="TextBox 86"/>
+          <p:cNvSpPr txBox="1"/>
+          <p:nvPr/>
+        </p:nvSpPr>
+        <p:spPr>
+          <a:xfrm>
+            <a:off x="7154825" y="2063301"/>
+            <a:ext cx="1489510" cy="369332"/>
+          </a:xfrm>
+          <a:prstGeom prst="rect">
+            <a:avLst/>
+          </a:prstGeom>
+          <a:noFill/>
+        </p:spPr>
+        <p:txBody>
+          <a:bodyPr wrap="none" rtlCol="0">
+            <a:spAutoFit/>
+          </a:bodyPr>
+          <a:lstStyle/>
+          <a:p>
+            <a:pPr algn="ctr"/>
+            <a:r>
+              <a:rPr lang="en-US" dirty="0" smtClean="0">
+                <a:latin typeface="Avenir Next" charset="0"/>
+                <a:ea typeface="Avenir Next" charset="0"/>
+                <a:cs typeface="Avenir Next" charset="0"/>
+              </a:rPr>
+              <a:t>Global top </a:t>
+            </a:r>
+            <a:r>
+              <a:rPr lang="el-GR" dirty="0" smtClean="0">
+                <a:latin typeface="Avenir Next" charset="0"/>
+                <a:ea typeface="Avenir Next" charset="0"/>
+                <a:cs typeface="Avenir Next" charset="0"/>
+              </a:rPr>
+              <a:t>γ</a:t>
+            </a:r>
+            <a:endParaRPr lang="en-US" dirty="0" smtClean="0">
+              <a:latin typeface="Avenir Next" charset="0"/>
+              <a:ea typeface="Avenir Next" charset="0"/>
+              <a:cs typeface="Avenir Next" charset="0"/>
+            </a:endParaRPr>
+          </a:p>
+        </p:txBody>
+      </p:sp>
+      <p:sp>
+        <p:nvSpPr>
+          <p:cNvPr id="93" name="TextBox 92"/>
+          <p:cNvSpPr txBox="1"/>
+          <p:nvPr/>
+        </p:nvSpPr>
+        <p:spPr>
+          <a:xfrm>
+            <a:off x="6121989" y="3397468"/>
+            <a:ext cx="1404552" cy="369332"/>
+          </a:xfrm>
+          <a:prstGeom prst="rect">
+            <a:avLst/>
+          </a:prstGeom>
+          <a:noFill/>
+        </p:spPr>
+        <p:txBody>
+          <a:bodyPr wrap="none" rtlCol="0">
+            <a:spAutoFit/>
+          </a:bodyPr>
+          <a:lstStyle/>
+          <a:p>
+            <a:r>
+              <a:rPr lang="en-US" dirty="0" smtClean="0">
+                <a:latin typeface="Avenir Next" charset="0"/>
+                <a:ea typeface="Avenir Next" charset="0"/>
+                <a:cs typeface="Avenir Next" charset="0"/>
+              </a:rPr>
+              <a:t>Global best</a:t>
+            </a:r>
+            <a:endParaRPr lang="en-US" dirty="0" smtClean="0">
+              <a:latin typeface="Avenir Next" charset="0"/>
+              <a:ea typeface="Avenir Next" charset="0"/>
+              <a:cs typeface="Avenir Next" charset="0"/>
+            </a:endParaRPr>
+          </a:p>
+        </p:txBody>
+      </p:sp>
+      <p:cxnSp>
+        <p:nvCxnSpPr>
+          <p:cNvPr id="89" name="Straight Arrow Connector 88"/>
+          <p:cNvCxnSpPr/>
+          <p:nvPr/>
+        </p:nvCxnSpPr>
+        <p:spPr>
+          <a:xfrm>
+            <a:off x="6450161" y="2890423"/>
+            <a:ext cx="358491" cy="407412"/>
+          </a:xfrm>
+          <a:prstGeom prst="straightConnector1">
+            <a:avLst/>
+          </a:prstGeom>
+          <a:ln w="28575">
+            <a:solidFill>
+              <a:schemeClr val="bg1">
+                <a:lumMod val="50000"/>
+              </a:schemeClr>
+            </a:solidFill>
+            <a:headEnd type="none" w="med" len="med"/>
+            <a:tailEnd type="triangle"/>
+          </a:ln>
+        </p:spPr>
+        <p:style>
+          <a:lnRef idx="1">
+            <a:schemeClr val="accent1"/>
+          </a:lnRef>
+          <a:fillRef idx="0">
+            <a:schemeClr val="accent1"/>
+          </a:fillRef>
+          <a:effectRef idx="0">
+            <a:schemeClr val="accent1"/>
+          </a:effectRef>
+          <a:fontRef idx="minor">
+            <a:schemeClr val="tx1"/>
+          </a:fontRef>
+        </p:style>
+      </p:cxnSp>
+      <p:cxnSp>
+        <p:nvCxnSpPr>
+          <p:cNvPr id="96" name="Straight Arrow Connector 95"/>
+          <p:cNvCxnSpPr/>
+          <p:nvPr/>
+        </p:nvCxnSpPr>
+        <p:spPr>
+          <a:xfrm flipV="1">
+            <a:off x="6839879" y="2882345"/>
+            <a:ext cx="358491" cy="407412"/>
+          </a:xfrm>
+          <a:prstGeom prst="straightConnector1">
+            <a:avLst/>
+          </a:prstGeom>
+          <a:ln w="28575">
+            <a:solidFill>
+              <a:schemeClr val="bg1">
+                <a:lumMod val="50000"/>
+              </a:schemeClr>
+            </a:solidFill>
+            <a:headEnd type="none" w="med" len="med"/>
+            <a:tailEnd type="triangle"/>
+          </a:ln>
+        </p:spPr>
+        <p:style>
+          <a:lnRef idx="1">
+            <a:schemeClr val="accent1"/>
+          </a:lnRef>
+          <a:fillRef idx="0">
+            <a:schemeClr val="accent1"/>
+          </a:fillRef>
+          <a:effectRef idx="0">
+            <a:schemeClr val="accent1"/>
+          </a:effectRef>
+          <a:fontRef idx="minor">
+            <a:schemeClr val="tx1"/>
+          </a:fontRef>
+        </p:style>
+      </p:cxnSp>
+      <p:sp>
+        <p:nvSpPr>
+          <p:cNvPr id="115" name="TextBox 114"/>
+          <p:cNvSpPr txBox="1"/>
+          <p:nvPr/>
+        </p:nvSpPr>
+        <p:spPr>
+          <a:xfrm>
+            <a:off x="8416625" y="3397468"/>
+            <a:ext cx="1284775" cy="369332"/>
+          </a:xfrm>
+          <a:prstGeom prst="rect">
+            <a:avLst/>
+          </a:prstGeom>
+          <a:noFill/>
+        </p:spPr>
+        <p:txBody>
+          <a:bodyPr wrap="none" rtlCol="0">
+            <a:spAutoFit/>
+          </a:bodyPr>
+          <a:lstStyle/>
+          <a:p>
+            <a:r>
+              <a:rPr lang="en-US" smtClean="0">
+                <a:latin typeface="Avenir Next" charset="0"/>
+                <a:ea typeface="Avenir Next" charset="0"/>
+                <a:cs typeface="Avenir Next" charset="0"/>
+              </a:rPr>
+              <a:t>Rebalance</a:t>
+            </a:r>
+            <a:endParaRPr lang="en-US" dirty="0" smtClean="0">
+              <a:latin typeface="Avenir Next" charset="0"/>
+              <a:ea typeface="Avenir Next" charset="0"/>
+              <a:cs typeface="Avenir Next" charset="0"/>
+            </a:endParaRPr>
+          </a:p>
+        </p:txBody>
+      </p:sp>
+      <p:sp>
+        <p:nvSpPr>
+          <p:cNvPr id="122" name="TextBox 121"/>
+          <p:cNvSpPr txBox="1"/>
+          <p:nvPr/>
+        </p:nvSpPr>
+        <p:spPr>
+          <a:xfrm>
+            <a:off x="9264585" y="2063301"/>
+            <a:ext cx="1489510" cy="369332"/>
+          </a:xfrm>
+          <a:prstGeom prst="rect">
+            <a:avLst/>
+          </a:prstGeom>
+          <a:noFill/>
+        </p:spPr>
+        <p:txBody>
+          <a:bodyPr wrap="none" rtlCol="0">
+            <a:spAutoFit/>
+          </a:bodyPr>
+          <a:lstStyle/>
+          <a:p>
+            <a:pPr algn="ctr"/>
+            <a:r>
+              <a:rPr lang="en-US" dirty="0" smtClean="0">
+                <a:latin typeface="Avenir Next" charset="0"/>
+                <a:ea typeface="Avenir Next" charset="0"/>
+                <a:cs typeface="Avenir Next" charset="0"/>
+              </a:rPr>
+              <a:t>Global top </a:t>
+            </a:r>
+            <a:r>
+              <a:rPr lang="el-GR" dirty="0" smtClean="0">
+                <a:latin typeface="Avenir Next" charset="0"/>
+                <a:ea typeface="Avenir Next" charset="0"/>
+                <a:cs typeface="Avenir Next" charset="0"/>
+              </a:rPr>
+              <a:t>γ</a:t>
+            </a:r>
+            <a:endParaRPr lang="en-US" dirty="0" smtClean="0">
+              <a:latin typeface="Avenir Next" charset="0"/>
+              <a:ea typeface="Avenir Next" charset="0"/>
+              <a:cs typeface="Avenir Next" charset="0"/>
+            </a:endParaRPr>
+          </a:p>
+        </p:txBody>
+      </p:sp>
+      <p:sp>
+        <p:nvSpPr>
+          <p:cNvPr id="27" name="Rectangle 26"/>
+          <p:cNvSpPr/>
+          <p:nvPr/>
+        </p:nvSpPr>
+        <p:spPr>
+          <a:xfrm>
+            <a:off x="3519427" y="3957773"/>
+            <a:ext cx="203200" cy="203200"/>
+          </a:xfrm>
+          <a:prstGeom prst="rect">
+            <a:avLst/>
+          </a:prstGeom>
+          <a:solidFill>
+            <a:srgbClr val="00B0F0"/>
+          </a:solidFill>
+          <a:ln w="28575">
+            <a:solidFill>
+              <a:schemeClr val="bg1"/>
+            </a:solidFill>
+          </a:ln>
+        </p:spPr>
+        <p:style>
+          <a:lnRef idx="2">
+            <a:schemeClr val="accent1">
+              <a:shade val="50000"/>
+            </a:schemeClr>
+          </a:lnRef>
+          <a:fillRef idx="1">
+            <a:schemeClr val="accent1"/>
+          </a:fillRef>
+          <a:effectRef idx="0">
+            <a:schemeClr val="accent1"/>
+          </a:effectRef>
+          <a:fontRef idx="minor">
+            <a:schemeClr val="lt1"/>
+          </a:fontRef>
+        </p:style>
+        <p:txBody>
+          <a:bodyPr rtlCol="0" anchor="ctr"/>
+          <a:lstStyle/>
+          <a:p>
+            <a:pPr algn="ctr"/>
+            <a:endParaRPr lang="en-US" sz="2400" dirty="0" smtClean="0">
               <a:solidFill>
                 <a:schemeClr val="bg1">
                   <a:lumMod val="50000"/>
                 </a:schemeClr>
               </a:solidFill>
-              <a:ln w="28575">
-                <a:solidFill>
-                  <a:schemeClr val="bg1">
-                    <a:lumMod val="50000"/>
-                  </a:schemeClr>
-                </a:solidFill>
-              </a:ln>
-            </p:spPr>
-            <p:style>
-              <a:lnRef idx="2">
-                <a:schemeClr val="accent1">
-                  <a:shade val="50000"/>
-                </a:schemeClr>
-              </a:lnRef>
-              <a:fillRef idx="1">
-                <a:schemeClr val="accent1"/>
-              </a:fillRef>
-              <a:effectRef idx="0">
-                <a:schemeClr val="accent1"/>
-              </a:effectRef>
-              <a:fontRef idx="minor">
-                <a:schemeClr val="lt1"/>
-              </a:fontRef>
-            </p:style>
-            <p:txBody>
-              <a:bodyPr rtlCol="0" anchor="ctr"/>
-              <a:lstStyle/>
-              <a:p>
-                <a:pPr algn="ctr"/>
-                <a:endParaRPr lang="en-US" sz="2400" dirty="0" smtClean="0">
-                  <a:solidFill>
-                    <a:schemeClr val="bg1">
-                      <a:lumMod val="50000"/>
-                    </a:schemeClr>
-                  </a:solidFill>
-                  <a:latin typeface="Avenir Book" charset="0"/>
-                  <a:ea typeface="Avenir Book" charset="0"/>
-                  <a:cs typeface="Avenir Book" charset="0"/>
-                </a:endParaRPr>
-              </a:p>
-            </p:txBody>
-          </p:sp>
-          <p:sp>
-            <p:nvSpPr>
-              <p:cNvPr id="79" name="Rectangle 78"/>
-              <p:cNvSpPr/>
-              <p:nvPr/>
-            </p:nvSpPr>
-            <p:spPr>
-              <a:xfrm>
-                <a:off x="7664683" y="2662324"/>
-                <a:ext cx="203200" cy="203200"/>
-              </a:xfrm>
-              <a:prstGeom prst="rect">
-                <a:avLst/>
-              </a:prstGeom>
-              <a:solidFill>
-                <a:srgbClr val="00B0F0"/>
-              </a:solidFill>
-              <a:ln w="28575">
-                <a:solidFill>
-                  <a:schemeClr val="bg1"/>
-                </a:solidFill>
-              </a:ln>
-            </p:spPr>
-            <p:style>
-              <a:lnRef idx="2">
-                <a:schemeClr val="accent1">
-                  <a:shade val="50000"/>
-                </a:schemeClr>
-              </a:lnRef>
-              <a:fillRef idx="1">
-                <a:schemeClr val="accent1"/>
-              </a:fillRef>
-              <a:effectRef idx="0">
-                <a:schemeClr val="accent1"/>
-              </a:effectRef>
-              <a:fontRef idx="minor">
-                <a:schemeClr val="lt1"/>
-              </a:fontRef>
-            </p:style>
-            <p:txBody>
-              <a:bodyPr rtlCol="0" anchor="ctr"/>
-              <a:lstStyle/>
-              <a:p>
-                <a:pPr algn="ctr"/>
-                <a:endParaRPr lang="en-US" sz="2400" dirty="0" smtClean="0">
-                  <a:solidFill>
-                    <a:schemeClr val="bg1">
-                      <a:lumMod val="50000"/>
-                    </a:schemeClr>
-                  </a:solidFill>
-                  <a:latin typeface="Avenir Book" charset="0"/>
-                  <a:ea typeface="Avenir Book" charset="0"/>
-                  <a:cs typeface="Avenir Book" charset="0"/>
-                </a:endParaRPr>
-              </a:p>
-            </p:txBody>
-          </p:sp>
-          <p:sp>
-            <p:nvSpPr>
-              <p:cNvPr id="80" name="Oval 79"/>
-              <p:cNvSpPr/>
-              <p:nvPr/>
-            </p:nvSpPr>
-            <p:spPr>
-              <a:xfrm>
-                <a:off x="7914498" y="2670885"/>
-                <a:ext cx="176105" cy="176105"/>
-              </a:xfrm>
-              <a:prstGeom prst="ellipse">
-                <a:avLst/>
-              </a:prstGeom>
+              <a:latin typeface="Avenir Book" charset="0"/>
+              <a:ea typeface="Avenir Book" charset="0"/>
+              <a:cs typeface="Avenir Book" charset="0"/>
+            </a:endParaRPr>
+          </a:p>
+        </p:txBody>
+      </p:sp>
+      <p:sp>
+        <p:nvSpPr>
+          <p:cNvPr id="28" name="Oval 27"/>
+          <p:cNvSpPr/>
+          <p:nvPr/>
+        </p:nvSpPr>
+        <p:spPr>
+          <a:xfrm>
+            <a:off x="3769242" y="3966334"/>
+            <a:ext cx="176105" cy="176105"/>
+          </a:xfrm>
+          <a:prstGeom prst="ellipse">
+            <a:avLst/>
+          </a:prstGeom>
+          <a:solidFill>
+            <a:srgbClr val="FF0000"/>
+          </a:solidFill>
+          <a:ln w="28575">
+            <a:solidFill>
+              <a:srgbClr val="FF0000"/>
+            </a:solidFill>
+          </a:ln>
+        </p:spPr>
+        <p:style>
+          <a:lnRef idx="2">
+            <a:schemeClr val="accent1">
+              <a:shade val="50000"/>
+            </a:schemeClr>
+          </a:lnRef>
+          <a:fillRef idx="1">
+            <a:schemeClr val="accent1"/>
+          </a:fillRef>
+          <a:effectRef idx="0">
+            <a:schemeClr val="accent1"/>
+          </a:effectRef>
+          <a:fontRef idx="minor">
+            <a:schemeClr val="lt1"/>
+          </a:fontRef>
+        </p:style>
+        <p:txBody>
+          <a:bodyPr rtlCol="0" anchor="ctr"/>
+          <a:lstStyle/>
+          <a:p>
+            <a:pPr algn="ctr"/>
+            <a:endParaRPr lang="en-US" sz="2400" dirty="0" smtClean="0">
               <a:solidFill>
                 <a:schemeClr val="bg1">
                   <a:lumMod val="50000"/>
                 </a:schemeClr>
               </a:solidFill>
-              <a:ln w="28575">
-                <a:solidFill>
-                  <a:schemeClr val="bg1">
-                    <a:lumMod val="50000"/>
-                  </a:schemeClr>
-                </a:solidFill>
-              </a:ln>
-            </p:spPr>
-            <p:style>
-              <a:lnRef idx="2">
-                <a:schemeClr val="accent1">
-                  <a:shade val="50000"/>
-                </a:schemeClr>
-              </a:lnRef>
-              <a:fillRef idx="1">
-                <a:schemeClr val="accent1"/>
-              </a:fillRef>
-              <a:effectRef idx="0">
-                <a:schemeClr val="accent1"/>
-              </a:effectRef>
-              <a:fontRef idx="minor">
-                <a:schemeClr val="lt1"/>
-              </a:fontRef>
-            </p:style>
-            <p:txBody>
-              <a:bodyPr rtlCol="0" anchor="ctr"/>
-              <a:lstStyle/>
-              <a:p>
-                <a:pPr algn="ctr"/>
-                <a:endParaRPr lang="en-US" sz="2400" dirty="0" smtClean="0">
-                  <a:solidFill>
-                    <a:schemeClr val="bg1">
-                      <a:lumMod val="50000"/>
-                    </a:schemeClr>
-                  </a:solidFill>
-                  <a:latin typeface="Avenir Book" charset="0"/>
-                  <a:ea typeface="Avenir Book" charset="0"/>
-                  <a:cs typeface="Avenir Book" charset="0"/>
-                </a:endParaRPr>
-              </a:p>
-            </p:txBody>
-          </p:sp>
-          <p:cxnSp>
-            <p:nvCxnSpPr>
-              <p:cNvPr id="108" name="Straight Arrow Connector 107"/>
-              <p:cNvCxnSpPr/>
-              <p:nvPr/>
-            </p:nvCxnSpPr>
-            <p:spPr>
-              <a:xfrm flipV="1">
-                <a:off x="4786133" y="2874085"/>
-                <a:ext cx="342838" cy="1"/>
-              </a:xfrm>
-              <a:prstGeom prst="straightConnector1">
-                <a:avLst/>
-              </a:prstGeom>
-              <a:ln w="28575">
-                <a:solidFill>
-                  <a:schemeClr val="bg1">
-                    <a:lumMod val="50000"/>
-                  </a:schemeClr>
-                </a:solidFill>
-                <a:headEnd type="none" w="med" len="med"/>
-                <a:tailEnd type="triangle"/>
-              </a:ln>
-            </p:spPr>
-            <p:style>
-              <a:lnRef idx="1">
-                <a:schemeClr val="accent1"/>
-              </a:lnRef>
-              <a:fillRef idx="0">
-                <a:schemeClr val="accent1"/>
-              </a:fillRef>
-              <a:effectRef idx="0">
-                <a:schemeClr val="accent1"/>
-              </a:effectRef>
-              <a:fontRef idx="minor">
-                <a:schemeClr val="tx1"/>
-              </a:fontRef>
-            </p:style>
-          </p:cxnSp>
-          <p:sp>
-            <p:nvSpPr>
-              <p:cNvPr id="6" name="Rectangle 5"/>
-              <p:cNvSpPr/>
-              <p:nvPr/>
-            </p:nvSpPr>
-            <p:spPr>
-              <a:xfrm>
-                <a:off x="2223353" y="2670885"/>
-                <a:ext cx="203200" cy="203200"/>
-              </a:xfrm>
-              <a:prstGeom prst="rect">
-                <a:avLst/>
-              </a:prstGeom>
-              <a:solidFill>
-                <a:srgbClr val="00B0F0"/>
-              </a:solidFill>
-              <a:ln w="28575">
-                <a:solidFill>
-                  <a:schemeClr val="bg1"/>
-                </a:solidFill>
-              </a:ln>
-            </p:spPr>
-            <p:style>
-              <a:lnRef idx="2">
-                <a:schemeClr val="accent1">
-                  <a:shade val="50000"/>
-                </a:schemeClr>
-              </a:lnRef>
-              <a:fillRef idx="1">
-                <a:schemeClr val="accent1"/>
-              </a:fillRef>
-              <a:effectRef idx="0">
-                <a:schemeClr val="accent1"/>
-              </a:effectRef>
-              <a:fontRef idx="minor">
-                <a:schemeClr val="lt1"/>
-              </a:fontRef>
-            </p:style>
-            <p:txBody>
-              <a:bodyPr rtlCol="0" anchor="ctr"/>
-              <a:lstStyle/>
-              <a:p>
-                <a:pPr algn="ctr"/>
-                <a:endParaRPr lang="en-US" sz="2400" dirty="0" smtClean="0">
-                  <a:solidFill>
-                    <a:schemeClr val="bg1">
-                      <a:lumMod val="50000"/>
-                    </a:schemeClr>
-                  </a:solidFill>
-                  <a:latin typeface="Avenir Book" charset="0"/>
-                  <a:ea typeface="Avenir Book" charset="0"/>
-                  <a:cs typeface="Avenir Book" charset="0"/>
-                </a:endParaRPr>
-              </a:p>
-            </p:txBody>
-          </p:sp>
-          <p:sp>
-            <p:nvSpPr>
-              <p:cNvPr id="31" name="Rectangle 30"/>
-              <p:cNvSpPr/>
-              <p:nvPr/>
-            </p:nvSpPr>
-            <p:spPr>
-              <a:xfrm>
-                <a:off x="2516863" y="2670885"/>
-                <a:ext cx="203200" cy="203200"/>
-              </a:xfrm>
-              <a:prstGeom prst="rect">
-                <a:avLst/>
-              </a:prstGeom>
-              <a:solidFill>
-                <a:schemeClr val="bg1">
-                  <a:lumMod val="65000"/>
-                </a:schemeClr>
-              </a:solidFill>
-              <a:ln w="28575">
-                <a:solidFill>
-                  <a:schemeClr val="bg1"/>
-                </a:solidFill>
-              </a:ln>
-            </p:spPr>
-            <p:style>
-              <a:lnRef idx="2">
-                <a:schemeClr val="accent1">
-                  <a:shade val="50000"/>
-                </a:schemeClr>
-              </a:lnRef>
-              <a:fillRef idx="1">
-                <a:schemeClr val="accent1"/>
-              </a:fillRef>
-              <a:effectRef idx="0">
-                <a:schemeClr val="accent1"/>
-              </a:effectRef>
-              <a:fontRef idx="minor">
-                <a:schemeClr val="lt1"/>
-              </a:fontRef>
-            </p:style>
-            <p:txBody>
-              <a:bodyPr rtlCol="0" anchor="ctr"/>
-              <a:lstStyle/>
-              <a:p>
-                <a:pPr algn="ctr"/>
-                <a:endParaRPr lang="en-US" sz="2400" dirty="0" smtClean="0">
-                  <a:solidFill>
-                    <a:schemeClr val="bg1">
-                      <a:lumMod val="50000"/>
-                    </a:schemeClr>
-                  </a:solidFill>
-                  <a:latin typeface="Avenir Book" charset="0"/>
-                  <a:ea typeface="Avenir Book" charset="0"/>
-                  <a:cs typeface="Avenir Book" charset="0"/>
-                </a:endParaRPr>
-              </a:p>
-            </p:txBody>
-          </p:sp>
-          <p:sp>
-            <p:nvSpPr>
-              <p:cNvPr id="118" name="Rectangle 117"/>
-              <p:cNvSpPr/>
-              <p:nvPr/>
-            </p:nvSpPr>
-            <p:spPr>
-              <a:xfrm>
-                <a:off x="9978559" y="2662324"/>
-                <a:ext cx="203200" cy="203200"/>
-              </a:xfrm>
-              <a:prstGeom prst="rect">
-                <a:avLst/>
-              </a:prstGeom>
-              <a:solidFill>
-                <a:srgbClr val="00B0F0"/>
-              </a:solidFill>
-              <a:ln w="28575">
-                <a:solidFill>
-                  <a:schemeClr val="bg1"/>
-                </a:solidFill>
-              </a:ln>
-            </p:spPr>
-            <p:style>
-              <a:lnRef idx="2">
-                <a:schemeClr val="accent1">
-                  <a:shade val="50000"/>
-                </a:schemeClr>
-              </a:lnRef>
-              <a:fillRef idx="1">
-                <a:schemeClr val="accent1"/>
-              </a:fillRef>
-              <a:effectRef idx="0">
-                <a:schemeClr val="accent1"/>
-              </a:effectRef>
-              <a:fontRef idx="minor">
-                <a:schemeClr val="lt1"/>
-              </a:fontRef>
-            </p:style>
-            <p:txBody>
-              <a:bodyPr rtlCol="0" anchor="ctr"/>
-              <a:lstStyle/>
-              <a:p>
-                <a:pPr algn="ctr"/>
-                <a:endParaRPr lang="en-US" sz="2400" dirty="0" smtClean="0">
-                  <a:solidFill>
-                    <a:schemeClr val="bg1">
-                      <a:lumMod val="50000"/>
-                    </a:schemeClr>
-                  </a:solidFill>
-                  <a:latin typeface="Avenir Book" charset="0"/>
-                  <a:ea typeface="Avenir Book" charset="0"/>
-                  <a:cs typeface="Avenir Book" charset="0"/>
-                </a:endParaRPr>
-              </a:p>
-            </p:txBody>
-          </p:sp>
-          <p:sp>
-            <p:nvSpPr>
-              <p:cNvPr id="119" name="Oval 118"/>
-              <p:cNvSpPr/>
-              <p:nvPr/>
-            </p:nvSpPr>
-            <p:spPr>
-              <a:xfrm>
-                <a:off x="10228374" y="2670885"/>
-                <a:ext cx="176105" cy="176105"/>
-              </a:xfrm>
-              <a:prstGeom prst="ellipse">
-                <a:avLst/>
-              </a:prstGeom>
+              <a:latin typeface="Avenir Book" charset="0"/>
+              <a:ea typeface="Avenir Book" charset="0"/>
+              <a:cs typeface="Avenir Book" charset="0"/>
+            </a:endParaRPr>
+          </a:p>
+        </p:txBody>
+      </p:sp>
+      <p:sp>
+        <p:nvSpPr>
+          <p:cNvPr id="29" name="Oval 28"/>
+          <p:cNvSpPr/>
+          <p:nvPr/>
+        </p:nvSpPr>
+        <p:spPr>
+          <a:xfrm>
+            <a:off x="3769242" y="4244039"/>
+            <a:ext cx="176105" cy="176105"/>
+          </a:xfrm>
+          <a:prstGeom prst="ellipse">
+            <a:avLst/>
+          </a:prstGeom>
+          <a:solidFill>
+            <a:schemeClr val="accent5"/>
+          </a:solidFill>
+          <a:ln w="28575">
+            <a:solidFill>
+              <a:schemeClr val="accent5"/>
+            </a:solidFill>
+          </a:ln>
+        </p:spPr>
+        <p:style>
+          <a:lnRef idx="2">
+            <a:schemeClr val="accent1">
+              <a:shade val="50000"/>
+            </a:schemeClr>
+          </a:lnRef>
+          <a:fillRef idx="1">
+            <a:schemeClr val="accent1"/>
+          </a:fillRef>
+          <a:effectRef idx="0">
+            <a:schemeClr val="accent1"/>
+          </a:effectRef>
+          <a:fontRef idx="minor">
+            <a:schemeClr val="lt1"/>
+          </a:fontRef>
+        </p:style>
+        <p:txBody>
+          <a:bodyPr rtlCol="0" anchor="ctr"/>
+          <a:lstStyle/>
+          <a:p>
+            <a:pPr algn="ctr"/>
+            <a:endParaRPr lang="en-US" sz="2400" dirty="0" smtClean="0">
               <a:solidFill>
                 <a:schemeClr val="bg1">
                   <a:lumMod val="50000"/>
                 </a:schemeClr>
               </a:solidFill>
-              <a:ln w="28575">
-                <a:solidFill>
-                  <a:schemeClr val="bg1">
-                    <a:lumMod val="50000"/>
-                  </a:schemeClr>
-                </a:solidFill>
-              </a:ln>
-            </p:spPr>
-            <p:style>
-              <a:lnRef idx="2">
-                <a:schemeClr val="accent1">
-                  <a:shade val="50000"/>
-                </a:schemeClr>
-              </a:lnRef>
-              <a:fillRef idx="1">
-                <a:schemeClr val="accent1"/>
-              </a:fillRef>
-              <a:effectRef idx="0">
-                <a:schemeClr val="accent1"/>
-              </a:effectRef>
-              <a:fontRef idx="minor">
-                <a:schemeClr val="lt1"/>
-              </a:fontRef>
-            </p:style>
-            <p:txBody>
-              <a:bodyPr rtlCol="0" anchor="ctr"/>
-              <a:lstStyle/>
-              <a:p>
-                <a:pPr algn="ctr"/>
-                <a:endParaRPr lang="en-US" sz="2400" dirty="0" smtClean="0">
-                  <a:solidFill>
-                    <a:schemeClr val="bg1">
-                      <a:lumMod val="50000"/>
-                    </a:schemeClr>
-                  </a:solidFill>
-                  <a:latin typeface="Avenir Book" charset="0"/>
-                  <a:ea typeface="Avenir Book" charset="0"/>
-                  <a:cs typeface="Avenir Book" charset="0"/>
-                </a:endParaRPr>
-              </a:p>
-            </p:txBody>
-          </p:sp>
-          <p:sp>
-            <p:nvSpPr>
-              <p:cNvPr id="129" name="Rectangle 128"/>
-              <p:cNvSpPr/>
-              <p:nvPr/>
-            </p:nvSpPr>
-            <p:spPr>
-              <a:xfrm>
-                <a:off x="10642581" y="2670872"/>
-                <a:ext cx="203200" cy="203200"/>
-              </a:xfrm>
-              <a:prstGeom prst="rect">
-                <a:avLst/>
-              </a:prstGeom>
-              <a:solidFill>
-                <a:schemeClr val="bg1">
-                  <a:lumMod val="65000"/>
-                </a:schemeClr>
-              </a:solidFill>
-              <a:ln w="28575">
-                <a:solidFill>
-                  <a:schemeClr val="bg1"/>
-                </a:solidFill>
-              </a:ln>
-            </p:spPr>
-            <p:style>
-              <a:lnRef idx="2">
-                <a:schemeClr val="accent1">
-                  <a:shade val="50000"/>
-                </a:schemeClr>
-              </a:lnRef>
-              <a:fillRef idx="1">
-                <a:schemeClr val="accent1"/>
-              </a:fillRef>
-              <a:effectRef idx="0">
-                <a:schemeClr val="accent1"/>
-              </a:effectRef>
-              <a:fontRef idx="minor">
-                <a:schemeClr val="lt1"/>
-              </a:fontRef>
-            </p:style>
-            <p:txBody>
-              <a:bodyPr rtlCol="0" anchor="ctr"/>
-              <a:lstStyle/>
-              <a:p>
-                <a:pPr algn="ctr"/>
-                <a:endParaRPr lang="en-US" sz="2400" dirty="0" smtClean="0">
-                  <a:solidFill>
-                    <a:schemeClr val="bg1">
-                      <a:lumMod val="50000"/>
-                    </a:schemeClr>
-                  </a:solidFill>
-                  <a:latin typeface="Avenir Book" charset="0"/>
-                  <a:ea typeface="Avenir Book" charset="0"/>
-                  <a:cs typeface="Avenir Book" charset="0"/>
-                </a:endParaRPr>
-              </a:p>
-            </p:txBody>
-          </p:sp>
-          <p:sp>
-            <p:nvSpPr>
-              <p:cNvPr id="130" name="Oval 129"/>
-              <p:cNvSpPr/>
-              <p:nvPr/>
-            </p:nvSpPr>
-            <p:spPr>
-              <a:xfrm>
-                <a:off x="10892396" y="2679433"/>
-                <a:ext cx="176105" cy="176105"/>
-              </a:xfrm>
-              <a:prstGeom prst="ellipse">
-                <a:avLst/>
-              </a:prstGeom>
-              <a:solidFill>
-                <a:srgbClr val="FF0000"/>
-              </a:solidFill>
-              <a:ln w="28575">
-                <a:solidFill>
-                  <a:srgbClr val="FF0000"/>
-                </a:solidFill>
-              </a:ln>
-            </p:spPr>
-            <p:style>
-              <a:lnRef idx="2">
-                <a:schemeClr val="accent1">
-                  <a:shade val="50000"/>
-                </a:schemeClr>
-              </a:lnRef>
-              <a:fillRef idx="1">
-                <a:schemeClr val="accent1"/>
-              </a:fillRef>
-              <a:effectRef idx="0">
-                <a:schemeClr val="accent1"/>
-              </a:effectRef>
-              <a:fontRef idx="minor">
-                <a:schemeClr val="lt1"/>
-              </a:fontRef>
-            </p:style>
-            <p:txBody>
-              <a:bodyPr rtlCol="0" anchor="ctr"/>
-              <a:lstStyle/>
-              <a:p>
-                <a:pPr algn="ctr"/>
-                <a:endParaRPr lang="en-US" sz="2400" dirty="0" smtClean="0">
-                  <a:solidFill>
-                    <a:schemeClr val="bg1">
-                      <a:lumMod val="50000"/>
-                    </a:schemeClr>
-                  </a:solidFill>
-                  <a:latin typeface="Avenir Book" charset="0"/>
-                  <a:ea typeface="Avenir Book" charset="0"/>
-                  <a:cs typeface="Avenir Book" charset="0"/>
-                </a:endParaRPr>
-              </a:p>
-            </p:txBody>
-          </p:sp>
-        </p:grpSp>
-        <p:grpSp>
-          <p:nvGrpSpPr>
-            <p:cNvPr id="143" name="Group 142"/>
-            <p:cNvGrpSpPr/>
-            <p:nvPr/>
-          </p:nvGrpSpPr>
-          <p:grpSpPr>
-            <a:xfrm flipV="1">
-              <a:off x="6605609" y="3864523"/>
-              <a:ext cx="748209" cy="415490"/>
-              <a:chOff x="6621222" y="2711960"/>
-              <a:chExt cx="748209" cy="585875"/>
-            </a:xfrm>
-          </p:grpSpPr>
-          <p:cxnSp>
-            <p:nvCxnSpPr>
-              <p:cNvPr id="144" name="Straight Arrow Connector 143"/>
-              <p:cNvCxnSpPr/>
-              <p:nvPr/>
-            </p:nvCxnSpPr>
-            <p:spPr>
-              <a:xfrm>
-                <a:off x="6621222" y="2723350"/>
-                <a:ext cx="358491" cy="574485"/>
-              </a:xfrm>
-              <a:prstGeom prst="straightConnector1">
-                <a:avLst/>
-              </a:prstGeom>
-              <a:ln w="28575">
-                <a:solidFill>
-                  <a:schemeClr val="bg1">
-                    <a:lumMod val="50000"/>
-                  </a:schemeClr>
-                </a:solidFill>
-                <a:headEnd type="none" w="med" len="med"/>
-                <a:tailEnd type="triangle"/>
-              </a:ln>
-            </p:spPr>
-            <p:style>
-              <a:lnRef idx="1">
-                <a:schemeClr val="accent1"/>
-              </a:lnRef>
-              <a:fillRef idx="0">
-                <a:schemeClr val="accent1"/>
-              </a:fillRef>
-              <a:effectRef idx="0">
-                <a:schemeClr val="accent1"/>
-              </a:effectRef>
-              <a:fontRef idx="minor">
-                <a:schemeClr val="tx1"/>
-              </a:fontRef>
-            </p:style>
-          </p:cxnSp>
-          <p:cxnSp>
-            <p:nvCxnSpPr>
-              <p:cNvPr id="145" name="Straight Arrow Connector 144"/>
-              <p:cNvCxnSpPr/>
-              <p:nvPr/>
-            </p:nvCxnSpPr>
-            <p:spPr>
-              <a:xfrm flipV="1">
-                <a:off x="7010940" y="2711960"/>
-                <a:ext cx="358491" cy="574485"/>
-              </a:xfrm>
-              <a:prstGeom prst="straightConnector1">
-                <a:avLst/>
-              </a:prstGeom>
-              <a:ln w="28575">
-                <a:solidFill>
-                  <a:schemeClr val="bg1">
-                    <a:lumMod val="50000"/>
-                  </a:schemeClr>
-                </a:solidFill>
-                <a:headEnd type="none" w="med" len="med"/>
-                <a:tailEnd type="triangle"/>
-              </a:ln>
-            </p:spPr>
-            <p:style>
-              <a:lnRef idx="1">
-                <a:schemeClr val="accent1"/>
-              </a:lnRef>
-              <a:fillRef idx="0">
-                <a:schemeClr val="accent1"/>
-              </a:fillRef>
-              <a:effectRef idx="0">
-                <a:schemeClr val="accent1"/>
-              </a:effectRef>
-              <a:fontRef idx="minor">
-                <a:schemeClr val="tx1"/>
-              </a:fontRef>
-            </p:style>
-          </p:cxnSp>
-        </p:grpSp>
-        <p:grpSp>
-          <p:nvGrpSpPr>
-            <p:cNvPr id="146" name="Group 145"/>
-            <p:cNvGrpSpPr/>
-            <p:nvPr/>
-          </p:nvGrpSpPr>
-          <p:grpSpPr>
-            <a:xfrm>
-              <a:off x="8852056" y="2874267"/>
-              <a:ext cx="748209" cy="415490"/>
-              <a:chOff x="6621222" y="2711960"/>
-              <a:chExt cx="748209" cy="585875"/>
-            </a:xfrm>
-          </p:grpSpPr>
-          <p:cxnSp>
-            <p:nvCxnSpPr>
-              <p:cNvPr id="147" name="Straight Arrow Connector 146"/>
-              <p:cNvCxnSpPr/>
-              <p:nvPr/>
-            </p:nvCxnSpPr>
-            <p:spPr>
-              <a:xfrm>
-                <a:off x="6621222" y="2723350"/>
-                <a:ext cx="358491" cy="574485"/>
-              </a:xfrm>
-              <a:prstGeom prst="straightConnector1">
-                <a:avLst/>
-              </a:prstGeom>
-              <a:ln w="28575">
-                <a:solidFill>
-                  <a:schemeClr val="bg1">
-                    <a:lumMod val="50000"/>
-                  </a:schemeClr>
-                </a:solidFill>
-                <a:headEnd type="none" w="med" len="med"/>
-                <a:tailEnd type="triangle"/>
-              </a:ln>
-            </p:spPr>
-            <p:style>
-              <a:lnRef idx="1">
-                <a:schemeClr val="accent1"/>
-              </a:lnRef>
-              <a:fillRef idx="0">
-                <a:schemeClr val="accent1"/>
-              </a:fillRef>
-              <a:effectRef idx="0">
-                <a:schemeClr val="accent1"/>
-              </a:effectRef>
-              <a:fontRef idx="minor">
-                <a:schemeClr val="tx1"/>
-              </a:fontRef>
-            </p:style>
-          </p:cxnSp>
-          <p:cxnSp>
-            <p:nvCxnSpPr>
-              <p:cNvPr id="148" name="Straight Arrow Connector 147"/>
-              <p:cNvCxnSpPr/>
-              <p:nvPr/>
-            </p:nvCxnSpPr>
-            <p:spPr>
-              <a:xfrm flipV="1">
-                <a:off x="7010940" y="2711960"/>
-                <a:ext cx="358491" cy="574485"/>
-              </a:xfrm>
-              <a:prstGeom prst="straightConnector1">
-                <a:avLst/>
-              </a:prstGeom>
-              <a:ln w="28575">
-                <a:solidFill>
-                  <a:schemeClr val="bg1">
-                    <a:lumMod val="50000"/>
-                  </a:schemeClr>
-                </a:solidFill>
-                <a:headEnd type="none" w="med" len="med"/>
-                <a:tailEnd type="triangle"/>
-              </a:ln>
-            </p:spPr>
-            <p:style>
-              <a:lnRef idx="1">
-                <a:schemeClr val="accent1"/>
-              </a:lnRef>
-              <a:fillRef idx="0">
-                <a:schemeClr val="accent1"/>
-              </a:fillRef>
-              <a:effectRef idx="0">
-                <a:schemeClr val="accent1"/>
-              </a:effectRef>
-              <a:fontRef idx="minor">
-                <a:schemeClr val="tx1"/>
-              </a:fontRef>
-            </p:style>
-          </p:cxnSp>
-        </p:grpSp>
-        <p:grpSp>
-          <p:nvGrpSpPr>
-            <p:cNvPr id="149" name="Group 148"/>
-            <p:cNvGrpSpPr/>
-            <p:nvPr/>
-          </p:nvGrpSpPr>
-          <p:grpSpPr>
-            <a:xfrm flipV="1">
-              <a:off x="8852056" y="3864523"/>
-              <a:ext cx="748209" cy="415490"/>
-              <a:chOff x="6621222" y="2711960"/>
-              <a:chExt cx="748209" cy="585875"/>
-            </a:xfrm>
-          </p:grpSpPr>
-          <p:cxnSp>
-            <p:nvCxnSpPr>
-              <p:cNvPr id="150" name="Straight Arrow Connector 149"/>
-              <p:cNvCxnSpPr/>
-              <p:nvPr/>
-            </p:nvCxnSpPr>
-            <p:spPr>
-              <a:xfrm>
-                <a:off x="6621222" y="2723350"/>
-                <a:ext cx="358491" cy="574485"/>
-              </a:xfrm>
-              <a:prstGeom prst="straightConnector1">
-                <a:avLst/>
-              </a:prstGeom>
-              <a:ln w="28575">
-                <a:solidFill>
-                  <a:schemeClr val="bg1">
-                    <a:lumMod val="50000"/>
-                  </a:schemeClr>
-                </a:solidFill>
-                <a:headEnd type="none" w="med" len="med"/>
-                <a:tailEnd type="triangle"/>
-              </a:ln>
-            </p:spPr>
-            <p:style>
-              <a:lnRef idx="1">
-                <a:schemeClr val="accent1"/>
-              </a:lnRef>
-              <a:fillRef idx="0">
-                <a:schemeClr val="accent1"/>
-              </a:fillRef>
-              <a:effectRef idx="0">
-                <a:schemeClr val="accent1"/>
-              </a:effectRef>
-              <a:fontRef idx="minor">
-                <a:schemeClr val="tx1"/>
-              </a:fontRef>
-            </p:style>
-          </p:cxnSp>
-          <p:cxnSp>
-            <p:nvCxnSpPr>
-              <p:cNvPr id="151" name="Straight Arrow Connector 150"/>
-              <p:cNvCxnSpPr/>
-              <p:nvPr/>
-            </p:nvCxnSpPr>
-            <p:spPr>
-              <a:xfrm flipV="1">
-                <a:off x="7010940" y="2711960"/>
-                <a:ext cx="358491" cy="574485"/>
-              </a:xfrm>
-              <a:prstGeom prst="straightConnector1">
-                <a:avLst/>
-              </a:prstGeom>
-              <a:ln w="28575">
-                <a:solidFill>
-                  <a:schemeClr val="bg1">
-                    <a:lumMod val="50000"/>
-                  </a:schemeClr>
-                </a:solidFill>
-                <a:headEnd type="none" w="med" len="med"/>
-                <a:tailEnd type="triangle"/>
-              </a:ln>
-            </p:spPr>
-            <p:style>
-              <a:lnRef idx="1">
-                <a:schemeClr val="accent1"/>
-              </a:lnRef>
-              <a:fillRef idx="0">
-                <a:schemeClr val="accent1"/>
-              </a:fillRef>
-              <a:effectRef idx="0">
-                <a:schemeClr val="accent1"/>
-              </a:effectRef>
-              <a:fontRef idx="minor">
-                <a:schemeClr val="tx1"/>
-              </a:fontRef>
-            </p:style>
-          </p:cxnSp>
-        </p:grpSp>
-        <p:cxnSp>
-          <p:nvCxnSpPr>
-            <p:cNvPr id="153" name="Straight Arrow Connector 152"/>
-            <p:cNvCxnSpPr/>
-            <p:nvPr/>
-          </p:nvCxnSpPr>
-          <p:spPr>
-            <a:xfrm flipV="1">
-              <a:off x="3226728" y="3011216"/>
-              <a:ext cx="174416" cy="458194"/>
-            </a:xfrm>
-            <a:prstGeom prst="straightConnector1">
-              <a:avLst/>
-            </a:prstGeom>
-            <a:ln w="28575">
+              <a:latin typeface="Avenir Book" charset="0"/>
+              <a:ea typeface="Avenir Book" charset="0"/>
+              <a:cs typeface="Avenir Book" charset="0"/>
+            </a:endParaRPr>
+          </a:p>
+        </p:txBody>
+      </p:sp>
+      <p:sp>
+        <p:nvSpPr>
+          <p:cNvPr id="30" name="Rectangle 29"/>
+          <p:cNvSpPr/>
+          <p:nvPr/>
+        </p:nvSpPr>
+        <p:spPr>
+          <a:xfrm>
+            <a:off x="3519427" y="4244039"/>
+            <a:ext cx="203200" cy="203200"/>
+          </a:xfrm>
+          <a:prstGeom prst="rect">
+            <a:avLst/>
+          </a:prstGeom>
+          <a:solidFill>
+            <a:srgbClr val="00B0F0"/>
+          </a:solidFill>
+          <a:ln w="28575">
+            <a:solidFill>
+              <a:schemeClr val="bg1"/>
+            </a:solidFill>
+          </a:ln>
+        </p:spPr>
+        <p:style>
+          <a:lnRef idx="2">
+            <a:schemeClr val="accent1">
+              <a:shade val="50000"/>
+            </a:schemeClr>
+          </a:lnRef>
+          <a:fillRef idx="1">
+            <a:schemeClr val="accent1"/>
+          </a:fillRef>
+          <a:effectRef idx="0">
+            <a:schemeClr val="accent1"/>
+          </a:effectRef>
+          <a:fontRef idx="minor">
+            <a:schemeClr val="lt1"/>
+          </a:fontRef>
+        </p:style>
+        <p:txBody>
+          <a:bodyPr rtlCol="0" anchor="ctr"/>
+          <a:lstStyle/>
+          <a:p>
+            <a:pPr algn="ctr"/>
+            <a:endParaRPr lang="en-US" sz="2400" dirty="0" smtClean="0">
               <a:solidFill>
                 <a:schemeClr val="bg1">
                   <a:lumMod val="50000"/>
                 </a:schemeClr>
               </a:solidFill>
-              <a:headEnd type="none" w="med" len="med"/>
-              <a:tailEnd type="triangle"/>
-            </a:ln>
-          </p:spPr>
-          <p:style>
-            <a:lnRef idx="1">
-              <a:schemeClr val="accent1"/>
-            </a:lnRef>
-            <a:fillRef idx="0">
-              <a:schemeClr val="accent1"/>
-            </a:fillRef>
-            <a:effectRef idx="0">
-              <a:schemeClr val="accent1"/>
-            </a:effectRef>
-            <a:fontRef idx="minor">
-              <a:schemeClr val="tx1"/>
-            </a:fontRef>
-          </p:style>
-        </p:cxnSp>
-        <p:cxnSp>
-          <p:nvCxnSpPr>
-            <p:cNvPr id="155" name="Straight Arrow Connector 154"/>
-            <p:cNvCxnSpPr/>
-            <p:nvPr/>
-          </p:nvCxnSpPr>
-          <p:spPr>
-            <a:xfrm>
-              <a:off x="3249836" y="3714844"/>
-              <a:ext cx="151308" cy="529195"/>
-            </a:xfrm>
-            <a:prstGeom prst="straightConnector1">
-              <a:avLst/>
-            </a:prstGeom>
-            <a:ln w="28575">
+              <a:latin typeface="Avenir Book" charset="0"/>
+              <a:ea typeface="Avenir Book" charset="0"/>
+              <a:cs typeface="Avenir Book" charset="0"/>
+            </a:endParaRPr>
+          </a:p>
+        </p:txBody>
+      </p:sp>
+      <p:sp>
+        <p:nvSpPr>
+          <p:cNvPr id="48" name="Rectangle 47"/>
+          <p:cNvSpPr/>
+          <p:nvPr/>
+        </p:nvSpPr>
+        <p:spPr>
+          <a:xfrm>
+            <a:off x="4188697" y="3939063"/>
+            <a:ext cx="203200" cy="203200"/>
+          </a:xfrm>
+          <a:prstGeom prst="rect">
+            <a:avLst/>
+          </a:prstGeom>
+          <a:solidFill>
+            <a:schemeClr val="bg1">
+              <a:lumMod val="65000"/>
+            </a:schemeClr>
+          </a:solidFill>
+          <a:ln w="28575">
+            <a:solidFill>
+              <a:schemeClr val="bg1"/>
+            </a:solidFill>
+          </a:ln>
+        </p:spPr>
+        <p:style>
+          <a:lnRef idx="2">
+            <a:schemeClr val="accent1">
+              <a:shade val="50000"/>
+            </a:schemeClr>
+          </a:lnRef>
+          <a:fillRef idx="1">
+            <a:schemeClr val="accent1"/>
+          </a:fillRef>
+          <a:effectRef idx="0">
+            <a:schemeClr val="accent1"/>
+          </a:effectRef>
+          <a:fontRef idx="minor">
+            <a:schemeClr val="lt1"/>
+          </a:fontRef>
+        </p:style>
+        <p:txBody>
+          <a:bodyPr rtlCol="0" anchor="ctr"/>
+          <a:lstStyle/>
+          <a:p>
+            <a:pPr algn="ctr"/>
+            <a:endParaRPr lang="en-US" sz="2400" dirty="0" smtClean="0">
               <a:solidFill>
                 <a:schemeClr val="bg1">
                   <a:lumMod val="50000"/>
                 </a:schemeClr>
               </a:solidFill>
-              <a:headEnd type="none" w="med" len="med"/>
-              <a:tailEnd type="triangle"/>
-            </a:ln>
-          </p:spPr>
-          <p:style>
-            <a:lnRef idx="1">
-              <a:schemeClr val="accent1"/>
-            </a:lnRef>
-            <a:fillRef idx="0">
-              <a:schemeClr val="accent1"/>
-            </a:fillRef>
-            <a:effectRef idx="0">
-              <a:schemeClr val="accent1"/>
-            </a:effectRef>
-            <a:fontRef idx="minor">
-              <a:schemeClr val="tx1"/>
-            </a:fontRef>
-          </p:style>
-        </p:cxnSp>
-      </p:grpSp>
+              <a:latin typeface="Avenir Book" charset="0"/>
+              <a:ea typeface="Avenir Book" charset="0"/>
+              <a:cs typeface="Avenir Book" charset="0"/>
+            </a:endParaRPr>
+          </a:p>
+        </p:txBody>
+      </p:sp>
+      <p:sp>
+        <p:nvSpPr>
+          <p:cNvPr id="49" name="Oval 48"/>
+          <p:cNvSpPr/>
+          <p:nvPr/>
+        </p:nvSpPr>
+        <p:spPr>
+          <a:xfrm>
+            <a:off x="4420224" y="3947624"/>
+            <a:ext cx="176105" cy="176105"/>
+          </a:xfrm>
+          <a:prstGeom prst="ellipse">
+            <a:avLst/>
+          </a:prstGeom>
+          <a:solidFill>
+            <a:srgbClr val="FF0000"/>
+          </a:solidFill>
+          <a:ln w="28575">
+            <a:solidFill>
+              <a:srgbClr val="FF0000"/>
+            </a:solidFill>
+          </a:ln>
+        </p:spPr>
+        <p:style>
+          <a:lnRef idx="2">
+            <a:schemeClr val="accent1">
+              <a:shade val="50000"/>
+            </a:schemeClr>
+          </a:lnRef>
+          <a:fillRef idx="1">
+            <a:schemeClr val="accent1"/>
+          </a:fillRef>
+          <a:effectRef idx="0">
+            <a:schemeClr val="accent1"/>
+          </a:effectRef>
+          <a:fontRef idx="minor">
+            <a:schemeClr val="lt1"/>
+          </a:fontRef>
+        </p:style>
+        <p:txBody>
+          <a:bodyPr rtlCol="0" anchor="ctr"/>
+          <a:lstStyle/>
+          <a:p>
+            <a:pPr algn="ctr"/>
+            <a:endParaRPr lang="en-US" sz="2400" dirty="0" smtClean="0">
+              <a:solidFill>
+                <a:schemeClr val="bg1">
+                  <a:lumMod val="50000"/>
+                </a:schemeClr>
+              </a:solidFill>
+              <a:latin typeface="Avenir Book" charset="0"/>
+              <a:ea typeface="Avenir Book" charset="0"/>
+              <a:cs typeface="Avenir Book" charset="0"/>
+            </a:endParaRPr>
+          </a:p>
+        </p:txBody>
+      </p:sp>
+      <p:sp>
+        <p:nvSpPr>
+          <p:cNvPr id="50" name="Oval 49"/>
+          <p:cNvSpPr/>
+          <p:nvPr/>
+        </p:nvSpPr>
+        <p:spPr>
+          <a:xfrm>
+            <a:off x="4420224" y="4225329"/>
+            <a:ext cx="176105" cy="176105"/>
+          </a:xfrm>
+          <a:prstGeom prst="ellipse">
+            <a:avLst/>
+          </a:prstGeom>
+          <a:solidFill>
+            <a:schemeClr val="accent5"/>
+          </a:solidFill>
+          <a:ln w="28575">
+            <a:solidFill>
+              <a:schemeClr val="accent5"/>
+            </a:solidFill>
+          </a:ln>
+        </p:spPr>
+        <p:style>
+          <a:lnRef idx="2">
+            <a:schemeClr val="accent1">
+              <a:shade val="50000"/>
+            </a:schemeClr>
+          </a:lnRef>
+          <a:fillRef idx="1">
+            <a:schemeClr val="accent1"/>
+          </a:fillRef>
+          <a:effectRef idx="0">
+            <a:schemeClr val="accent1"/>
+          </a:effectRef>
+          <a:fontRef idx="minor">
+            <a:schemeClr val="lt1"/>
+          </a:fontRef>
+        </p:style>
+        <p:txBody>
+          <a:bodyPr rtlCol="0" anchor="ctr"/>
+          <a:lstStyle/>
+          <a:p>
+            <a:pPr algn="ctr"/>
+            <a:endParaRPr lang="en-US" sz="2400" dirty="0" smtClean="0">
+              <a:solidFill>
+                <a:schemeClr val="bg1">
+                  <a:lumMod val="50000"/>
+                </a:schemeClr>
+              </a:solidFill>
+              <a:latin typeface="Avenir Book" charset="0"/>
+              <a:ea typeface="Avenir Book" charset="0"/>
+              <a:cs typeface="Avenir Book" charset="0"/>
+            </a:endParaRPr>
+          </a:p>
+        </p:txBody>
+      </p:sp>
+      <p:sp>
+        <p:nvSpPr>
+          <p:cNvPr id="51" name="Rectangle 50"/>
+          <p:cNvSpPr/>
+          <p:nvPr/>
+        </p:nvSpPr>
+        <p:spPr>
+          <a:xfrm>
+            <a:off x="4188697" y="4225329"/>
+            <a:ext cx="203200" cy="203200"/>
+          </a:xfrm>
+          <a:prstGeom prst="rect">
+            <a:avLst/>
+          </a:prstGeom>
+          <a:solidFill>
+            <a:schemeClr val="bg1">
+              <a:lumMod val="65000"/>
+            </a:schemeClr>
+          </a:solidFill>
+          <a:ln w="28575">
+            <a:solidFill>
+              <a:schemeClr val="bg1"/>
+            </a:solidFill>
+          </a:ln>
+        </p:spPr>
+        <p:style>
+          <a:lnRef idx="2">
+            <a:schemeClr val="accent1">
+              <a:shade val="50000"/>
+            </a:schemeClr>
+          </a:lnRef>
+          <a:fillRef idx="1">
+            <a:schemeClr val="accent1"/>
+          </a:fillRef>
+          <a:effectRef idx="0">
+            <a:schemeClr val="accent1"/>
+          </a:effectRef>
+          <a:fontRef idx="minor">
+            <a:schemeClr val="lt1"/>
+          </a:fontRef>
+        </p:style>
+        <p:txBody>
+          <a:bodyPr rtlCol="0" anchor="ctr"/>
+          <a:lstStyle/>
+          <a:p>
+            <a:pPr algn="ctr"/>
+            <a:endParaRPr lang="en-US" sz="2400" dirty="0" smtClean="0">
+              <a:solidFill>
+                <a:schemeClr val="bg1">
+                  <a:lumMod val="50000"/>
+                </a:schemeClr>
+              </a:solidFill>
+              <a:latin typeface="Avenir Book" charset="0"/>
+              <a:ea typeface="Avenir Book" charset="0"/>
+              <a:cs typeface="Avenir Book" charset="0"/>
+            </a:endParaRPr>
+          </a:p>
+        </p:txBody>
+      </p:sp>
+      <p:sp>
+        <p:nvSpPr>
+          <p:cNvPr id="62" name="Oval 61"/>
+          <p:cNvSpPr/>
+          <p:nvPr/>
+        </p:nvSpPr>
+        <p:spPr>
+          <a:xfrm>
+            <a:off x="5428707" y="4235478"/>
+            <a:ext cx="176105" cy="176105"/>
+          </a:xfrm>
+          <a:prstGeom prst="ellipse">
+            <a:avLst/>
+          </a:prstGeom>
+          <a:solidFill>
+            <a:schemeClr val="accent5"/>
+          </a:solidFill>
+          <a:ln w="28575">
+            <a:solidFill>
+              <a:schemeClr val="accent5"/>
+            </a:solidFill>
+          </a:ln>
+        </p:spPr>
+        <p:style>
+          <a:lnRef idx="2">
+            <a:schemeClr val="accent1">
+              <a:shade val="50000"/>
+            </a:schemeClr>
+          </a:lnRef>
+          <a:fillRef idx="1">
+            <a:schemeClr val="accent1"/>
+          </a:fillRef>
+          <a:effectRef idx="0">
+            <a:schemeClr val="accent1"/>
+          </a:effectRef>
+          <a:fontRef idx="minor">
+            <a:schemeClr val="lt1"/>
+          </a:fontRef>
+        </p:style>
+        <p:txBody>
+          <a:bodyPr rtlCol="0" anchor="ctr"/>
+          <a:lstStyle/>
+          <a:p>
+            <a:pPr algn="ctr"/>
+            <a:endParaRPr lang="en-US" sz="2400" dirty="0" smtClean="0">
+              <a:solidFill>
+                <a:schemeClr val="bg1">
+                  <a:lumMod val="50000"/>
+                </a:schemeClr>
+              </a:solidFill>
+              <a:latin typeface="Avenir Book" charset="0"/>
+              <a:ea typeface="Avenir Book" charset="0"/>
+              <a:cs typeface="Avenir Book" charset="0"/>
+            </a:endParaRPr>
+          </a:p>
+        </p:txBody>
+      </p:sp>
+      <p:sp>
+        <p:nvSpPr>
+          <p:cNvPr id="63" name="Rectangle 62"/>
+          <p:cNvSpPr/>
+          <p:nvPr/>
+        </p:nvSpPr>
+        <p:spPr>
+          <a:xfrm>
+            <a:off x="5178892" y="4235478"/>
+            <a:ext cx="203200" cy="203200"/>
+          </a:xfrm>
+          <a:prstGeom prst="rect">
+            <a:avLst/>
+          </a:prstGeom>
+          <a:solidFill>
+            <a:srgbClr val="00B0F0"/>
+          </a:solidFill>
+          <a:ln w="28575">
+            <a:solidFill>
+              <a:schemeClr val="bg1"/>
+            </a:solidFill>
+          </a:ln>
+        </p:spPr>
+        <p:style>
+          <a:lnRef idx="2">
+            <a:schemeClr val="accent1">
+              <a:shade val="50000"/>
+            </a:schemeClr>
+          </a:lnRef>
+          <a:fillRef idx="1">
+            <a:schemeClr val="accent1"/>
+          </a:fillRef>
+          <a:effectRef idx="0">
+            <a:schemeClr val="accent1"/>
+          </a:effectRef>
+          <a:fontRef idx="minor">
+            <a:schemeClr val="lt1"/>
+          </a:fontRef>
+        </p:style>
+        <p:txBody>
+          <a:bodyPr rtlCol="0" anchor="ctr"/>
+          <a:lstStyle/>
+          <a:p>
+            <a:pPr algn="ctr"/>
+            <a:endParaRPr lang="en-US" sz="2400" dirty="0" smtClean="0">
+              <a:solidFill>
+                <a:schemeClr val="bg1">
+                  <a:lumMod val="50000"/>
+                </a:schemeClr>
+              </a:solidFill>
+              <a:latin typeface="Avenir Book" charset="0"/>
+              <a:ea typeface="Avenir Book" charset="0"/>
+              <a:cs typeface="Avenir Book" charset="0"/>
+            </a:endParaRPr>
+          </a:p>
+        </p:txBody>
+      </p:sp>
+      <p:sp>
+        <p:nvSpPr>
+          <p:cNvPr id="68" name="Rectangle 67"/>
+          <p:cNvSpPr/>
+          <p:nvPr/>
+        </p:nvSpPr>
+        <p:spPr>
+          <a:xfrm>
+            <a:off x="5848162" y="3930502"/>
+            <a:ext cx="203200" cy="203200"/>
+          </a:xfrm>
+          <a:prstGeom prst="rect">
+            <a:avLst/>
+          </a:prstGeom>
+          <a:solidFill>
+            <a:schemeClr val="bg1">
+              <a:lumMod val="65000"/>
+            </a:schemeClr>
+          </a:solidFill>
+          <a:ln w="28575">
+            <a:solidFill>
+              <a:schemeClr val="bg1"/>
+            </a:solidFill>
+          </a:ln>
+        </p:spPr>
+        <p:style>
+          <a:lnRef idx="2">
+            <a:schemeClr val="accent1">
+              <a:shade val="50000"/>
+            </a:schemeClr>
+          </a:lnRef>
+          <a:fillRef idx="1">
+            <a:schemeClr val="accent1"/>
+          </a:fillRef>
+          <a:effectRef idx="0">
+            <a:schemeClr val="accent1"/>
+          </a:effectRef>
+          <a:fontRef idx="minor">
+            <a:schemeClr val="lt1"/>
+          </a:fontRef>
+        </p:style>
+        <p:txBody>
+          <a:bodyPr rtlCol="0" anchor="ctr"/>
+          <a:lstStyle/>
+          <a:p>
+            <a:pPr algn="ctr"/>
+            <a:endParaRPr lang="en-US" sz="2400" dirty="0" smtClean="0">
+              <a:solidFill>
+                <a:schemeClr val="bg1">
+                  <a:lumMod val="50000"/>
+                </a:schemeClr>
+              </a:solidFill>
+              <a:latin typeface="Avenir Book" charset="0"/>
+              <a:ea typeface="Avenir Book" charset="0"/>
+              <a:cs typeface="Avenir Book" charset="0"/>
+            </a:endParaRPr>
+          </a:p>
+        </p:txBody>
+      </p:sp>
+      <p:sp>
+        <p:nvSpPr>
+          <p:cNvPr id="69" name="Oval 68"/>
+          <p:cNvSpPr/>
+          <p:nvPr/>
+        </p:nvSpPr>
+        <p:spPr>
+          <a:xfrm>
+            <a:off x="6097977" y="3939063"/>
+            <a:ext cx="176105" cy="176105"/>
+          </a:xfrm>
+          <a:prstGeom prst="ellipse">
+            <a:avLst/>
+          </a:prstGeom>
+          <a:solidFill>
+            <a:srgbClr val="FF0000"/>
+          </a:solidFill>
+          <a:ln w="28575">
+            <a:solidFill>
+              <a:srgbClr val="FF0000"/>
+            </a:solidFill>
+          </a:ln>
+        </p:spPr>
+        <p:style>
+          <a:lnRef idx="2">
+            <a:schemeClr val="accent1">
+              <a:shade val="50000"/>
+            </a:schemeClr>
+          </a:lnRef>
+          <a:fillRef idx="1">
+            <a:schemeClr val="accent1"/>
+          </a:fillRef>
+          <a:effectRef idx="0">
+            <a:schemeClr val="accent1"/>
+          </a:effectRef>
+          <a:fontRef idx="minor">
+            <a:schemeClr val="lt1"/>
+          </a:fontRef>
+        </p:style>
+        <p:txBody>
+          <a:bodyPr rtlCol="0" anchor="ctr"/>
+          <a:lstStyle/>
+          <a:p>
+            <a:pPr algn="ctr"/>
+            <a:endParaRPr lang="en-US" sz="2400" dirty="0" smtClean="0">
+              <a:solidFill>
+                <a:schemeClr val="bg1">
+                  <a:lumMod val="50000"/>
+                </a:schemeClr>
+              </a:solidFill>
+              <a:latin typeface="Avenir Book" charset="0"/>
+              <a:ea typeface="Avenir Book" charset="0"/>
+              <a:cs typeface="Avenir Book" charset="0"/>
+            </a:endParaRPr>
+          </a:p>
+        </p:txBody>
+      </p:sp>
+      <p:sp>
+        <p:nvSpPr>
+          <p:cNvPr id="100" name="Rectangle 99"/>
+          <p:cNvSpPr/>
+          <p:nvPr/>
+        </p:nvSpPr>
+        <p:spPr>
+          <a:xfrm>
+            <a:off x="5178247" y="3930502"/>
+            <a:ext cx="203200" cy="203200"/>
+          </a:xfrm>
+          <a:prstGeom prst="rect">
+            <a:avLst/>
+          </a:prstGeom>
+          <a:solidFill>
+            <a:srgbClr val="00B0F0"/>
+          </a:solidFill>
+          <a:ln w="28575">
+            <a:solidFill>
+              <a:schemeClr val="bg1"/>
+            </a:solidFill>
+          </a:ln>
+        </p:spPr>
+        <p:style>
+          <a:lnRef idx="2">
+            <a:schemeClr val="accent1">
+              <a:shade val="50000"/>
+            </a:schemeClr>
+          </a:lnRef>
+          <a:fillRef idx="1">
+            <a:schemeClr val="accent1"/>
+          </a:fillRef>
+          <a:effectRef idx="0">
+            <a:schemeClr val="accent1"/>
+          </a:effectRef>
+          <a:fontRef idx="minor">
+            <a:schemeClr val="lt1"/>
+          </a:fontRef>
+        </p:style>
+        <p:txBody>
+          <a:bodyPr rtlCol="0" anchor="ctr"/>
+          <a:lstStyle/>
+          <a:p>
+            <a:pPr algn="ctr"/>
+            <a:endParaRPr lang="en-US" sz="2400" dirty="0" smtClean="0">
+              <a:solidFill>
+                <a:schemeClr val="bg1">
+                  <a:lumMod val="50000"/>
+                </a:schemeClr>
+              </a:solidFill>
+              <a:latin typeface="Avenir Book" charset="0"/>
+              <a:ea typeface="Avenir Book" charset="0"/>
+              <a:cs typeface="Avenir Book" charset="0"/>
+            </a:endParaRPr>
+          </a:p>
+        </p:txBody>
+      </p:sp>
+      <p:sp>
+        <p:nvSpPr>
+          <p:cNvPr id="101" name="Oval 100"/>
+          <p:cNvSpPr/>
+          <p:nvPr/>
+        </p:nvSpPr>
+        <p:spPr>
+          <a:xfrm>
+            <a:off x="5428062" y="3939063"/>
+            <a:ext cx="176105" cy="176105"/>
+          </a:xfrm>
+          <a:prstGeom prst="ellipse">
+            <a:avLst/>
+          </a:prstGeom>
+          <a:solidFill>
+            <a:srgbClr val="FF0000"/>
+          </a:solidFill>
+          <a:ln w="28575">
+            <a:solidFill>
+              <a:srgbClr val="FF0000"/>
+            </a:solidFill>
+          </a:ln>
+        </p:spPr>
+        <p:style>
+          <a:lnRef idx="2">
+            <a:schemeClr val="accent1">
+              <a:shade val="50000"/>
+            </a:schemeClr>
+          </a:lnRef>
+          <a:fillRef idx="1">
+            <a:schemeClr val="accent1"/>
+          </a:fillRef>
+          <a:effectRef idx="0">
+            <a:schemeClr val="accent1"/>
+          </a:effectRef>
+          <a:fontRef idx="minor">
+            <a:schemeClr val="lt1"/>
+          </a:fontRef>
+        </p:style>
+        <p:txBody>
+          <a:bodyPr rtlCol="0" anchor="ctr"/>
+          <a:lstStyle/>
+          <a:p>
+            <a:pPr algn="ctr"/>
+            <a:endParaRPr lang="en-US" sz="2400" dirty="0" smtClean="0">
+              <a:solidFill>
+                <a:schemeClr val="bg1">
+                  <a:lumMod val="50000"/>
+                </a:schemeClr>
+              </a:solidFill>
+              <a:latin typeface="Avenir Book" charset="0"/>
+              <a:ea typeface="Avenir Book" charset="0"/>
+              <a:cs typeface="Avenir Book" charset="0"/>
+            </a:endParaRPr>
+          </a:p>
+        </p:txBody>
+      </p:sp>
+      <p:sp>
+        <p:nvSpPr>
+          <p:cNvPr id="85" name="Rectangle 84"/>
+          <p:cNvSpPr/>
+          <p:nvPr/>
+        </p:nvSpPr>
+        <p:spPr>
+          <a:xfrm>
+            <a:off x="8023702" y="3930502"/>
+            <a:ext cx="203200" cy="203200"/>
+          </a:xfrm>
+          <a:prstGeom prst="rect">
+            <a:avLst/>
+          </a:prstGeom>
+          <a:solidFill>
+            <a:schemeClr val="bg1">
+              <a:lumMod val="65000"/>
+            </a:schemeClr>
+          </a:solidFill>
+          <a:ln w="28575">
+            <a:solidFill>
+              <a:schemeClr val="bg1"/>
+            </a:solidFill>
+          </a:ln>
+        </p:spPr>
+        <p:style>
+          <a:lnRef idx="2">
+            <a:schemeClr val="accent1">
+              <a:shade val="50000"/>
+            </a:schemeClr>
+          </a:lnRef>
+          <a:fillRef idx="1">
+            <a:schemeClr val="accent1"/>
+          </a:fillRef>
+          <a:effectRef idx="0">
+            <a:schemeClr val="accent1"/>
+          </a:effectRef>
+          <a:fontRef idx="minor">
+            <a:schemeClr val="lt1"/>
+          </a:fontRef>
+        </p:style>
+        <p:txBody>
+          <a:bodyPr rtlCol="0" anchor="ctr"/>
+          <a:lstStyle/>
+          <a:p>
+            <a:pPr algn="ctr"/>
+            <a:endParaRPr lang="en-US" sz="2400" dirty="0" smtClean="0">
+              <a:solidFill>
+                <a:schemeClr val="bg1">
+                  <a:lumMod val="50000"/>
+                </a:schemeClr>
+              </a:solidFill>
+              <a:latin typeface="Avenir Book" charset="0"/>
+              <a:ea typeface="Avenir Book" charset="0"/>
+              <a:cs typeface="Avenir Book" charset="0"/>
+            </a:endParaRPr>
+          </a:p>
+        </p:txBody>
+      </p:sp>
+      <p:sp>
+        <p:nvSpPr>
+          <p:cNvPr id="86" name="Oval 85"/>
+          <p:cNvSpPr/>
+          <p:nvPr/>
+        </p:nvSpPr>
+        <p:spPr>
+          <a:xfrm>
+            <a:off x="8273517" y="3939063"/>
+            <a:ext cx="176105" cy="176105"/>
+          </a:xfrm>
+          <a:prstGeom prst="ellipse">
+            <a:avLst/>
+          </a:prstGeom>
+          <a:solidFill>
+            <a:srgbClr val="FF0000"/>
+          </a:solidFill>
+          <a:ln w="28575">
+            <a:solidFill>
+              <a:srgbClr val="FF0000"/>
+            </a:solidFill>
+          </a:ln>
+        </p:spPr>
+        <p:style>
+          <a:lnRef idx="2">
+            <a:schemeClr val="accent1">
+              <a:shade val="50000"/>
+            </a:schemeClr>
+          </a:lnRef>
+          <a:fillRef idx="1">
+            <a:schemeClr val="accent1"/>
+          </a:fillRef>
+          <a:effectRef idx="0">
+            <a:schemeClr val="accent1"/>
+          </a:effectRef>
+          <a:fontRef idx="minor">
+            <a:schemeClr val="lt1"/>
+          </a:fontRef>
+        </p:style>
+        <p:txBody>
+          <a:bodyPr rtlCol="0" anchor="ctr"/>
+          <a:lstStyle/>
+          <a:p>
+            <a:pPr algn="ctr"/>
+            <a:endParaRPr lang="en-US" sz="2400" dirty="0" smtClean="0">
+              <a:solidFill>
+                <a:schemeClr val="bg1">
+                  <a:lumMod val="50000"/>
+                </a:schemeClr>
+              </a:solidFill>
+              <a:latin typeface="Avenir Book" charset="0"/>
+              <a:ea typeface="Avenir Book" charset="0"/>
+              <a:cs typeface="Avenir Book" charset="0"/>
+            </a:endParaRPr>
+          </a:p>
+        </p:txBody>
+      </p:sp>
+      <p:sp>
+        <p:nvSpPr>
+          <p:cNvPr id="102" name="Oval 101"/>
+          <p:cNvSpPr/>
+          <p:nvPr/>
+        </p:nvSpPr>
+        <p:spPr>
+          <a:xfrm>
+            <a:off x="7599993" y="4240311"/>
+            <a:ext cx="176105" cy="176105"/>
+          </a:xfrm>
+          <a:prstGeom prst="ellipse">
+            <a:avLst/>
+          </a:prstGeom>
+          <a:solidFill>
+            <a:schemeClr val="accent5"/>
+          </a:solidFill>
+          <a:ln w="28575">
+            <a:solidFill>
+              <a:schemeClr val="accent5"/>
+            </a:solidFill>
+          </a:ln>
+        </p:spPr>
+        <p:style>
+          <a:lnRef idx="2">
+            <a:schemeClr val="accent1">
+              <a:shade val="50000"/>
+            </a:schemeClr>
+          </a:lnRef>
+          <a:fillRef idx="1">
+            <a:schemeClr val="accent1"/>
+          </a:fillRef>
+          <a:effectRef idx="0">
+            <a:schemeClr val="accent1"/>
+          </a:effectRef>
+          <a:fontRef idx="minor">
+            <a:schemeClr val="lt1"/>
+          </a:fontRef>
+        </p:style>
+        <p:txBody>
+          <a:bodyPr rtlCol="0" anchor="ctr"/>
+          <a:lstStyle/>
+          <a:p>
+            <a:pPr algn="ctr"/>
+            <a:endParaRPr lang="en-US" sz="2400" dirty="0" smtClean="0">
+              <a:solidFill>
+                <a:schemeClr val="bg1">
+                  <a:lumMod val="50000"/>
+                </a:schemeClr>
+              </a:solidFill>
+              <a:latin typeface="Avenir Book" charset="0"/>
+              <a:ea typeface="Avenir Book" charset="0"/>
+              <a:cs typeface="Avenir Book" charset="0"/>
+            </a:endParaRPr>
+          </a:p>
+        </p:txBody>
+      </p:sp>
+      <p:sp>
+        <p:nvSpPr>
+          <p:cNvPr id="103" name="Rectangle 102"/>
+          <p:cNvSpPr/>
+          <p:nvPr/>
+        </p:nvSpPr>
+        <p:spPr>
+          <a:xfrm>
+            <a:off x="7350178" y="4240311"/>
+            <a:ext cx="203200" cy="203200"/>
+          </a:xfrm>
+          <a:prstGeom prst="rect">
+            <a:avLst/>
+          </a:prstGeom>
+          <a:solidFill>
+            <a:srgbClr val="00B0F0"/>
+          </a:solidFill>
+          <a:ln w="28575">
+            <a:solidFill>
+              <a:schemeClr val="bg1"/>
+            </a:solidFill>
+          </a:ln>
+        </p:spPr>
+        <p:style>
+          <a:lnRef idx="2">
+            <a:schemeClr val="accent1">
+              <a:shade val="50000"/>
+            </a:schemeClr>
+          </a:lnRef>
+          <a:fillRef idx="1">
+            <a:schemeClr val="accent1"/>
+          </a:fillRef>
+          <a:effectRef idx="0">
+            <a:schemeClr val="accent1"/>
+          </a:effectRef>
+          <a:fontRef idx="minor">
+            <a:schemeClr val="lt1"/>
+          </a:fontRef>
+        </p:style>
+        <p:txBody>
+          <a:bodyPr rtlCol="0" anchor="ctr"/>
+          <a:lstStyle/>
+          <a:p>
+            <a:pPr algn="ctr"/>
+            <a:endParaRPr lang="en-US" sz="2400" dirty="0" smtClean="0">
+              <a:solidFill>
+                <a:schemeClr val="bg1">
+                  <a:lumMod val="50000"/>
+                </a:schemeClr>
+              </a:solidFill>
+              <a:latin typeface="Avenir Book" charset="0"/>
+              <a:ea typeface="Avenir Book" charset="0"/>
+              <a:cs typeface="Avenir Book" charset="0"/>
+            </a:endParaRPr>
+          </a:p>
+        </p:txBody>
+      </p:sp>
+      <p:sp>
+        <p:nvSpPr>
+          <p:cNvPr id="106" name="Rectangle 105"/>
+          <p:cNvSpPr/>
+          <p:nvPr/>
+        </p:nvSpPr>
+        <p:spPr>
+          <a:xfrm>
+            <a:off x="7349533" y="3935335"/>
+            <a:ext cx="203200" cy="203200"/>
+          </a:xfrm>
+          <a:prstGeom prst="rect">
+            <a:avLst/>
+          </a:prstGeom>
+          <a:solidFill>
+            <a:srgbClr val="00B0F0"/>
+          </a:solidFill>
+          <a:ln w="28575">
+            <a:solidFill>
+              <a:schemeClr val="bg1"/>
+            </a:solidFill>
+          </a:ln>
+        </p:spPr>
+        <p:style>
+          <a:lnRef idx="2">
+            <a:schemeClr val="accent1">
+              <a:shade val="50000"/>
+            </a:schemeClr>
+          </a:lnRef>
+          <a:fillRef idx="1">
+            <a:schemeClr val="accent1"/>
+          </a:fillRef>
+          <a:effectRef idx="0">
+            <a:schemeClr val="accent1"/>
+          </a:effectRef>
+          <a:fontRef idx="minor">
+            <a:schemeClr val="lt1"/>
+          </a:fontRef>
+        </p:style>
+        <p:txBody>
+          <a:bodyPr rtlCol="0" anchor="ctr"/>
+          <a:lstStyle/>
+          <a:p>
+            <a:pPr algn="ctr"/>
+            <a:endParaRPr lang="en-US" sz="2400" dirty="0" smtClean="0">
+              <a:solidFill>
+                <a:schemeClr val="bg1">
+                  <a:lumMod val="50000"/>
+                </a:schemeClr>
+              </a:solidFill>
+              <a:latin typeface="Avenir Book" charset="0"/>
+              <a:ea typeface="Avenir Book" charset="0"/>
+              <a:cs typeface="Avenir Book" charset="0"/>
+            </a:endParaRPr>
+          </a:p>
+        </p:txBody>
+      </p:sp>
+      <p:sp>
+        <p:nvSpPr>
+          <p:cNvPr id="107" name="Oval 106"/>
+          <p:cNvSpPr/>
+          <p:nvPr/>
+        </p:nvSpPr>
+        <p:spPr>
+          <a:xfrm>
+            <a:off x="7599348" y="3943896"/>
+            <a:ext cx="176105" cy="176105"/>
+          </a:xfrm>
+          <a:prstGeom prst="ellipse">
+            <a:avLst/>
+          </a:prstGeom>
+          <a:solidFill>
+            <a:srgbClr val="FF0000"/>
+          </a:solidFill>
+          <a:ln w="28575">
+            <a:solidFill>
+              <a:srgbClr val="FF0000"/>
+            </a:solidFill>
+          </a:ln>
+        </p:spPr>
+        <p:style>
+          <a:lnRef idx="2">
+            <a:schemeClr val="accent1">
+              <a:shade val="50000"/>
+            </a:schemeClr>
+          </a:lnRef>
+          <a:fillRef idx="1">
+            <a:schemeClr val="accent1"/>
+          </a:fillRef>
+          <a:effectRef idx="0">
+            <a:schemeClr val="accent1"/>
+          </a:effectRef>
+          <a:fontRef idx="minor">
+            <a:schemeClr val="lt1"/>
+          </a:fontRef>
+        </p:style>
+        <p:txBody>
+          <a:bodyPr rtlCol="0" anchor="ctr"/>
+          <a:lstStyle/>
+          <a:p>
+            <a:pPr algn="ctr"/>
+            <a:endParaRPr lang="en-US" sz="2400" dirty="0" smtClean="0">
+              <a:solidFill>
+                <a:schemeClr val="bg1">
+                  <a:lumMod val="50000"/>
+                </a:schemeClr>
+              </a:solidFill>
+              <a:latin typeface="Avenir Book" charset="0"/>
+              <a:ea typeface="Avenir Book" charset="0"/>
+              <a:cs typeface="Avenir Book" charset="0"/>
+            </a:endParaRPr>
+          </a:p>
+        </p:txBody>
+      </p:sp>
+      <p:cxnSp>
+        <p:nvCxnSpPr>
+          <p:cNvPr id="112" name="Straight Arrow Connector 111"/>
+          <p:cNvCxnSpPr/>
+          <p:nvPr/>
+        </p:nvCxnSpPr>
+        <p:spPr>
+          <a:xfrm flipV="1">
+            <a:off x="4722125" y="4184008"/>
+            <a:ext cx="342838" cy="1"/>
+          </a:xfrm>
+          <a:prstGeom prst="straightConnector1">
+            <a:avLst/>
+          </a:prstGeom>
+          <a:ln w="28575">
+            <a:solidFill>
+              <a:schemeClr val="bg1">
+                <a:lumMod val="50000"/>
+              </a:schemeClr>
+            </a:solidFill>
+            <a:headEnd type="none" w="med" len="med"/>
+            <a:tailEnd type="triangle"/>
+          </a:ln>
+        </p:spPr>
+        <p:style>
+          <a:lnRef idx="1">
+            <a:schemeClr val="accent1"/>
+          </a:lnRef>
+          <a:fillRef idx="0">
+            <a:schemeClr val="accent1"/>
+          </a:fillRef>
+          <a:effectRef idx="0">
+            <a:schemeClr val="accent1"/>
+          </a:effectRef>
+          <a:fontRef idx="minor">
+            <a:schemeClr val="tx1"/>
+          </a:fontRef>
+        </p:style>
+      </p:cxnSp>
+      <p:sp>
+        <p:nvSpPr>
+          <p:cNvPr id="127" name="Rectangle 126"/>
+          <p:cNvSpPr/>
+          <p:nvPr/>
+        </p:nvSpPr>
+        <p:spPr>
+          <a:xfrm>
+            <a:off x="2223353" y="3957331"/>
+            <a:ext cx="203200" cy="203200"/>
+          </a:xfrm>
+          <a:prstGeom prst="rect">
+            <a:avLst/>
+          </a:prstGeom>
+          <a:solidFill>
+            <a:srgbClr val="00B0F0"/>
+          </a:solidFill>
+          <a:ln w="28575">
+            <a:solidFill>
+              <a:schemeClr val="bg1"/>
+            </a:solidFill>
+          </a:ln>
+        </p:spPr>
+        <p:style>
+          <a:lnRef idx="2">
+            <a:schemeClr val="accent1">
+              <a:shade val="50000"/>
+            </a:schemeClr>
+          </a:lnRef>
+          <a:fillRef idx="1">
+            <a:schemeClr val="accent1"/>
+          </a:fillRef>
+          <a:effectRef idx="0">
+            <a:schemeClr val="accent1"/>
+          </a:effectRef>
+          <a:fontRef idx="minor">
+            <a:schemeClr val="lt1"/>
+          </a:fontRef>
+        </p:style>
+        <p:txBody>
+          <a:bodyPr rtlCol="0" anchor="ctr"/>
+          <a:lstStyle/>
+          <a:p>
+            <a:pPr algn="ctr"/>
+            <a:endParaRPr lang="en-US" sz="2400" dirty="0" smtClean="0">
+              <a:solidFill>
+                <a:schemeClr val="bg1">
+                  <a:lumMod val="50000"/>
+                </a:schemeClr>
+              </a:solidFill>
+              <a:latin typeface="Avenir Book" charset="0"/>
+              <a:ea typeface="Avenir Book" charset="0"/>
+              <a:cs typeface="Avenir Book" charset="0"/>
+            </a:endParaRPr>
+          </a:p>
+        </p:txBody>
+      </p:sp>
+      <p:sp>
+        <p:nvSpPr>
+          <p:cNvPr id="128" name="Rectangle 127"/>
+          <p:cNvSpPr/>
+          <p:nvPr/>
+        </p:nvSpPr>
+        <p:spPr>
+          <a:xfrm>
+            <a:off x="2516863" y="3957331"/>
+            <a:ext cx="203200" cy="203200"/>
+          </a:xfrm>
+          <a:prstGeom prst="rect">
+            <a:avLst/>
+          </a:prstGeom>
+          <a:solidFill>
+            <a:schemeClr val="bg1">
+              <a:lumMod val="65000"/>
+            </a:schemeClr>
+          </a:solidFill>
+          <a:ln w="28575">
+            <a:solidFill>
+              <a:schemeClr val="bg1"/>
+            </a:solidFill>
+          </a:ln>
+        </p:spPr>
+        <p:style>
+          <a:lnRef idx="2">
+            <a:schemeClr val="accent1">
+              <a:shade val="50000"/>
+            </a:schemeClr>
+          </a:lnRef>
+          <a:fillRef idx="1">
+            <a:schemeClr val="accent1"/>
+          </a:fillRef>
+          <a:effectRef idx="0">
+            <a:schemeClr val="accent1"/>
+          </a:effectRef>
+          <a:fontRef idx="minor">
+            <a:schemeClr val="lt1"/>
+          </a:fontRef>
+        </p:style>
+        <p:txBody>
+          <a:bodyPr rtlCol="0" anchor="ctr"/>
+          <a:lstStyle/>
+          <a:p>
+            <a:pPr algn="ctr"/>
+            <a:endParaRPr lang="en-US" sz="2400" dirty="0" smtClean="0">
+              <a:solidFill>
+                <a:schemeClr val="bg1">
+                  <a:lumMod val="50000"/>
+                </a:schemeClr>
+              </a:solidFill>
+              <a:latin typeface="Avenir Book" charset="0"/>
+              <a:ea typeface="Avenir Book" charset="0"/>
+              <a:cs typeface="Avenir Book" charset="0"/>
+            </a:endParaRPr>
+          </a:p>
+        </p:txBody>
+      </p:sp>
+      <p:sp>
+        <p:nvSpPr>
+          <p:cNvPr id="123" name="Oval 122"/>
+          <p:cNvSpPr/>
+          <p:nvPr/>
+        </p:nvSpPr>
+        <p:spPr>
+          <a:xfrm>
+            <a:off x="9712701" y="4240311"/>
+            <a:ext cx="176105" cy="176105"/>
+          </a:xfrm>
+          <a:prstGeom prst="ellipse">
+            <a:avLst/>
+          </a:prstGeom>
+          <a:solidFill>
+            <a:schemeClr val="accent5"/>
+          </a:solidFill>
+          <a:ln w="28575">
+            <a:solidFill>
+              <a:schemeClr val="accent5"/>
+            </a:solidFill>
+          </a:ln>
+        </p:spPr>
+        <p:style>
+          <a:lnRef idx="2">
+            <a:schemeClr val="accent1">
+              <a:shade val="50000"/>
+            </a:schemeClr>
+          </a:lnRef>
+          <a:fillRef idx="1">
+            <a:schemeClr val="accent1"/>
+          </a:fillRef>
+          <a:effectRef idx="0">
+            <a:schemeClr val="accent1"/>
+          </a:effectRef>
+          <a:fontRef idx="minor">
+            <a:schemeClr val="lt1"/>
+          </a:fontRef>
+        </p:style>
+        <p:txBody>
+          <a:bodyPr rtlCol="0" anchor="ctr"/>
+          <a:lstStyle/>
+          <a:p>
+            <a:pPr algn="ctr"/>
+            <a:endParaRPr lang="en-US" sz="2400" dirty="0" smtClean="0">
+              <a:solidFill>
+                <a:schemeClr val="bg1">
+                  <a:lumMod val="50000"/>
+                </a:schemeClr>
+              </a:solidFill>
+              <a:latin typeface="Avenir Book" charset="0"/>
+              <a:ea typeface="Avenir Book" charset="0"/>
+              <a:cs typeface="Avenir Book" charset="0"/>
+            </a:endParaRPr>
+          </a:p>
+        </p:txBody>
+      </p:sp>
+      <p:sp>
+        <p:nvSpPr>
+          <p:cNvPr id="124" name="Rectangle 123"/>
+          <p:cNvSpPr/>
+          <p:nvPr/>
+        </p:nvSpPr>
+        <p:spPr>
+          <a:xfrm>
+            <a:off x="9462886" y="4240311"/>
+            <a:ext cx="203200" cy="203200"/>
+          </a:xfrm>
+          <a:prstGeom prst="rect">
+            <a:avLst/>
+          </a:prstGeom>
+          <a:solidFill>
+            <a:srgbClr val="00B0F0"/>
+          </a:solidFill>
+          <a:ln w="28575">
+            <a:solidFill>
+              <a:schemeClr val="bg1"/>
+            </a:solidFill>
+          </a:ln>
+        </p:spPr>
+        <p:style>
+          <a:lnRef idx="2">
+            <a:schemeClr val="accent1">
+              <a:shade val="50000"/>
+            </a:schemeClr>
+          </a:lnRef>
+          <a:fillRef idx="1">
+            <a:schemeClr val="accent1"/>
+          </a:fillRef>
+          <a:effectRef idx="0">
+            <a:schemeClr val="accent1"/>
+          </a:effectRef>
+          <a:fontRef idx="minor">
+            <a:schemeClr val="lt1"/>
+          </a:fontRef>
+        </p:style>
+        <p:txBody>
+          <a:bodyPr rtlCol="0" anchor="ctr"/>
+          <a:lstStyle/>
+          <a:p>
+            <a:pPr algn="ctr"/>
+            <a:endParaRPr lang="en-US" sz="2400" dirty="0" smtClean="0">
+              <a:solidFill>
+                <a:schemeClr val="bg1">
+                  <a:lumMod val="50000"/>
+                </a:schemeClr>
+              </a:solidFill>
+              <a:latin typeface="Avenir Book" charset="0"/>
+              <a:ea typeface="Avenir Book" charset="0"/>
+              <a:cs typeface="Avenir Book" charset="0"/>
+            </a:endParaRPr>
+          </a:p>
+        </p:txBody>
+      </p:sp>
+      <p:sp>
+        <p:nvSpPr>
+          <p:cNvPr id="125" name="Rectangle 124"/>
+          <p:cNvSpPr/>
+          <p:nvPr/>
+        </p:nvSpPr>
+        <p:spPr>
+          <a:xfrm>
+            <a:off x="9462241" y="3935335"/>
+            <a:ext cx="203200" cy="203200"/>
+          </a:xfrm>
+          <a:prstGeom prst="rect">
+            <a:avLst/>
+          </a:prstGeom>
+          <a:solidFill>
+            <a:srgbClr val="00B0F0"/>
+          </a:solidFill>
+          <a:ln w="28575">
+            <a:solidFill>
+              <a:schemeClr val="bg1"/>
+            </a:solidFill>
+          </a:ln>
+        </p:spPr>
+        <p:style>
+          <a:lnRef idx="2">
+            <a:schemeClr val="accent1">
+              <a:shade val="50000"/>
+            </a:schemeClr>
+          </a:lnRef>
+          <a:fillRef idx="1">
+            <a:schemeClr val="accent1"/>
+          </a:fillRef>
+          <a:effectRef idx="0">
+            <a:schemeClr val="accent1"/>
+          </a:effectRef>
+          <a:fontRef idx="minor">
+            <a:schemeClr val="lt1"/>
+          </a:fontRef>
+        </p:style>
+        <p:txBody>
+          <a:bodyPr rtlCol="0" anchor="ctr"/>
+          <a:lstStyle/>
+          <a:p>
+            <a:pPr algn="ctr"/>
+            <a:endParaRPr lang="en-US" sz="2400" dirty="0" smtClean="0">
+              <a:solidFill>
+                <a:schemeClr val="bg1">
+                  <a:lumMod val="50000"/>
+                </a:schemeClr>
+              </a:solidFill>
+              <a:latin typeface="Avenir Book" charset="0"/>
+              <a:ea typeface="Avenir Book" charset="0"/>
+              <a:cs typeface="Avenir Book" charset="0"/>
+            </a:endParaRPr>
+          </a:p>
+        </p:txBody>
+      </p:sp>
+      <p:sp>
+        <p:nvSpPr>
+          <p:cNvPr id="126" name="Oval 125"/>
+          <p:cNvSpPr/>
+          <p:nvPr/>
+        </p:nvSpPr>
+        <p:spPr>
+          <a:xfrm>
+            <a:off x="9712056" y="3943896"/>
+            <a:ext cx="176105" cy="176105"/>
+          </a:xfrm>
+          <a:prstGeom prst="ellipse">
+            <a:avLst/>
+          </a:prstGeom>
+          <a:solidFill>
+            <a:srgbClr val="FF0000"/>
+          </a:solidFill>
+          <a:ln w="28575">
+            <a:solidFill>
+              <a:srgbClr val="FF0000"/>
+            </a:solidFill>
+          </a:ln>
+        </p:spPr>
+        <p:style>
+          <a:lnRef idx="2">
+            <a:schemeClr val="accent1">
+              <a:shade val="50000"/>
+            </a:schemeClr>
+          </a:lnRef>
+          <a:fillRef idx="1">
+            <a:schemeClr val="accent1"/>
+          </a:fillRef>
+          <a:effectRef idx="0">
+            <a:schemeClr val="accent1"/>
+          </a:effectRef>
+          <a:fontRef idx="minor">
+            <a:schemeClr val="lt1"/>
+          </a:fontRef>
+        </p:style>
+        <p:txBody>
+          <a:bodyPr rtlCol="0" anchor="ctr"/>
+          <a:lstStyle/>
+          <a:p>
+            <a:pPr algn="ctr"/>
+            <a:endParaRPr lang="en-US" sz="2400" dirty="0" smtClean="0">
+              <a:solidFill>
+                <a:schemeClr val="bg1">
+                  <a:lumMod val="50000"/>
+                </a:schemeClr>
+              </a:solidFill>
+              <a:latin typeface="Avenir Book" charset="0"/>
+              <a:ea typeface="Avenir Book" charset="0"/>
+              <a:cs typeface="Avenir Book" charset="0"/>
+            </a:endParaRPr>
+          </a:p>
+        </p:txBody>
+      </p:sp>
+      <p:sp>
+        <p:nvSpPr>
+          <p:cNvPr id="20" name="Rectangle 19"/>
+          <p:cNvSpPr/>
+          <p:nvPr/>
+        </p:nvSpPr>
+        <p:spPr>
+          <a:xfrm>
+            <a:off x="3518782" y="2724950"/>
+            <a:ext cx="203200" cy="203200"/>
+          </a:xfrm>
+          <a:prstGeom prst="rect">
+            <a:avLst/>
+          </a:prstGeom>
+          <a:solidFill>
+            <a:srgbClr val="00B0F0"/>
+          </a:solidFill>
+          <a:ln w="28575">
+            <a:solidFill>
+              <a:schemeClr val="bg1"/>
+            </a:solidFill>
+          </a:ln>
+        </p:spPr>
+        <p:style>
+          <a:lnRef idx="2">
+            <a:schemeClr val="accent1">
+              <a:shade val="50000"/>
+            </a:schemeClr>
+          </a:lnRef>
+          <a:fillRef idx="1">
+            <a:schemeClr val="accent1"/>
+          </a:fillRef>
+          <a:effectRef idx="0">
+            <a:schemeClr val="accent1"/>
+          </a:effectRef>
+          <a:fontRef idx="minor">
+            <a:schemeClr val="lt1"/>
+          </a:fontRef>
+        </p:style>
+        <p:txBody>
+          <a:bodyPr rtlCol="0" anchor="ctr"/>
+          <a:lstStyle/>
+          <a:p>
+            <a:pPr algn="ctr"/>
+            <a:endParaRPr lang="en-US" sz="2400" dirty="0" smtClean="0">
+              <a:solidFill>
+                <a:schemeClr val="bg1">
+                  <a:lumMod val="50000"/>
+                </a:schemeClr>
+              </a:solidFill>
+              <a:latin typeface="Avenir Book" charset="0"/>
+              <a:ea typeface="Avenir Book" charset="0"/>
+              <a:cs typeface="Avenir Book" charset="0"/>
+            </a:endParaRPr>
+          </a:p>
+        </p:txBody>
+      </p:sp>
+      <p:sp>
+        <p:nvSpPr>
+          <p:cNvPr id="22" name="Oval 21"/>
+          <p:cNvSpPr/>
+          <p:nvPr/>
+        </p:nvSpPr>
+        <p:spPr>
+          <a:xfrm>
+            <a:off x="3768597" y="2733511"/>
+            <a:ext cx="176105" cy="176105"/>
+          </a:xfrm>
+          <a:prstGeom prst="ellipse">
+            <a:avLst/>
+          </a:prstGeom>
+          <a:solidFill>
+            <a:schemeClr val="bg1">
+              <a:lumMod val="50000"/>
+            </a:schemeClr>
+          </a:solidFill>
+          <a:ln w="28575">
+            <a:solidFill>
+              <a:schemeClr val="bg1">
+                <a:lumMod val="50000"/>
+              </a:schemeClr>
+            </a:solidFill>
+          </a:ln>
+        </p:spPr>
+        <p:style>
+          <a:lnRef idx="2">
+            <a:schemeClr val="accent1">
+              <a:shade val="50000"/>
+            </a:schemeClr>
+          </a:lnRef>
+          <a:fillRef idx="1">
+            <a:schemeClr val="accent1"/>
+          </a:fillRef>
+          <a:effectRef idx="0">
+            <a:schemeClr val="accent1"/>
+          </a:effectRef>
+          <a:fontRef idx="minor">
+            <a:schemeClr val="lt1"/>
+          </a:fontRef>
+        </p:style>
+        <p:txBody>
+          <a:bodyPr rtlCol="0" anchor="ctr"/>
+          <a:lstStyle/>
+          <a:p>
+            <a:pPr algn="ctr"/>
+            <a:endParaRPr lang="en-US" sz="2400" dirty="0" smtClean="0">
+              <a:solidFill>
+                <a:schemeClr val="bg1">
+                  <a:lumMod val="50000"/>
+                </a:schemeClr>
+              </a:solidFill>
+              <a:latin typeface="Avenir Book" charset="0"/>
+              <a:ea typeface="Avenir Book" charset="0"/>
+              <a:cs typeface="Avenir Book" charset="0"/>
+            </a:endParaRPr>
+          </a:p>
+        </p:txBody>
+      </p:sp>
+      <p:sp>
+        <p:nvSpPr>
+          <p:cNvPr id="23" name="Oval 22"/>
+          <p:cNvSpPr/>
+          <p:nvPr/>
+        </p:nvSpPr>
+        <p:spPr>
+          <a:xfrm>
+            <a:off x="3768597" y="3011216"/>
+            <a:ext cx="176105" cy="176105"/>
+          </a:xfrm>
+          <a:prstGeom prst="ellipse">
+            <a:avLst/>
+          </a:prstGeom>
+          <a:solidFill>
+            <a:schemeClr val="accent2"/>
+          </a:solidFill>
+          <a:ln w="28575">
+            <a:solidFill>
+              <a:schemeClr val="accent2"/>
+            </a:solidFill>
+          </a:ln>
+        </p:spPr>
+        <p:style>
+          <a:lnRef idx="2">
+            <a:schemeClr val="accent1">
+              <a:shade val="50000"/>
+            </a:schemeClr>
+          </a:lnRef>
+          <a:fillRef idx="1">
+            <a:schemeClr val="accent1"/>
+          </a:fillRef>
+          <a:effectRef idx="0">
+            <a:schemeClr val="accent1"/>
+          </a:effectRef>
+          <a:fontRef idx="minor">
+            <a:schemeClr val="lt1"/>
+          </a:fontRef>
+        </p:style>
+        <p:txBody>
+          <a:bodyPr rtlCol="0" anchor="ctr"/>
+          <a:lstStyle/>
+          <a:p>
+            <a:pPr algn="ctr"/>
+            <a:endParaRPr lang="en-US" sz="2400" dirty="0" smtClean="0">
+              <a:solidFill>
+                <a:schemeClr val="bg1">
+                  <a:lumMod val="50000"/>
+                </a:schemeClr>
+              </a:solidFill>
+              <a:latin typeface="Avenir Book" charset="0"/>
+              <a:ea typeface="Avenir Book" charset="0"/>
+              <a:cs typeface="Avenir Book" charset="0"/>
+            </a:endParaRPr>
+          </a:p>
+        </p:txBody>
+      </p:sp>
+      <p:sp>
+        <p:nvSpPr>
+          <p:cNvPr id="26" name="Rectangle 25"/>
+          <p:cNvSpPr/>
+          <p:nvPr/>
+        </p:nvSpPr>
+        <p:spPr>
+          <a:xfrm>
+            <a:off x="3518782" y="3011216"/>
+            <a:ext cx="203200" cy="203200"/>
+          </a:xfrm>
+          <a:prstGeom prst="rect">
+            <a:avLst/>
+          </a:prstGeom>
+          <a:solidFill>
+            <a:srgbClr val="00B0F0"/>
+          </a:solidFill>
+          <a:ln w="28575">
+            <a:solidFill>
+              <a:schemeClr val="bg1"/>
+            </a:solidFill>
+          </a:ln>
+        </p:spPr>
+        <p:style>
+          <a:lnRef idx="2">
+            <a:schemeClr val="accent1">
+              <a:shade val="50000"/>
+            </a:schemeClr>
+          </a:lnRef>
+          <a:fillRef idx="1">
+            <a:schemeClr val="accent1"/>
+          </a:fillRef>
+          <a:effectRef idx="0">
+            <a:schemeClr val="accent1"/>
+          </a:effectRef>
+          <a:fontRef idx="minor">
+            <a:schemeClr val="lt1"/>
+          </a:fontRef>
+        </p:style>
+        <p:txBody>
+          <a:bodyPr rtlCol="0" anchor="ctr"/>
+          <a:lstStyle/>
+          <a:p>
+            <a:pPr algn="ctr"/>
+            <a:endParaRPr lang="en-US" sz="2400" dirty="0" smtClean="0">
+              <a:solidFill>
+                <a:schemeClr val="bg1">
+                  <a:lumMod val="50000"/>
+                </a:schemeClr>
+              </a:solidFill>
+              <a:latin typeface="Avenir Book" charset="0"/>
+              <a:ea typeface="Avenir Book" charset="0"/>
+              <a:cs typeface="Avenir Book" charset="0"/>
+            </a:endParaRPr>
+          </a:p>
+        </p:txBody>
+      </p:sp>
+      <p:sp>
+        <p:nvSpPr>
+          <p:cNvPr id="44" name="Rectangle 43"/>
+          <p:cNvSpPr/>
+          <p:nvPr/>
+        </p:nvSpPr>
+        <p:spPr>
+          <a:xfrm>
+            <a:off x="4188052" y="2706240"/>
+            <a:ext cx="203200" cy="203200"/>
+          </a:xfrm>
+          <a:prstGeom prst="rect">
+            <a:avLst/>
+          </a:prstGeom>
+          <a:solidFill>
+            <a:schemeClr val="bg1">
+              <a:lumMod val="65000"/>
+            </a:schemeClr>
+          </a:solidFill>
+          <a:ln w="28575">
+            <a:solidFill>
+              <a:schemeClr val="bg1"/>
+            </a:solidFill>
+          </a:ln>
+        </p:spPr>
+        <p:style>
+          <a:lnRef idx="2">
+            <a:schemeClr val="accent1">
+              <a:shade val="50000"/>
+            </a:schemeClr>
+          </a:lnRef>
+          <a:fillRef idx="1">
+            <a:schemeClr val="accent1"/>
+          </a:fillRef>
+          <a:effectRef idx="0">
+            <a:schemeClr val="accent1"/>
+          </a:effectRef>
+          <a:fontRef idx="minor">
+            <a:schemeClr val="lt1"/>
+          </a:fontRef>
+        </p:style>
+        <p:txBody>
+          <a:bodyPr rtlCol="0" anchor="ctr"/>
+          <a:lstStyle/>
+          <a:p>
+            <a:pPr algn="ctr"/>
+            <a:endParaRPr lang="en-US" sz="2400" dirty="0" smtClean="0">
+              <a:solidFill>
+                <a:schemeClr val="bg1">
+                  <a:lumMod val="50000"/>
+                </a:schemeClr>
+              </a:solidFill>
+              <a:latin typeface="Avenir Book" charset="0"/>
+              <a:ea typeface="Avenir Book" charset="0"/>
+              <a:cs typeface="Avenir Book" charset="0"/>
+            </a:endParaRPr>
+          </a:p>
+        </p:txBody>
+      </p:sp>
+      <p:sp>
+        <p:nvSpPr>
+          <p:cNvPr id="45" name="Oval 44"/>
+          <p:cNvSpPr/>
+          <p:nvPr/>
+        </p:nvSpPr>
+        <p:spPr>
+          <a:xfrm>
+            <a:off x="4419579" y="2714801"/>
+            <a:ext cx="176105" cy="176105"/>
+          </a:xfrm>
+          <a:prstGeom prst="ellipse">
+            <a:avLst/>
+          </a:prstGeom>
+          <a:solidFill>
+            <a:schemeClr val="bg1">
+              <a:lumMod val="50000"/>
+            </a:schemeClr>
+          </a:solidFill>
+          <a:ln w="28575">
+            <a:solidFill>
+              <a:schemeClr val="bg1">
+                <a:lumMod val="50000"/>
+              </a:schemeClr>
+            </a:solidFill>
+          </a:ln>
+        </p:spPr>
+        <p:style>
+          <a:lnRef idx="2">
+            <a:schemeClr val="accent1">
+              <a:shade val="50000"/>
+            </a:schemeClr>
+          </a:lnRef>
+          <a:fillRef idx="1">
+            <a:schemeClr val="accent1"/>
+          </a:fillRef>
+          <a:effectRef idx="0">
+            <a:schemeClr val="accent1"/>
+          </a:effectRef>
+          <a:fontRef idx="minor">
+            <a:schemeClr val="lt1"/>
+          </a:fontRef>
+        </p:style>
+        <p:txBody>
+          <a:bodyPr rtlCol="0" anchor="ctr"/>
+          <a:lstStyle/>
+          <a:p>
+            <a:pPr algn="ctr"/>
+            <a:endParaRPr lang="en-US" sz="2400" dirty="0" smtClean="0">
+              <a:solidFill>
+                <a:schemeClr val="bg1">
+                  <a:lumMod val="50000"/>
+                </a:schemeClr>
+              </a:solidFill>
+              <a:latin typeface="Avenir Book" charset="0"/>
+              <a:ea typeface="Avenir Book" charset="0"/>
+              <a:cs typeface="Avenir Book" charset="0"/>
+            </a:endParaRPr>
+          </a:p>
+        </p:txBody>
+      </p:sp>
+      <p:sp>
+        <p:nvSpPr>
+          <p:cNvPr id="46" name="Oval 45"/>
+          <p:cNvSpPr/>
+          <p:nvPr/>
+        </p:nvSpPr>
+        <p:spPr>
+          <a:xfrm>
+            <a:off x="4419579" y="2992506"/>
+            <a:ext cx="176105" cy="176105"/>
+          </a:xfrm>
+          <a:prstGeom prst="ellipse">
+            <a:avLst/>
+          </a:prstGeom>
+          <a:solidFill>
+            <a:schemeClr val="accent2"/>
+          </a:solidFill>
+          <a:ln w="28575">
+            <a:solidFill>
+              <a:schemeClr val="accent2"/>
+            </a:solidFill>
+          </a:ln>
+        </p:spPr>
+        <p:style>
+          <a:lnRef idx="2">
+            <a:schemeClr val="accent1">
+              <a:shade val="50000"/>
+            </a:schemeClr>
+          </a:lnRef>
+          <a:fillRef idx="1">
+            <a:schemeClr val="accent1"/>
+          </a:fillRef>
+          <a:effectRef idx="0">
+            <a:schemeClr val="accent1"/>
+          </a:effectRef>
+          <a:fontRef idx="minor">
+            <a:schemeClr val="lt1"/>
+          </a:fontRef>
+        </p:style>
+        <p:txBody>
+          <a:bodyPr rtlCol="0" anchor="ctr"/>
+          <a:lstStyle/>
+          <a:p>
+            <a:pPr algn="ctr"/>
+            <a:endParaRPr lang="en-US" sz="2400" dirty="0" smtClean="0">
+              <a:solidFill>
+                <a:schemeClr val="bg1">
+                  <a:lumMod val="50000"/>
+                </a:schemeClr>
+              </a:solidFill>
+              <a:latin typeface="Avenir Book" charset="0"/>
+              <a:ea typeface="Avenir Book" charset="0"/>
+              <a:cs typeface="Avenir Book" charset="0"/>
+            </a:endParaRPr>
+          </a:p>
+        </p:txBody>
+      </p:sp>
+      <p:sp>
+        <p:nvSpPr>
+          <p:cNvPr id="47" name="Rectangle 46"/>
+          <p:cNvSpPr/>
+          <p:nvPr/>
+        </p:nvSpPr>
+        <p:spPr>
+          <a:xfrm>
+            <a:off x="4188052" y="2992506"/>
+            <a:ext cx="203200" cy="203200"/>
+          </a:xfrm>
+          <a:prstGeom prst="rect">
+            <a:avLst/>
+          </a:prstGeom>
+          <a:solidFill>
+            <a:schemeClr val="bg1">
+              <a:lumMod val="65000"/>
+            </a:schemeClr>
+          </a:solidFill>
+          <a:ln w="28575">
+            <a:solidFill>
+              <a:schemeClr val="bg1"/>
+            </a:solidFill>
+          </a:ln>
+        </p:spPr>
+        <p:style>
+          <a:lnRef idx="2">
+            <a:schemeClr val="accent1">
+              <a:shade val="50000"/>
+            </a:schemeClr>
+          </a:lnRef>
+          <a:fillRef idx="1">
+            <a:schemeClr val="accent1"/>
+          </a:fillRef>
+          <a:effectRef idx="0">
+            <a:schemeClr val="accent1"/>
+          </a:effectRef>
+          <a:fontRef idx="minor">
+            <a:schemeClr val="lt1"/>
+          </a:fontRef>
+        </p:style>
+        <p:txBody>
+          <a:bodyPr rtlCol="0" anchor="ctr"/>
+          <a:lstStyle/>
+          <a:p>
+            <a:pPr algn="ctr"/>
+            <a:endParaRPr lang="en-US" sz="2400" dirty="0" smtClean="0">
+              <a:solidFill>
+                <a:schemeClr val="bg1">
+                  <a:lumMod val="50000"/>
+                </a:schemeClr>
+              </a:solidFill>
+              <a:latin typeface="Avenir Book" charset="0"/>
+              <a:ea typeface="Avenir Book" charset="0"/>
+              <a:cs typeface="Avenir Book" charset="0"/>
+            </a:endParaRPr>
+          </a:p>
+        </p:txBody>
+      </p:sp>
+      <p:sp>
+        <p:nvSpPr>
+          <p:cNvPr id="56" name="Rectangle 55"/>
+          <p:cNvSpPr/>
+          <p:nvPr/>
+        </p:nvSpPr>
+        <p:spPr>
+          <a:xfrm>
+            <a:off x="5178247" y="2716389"/>
+            <a:ext cx="203200" cy="203200"/>
+          </a:xfrm>
+          <a:prstGeom prst="rect">
+            <a:avLst/>
+          </a:prstGeom>
+          <a:solidFill>
+            <a:srgbClr val="00B0F0"/>
+          </a:solidFill>
+          <a:ln w="28575">
+            <a:solidFill>
+              <a:schemeClr val="bg1"/>
+            </a:solidFill>
+          </a:ln>
+        </p:spPr>
+        <p:style>
+          <a:lnRef idx="2">
+            <a:schemeClr val="accent1">
+              <a:shade val="50000"/>
+            </a:schemeClr>
+          </a:lnRef>
+          <a:fillRef idx="1">
+            <a:schemeClr val="accent1"/>
+          </a:fillRef>
+          <a:effectRef idx="0">
+            <a:schemeClr val="accent1"/>
+          </a:effectRef>
+          <a:fontRef idx="minor">
+            <a:schemeClr val="lt1"/>
+          </a:fontRef>
+        </p:style>
+        <p:txBody>
+          <a:bodyPr rtlCol="0" anchor="ctr"/>
+          <a:lstStyle/>
+          <a:p>
+            <a:pPr algn="ctr"/>
+            <a:endParaRPr lang="en-US" sz="2400" dirty="0" smtClean="0">
+              <a:solidFill>
+                <a:schemeClr val="bg1">
+                  <a:lumMod val="50000"/>
+                </a:schemeClr>
+              </a:solidFill>
+              <a:latin typeface="Avenir Book" charset="0"/>
+              <a:ea typeface="Avenir Book" charset="0"/>
+              <a:cs typeface="Avenir Book" charset="0"/>
+            </a:endParaRPr>
+          </a:p>
+        </p:txBody>
+      </p:sp>
+      <p:sp>
+        <p:nvSpPr>
+          <p:cNvPr id="57" name="Oval 56"/>
+          <p:cNvSpPr/>
+          <p:nvPr/>
+        </p:nvSpPr>
+        <p:spPr>
+          <a:xfrm>
+            <a:off x="5428062" y="2724950"/>
+            <a:ext cx="176105" cy="176105"/>
+          </a:xfrm>
+          <a:prstGeom prst="ellipse">
+            <a:avLst/>
+          </a:prstGeom>
+          <a:solidFill>
+            <a:schemeClr val="bg1">
+              <a:lumMod val="50000"/>
+            </a:schemeClr>
+          </a:solidFill>
+          <a:ln w="28575">
+            <a:solidFill>
+              <a:schemeClr val="bg1">
+                <a:lumMod val="50000"/>
+              </a:schemeClr>
+            </a:solidFill>
+          </a:ln>
+        </p:spPr>
+        <p:style>
+          <a:lnRef idx="2">
+            <a:schemeClr val="accent1">
+              <a:shade val="50000"/>
+            </a:schemeClr>
+          </a:lnRef>
+          <a:fillRef idx="1">
+            <a:schemeClr val="accent1"/>
+          </a:fillRef>
+          <a:effectRef idx="0">
+            <a:schemeClr val="accent1"/>
+          </a:effectRef>
+          <a:fontRef idx="minor">
+            <a:schemeClr val="lt1"/>
+          </a:fontRef>
+        </p:style>
+        <p:txBody>
+          <a:bodyPr rtlCol="0" anchor="ctr"/>
+          <a:lstStyle/>
+          <a:p>
+            <a:pPr algn="ctr"/>
+            <a:endParaRPr lang="en-US" sz="2400" dirty="0" smtClean="0">
+              <a:solidFill>
+                <a:schemeClr val="bg1">
+                  <a:lumMod val="50000"/>
+                </a:schemeClr>
+              </a:solidFill>
+              <a:latin typeface="Avenir Book" charset="0"/>
+              <a:ea typeface="Avenir Book" charset="0"/>
+              <a:cs typeface="Avenir Book" charset="0"/>
+            </a:endParaRPr>
+          </a:p>
+        </p:txBody>
+      </p:sp>
+      <p:sp>
+        <p:nvSpPr>
+          <p:cNvPr id="64" name="Rectangle 63"/>
+          <p:cNvSpPr/>
+          <p:nvPr/>
+        </p:nvSpPr>
+        <p:spPr>
+          <a:xfrm>
+            <a:off x="5847517" y="2697679"/>
+            <a:ext cx="203200" cy="203200"/>
+          </a:xfrm>
+          <a:prstGeom prst="rect">
+            <a:avLst/>
+          </a:prstGeom>
+          <a:solidFill>
+            <a:schemeClr val="bg1">
+              <a:lumMod val="65000"/>
+            </a:schemeClr>
+          </a:solidFill>
+          <a:ln w="28575">
+            <a:solidFill>
+              <a:schemeClr val="bg1"/>
+            </a:solidFill>
+          </a:ln>
+        </p:spPr>
+        <p:style>
+          <a:lnRef idx="2">
+            <a:schemeClr val="accent1">
+              <a:shade val="50000"/>
+            </a:schemeClr>
+          </a:lnRef>
+          <a:fillRef idx="1">
+            <a:schemeClr val="accent1"/>
+          </a:fillRef>
+          <a:effectRef idx="0">
+            <a:schemeClr val="accent1"/>
+          </a:effectRef>
+          <a:fontRef idx="minor">
+            <a:schemeClr val="lt1"/>
+          </a:fontRef>
+        </p:style>
+        <p:txBody>
+          <a:bodyPr rtlCol="0" anchor="ctr"/>
+          <a:lstStyle/>
+          <a:p>
+            <a:pPr algn="ctr"/>
+            <a:endParaRPr lang="en-US" sz="2400" dirty="0" smtClean="0">
+              <a:solidFill>
+                <a:schemeClr val="bg1">
+                  <a:lumMod val="50000"/>
+                </a:schemeClr>
+              </a:solidFill>
+              <a:latin typeface="Avenir Book" charset="0"/>
+              <a:ea typeface="Avenir Book" charset="0"/>
+              <a:cs typeface="Avenir Book" charset="0"/>
+            </a:endParaRPr>
+          </a:p>
+        </p:txBody>
+      </p:sp>
+      <p:sp>
+        <p:nvSpPr>
+          <p:cNvPr id="65" name="Oval 64"/>
+          <p:cNvSpPr/>
+          <p:nvPr/>
+        </p:nvSpPr>
+        <p:spPr>
+          <a:xfrm>
+            <a:off x="6097332" y="2706240"/>
+            <a:ext cx="176105" cy="176105"/>
+          </a:xfrm>
+          <a:prstGeom prst="ellipse">
+            <a:avLst/>
+          </a:prstGeom>
+          <a:solidFill>
+            <a:schemeClr val="bg1">
+              <a:lumMod val="50000"/>
+            </a:schemeClr>
+          </a:solidFill>
+          <a:ln w="28575">
+            <a:solidFill>
+              <a:schemeClr val="bg1">
+                <a:lumMod val="50000"/>
+              </a:schemeClr>
+            </a:solidFill>
+          </a:ln>
+        </p:spPr>
+        <p:style>
+          <a:lnRef idx="2">
+            <a:schemeClr val="accent1">
+              <a:shade val="50000"/>
+            </a:schemeClr>
+          </a:lnRef>
+          <a:fillRef idx="1">
+            <a:schemeClr val="accent1"/>
+          </a:fillRef>
+          <a:effectRef idx="0">
+            <a:schemeClr val="accent1"/>
+          </a:effectRef>
+          <a:fontRef idx="minor">
+            <a:schemeClr val="lt1"/>
+          </a:fontRef>
+        </p:style>
+        <p:txBody>
+          <a:bodyPr rtlCol="0" anchor="ctr"/>
+          <a:lstStyle/>
+          <a:p>
+            <a:pPr algn="ctr"/>
+            <a:endParaRPr lang="en-US" sz="2400" dirty="0" smtClean="0">
+              <a:solidFill>
+                <a:schemeClr val="bg1">
+                  <a:lumMod val="50000"/>
+                </a:schemeClr>
+              </a:solidFill>
+              <a:latin typeface="Avenir Book" charset="0"/>
+              <a:ea typeface="Avenir Book" charset="0"/>
+              <a:cs typeface="Avenir Book" charset="0"/>
+            </a:endParaRPr>
+          </a:p>
+        </p:txBody>
+      </p:sp>
+      <p:sp>
+        <p:nvSpPr>
+          <p:cNvPr id="79" name="Rectangle 78"/>
+          <p:cNvSpPr/>
+          <p:nvPr/>
+        </p:nvSpPr>
+        <p:spPr>
+          <a:xfrm>
+            <a:off x="7353787" y="2716389"/>
+            <a:ext cx="203200" cy="203200"/>
+          </a:xfrm>
+          <a:prstGeom prst="rect">
+            <a:avLst/>
+          </a:prstGeom>
+          <a:solidFill>
+            <a:srgbClr val="00B0F0"/>
+          </a:solidFill>
+          <a:ln w="28575">
+            <a:solidFill>
+              <a:schemeClr val="bg1"/>
+            </a:solidFill>
+          </a:ln>
+        </p:spPr>
+        <p:style>
+          <a:lnRef idx="2">
+            <a:schemeClr val="accent1">
+              <a:shade val="50000"/>
+            </a:schemeClr>
+          </a:lnRef>
+          <a:fillRef idx="1">
+            <a:schemeClr val="accent1"/>
+          </a:fillRef>
+          <a:effectRef idx="0">
+            <a:schemeClr val="accent1"/>
+          </a:effectRef>
+          <a:fontRef idx="minor">
+            <a:schemeClr val="lt1"/>
+          </a:fontRef>
+        </p:style>
+        <p:txBody>
+          <a:bodyPr rtlCol="0" anchor="ctr"/>
+          <a:lstStyle/>
+          <a:p>
+            <a:pPr algn="ctr"/>
+            <a:endParaRPr lang="en-US" sz="2400" dirty="0" smtClean="0">
+              <a:solidFill>
+                <a:schemeClr val="bg1">
+                  <a:lumMod val="50000"/>
+                </a:schemeClr>
+              </a:solidFill>
+              <a:latin typeface="Avenir Book" charset="0"/>
+              <a:ea typeface="Avenir Book" charset="0"/>
+              <a:cs typeface="Avenir Book" charset="0"/>
+            </a:endParaRPr>
+          </a:p>
+        </p:txBody>
+      </p:sp>
+      <p:sp>
+        <p:nvSpPr>
+          <p:cNvPr id="80" name="Oval 79"/>
+          <p:cNvSpPr/>
+          <p:nvPr/>
+        </p:nvSpPr>
+        <p:spPr>
+          <a:xfrm>
+            <a:off x="7603602" y="2724950"/>
+            <a:ext cx="176105" cy="176105"/>
+          </a:xfrm>
+          <a:prstGeom prst="ellipse">
+            <a:avLst/>
+          </a:prstGeom>
+          <a:solidFill>
+            <a:schemeClr val="bg1">
+              <a:lumMod val="50000"/>
+            </a:schemeClr>
+          </a:solidFill>
+          <a:ln w="28575">
+            <a:solidFill>
+              <a:schemeClr val="bg1">
+                <a:lumMod val="50000"/>
+              </a:schemeClr>
+            </a:solidFill>
+          </a:ln>
+        </p:spPr>
+        <p:style>
+          <a:lnRef idx="2">
+            <a:schemeClr val="accent1">
+              <a:shade val="50000"/>
+            </a:schemeClr>
+          </a:lnRef>
+          <a:fillRef idx="1">
+            <a:schemeClr val="accent1"/>
+          </a:fillRef>
+          <a:effectRef idx="0">
+            <a:schemeClr val="accent1"/>
+          </a:effectRef>
+          <a:fontRef idx="minor">
+            <a:schemeClr val="lt1"/>
+          </a:fontRef>
+        </p:style>
+        <p:txBody>
+          <a:bodyPr rtlCol="0" anchor="ctr"/>
+          <a:lstStyle/>
+          <a:p>
+            <a:pPr algn="ctr"/>
+            <a:endParaRPr lang="en-US" sz="2400" dirty="0" smtClean="0">
+              <a:solidFill>
+                <a:schemeClr val="bg1">
+                  <a:lumMod val="50000"/>
+                </a:schemeClr>
+              </a:solidFill>
+              <a:latin typeface="Avenir Book" charset="0"/>
+              <a:ea typeface="Avenir Book" charset="0"/>
+              <a:cs typeface="Avenir Book" charset="0"/>
+            </a:endParaRPr>
+          </a:p>
+        </p:txBody>
+      </p:sp>
+      <p:cxnSp>
+        <p:nvCxnSpPr>
+          <p:cNvPr id="108" name="Straight Arrow Connector 107"/>
+          <p:cNvCxnSpPr/>
+          <p:nvPr/>
+        </p:nvCxnSpPr>
+        <p:spPr>
+          <a:xfrm flipV="1">
+            <a:off x="4722125" y="2928150"/>
+            <a:ext cx="342838" cy="1"/>
+          </a:xfrm>
+          <a:prstGeom prst="straightConnector1">
+            <a:avLst/>
+          </a:prstGeom>
+          <a:ln w="28575">
+            <a:solidFill>
+              <a:schemeClr val="bg1">
+                <a:lumMod val="50000"/>
+              </a:schemeClr>
+            </a:solidFill>
+            <a:headEnd type="none" w="med" len="med"/>
+            <a:tailEnd type="triangle"/>
+          </a:ln>
+        </p:spPr>
+        <p:style>
+          <a:lnRef idx="1">
+            <a:schemeClr val="accent1"/>
+          </a:lnRef>
+          <a:fillRef idx="0">
+            <a:schemeClr val="accent1"/>
+          </a:fillRef>
+          <a:effectRef idx="0">
+            <a:schemeClr val="accent1"/>
+          </a:effectRef>
+          <a:fontRef idx="minor">
+            <a:schemeClr val="tx1"/>
+          </a:fontRef>
+        </p:style>
+      </p:cxnSp>
+      <p:sp>
+        <p:nvSpPr>
+          <p:cNvPr id="6" name="Rectangle 5"/>
+          <p:cNvSpPr/>
+          <p:nvPr/>
+        </p:nvSpPr>
+        <p:spPr>
+          <a:xfrm>
+            <a:off x="2223353" y="2724950"/>
+            <a:ext cx="203200" cy="203200"/>
+          </a:xfrm>
+          <a:prstGeom prst="rect">
+            <a:avLst/>
+          </a:prstGeom>
+          <a:solidFill>
+            <a:srgbClr val="00B0F0"/>
+          </a:solidFill>
+          <a:ln w="28575">
+            <a:solidFill>
+              <a:schemeClr val="bg1"/>
+            </a:solidFill>
+          </a:ln>
+        </p:spPr>
+        <p:style>
+          <a:lnRef idx="2">
+            <a:schemeClr val="accent1">
+              <a:shade val="50000"/>
+            </a:schemeClr>
+          </a:lnRef>
+          <a:fillRef idx="1">
+            <a:schemeClr val="accent1"/>
+          </a:fillRef>
+          <a:effectRef idx="0">
+            <a:schemeClr val="accent1"/>
+          </a:effectRef>
+          <a:fontRef idx="minor">
+            <a:schemeClr val="lt1"/>
+          </a:fontRef>
+        </p:style>
+        <p:txBody>
+          <a:bodyPr rtlCol="0" anchor="ctr"/>
+          <a:lstStyle/>
+          <a:p>
+            <a:pPr algn="ctr"/>
+            <a:endParaRPr lang="en-US" sz="2400" dirty="0" smtClean="0">
+              <a:solidFill>
+                <a:schemeClr val="bg1">
+                  <a:lumMod val="50000"/>
+                </a:schemeClr>
+              </a:solidFill>
+              <a:latin typeface="Avenir Book" charset="0"/>
+              <a:ea typeface="Avenir Book" charset="0"/>
+              <a:cs typeface="Avenir Book" charset="0"/>
+            </a:endParaRPr>
+          </a:p>
+        </p:txBody>
+      </p:sp>
+      <p:sp>
+        <p:nvSpPr>
+          <p:cNvPr id="31" name="Rectangle 30"/>
+          <p:cNvSpPr/>
+          <p:nvPr/>
+        </p:nvSpPr>
+        <p:spPr>
+          <a:xfrm>
+            <a:off x="2516863" y="2724950"/>
+            <a:ext cx="203200" cy="203200"/>
+          </a:xfrm>
+          <a:prstGeom prst="rect">
+            <a:avLst/>
+          </a:prstGeom>
+          <a:solidFill>
+            <a:schemeClr val="bg1">
+              <a:lumMod val="65000"/>
+            </a:schemeClr>
+          </a:solidFill>
+          <a:ln w="28575">
+            <a:solidFill>
+              <a:schemeClr val="bg1"/>
+            </a:solidFill>
+          </a:ln>
+        </p:spPr>
+        <p:style>
+          <a:lnRef idx="2">
+            <a:schemeClr val="accent1">
+              <a:shade val="50000"/>
+            </a:schemeClr>
+          </a:lnRef>
+          <a:fillRef idx="1">
+            <a:schemeClr val="accent1"/>
+          </a:fillRef>
+          <a:effectRef idx="0">
+            <a:schemeClr val="accent1"/>
+          </a:effectRef>
+          <a:fontRef idx="minor">
+            <a:schemeClr val="lt1"/>
+          </a:fontRef>
+        </p:style>
+        <p:txBody>
+          <a:bodyPr rtlCol="0" anchor="ctr"/>
+          <a:lstStyle/>
+          <a:p>
+            <a:pPr algn="ctr"/>
+            <a:endParaRPr lang="en-US" sz="2400" dirty="0" smtClean="0">
+              <a:solidFill>
+                <a:schemeClr val="bg1">
+                  <a:lumMod val="50000"/>
+                </a:schemeClr>
+              </a:solidFill>
+              <a:latin typeface="Avenir Book" charset="0"/>
+              <a:ea typeface="Avenir Book" charset="0"/>
+              <a:cs typeface="Avenir Book" charset="0"/>
+            </a:endParaRPr>
+          </a:p>
+        </p:txBody>
+      </p:sp>
+      <p:sp>
+        <p:nvSpPr>
+          <p:cNvPr id="118" name="Rectangle 117"/>
+          <p:cNvSpPr/>
+          <p:nvPr/>
+        </p:nvSpPr>
+        <p:spPr>
+          <a:xfrm>
+            <a:off x="9466495" y="2716389"/>
+            <a:ext cx="203200" cy="203200"/>
+          </a:xfrm>
+          <a:prstGeom prst="rect">
+            <a:avLst/>
+          </a:prstGeom>
+          <a:solidFill>
+            <a:srgbClr val="00B0F0"/>
+          </a:solidFill>
+          <a:ln w="28575">
+            <a:solidFill>
+              <a:schemeClr val="bg1"/>
+            </a:solidFill>
+          </a:ln>
+        </p:spPr>
+        <p:style>
+          <a:lnRef idx="2">
+            <a:schemeClr val="accent1">
+              <a:shade val="50000"/>
+            </a:schemeClr>
+          </a:lnRef>
+          <a:fillRef idx="1">
+            <a:schemeClr val="accent1"/>
+          </a:fillRef>
+          <a:effectRef idx="0">
+            <a:schemeClr val="accent1"/>
+          </a:effectRef>
+          <a:fontRef idx="minor">
+            <a:schemeClr val="lt1"/>
+          </a:fontRef>
+        </p:style>
+        <p:txBody>
+          <a:bodyPr rtlCol="0" anchor="ctr"/>
+          <a:lstStyle/>
+          <a:p>
+            <a:pPr algn="ctr"/>
+            <a:endParaRPr lang="en-US" sz="2400" dirty="0" smtClean="0">
+              <a:solidFill>
+                <a:schemeClr val="bg1">
+                  <a:lumMod val="50000"/>
+                </a:schemeClr>
+              </a:solidFill>
+              <a:latin typeface="Avenir Book" charset="0"/>
+              <a:ea typeface="Avenir Book" charset="0"/>
+              <a:cs typeface="Avenir Book" charset="0"/>
+            </a:endParaRPr>
+          </a:p>
+        </p:txBody>
+      </p:sp>
+      <p:sp>
+        <p:nvSpPr>
+          <p:cNvPr id="119" name="Oval 118"/>
+          <p:cNvSpPr/>
+          <p:nvPr/>
+        </p:nvSpPr>
+        <p:spPr>
+          <a:xfrm>
+            <a:off x="9716310" y="2724950"/>
+            <a:ext cx="176105" cy="176105"/>
+          </a:xfrm>
+          <a:prstGeom prst="ellipse">
+            <a:avLst/>
+          </a:prstGeom>
+          <a:solidFill>
+            <a:schemeClr val="bg1">
+              <a:lumMod val="50000"/>
+            </a:schemeClr>
+          </a:solidFill>
+          <a:ln w="28575">
+            <a:solidFill>
+              <a:schemeClr val="bg1">
+                <a:lumMod val="50000"/>
+              </a:schemeClr>
+            </a:solidFill>
+          </a:ln>
+        </p:spPr>
+        <p:style>
+          <a:lnRef idx="2">
+            <a:schemeClr val="accent1">
+              <a:shade val="50000"/>
+            </a:schemeClr>
+          </a:lnRef>
+          <a:fillRef idx="1">
+            <a:schemeClr val="accent1"/>
+          </a:fillRef>
+          <a:effectRef idx="0">
+            <a:schemeClr val="accent1"/>
+          </a:effectRef>
+          <a:fontRef idx="minor">
+            <a:schemeClr val="lt1"/>
+          </a:fontRef>
+        </p:style>
+        <p:txBody>
+          <a:bodyPr rtlCol="0" anchor="ctr"/>
+          <a:lstStyle/>
+          <a:p>
+            <a:pPr algn="ctr"/>
+            <a:endParaRPr lang="en-US" sz="2400" dirty="0" smtClean="0">
+              <a:solidFill>
+                <a:schemeClr val="bg1">
+                  <a:lumMod val="50000"/>
+                </a:schemeClr>
+              </a:solidFill>
+              <a:latin typeface="Avenir Book" charset="0"/>
+              <a:ea typeface="Avenir Book" charset="0"/>
+              <a:cs typeface="Avenir Book" charset="0"/>
+            </a:endParaRPr>
+          </a:p>
+        </p:txBody>
+      </p:sp>
+      <p:sp>
+        <p:nvSpPr>
+          <p:cNvPr id="129" name="Rectangle 128"/>
+          <p:cNvSpPr/>
+          <p:nvPr/>
+        </p:nvSpPr>
+        <p:spPr>
+          <a:xfrm>
+            <a:off x="10130517" y="2724937"/>
+            <a:ext cx="203200" cy="203200"/>
+          </a:xfrm>
+          <a:prstGeom prst="rect">
+            <a:avLst/>
+          </a:prstGeom>
+          <a:solidFill>
+            <a:schemeClr val="bg1">
+              <a:lumMod val="65000"/>
+            </a:schemeClr>
+          </a:solidFill>
+          <a:ln w="28575">
+            <a:solidFill>
+              <a:schemeClr val="bg1"/>
+            </a:solidFill>
+          </a:ln>
+        </p:spPr>
+        <p:style>
+          <a:lnRef idx="2">
+            <a:schemeClr val="accent1">
+              <a:shade val="50000"/>
+            </a:schemeClr>
+          </a:lnRef>
+          <a:fillRef idx="1">
+            <a:schemeClr val="accent1"/>
+          </a:fillRef>
+          <a:effectRef idx="0">
+            <a:schemeClr val="accent1"/>
+          </a:effectRef>
+          <a:fontRef idx="minor">
+            <a:schemeClr val="lt1"/>
+          </a:fontRef>
+        </p:style>
+        <p:txBody>
+          <a:bodyPr rtlCol="0" anchor="ctr"/>
+          <a:lstStyle/>
+          <a:p>
+            <a:pPr algn="ctr"/>
+            <a:endParaRPr lang="en-US" sz="2400" dirty="0" smtClean="0">
+              <a:solidFill>
+                <a:schemeClr val="bg1">
+                  <a:lumMod val="50000"/>
+                </a:schemeClr>
+              </a:solidFill>
+              <a:latin typeface="Avenir Book" charset="0"/>
+              <a:ea typeface="Avenir Book" charset="0"/>
+              <a:cs typeface="Avenir Book" charset="0"/>
+            </a:endParaRPr>
+          </a:p>
+        </p:txBody>
+      </p:sp>
+      <p:sp>
+        <p:nvSpPr>
+          <p:cNvPr id="130" name="Oval 129"/>
+          <p:cNvSpPr/>
+          <p:nvPr/>
+        </p:nvSpPr>
+        <p:spPr>
+          <a:xfrm>
+            <a:off x="10380332" y="2733498"/>
+            <a:ext cx="176105" cy="176105"/>
+          </a:xfrm>
+          <a:prstGeom prst="ellipse">
+            <a:avLst/>
+          </a:prstGeom>
+          <a:solidFill>
+            <a:srgbClr val="FF0000"/>
+          </a:solidFill>
+          <a:ln w="28575">
+            <a:solidFill>
+              <a:srgbClr val="FF0000"/>
+            </a:solidFill>
+          </a:ln>
+        </p:spPr>
+        <p:style>
+          <a:lnRef idx="2">
+            <a:schemeClr val="accent1">
+              <a:shade val="50000"/>
+            </a:schemeClr>
+          </a:lnRef>
+          <a:fillRef idx="1">
+            <a:schemeClr val="accent1"/>
+          </a:fillRef>
+          <a:effectRef idx="0">
+            <a:schemeClr val="accent1"/>
+          </a:effectRef>
+          <a:fontRef idx="minor">
+            <a:schemeClr val="lt1"/>
+          </a:fontRef>
+        </p:style>
+        <p:txBody>
+          <a:bodyPr rtlCol="0" anchor="ctr"/>
+          <a:lstStyle/>
+          <a:p>
+            <a:pPr algn="ctr"/>
+            <a:endParaRPr lang="en-US" sz="2400" dirty="0" smtClean="0">
+              <a:solidFill>
+                <a:schemeClr val="bg1">
+                  <a:lumMod val="50000"/>
+                </a:schemeClr>
+              </a:solidFill>
+              <a:latin typeface="Avenir Book" charset="0"/>
+              <a:ea typeface="Avenir Book" charset="0"/>
+              <a:cs typeface="Avenir Book" charset="0"/>
+            </a:endParaRPr>
+          </a:p>
+        </p:txBody>
+      </p:sp>
+      <p:cxnSp>
+        <p:nvCxnSpPr>
+          <p:cNvPr id="144" name="Straight Arrow Connector 143"/>
+          <p:cNvCxnSpPr/>
+          <p:nvPr/>
+        </p:nvCxnSpPr>
+        <p:spPr>
+          <a:xfrm flipV="1">
+            <a:off x="6450161" y="3864523"/>
+            <a:ext cx="358491" cy="407412"/>
+          </a:xfrm>
+          <a:prstGeom prst="straightConnector1">
+            <a:avLst/>
+          </a:prstGeom>
+          <a:ln w="28575">
+            <a:solidFill>
+              <a:schemeClr val="bg1">
+                <a:lumMod val="50000"/>
+              </a:schemeClr>
+            </a:solidFill>
+            <a:headEnd type="none" w="med" len="med"/>
+            <a:tailEnd type="triangle"/>
+          </a:ln>
+        </p:spPr>
+        <p:style>
+          <a:lnRef idx="1">
+            <a:schemeClr val="accent1"/>
+          </a:lnRef>
+          <a:fillRef idx="0">
+            <a:schemeClr val="accent1"/>
+          </a:fillRef>
+          <a:effectRef idx="0">
+            <a:schemeClr val="accent1"/>
+          </a:effectRef>
+          <a:fontRef idx="minor">
+            <a:schemeClr val="tx1"/>
+          </a:fontRef>
+        </p:style>
+      </p:cxnSp>
+      <p:cxnSp>
+        <p:nvCxnSpPr>
+          <p:cNvPr id="145" name="Straight Arrow Connector 144"/>
+          <p:cNvCxnSpPr/>
+          <p:nvPr/>
+        </p:nvCxnSpPr>
+        <p:spPr>
+          <a:xfrm>
+            <a:off x="6839879" y="3872601"/>
+            <a:ext cx="358491" cy="407412"/>
+          </a:xfrm>
+          <a:prstGeom prst="straightConnector1">
+            <a:avLst/>
+          </a:prstGeom>
+          <a:ln w="28575">
+            <a:solidFill>
+              <a:schemeClr val="bg1">
+                <a:lumMod val="50000"/>
+              </a:schemeClr>
+            </a:solidFill>
+            <a:headEnd type="none" w="med" len="med"/>
+            <a:tailEnd type="triangle"/>
+          </a:ln>
+        </p:spPr>
+        <p:style>
+          <a:lnRef idx="1">
+            <a:schemeClr val="accent1"/>
+          </a:lnRef>
+          <a:fillRef idx="0">
+            <a:schemeClr val="accent1"/>
+          </a:fillRef>
+          <a:effectRef idx="0">
+            <a:schemeClr val="accent1"/>
+          </a:effectRef>
+          <a:fontRef idx="minor">
+            <a:schemeClr val="tx1"/>
+          </a:fontRef>
+        </p:style>
+      </p:cxnSp>
+      <p:cxnSp>
+        <p:nvCxnSpPr>
+          <p:cNvPr id="147" name="Straight Arrow Connector 146"/>
+          <p:cNvCxnSpPr/>
+          <p:nvPr/>
+        </p:nvCxnSpPr>
+        <p:spPr>
+          <a:xfrm>
+            <a:off x="8541160" y="2882345"/>
+            <a:ext cx="358491" cy="407412"/>
+          </a:xfrm>
+          <a:prstGeom prst="straightConnector1">
+            <a:avLst/>
+          </a:prstGeom>
+          <a:ln w="28575">
+            <a:solidFill>
+              <a:schemeClr val="bg1">
+                <a:lumMod val="50000"/>
+              </a:schemeClr>
+            </a:solidFill>
+            <a:headEnd type="none" w="med" len="med"/>
+            <a:tailEnd type="triangle"/>
+          </a:ln>
+        </p:spPr>
+        <p:style>
+          <a:lnRef idx="1">
+            <a:schemeClr val="accent1"/>
+          </a:lnRef>
+          <a:fillRef idx="0">
+            <a:schemeClr val="accent1"/>
+          </a:fillRef>
+          <a:effectRef idx="0">
+            <a:schemeClr val="accent1"/>
+          </a:effectRef>
+          <a:fontRef idx="minor">
+            <a:schemeClr val="tx1"/>
+          </a:fontRef>
+        </p:style>
+      </p:cxnSp>
+      <p:cxnSp>
+        <p:nvCxnSpPr>
+          <p:cNvPr id="148" name="Straight Arrow Connector 147"/>
+          <p:cNvCxnSpPr/>
+          <p:nvPr/>
+        </p:nvCxnSpPr>
+        <p:spPr>
+          <a:xfrm flipV="1">
+            <a:off x="8930878" y="2874267"/>
+            <a:ext cx="358491" cy="407412"/>
+          </a:xfrm>
+          <a:prstGeom prst="straightConnector1">
+            <a:avLst/>
+          </a:prstGeom>
+          <a:ln w="28575">
+            <a:solidFill>
+              <a:schemeClr val="bg1">
+                <a:lumMod val="50000"/>
+              </a:schemeClr>
+            </a:solidFill>
+            <a:headEnd type="none" w="med" len="med"/>
+            <a:tailEnd type="triangle"/>
+          </a:ln>
+        </p:spPr>
+        <p:style>
+          <a:lnRef idx="1">
+            <a:schemeClr val="accent1"/>
+          </a:lnRef>
+          <a:fillRef idx="0">
+            <a:schemeClr val="accent1"/>
+          </a:fillRef>
+          <a:effectRef idx="0">
+            <a:schemeClr val="accent1"/>
+          </a:effectRef>
+          <a:fontRef idx="minor">
+            <a:schemeClr val="tx1"/>
+          </a:fontRef>
+        </p:style>
+      </p:cxnSp>
+      <p:cxnSp>
+        <p:nvCxnSpPr>
+          <p:cNvPr id="150" name="Straight Arrow Connector 149"/>
+          <p:cNvCxnSpPr/>
+          <p:nvPr/>
+        </p:nvCxnSpPr>
+        <p:spPr>
+          <a:xfrm flipV="1">
+            <a:off x="8541160" y="3864523"/>
+            <a:ext cx="358491" cy="407412"/>
+          </a:xfrm>
+          <a:prstGeom prst="straightConnector1">
+            <a:avLst/>
+          </a:prstGeom>
+          <a:ln w="28575">
+            <a:solidFill>
+              <a:schemeClr val="bg1">
+                <a:lumMod val="50000"/>
+              </a:schemeClr>
+            </a:solidFill>
+            <a:headEnd type="none" w="med" len="med"/>
+            <a:tailEnd type="triangle"/>
+          </a:ln>
+        </p:spPr>
+        <p:style>
+          <a:lnRef idx="1">
+            <a:schemeClr val="accent1"/>
+          </a:lnRef>
+          <a:fillRef idx="0">
+            <a:schemeClr val="accent1"/>
+          </a:fillRef>
+          <a:effectRef idx="0">
+            <a:schemeClr val="accent1"/>
+          </a:effectRef>
+          <a:fontRef idx="minor">
+            <a:schemeClr val="tx1"/>
+          </a:fontRef>
+        </p:style>
+      </p:cxnSp>
+      <p:cxnSp>
+        <p:nvCxnSpPr>
+          <p:cNvPr id="151" name="Straight Arrow Connector 150"/>
+          <p:cNvCxnSpPr/>
+          <p:nvPr/>
+        </p:nvCxnSpPr>
+        <p:spPr>
+          <a:xfrm>
+            <a:off x="8930878" y="3872601"/>
+            <a:ext cx="358491" cy="407412"/>
+          </a:xfrm>
+          <a:prstGeom prst="straightConnector1">
+            <a:avLst/>
+          </a:prstGeom>
+          <a:ln w="28575">
+            <a:solidFill>
+              <a:schemeClr val="bg1">
+                <a:lumMod val="50000"/>
+              </a:schemeClr>
+            </a:solidFill>
+            <a:headEnd type="none" w="med" len="med"/>
+            <a:tailEnd type="triangle"/>
+          </a:ln>
+        </p:spPr>
+        <p:style>
+          <a:lnRef idx="1">
+            <a:schemeClr val="accent1"/>
+          </a:lnRef>
+          <a:fillRef idx="0">
+            <a:schemeClr val="accent1"/>
+          </a:fillRef>
+          <a:effectRef idx="0">
+            <a:schemeClr val="accent1"/>
+          </a:effectRef>
+          <a:fontRef idx="minor">
+            <a:schemeClr val="tx1"/>
+          </a:fontRef>
+        </p:style>
+      </p:cxnSp>
+      <p:cxnSp>
+        <p:nvCxnSpPr>
+          <p:cNvPr id="153" name="Straight Arrow Connector 152"/>
+          <p:cNvCxnSpPr/>
+          <p:nvPr/>
+        </p:nvCxnSpPr>
+        <p:spPr>
+          <a:xfrm flipV="1">
+            <a:off x="3226728" y="3011216"/>
+            <a:ext cx="174416" cy="458194"/>
+          </a:xfrm>
+          <a:prstGeom prst="straightConnector1">
+            <a:avLst/>
+          </a:prstGeom>
+          <a:ln w="28575">
+            <a:solidFill>
+              <a:schemeClr val="bg1">
+                <a:lumMod val="50000"/>
+              </a:schemeClr>
+            </a:solidFill>
+            <a:headEnd type="none" w="med" len="med"/>
+            <a:tailEnd type="triangle"/>
+          </a:ln>
+        </p:spPr>
+        <p:style>
+          <a:lnRef idx="1">
+            <a:schemeClr val="accent1"/>
+          </a:lnRef>
+          <a:fillRef idx="0">
+            <a:schemeClr val="accent1"/>
+          </a:fillRef>
+          <a:effectRef idx="0">
+            <a:schemeClr val="accent1"/>
+          </a:effectRef>
+          <a:fontRef idx="minor">
+            <a:schemeClr val="tx1"/>
+          </a:fontRef>
+        </p:style>
+      </p:cxnSp>
+      <p:cxnSp>
+        <p:nvCxnSpPr>
+          <p:cNvPr id="155" name="Straight Arrow Connector 154"/>
+          <p:cNvCxnSpPr/>
+          <p:nvPr/>
+        </p:nvCxnSpPr>
+        <p:spPr>
+          <a:xfrm>
+            <a:off x="3249836" y="3714844"/>
+            <a:ext cx="151308" cy="529195"/>
+          </a:xfrm>
+          <a:prstGeom prst="straightConnector1">
+            <a:avLst/>
+          </a:prstGeom>
+          <a:ln w="28575">
+            <a:solidFill>
+              <a:schemeClr val="bg1">
+                <a:lumMod val="50000"/>
+              </a:schemeClr>
+            </a:solidFill>
+            <a:headEnd type="none" w="med" len="med"/>
+            <a:tailEnd type="triangle"/>
+          </a:ln>
+        </p:spPr>
+        <p:style>
+          <a:lnRef idx="1">
+            <a:schemeClr val="accent1"/>
+          </a:lnRef>
+          <a:fillRef idx="0">
+            <a:schemeClr val="accent1"/>
+          </a:fillRef>
+          <a:effectRef idx="0">
+            <a:schemeClr val="accent1"/>
+          </a:effectRef>
+          <a:fontRef idx="minor">
+            <a:schemeClr val="tx1"/>
+          </a:fontRef>
+        </p:style>
+      </p:cxnSp>
       <p:sp>
         <p:nvSpPr>
           <p:cNvPr id="167" name="TextBox 166"/>

--- a/figures/figs.pptx
+++ b/figures/figs.pptx
@@ -244,7 +244,7 @@
           <a:p>
             <a:fld id="{0D2365CA-5E4B-9146-99C6-9EE280F2DA9A}" type="datetimeFigureOut">
               <a:rPr lang="en-US" smtClean="0"/>
-              <a:t>8/30/17</a:t>
+              <a:t>8/31/17</a:t>
             </a:fld>
             <a:endParaRPr lang="en-US"/>
           </a:p>
@@ -414,7 +414,7 @@
           <a:p>
             <a:fld id="{0D2365CA-5E4B-9146-99C6-9EE280F2DA9A}" type="datetimeFigureOut">
               <a:rPr lang="en-US" smtClean="0"/>
-              <a:t>8/30/17</a:t>
+              <a:t>8/31/17</a:t>
             </a:fld>
             <a:endParaRPr lang="en-US"/>
           </a:p>
@@ -594,7 +594,7 @@
           <a:p>
             <a:fld id="{0D2365CA-5E4B-9146-99C6-9EE280F2DA9A}" type="datetimeFigureOut">
               <a:rPr lang="en-US" smtClean="0"/>
-              <a:t>8/30/17</a:t>
+              <a:t>8/31/17</a:t>
             </a:fld>
             <a:endParaRPr lang="en-US"/>
           </a:p>
@@ -764,7 +764,7 @@
           <a:p>
             <a:fld id="{0D2365CA-5E4B-9146-99C6-9EE280F2DA9A}" type="datetimeFigureOut">
               <a:rPr lang="en-US" smtClean="0"/>
-              <a:t>8/30/17</a:t>
+              <a:t>8/31/17</a:t>
             </a:fld>
             <a:endParaRPr lang="en-US"/>
           </a:p>
@@ -1010,7 +1010,7 @@
           <a:p>
             <a:fld id="{0D2365CA-5E4B-9146-99C6-9EE280F2DA9A}" type="datetimeFigureOut">
               <a:rPr lang="en-US" smtClean="0"/>
-              <a:t>8/30/17</a:t>
+              <a:t>8/31/17</a:t>
             </a:fld>
             <a:endParaRPr lang="en-US"/>
           </a:p>
@@ -1242,7 +1242,7 @@
           <a:p>
             <a:fld id="{0D2365CA-5E4B-9146-99C6-9EE280F2DA9A}" type="datetimeFigureOut">
               <a:rPr lang="en-US" smtClean="0"/>
-              <a:t>8/30/17</a:t>
+              <a:t>8/31/17</a:t>
             </a:fld>
             <a:endParaRPr lang="en-US"/>
           </a:p>
@@ -1609,7 +1609,7 @@
           <a:p>
             <a:fld id="{0D2365CA-5E4B-9146-99C6-9EE280F2DA9A}" type="datetimeFigureOut">
               <a:rPr lang="en-US" smtClean="0"/>
-              <a:t>8/30/17</a:t>
+              <a:t>8/31/17</a:t>
             </a:fld>
             <a:endParaRPr lang="en-US"/>
           </a:p>
@@ -1727,7 +1727,7 @@
           <a:p>
             <a:fld id="{0D2365CA-5E4B-9146-99C6-9EE280F2DA9A}" type="datetimeFigureOut">
               <a:rPr lang="en-US" smtClean="0"/>
-              <a:t>8/30/17</a:t>
+              <a:t>8/31/17</a:t>
             </a:fld>
             <a:endParaRPr lang="en-US"/>
           </a:p>
@@ -1822,7 +1822,7 @@
           <a:p>
             <a:fld id="{0D2365CA-5E4B-9146-99C6-9EE280F2DA9A}" type="datetimeFigureOut">
               <a:rPr lang="en-US" smtClean="0"/>
-              <a:t>8/30/17</a:t>
+              <a:t>8/31/17</a:t>
             </a:fld>
             <a:endParaRPr lang="en-US"/>
           </a:p>
@@ -2099,7 +2099,7 @@
           <a:p>
             <a:fld id="{0D2365CA-5E4B-9146-99C6-9EE280F2DA9A}" type="datetimeFigureOut">
               <a:rPr lang="en-US" smtClean="0"/>
-              <a:t>8/30/17</a:t>
+              <a:t>8/31/17</a:t>
             </a:fld>
             <a:endParaRPr lang="en-US"/>
           </a:p>
@@ -2352,7 +2352,7 @@
           <a:p>
             <a:fld id="{0D2365CA-5E4B-9146-99C6-9EE280F2DA9A}" type="datetimeFigureOut">
               <a:rPr lang="en-US" smtClean="0"/>
-              <a:t>8/30/17</a:t>
+              <a:t>8/31/17</a:t>
             </a:fld>
             <a:endParaRPr lang="en-US"/>
           </a:p>
@@ -2565,7 +2565,7 @@
           <a:p>
             <a:fld id="{0D2365CA-5E4B-9146-99C6-9EE280F2DA9A}" type="datetimeFigureOut">
               <a:rPr lang="en-US" smtClean="0"/>
-              <a:t>8/30/17</a:t>
+              <a:t>8/31/17</a:t>
             </a:fld>
             <a:endParaRPr lang="en-US"/>
           </a:p>
@@ -4419,11 +4419,6 @@
               </a:rPr>
               <a:t>Worker 2</a:t>
             </a:r>
-            <a:endParaRPr lang="en-US" dirty="0" smtClean="0">
-              <a:latin typeface="Arvo" charset="0"/>
-              <a:ea typeface="Arvo" charset="0"/>
-              <a:cs typeface="Arvo" charset="0"/>
-            </a:endParaRPr>
           </a:p>
         </p:txBody>
       </p:sp>
@@ -4457,11 +4452,6 @@
               </a:rPr>
               <a:t>Driver</a:t>
             </a:r>
-            <a:endParaRPr lang="en-US" dirty="0" smtClean="0">
-              <a:latin typeface="Arvo" charset="0"/>
-              <a:ea typeface="Arvo" charset="0"/>
-              <a:cs typeface="Arvo" charset="0"/>
-            </a:endParaRPr>
           </a:p>
         </p:txBody>
       </p:sp>
@@ -4535,13 +4525,13 @@
           </a:prstGeom>
           <a:solidFill>
             <a:schemeClr val="bg1">
-              <a:lumMod val="50000"/>
+              <a:lumMod val="85000"/>
             </a:schemeClr>
           </a:solidFill>
           <a:ln w="28575">
             <a:solidFill>
               <a:schemeClr val="bg1">
-                <a:lumMod val="50000"/>
+                <a:lumMod val="85000"/>
               </a:schemeClr>
             </a:solidFill>
           </a:ln>
@@ -4595,11 +4585,17 @@
             <a:avLst/>
           </a:prstGeom>
           <a:solidFill>
-            <a:schemeClr val="accent2"/>
+            <a:schemeClr val="accent2">
+              <a:lumMod val="60000"/>
+              <a:lumOff val="40000"/>
+            </a:schemeClr>
           </a:solidFill>
           <a:ln w="28575">
             <a:solidFill>
-              <a:schemeClr val="accent2"/>
+              <a:schemeClr val="accent2">
+                <a:lumMod val="60000"/>
+                <a:lumOff val="40000"/>
+              </a:schemeClr>
             </a:solidFill>
           </a:ln>
         </p:spPr>
@@ -4709,11 +4705,15 @@
             <a:avLst/>
           </a:prstGeom>
           <a:solidFill>
-            <a:schemeClr val="accent5"/>
+            <a:schemeClr val="accent5">
+              <a:lumMod val="50000"/>
+            </a:schemeClr>
           </a:solidFill>
           <a:ln w="28575">
             <a:solidFill>
-              <a:schemeClr val="accent5"/>
+              <a:schemeClr val="accent5">
+                <a:lumMod val="50000"/>
+              </a:schemeClr>
             </a:solidFill>
           </a:ln>
         </p:spPr>
@@ -4759,7 +4759,7 @@
         </p:nvSpPr>
         <p:spPr>
           <a:xfrm>
-            <a:off x="1995367" y="1786302"/>
+            <a:off x="1995367" y="1904967"/>
             <a:ext cx="975075" cy="646331"/>
           </a:xfrm>
           <a:prstGeom prst="rect">
@@ -4793,11 +4793,6 @@
               </a:rPr>
               <a:t>Queue</a:t>
             </a:r>
-            <a:endParaRPr lang="en-US" dirty="0" smtClean="0">
-              <a:latin typeface="Avenir Next" charset="0"/>
-              <a:ea typeface="Avenir Next" charset="0"/>
-              <a:cs typeface="Avenir Next" charset="0"/>
-            </a:endParaRPr>
           </a:p>
         </p:txBody>
       </p:sp>
@@ -4809,7 +4804,7 @@
         </p:nvSpPr>
         <p:spPr>
           <a:xfrm>
-            <a:off x="3439548" y="1790528"/>
+            <a:off x="3439548" y="1904967"/>
             <a:ext cx="1286570" cy="646331"/>
           </a:xfrm>
           <a:prstGeom prst="rect">
@@ -4843,11 +4838,6 @@
               </a:rPr>
               <a:t>Programs</a:t>
             </a:r>
-            <a:endParaRPr lang="en-US" dirty="0" smtClean="0">
-              <a:latin typeface="Avenir Next" charset="0"/>
-              <a:ea typeface="Avenir Next" charset="0"/>
-              <a:cs typeface="Avenir Next" charset="0"/>
-            </a:endParaRPr>
           </a:p>
         </p:txBody>
       </p:sp>
@@ -4859,7 +4849,7 @@
         </p:nvSpPr>
         <p:spPr>
           <a:xfrm>
-            <a:off x="5059638" y="2063301"/>
+            <a:off x="5059638" y="2181966"/>
             <a:ext cx="1333057" cy="369332"/>
           </a:xfrm>
           <a:prstGeom prst="rect">
@@ -4986,8 +4976,8 @@
         </p:nvSpPr>
         <p:spPr>
           <a:xfrm>
-            <a:off x="7154825" y="2063301"/>
-            <a:ext cx="1489510" cy="369332"/>
+            <a:off x="7154826" y="1904967"/>
+            <a:ext cx="1489510" cy="646331"/>
           </a:xfrm>
           <a:prstGeom prst="rect">
             <a:avLst/>
@@ -4999,6 +4989,17 @@
             <a:spAutoFit/>
           </a:bodyPr>
           <a:lstStyle/>
+          <a:p>
+            <a:pPr algn="ctr"/>
+            <a:r>
+              <a:rPr lang="en-US" smtClean="0">
+                <a:latin typeface="Avenir Next" charset="0"/>
+                <a:ea typeface="Avenir Next" charset="0"/>
+                <a:cs typeface="Avenir Next" charset="0"/>
+              </a:rPr>
+              <a:t>Skewed</a:t>
+            </a:r>
+          </a:p>
           <a:p>
             <a:pPr algn="ctr"/>
             <a:r>
@@ -5007,7 +5008,15 @@
                 <a:ea typeface="Avenir Next" charset="0"/>
                 <a:cs typeface="Avenir Next" charset="0"/>
               </a:rPr>
-              <a:t>Global top </a:t>
+              <a:t>Global </a:t>
+            </a:r>
+            <a:r>
+              <a:rPr lang="en-US" dirty="0" smtClean="0">
+                <a:latin typeface="Avenir Next" charset="0"/>
+                <a:ea typeface="Avenir Next" charset="0"/>
+                <a:cs typeface="Avenir Next" charset="0"/>
+              </a:rPr>
+              <a:t>top </a:t>
             </a:r>
             <a:r>
               <a:rPr lang="el-GR" dirty="0" smtClean="0">
@@ -5055,11 +5064,6 @@
               </a:rPr>
               <a:t>Global best</a:t>
             </a:r>
-            <a:endParaRPr lang="en-US" dirty="0" smtClean="0">
-              <a:latin typeface="Avenir Next" charset="0"/>
-              <a:ea typeface="Avenir Next" charset="0"/>
-              <a:cs typeface="Avenir Next" charset="0"/>
-            </a:endParaRPr>
           </a:p>
         </p:txBody>
       </p:sp>
@@ -5149,7 +5153,7 @@
         </p:nvSpPr>
         <p:spPr>
           <a:xfrm>
-            <a:off x="8416625" y="3397468"/>
+            <a:off x="8258497" y="3397468"/>
             <a:ext cx="1284775" cy="369332"/>
           </a:xfrm>
           <a:prstGeom prst="rect">
@@ -5163,6 +5167,7 @@
           </a:bodyPr>
           <a:lstStyle/>
           <a:p>
+            <a:pPr algn="ctr"/>
             <a:r>
               <a:rPr lang="en-US" smtClean="0">
                 <a:latin typeface="Avenir Next" charset="0"/>
@@ -5187,8 +5192,8 @@
         </p:nvSpPr>
         <p:spPr>
           <a:xfrm>
-            <a:off x="9264585" y="2063301"/>
-            <a:ext cx="1489510" cy="369332"/>
+            <a:off x="9283905" y="1904967"/>
+            <a:ext cx="1489510" cy="646331"/>
           </a:xfrm>
           <a:prstGeom prst="rect">
             <a:avLst/>
@@ -5200,6 +5205,17 @@
             <a:spAutoFit/>
           </a:bodyPr>
           <a:lstStyle/>
+          <a:p>
+            <a:pPr algn="ctr"/>
+            <a:r>
+              <a:rPr lang="en-US" smtClean="0">
+                <a:latin typeface="Avenir Next" charset="0"/>
+                <a:ea typeface="Avenir Next" charset="0"/>
+                <a:cs typeface="Avenir Next" charset="0"/>
+              </a:rPr>
+              <a:t>Balanced</a:t>
+            </a:r>
+          </a:p>
           <a:p>
             <a:pPr algn="ctr"/>
             <a:r>
@@ -5208,7 +5224,15 @@
                 <a:ea typeface="Avenir Next" charset="0"/>
                 <a:cs typeface="Avenir Next" charset="0"/>
               </a:rPr>
-              <a:t>Global top </a:t>
+              <a:t>Global </a:t>
+            </a:r>
+            <a:r>
+              <a:rPr lang="en-US" dirty="0" smtClean="0">
+                <a:latin typeface="Avenir Next" charset="0"/>
+                <a:ea typeface="Avenir Next" charset="0"/>
+                <a:cs typeface="Avenir Next" charset="0"/>
+              </a:rPr>
+              <a:t>top </a:t>
             </a:r>
             <a:r>
               <a:rPr lang="el-GR" dirty="0" smtClean="0">
@@ -5355,11 +5379,15 @@
             <a:avLst/>
           </a:prstGeom>
           <a:solidFill>
-            <a:schemeClr val="accent5"/>
+            <a:schemeClr val="accent5">
+              <a:lumMod val="50000"/>
+            </a:schemeClr>
           </a:solidFill>
           <a:ln w="28575">
             <a:solidFill>
-              <a:schemeClr val="accent5"/>
+              <a:schemeClr val="accent5">
+                <a:lumMod val="50000"/>
+              </a:schemeClr>
             </a:solidFill>
           </a:ln>
         </p:spPr>
@@ -5585,11 +5613,15 @@
             <a:avLst/>
           </a:prstGeom>
           <a:solidFill>
-            <a:schemeClr val="accent5"/>
+            <a:schemeClr val="accent5">
+              <a:lumMod val="50000"/>
+            </a:schemeClr>
           </a:solidFill>
           <a:ln w="28575">
             <a:solidFill>
-              <a:schemeClr val="accent5"/>
+              <a:schemeClr val="accent5">
+                <a:lumMod val="50000"/>
+              </a:schemeClr>
             </a:solidFill>
           </a:ln>
         </p:spPr>
@@ -5701,11 +5733,15 @@
             <a:avLst/>
           </a:prstGeom>
           <a:solidFill>
-            <a:schemeClr val="accent5"/>
+            <a:schemeClr val="accent5">
+              <a:lumMod val="50000"/>
+            </a:schemeClr>
           </a:solidFill>
           <a:ln w="28575">
             <a:solidFill>
-              <a:schemeClr val="accent5"/>
+              <a:schemeClr val="accent5">
+                <a:lumMod val="50000"/>
+              </a:schemeClr>
             </a:solidFill>
           </a:ln>
         </p:spPr>
@@ -6161,11 +6197,15 @@
             <a:avLst/>
           </a:prstGeom>
           <a:solidFill>
-            <a:schemeClr val="accent5"/>
+            <a:schemeClr val="accent5">
+              <a:lumMod val="50000"/>
+            </a:schemeClr>
           </a:solidFill>
           <a:ln w="28575">
             <a:solidFill>
-              <a:schemeClr val="accent5"/>
+              <a:schemeClr val="accent5">
+                <a:lumMod val="50000"/>
+              </a:schemeClr>
             </a:solidFill>
           </a:ln>
         </p:spPr>
@@ -6544,11 +6584,15 @@
             <a:avLst/>
           </a:prstGeom>
           <a:solidFill>
-            <a:schemeClr val="accent5"/>
+            <a:schemeClr val="accent5">
+              <a:lumMod val="50000"/>
+            </a:schemeClr>
           </a:solidFill>
           <a:ln w="28575">
             <a:solidFill>
-              <a:schemeClr val="accent5"/>
+              <a:schemeClr val="accent5">
+                <a:lumMod val="50000"/>
+              </a:schemeClr>
             </a:solidFill>
           </a:ln>
         </p:spPr>
@@ -6830,13 +6874,13 @@
           </a:prstGeom>
           <a:solidFill>
             <a:schemeClr val="bg1">
-              <a:lumMod val="50000"/>
+              <a:lumMod val="85000"/>
             </a:schemeClr>
           </a:solidFill>
           <a:ln w="28575">
             <a:solidFill>
               <a:schemeClr val="bg1">
-                <a:lumMod val="50000"/>
+                <a:lumMod val="85000"/>
               </a:schemeClr>
             </a:solidFill>
           </a:ln>
@@ -6890,11 +6934,17 @@
             <a:avLst/>
           </a:prstGeom>
           <a:solidFill>
-            <a:schemeClr val="accent2"/>
+            <a:schemeClr val="accent2">
+              <a:lumMod val="60000"/>
+              <a:lumOff val="40000"/>
+            </a:schemeClr>
           </a:solidFill>
           <a:ln w="28575">
             <a:solidFill>
-              <a:schemeClr val="accent2"/>
+              <a:schemeClr val="accent2">
+                <a:lumMod val="60000"/>
+                <a:lumOff val="40000"/>
+              </a:schemeClr>
             </a:solidFill>
           </a:ln>
         </p:spPr>
@@ -7064,13 +7114,13 @@
           </a:prstGeom>
           <a:solidFill>
             <a:schemeClr val="bg1">
-              <a:lumMod val="50000"/>
+              <a:lumMod val="85000"/>
             </a:schemeClr>
           </a:solidFill>
           <a:ln w="28575">
             <a:solidFill>
               <a:schemeClr val="bg1">
-                <a:lumMod val="50000"/>
+                <a:lumMod val="85000"/>
               </a:schemeClr>
             </a:solidFill>
           </a:ln>
@@ -7124,11 +7174,17 @@
             <a:avLst/>
           </a:prstGeom>
           <a:solidFill>
-            <a:schemeClr val="accent2"/>
+            <a:schemeClr val="accent2">
+              <a:lumMod val="60000"/>
+              <a:lumOff val="40000"/>
+            </a:schemeClr>
           </a:solidFill>
           <a:ln w="28575">
             <a:solidFill>
-              <a:schemeClr val="accent2"/>
+              <a:schemeClr val="accent2">
+                <a:lumMod val="60000"/>
+                <a:lumOff val="40000"/>
+              </a:schemeClr>
             </a:solidFill>
           </a:ln>
         </p:spPr>
@@ -7298,13 +7354,13 @@
           </a:prstGeom>
           <a:solidFill>
             <a:schemeClr val="bg1">
-              <a:lumMod val="50000"/>
+              <a:lumMod val="85000"/>
             </a:schemeClr>
           </a:solidFill>
           <a:ln w="28575">
             <a:solidFill>
               <a:schemeClr val="bg1">
-                <a:lumMod val="50000"/>
+                <a:lumMod val="85000"/>
               </a:schemeClr>
             </a:solidFill>
           </a:ln>
@@ -7418,13 +7474,13 @@
           </a:prstGeom>
           <a:solidFill>
             <a:schemeClr val="bg1">
-              <a:lumMod val="50000"/>
+              <a:lumMod val="85000"/>
             </a:schemeClr>
           </a:solidFill>
           <a:ln w="28575">
             <a:solidFill>
               <a:schemeClr val="bg1">
-                <a:lumMod val="50000"/>
+                <a:lumMod val="85000"/>
               </a:schemeClr>
             </a:solidFill>
           </a:ln>
@@ -7536,13 +7592,13 @@
           </a:prstGeom>
           <a:solidFill>
             <a:schemeClr val="bg1">
-              <a:lumMod val="50000"/>
+              <a:lumMod val="85000"/>
             </a:schemeClr>
           </a:solidFill>
           <a:ln w="28575">
             <a:solidFill>
               <a:schemeClr val="bg1">
-                <a:lumMod val="50000"/>
+                <a:lumMod val="85000"/>
               </a:schemeClr>
             </a:solidFill>
           </a:ln>
@@ -7809,13 +7865,13 @@
           </a:prstGeom>
           <a:solidFill>
             <a:schemeClr val="bg1">
-              <a:lumMod val="50000"/>
+              <a:lumMod val="85000"/>
             </a:schemeClr>
           </a:solidFill>
           <a:ln w="28575">
             <a:solidFill>
               <a:schemeClr val="bg1">
-                <a:lumMod val="50000"/>
+                <a:lumMod val="85000"/>
               </a:schemeClr>
             </a:solidFill>
           </a:ln>
@@ -8290,7 +8346,7 @@
         </p:nvSpPr>
         <p:spPr>
           <a:xfrm>
-            <a:off x="5274910" y="1104199"/>
+            <a:off x="5274910" y="1246439"/>
             <a:ext cx="2428870" cy="584775"/>
           </a:xfrm>
           <a:prstGeom prst="rect">
@@ -8328,11 +8384,178 @@
               </a:rPr>
               <a:t> iteration</a:t>
             </a:r>
-            <a:endParaRPr lang="en-US" sz="3200" dirty="0" smtClean="0">
-              <a:latin typeface="Arvo" charset="0"/>
-              <a:ea typeface="Arvo" charset="0"/>
-              <a:cs typeface="Arvo" charset="0"/>
+          </a:p>
+        </p:txBody>
+      </p:sp>
+      <p:sp>
+        <p:nvSpPr>
+          <p:cNvPr id="81" name="Rectangle 80"/>
+          <p:cNvSpPr/>
+          <p:nvPr/>
+        </p:nvSpPr>
+        <p:spPr>
+          <a:xfrm>
+            <a:off x="10130517" y="3930502"/>
+            <a:ext cx="203200" cy="203200"/>
+          </a:xfrm>
+          <a:prstGeom prst="rect">
+            <a:avLst/>
+          </a:prstGeom>
+          <a:solidFill>
+            <a:schemeClr val="bg1">
+              <a:alpha val="45000"/>
+            </a:schemeClr>
+          </a:solidFill>
+          <a:ln w="28575">
+            <a:solidFill>
+              <a:schemeClr val="bg1">
+                <a:lumMod val="65000"/>
+              </a:schemeClr>
+            </a:solidFill>
+            <a:prstDash val="sysDot"/>
+          </a:ln>
+        </p:spPr>
+        <p:style>
+          <a:lnRef idx="2">
+            <a:schemeClr val="accent1">
+              <a:shade val="50000"/>
+            </a:schemeClr>
+          </a:lnRef>
+          <a:fillRef idx="1">
+            <a:schemeClr val="accent1"/>
+          </a:fillRef>
+          <a:effectRef idx="0">
+            <a:schemeClr val="accent1"/>
+          </a:effectRef>
+          <a:fontRef idx="minor">
+            <a:schemeClr val="lt1"/>
+          </a:fontRef>
+        </p:style>
+        <p:txBody>
+          <a:bodyPr rtlCol="0" anchor="ctr"/>
+          <a:lstStyle/>
+          <a:p>
+            <a:pPr algn="ctr"/>
+            <a:endParaRPr lang="en-US" sz="2400" dirty="0" smtClean="0">
+              <a:solidFill>
+                <a:schemeClr val="bg1">
+                  <a:lumMod val="50000"/>
+                </a:schemeClr>
+              </a:solidFill>
+              <a:latin typeface="Avenir Book" charset="0"/>
+              <a:ea typeface="Avenir Book" charset="0"/>
+              <a:cs typeface="Avenir Book" charset="0"/>
             </a:endParaRPr>
+          </a:p>
+        </p:txBody>
+      </p:sp>
+      <p:sp>
+        <p:nvSpPr>
+          <p:cNvPr id="82" name="Oval 81"/>
+          <p:cNvSpPr/>
+          <p:nvPr/>
+        </p:nvSpPr>
+        <p:spPr>
+          <a:xfrm>
+            <a:off x="10380332" y="3939063"/>
+            <a:ext cx="176105" cy="176105"/>
+          </a:xfrm>
+          <a:prstGeom prst="ellipse">
+            <a:avLst/>
+          </a:prstGeom>
+          <a:solidFill>
+            <a:schemeClr val="bg1">
+              <a:alpha val="45000"/>
+            </a:schemeClr>
+          </a:solidFill>
+          <a:ln w="28575">
+            <a:solidFill>
+              <a:srgbClr val="FF0000"/>
+            </a:solidFill>
+            <a:prstDash val="sysDot"/>
+          </a:ln>
+        </p:spPr>
+        <p:style>
+          <a:lnRef idx="2">
+            <a:schemeClr val="accent1">
+              <a:shade val="50000"/>
+            </a:schemeClr>
+          </a:lnRef>
+          <a:fillRef idx="1">
+            <a:schemeClr val="accent1"/>
+          </a:fillRef>
+          <a:effectRef idx="0">
+            <a:schemeClr val="accent1"/>
+          </a:effectRef>
+          <a:fontRef idx="minor">
+            <a:schemeClr val="lt1"/>
+          </a:fontRef>
+        </p:style>
+        <p:txBody>
+          <a:bodyPr rtlCol="0" anchor="ctr"/>
+          <a:lstStyle/>
+          <a:p>
+            <a:pPr algn="ctr"/>
+            <a:endParaRPr lang="en-US" sz="2400" dirty="0" smtClean="0">
+              <a:solidFill>
+                <a:schemeClr val="bg1">
+                  <a:lumMod val="50000"/>
+                </a:schemeClr>
+              </a:solidFill>
+              <a:latin typeface="Avenir Book" charset="0"/>
+              <a:ea typeface="Avenir Book" charset="0"/>
+              <a:cs typeface="Avenir Book" charset="0"/>
+            </a:endParaRPr>
+          </a:p>
+        </p:txBody>
+      </p:sp>
+      <p:sp>
+        <p:nvSpPr>
+          <p:cNvPr id="2" name="Arc 1"/>
+          <p:cNvSpPr/>
+          <p:nvPr/>
+        </p:nvSpPr>
+        <p:spPr>
+          <a:xfrm>
+            <a:off x="10242441" y="2976262"/>
+            <a:ext cx="220412" cy="971965"/>
+          </a:xfrm>
+          <a:prstGeom prst="arc">
+            <a:avLst>
+              <a:gd name="adj1" fmla="val 16200000"/>
+              <a:gd name="adj2" fmla="val 5034155"/>
+            </a:avLst>
+          </a:prstGeom>
+          <a:ln w="28575">
+            <a:solidFill>
+              <a:schemeClr val="bg1">
+                <a:lumMod val="75000"/>
+              </a:schemeClr>
+            </a:solidFill>
+            <a:headEnd type="triangle" w="med" len="med"/>
+            <a:tailEnd type="none" w="med" len="med"/>
+          </a:ln>
+        </p:spPr>
+        <p:style>
+          <a:lnRef idx="1">
+            <a:schemeClr val="accent1"/>
+          </a:lnRef>
+          <a:fillRef idx="0">
+            <a:schemeClr val="accent1"/>
+          </a:fillRef>
+          <a:effectRef idx="0">
+            <a:schemeClr val="accent1"/>
+          </a:effectRef>
+          <a:fontRef idx="minor">
+            <a:schemeClr val="tx1"/>
+          </a:fontRef>
+        </p:style>
+        <p:txBody>
+          <a:bodyPr rtlCol="0" anchor="ctr"/>
+          <a:lstStyle/>
+          <a:p>
+            <a:pPr algn="ctr"/>
+            <a:endParaRPr lang="en-US"/>
           </a:p>
         </p:txBody>
       </p:sp>

--- a/figures/figs.pptx
+++ b/figures/figs.pptx
@@ -6,7 +6,8 @@
   </p:sldMasterIdLst>
   <p:sldIdLst>
     <p:sldId id="262" r:id="rId2"/>
-    <p:sldId id="263" r:id="rId3"/>
+    <p:sldId id="264" r:id="rId3"/>
+    <p:sldId id="263" r:id="rId4"/>
   </p:sldIdLst>
   <p:sldSz cx="12192000" cy="6858000"/>
   <p:notesSz cx="6858000" cy="9144000"/>
@@ -244,7 +245,7 @@
           <a:p>
             <a:fld id="{0D2365CA-5E4B-9146-99C6-9EE280F2DA9A}" type="datetimeFigureOut">
               <a:rPr lang="en-US" smtClean="0"/>
-              <a:t>8/31/17</a:t>
+              <a:t>8/20/18</a:t>
             </a:fld>
             <a:endParaRPr lang="en-US"/>
           </a:p>
@@ -414,7 +415,7 @@
           <a:p>
             <a:fld id="{0D2365CA-5E4B-9146-99C6-9EE280F2DA9A}" type="datetimeFigureOut">
               <a:rPr lang="en-US" smtClean="0"/>
-              <a:t>8/31/17</a:t>
+              <a:t>8/20/18</a:t>
             </a:fld>
             <a:endParaRPr lang="en-US"/>
           </a:p>
@@ -594,7 +595,7 @@
           <a:p>
             <a:fld id="{0D2365CA-5E4B-9146-99C6-9EE280F2DA9A}" type="datetimeFigureOut">
               <a:rPr lang="en-US" smtClean="0"/>
-              <a:t>8/31/17</a:t>
+              <a:t>8/20/18</a:t>
             </a:fld>
             <a:endParaRPr lang="en-US"/>
           </a:p>
@@ -764,7 +765,7 @@
           <a:p>
             <a:fld id="{0D2365CA-5E4B-9146-99C6-9EE280F2DA9A}" type="datetimeFigureOut">
               <a:rPr lang="en-US" smtClean="0"/>
-              <a:t>8/31/17</a:t>
+              <a:t>8/20/18</a:t>
             </a:fld>
             <a:endParaRPr lang="en-US"/>
           </a:p>
@@ -1010,7 +1011,7 @@
           <a:p>
             <a:fld id="{0D2365CA-5E4B-9146-99C6-9EE280F2DA9A}" type="datetimeFigureOut">
               <a:rPr lang="en-US" smtClean="0"/>
-              <a:t>8/31/17</a:t>
+              <a:t>8/20/18</a:t>
             </a:fld>
             <a:endParaRPr lang="en-US"/>
           </a:p>
@@ -1242,7 +1243,7 @@
           <a:p>
             <a:fld id="{0D2365CA-5E4B-9146-99C6-9EE280F2DA9A}" type="datetimeFigureOut">
               <a:rPr lang="en-US" smtClean="0"/>
-              <a:t>8/31/17</a:t>
+              <a:t>8/20/18</a:t>
             </a:fld>
             <a:endParaRPr lang="en-US"/>
           </a:p>
@@ -1609,7 +1610,7 @@
           <a:p>
             <a:fld id="{0D2365CA-5E4B-9146-99C6-9EE280F2DA9A}" type="datetimeFigureOut">
               <a:rPr lang="en-US" smtClean="0"/>
-              <a:t>8/31/17</a:t>
+              <a:t>8/20/18</a:t>
             </a:fld>
             <a:endParaRPr lang="en-US"/>
           </a:p>
@@ -1727,7 +1728,7 @@
           <a:p>
             <a:fld id="{0D2365CA-5E4B-9146-99C6-9EE280F2DA9A}" type="datetimeFigureOut">
               <a:rPr lang="en-US" smtClean="0"/>
-              <a:t>8/31/17</a:t>
+              <a:t>8/20/18</a:t>
             </a:fld>
             <a:endParaRPr lang="en-US"/>
           </a:p>
@@ -1822,7 +1823,7 @@
           <a:p>
             <a:fld id="{0D2365CA-5E4B-9146-99C6-9EE280F2DA9A}" type="datetimeFigureOut">
               <a:rPr lang="en-US" smtClean="0"/>
-              <a:t>8/31/17</a:t>
+              <a:t>8/20/18</a:t>
             </a:fld>
             <a:endParaRPr lang="en-US"/>
           </a:p>
@@ -2099,7 +2100,7 @@
           <a:p>
             <a:fld id="{0D2365CA-5E4B-9146-99C6-9EE280F2DA9A}" type="datetimeFigureOut">
               <a:rPr lang="en-US" smtClean="0"/>
-              <a:t>8/31/17</a:t>
+              <a:t>8/20/18</a:t>
             </a:fld>
             <a:endParaRPr lang="en-US"/>
           </a:p>
@@ -2352,7 +2353,7 @@
           <a:p>
             <a:fld id="{0D2365CA-5E4B-9146-99C6-9EE280F2DA9A}" type="datetimeFigureOut">
               <a:rPr lang="en-US" smtClean="0"/>
-              <a:t>8/31/17</a:t>
+              <a:t>8/20/18</a:t>
             </a:fld>
             <a:endParaRPr lang="en-US"/>
           </a:p>
@@ -2565,7 +2566,7 @@
           <a:p>
             <a:fld id="{0D2365CA-5E4B-9146-99C6-9EE280F2DA9A}" type="datetimeFigureOut">
               <a:rPr lang="en-US" smtClean="0"/>
-              <a:t>8/31/17</a:t>
+              <a:t>8/20/18</a:t>
             </a:fld>
             <a:endParaRPr lang="en-US"/>
           </a:p>
@@ -4351,6 +4352,957 @@
           <a:chExt cx="0" cy="0"/>
         </a:xfrm>
       </p:grpSpPr>
+      <p:pic>
+        <p:nvPicPr>
+          <p:cNvPr id="4" name="Picture 3"/>
+          <p:cNvPicPr>
+            <a:picLocks noChangeAspect="1"/>
+          </p:cNvPicPr>
+          <p:nvPr/>
+        </p:nvPicPr>
+        <p:blipFill>
+          <a:blip r:embed="rId2"/>
+          <a:stretch>
+            <a:fillRect/>
+          </a:stretch>
+        </p:blipFill>
+        <p:spPr>
+          <a:xfrm>
+            <a:off x="9814792" y="2607103"/>
+            <a:ext cx="961141" cy="961141"/>
+          </a:xfrm>
+          <a:prstGeom prst="rect">
+            <a:avLst/>
+          </a:prstGeom>
+        </p:spPr>
+      </p:pic>
+      <p:sp>
+        <p:nvSpPr>
+          <p:cNvPr id="5" name="Can 4"/>
+          <p:cNvSpPr/>
+          <p:nvPr/>
+        </p:nvSpPr>
+        <p:spPr>
+          <a:xfrm>
+            <a:off x="2190765" y="2547161"/>
+            <a:ext cx="955040" cy="1081024"/>
+          </a:xfrm>
+          <a:prstGeom prst="can">
+            <a:avLst/>
+          </a:prstGeom>
+          <a:solidFill>
+            <a:schemeClr val="bg1"/>
+          </a:solidFill>
+          <a:ln w="28575">
+            <a:solidFill>
+              <a:schemeClr val="bg1">
+                <a:lumMod val="50000"/>
+              </a:schemeClr>
+            </a:solidFill>
+          </a:ln>
+        </p:spPr>
+        <p:style>
+          <a:lnRef idx="2">
+            <a:schemeClr val="accent1">
+              <a:shade val="50000"/>
+            </a:schemeClr>
+          </a:lnRef>
+          <a:fillRef idx="1">
+            <a:schemeClr val="accent1"/>
+          </a:fillRef>
+          <a:effectRef idx="0">
+            <a:schemeClr val="accent1"/>
+          </a:effectRef>
+          <a:fontRef idx="minor">
+            <a:schemeClr val="lt1"/>
+          </a:fontRef>
+        </p:style>
+        <p:txBody>
+          <a:bodyPr rtlCol="0" anchor="ctr"/>
+          <a:lstStyle/>
+          <a:p>
+            <a:pPr algn="ctr"/>
+            <a:endParaRPr lang="en-US" sz="2400" dirty="0" smtClean="0">
+              <a:solidFill>
+                <a:schemeClr val="bg1">
+                  <a:lumMod val="50000"/>
+                </a:schemeClr>
+              </a:solidFill>
+              <a:latin typeface="Avenir Book" charset="0"/>
+              <a:ea typeface="Avenir Book" charset="0"/>
+              <a:cs typeface="Avenir Book" charset="0"/>
+            </a:endParaRPr>
+          </a:p>
+        </p:txBody>
+      </p:sp>
+      <p:grpSp>
+        <p:nvGrpSpPr>
+          <p:cNvPr id="29" name="Group 28"/>
+          <p:cNvGrpSpPr/>
+          <p:nvPr/>
+        </p:nvGrpSpPr>
+        <p:grpSpPr>
+          <a:xfrm>
+            <a:off x="4230320" y="2903007"/>
+            <a:ext cx="2532480" cy="369332"/>
+            <a:chOff x="3992880" y="2903007"/>
+            <a:chExt cx="2532480" cy="369332"/>
+          </a:xfrm>
+        </p:grpSpPr>
+        <p:sp>
+          <p:nvSpPr>
+            <p:cNvPr id="6" name="TextBox 5"/>
+            <p:cNvSpPr txBox="1"/>
+            <p:nvPr/>
+          </p:nvSpPr>
+          <p:spPr>
+            <a:xfrm>
+              <a:off x="3992880" y="2903007"/>
+              <a:ext cx="470000" cy="369332"/>
+            </a:xfrm>
+            <a:prstGeom prst="rect">
+              <a:avLst/>
+            </a:prstGeom>
+            <a:noFill/>
+          </p:spPr>
+          <p:txBody>
+            <a:bodyPr wrap="none" rtlCol="0">
+              <a:spAutoFit/>
+            </a:bodyPr>
+            <a:lstStyle/>
+            <a:p>
+              <a:r>
+                <a:rPr lang="en-US" dirty="0" smtClean="0">
+                  <a:latin typeface="Avenir Next" charset="0"/>
+                  <a:ea typeface="Avenir Next" charset="0"/>
+                  <a:cs typeface="Avenir Next" charset="0"/>
+                </a:rPr>
+                <a:t>O</a:t>
+              </a:r>
+              <a:r>
+                <a:rPr lang="en-US" baseline="-25000" dirty="0" smtClean="0">
+                  <a:latin typeface="Avenir Next" charset="0"/>
+                  <a:ea typeface="Avenir Next" charset="0"/>
+                  <a:cs typeface="Avenir Next" charset="0"/>
+                </a:rPr>
+                <a:t>1</a:t>
+              </a:r>
+              <a:endParaRPr lang="en-US" dirty="0" smtClean="0">
+                <a:latin typeface="Avenir Next" charset="0"/>
+                <a:ea typeface="Avenir Next" charset="0"/>
+                <a:cs typeface="Avenir Next" charset="0"/>
+              </a:endParaRPr>
+            </a:p>
+          </p:txBody>
+        </p:sp>
+        <p:sp>
+          <p:nvSpPr>
+            <p:cNvPr id="7" name="TextBox 6"/>
+            <p:cNvSpPr txBox="1"/>
+            <p:nvPr/>
+          </p:nvSpPr>
+          <p:spPr>
+            <a:xfrm>
+              <a:off x="6055360" y="2903007"/>
+              <a:ext cx="470000" cy="369332"/>
+            </a:xfrm>
+            <a:prstGeom prst="rect">
+              <a:avLst/>
+            </a:prstGeom>
+            <a:noFill/>
+          </p:spPr>
+          <p:txBody>
+            <a:bodyPr wrap="none" rtlCol="0">
+              <a:spAutoFit/>
+            </a:bodyPr>
+            <a:lstStyle/>
+            <a:p>
+              <a:r>
+                <a:rPr lang="en-US" dirty="0" smtClean="0">
+                  <a:latin typeface="Avenir Next" charset="0"/>
+                  <a:ea typeface="Avenir Next" charset="0"/>
+                  <a:cs typeface="Avenir Next" charset="0"/>
+                </a:rPr>
+                <a:t>O</a:t>
+              </a:r>
+              <a:r>
+                <a:rPr lang="en-US" baseline="-25000" dirty="0" smtClean="0">
+                  <a:latin typeface="Avenir Next" charset="0"/>
+                  <a:ea typeface="Avenir Next" charset="0"/>
+                  <a:cs typeface="Avenir Next" charset="0"/>
+                </a:rPr>
+                <a:t>n</a:t>
+              </a:r>
+              <a:endParaRPr lang="en-US" baseline="-25000" dirty="0" smtClean="0">
+                <a:latin typeface="Avenir Next" charset="0"/>
+                <a:ea typeface="Avenir Next" charset="0"/>
+                <a:cs typeface="Avenir Next" charset="0"/>
+              </a:endParaRPr>
+            </a:p>
+          </p:txBody>
+        </p:sp>
+        <p:sp>
+          <p:nvSpPr>
+            <p:cNvPr id="8" name="TextBox 7"/>
+            <p:cNvSpPr txBox="1"/>
+            <p:nvPr/>
+          </p:nvSpPr>
+          <p:spPr>
+            <a:xfrm>
+              <a:off x="5077820" y="2903007"/>
+              <a:ext cx="362600" cy="369332"/>
+            </a:xfrm>
+            <a:prstGeom prst="rect">
+              <a:avLst/>
+            </a:prstGeom>
+            <a:noFill/>
+          </p:spPr>
+          <p:txBody>
+            <a:bodyPr wrap="none" rtlCol="0">
+              <a:spAutoFit/>
+            </a:bodyPr>
+            <a:lstStyle/>
+            <a:p>
+              <a:r>
+                <a:rPr lang="en-US" dirty="0" smtClean="0">
+                  <a:latin typeface="Avenir Next" charset="0"/>
+                  <a:ea typeface="Avenir Next" charset="0"/>
+                  <a:cs typeface="Avenir Next" charset="0"/>
+                </a:rPr>
+                <a:t>...</a:t>
+              </a:r>
+              <a:endParaRPr lang="en-US" dirty="0" smtClean="0">
+                <a:latin typeface="Avenir Next" charset="0"/>
+                <a:ea typeface="Avenir Next" charset="0"/>
+                <a:cs typeface="Avenir Next" charset="0"/>
+              </a:endParaRPr>
+            </a:p>
+          </p:txBody>
+        </p:sp>
+      </p:grpSp>
+      <p:sp>
+        <p:nvSpPr>
+          <p:cNvPr id="9" name="Rectangle 8"/>
+          <p:cNvSpPr/>
+          <p:nvPr/>
+        </p:nvSpPr>
+        <p:spPr>
+          <a:xfrm>
+            <a:off x="7874769" y="2726993"/>
+            <a:ext cx="853440" cy="721360"/>
+          </a:xfrm>
+          <a:prstGeom prst="rect">
+            <a:avLst/>
+          </a:prstGeom>
+          <a:solidFill>
+            <a:schemeClr val="bg1"/>
+          </a:solidFill>
+          <a:ln w="28575">
+            <a:solidFill>
+              <a:schemeClr val="bg1">
+                <a:lumMod val="50000"/>
+              </a:schemeClr>
+            </a:solidFill>
+          </a:ln>
+        </p:spPr>
+        <p:style>
+          <a:lnRef idx="2">
+            <a:schemeClr val="accent1">
+              <a:shade val="50000"/>
+            </a:schemeClr>
+          </a:lnRef>
+          <a:fillRef idx="1">
+            <a:schemeClr val="accent1"/>
+          </a:fillRef>
+          <a:effectRef idx="0">
+            <a:schemeClr val="accent1"/>
+          </a:effectRef>
+          <a:fontRef idx="minor">
+            <a:schemeClr val="lt1"/>
+          </a:fontRef>
+        </p:style>
+        <p:txBody>
+          <a:bodyPr rtlCol="0" anchor="ctr"/>
+          <a:lstStyle/>
+          <a:p>
+            <a:pPr algn="ctr"/>
+            <a:endParaRPr lang="en-US" sz="2400" dirty="0" smtClean="0">
+              <a:solidFill>
+                <a:schemeClr val="bg1">
+                  <a:lumMod val="50000"/>
+                </a:schemeClr>
+              </a:solidFill>
+              <a:latin typeface="Avenir Book" charset="0"/>
+              <a:ea typeface="Avenir Book" charset="0"/>
+              <a:cs typeface="Avenir Book" charset="0"/>
+            </a:endParaRPr>
+          </a:p>
+        </p:txBody>
+      </p:sp>
+      <p:sp>
+        <p:nvSpPr>
+          <p:cNvPr id="10" name="TextBox 9"/>
+          <p:cNvSpPr txBox="1"/>
+          <p:nvPr/>
+        </p:nvSpPr>
+        <p:spPr>
+          <a:xfrm>
+            <a:off x="4468074" y="3743960"/>
+            <a:ext cx="2056973" cy="369332"/>
+          </a:xfrm>
+          <a:prstGeom prst="rect">
+            <a:avLst/>
+          </a:prstGeom>
+          <a:noFill/>
+        </p:spPr>
+        <p:txBody>
+          <a:bodyPr wrap="none" rtlCol="0">
+            <a:spAutoFit/>
+          </a:bodyPr>
+          <a:lstStyle/>
+          <a:p>
+            <a:r>
+              <a:rPr lang="en-US" dirty="0">
+                <a:latin typeface="Avenir Next" charset="0"/>
+                <a:ea typeface="Avenir Next" charset="0"/>
+                <a:cs typeface="Avenir Next" charset="0"/>
+              </a:rPr>
+              <a:t>C</a:t>
+            </a:r>
+            <a:r>
+              <a:rPr lang="en-US" dirty="0" smtClean="0">
+                <a:latin typeface="Avenir Next" charset="0"/>
+                <a:ea typeface="Avenir Next" charset="0"/>
+                <a:cs typeface="Avenir Next" charset="0"/>
+              </a:rPr>
+              <a:t>leaning pipeline</a:t>
+            </a:r>
+            <a:endParaRPr lang="en-US" dirty="0" smtClean="0">
+              <a:latin typeface="Avenir Next" charset="0"/>
+              <a:ea typeface="Avenir Next" charset="0"/>
+              <a:cs typeface="Avenir Next" charset="0"/>
+            </a:endParaRPr>
+          </a:p>
+        </p:txBody>
+      </p:sp>
+      <p:sp>
+        <p:nvSpPr>
+          <p:cNvPr id="11" name="TextBox 10"/>
+          <p:cNvSpPr txBox="1"/>
+          <p:nvPr/>
+        </p:nvSpPr>
+        <p:spPr>
+          <a:xfrm>
+            <a:off x="1960880" y="3743960"/>
+            <a:ext cx="1442061" cy="369332"/>
+          </a:xfrm>
+          <a:prstGeom prst="rect">
+            <a:avLst/>
+          </a:prstGeom>
+          <a:noFill/>
+        </p:spPr>
+        <p:txBody>
+          <a:bodyPr wrap="none" rtlCol="0">
+            <a:spAutoFit/>
+          </a:bodyPr>
+          <a:lstStyle/>
+          <a:p>
+            <a:r>
+              <a:rPr lang="en-US" dirty="0">
+                <a:latin typeface="Avenir Next" charset="0"/>
+                <a:ea typeface="Avenir Next" charset="0"/>
+                <a:cs typeface="Avenir Next" charset="0"/>
+              </a:rPr>
+              <a:t>D</a:t>
+            </a:r>
+            <a:r>
+              <a:rPr lang="en-US" dirty="0" smtClean="0">
+                <a:latin typeface="Avenir Next" charset="0"/>
+                <a:ea typeface="Avenir Next" charset="0"/>
+                <a:cs typeface="Avenir Next" charset="0"/>
+              </a:rPr>
+              <a:t>ata source</a:t>
+            </a:r>
+            <a:endParaRPr lang="en-US" dirty="0" smtClean="0">
+              <a:latin typeface="Avenir Next" charset="0"/>
+              <a:ea typeface="Avenir Next" charset="0"/>
+              <a:cs typeface="Avenir Next" charset="0"/>
+            </a:endParaRPr>
+          </a:p>
+        </p:txBody>
+      </p:sp>
+      <p:sp>
+        <p:nvSpPr>
+          <p:cNvPr id="12" name="TextBox 11"/>
+          <p:cNvSpPr txBox="1"/>
+          <p:nvPr/>
+        </p:nvSpPr>
+        <p:spPr>
+          <a:xfrm>
+            <a:off x="7335520" y="3743960"/>
+            <a:ext cx="1931939" cy="646331"/>
+          </a:xfrm>
+          <a:prstGeom prst="rect">
+            <a:avLst/>
+          </a:prstGeom>
+          <a:noFill/>
+        </p:spPr>
+        <p:txBody>
+          <a:bodyPr wrap="none" rtlCol="0">
+            <a:spAutoFit/>
+          </a:bodyPr>
+          <a:lstStyle/>
+          <a:p>
+            <a:pPr algn="ctr"/>
+            <a:r>
+              <a:rPr lang="en-US" dirty="0" smtClean="0">
+                <a:latin typeface="Avenir Next" charset="0"/>
+                <a:ea typeface="Avenir Next" charset="0"/>
+                <a:cs typeface="Avenir Next" charset="0"/>
+              </a:rPr>
+              <a:t>ML/SQL/analysis</a:t>
+            </a:r>
+          </a:p>
+          <a:p>
+            <a:pPr algn="ctr"/>
+            <a:r>
+              <a:rPr lang="en-US" dirty="0" smtClean="0">
+                <a:latin typeface="Avenir Next" charset="0"/>
+                <a:ea typeface="Avenir Next" charset="0"/>
+                <a:cs typeface="Avenir Next" charset="0"/>
+              </a:rPr>
+              <a:t>application</a:t>
+            </a:r>
+            <a:endParaRPr lang="en-US" dirty="0" smtClean="0">
+              <a:latin typeface="Avenir Next" charset="0"/>
+              <a:ea typeface="Avenir Next" charset="0"/>
+              <a:cs typeface="Avenir Next" charset="0"/>
+            </a:endParaRPr>
+          </a:p>
+        </p:txBody>
+      </p:sp>
+      <p:sp>
+        <p:nvSpPr>
+          <p:cNvPr id="13" name="TextBox 12"/>
+          <p:cNvSpPr txBox="1"/>
+          <p:nvPr/>
+        </p:nvSpPr>
+        <p:spPr>
+          <a:xfrm>
+            <a:off x="9648390" y="3743960"/>
+            <a:ext cx="1293944" cy="369332"/>
+          </a:xfrm>
+          <a:prstGeom prst="rect">
+            <a:avLst/>
+          </a:prstGeom>
+          <a:noFill/>
+        </p:spPr>
+        <p:txBody>
+          <a:bodyPr wrap="none" rtlCol="0">
+            <a:spAutoFit/>
+          </a:bodyPr>
+          <a:lstStyle/>
+          <a:p>
+            <a:pPr algn="ctr"/>
+            <a:r>
+              <a:rPr lang="en-US" dirty="0" smtClean="0">
+                <a:latin typeface="Avenir Next" charset="0"/>
+                <a:ea typeface="Avenir Next" charset="0"/>
+                <a:cs typeface="Avenir Next" charset="0"/>
+              </a:rPr>
+              <a:t>Developer</a:t>
+            </a:r>
+            <a:endParaRPr lang="en-US" dirty="0" smtClean="0">
+              <a:latin typeface="Avenir Next" charset="0"/>
+              <a:ea typeface="Avenir Next" charset="0"/>
+              <a:cs typeface="Avenir Next" charset="0"/>
+            </a:endParaRPr>
+          </a:p>
+        </p:txBody>
+      </p:sp>
+      <p:cxnSp>
+        <p:nvCxnSpPr>
+          <p:cNvPr id="15" name="Straight Arrow Connector 14"/>
+          <p:cNvCxnSpPr>
+            <a:stCxn id="9" idx="3"/>
+            <a:endCxn id="4" idx="1"/>
+          </p:cNvCxnSpPr>
+          <p:nvPr/>
+        </p:nvCxnSpPr>
+        <p:spPr>
+          <a:xfrm>
+            <a:off x="8728209" y="3087673"/>
+            <a:ext cx="1086583" cy="1"/>
+          </a:xfrm>
+          <a:prstGeom prst="straightConnector1">
+            <a:avLst/>
+          </a:prstGeom>
+          <a:ln w="28575">
+            <a:solidFill>
+              <a:schemeClr val="bg1">
+                <a:lumMod val="50000"/>
+              </a:schemeClr>
+            </a:solidFill>
+            <a:headEnd type="none" w="med" len="med"/>
+            <a:tailEnd type="triangle"/>
+          </a:ln>
+        </p:spPr>
+        <p:style>
+          <a:lnRef idx="1">
+            <a:schemeClr val="accent1"/>
+          </a:lnRef>
+          <a:fillRef idx="0">
+            <a:schemeClr val="accent1"/>
+          </a:fillRef>
+          <a:effectRef idx="0">
+            <a:schemeClr val="accent1"/>
+          </a:effectRef>
+          <a:fontRef idx="minor">
+            <a:schemeClr val="tx1"/>
+          </a:fontRef>
+        </p:style>
+      </p:cxnSp>
+      <p:cxnSp>
+        <p:nvCxnSpPr>
+          <p:cNvPr id="16" name="Straight Arrow Connector 15"/>
+          <p:cNvCxnSpPr>
+            <a:stCxn id="7" idx="3"/>
+            <a:endCxn id="9" idx="1"/>
+          </p:cNvCxnSpPr>
+          <p:nvPr/>
+        </p:nvCxnSpPr>
+        <p:spPr>
+          <a:xfrm>
+            <a:off x="6762800" y="3087673"/>
+            <a:ext cx="1111969" cy="0"/>
+          </a:xfrm>
+          <a:prstGeom prst="straightConnector1">
+            <a:avLst/>
+          </a:prstGeom>
+          <a:ln w="28575">
+            <a:solidFill>
+              <a:schemeClr val="bg1">
+                <a:lumMod val="50000"/>
+              </a:schemeClr>
+            </a:solidFill>
+            <a:headEnd type="none" w="med" len="med"/>
+            <a:tailEnd type="triangle"/>
+          </a:ln>
+        </p:spPr>
+        <p:style>
+          <a:lnRef idx="1">
+            <a:schemeClr val="accent1"/>
+          </a:lnRef>
+          <a:fillRef idx="0">
+            <a:schemeClr val="accent1"/>
+          </a:fillRef>
+          <a:effectRef idx="0">
+            <a:schemeClr val="accent1"/>
+          </a:effectRef>
+          <a:fontRef idx="minor">
+            <a:schemeClr val="tx1"/>
+          </a:fontRef>
+        </p:style>
+      </p:cxnSp>
+      <p:cxnSp>
+        <p:nvCxnSpPr>
+          <p:cNvPr id="19" name="Straight Arrow Connector 18"/>
+          <p:cNvCxnSpPr>
+            <a:stCxn id="8" idx="3"/>
+            <a:endCxn id="7" idx="1"/>
+          </p:cNvCxnSpPr>
+          <p:nvPr/>
+        </p:nvCxnSpPr>
+        <p:spPr>
+          <a:xfrm>
+            <a:off x="5677860" y="3087673"/>
+            <a:ext cx="614940" cy="0"/>
+          </a:xfrm>
+          <a:prstGeom prst="straightConnector1">
+            <a:avLst/>
+          </a:prstGeom>
+          <a:ln w="28575">
+            <a:solidFill>
+              <a:schemeClr val="bg1">
+                <a:lumMod val="50000"/>
+              </a:schemeClr>
+            </a:solidFill>
+            <a:headEnd type="none" w="med" len="med"/>
+            <a:tailEnd type="triangle"/>
+          </a:ln>
+        </p:spPr>
+        <p:style>
+          <a:lnRef idx="1">
+            <a:schemeClr val="accent1"/>
+          </a:lnRef>
+          <a:fillRef idx="0">
+            <a:schemeClr val="accent1"/>
+          </a:fillRef>
+          <a:effectRef idx="0">
+            <a:schemeClr val="accent1"/>
+          </a:effectRef>
+          <a:fontRef idx="minor">
+            <a:schemeClr val="tx1"/>
+          </a:fontRef>
+        </p:style>
+      </p:cxnSp>
+      <p:cxnSp>
+        <p:nvCxnSpPr>
+          <p:cNvPr id="22" name="Straight Arrow Connector 21"/>
+          <p:cNvCxnSpPr>
+            <a:stCxn id="6" idx="3"/>
+            <a:endCxn id="8" idx="1"/>
+          </p:cNvCxnSpPr>
+          <p:nvPr/>
+        </p:nvCxnSpPr>
+        <p:spPr>
+          <a:xfrm>
+            <a:off x="4700320" y="3087673"/>
+            <a:ext cx="614940" cy="0"/>
+          </a:xfrm>
+          <a:prstGeom prst="straightConnector1">
+            <a:avLst/>
+          </a:prstGeom>
+          <a:ln w="28575">
+            <a:solidFill>
+              <a:schemeClr val="bg1">
+                <a:lumMod val="50000"/>
+              </a:schemeClr>
+            </a:solidFill>
+            <a:headEnd type="none" w="med" len="med"/>
+            <a:tailEnd type="triangle"/>
+          </a:ln>
+        </p:spPr>
+        <p:style>
+          <a:lnRef idx="1">
+            <a:schemeClr val="accent1"/>
+          </a:lnRef>
+          <a:fillRef idx="0">
+            <a:schemeClr val="accent1"/>
+          </a:fillRef>
+          <a:effectRef idx="0">
+            <a:schemeClr val="accent1"/>
+          </a:effectRef>
+          <a:fontRef idx="minor">
+            <a:schemeClr val="tx1"/>
+          </a:fontRef>
+        </p:style>
+      </p:cxnSp>
+      <p:cxnSp>
+        <p:nvCxnSpPr>
+          <p:cNvPr id="25" name="Straight Arrow Connector 24"/>
+          <p:cNvCxnSpPr>
+            <a:stCxn id="5" idx="4"/>
+            <a:endCxn id="6" idx="1"/>
+          </p:cNvCxnSpPr>
+          <p:nvPr/>
+        </p:nvCxnSpPr>
+        <p:spPr>
+          <a:xfrm>
+            <a:off x="3145805" y="3087673"/>
+            <a:ext cx="1084515" cy="0"/>
+          </a:xfrm>
+          <a:prstGeom prst="straightConnector1">
+            <a:avLst/>
+          </a:prstGeom>
+          <a:ln w="28575">
+            <a:solidFill>
+              <a:schemeClr val="bg1">
+                <a:lumMod val="50000"/>
+              </a:schemeClr>
+            </a:solidFill>
+            <a:headEnd type="none" w="med" len="med"/>
+            <a:tailEnd type="triangle"/>
+          </a:ln>
+        </p:spPr>
+        <p:style>
+          <a:lnRef idx="1">
+            <a:schemeClr val="accent1"/>
+          </a:lnRef>
+          <a:fillRef idx="0">
+            <a:schemeClr val="accent1"/>
+          </a:fillRef>
+          <a:effectRef idx="0">
+            <a:schemeClr val="accent1"/>
+          </a:effectRef>
+          <a:fontRef idx="minor">
+            <a:schemeClr val="tx1"/>
+          </a:fontRef>
+        </p:style>
+      </p:cxnSp>
+      <p:sp>
+        <p:nvSpPr>
+          <p:cNvPr id="30" name="Oval Callout 29"/>
+          <p:cNvSpPr/>
+          <p:nvPr/>
+        </p:nvSpPr>
+        <p:spPr>
+          <a:xfrm>
+            <a:off x="9591054" y="909355"/>
+            <a:ext cx="2702560" cy="1131026"/>
+          </a:xfrm>
+          <a:prstGeom prst="wedgeEllipseCallout">
+            <a:avLst>
+              <a:gd name="adj1" fmla="val -14759"/>
+              <a:gd name="adj2" fmla="val 100345"/>
+            </a:avLst>
+          </a:prstGeom>
+          <a:solidFill>
+            <a:schemeClr val="bg1"/>
+          </a:solidFill>
+          <a:ln w="28575">
+            <a:solidFill>
+              <a:schemeClr val="bg1">
+                <a:lumMod val="50000"/>
+              </a:schemeClr>
+            </a:solidFill>
+          </a:ln>
+        </p:spPr>
+        <p:style>
+          <a:lnRef idx="2">
+            <a:schemeClr val="accent1">
+              <a:shade val="50000"/>
+            </a:schemeClr>
+          </a:lnRef>
+          <a:fillRef idx="1">
+            <a:schemeClr val="accent1"/>
+          </a:fillRef>
+          <a:effectRef idx="0">
+            <a:schemeClr val="accent1"/>
+          </a:effectRef>
+          <a:fontRef idx="minor">
+            <a:schemeClr val="lt1"/>
+          </a:fontRef>
+        </p:style>
+        <p:txBody>
+          <a:bodyPr rtlCol="0" anchor="ctr"/>
+          <a:lstStyle/>
+          <a:p>
+            <a:pPr algn="ctr"/>
+            <a:r>
+              <a:rPr lang="en-US" sz="2000" dirty="0" smtClean="0">
+                <a:solidFill>
+                  <a:schemeClr val="bg1">
+                    <a:lumMod val="50000"/>
+                  </a:schemeClr>
+                </a:solidFill>
+                <a:latin typeface="Avenir Book" charset="0"/>
+                <a:ea typeface="Avenir Book" charset="0"/>
+                <a:cs typeface="Avenir Book" charset="0"/>
+              </a:rPr>
+              <a:t>Results </a:t>
+            </a:r>
+            <a:r>
+              <a:rPr lang="en-US" sz="2000" smtClean="0">
+                <a:solidFill>
+                  <a:schemeClr val="bg1">
+                    <a:lumMod val="50000"/>
+                  </a:schemeClr>
+                </a:solidFill>
+                <a:latin typeface="Avenir Book" charset="0"/>
+                <a:ea typeface="Avenir Book" charset="0"/>
+                <a:cs typeface="Avenir Book" charset="0"/>
+              </a:rPr>
+              <a:t>seem strange...</a:t>
+            </a:r>
+            <a:endParaRPr lang="en-US" sz="2000" dirty="0" smtClean="0">
+              <a:solidFill>
+                <a:schemeClr val="bg1">
+                  <a:lumMod val="50000"/>
+                </a:schemeClr>
+              </a:solidFill>
+              <a:latin typeface="Avenir Book" charset="0"/>
+              <a:ea typeface="Avenir Book" charset="0"/>
+              <a:cs typeface="Avenir Book" charset="0"/>
+            </a:endParaRPr>
+          </a:p>
+        </p:txBody>
+      </p:sp>
+      <p:sp>
+        <p:nvSpPr>
+          <p:cNvPr id="31" name="Rectangle 30"/>
+          <p:cNvSpPr/>
+          <p:nvPr/>
+        </p:nvSpPr>
+        <p:spPr>
+          <a:xfrm>
+            <a:off x="3952240" y="2726993"/>
+            <a:ext cx="3088640" cy="721360"/>
+          </a:xfrm>
+          <a:prstGeom prst="rect">
+            <a:avLst/>
+          </a:prstGeom>
+          <a:noFill/>
+          <a:ln w="28575">
+            <a:solidFill>
+              <a:schemeClr val="bg1">
+                <a:lumMod val="50000"/>
+              </a:schemeClr>
+            </a:solidFill>
+          </a:ln>
+        </p:spPr>
+        <p:style>
+          <a:lnRef idx="2">
+            <a:schemeClr val="accent1">
+              <a:shade val="50000"/>
+            </a:schemeClr>
+          </a:lnRef>
+          <a:fillRef idx="1">
+            <a:schemeClr val="accent1"/>
+          </a:fillRef>
+          <a:effectRef idx="0">
+            <a:schemeClr val="accent1"/>
+          </a:effectRef>
+          <a:fontRef idx="minor">
+            <a:schemeClr val="lt1"/>
+          </a:fontRef>
+        </p:style>
+        <p:txBody>
+          <a:bodyPr rtlCol="0" anchor="ctr"/>
+          <a:lstStyle/>
+          <a:p>
+            <a:pPr algn="ctr"/>
+            <a:endParaRPr lang="en-US" sz="2400" dirty="0" smtClean="0">
+              <a:solidFill>
+                <a:schemeClr val="bg1">
+                  <a:lumMod val="50000"/>
+                </a:schemeClr>
+              </a:solidFill>
+              <a:latin typeface="Avenir Book" charset="0"/>
+              <a:ea typeface="Avenir Book" charset="0"/>
+              <a:cs typeface="Avenir Book" charset="0"/>
+            </a:endParaRPr>
+          </a:p>
+        </p:txBody>
+      </p:sp>
+      <p:cxnSp>
+        <p:nvCxnSpPr>
+          <p:cNvPr id="33" name="Elbow Connector 32"/>
+          <p:cNvCxnSpPr>
+            <a:stCxn id="4" idx="0"/>
+            <a:endCxn id="31" idx="0"/>
+          </p:cNvCxnSpPr>
+          <p:nvPr/>
+        </p:nvCxnSpPr>
+        <p:spPr>
+          <a:xfrm rot="16200000" flipH="1" flipV="1">
+            <a:off x="7836017" y="267646"/>
+            <a:ext cx="119890" cy="4798803"/>
+          </a:xfrm>
+          <a:prstGeom prst="bentConnector3">
+            <a:avLst>
+              <a:gd name="adj1" fmla="val -190675"/>
+            </a:avLst>
+          </a:prstGeom>
+          <a:ln w="28575">
+            <a:solidFill>
+              <a:schemeClr val="bg1">
+                <a:lumMod val="50000"/>
+              </a:schemeClr>
+            </a:solidFill>
+            <a:headEnd type="none" w="med" len="med"/>
+            <a:tailEnd type="triangle"/>
+          </a:ln>
+        </p:spPr>
+        <p:style>
+          <a:lnRef idx="1">
+            <a:schemeClr val="accent1"/>
+          </a:lnRef>
+          <a:fillRef idx="0">
+            <a:schemeClr val="accent1"/>
+          </a:fillRef>
+          <a:effectRef idx="0">
+            <a:schemeClr val="accent1"/>
+          </a:effectRef>
+          <a:fontRef idx="minor">
+            <a:schemeClr val="tx1"/>
+          </a:fontRef>
+        </p:style>
+      </p:cxnSp>
+      <p:sp>
+        <p:nvSpPr>
+          <p:cNvPr id="34" name="TextBox 33"/>
+          <p:cNvSpPr txBox="1"/>
+          <p:nvPr/>
+        </p:nvSpPr>
+        <p:spPr>
+          <a:xfrm>
+            <a:off x="6222843" y="1992655"/>
+            <a:ext cx="3347840" cy="369332"/>
+          </a:xfrm>
+          <a:prstGeom prst="rect">
+            <a:avLst/>
+          </a:prstGeom>
+          <a:noFill/>
+        </p:spPr>
+        <p:txBody>
+          <a:bodyPr wrap="none" rtlCol="0">
+            <a:spAutoFit/>
+          </a:bodyPr>
+          <a:lstStyle/>
+          <a:p>
+            <a:r>
+              <a:rPr lang="en-US" dirty="0">
+                <a:latin typeface="Avenir Next" charset="0"/>
+                <a:ea typeface="Avenir Next" charset="0"/>
+                <a:cs typeface="Avenir Next" charset="0"/>
+              </a:rPr>
+              <a:t>M</a:t>
+            </a:r>
+            <a:r>
+              <a:rPr lang="en-US" dirty="0" smtClean="0">
+                <a:latin typeface="Avenir Next" charset="0"/>
+                <a:ea typeface="Avenir Next" charset="0"/>
+                <a:cs typeface="Avenir Next" charset="0"/>
+              </a:rPr>
+              <a:t>odify pipeline / tune </a:t>
+            </a:r>
+            <a:r>
+              <a:rPr lang="en-US" dirty="0" err="1" smtClean="0">
+                <a:latin typeface="Avenir Next" charset="0"/>
+                <a:ea typeface="Avenir Next" charset="0"/>
+                <a:cs typeface="Avenir Next" charset="0"/>
+              </a:rPr>
+              <a:t>params</a:t>
+            </a:r>
+            <a:endParaRPr lang="en-US" dirty="0" smtClean="0">
+              <a:latin typeface="Avenir Next" charset="0"/>
+              <a:ea typeface="Avenir Next" charset="0"/>
+              <a:cs typeface="Avenir Next" charset="0"/>
+            </a:endParaRPr>
+          </a:p>
+        </p:txBody>
+      </p:sp>
+    </p:spTree>
+    <p:extLst>
+      <p:ext uri="{BB962C8B-B14F-4D97-AF65-F5344CB8AC3E}">
+        <p14:creationId xmlns:p14="http://schemas.microsoft.com/office/powerpoint/2010/main" val="1583578149"/>
+      </p:ext>
+    </p:extLst>
+  </p:cSld>
+  <p:clrMapOvr>
+    <a:masterClrMapping/>
+  </p:clrMapOvr>
+</p:sld>
+</file>
+
+<file path=ppt/slides/slide3.xml><?xml version="1.0" encoding="utf-8"?>
+<p:sld xmlns:a="http://schemas.openxmlformats.org/drawingml/2006/main" xmlns:r="http://schemas.openxmlformats.org/officeDocument/2006/relationships" xmlns:p="http://schemas.openxmlformats.org/presentationml/2006/main">
+  <p:cSld>
+    <p:spTree>
+      <p:nvGrpSpPr>
+        <p:cNvPr id="1" name=""/>
+        <p:cNvGrpSpPr/>
+        <p:nvPr/>
+      </p:nvGrpSpPr>
+      <p:grpSpPr>
+        <a:xfrm>
+          <a:off x="0" y="0"/>
+          <a:ext cx="0" cy="0"/>
+          <a:chOff x="0" y="0"/>
+          <a:chExt cx="0" cy="0"/>
+        </a:xfrm>
+      </p:grpSpPr>
       <p:sp>
         <p:nvSpPr>
           <p:cNvPr id="17" name="TextBox 16"/>
@@ -5008,15 +5960,7 @@
                 <a:ea typeface="Avenir Next" charset="0"/>
                 <a:cs typeface="Avenir Next" charset="0"/>
               </a:rPr>
-              <a:t>Global </a:t>
-            </a:r>
-            <a:r>
-              <a:rPr lang="en-US" dirty="0" smtClean="0">
-                <a:latin typeface="Avenir Next" charset="0"/>
-                <a:ea typeface="Avenir Next" charset="0"/>
-                <a:cs typeface="Avenir Next" charset="0"/>
-              </a:rPr>
-              <a:t>top </a:t>
+              <a:t>Global top </a:t>
             </a:r>
             <a:r>
               <a:rPr lang="el-GR" dirty="0" smtClean="0">
@@ -5224,15 +6168,7 @@
                 <a:ea typeface="Avenir Next" charset="0"/>
                 <a:cs typeface="Avenir Next" charset="0"/>
               </a:rPr>
-              <a:t>Global </a:t>
-            </a:r>
-            <a:r>
-              <a:rPr lang="en-US" dirty="0" smtClean="0">
-                <a:latin typeface="Avenir Next" charset="0"/>
-                <a:ea typeface="Avenir Next" charset="0"/>
-                <a:cs typeface="Avenir Next" charset="0"/>
-              </a:rPr>
-              <a:t>top </a:t>
+              <a:t>Global top </a:t>
             </a:r>
             <a:r>
               <a:rPr lang="el-GR" dirty="0" smtClean="0">

--- a/figures/figs.pptx
+++ b/figures/figs.pptx
@@ -4368,7 +4368,7 @@
         </p:blipFill>
         <p:spPr>
           <a:xfrm>
-            <a:off x="9814792" y="2607103"/>
+            <a:off x="8229832" y="2627423"/>
             <a:ext cx="961141" cy="961141"/>
           </a:xfrm>
           <a:prstGeom prst="rect">
@@ -4384,7 +4384,7 @@
         </p:nvSpPr>
         <p:spPr>
           <a:xfrm>
-            <a:off x="2190765" y="2547161"/>
+            <a:off x="605805" y="2567481"/>
             <a:ext cx="955040" cy="1081024"/>
           </a:xfrm>
           <a:prstGeom prst="can">
@@ -4443,7 +4443,7 @@
         </p:nvGrpSpPr>
         <p:grpSpPr>
           <a:xfrm>
-            <a:off x="4230320" y="2903007"/>
+            <a:off x="2645360" y="2923327"/>
             <a:ext cx="2532480" cy="369332"/>
             <a:chOff x="3992880" y="2903007"/>
             <a:chExt cx="2532480" cy="369332"/>
@@ -4588,7 +4588,7 @@
         </p:nvSpPr>
         <p:spPr>
           <a:xfrm>
-            <a:off x="7874769" y="2726993"/>
+            <a:off x="6429855" y="2747313"/>
             <a:ext cx="853440" cy="721360"/>
           </a:xfrm>
           <a:prstGeom prst="rect">
@@ -4647,8 +4647,8 @@
         </p:nvSpPr>
         <p:spPr>
           <a:xfrm>
-            <a:off x="4468074" y="3743960"/>
-            <a:ext cx="2056973" cy="369332"/>
+            <a:off x="2200637" y="3764280"/>
+            <a:ext cx="3355726" cy="400110"/>
           </a:xfrm>
           <a:prstGeom prst="rect">
             <a:avLst/>
@@ -4661,8 +4661,14 @@
           </a:bodyPr>
           <a:lstStyle/>
           <a:p>
-            <a:r>
-              <a:rPr lang="en-US" dirty="0">
+            <a:pPr algn="ctr"/>
+            <a:r>
+              <a:rPr lang="en-US" sz="2000">
+                <a:solidFill>
+                  <a:schemeClr val="bg1">
+                    <a:lumMod val="50000"/>
+                  </a:schemeClr>
+                </a:solidFill>
                 <a:latin typeface="Avenir Next" charset="0"/>
                 <a:ea typeface="Avenir Next" charset="0"/>
                 <a:cs typeface="Avenir Next" charset="0"/>
@@ -4670,14 +4676,24 @@
               <a:t>C</a:t>
             </a:r>
             <a:r>
-              <a:rPr lang="en-US" dirty="0" smtClean="0">
+              <a:rPr lang="en-US" sz="2000" smtClean="0">
+                <a:solidFill>
+                  <a:schemeClr val="bg1">
+                    <a:lumMod val="50000"/>
+                  </a:schemeClr>
+                </a:solidFill>
                 <a:latin typeface="Avenir Next" charset="0"/>
                 <a:ea typeface="Avenir Next" charset="0"/>
                 <a:cs typeface="Avenir Next" charset="0"/>
               </a:rPr>
-              <a:t>leaning pipeline</a:t>
-            </a:r>
-            <a:endParaRPr lang="en-US" dirty="0" smtClean="0">
+              <a:t>leaning pipeline/program</a:t>
+            </a:r>
+            <a:endParaRPr lang="en-US" sz="2000" dirty="0" smtClean="0">
+              <a:solidFill>
+                <a:schemeClr val="bg1">
+                  <a:lumMod val="50000"/>
+                </a:schemeClr>
+              </a:solidFill>
               <a:latin typeface="Avenir Next" charset="0"/>
               <a:ea typeface="Avenir Next" charset="0"/>
               <a:cs typeface="Avenir Next" charset="0"/>
@@ -4693,8 +4709,8 @@
         </p:nvSpPr>
         <p:spPr>
           <a:xfrm>
-            <a:off x="1960880" y="3743960"/>
-            <a:ext cx="1442061" cy="369332"/>
+            <a:off x="306414" y="3764280"/>
+            <a:ext cx="1581074" cy="400110"/>
           </a:xfrm>
           <a:prstGeom prst="rect">
             <a:avLst/>
@@ -4707,8 +4723,14 @@
           </a:bodyPr>
           <a:lstStyle/>
           <a:p>
-            <a:r>
-              <a:rPr lang="en-US" dirty="0">
+            <a:pPr algn="ctr"/>
+            <a:r>
+              <a:rPr lang="en-US" sz="2000" dirty="0">
+                <a:solidFill>
+                  <a:schemeClr val="bg1">
+                    <a:lumMod val="50000"/>
+                  </a:schemeClr>
+                </a:solidFill>
                 <a:latin typeface="Avenir Next" charset="0"/>
                 <a:ea typeface="Avenir Next" charset="0"/>
                 <a:cs typeface="Avenir Next" charset="0"/>
@@ -4716,14 +4738,24 @@
               <a:t>D</a:t>
             </a:r>
             <a:r>
-              <a:rPr lang="en-US" dirty="0" smtClean="0">
+              <a:rPr lang="en-US" sz="2000" dirty="0" smtClean="0">
+                <a:solidFill>
+                  <a:schemeClr val="bg1">
+                    <a:lumMod val="50000"/>
+                  </a:schemeClr>
+                </a:solidFill>
                 <a:latin typeface="Avenir Next" charset="0"/>
                 <a:ea typeface="Avenir Next" charset="0"/>
                 <a:cs typeface="Avenir Next" charset="0"/>
               </a:rPr>
               <a:t>ata source</a:t>
             </a:r>
-            <a:endParaRPr lang="en-US" dirty="0" smtClean="0">
+            <a:endParaRPr lang="en-US" sz="2000" dirty="0" smtClean="0">
+              <a:solidFill>
+                <a:schemeClr val="bg1">
+                  <a:lumMod val="50000"/>
+                </a:schemeClr>
+              </a:solidFill>
               <a:latin typeface="Avenir Next" charset="0"/>
               <a:ea typeface="Avenir Next" charset="0"/>
               <a:cs typeface="Avenir Next" charset="0"/>
@@ -4739,8 +4771,8 @@
         </p:nvSpPr>
         <p:spPr>
           <a:xfrm>
-            <a:off x="7335520" y="3743960"/>
-            <a:ext cx="1931939" cy="646331"/>
+            <a:off x="5792823" y="3764280"/>
+            <a:ext cx="2127505" cy="707886"/>
           </a:xfrm>
           <a:prstGeom prst="rect">
             <a:avLst/>
@@ -4755,7 +4787,12 @@
           <a:p>
             <a:pPr algn="ctr"/>
             <a:r>
-              <a:rPr lang="en-US" dirty="0" smtClean="0">
+              <a:rPr lang="en-US" sz="2000" dirty="0" smtClean="0">
+                <a:solidFill>
+                  <a:schemeClr val="bg1">
+                    <a:lumMod val="50000"/>
+                  </a:schemeClr>
+                </a:solidFill>
                 <a:latin typeface="Avenir Next" charset="0"/>
                 <a:ea typeface="Avenir Next" charset="0"/>
                 <a:cs typeface="Avenir Next" charset="0"/>
@@ -4766,14 +4803,24 @@
           <a:p>
             <a:pPr algn="ctr"/>
             <a:r>
-              <a:rPr lang="en-US" dirty="0" smtClean="0">
+              <a:rPr lang="en-US" sz="2000" dirty="0" smtClean="0">
+                <a:solidFill>
+                  <a:schemeClr val="bg1">
+                    <a:lumMod val="50000"/>
+                  </a:schemeClr>
+                </a:solidFill>
                 <a:latin typeface="Avenir Next" charset="0"/>
                 <a:ea typeface="Avenir Next" charset="0"/>
                 <a:cs typeface="Avenir Next" charset="0"/>
               </a:rPr>
               <a:t>application</a:t>
             </a:r>
-            <a:endParaRPr lang="en-US" dirty="0" smtClean="0">
+            <a:endParaRPr lang="en-US" sz="2000" dirty="0" smtClean="0">
+              <a:solidFill>
+                <a:schemeClr val="bg1">
+                  <a:lumMod val="50000"/>
+                </a:schemeClr>
+              </a:solidFill>
               <a:latin typeface="Avenir Next" charset="0"/>
               <a:ea typeface="Avenir Next" charset="0"/>
               <a:cs typeface="Avenir Next" charset="0"/>
@@ -4789,8 +4836,8 @@
         </p:nvSpPr>
         <p:spPr>
           <a:xfrm>
-            <a:off x="9648390" y="3743960"/>
-            <a:ext cx="1293944" cy="369332"/>
+            <a:off x="7998508" y="3764280"/>
+            <a:ext cx="1423788" cy="400110"/>
           </a:xfrm>
           <a:prstGeom prst="rect">
             <a:avLst/>
@@ -4805,14 +4852,24 @@
           <a:p>
             <a:pPr algn="ctr"/>
             <a:r>
-              <a:rPr lang="en-US" dirty="0" smtClean="0">
+              <a:rPr lang="en-US" sz="2000" dirty="0" smtClean="0">
+                <a:solidFill>
+                  <a:schemeClr val="bg1">
+                    <a:lumMod val="50000"/>
+                  </a:schemeClr>
+                </a:solidFill>
                 <a:latin typeface="Avenir Next" charset="0"/>
                 <a:ea typeface="Avenir Next" charset="0"/>
                 <a:cs typeface="Avenir Next" charset="0"/>
               </a:rPr>
               <a:t>Developer</a:t>
             </a:r>
-            <a:endParaRPr lang="en-US" dirty="0" smtClean="0">
+            <a:endParaRPr lang="en-US" sz="2000" dirty="0" smtClean="0">
+              <a:solidFill>
+                <a:schemeClr val="bg1">
+                  <a:lumMod val="50000"/>
+                </a:schemeClr>
+              </a:solidFill>
               <a:latin typeface="Avenir Next" charset="0"/>
               <a:ea typeface="Avenir Next" charset="0"/>
               <a:cs typeface="Avenir Next" charset="0"/>
@@ -4831,8 +4888,8 @@
         </p:nvCxnSpPr>
         <p:spPr>
           <a:xfrm>
-            <a:off x="8728209" y="3087673"/>
-            <a:ext cx="1086583" cy="1"/>
+            <a:off x="7283295" y="3107993"/>
+            <a:ext cx="946537" cy="1"/>
           </a:xfrm>
           <a:prstGeom prst="straightConnector1">
             <a:avLst/>
@@ -4873,8 +4930,8 @@
         </p:nvCxnSpPr>
         <p:spPr>
           <a:xfrm>
-            <a:off x="6762800" y="3087673"/>
-            <a:ext cx="1111969" cy="0"/>
+            <a:off x="5177840" y="3107993"/>
+            <a:ext cx="1252015" cy="0"/>
           </a:xfrm>
           <a:prstGeom prst="straightConnector1">
             <a:avLst/>
@@ -4915,7 +4972,7 @@
         </p:nvCxnSpPr>
         <p:spPr>
           <a:xfrm>
-            <a:off x="5677860" y="3087673"/>
+            <a:off x="4092900" y="3107993"/>
             <a:ext cx="614940" cy="0"/>
           </a:xfrm>
           <a:prstGeom prst="straightConnector1">
@@ -4957,7 +5014,7 @@
         </p:nvCxnSpPr>
         <p:spPr>
           <a:xfrm>
-            <a:off x="4700320" y="3087673"/>
+            <a:off x="3115360" y="3107993"/>
             <a:ext cx="614940" cy="0"/>
           </a:xfrm>
           <a:prstGeom prst="straightConnector1">
@@ -4999,7 +5056,7 @@
         </p:nvCxnSpPr>
         <p:spPr>
           <a:xfrm>
-            <a:off x="3145805" y="3087673"/>
+            <a:off x="1560845" y="3107993"/>
             <a:ext cx="1084515" cy="0"/>
           </a:xfrm>
           <a:prstGeom prst="straightConnector1">
@@ -5032,101 +5089,13 @@
       </p:cxnSp>
       <p:sp>
         <p:nvSpPr>
-          <p:cNvPr id="30" name="Oval Callout 29"/>
-          <p:cNvSpPr/>
-          <p:nvPr/>
-        </p:nvSpPr>
-        <p:spPr>
-          <a:xfrm>
-            <a:off x="9591054" y="909355"/>
-            <a:ext cx="2702560" cy="1131026"/>
-          </a:xfrm>
-          <a:prstGeom prst="wedgeEllipseCallout">
-            <a:avLst>
-              <a:gd name="adj1" fmla="val -14759"/>
-              <a:gd name="adj2" fmla="val 100345"/>
-            </a:avLst>
-          </a:prstGeom>
-          <a:solidFill>
-            <a:schemeClr val="bg1"/>
-          </a:solidFill>
-          <a:ln w="28575">
-            <a:solidFill>
-              <a:schemeClr val="bg1">
-                <a:lumMod val="50000"/>
-              </a:schemeClr>
-            </a:solidFill>
-          </a:ln>
-        </p:spPr>
-        <p:style>
-          <a:lnRef idx="2">
-            <a:schemeClr val="accent1">
-              <a:shade val="50000"/>
-            </a:schemeClr>
-          </a:lnRef>
-          <a:fillRef idx="1">
-            <a:schemeClr val="accent1"/>
-          </a:fillRef>
-          <a:effectRef idx="0">
-            <a:schemeClr val="accent1"/>
-          </a:effectRef>
-          <a:fontRef idx="minor">
-            <a:schemeClr val="lt1"/>
-          </a:fontRef>
-        </p:style>
-        <p:txBody>
-          <a:bodyPr rtlCol="0" anchor="ctr"/>
-          <a:lstStyle/>
-          <a:p>
-            <a:pPr algn="ctr"/>
-            <a:r>
-              <a:rPr lang="en-US" sz="2000" dirty="0" smtClean="0">
-                <a:solidFill>
-                  <a:schemeClr val="bg1">
-                    <a:lumMod val="50000"/>
-                  </a:schemeClr>
-                </a:solidFill>
-                <a:latin typeface="Avenir Book" charset="0"/>
-                <a:ea typeface="Avenir Book" charset="0"/>
-                <a:cs typeface="Avenir Book" charset="0"/>
-              </a:rPr>
-              <a:t>Results </a:t>
-            </a:r>
-            <a:r>
-              <a:rPr lang="en-US" sz="2000" smtClean="0">
-                <a:solidFill>
-                  <a:schemeClr val="bg1">
-                    <a:lumMod val="50000"/>
-                  </a:schemeClr>
-                </a:solidFill>
-                <a:latin typeface="Avenir Book" charset="0"/>
-                <a:ea typeface="Avenir Book" charset="0"/>
-                <a:cs typeface="Avenir Book" charset="0"/>
-              </a:rPr>
-              <a:t>seem strange...</a:t>
-            </a:r>
-            <a:endParaRPr lang="en-US" sz="2000" dirty="0" smtClean="0">
-              <a:solidFill>
-                <a:schemeClr val="bg1">
-                  <a:lumMod val="50000"/>
-                </a:schemeClr>
-              </a:solidFill>
-              <a:latin typeface="Avenir Book" charset="0"/>
-              <a:ea typeface="Avenir Book" charset="0"/>
-              <a:cs typeface="Avenir Book" charset="0"/>
-            </a:endParaRPr>
-          </a:p>
-        </p:txBody>
-      </p:sp>
-      <p:sp>
-        <p:nvSpPr>
           <p:cNvPr id="31" name="Rectangle 30"/>
           <p:cNvSpPr/>
           <p:nvPr/>
         </p:nvSpPr>
         <p:spPr>
           <a:xfrm>
-            <a:off x="3952240" y="2726993"/>
+            <a:off x="2367280" y="2747313"/>
             <a:ext cx="3088640" cy="721360"/>
           </a:xfrm>
           <a:prstGeom prst="rect">
@@ -5178,15 +5147,12 @@
       <p:cxnSp>
         <p:nvCxnSpPr>
           <p:cNvPr id="33" name="Elbow Connector 32"/>
-          <p:cNvCxnSpPr>
-            <a:stCxn id="4" idx="0"/>
-            <a:endCxn id="31" idx="0"/>
-          </p:cNvCxnSpPr>
+          <p:cNvCxnSpPr/>
           <p:nvPr/>
         </p:nvCxnSpPr>
         <p:spPr>
           <a:xfrm rot="16200000" flipH="1" flipV="1">
-            <a:off x="7836017" y="267646"/>
+            <a:off x="5807466" y="287966"/>
             <a:ext cx="119890" cy="4798803"/>
           </a:xfrm>
           <a:prstGeom prst="bentConnector3">
@@ -5196,9 +5162,7 @@
           </a:prstGeom>
           <a:ln w="28575">
             <a:solidFill>
-              <a:schemeClr val="bg1">
-                <a:lumMod val="50000"/>
-              </a:schemeClr>
+              <a:schemeClr val="tx1"/>
             </a:solidFill>
             <a:headEnd type="none" w="med" len="med"/>
             <a:tailEnd type="triangle"/>
@@ -5227,8 +5191,8 @@
         </p:nvSpPr>
         <p:spPr>
           <a:xfrm>
-            <a:off x="6222843" y="1992655"/>
-            <a:ext cx="3347840" cy="369332"/>
+            <a:off x="3878501" y="2012975"/>
+            <a:ext cx="3977820" cy="400110"/>
           </a:xfrm>
           <a:prstGeom prst="rect">
             <a:avLst/>
@@ -5242,33 +5206,142 @@
           <a:lstStyle/>
           <a:p>
             <a:r>
-              <a:rPr lang="en-US" dirty="0">
+              <a:rPr lang="en-US" sz="2000" dirty="0" smtClean="0">
                 <a:latin typeface="Avenir Next" charset="0"/>
                 <a:ea typeface="Avenir Next" charset="0"/>
                 <a:cs typeface="Avenir Next" charset="0"/>
               </a:rPr>
-              <a:t>M</a:t>
-            </a:r>
-            <a:r>
-              <a:rPr lang="en-US" dirty="0" smtClean="0">
-                <a:latin typeface="Avenir Next" charset="0"/>
-                <a:ea typeface="Avenir Next" charset="0"/>
-                <a:cs typeface="Avenir Next" charset="0"/>
-              </a:rPr>
-              <a:t>odify pipeline / tune </a:t>
-            </a:r>
-            <a:r>
-              <a:rPr lang="en-US" dirty="0" err="1" smtClean="0">
+              <a:t>2. Modify pipeline / tune </a:t>
+            </a:r>
+            <a:r>
+              <a:rPr lang="en-US" sz="2000" dirty="0" err="1" smtClean="0">
                 <a:latin typeface="Avenir Next" charset="0"/>
                 <a:ea typeface="Avenir Next" charset="0"/>
                 <a:cs typeface="Avenir Next" charset="0"/>
               </a:rPr>
               <a:t>params</a:t>
             </a:r>
-            <a:endParaRPr lang="en-US" dirty="0" smtClean="0">
+            <a:endParaRPr lang="en-US" sz="2000" dirty="0" smtClean="0">
               <a:latin typeface="Avenir Next" charset="0"/>
               <a:ea typeface="Avenir Next" charset="0"/>
               <a:cs typeface="Avenir Next" charset="0"/>
+            </a:endParaRPr>
+          </a:p>
+        </p:txBody>
+      </p:sp>
+      <p:sp>
+        <p:nvSpPr>
+          <p:cNvPr id="35" name="Rounded Rectangular Callout 34"/>
+          <p:cNvSpPr/>
+          <p:nvPr/>
+        </p:nvSpPr>
+        <p:spPr>
+          <a:xfrm>
+            <a:off x="7620158" y="1063383"/>
+            <a:ext cx="3255338" cy="938044"/>
+          </a:xfrm>
+          <a:prstGeom prst="wedgeRoundRectCallout">
+            <a:avLst>
+              <a:gd name="adj1" fmla="val -16936"/>
+              <a:gd name="adj2" fmla="val 114635"/>
+              <a:gd name="adj3" fmla="val 16667"/>
+            </a:avLst>
+          </a:prstGeom>
+          <a:solidFill>
+            <a:schemeClr val="bg1"/>
+          </a:solidFill>
+          <a:ln w="28575">
+            <a:solidFill>
+              <a:schemeClr val="tx1"/>
+            </a:solidFill>
+          </a:ln>
+        </p:spPr>
+        <p:style>
+          <a:lnRef idx="2">
+            <a:schemeClr val="accent1">
+              <a:shade val="50000"/>
+            </a:schemeClr>
+          </a:lnRef>
+          <a:fillRef idx="1">
+            <a:schemeClr val="accent1"/>
+          </a:fillRef>
+          <a:effectRef idx="0">
+            <a:schemeClr val="accent1"/>
+          </a:effectRef>
+          <a:fontRef idx="minor">
+            <a:schemeClr val="lt1"/>
+          </a:fontRef>
+        </p:style>
+        <p:txBody>
+          <a:bodyPr rtlCol="0" anchor="ctr"/>
+          <a:lstStyle/>
+          <a:p>
+            <a:pPr algn="ctr"/>
+            <a:r>
+              <a:rPr lang="en-US" sz="2000" dirty="0" smtClean="0">
+                <a:solidFill>
+                  <a:schemeClr val="tx1"/>
+                </a:solidFill>
+                <a:latin typeface="Avenir Book" charset="0"/>
+                <a:ea typeface="Avenir Book" charset="0"/>
+                <a:cs typeface="Avenir Book" charset="0"/>
+              </a:rPr>
+              <a:t>1. Result quality is low. </a:t>
+            </a:r>
+          </a:p>
+          <a:p>
+            <a:pPr algn="ctr"/>
+            <a:r>
+              <a:rPr lang="en-US" sz="2000" dirty="0" smtClean="0">
+                <a:solidFill>
+                  <a:schemeClr val="tx1"/>
+                </a:solidFill>
+                <a:latin typeface="Avenir Book" charset="0"/>
+                <a:ea typeface="Avenir Book" charset="0"/>
+                <a:cs typeface="Avenir Book" charset="0"/>
+              </a:rPr>
+              <a:t>Compose quality </a:t>
+            </a:r>
+            <a:r>
+              <a:rPr lang="en-US" sz="2000" dirty="0" err="1" smtClean="0">
+                <a:solidFill>
+                  <a:schemeClr val="tx1"/>
+                </a:solidFill>
+                <a:latin typeface="Avenir Book" charset="0"/>
+                <a:ea typeface="Avenir Book" charset="0"/>
+                <a:cs typeface="Avenir Book" charset="0"/>
+              </a:rPr>
+              <a:t>func</a:t>
+            </a:r>
+            <a:r>
+              <a:rPr lang="en-US" sz="2000" dirty="0" smtClean="0">
+                <a:solidFill>
+                  <a:schemeClr val="tx1"/>
+                </a:solidFill>
+                <a:latin typeface="Avenir Book" charset="0"/>
+                <a:ea typeface="Avenir Book" charset="0"/>
+                <a:cs typeface="Avenir Book" charset="0"/>
+              </a:rPr>
+              <a:t> </a:t>
+            </a:r>
+            <a:r>
+              <a:rPr lang="en-US" sz="2000" dirty="0" smtClean="0">
+                <a:solidFill>
+                  <a:schemeClr val="tx1"/>
+                </a:solidFill>
+                <a:latin typeface="Consolas" charset="0"/>
+                <a:ea typeface="Consolas" charset="0"/>
+                <a:cs typeface="Consolas" charset="0"/>
+              </a:rPr>
+              <a:t>Q()</a:t>
+            </a:r>
+            <a:endParaRPr lang="en-US" sz="2000" dirty="0" smtClean="0">
+              <a:solidFill>
+                <a:schemeClr val="tx1"/>
+              </a:solidFill>
+              <a:latin typeface="Consolas" charset="0"/>
+              <a:ea typeface="Consolas" charset="0"/>
+              <a:cs typeface="Consolas" charset="0"/>
             </a:endParaRPr>
           </a:p>
         </p:txBody>

--- a/figures/figs.pptx
+++ b/figures/figs.pptx
@@ -8,6 +8,7 @@
     <p:sldId id="262" r:id="rId2"/>
     <p:sldId id="264" r:id="rId3"/>
     <p:sldId id="263" r:id="rId4"/>
+    <p:sldId id="265" r:id="rId5"/>
   </p:sldIdLst>
   <p:sldSz cx="12192000" cy="6858000"/>
   <p:notesSz cx="6858000" cy="9144000"/>
@@ -245,7 +246,7 @@
           <a:p>
             <a:fld id="{0D2365CA-5E4B-9146-99C6-9EE280F2DA9A}" type="datetimeFigureOut">
               <a:rPr lang="en-US" smtClean="0"/>
-              <a:t>8/20/18</a:t>
+              <a:t>8/27/18</a:t>
             </a:fld>
             <a:endParaRPr lang="en-US"/>
           </a:p>
@@ -415,7 +416,7 @@
           <a:p>
             <a:fld id="{0D2365CA-5E4B-9146-99C6-9EE280F2DA9A}" type="datetimeFigureOut">
               <a:rPr lang="en-US" smtClean="0"/>
-              <a:t>8/20/18</a:t>
+              <a:t>8/27/18</a:t>
             </a:fld>
             <a:endParaRPr lang="en-US"/>
           </a:p>
@@ -595,7 +596,7 @@
           <a:p>
             <a:fld id="{0D2365CA-5E4B-9146-99C6-9EE280F2DA9A}" type="datetimeFigureOut">
               <a:rPr lang="en-US" smtClean="0"/>
-              <a:t>8/20/18</a:t>
+              <a:t>8/27/18</a:t>
             </a:fld>
             <a:endParaRPr lang="en-US"/>
           </a:p>
@@ -765,7 +766,7 @@
           <a:p>
             <a:fld id="{0D2365CA-5E4B-9146-99C6-9EE280F2DA9A}" type="datetimeFigureOut">
               <a:rPr lang="en-US" smtClean="0"/>
-              <a:t>8/20/18</a:t>
+              <a:t>8/27/18</a:t>
             </a:fld>
             <a:endParaRPr lang="en-US"/>
           </a:p>
@@ -1011,7 +1012,7 @@
           <a:p>
             <a:fld id="{0D2365CA-5E4B-9146-99C6-9EE280F2DA9A}" type="datetimeFigureOut">
               <a:rPr lang="en-US" smtClean="0"/>
-              <a:t>8/20/18</a:t>
+              <a:t>8/27/18</a:t>
             </a:fld>
             <a:endParaRPr lang="en-US"/>
           </a:p>
@@ -1243,7 +1244,7 @@
           <a:p>
             <a:fld id="{0D2365CA-5E4B-9146-99C6-9EE280F2DA9A}" type="datetimeFigureOut">
               <a:rPr lang="en-US" smtClean="0"/>
-              <a:t>8/20/18</a:t>
+              <a:t>8/27/18</a:t>
             </a:fld>
             <a:endParaRPr lang="en-US"/>
           </a:p>
@@ -1610,7 +1611,7 @@
           <a:p>
             <a:fld id="{0D2365CA-5E4B-9146-99C6-9EE280F2DA9A}" type="datetimeFigureOut">
               <a:rPr lang="en-US" smtClean="0"/>
-              <a:t>8/20/18</a:t>
+              <a:t>8/27/18</a:t>
             </a:fld>
             <a:endParaRPr lang="en-US"/>
           </a:p>
@@ -1728,7 +1729,7 @@
           <a:p>
             <a:fld id="{0D2365CA-5E4B-9146-99C6-9EE280F2DA9A}" type="datetimeFigureOut">
               <a:rPr lang="en-US" smtClean="0"/>
-              <a:t>8/20/18</a:t>
+              <a:t>8/27/18</a:t>
             </a:fld>
             <a:endParaRPr lang="en-US"/>
           </a:p>
@@ -1823,7 +1824,7 @@
           <a:p>
             <a:fld id="{0D2365CA-5E4B-9146-99C6-9EE280F2DA9A}" type="datetimeFigureOut">
               <a:rPr lang="en-US" smtClean="0"/>
-              <a:t>8/20/18</a:t>
+              <a:t>8/27/18</a:t>
             </a:fld>
             <a:endParaRPr lang="en-US"/>
           </a:p>
@@ -2100,7 +2101,7 @@
           <a:p>
             <a:fld id="{0D2365CA-5E4B-9146-99C6-9EE280F2DA9A}" type="datetimeFigureOut">
               <a:rPr lang="en-US" smtClean="0"/>
-              <a:t>8/20/18</a:t>
+              <a:t>8/27/18</a:t>
             </a:fld>
             <a:endParaRPr lang="en-US"/>
           </a:p>
@@ -2353,7 +2354,7 @@
           <a:p>
             <a:fld id="{0D2365CA-5E4B-9146-99C6-9EE280F2DA9A}" type="datetimeFigureOut">
               <a:rPr lang="en-US" smtClean="0"/>
-              <a:t>8/20/18</a:t>
+              <a:t>8/27/18</a:t>
             </a:fld>
             <a:endParaRPr lang="en-US"/>
           </a:p>
@@ -2566,7 +2567,7 @@
           <a:p>
             <a:fld id="{0D2365CA-5E4B-9146-99C6-9EE280F2DA9A}" type="datetimeFigureOut">
               <a:rPr lang="en-US" smtClean="0"/>
-              <a:t>8/20/18</a:t>
+              <a:t>8/27/18</a:t>
             </a:fld>
             <a:endParaRPr lang="en-US"/>
           </a:p>
@@ -4533,11 +4534,6 @@
                 </a:rPr>
                 <a:t>n</a:t>
               </a:r>
-              <a:endParaRPr lang="en-US" baseline="-25000" dirty="0" smtClean="0">
-                <a:latin typeface="Avenir Next" charset="0"/>
-                <a:ea typeface="Avenir Next" charset="0"/>
-                <a:cs typeface="Avenir Next" charset="0"/>
-              </a:endParaRPr>
             </a:p>
           </p:txBody>
         </p:sp>
@@ -4571,11 +4567,6 @@
                 </a:rPr>
                 <a:t>...</a:t>
               </a:r>
-              <a:endParaRPr lang="en-US" dirty="0" smtClean="0">
-                <a:latin typeface="Avenir Next" charset="0"/>
-                <a:ea typeface="Avenir Next" charset="0"/>
-                <a:cs typeface="Avenir Next" charset="0"/>
-              </a:endParaRPr>
             </a:p>
           </p:txBody>
         </p:sp>
@@ -4750,16 +4741,6 @@
               </a:rPr>
               <a:t>ata source</a:t>
             </a:r>
-            <a:endParaRPr lang="en-US" sz="2000" dirty="0" smtClean="0">
-              <a:solidFill>
-                <a:schemeClr val="bg1">
-                  <a:lumMod val="50000"/>
-                </a:schemeClr>
-              </a:solidFill>
-              <a:latin typeface="Avenir Next" charset="0"/>
-              <a:ea typeface="Avenir Next" charset="0"/>
-              <a:cs typeface="Avenir Next" charset="0"/>
-            </a:endParaRPr>
           </a:p>
         </p:txBody>
       </p:sp>
@@ -4815,16 +4796,6 @@
               </a:rPr>
               <a:t>application</a:t>
             </a:r>
-            <a:endParaRPr lang="en-US" sz="2000" dirty="0" smtClean="0">
-              <a:solidFill>
-                <a:schemeClr val="bg1">
-                  <a:lumMod val="50000"/>
-                </a:schemeClr>
-              </a:solidFill>
-              <a:latin typeface="Avenir Next" charset="0"/>
-              <a:ea typeface="Avenir Next" charset="0"/>
-              <a:cs typeface="Avenir Next" charset="0"/>
-            </a:endParaRPr>
           </a:p>
         </p:txBody>
       </p:sp>
@@ -4864,16 +4835,6 @@
               </a:rPr>
               <a:t>Developer</a:t>
             </a:r>
-            <a:endParaRPr lang="en-US" sz="2000" dirty="0" smtClean="0">
-              <a:solidFill>
-                <a:schemeClr val="bg1">
-                  <a:lumMod val="50000"/>
-                </a:schemeClr>
-              </a:solidFill>
-              <a:latin typeface="Avenir Next" charset="0"/>
-              <a:ea typeface="Avenir Next" charset="0"/>
-              <a:cs typeface="Avenir Next" charset="0"/>
-            </a:endParaRPr>
           </a:p>
         </p:txBody>
       </p:sp>
@@ -5335,14 +5296,6 @@
               </a:rPr>
               <a:t>Q()</a:t>
             </a:r>
-            <a:endParaRPr lang="en-US" sz="2000" dirty="0" smtClean="0">
-              <a:solidFill>
-                <a:schemeClr val="tx1"/>
-              </a:solidFill>
-              <a:latin typeface="Consolas" charset="0"/>
-              <a:ea typeface="Consolas" charset="0"/>
-              <a:cs typeface="Consolas" charset="0"/>
-            </a:endParaRPr>
           </a:p>
         </p:txBody>
       </p:sp>
@@ -9572,6 +9525,1139 @@
     <p:extLst>
       <p:ext uri="{BB962C8B-B14F-4D97-AF65-F5344CB8AC3E}">
         <p14:creationId xmlns:p14="http://schemas.microsoft.com/office/powerpoint/2010/main" val="1302155349"/>
+      </p:ext>
+    </p:extLst>
+  </p:cSld>
+  <p:clrMapOvr>
+    <a:masterClrMapping/>
+  </p:clrMapOvr>
+</p:sld>
+</file>
+
+<file path=ppt/slides/slide4.xml><?xml version="1.0" encoding="utf-8"?>
+<p:sld xmlns:a="http://schemas.openxmlformats.org/drawingml/2006/main" xmlns:r="http://schemas.openxmlformats.org/officeDocument/2006/relationships" xmlns:p="http://schemas.openxmlformats.org/presentationml/2006/main">
+  <p:cSld>
+    <p:spTree>
+      <p:nvGrpSpPr>
+        <p:cNvPr id="1" name=""/>
+        <p:cNvGrpSpPr/>
+        <p:nvPr/>
+      </p:nvGrpSpPr>
+      <p:grpSpPr>
+        <a:xfrm>
+          <a:off x="0" y="0"/>
+          <a:ext cx="0" cy="0"/>
+          <a:chOff x="0" y="0"/>
+          <a:chExt cx="0" cy="0"/>
+        </a:xfrm>
+      </p:grpSpPr>
+      <p:pic>
+        <p:nvPicPr>
+          <p:cNvPr id="4" name="Picture 3"/>
+          <p:cNvPicPr>
+            <a:picLocks noChangeAspect="1"/>
+          </p:cNvPicPr>
+          <p:nvPr/>
+        </p:nvPicPr>
+        <p:blipFill>
+          <a:blip r:embed="rId2"/>
+          <a:stretch>
+            <a:fillRect/>
+          </a:stretch>
+        </p:blipFill>
+        <p:spPr>
+          <a:xfrm>
+            <a:off x="10633781" y="3940842"/>
+            <a:ext cx="961141" cy="961141"/>
+          </a:xfrm>
+          <a:prstGeom prst="rect">
+            <a:avLst/>
+          </a:prstGeom>
+        </p:spPr>
+      </p:pic>
+      <p:pic>
+        <p:nvPicPr>
+          <p:cNvPr id="6" name="Picture 5"/>
+          <p:cNvPicPr>
+            <a:picLocks noChangeAspect="1"/>
+          </p:cNvPicPr>
+          <p:nvPr/>
+        </p:nvPicPr>
+        <p:blipFill>
+          <a:blip r:embed="rId3"/>
+          <a:stretch>
+            <a:fillRect/>
+          </a:stretch>
+        </p:blipFill>
+        <p:spPr>
+          <a:xfrm>
+            <a:off x="7038496" y="3860525"/>
+            <a:ext cx="1517432" cy="845037"/>
+          </a:xfrm>
+          <a:prstGeom prst="rect">
+            <a:avLst/>
+          </a:prstGeom>
+        </p:spPr>
+      </p:pic>
+      <p:sp>
+        <p:nvSpPr>
+          <p:cNvPr id="7" name="Rectangle 6"/>
+          <p:cNvSpPr/>
+          <p:nvPr/>
+        </p:nvSpPr>
+        <p:spPr>
+          <a:xfrm>
+            <a:off x="4672715" y="4076412"/>
+            <a:ext cx="2165350" cy="364267"/>
+          </a:xfrm>
+          <a:prstGeom prst="rect">
+            <a:avLst/>
+          </a:prstGeom>
+          <a:solidFill>
+            <a:schemeClr val="bg1"/>
+          </a:solidFill>
+          <a:ln w="28575">
+            <a:solidFill>
+              <a:srgbClr val="00B050"/>
+            </a:solidFill>
+          </a:ln>
+        </p:spPr>
+        <p:style>
+          <a:lnRef idx="2">
+            <a:schemeClr val="accent1">
+              <a:shade val="50000"/>
+            </a:schemeClr>
+          </a:lnRef>
+          <a:fillRef idx="1">
+            <a:schemeClr val="accent1"/>
+          </a:fillRef>
+          <a:effectRef idx="0">
+            <a:schemeClr val="accent1"/>
+          </a:effectRef>
+          <a:fontRef idx="minor">
+            <a:schemeClr val="lt1"/>
+          </a:fontRef>
+        </p:style>
+        <p:txBody>
+          <a:bodyPr rtlCol="0" anchor="ctr"/>
+          <a:lstStyle/>
+          <a:p>
+            <a:pPr algn="ctr"/>
+            <a:r>
+              <a:rPr lang="en-US" dirty="0" smtClean="0">
+                <a:solidFill>
+                  <a:srgbClr val="00B050"/>
+                </a:solidFill>
+                <a:latin typeface="Avenir Book" charset="0"/>
+                <a:ea typeface="Avenir Book" charset="0"/>
+                <a:cs typeface="Avenir Book" charset="0"/>
+              </a:rPr>
+              <a:t>Quality Evaluator</a:t>
+            </a:r>
+            <a:endParaRPr lang="en-US" dirty="0" smtClean="0">
+              <a:solidFill>
+                <a:srgbClr val="00B050"/>
+              </a:solidFill>
+              <a:latin typeface="Avenir Book" charset="0"/>
+              <a:ea typeface="Avenir Book" charset="0"/>
+              <a:cs typeface="Avenir Book" charset="0"/>
+            </a:endParaRPr>
+          </a:p>
+        </p:txBody>
+      </p:sp>
+      <p:sp>
+        <p:nvSpPr>
+          <p:cNvPr id="8" name="Rectangle 7"/>
+          <p:cNvSpPr/>
+          <p:nvPr/>
+        </p:nvSpPr>
+        <p:spPr>
+          <a:xfrm>
+            <a:off x="4672714" y="4440679"/>
+            <a:ext cx="2165350" cy="364267"/>
+          </a:xfrm>
+          <a:prstGeom prst="rect">
+            <a:avLst/>
+          </a:prstGeom>
+          <a:solidFill>
+            <a:schemeClr val="bg1"/>
+          </a:solidFill>
+          <a:ln w="28575">
+            <a:solidFill>
+              <a:srgbClr val="00B050"/>
+            </a:solidFill>
+          </a:ln>
+        </p:spPr>
+        <p:style>
+          <a:lnRef idx="2">
+            <a:schemeClr val="accent1">
+              <a:shade val="50000"/>
+            </a:schemeClr>
+          </a:lnRef>
+          <a:fillRef idx="1">
+            <a:schemeClr val="accent1"/>
+          </a:fillRef>
+          <a:effectRef idx="0">
+            <a:schemeClr val="accent1"/>
+          </a:effectRef>
+          <a:fontRef idx="minor">
+            <a:schemeClr val="lt1"/>
+          </a:fontRef>
+        </p:style>
+        <p:txBody>
+          <a:bodyPr rtlCol="0" anchor="ctr"/>
+          <a:lstStyle/>
+          <a:p>
+            <a:pPr algn="ctr"/>
+            <a:r>
+              <a:rPr lang="en-US" dirty="0" smtClean="0">
+                <a:solidFill>
+                  <a:srgbClr val="00B050"/>
+                </a:solidFill>
+                <a:latin typeface="Avenir Book" charset="0"/>
+                <a:ea typeface="Avenir Book" charset="0"/>
+                <a:cs typeface="Avenir Book" charset="0"/>
+              </a:rPr>
+              <a:t>ML-based Pruner</a:t>
+            </a:r>
+            <a:endParaRPr lang="en-US" dirty="0" smtClean="0">
+              <a:solidFill>
+                <a:srgbClr val="00B050"/>
+              </a:solidFill>
+              <a:latin typeface="Avenir Book" charset="0"/>
+              <a:ea typeface="Avenir Book" charset="0"/>
+              <a:cs typeface="Avenir Book" charset="0"/>
+            </a:endParaRPr>
+          </a:p>
+        </p:txBody>
+      </p:sp>
+      <p:sp>
+        <p:nvSpPr>
+          <p:cNvPr id="9" name="Rectangle 8"/>
+          <p:cNvSpPr/>
+          <p:nvPr/>
+        </p:nvSpPr>
+        <p:spPr>
+          <a:xfrm>
+            <a:off x="4488386" y="3626463"/>
+            <a:ext cx="4094205" cy="1589901"/>
+          </a:xfrm>
+          <a:prstGeom prst="rect">
+            <a:avLst/>
+          </a:prstGeom>
+          <a:noFill/>
+          <a:ln w="28575">
+            <a:solidFill>
+              <a:srgbClr val="00B050"/>
+            </a:solidFill>
+          </a:ln>
+        </p:spPr>
+        <p:style>
+          <a:lnRef idx="2">
+            <a:schemeClr val="accent1">
+              <a:shade val="50000"/>
+            </a:schemeClr>
+          </a:lnRef>
+          <a:fillRef idx="1">
+            <a:schemeClr val="accent1"/>
+          </a:fillRef>
+          <a:effectRef idx="0">
+            <a:schemeClr val="accent1"/>
+          </a:effectRef>
+          <a:fontRef idx="minor">
+            <a:schemeClr val="lt1"/>
+          </a:fontRef>
+        </p:style>
+        <p:txBody>
+          <a:bodyPr rtlCol="0" anchor="b"/>
+          <a:lstStyle/>
+          <a:p>
+            <a:r>
+              <a:rPr lang="en-US" sz="2000" dirty="0" smtClean="0">
+                <a:solidFill>
+                  <a:srgbClr val="00B050"/>
+                </a:solidFill>
+                <a:latin typeface="Avenir Book" charset="0"/>
+                <a:ea typeface="Avenir Book" charset="0"/>
+                <a:cs typeface="Avenir Book" charset="0"/>
+              </a:rPr>
+              <a:t>Searcher</a:t>
+            </a:r>
+            <a:endParaRPr lang="en-US" sz="2000" dirty="0" smtClean="0">
+              <a:solidFill>
+                <a:srgbClr val="00B050"/>
+              </a:solidFill>
+              <a:latin typeface="Avenir Book" charset="0"/>
+              <a:ea typeface="Avenir Book" charset="0"/>
+              <a:cs typeface="Avenir Book" charset="0"/>
+            </a:endParaRPr>
+          </a:p>
+        </p:txBody>
+      </p:sp>
+      <p:sp>
+        <p:nvSpPr>
+          <p:cNvPr id="10" name="Rectangle 9"/>
+          <p:cNvSpPr/>
+          <p:nvPr/>
+        </p:nvSpPr>
+        <p:spPr>
+          <a:xfrm>
+            <a:off x="5632704" y="2675165"/>
+            <a:ext cx="2949887" cy="695926"/>
+          </a:xfrm>
+          <a:prstGeom prst="rect">
+            <a:avLst/>
+          </a:prstGeom>
+          <a:solidFill>
+            <a:schemeClr val="bg1"/>
+          </a:solidFill>
+          <a:ln w="28575">
+            <a:solidFill>
+              <a:srgbClr val="00B0F0"/>
+            </a:solidFill>
+          </a:ln>
+        </p:spPr>
+        <p:style>
+          <a:lnRef idx="2">
+            <a:schemeClr val="accent1">
+              <a:shade val="50000"/>
+            </a:schemeClr>
+          </a:lnRef>
+          <a:fillRef idx="1">
+            <a:schemeClr val="accent1"/>
+          </a:fillRef>
+          <a:effectRef idx="0">
+            <a:schemeClr val="accent1"/>
+          </a:effectRef>
+          <a:fontRef idx="minor">
+            <a:schemeClr val="lt1"/>
+          </a:fontRef>
+        </p:style>
+        <p:txBody>
+          <a:bodyPr rtlCol="0" anchor="ctr"/>
+          <a:lstStyle/>
+          <a:p>
+            <a:pPr algn="ctr"/>
+            <a:r>
+              <a:rPr lang="en-US" sz="2000" dirty="0" smtClean="0">
+                <a:solidFill>
+                  <a:srgbClr val="00B0F0"/>
+                </a:solidFill>
+                <a:latin typeface="Avenir Book" charset="0"/>
+                <a:ea typeface="Avenir Book" charset="0"/>
+                <a:cs typeface="Avenir Book" charset="0"/>
+              </a:rPr>
+              <a:t>Candidate Conditional Assignments</a:t>
+            </a:r>
+            <a:endParaRPr lang="en-US" sz="2000" dirty="0" smtClean="0">
+              <a:solidFill>
+                <a:srgbClr val="00B0F0"/>
+              </a:solidFill>
+              <a:latin typeface="Avenir Book" charset="0"/>
+              <a:ea typeface="Avenir Book" charset="0"/>
+              <a:cs typeface="Avenir Book" charset="0"/>
+            </a:endParaRPr>
+          </a:p>
+        </p:txBody>
+      </p:sp>
+      <p:sp>
+        <p:nvSpPr>
+          <p:cNvPr id="11" name="Rectangle 10"/>
+          <p:cNvSpPr/>
+          <p:nvPr/>
+        </p:nvSpPr>
+        <p:spPr>
+          <a:xfrm>
+            <a:off x="4488386" y="1534051"/>
+            <a:ext cx="4094205" cy="881448"/>
+          </a:xfrm>
+          <a:prstGeom prst="rect">
+            <a:avLst/>
+          </a:prstGeom>
+          <a:solidFill>
+            <a:schemeClr val="bg1"/>
+          </a:solidFill>
+          <a:ln w="28575">
+            <a:solidFill>
+              <a:schemeClr val="bg1">
+                <a:lumMod val="50000"/>
+              </a:schemeClr>
+            </a:solidFill>
+          </a:ln>
+        </p:spPr>
+        <p:style>
+          <a:lnRef idx="2">
+            <a:schemeClr val="accent1">
+              <a:shade val="50000"/>
+            </a:schemeClr>
+          </a:lnRef>
+          <a:fillRef idx="1">
+            <a:schemeClr val="accent1"/>
+          </a:fillRef>
+          <a:effectRef idx="0">
+            <a:schemeClr val="accent1"/>
+          </a:effectRef>
+          <a:fontRef idx="minor">
+            <a:schemeClr val="lt1"/>
+          </a:fontRef>
+        </p:style>
+        <p:txBody>
+          <a:bodyPr rtlCol="0" anchor="b"/>
+          <a:lstStyle/>
+          <a:p>
+            <a:r>
+              <a:rPr lang="en-US" sz="2000" dirty="0" smtClean="0">
+                <a:solidFill>
+                  <a:schemeClr val="bg1">
+                    <a:lumMod val="50000"/>
+                  </a:schemeClr>
+                </a:solidFill>
+                <a:latin typeface="Avenir Book" charset="0"/>
+                <a:ea typeface="Avenir Book" charset="0"/>
+                <a:cs typeface="Avenir Book" charset="0"/>
+              </a:rPr>
+              <a:t>Library</a:t>
+            </a:r>
+            <a:endParaRPr lang="en-US" sz="2000" dirty="0" smtClean="0">
+              <a:solidFill>
+                <a:schemeClr val="bg1">
+                  <a:lumMod val="50000"/>
+                </a:schemeClr>
+              </a:solidFill>
+              <a:latin typeface="Avenir Book" charset="0"/>
+              <a:ea typeface="Avenir Book" charset="0"/>
+              <a:cs typeface="Avenir Book" charset="0"/>
+            </a:endParaRPr>
+          </a:p>
+        </p:txBody>
+      </p:sp>
+      <p:cxnSp>
+        <p:nvCxnSpPr>
+          <p:cNvPr id="14" name="Straight Arrow Connector 13"/>
+          <p:cNvCxnSpPr/>
+          <p:nvPr/>
+        </p:nvCxnSpPr>
+        <p:spPr>
+          <a:xfrm flipV="1">
+            <a:off x="7107647" y="3371091"/>
+            <a:ext cx="0" cy="255374"/>
+          </a:xfrm>
+          <a:prstGeom prst="straightConnector1">
+            <a:avLst/>
+          </a:prstGeom>
+          <a:ln w="28575">
+            <a:solidFill>
+              <a:schemeClr val="bg1">
+                <a:lumMod val="50000"/>
+              </a:schemeClr>
+            </a:solidFill>
+            <a:headEnd type="triangle" w="med" len="med"/>
+            <a:tailEnd type="none" w="med" len="med"/>
+          </a:ln>
+        </p:spPr>
+        <p:style>
+          <a:lnRef idx="1">
+            <a:schemeClr val="accent1"/>
+          </a:lnRef>
+          <a:fillRef idx="0">
+            <a:schemeClr val="accent1"/>
+          </a:fillRef>
+          <a:effectRef idx="0">
+            <a:schemeClr val="accent1"/>
+          </a:effectRef>
+          <a:fontRef idx="minor">
+            <a:schemeClr val="tx1"/>
+          </a:fontRef>
+        </p:style>
+      </p:cxnSp>
+      <p:sp>
+        <p:nvSpPr>
+          <p:cNvPr id="15" name="Rectangle 14"/>
+          <p:cNvSpPr/>
+          <p:nvPr/>
+        </p:nvSpPr>
+        <p:spPr>
+          <a:xfrm>
+            <a:off x="4672714" y="3712145"/>
+            <a:ext cx="2165350" cy="364267"/>
+          </a:xfrm>
+          <a:prstGeom prst="rect">
+            <a:avLst/>
+          </a:prstGeom>
+          <a:solidFill>
+            <a:schemeClr val="bg1"/>
+          </a:solidFill>
+          <a:ln w="28575">
+            <a:solidFill>
+              <a:srgbClr val="00B050"/>
+            </a:solidFill>
+          </a:ln>
+        </p:spPr>
+        <p:style>
+          <a:lnRef idx="2">
+            <a:schemeClr val="accent1">
+              <a:shade val="50000"/>
+            </a:schemeClr>
+          </a:lnRef>
+          <a:fillRef idx="1">
+            <a:schemeClr val="accent1"/>
+          </a:fillRef>
+          <a:effectRef idx="0">
+            <a:schemeClr val="accent1"/>
+          </a:effectRef>
+          <a:fontRef idx="minor">
+            <a:schemeClr val="lt1"/>
+          </a:fontRef>
+        </p:style>
+        <p:txBody>
+          <a:bodyPr rtlCol="0" anchor="ctr"/>
+          <a:lstStyle/>
+          <a:p>
+            <a:pPr algn="ctr"/>
+            <a:r>
+              <a:rPr lang="en-US" dirty="0" err="1" smtClean="0">
+                <a:solidFill>
+                  <a:srgbClr val="00B050"/>
+                </a:solidFill>
+                <a:latin typeface="Avenir Book" charset="0"/>
+                <a:ea typeface="Avenir Book" charset="0"/>
+                <a:cs typeface="Avenir Book" charset="0"/>
+              </a:rPr>
+              <a:t>Param</a:t>
+            </a:r>
+            <a:r>
+              <a:rPr lang="en-US" smtClean="0">
+                <a:solidFill>
+                  <a:srgbClr val="00B050"/>
+                </a:solidFill>
+                <a:latin typeface="Avenir Book" charset="0"/>
+                <a:ea typeface="Avenir Book" charset="0"/>
+                <a:cs typeface="Avenir Book" charset="0"/>
+              </a:rPr>
+              <a:t>. </a:t>
+            </a:r>
+            <a:r>
+              <a:rPr lang="en-US" dirty="0" smtClean="0">
+                <a:solidFill>
+                  <a:srgbClr val="00B050"/>
+                </a:solidFill>
+                <a:latin typeface="Avenir Book" charset="0"/>
+                <a:ea typeface="Avenir Book" charset="0"/>
+                <a:cs typeface="Avenir Book" charset="0"/>
+              </a:rPr>
+              <a:t>Sampler</a:t>
+            </a:r>
+            <a:endParaRPr lang="en-US" dirty="0" smtClean="0">
+              <a:solidFill>
+                <a:srgbClr val="00B050"/>
+              </a:solidFill>
+              <a:latin typeface="Avenir Book" charset="0"/>
+              <a:ea typeface="Avenir Book" charset="0"/>
+              <a:cs typeface="Avenir Book" charset="0"/>
+            </a:endParaRPr>
+          </a:p>
+        </p:txBody>
+      </p:sp>
+      <p:cxnSp>
+        <p:nvCxnSpPr>
+          <p:cNvPr id="20" name="Straight Arrow Connector 19"/>
+          <p:cNvCxnSpPr/>
+          <p:nvPr/>
+        </p:nvCxnSpPr>
+        <p:spPr>
+          <a:xfrm flipV="1">
+            <a:off x="7107647" y="2419791"/>
+            <a:ext cx="0" cy="255374"/>
+          </a:xfrm>
+          <a:prstGeom prst="straightConnector1">
+            <a:avLst/>
+          </a:prstGeom>
+          <a:ln w="28575">
+            <a:solidFill>
+              <a:schemeClr val="bg1">
+                <a:lumMod val="50000"/>
+              </a:schemeClr>
+            </a:solidFill>
+            <a:headEnd type="triangle" w="med" len="med"/>
+            <a:tailEnd type="none" w="med" len="med"/>
+          </a:ln>
+        </p:spPr>
+        <p:style>
+          <a:lnRef idx="1">
+            <a:schemeClr val="accent1"/>
+          </a:lnRef>
+          <a:fillRef idx="0">
+            <a:schemeClr val="accent1"/>
+          </a:fillRef>
+          <a:effectRef idx="0">
+            <a:schemeClr val="accent1"/>
+          </a:effectRef>
+          <a:fontRef idx="minor">
+            <a:schemeClr val="tx1"/>
+          </a:fontRef>
+        </p:style>
+      </p:cxnSp>
+      <p:sp>
+        <p:nvSpPr>
+          <p:cNvPr id="24" name="TextBox 23"/>
+          <p:cNvSpPr txBox="1"/>
+          <p:nvPr/>
+        </p:nvSpPr>
+        <p:spPr>
+          <a:xfrm>
+            <a:off x="9124317" y="3913712"/>
+            <a:ext cx="1030347" cy="369332"/>
+          </a:xfrm>
+          <a:prstGeom prst="rect">
+            <a:avLst/>
+          </a:prstGeom>
+          <a:noFill/>
+        </p:spPr>
+        <p:txBody>
+          <a:bodyPr wrap="none" rtlCol="0">
+            <a:spAutoFit/>
+          </a:bodyPr>
+          <a:lstStyle/>
+          <a:p>
+            <a:pPr algn="ctr"/>
+            <a:r>
+              <a:rPr lang="en-US" dirty="0" smtClean="0">
+                <a:latin typeface="Avenir Next" charset="0"/>
+                <a:ea typeface="Avenir Next" charset="0"/>
+                <a:cs typeface="Avenir Next" charset="0"/>
+              </a:rPr>
+              <a:t>Pipeline</a:t>
+            </a:r>
+            <a:endParaRPr lang="en-US" dirty="0" smtClean="0">
+              <a:latin typeface="Avenir Next" charset="0"/>
+              <a:ea typeface="Avenir Next" charset="0"/>
+              <a:cs typeface="Avenir Next" charset="0"/>
+            </a:endParaRPr>
+          </a:p>
+        </p:txBody>
+      </p:sp>
+      <p:sp>
+        <p:nvSpPr>
+          <p:cNvPr id="25" name="TextBox 24"/>
+          <p:cNvSpPr txBox="1"/>
+          <p:nvPr/>
+        </p:nvSpPr>
+        <p:spPr>
+          <a:xfrm>
+            <a:off x="8711993" y="4473615"/>
+            <a:ext cx="1854995" cy="646331"/>
+          </a:xfrm>
+          <a:prstGeom prst="rect">
+            <a:avLst/>
+          </a:prstGeom>
+          <a:noFill/>
+        </p:spPr>
+        <p:txBody>
+          <a:bodyPr wrap="none" rtlCol="0">
+            <a:spAutoFit/>
+          </a:bodyPr>
+          <a:lstStyle/>
+          <a:p>
+            <a:pPr algn="ctr"/>
+            <a:r>
+              <a:rPr lang="en-US" dirty="0" smtClean="0">
+                <a:latin typeface="Avenir Next" charset="0"/>
+                <a:ea typeface="Avenir Next" charset="0"/>
+                <a:cs typeface="Avenir Next" charset="0"/>
+              </a:rPr>
+              <a:t>Quality function</a:t>
+            </a:r>
+          </a:p>
+          <a:p>
+            <a:pPr algn="ctr"/>
+            <a:r>
+              <a:rPr lang="en-US" dirty="0" smtClean="0">
+                <a:latin typeface="Avenir Next" charset="0"/>
+                <a:ea typeface="Avenir Next" charset="0"/>
+                <a:cs typeface="Avenir Next" charset="0"/>
+              </a:rPr>
+              <a:t>Depth limit</a:t>
+            </a:r>
+            <a:endParaRPr lang="en-US" dirty="0" smtClean="0">
+              <a:latin typeface="Avenir Next" charset="0"/>
+              <a:ea typeface="Avenir Next" charset="0"/>
+              <a:cs typeface="Avenir Next" charset="0"/>
+            </a:endParaRPr>
+          </a:p>
+        </p:txBody>
+      </p:sp>
+      <p:cxnSp>
+        <p:nvCxnSpPr>
+          <p:cNvPr id="27" name="Straight Arrow Connector 26"/>
+          <p:cNvCxnSpPr/>
+          <p:nvPr/>
+        </p:nvCxnSpPr>
+        <p:spPr>
+          <a:xfrm flipH="1">
+            <a:off x="8582591" y="4448845"/>
+            <a:ext cx="2051190" cy="1"/>
+          </a:xfrm>
+          <a:prstGeom prst="straightConnector1">
+            <a:avLst/>
+          </a:prstGeom>
+          <a:ln w="28575">
+            <a:solidFill>
+              <a:schemeClr val="bg1">
+                <a:lumMod val="50000"/>
+              </a:schemeClr>
+            </a:solidFill>
+            <a:headEnd type="none" w="med" len="med"/>
+            <a:tailEnd type="triangle"/>
+          </a:ln>
+        </p:spPr>
+        <p:style>
+          <a:lnRef idx="1">
+            <a:schemeClr val="accent1"/>
+          </a:lnRef>
+          <a:fillRef idx="0">
+            <a:schemeClr val="accent1"/>
+          </a:fillRef>
+          <a:effectRef idx="0">
+            <a:schemeClr val="accent1"/>
+          </a:effectRef>
+          <a:fontRef idx="minor">
+            <a:schemeClr val="tx1"/>
+          </a:fontRef>
+        </p:style>
+      </p:cxnSp>
+      <p:cxnSp>
+        <p:nvCxnSpPr>
+          <p:cNvPr id="29" name="Straight Arrow Connector 28"/>
+          <p:cNvCxnSpPr/>
+          <p:nvPr/>
+        </p:nvCxnSpPr>
+        <p:spPr>
+          <a:xfrm flipH="1">
+            <a:off x="8582589" y="4363307"/>
+            <a:ext cx="2051190" cy="1"/>
+          </a:xfrm>
+          <a:prstGeom prst="straightConnector1">
+            <a:avLst/>
+          </a:prstGeom>
+          <a:ln w="28575">
+            <a:solidFill>
+              <a:schemeClr val="bg1">
+                <a:lumMod val="50000"/>
+              </a:schemeClr>
+            </a:solidFill>
+            <a:headEnd type="triangle" w="med" len="med"/>
+            <a:tailEnd type="none" w="med" len="med"/>
+          </a:ln>
+        </p:spPr>
+        <p:style>
+          <a:lnRef idx="1">
+            <a:schemeClr val="accent1"/>
+          </a:lnRef>
+          <a:fillRef idx="0">
+            <a:schemeClr val="accent1"/>
+          </a:fillRef>
+          <a:effectRef idx="0">
+            <a:schemeClr val="accent1"/>
+          </a:effectRef>
+          <a:fontRef idx="minor">
+            <a:schemeClr val="tx1"/>
+          </a:fontRef>
+        </p:style>
+      </p:cxnSp>
+      <p:cxnSp>
+        <p:nvCxnSpPr>
+          <p:cNvPr id="31" name="Straight Arrow Connector 30"/>
+          <p:cNvCxnSpPr/>
+          <p:nvPr/>
+        </p:nvCxnSpPr>
+        <p:spPr>
+          <a:xfrm flipV="1">
+            <a:off x="5239512" y="2415499"/>
+            <a:ext cx="0" cy="1210964"/>
+          </a:xfrm>
+          <a:prstGeom prst="straightConnector1">
+            <a:avLst/>
+          </a:prstGeom>
+          <a:ln w="28575">
+            <a:solidFill>
+              <a:schemeClr val="bg1">
+                <a:lumMod val="50000"/>
+              </a:schemeClr>
+            </a:solidFill>
+            <a:headEnd type="none" w="med" len="med"/>
+            <a:tailEnd type="triangle"/>
+          </a:ln>
+        </p:spPr>
+        <p:style>
+          <a:lnRef idx="1">
+            <a:schemeClr val="accent1"/>
+          </a:lnRef>
+          <a:fillRef idx="0">
+            <a:schemeClr val="accent1"/>
+          </a:fillRef>
+          <a:effectRef idx="0">
+            <a:schemeClr val="accent1"/>
+          </a:effectRef>
+          <a:fontRef idx="minor">
+            <a:schemeClr val="tx1"/>
+          </a:fontRef>
+        </p:style>
+      </p:cxnSp>
+      <p:sp>
+        <p:nvSpPr>
+          <p:cNvPr id="32" name="TextBox 31"/>
+          <p:cNvSpPr txBox="1"/>
+          <p:nvPr/>
+        </p:nvSpPr>
+        <p:spPr>
+          <a:xfrm rot="16200000">
+            <a:off x="4597226" y="2831472"/>
+            <a:ext cx="939103" cy="369332"/>
+          </a:xfrm>
+          <a:prstGeom prst="rect">
+            <a:avLst/>
+          </a:prstGeom>
+          <a:noFill/>
+        </p:spPr>
+        <p:txBody>
+          <a:bodyPr wrap="none" rtlCol="0">
+            <a:spAutoFit/>
+          </a:bodyPr>
+          <a:lstStyle/>
+          <a:p>
+            <a:r>
+              <a:rPr lang="en-US" smtClean="0">
+                <a:latin typeface="Avenir Next" charset="0"/>
+                <a:ea typeface="Avenir Next" charset="0"/>
+                <a:cs typeface="Avenir Next" charset="0"/>
+              </a:rPr>
+              <a:t>Params</a:t>
+            </a:r>
+            <a:endParaRPr lang="en-US" dirty="0" smtClean="0">
+              <a:latin typeface="Avenir Next" charset="0"/>
+              <a:ea typeface="Avenir Next" charset="0"/>
+              <a:cs typeface="Avenir Next" charset="0"/>
+            </a:endParaRPr>
+          </a:p>
+        </p:txBody>
+      </p:sp>
+      <p:grpSp>
+        <p:nvGrpSpPr>
+          <p:cNvPr id="34" name="Group 33"/>
+          <p:cNvGrpSpPr/>
+          <p:nvPr/>
+        </p:nvGrpSpPr>
+        <p:grpSpPr>
+          <a:xfrm>
+            <a:off x="4662790" y="961273"/>
+            <a:ext cx="3745396" cy="1095116"/>
+            <a:chOff x="4718434" y="961273"/>
+            <a:chExt cx="3745396" cy="1095116"/>
+          </a:xfrm>
+        </p:grpSpPr>
+        <p:sp>
+          <p:nvSpPr>
+            <p:cNvPr id="21" name="Rounded Rectangle 20"/>
+            <p:cNvSpPr/>
+            <p:nvPr/>
+          </p:nvSpPr>
+          <p:spPr>
+            <a:xfrm>
+              <a:off x="4718434" y="961273"/>
+              <a:ext cx="666064" cy="1046206"/>
+            </a:xfrm>
+            <a:prstGeom prst="roundRect">
+              <a:avLst/>
+            </a:prstGeom>
+            <a:solidFill>
+              <a:schemeClr val="bg1"/>
+            </a:solidFill>
+            <a:ln w="28575">
+              <a:solidFill>
+                <a:schemeClr val="bg1">
+                  <a:lumMod val="50000"/>
+                </a:schemeClr>
+              </a:solidFill>
+            </a:ln>
+          </p:spPr>
+          <p:style>
+            <a:lnRef idx="2">
+              <a:schemeClr val="accent1">
+                <a:shade val="50000"/>
+              </a:schemeClr>
+            </a:lnRef>
+            <a:fillRef idx="1">
+              <a:schemeClr val="accent1"/>
+            </a:fillRef>
+            <a:effectRef idx="0">
+              <a:schemeClr val="accent1"/>
+            </a:effectRef>
+            <a:fontRef idx="minor">
+              <a:schemeClr val="lt1"/>
+            </a:fontRef>
+          </p:style>
+          <p:txBody>
+            <a:bodyPr rot="0" spcFirstLastPara="0" vertOverflow="overflow" horzOverflow="overflow" vert="horz" wrap="square" lIns="91440" tIns="45720" rIns="91440" bIns="45720" numCol="1" spcCol="0" rtlCol="0" fromWordArt="0" anchor="b" anchorCtr="0" forceAA="0" compatLnSpc="1">
+              <a:prstTxWarp prst="textNoShape">
+                <a:avLst/>
+              </a:prstTxWarp>
+              <a:noAutofit/>
+            </a:bodyPr>
+            <a:lstStyle/>
+            <a:p>
+              <a:pPr algn="ctr"/>
+              <a:r>
+                <a:rPr lang="en-US" sz="2000" dirty="0" smtClean="0">
+                  <a:solidFill>
+                    <a:schemeClr val="bg1">
+                      <a:lumMod val="50000"/>
+                    </a:schemeClr>
+                  </a:solidFill>
+                  <a:latin typeface="Avenir Book" charset="0"/>
+                  <a:ea typeface="Avenir Book" charset="0"/>
+                  <a:cs typeface="Avenir Book" charset="0"/>
+                </a:rPr>
+                <a:t>O</a:t>
+              </a:r>
+              <a:r>
+                <a:rPr lang="en-US" sz="2000" baseline="-25000" dirty="0" smtClean="0">
+                  <a:solidFill>
+                    <a:schemeClr val="bg1">
+                      <a:lumMod val="50000"/>
+                    </a:schemeClr>
+                  </a:solidFill>
+                  <a:latin typeface="Avenir Book" charset="0"/>
+                  <a:ea typeface="Avenir Book" charset="0"/>
+                  <a:cs typeface="Avenir Book" charset="0"/>
+                </a:rPr>
+                <a:t>1</a:t>
+              </a:r>
+            </a:p>
+          </p:txBody>
+        </p:sp>
+        <p:sp>
+          <p:nvSpPr>
+            <p:cNvPr id="22" name="Rounded Rectangle 21"/>
+            <p:cNvSpPr/>
+            <p:nvPr/>
+          </p:nvSpPr>
+          <p:spPr>
+            <a:xfrm>
+              <a:off x="5672822" y="961273"/>
+              <a:ext cx="666064" cy="1046206"/>
+            </a:xfrm>
+            <a:prstGeom prst="roundRect">
+              <a:avLst/>
+            </a:prstGeom>
+            <a:solidFill>
+              <a:schemeClr val="bg1"/>
+            </a:solidFill>
+            <a:ln w="28575">
+              <a:solidFill>
+                <a:schemeClr val="bg1">
+                  <a:lumMod val="50000"/>
+                </a:schemeClr>
+              </a:solidFill>
+            </a:ln>
+          </p:spPr>
+          <p:style>
+            <a:lnRef idx="2">
+              <a:schemeClr val="accent1">
+                <a:shade val="50000"/>
+              </a:schemeClr>
+            </a:lnRef>
+            <a:fillRef idx="1">
+              <a:schemeClr val="accent1"/>
+            </a:fillRef>
+            <a:effectRef idx="0">
+              <a:schemeClr val="accent1"/>
+            </a:effectRef>
+            <a:fontRef idx="minor">
+              <a:schemeClr val="lt1"/>
+            </a:fontRef>
+          </p:style>
+          <p:txBody>
+            <a:bodyPr rot="0" spcFirstLastPara="0" vertOverflow="overflow" horzOverflow="overflow" vert="horz" wrap="square" lIns="91440" tIns="45720" rIns="91440" bIns="45720" numCol="1" spcCol="0" rtlCol="0" fromWordArt="0" anchor="b" anchorCtr="0" forceAA="0" compatLnSpc="1">
+              <a:prstTxWarp prst="textNoShape">
+                <a:avLst/>
+              </a:prstTxWarp>
+              <a:noAutofit/>
+            </a:bodyPr>
+            <a:lstStyle/>
+            <a:p>
+              <a:pPr algn="ctr"/>
+              <a:r>
+                <a:rPr lang="en-US" sz="2000" smtClean="0">
+                  <a:solidFill>
+                    <a:schemeClr val="bg1">
+                      <a:lumMod val="50000"/>
+                    </a:schemeClr>
+                  </a:solidFill>
+                  <a:latin typeface="Avenir Book" charset="0"/>
+                  <a:ea typeface="Avenir Book" charset="0"/>
+                  <a:cs typeface="Avenir Book" charset="0"/>
+                </a:rPr>
+                <a:t>O</a:t>
+              </a:r>
+              <a:r>
+                <a:rPr lang="en-US" sz="2000" baseline="-25000">
+                  <a:solidFill>
+                    <a:schemeClr val="bg1">
+                      <a:lumMod val="50000"/>
+                    </a:schemeClr>
+                  </a:solidFill>
+                  <a:latin typeface="Avenir Book" charset="0"/>
+                  <a:ea typeface="Avenir Book" charset="0"/>
+                  <a:cs typeface="Avenir Book" charset="0"/>
+                </a:rPr>
+                <a:t>2</a:t>
+              </a:r>
+              <a:endParaRPr lang="en-US" sz="2000" baseline="-25000" dirty="0" smtClean="0">
+                <a:solidFill>
+                  <a:schemeClr val="bg1">
+                    <a:lumMod val="50000"/>
+                  </a:schemeClr>
+                </a:solidFill>
+                <a:latin typeface="Avenir Book" charset="0"/>
+                <a:ea typeface="Avenir Book" charset="0"/>
+                <a:cs typeface="Avenir Book" charset="0"/>
+              </a:endParaRPr>
+            </a:p>
+          </p:txBody>
+        </p:sp>
+        <p:sp>
+          <p:nvSpPr>
+            <p:cNvPr id="23" name="Rounded Rectangle 22"/>
+            <p:cNvSpPr/>
+            <p:nvPr/>
+          </p:nvSpPr>
+          <p:spPr>
+            <a:xfrm>
+              <a:off x="7797766" y="1010183"/>
+              <a:ext cx="666064" cy="1046206"/>
+            </a:xfrm>
+            <a:prstGeom prst="roundRect">
+              <a:avLst/>
+            </a:prstGeom>
+            <a:solidFill>
+              <a:schemeClr val="bg1"/>
+            </a:solidFill>
+            <a:ln w="28575">
+              <a:solidFill>
+                <a:schemeClr val="bg1">
+                  <a:lumMod val="50000"/>
+                </a:schemeClr>
+              </a:solidFill>
+            </a:ln>
+          </p:spPr>
+          <p:style>
+            <a:lnRef idx="2">
+              <a:schemeClr val="accent1">
+                <a:shade val="50000"/>
+              </a:schemeClr>
+            </a:lnRef>
+            <a:fillRef idx="1">
+              <a:schemeClr val="accent1"/>
+            </a:fillRef>
+            <a:effectRef idx="0">
+              <a:schemeClr val="accent1"/>
+            </a:effectRef>
+            <a:fontRef idx="minor">
+              <a:schemeClr val="lt1"/>
+            </a:fontRef>
+          </p:style>
+          <p:txBody>
+            <a:bodyPr rot="0" spcFirstLastPara="0" vertOverflow="overflow" horzOverflow="overflow" vert="horz" wrap="square" lIns="91440" tIns="45720" rIns="91440" bIns="45720" numCol="1" spcCol="0" rtlCol="0" fromWordArt="0" anchor="b" anchorCtr="0" forceAA="0" compatLnSpc="1">
+              <a:prstTxWarp prst="textNoShape">
+                <a:avLst/>
+              </a:prstTxWarp>
+              <a:noAutofit/>
+            </a:bodyPr>
+            <a:lstStyle/>
+            <a:p>
+              <a:pPr algn="ctr"/>
+              <a:r>
+                <a:rPr lang="en-US" sz="2000" dirty="0" smtClean="0">
+                  <a:solidFill>
+                    <a:schemeClr val="bg1">
+                      <a:lumMod val="50000"/>
+                    </a:schemeClr>
+                  </a:solidFill>
+                  <a:latin typeface="Avenir Book" charset="0"/>
+                  <a:ea typeface="Avenir Book" charset="0"/>
+                  <a:cs typeface="Avenir Book" charset="0"/>
+                </a:rPr>
+                <a:t>O</a:t>
+              </a:r>
+              <a:r>
+                <a:rPr lang="en-US" sz="2000" baseline="-25000" dirty="0">
+                  <a:solidFill>
+                    <a:schemeClr val="bg1">
+                      <a:lumMod val="50000"/>
+                    </a:schemeClr>
+                  </a:solidFill>
+                  <a:latin typeface="Avenir Book" charset="0"/>
+                  <a:ea typeface="Avenir Book" charset="0"/>
+                  <a:cs typeface="Avenir Book" charset="0"/>
+                </a:rPr>
+                <a:t>N</a:t>
+              </a:r>
+              <a:endParaRPr lang="en-US" sz="2000" baseline="-25000" dirty="0" smtClean="0">
+                <a:solidFill>
+                  <a:schemeClr val="bg1">
+                    <a:lumMod val="50000"/>
+                  </a:schemeClr>
+                </a:solidFill>
+                <a:latin typeface="Avenir Book" charset="0"/>
+                <a:ea typeface="Avenir Book" charset="0"/>
+                <a:cs typeface="Avenir Book" charset="0"/>
+              </a:endParaRPr>
+            </a:p>
+          </p:txBody>
+        </p:sp>
+        <p:sp>
+          <p:nvSpPr>
+            <p:cNvPr id="33" name="TextBox 32"/>
+            <p:cNvSpPr txBox="1"/>
+            <p:nvPr/>
+          </p:nvSpPr>
+          <p:spPr>
+            <a:xfrm>
+              <a:off x="6755768" y="1383844"/>
+              <a:ext cx="506870" cy="584775"/>
+            </a:xfrm>
+            <a:prstGeom prst="rect">
+              <a:avLst/>
+            </a:prstGeom>
+            <a:noFill/>
+          </p:spPr>
+          <p:txBody>
+            <a:bodyPr wrap="none" rtlCol="0">
+              <a:spAutoFit/>
+            </a:bodyPr>
+            <a:lstStyle/>
+            <a:p>
+              <a:r>
+                <a:rPr lang="en-US" sz="3200" smtClean="0">
+                  <a:latin typeface="Avenir Next" charset="0"/>
+                  <a:ea typeface="Avenir Next" charset="0"/>
+                  <a:cs typeface="Avenir Next" charset="0"/>
+                </a:rPr>
+                <a:t>...</a:t>
+              </a:r>
+              <a:endParaRPr lang="en-US" sz="3200" dirty="0" smtClean="0">
+                <a:latin typeface="Avenir Next" charset="0"/>
+                <a:ea typeface="Avenir Next" charset="0"/>
+                <a:cs typeface="Avenir Next" charset="0"/>
+              </a:endParaRPr>
+            </a:p>
+          </p:txBody>
+        </p:sp>
+      </p:grpSp>
+    </p:spTree>
+    <p:extLst>
+      <p:ext uri="{BB962C8B-B14F-4D97-AF65-F5344CB8AC3E}">
+        <p14:creationId xmlns:p14="http://schemas.microsoft.com/office/powerpoint/2010/main" val="18576994"/>
       </p:ext>
     </p:extLst>
   </p:cSld>
@@ -9849,7 +10935,7 @@
       <a:bodyPr rtlCol="0" anchor="ctr"/>
       <a:lstStyle>
         <a:defPPr algn="ctr">
-          <a:defRPr sz="2400" dirty="0" smtClean="0">
+          <a:defRPr sz="2000" smtClean="0">
             <a:solidFill>
               <a:schemeClr val="bg1">
                 <a:lumMod val="50000"/>

--- a/figures/figs.pptx
+++ b/figures/figs.pptx
@@ -10026,17 +10026,6 @@
               <a:t>Param</a:t>
             </a:r>
             <a:r>
-              <a:rPr lang="en-US" smtClean="0">
-                <a:solidFill>
-                  <a:srgbClr val="00B050"/>
-                </a:solidFill>
-                <a:latin typeface="Avenir Book" charset="0"/>
-                <a:ea typeface="Avenir Book" charset="0"/>
-                <a:cs typeface="Avenir Book" charset="0"/>
-              </a:rPr>
-              <a:t>. </a:t>
-            </a:r>
-            <a:r>
               <a:rPr lang="en-US" dirty="0" smtClean="0">
                 <a:solidFill>
                   <a:srgbClr val="00B050"/>
@@ -10045,7 +10034,7 @@
                 <a:ea typeface="Avenir Book" charset="0"/>
                 <a:cs typeface="Avenir Book" charset="0"/>
               </a:rPr>
-              <a:t>Sampler</a:t>
+              <a:t>. Sampler</a:t>
             </a:r>
             <a:endParaRPr lang="en-US" dirty="0" smtClean="0">
               <a:solidFill>
@@ -10311,8 +10300,8 @@
         </p:nvSpPr>
         <p:spPr>
           <a:xfrm rot="16200000">
-            <a:off x="4597226" y="2831472"/>
-            <a:ext cx="939103" cy="369332"/>
+            <a:off x="4443595" y="2831472"/>
+            <a:ext cx="1246367" cy="369332"/>
           </a:xfrm>
           <a:prstGeom prst="rect">
             <a:avLst/>
@@ -10326,12 +10315,20 @@
           <a:lstStyle/>
           <a:p>
             <a:r>
-              <a:rPr lang="en-US" smtClean="0">
+              <a:rPr lang="en-US" dirty="0" err="1" smtClean="0">
                 <a:latin typeface="Avenir Next" charset="0"/>
                 <a:ea typeface="Avenir Next" charset="0"/>
                 <a:cs typeface="Avenir Next" charset="0"/>
               </a:rPr>
               <a:t>Params</a:t>
+            </a:r>
+            <a:r>
+              <a:rPr lang="en-US" dirty="0" smtClean="0">
+                <a:latin typeface="Avenir Next" charset="0"/>
+                <a:ea typeface="Avenir Next" charset="0"/>
+                <a:cs typeface="Avenir Next" charset="0"/>
+              </a:rPr>
+              <a:t>, R’</a:t>
             </a:r>
             <a:endParaRPr lang="en-US" dirty="0" smtClean="0">
               <a:latin typeface="Avenir Next" charset="0"/>

--- a/figures/figs.pptx
+++ b/figures/figs.pptx
@@ -9847,7 +9847,7 @@
                 <a:ea typeface="Avenir Book" charset="0"/>
                 <a:cs typeface="Avenir Book" charset="0"/>
               </a:rPr>
-              <a:t>Candidate Conditional Assignments</a:t>
+              <a:t>Condition Assignments Pool</a:t>
             </a:r>
             <a:endParaRPr lang="en-US" sz="2000" dirty="0" smtClean="0">
               <a:solidFill>
@@ -10300,8 +10300,8 @@
         </p:nvSpPr>
         <p:spPr>
           <a:xfrm rot="16200000">
-            <a:off x="4443595" y="2831472"/>
-            <a:ext cx="1246367" cy="369332"/>
+            <a:off x="4421954" y="2831472"/>
+            <a:ext cx="1289648" cy="369332"/>
           </a:xfrm>
           <a:prstGeom prst="rect">
             <a:avLst/>
@@ -10328,7 +10328,7 @@
                 <a:ea typeface="Avenir Next" charset="0"/>
                 <a:cs typeface="Avenir Next" charset="0"/>
               </a:rPr>
-              <a:t>, R’</a:t>
+              <a:t>, R*</a:t>
             </a:r>
             <a:endParaRPr lang="en-US" dirty="0" smtClean="0">
               <a:latin typeface="Avenir Next" charset="0"/>

--- a/figures/figs.pptx
+++ b/figures/figs.pptx
@@ -246,7 +246,7 @@
           <a:p>
             <a:fld id="{0D2365CA-5E4B-9146-99C6-9EE280F2DA9A}" type="datetimeFigureOut">
               <a:rPr lang="en-US" smtClean="0"/>
-              <a:t>8/27/18</a:t>
+              <a:t>8/30/18</a:t>
             </a:fld>
             <a:endParaRPr lang="en-US"/>
           </a:p>
@@ -416,7 +416,7 @@
           <a:p>
             <a:fld id="{0D2365CA-5E4B-9146-99C6-9EE280F2DA9A}" type="datetimeFigureOut">
               <a:rPr lang="en-US" smtClean="0"/>
-              <a:t>8/27/18</a:t>
+              <a:t>8/30/18</a:t>
             </a:fld>
             <a:endParaRPr lang="en-US"/>
           </a:p>
@@ -596,7 +596,7 @@
           <a:p>
             <a:fld id="{0D2365CA-5E4B-9146-99C6-9EE280F2DA9A}" type="datetimeFigureOut">
               <a:rPr lang="en-US" smtClean="0"/>
-              <a:t>8/27/18</a:t>
+              <a:t>8/30/18</a:t>
             </a:fld>
             <a:endParaRPr lang="en-US"/>
           </a:p>
@@ -766,7 +766,7 @@
           <a:p>
             <a:fld id="{0D2365CA-5E4B-9146-99C6-9EE280F2DA9A}" type="datetimeFigureOut">
               <a:rPr lang="en-US" smtClean="0"/>
-              <a:t>8/27/18</a:t>
+              <a:t>8/30/18</a:t>
             </a:fld>
             <a:endParaRPr lang="en-US"/>
           </a:p>
@@ -1012,7 +1012,7 @@
           <a:p>
             <a:fld id="{0D2365CA-5E4B-9146-99C6-9EE280F2DA9A}" type="datetimeFigureOut">
               <a:rPr lang="en-US" smtClean="0"/>
-              <a:t>8/27/18</a:t>
+              <a:t>8/30/18</a:t>
             </a:fld>
             <a:endParaRPr lang="en-US"/>
           </a:p>
@@ -1244,7 +1244,7 @@
           <a:p>
             <a:fld id="{0D2365CA-5E4B-9146-99C6-9EE280F2DA9A}" type="datetimeFigureOut">
               <a:rPr lang="en-US" smtClean="0"/>
-              <a:t>8/27/18</a:t>
+              <a:t>8/30/18</a:t>
             </a:fld>
             <a:endParaRPr lang="en-US"/>
           </a:p>
@@ -1611,7 +1611,7 @@
           <a:p>
             <a:fld id="{0D2365CA-5E4B-9146-99C6-9EE280F2DA9A}" type="datetimeFigureOut">
               <a:rPr lang="en-US" smtClean="0"/>
-              <a:t>8/27/18</a:t>
+              <a:t>8/30/18</a:t>
             </a:fld>
             <a:endParaRPr lang="en-US"/>
           </a:p>
@@ -1729,7 +1729,7 @@
           <a:p>
             <a:fld id="{0D2365CA-5E4B-9146-99C6-9EE280F2DA9A}" type="datetimeFigureOut">
               <a:rPr lang="en-US" smtClean="0"/>
-              <a:t>8/27/18</a:t>
+              <a:t>8/30/18</a:t>
             </a:fld>
             <a:endParaRPr lang="en-US"/>
           </a:p>
@@ -1824,7 +1824,7 @@
           <a:p>
             <a:fld id="{0D2365CA-5E4B-9146-99C6-9EE280F2DA9A}" type="datetimeFigureOut">
               <a:rPr lang="en-US" smtClean="0"/>
-              <a:t>8/27/18</a:t>
+              <a:t>8/30/18</a:t>
             </a:fld>
             <a:endParaRPr lang="en-US"/>
           </a:p>
@@ -2101,7 +2101,7 @@
           <a:p>
             <a:fld id="{0D2365CA-5E4B-9146-99C6-9EE280F2DA9A}" type="datetimeFigureOut">
               <a:rPr lang="en-US" smtClean="0"/>
-              <a:t>8/27/18</a:t>
+              <a:t>8/30/18</a:t>
             </a:fld>
             <a:endParaRPr lang="en-US"/>
           </a:p>
@@ -2354,7 +2354,7 @@
           <a:p>
             <a:fld id="{0D2365CA-5E4B-9146-99C6-9EE280F2DA9A}" type="datetimeFigureOut">
               <a:rPr lang="en-US" smtClean="0"/>
-              <a:t>8/27/18</a:t>
+              <a:t>8/30/18</a:t>
             </a:fld>
             <a:endParaRPr lang="en-US"/>
           </a:p>
@@ -2567,7 +2567,7 @@
           <a:p>
             <a:fld id="{0D2365CA-5E4B-9146-99C6-9EE280F2DA9A}" type="datetimeFigureOut">
               <a:rPr lang="en-US" smtClean="0"/>
-              <a:t>8/27/18</a:t>
+              <a:t>8/30/18</a:t>
             </a:fld>
             <a:endParaRPr lang="en-US"/>
           </a:p>
@@ -5435,60 +5435,6 @@
       </p:sp>
       <p:sp>
         <p:nvSpPr>
-          <p:cNvPr id="11" name="TextBox 10"/>
-          <p:cNvSpPr txBox="1"/>
-          <p:nvPr/>
-        </p:nvSpPr>
-        <p:spPr>
-          <a:xfrm>
-            <a:off x="1776539" y="3402319"/>
-            <a:ext cx="450764" cy="369332"/>
-          </a:xfrm>
-          <a:prstGeom prst="rect">
-            <a:avLst/>
-          </a:prstGeom>
-          <a:noFill/>
-        </p:spPr>
-        <p:txBody>
-          <a:bodyPr wrap="none" rtlCol="0" anchor="ctr">
-            <a:spAutoFit/>
-          </a:bodyPr>
-          <a:lstStyle/>
-          <a:p>
-            <a:r>
-              <a:rPr lang="el-GR" dirty="0" smtClean="0">
-                <a:latin typeface="Avenir Next" charset="0"/>
-                <a:ea typeface="Avenir Next" charset="0"/>
-                <a:cs typeface="Avenir Next" charset="0"/>
-              </a:rPr>
-              <a:t>Σ</a:t>
-            </a:r>
-            <a:r>
-              <a:rPr lang="en-US" dirty="0" smtClean="0">
-                <a:latin typeface="Avenir Next" charset="0"/>
-                <a:ea typeface="Avenir Next" charset="0"/>
-                <a:cs typeface="Avenir Next" charset="0"/>
-              </a:rPr>
-              <a:t>:</a:t>
-            </a:r>
-            <a:r>
-              <a:rPr lang="el-GR" dirty="0" smtClean="0">
-                <a:latin typeface="Avenir Next" charset="0"/>
-                <a:ea typeface="Avenir Next" charset="0"/>
-                <a:cs typeface="Avenir Next" charset="0"/>
-              </a:rPr>
-              <a:t> </a:t>
-            </a:r>
-            <a:endParaRPr lang="el-GR" dirty="0">
-              <a:latin typeface="Avenir Next" charset="0"/>
-              <a:ea typeface="Avenir Next" charset="0"/>
-              <a:cs typeface="Avenir Next" charset="0"/>
-            </a:endParaRPr>
-          </a:p>
-        </p:txBody>
-      </p:sp>
-      <p:sp>
-        <p:nvSpPr>
           <p:cNvPr id="12" name="Oval 11"/>
           <p:cNvSpPr/>
           <p:nvPr/>
@@ -5814,8 +5760,13 @@
                 <a:ea typeface="Avenir Next" charset="0"/>
                 <a:cs typeface="Avenir Next" charset="0"/>
               </a:rPr>
-              <a:t>Programs</a:t>
-            </a:r>
+              <a:t>Pipelines</a:t>
+            </a:r>
+            <a:endParaRPr lang="en-US" dirty="0" smtClean="0">
+              <a:latin typeface="Avenir Next" charset="0"/>
+              <a:ea typeface="Avenir Next" charset="0"/>
+              <a:cs typeface="Avenir Next" charset="0"/>
+            </a:endParaRPr>
           </a:p>
         </p:txBody>
       </p:sp>
@@ -9654,14 +9605,6 @@
               </a:rPr>
               <a:t>Quality Evaluator</a:t>
             </a:r>
-            <a:endParaRPr lang="en-US" dirty="0" smtClean="0">
-              <a:solidFill>
-                <a:srgbClr val="00B050"/>
-              </a:solidFill>
-              <a:latin typeface="Avenir Book" charset="0"/>
-              <a:ea typeface="Avenir Book" charset="0"/>
-              <a:cs typeface="Avenir Book" charset="0"/>
-            </a:endParaRPr>
           </a:p>
         </p:txBody>
       </p:sp>
@@ -9720,14 +9663,6 @@
               </a:rPr>
               <a:t>ML-based Pruner</a:t>
             </a:r>
-            <a:endParaRPr lang="en-US" dirty="0" smtClean="0">
-              <a:solidFill>
-                <a:srgbClr val="00B050"/>
-              </a:solidFill>
-              <a:latin typeface="Avenir Book" charset="0"/>
-              <a:ea typeface="Avenir Book" charset="0"/>
-              <a:cs typeface="Avenir Book" charset="0"/>
-            </a:endParaRPr>
           </a:p>
         </p:txBody>
       </p:sp>
@@ -9783,14 +9718,6 @@
               </a:rPr>
               <a:t>Searcher</a:t>
             </a:r>
-            <a:endParaRPr lang="en-US" sz="2000" dirty="0" smtClean="0">
-              <a:solidFill>
-                <a:srgbClr val="00B050"/>
-              </a:solidFill>
-              <a:latin typeface="Avenir Book" charset="0"/>
-              <a:ea typeface="Avenir Book" charset="0"/>
-              <a:cs typeface="Avenir Book" charset="0"/>
-            </a:endParaRPr>
           </a:p>
         </p:txBody>
       </p:sp>
@@ -9849,14 +9776,6 @@
               </a:rPr>
               <a:t>Condition Assignments Pool</a:t>
             </a:r>
-            <a:endParaRPr lang="en-US" sz="2000" dirty="0" smtClean="0">
-              <a:solidFill>
-                <a:srgbClr val="00B0F0"/>
-              </a:solidFill>
-              <a:latin typeface="Avenir Book" charset="0"/>
-              <a:ea typeface="Avenir Book" charset="0"/>
-              <a:cs typeface="Avenir Book" charset="0"/>
-            </a:endParaRPr>
           </a:p>
         </p:txBody>
       </p:sp>
@@ -9918,16 +9837,6 @@
               </a:rPr>
               <a:t>Library</a:t>
             </a:r>
-            <a:endParaRPr lang="en-US" sz="2000" dirty="0" smtClean="0">
-              <a:solidFill>
-                <a:schemeClr val="bg1">
-                  <a:lumMod val="50000"/>
-                </a:schemeClr>
-              </a:solidFill>
-              <a:latin typeface="Avenir Book" charset="0"/>
-              <a:ea typeface="Avenir Book" charset="0"/>
-              <a:cs typeface="Avenir Book" charset="0"/>
-            </a:endParaRPr>
           </a:p>
         </p:txBody>
       </p:sp>
@@ -10036,14 +9945,6 @@
               </a:rPr>
               <a:t>. Sampler</a:t>
             </a:r>
-            <a:endParaRPr lang="en-US" dirty="0" smtClean="0">
-              <a:solidFill>
-                <a:srgbClr val="00B050"/>
-              </a:solidFill>
-              <a:latin typeface="Avenir Book" charset="0"/>
-              <a:ea typeface="Avenir Book" charset="0"/>
-              <a:cs typeface="Avenir Book" charset="0"/>
-            </a:endParaRPr>
           </a:p>
         </p:txBody>
       </p:sp>
@@ -10117,11 +10018,6 @@
               </a:rPr>
               <a:t>Pipeline</a:t>
             </a:r>
-            <a:endParaRPr lang="en-US" dirty="0" smtClean="0">
-              <a:latin typeface="Avenir Next" charset="0"/>
-              <a:ea typeface="Avenir Next" charset="0"/>
-              <a:cs typeface="Avenir Next" charset="0"/>
-            </a:endParaRPr>
           </a:p>
         </p:txBody>
       </p:sp>
@@ -10167,11 +10063,6 @@
               </a:rPr>
               <a:t>Depth limit</a:t>
             </a:r>
-            <a:endParaRPr lang="en-US" dirty="0" smtClean="0">
-              <a:latin typeface="Avenir Next" charset="0"/>
-              <a:ea typeface="Avenir Next" charset="0"/>
-              <a:cs typeface="Avenir Next" charset="0"/>
-            </a:endParaRPr>
           </a:p>
         </p:txBody>
       </p:sp>
@@ -10330,11 +10221,6 @@
               </a:rPr>
               <a:t>, R*</a:t>
             </a:r>
-            <a:endParaRPr lang="en-US" dirty="0" smtClean="0">
-              <a:latin typeface="Avenir Next" charset="0"/>
-              <a:ea typeface="Avenir Next" charset="0"/>
-              <a:cs typeface="Avenir Next" charset="0"/>
-            </a:endParaRPr>
           </a:p>
         </p:txBody>
       </p:sp>
